--- a/Records/Files/绘图.pptx
+++ b/Records/Files/绘图.pptx
@@ -7,6 +7,9 @@
   <p:sldIdLst>
     <p:sldId id="256" r:id="rId2"/>
     <p:sldId id="257" r:id="rId3"/>
+    <p:sldId id="259" r:id="rId4"/>
+    <p:sldId id="260" r:id="rId5"/>
+    <p:sldId id="258" r:id="rId6"/>
   </p:sldIdLst>
   <p:sldSz cx="12192000" cy="6858000"/>
   <p:notesSz cx="6858000" cy="9144000"/>
@@ -105,6 +108,28 @@
       </a:defRPr>
     </a:lvl9pPr>
   </p:defaultTextStyle>
+  <p:extLst>
+    <p:ext uri="{521415D9-36F7-43E2-AB2F-B90AF26B5E84}">
+      <p14:sectionLst xmlns:p14="http://schemas.microsoft.com/office/powerpoint/2010/main">
+        <p14:section name="默认节" id="{E6311E97-BDEA-49B2-9289-FC34BE87FF5A}">
+          <p14:sldIdLst>
+            <p14:sldId id="256"/>
+            <p14:sldId id="257"/>
+            <p14:sldId id="259"/>
+            <p14:sldId id="260"/>
+          </p14:sldIdLst>
+        </p14:section>
+        <p14:section name="调色盘" id="{F219C78C-63A3-46B0-B927-77D926844DA0}">
+          <p14:sldIdLst>
+            <p14:sldId id="258"/>
+          </p14:sldIdLst>
+        </p14:section>
+      </p14:sectionLst>
+    </p:ext>
+    <p:ext uri="{EFAFB233-063F-42B5-8137-9DF3F51BA10A}">
+      <p15:sldGuideLst xmlns:p15="http://schemas.microsoft.com/office/powerpoint/2012/main"/>
+    </p:ext>
+  </p:extLst>
 </p:presentation>
 </file>
 
@@ -255,7 +280,7 @@
           <a:p>
             <a:fld id="{93C21203-5B9D-4602-98E5-5368AAB74C7B}" type="datetimeFigureOut">
               <a:rPr lang="zh-CN" altLang="en-US" smtClean="0"/>
-              <a:t>2021-01-27</a:t>
+              <a:t>2021-01-31</a:t>
             </a:fld>
             <a:endParaRPr lang="zh-CN" altLang="en-US"/>
           </a:p>
@@ -453,7 +478,7 @@
           <a:p>
             <a:fld id="{93C21203-5B9D-4602-98E5-5368AAB74C7B}" type="datetimeFigureOut">
               <a:rPr lang="zh-CN" altLang="en-US" smtClean="0"/>
-              <a:t>2021-01-27</a:t>
+              <a:t>2021-01-31</a:t>
             </a:fld>
             <a:endParaRPr lang="zh-CN" altLang="en-US"/>
           </a:p>
@@ -661,7 +686,7 @@
           <a:p>
             <a:fld id="{93C21203-5B9D-4602-98E5-5368AAB74C7B}" type="datetimeFigureOut">
               <a:rPr lang="zh-CN" altLang="en-US" smtClean="0"/>
-              <a:t>2021-01-27</a:t>
+              <a:t>2021-01-31</a:t>
             </a:fld>
             <a:endParaRPr lang="zh-CN" altLang="en-US"/>
           </a:p>
@@ -859,7 +884,7 @@
           <a:p>
             <a:fld id="{93C21203-5B9D-4602-98E5-5368AAB74C7B}" type="datetimeFigureOut">
               <a:rPr lang="zh-CN" altLang="en-US" smtClean="0"/>
-              <a:t>2021-01-27</a:t>
+              <a:t>2021-01-31</a:t>
             </a:fld>
             <a:endParaRPr lang="zh-CN" altLang="en-US"/>
           </a:p>
@@ -1134,7 +1159,7 @@
           <a:p>
             <a:fld id="{93C21203-5B9D-4602-98E5-5368AAB74C7B}" type="datetimeFigureOut">
               <a:rPr lang="zh-CN" altLang="en-US" smtClean="0"/>
-              <a:t>2021-01-27</a:t>
+              <a:t>2021-01-31</a:t>
             </a:fld>
             <a:endParaRPr lang="zh-CN" altLang="en-US"/>
           </a:p>
@@ -1399,7 +1424,7 @@
           <a:p>
             <a:fld id="{93C21203-5B9D-4602-98E5-5368AAB74C7B}" type="datetimeFigureOut">
               <a:rPr lang="zh-CN" altLang="en-US" smtClean="0"/>
-              <a:t>2021-01-27</a:t>
+              <a:t>2021-01-31</a:t>
             </a:fld>
             <a:endParaRPr lang="zh-CN" altLang="en-US"/>
           </a:p>
@@ -1811,7 +1836,7 @@
           <a:p>
             <a:fld id="{93C21203-5B9D-4602-98E5-5368AAB74C7B}" type="datetimeFigureOut">
               <a:rPr lang="zh-CN" altLang="en-US" smtClean="0"/>
-              <a:t>2021-01-27</a:t>
+              <a:t>2021-01-31</a:t>
             </a:fld>
             <a:endParaRPr lang="zh-CN" altLang="en-US"/>
           </a:p>
@@ -1952,7 +1977,7 @@
           <a:p>
             <a:fld id="{93C21203-5B9D-4602-98E5-5368AAB74C7B}" type="datetimeFigureOut">
               <a:rPr lang="zh-CN" altLang="en-US" smtClean="0"/>
-              <a:t>2021-01-27</a:t>
+              <a:t>2021-01-31</a:t>
             </a:fld>
             <a:endParaRPr lang="zh-CN" altLang="en-US"/>
           </a:p>
@@ -2065,7 +2090,7 @@
           <a:p>
             <a:fld id="{93C21203-5B9D-4602-98E5-5368AAB74C7B}" type="datetimeFigureOut">
               <a:rPr lang="zh-CN" altLang="en-US" smtClean="0"/>
-              <a:t>2021-01-27</a:t>
+              <a:t>2021-01-31</a:t>
             </a:fld>
             <a:endParaRPr lang="zh-CN" altLang="en-US"/>
           </a:p>
@@ -2376,7 +2401,7 @@
           <a:p>
             <a:fld id="{93C21203-5B9D-4602-98E5-5368AAB74C7B}" type="datetimeFigureOut">
               <a:rPr lang="zh-CN" altLang="en-US" smtClean="0"/>
-              <a:t>2021-01-27</a:t>
+              <a:t>2021-01-31</a:t>
             </a:fld>
             <a:endParaRPr lang="zh-CN" altLang="en-US"/>
           </a:p>
@@ -2664,7 +2689,7 @@
           <a:p>
             <a:fld id="{93C21203-5B9D-4602-98E5-5368AAB74C7B}" type="datetimeFigureOut">
               <a:rPr lang="zh-CN" altLang="en-US" smtClean="0"/>
-              <a:t>2021-01-27</a:t>
+              <a:t>2021-01-31</a:t>
             </a:fld>
             <a:endParaRPr lang="zh-CN" altLang="en-US"/>
           </a:p>
@@ -2905,7 +2930,7 @@
           <a:p>
             <a:fld id="{93C21203-5B9D-4602-98E5-5368AAB74C7B}" type="datetimeFigureOut">
               <a:rPr lang="zh-CN" altLang="en-US" smtClean="0"/>
-              <a:t>2021-01-27</a:t>
+              <a:t>2021-01-31</a:t>
             </a:fld>
             <a:endParaRPr lang="zh-CN" altLang="en-US"/>
           </a:p>
@@ -7568,6 +7593,2592 @@
 </p:sld>
 </file>
 
+<file path=ppt/slides/slide3.xml><?xml version="1.0" encoding="utf-8"?>
+<p:sld xmlns:a="http://schemas.openxmlformats.org/drawingml/2006/main" xmlns:r="http://schemas.openxmlformats.org/officeDocument/2006/relationships" xmlns:p="http://schemas.openxmlformats.org/presentationml/2006/main">
+  <p:cSld>
+    <p:spTree>
+      <p:nvGrpSpPr>
+        <p:cNvPr id="1" name=""/>
+        <p:cNvGrpSpPr/>
+        <p:nvPr/>
+      </p:nvGrpSpPr>
+      <p:grpSpPr>
+        <a:xfrm>
+          <a:off x="0" y="0"/>
+          <a:ext cx="0" cy="0"/>
+          <a:chOff x="0" y="0"/>
+          <a:chExt cx="0" cy="0"/>
+        </a:xfrm>
+      </p:grpSpPr>
+      <p:sp>
+        <p:nvSpPr>
+          <p:cNvPr id="4" name="矩形 3">
+            <a:extLst>
+              <a:ext uri="{FF2B5EF4-FFF2-40B4-BE49-F238E27FC236}">
+                <a16:creationId xmlns:a16="http://schemas.microsoft.com/office/drawing/2014/main" id="{54A7E588-05CB-4D48-9959-32E691CA55C5}"/>
+              </a:ext>
+            </a:extLst>
+          </p:cNvPr>
+          <p:cNvSpPr/>
+          <p:nvPr/>
+        </p:nvSpPr>
+        <p:spPr>
+          <a:xfrm>
+            <a:off x="2422688" y="2083324"/>
+            <a:ext cx="8135333" cy="1345676"/>
+          </a:xfrm>
+          <a:prstGeom prst="rect">
+            <a:avLst/>
+          </a:prstGeom>
+          <a:solidFill>
+            <a:srgbClr val="F5F5F5"/>
+          </a:solidFill>
+        </p:spPr>
+        <p:style>
+          <a:lnRef idx="2">
+            <a:schemeClr val="accent1">
+              <a:shade val="50000"/>
+            </a:schemeClr>
+          </a:lnRef>
+          <a:fillRef idx="1">
+            <a:schemeClr val="accent1"/>
+          </a:fillRef>
+          <a:effectRef idx="0">
+            <a:schemeClr val="accent1"/>
+          </a:effectRef>
+          <a:fontRef idx="minor">
+            <a:schemeClr val="lt1"/>
+          </a:fontRef>
+        </p:style>
+        <p:txBody>
+          <a:bodyPr rtlCol="0" anchor="ctr"/>
+          <a:lstStyle/>
+          <a:p>
+            <a:pPr algn="ctr"/>
+            <a:endParaRPr lang="zh-CN" altLang="en-US" dirty="0">
+              <a:latin typeface="Times New Roman" panose="02020603050405020304" pitchFamily="18" charset="0"/>
+              <a:cs typeface="Times New Roman" panose="02020603050405020304" pitchFamily="18" charset="0"/>
+            </a:endParaRPr>
+          </a:p>
+        </p:txBody>
+      </p:sp>
+      <p:sp>
+        <p:nvSpPr>
+          <p:cNvPr id="5" name="矩形 4">
+            <a:extLst>
+              <a:ext uri="{FF2B5EF4-FFF2-40B4-BE49-F238E27FC236}">
+                <a16:creationId xmlns:a16="http://schemas.microsoft.com/office/drawing/2014/main" id="{6A2DCD5D-C9B0-4784-95C5-C01CEA0FAF93}"/>
+              </a:ext>
+            </a:extLst>
+          </p:cNvPr>
+          <p:cNvSpPr/>
+          <p:nvPr/>
+        </p:nvSpPr>
+        <p:spPr>
+          <a:xfrm>
+            <a:off x="2422688" y="2083324"/>
+            <a:ext cx="1159498" cy="1345676"/>
+          </a:xfrm>
+          <a:prstGeom prst="rect">
+            <a:avLst/>
+          </a:prstGeom>
+          <a:solidFill>
+            <a:srgbClr val="C4B7D7"/>
+          </a:solidFill>
+          <a:ln>
+            <a:solidFill>
+              <a:schemeClr val="tx1"/>
+            </a:solidFill>
+          </a:ln>
+        </p:spPr>
+        <p:style>
+          <a:lnRef idx="2">
+            <a:schemeClr val="accent1">
+              <a:shade val="50000"/>
+            </a:schemeClr>
+          </a:lnRef>
+          <a:fillRef idx="1">
+            <a:schemeClr val="accent1"/>
+          </a:fillRef>
+          <a:effectRef idx="0">
+            <a:schemeClr val="accent1"/>
+          </a:effectRef>
+          <a:fontRef idx="minor">
+            <a:schemeClr val="lt1"/>
+          </a:fontRef>
+        </p:style>
+        <p:txBody>
+          <a:bodyPr rtlCol="0" anchor="ctr"/>
+          <a:lstStyle/>
+          <a:p>
+            <a:pPr algn="ctr"/>
+            <a:r>
+              <a:rPr lang="en-US" altLang="zh-CN" dirty="0">
+                <a:solidFill>
+                  <a:schemeClr val="tx1"/>
+                </a:solidFill>
+                <a:latin typeface="Times New Roman" panose="02020603050405020304" pitchFamily="18" charset="0"/>
+                <a:cs typeface="Times New Roman" panose="02020603050405020304" pitchFamily="18" charset="0"/>
+              </a:rPr>
+              <a:t>DATA</a:t>
+            </a:r>
+            <a:endParaRPr lang="zh-CN" altLang="en-US" dirty="0">
+              <a:solidFill>
+                <a:schemeClr val="tx1"/>
+              </a:solidFill>
+              <a:latin typeface="Times New Roman" panose="02020603050405020304" pitchFamily="18" charset="0"/>
+              <a:cs typeface="Times New Roman" panose="02020603050405020304" pitchFamily="18" charset="0"/>
+            </a:endParaRPr>
+          </a:p>
+        </p:txBody>
+      </p:sp>
+      <p:sp>
+        <p:nvSpPr>
+          <p:cNvPr id="6" name="矩形 5">
+            <a:extLst>
+              <a:ext uri="{FF2B5EF4-FFF2-40B4-BE49-F238E27FC236}">
+                <a16:creationId xmlns:a16="http://schemas.microsoft.com/office/drawing/2014/main" id="{06E93C6E-1D89-442D-A74B-C42A4EAE72AB}"/>
+              </a:ext>
+            </a:extLst>
+          </p:cNvPr>
+          <p:cNvSpPr/>
+          <p:nvPr/>
+        </p:nvSpPr>
+        <p:spPr>
+          <a:xfrm>
+            <a:off x="3582186" y="2083324"/>
+            <a:ext cx="1159498" cy="1345676"/>
+          </a:xfrm>
+          <a:prstGeom prst="rect">
+            <a:avLst/>
+          </a:prstGeom>
+          <a:solidFill>
+            <a:srgbClr val="C4B7D7"/>
+          </a:solidFill>
+          <a:ln>
+            <a:solidFill>
+              <a:schemeClr val="tx1"/>
+            </a:solidFill>
+          </a:ln>
+        </p:spPr>
+        <p:style>
+          <a:lnRef idx="2">
+            <a:schemeClr val="accent1">
+              <a:shade val="50000"/>
+            </a:schemeClr>
+          </a:lnRef>
+          <a:fillRef idx="1">
+            <a:schemeClr val="accent1"/>
+          </a:fillRef>
+          <a:effectRef idx="0">
+            <a:schemeClr val="accent1"/>
+          </a:effectRef>
+          <a:fontRef idx="minor">
+            <a:schemeClr val="lt1"/>
+          </a:fontRef>
+        </p:style>
+        <p:txBody>
+          <a:bodyPr rtlCol="0" anchor="ctr"/>
+          <a:lstStyle/>
+          <a:p>
+            <a:pPr algn="ctr"/>
+            <a:r>
+              <a:rPr lang="en-US" altLang="zh-CN" dirty="0">
+                <a:solidFill>
+                  <a:schemeClr val="tx1"/>
+                </a:solidFill>
+                <a:latin typeface="Times New Roman" panose="02020603050405020304" pitchFamily="18" charset="0"/>
+                <a:cs typeface="Times New Roman" panose="02020603050405020304" pitchFamily="18" charset="0"/>
+              </a:rPr>
+              <a:t>INODE</a:t>
+            </a:r>
+            <a:endParaRPr lang="zh-CN" altLang="en-US" dirty="0">
+              <a:solidFill>
+                <a:schemeClr val="tx1"/>
+              </a:solidFill>
+              <a:latin typeface="Times New Roman" panose="02020603050405020304" pitchFamily="18" charset="0"/>
+              <a:cs typeface="Times New Roman" panose="02020603050405020304" pitchFamily="18" charset="0"/>
+            </a:endParaRPr>
+          </a:p>
+        </p:txBody>
+      </p:sp>
+      <p:sp>
+        <p:nvSpPr>
+          <p:cNvPr id="7" name="矩形 6">
+            <a:extLst>
+              <a:ext uri="{FF2B5EF4-FFF2-40B4-BE49-F238E27FC236}">
+                <a16:creationId xmlns:a16="http://schemas.microsoft.com/office/drawing/2014/main" id="{8E55F7A3-4244-4CF3-884B-4741A5245479}"/>
+              </a:ext>
+            </a:extLst>
+          </p:cNvPr>
+          <p:cNvSpPr/>
+          <p:nvPr/>
+        </p:nvSpPr>
+        <p:spPr>
+          <a:xfrm>
+            <a:off x="4741684" y="2083324"/>
+            <a:ext cx="1159498" cy="1345676"/>
+          </a:xfrm>
+          <a:prstGeom prst="rect">
+            <a:avLst/>
+          </a:prstGeom>
+          <a:solidFill>
+            <a:srgbClr val="C4B7D7"/>
+          </a:solidFill>
+          <a:ln>
+            <a:solidFill>
+              <a:schemeClr val="tx1"/>
+            </a:solidFill>
+          </a:ln>
+        </p:spPr>
+        <p:style>
+          <a:lnRef idx="2">
+            <a:schemeClr val="accent1">
+              <a:shade val="50000"/>
+            </a:schemeClr>
+          </a:lnRef>
+          <a:fillRef idx="1">
+            <a:schemeClr val="accent1"/>
+          </a:fillRef>
+          <a:effectRef idx="0">
+            <a:schemeClr val="accent1"/>
+          </a:effectRef>
+          <a:fontRef idx="minor">
+            <a:schemeClr val="lt1"/>
+          </a:fontRef>
+        </p:style>
+        <p:txBody>
+          <a:bodyPr rtlCol="0" anchor="ctr"/>
+          <a:lstStyle/>
+          <a:p>
+            <a:pPr algn="ctr"/>
+            <a:r>
+              <a:rPr lang="en-US" altLang="zh-CN" dirty="0">
+                <a:solidFill>
+                  <a:schemeClr val="tx1"/>
+                </a:solidFill>
+                <a:latin typeface="Times New Roman" panose="02020603050405020304" pitchFamily="18" charset="0"/>
+                <a:cs typeface="Times New Roman" panose="02020603050405020304" pitchFamily="18" charset="0"/>
+              </a:rPr>
+              <a:t>IMAP0</a:t>
+            </a:r>
+            <a:endParaRPr lang="zh-CN" altLang="en-US" dirty="0">
+              <a:solidFill>
+                <a:schemeClr val="tx1"/>
+              </a:solidFill>
+              <a:latin typeface="Times New Roman" panose="02020603050405020304" pitchFamily="18" charset="0"/>
+              <a:cs typeface="Times New Roman" panose="02020603050405020304" pitchFamily="18" charset="0"/>
+            </a:endParaRPr>
+          </a:p>
+        </p:txBody>
+      </p:sp>
+      <p:sp>
+        <p:nvSpPr>
+          <p:cNvPr id="8" name="矩形 7">
+            <a:extLst>
+              <a:ext uri="{FF2B5EF4-FFF2-40B4-BE49-F238E27FC236}">
+                <a16:creationId xmlns:a16="http://schemas.microsoft.com/office/drawing/2014/main" id="{AEA2D29E-F5D1-407E-A81D-FDF751C3EDD8}"/>
+              </a:ext>
+            </a:extLst>
+          </p:cNvPr>
+          <p:cNvSpPr/>
+          <p:nvPr/>
+        </p:nvSpPr>
+        <p:spPr>
+          <a:xfrm>
+            <a:off x="5901182" y="2083324"/>
+            <a:ext cx="1159498" cy="1345676"/>
+          </a:xfrm>
+          <a:prstGeom prst="rect">
+            <a:avLst/>
+          </a:prstGeom>
+          <a:solidFill>
+            <a:srgbClr val="C4B7D7"/>
+          </a:solidFill>
+          <a:ln>
+            <a:solidFill>
+              <a:schemeClr val="tx1"/>
+            </a:solidFill>
+          </a:ln>
+        </p:spPr>
+        <p:style>
+          <a:lnRef idx="2">
+            <a:schemeClr val="accent1">
+              <a:shade val="50000"/>
+            </a:schemeClr>
+          </a:lnRef>
+          <a:fillRef idx="1">
+            <a:schemeClr val="accent1"/>
+          </a:fillRef>
+          <a:effectRef idx="0">
+            <a:schemeClr val="accent1"/>
+          </a:effectRef>
+          <a:fontRef idx="minor">
+            <a:schemeClr val="lt1"/>
+          </a:fontRef>
+        </p:style>
+        <p:txBody>
+          <a:bodyPr rtlCol="0" anchor="ctr"/>
+          <a:lstStyle/>
+          <a:p>
+            <a:pPr algn="ctr"/>
+            <a:r>
+              <a:rPr lang="en-US" altLang="zh-CN" dirty="0">
+                <a:solidFill>
+                  <a:schemeClr val="tx1"/>
+                </a:solidFill>
+                <a:latin typeface="Times New Roman" panose="02020603050405020304" pitchFamily="18" charset="0"/>
+                <a:cs typeface="Times New Roman" panose="02020603050405020304" pitchFamily="18" charset="0"/>
+              </a:rPr>
+              <a:t>IMAP0</a:t>
+            </a:r>
+            <a:endParaRPr lang="zh-CN" altLang="en-US" dirty="0">
+              <a:solidFill>
+                <a:schemeClr val="tx1"/>
+              </a:solidFill>
+              <a:latin typeface="Times New Roman" panose="02020603050405020304" pitchFamily="18" charset="0"/>
+              <a:cs typeface="Times New Roman" panose="02020603050405020304" pitchFamily="18" charset="0"/>
+            </a:endParaRPr>
+          </a:p>
+        </p:txBody>
+      </p:sp>
+      <p:sp>
+        <p:nvSpPr>
+          <p:cNvPr id="9" name="矩形 8">
+            <a:extLst>
+              <a:ext uri="{FF2B5EF4-FFF2-40B4-BE49-F238E27FC236}">
+                <a16:creationId xmlns:a16="http://schemas.microsoft.com/office/drawing/2014/main" id="{161C869A-31C4-43FD-B2D8-B15D7F6F080A}"/>
+              </a:ext>
+            </a:extLst>
+          </p:cNvPr>
+          <p:cNvSpPr/>
+          <p:nvPr/>
+        </p:nvSpPr>
+        <p:spPr>
+          <a:xfrm>
+            <a:off x="433637" y="2083324"/>
+            <a:ext cx="1159498" cy="1345676"/>
+          </a:xfrm>
+          <a:prstGeom prst="rect">
+            <a:avLst/>
+          </a:prstGeom>
+          <a:solidFill>
+            <a:srgbClr val="705697"/>
+          </a:solidFill>
+        </p:spPr>
+        <p:style>
+          <a:lnRef idx="2">
+            <a:schemeClr val="accent1">
+              <a:shade val="50000"/>
+            </a:schemeClr>
+          </a:lnRef>
+          <a:fillRef idx="1">
+            <a:schemeClr val="accent1"/>
+          </a:fillRef>
+          <a:effectRef idx="0">
+            <a:schemeClr val="accent1"/>
+          </a:effectRef>
+          <a:fontRef idx="minor">
+            <a:schemeClr val="lt1"/>
+          </a:fontRef>
+        </p:style>
+        <p:txBody>
+          <a:bodyPr rtlCol="0" anchor="ctr"/>
+          <a:lstStyle/>
+          <a:p>
+            <a:pPr algn="ctr"/>
+            <a:r>
+              <a:rPr lang="en-US" altLang="zh-CN" dirty="0">
+                <a:latin typeface="Times New Roman" panose="02020603050405020304" pitchFamily="18" charset="0"/>
+                <a:cs typeface="Times New Roman" panose="02020603050405020304" pitchFamily="18" charset="0"/>
+              </a:rPr>
+              <a:t>CPR</a:t>
+            </a:r>
+            <a:endParaRPr lang="zh-CN" altLang="en-US" dirty="0">
+              <a:latin typeface="Times New Roman" panose="02020603050405020304" pitchFamily="18" charset="0"/>
+              <a:cs typeface="Times New Roman" panose="02020603050405020304" pitchFamily="18" charset="0"/>
+            </a:endParaRPr>
+          </a:p>
+        </p:txBody>
+      </p:sp>
+      <p:cxnSp>
+        <p:nvCxnSpPr>
+          <p:cNvPr id="11" name="连接符: 肘形 10">
+            <a:extLst>
+              <a:ext uri="{FF2B5EF4-FFF2-40B4-BE49-F238E27FC236}">
+                <a16:creationId xmlns:a16="http://schemas.microsoft.com/office/drawing/2014/main" id="{6F9A9582-3C3E-4AAF-9D2C-BF6EA4540424}"/>
+              </a:ext>
+            </a:extLst>
+          </p:cNvPr>
+          <p:cNvCxnSpPr>
+            <a:stCxn id="7" idx="0"/>
+            <a:endCxn id="6" idx="0"/>
+          </p:cNvCxnSpPr>
+          <p:nvPr/>
+        </p:nvCxnSpPr>
+        <p:spPr>
+          <a:xfrm rot="16200000" flipV="1">
+            <a:off x="4741684" y="1503575"/>
+            <a:ext cx="12700" cy="1159498"/>
+          </a:xfrm>
+          <a:prstGeom prst="bentConnector3">
+            <a:avLst>
+              <a:gd name="adj1" fmla="val 1800000"/>
+            </a:avLst>
+          </a:prstGeom>
+          <a:ln w="12700">
+            <a:headEnd type="oval" w="med" len="med"/>
+            <a:tailEnd type="triangle" w="med" len="med"/>
+          </a:ln>
+        </p:spPr>
+        <p:style>
+          <a:lnRef idx="1">
+            <a:schemeClr val="dk1"/>
+          </a:lnRef>
+          <a:fillRef idx="0">
+            <a:schemeClr val="dk1"/>
+          </a:fillRef>
+          <a:effectRef idx="0">
+            <a:schemeClr val="dk1"/>
+          </a:effectRef>
+          <a:fontRef idx="minor">
+            <a:schemeClr val="tx1"/>
+          </a:fontRef>
+        </p:style>
+      </p:cxnSp>
+      <p:cxnSp>
+        <p:nvCxnSpPr>
+          <p:cNvPr id="13" name="连接符: 肘形 12">
+            <a:extLst>
+              <a:ext uri="{FF2B5EF4-FFF2-40B4-BE49-F238E27FC236}">
+                <a16:creationId xmlns:a16="http://schemas.microsoft.com/office/drawing/2014/main" id="{B139D361-7BC9-4C89-9F39-D7125BA299CA}"/>
+              </a:ext>
+            </a:extLst>
+          </p:cNvPr>
+          <p:cNvCxnSpPr>
+            <a:stCxn id="6" idx="2"/>
+            <a:endCxn id="5" idx="2"/>
+          </p:cNvCxnSpPr>
+          <p:nvPr/>
+        </p:nvCxnSpPr>
+        <p:spPr>
+          <a:xfrm rot="5400000">
+            <a:off x="3582186" y="2849251"/>
+            <a:ext cx="12700" cy="1159498"/>
+          </a:xfrm>
+          <a:prstGeom prst="bentConnector3">
+            <a:avLst>
+              <a:gd name="adj1" fmla="val 1800000"/>
+            </a:avLst>
+          </a:prstGeom>
+          <a:ln w="12700">
+            <a:headEnd type="oval" w="med" len="med"/>
+            <a:tailEnd type="triangle" w="med" len="med"/>
+          </a:ln>
+        </p:spPr>
+        <p:style>
+          <a:lnRef idx="1">
+            <a:schemeClr val="dk1"/>
+          </a:lnRef>
+          <a:fillRef idx="0">
+            <a:schemeClr val="dk1"/>
+          </a:fillRef>
+          <a:effectRef idx="0">
+            <a:schemeClr val="dk1"/>
+          </a:effectRef>
+          <a:fontRef idx="minor">
+            <a:schemeClr val="tx1"/>
+          </a:fontRef>
+        </p:style>
+      </p:cxnSp>
+      <p:cxnSp>
+        <p:nvCxnSpPr>
+          <p:cNvPr id="15" name="连接符: 肘形 14">
+            <a:extLst>
+              <a:ext uri="{FF2B5EF4-FFF2-40B4-BE49-F238E27FC236}">
+                <a16:creationId xmlns:a16="http://schemas.microsoft.com/office/drawing/2014/main" id="{E06350BE-5AD2-42B0-AAE1-B3980985032D}"/>
+              </a:ext>
+            </a:extLst>
+          </p:cNvPr>
+          <p:cNvCxnSpPr>
+            <a:stCxn id="9" idx="2"/>
+            <a:endCxn id="8" idx="2"/>
+          </p:cNvCxnSpPr>
+          <p:nvPr/>
+        </p:nvCxnSpPr>
+        <p:spPr>
+          <a:xfrm rot="16200000" flipH="1">
+            <a:off x="3747158" y="695227"/>
+            <a:ext cx="12700" cy="5467545"/>
+          </a:xfrm>
+          <a:prstGeom prst="bentConnector3">
+            <a:avLst>
+              <a:gd name="adj1" fmla="val 5585567"/>
+            </a:avLst>
+          </a:prstGeom>
+          <a:ln w="12700">
+            <a:headEnd type="oval" w="med" len="med"/>
+            <a:tailEnd type="triangle" w="med" len="med"/>
+          </a:ln>
+        </p:spPr>
+        <p:style>
+          <a:lnRef idx="1">
+            <a:schemeClr val="dk1"/>
+          </a:lnRef>
+          <a:fillRef idx="0">
+            <a:schemeClr val="dk1"/>
+          </a:fillRef>
+          <a:effectRef idx="0">
+            <a:schemeClr val="dk1"/>
+          </a:effectRef>
+          <a:fontRef idx="minor">
+            <a:schemeClr val="tx1"/>
+          </a:fontRef>
+        </p:style>
+      </p:cxnSp>
+      <p:cxnSp>
+        <p:nvCxnSpPr>
+          <p:cNvPr id="18" name="直接箭头连接符 17">
+            <a:extLst>
+              <a:ext uri="{FF2B5EF4-FFF2-40B4-BE49-F238E27FC236}">
+                <a16:creationId xmlns:a16="http://schemas.microsoft.com/office/drawing/2014/main" id="{C3770E0D-5303-4176-AA27-4B600CA66A0C}"/>
+              </a:ext>
+            </a:extLst>
+          </p:cNvPr>
+          <p:cNvCxnSpPr>
+            <a:cxnSpLocks/>
+            <a:stCxn id="8" idx="0"/>
+            <a:endCxn id="20" idx="2"/>
+          </p:cNvCxnSpPr>
+          <p:nvPr/>
+        </p:nvCxnSpPr>
+        <p:spPr>
+          <a:xfrm flipV="1">
+            <a:off x="6480931" y="1640264"/>
+            <a:ext cx="0" cy="443060"/>
+          </a:xfrm>
+          <a:prstGeom prst="straightConnector1">
+            <a:avLst/>
+          </a:prstGeom>
+          <a:ln w="12700">
+            <a:headEnd type="oval" w="med" len="med"/>
+            <a:tailEnd type="triangle" w="med" len="med"/>
+          </a:ln>
+        </p:spPr>
+        <p:style>
+          <a:lnRef idx="1">
+            <a:schemeClr val="dk1"/>
+          </a:lnRef>
+          <a:fillRef idx="0">
+            <a:schemeClr val="dk1"/>
+          </a:fillRef>
+          <a:effectRef idx="0">
+            <a:schemeClr val="dk1"/>
+          </a:effectRef>
+          <a:fontRef idx="minor">
+            <a:schemeClr val="tx1"/>
+          </a:fontRef>
+        </p:style>
+      </p:cxnSp>
+      <p:sp>
+        <p:nvSpPr>
+          <p:cNvPr id="20" name="矩形 19">
+            <a:extLst>
+              <a:ext uri="{FF2B5EF4-FFF2-40B4-BE49-F238E27FC236}">
+                <a16:creationId xmlns:a16="http://schemas.microsoft.com/office/drawing/2014/main" id="{5961DF71-DEFB-485F-BD3A-DDD3C8A16F6D}"/>
+              </a:ext>
+            </a:extLst>
+          </p:cNvPr>
+          <p:cNvSpPr/>
+          <p:nvPr/>
+        </p:nvSpPr>
+        <p:spPr>
+          <a:xfrm>
+            <a:off x="5901182" y="294588"/>
+            <a:ext cx="1159498" cy="1345676"/>
+          </a:xfrm>
+          <a:prstGeom prst="rect">
+            <a:avLst/>
+          </a:prstGeom>
+          <a:solidFill>
+            <a:srgbClr val="D00000"/>
+          </a:solidFill>
+        </p:spPr>
+        <p:style>
+          <a:lnRef idx="2">
+            <a:schemeClr val="accent1">
+              <a:shade val="50000"/>
+            </a:schemeClr>
+          </a:lnRef>
+          <a:fillRef idx="1">
+            <a:schemeClr val="accent1"/>
+          </a:fillRef>
+          <a:effectRef idx="0">
+            <a:schemeClr val="accent1"/>
+          </a:effectRef>
+          <a:fontRef idx="minor">
+            <a:schemeClr val="lt1"/>
+          </a:fontRef>
+        </p:style>
+        <p:txBody>
+          <a:bodyPr rtlCol="0" anchor="ctr"/>
+          <a:lstStyle/>
+          <a:p>
+            <a:pPr algn="ctr"/>
+            <a:r>
+              <a:rPr lang="en-US" altLang="zh-CN" dirty="0">
+                <a:latin typeface="Times New Roman" panose="02020603050405020304" pitchFamily="18" charset="0"/>
+                <a:cs typeface="Times New Roman" panose="02020603050405020304" pitchFamily="18" charset="0"/>
+              </a:rPr>
+              <a:t>NULL</a:t>
+            </a:r>
+            <a:endParaRPr lang="zh-CN" altLang="en-US" dirty="0">
+              <a:latin typeface="Times New Roman" panose="02020603050405020304" pitchFamily="18" charset="0"/>
+              <a:cs typeface="Times New Roman" panose="02020603050405020304" pitchFamily="18" charset="0"/>
+            </a:endParaRPr>
+          </a:p>
+        </p:txBody>
+      </p:sp>
+      <p:sp>
+        <p:nvSpPr>
+          <p:cNvPr id="23" name="文本框 22">
+            <a:extLst>
+              <a:ext uri="{FF2B5EF4-FFF2-40B4-BE49-F238E27FC236}">
+                <a16:creationId xmlns:a16="http://schemas.microsoft.com/office/drawing/2014/main" id="{2472CBF9-D0D4-4FE5-9993-4F4F55CB4763}"/>
+              </a:ext>
+            </a:extLst>
+          </p:cNvPr>
+          <p:cNvSpPr txBox="1"/>
+          <p:nvPr/>
+        </p:nvSpPr>
+        <p:spPr>
+          <a:xfrm>
+            <a:off x="7392204" y="2571496"/>
+            <a:ext cx="1102936" cy="369332"/>
+          </a:xfrm>
+          <a:prstGeom prst="rect">
+            <a:avLst/>
+          </a:prstGeom>
+          <a:noFill/>
+        </p:spPr>
+        <p:txBody>
+          <a:bodyPr wrap="square" rtlCol="0">
+            <a:spAutoFit/>
+          </a:bodyPr>
+          <a:lstStyle/>
+          <a:p>
+            <a:r>
+              <a:rPr lang="en-US" altLang="zh-CN" dirty="0">
+                <a:latin typeface="Times New Roman" panose="02020603050405020304" pitchFamily="18" charset="0"/>
+                <a:cs typeface="Times New Roman" panose="02020603050405020304" pitchFamily="18" charset="0"/>
+              </a:rPr>
+              <a:t>Segment</a:t>
+            </a:r>
+            <a:endParaRPr lang="zh-CN" altLang="en-US" dirty="0">
+              <a:latin typeface="Times New Roman" panose="02020603050405020304" pitchFamily="18" charset="0"/>
+              <a:cs typeface="Times New Roman" panose="02020603050405020304" pitchFamily="18" charset="0"/>
+            </a:endParaRPr>
+          </a:p>
+        </p:txBody>
+      </p:sp>
+      <p:sp>
+        <p:nvSpPr>
+          <p:cNvPr id="24" name="矩形 23">
+            <a:extLst>
+              <a:ext uri="{FF2B5EF4-FFF2-40B4-BE49-F238E27FC236}">
+                <a16:creationId xmlns:a16="http://schemas.microsoft.com/office/drawing/2014/main" id="{9E2807F5-F319-4F02-8373-DA7F51417D0F}"/>
+              </a:ext>
+            </a:extLst>
+          </p:cNvPr>
+          <p:cNvSpPr/>
+          <p:nvPr/>
+        </p:nvSpPr>
+        <p:spPr>
+          <a:xfrm>
+            <a:off x="8770103" y="2089674"/>
+            <a:ext cx="1787918" cy="1332975"/>
+          </a:xfrm>
+          <a:prstGeom prst="rect">
+            <a:avLst/>
+          </a:prstGeom>
+          <a:solidFill>
+            <a:srgbClr val="C4B7D7"/>
+          </a:solidFill>
+          <a:ln>
+            <a:solidFill>
+              <a:schemeClr val="tx1"/>
+            </a:solidFill>
+          </a:ln>
+        </p:spPr>
+        <p:style>
+          <a:lnRef idx="2">
+            <a:schemeClr val="accent1">
+              <a:shade val="50000"/>
+            </a:schemeClr>
+          </a:lnRef>
+          <a:fillRef idx="1">
+            <a:schemeClr val="accent1"/>
+          </a:fillRef>
+          <a:effectRef idx="0">
+            <a:schemeClr val="accent1"/>
+          </a:effectRef>
+          <a:fontRef idx="minor">
+            <a:schemeClr val="lt1"/>
+          </a:fontRef>
+        </p:style>
+        <p:txBody>
+          <a:bodyPr rtlCol="0" anchor="ctr"/>
+          <a:lstStyle/>
+          <a:p>
+            <a:pPr algn="ctr"/>
+            <a:r>
+              <a:rPr lang="en-US" altLang="zh-CN" dirty="0">
+                <a:solidFill>
+                  <a:schemeClr val="tx1"/>
+                </a:solidFill>
+                <a:latin typeface="Times New Roman" panose="02020603050405020304" pitchFamily="18" charset="0"/>
+                <a:cs typeface="Times New Roman" panose="02020603050405020304" pitchFamily="18" charset="0"/>
+              </a:rPr>
+              <a:t>Summary</a:t>
+            </a:r>
+            <a:endParaRPr lang="zh-CN" altLang="en-US" dirty="0">
+              <a:solidFill>
+                <a:schemeClr val="tx1"/>
+              </a:solidFill>
+              <a:latin typeface="Times New Roman" panose="02020603050405020304" pitchFamily="18" charset="0"/>
+              <a:cs typeface="Times New Roman" panose="02020603050405020304" pitchFamily="18" charset="0"/>
+            </a:endParaRPr>
+          </a:p>
+        </p:txBody>
+      </p:sp>
+    </p:spTree>
+    <p:extLst>
+      <p:ext uri="{BB962C8B-B14F-4D97-AF65-F5344CB8AC3E}">
+        <p14:creationId xmlns:p14="http://schemas.microsoft.com/office/powerpoint/2010/main" val="2707320187"/>
+      </p:ext>
+    </p:extLst>
+  </p:cSld>
+  <p:clrMapOvr>
+    <a:masterClrMapping/>
+  </p:clrMapOvr>
+</p:sld>
+</file>
+
+<file path=ppt/slides/slide4.xml><?xml version="1.0" encoding="utf-8"?>
+<p:sld xmlns:a="http://schemas.openxmlformats.org/drawingml/2006/main" xmlns:r="http://schemas.openxmlformats.org/officeDocument/2006/relationships" xmlns:p="http://schemas.openxmlformats.org/presentationml/2006/main">
+  <p:cSld>
+    <p:spTree>
+      <p:nvGrpSpPr>
+        <p:cNvPr id="1" name=""/>
+        <p:cNvGrpSpPr/>
+        <p:nvPr/>
+      </p:nvGrpSpPr>
+      <p:grpSpPr>
+        <a:xfrm>
+          <a:off x="0" y="0"/>
+          <a:ext cx="0" cy="0"/>
+          <a:chOff x="0" y="0"/>
+          <a:chExt cx="0" cy="0"/>
+        </a:xfrm>
+      </p:grpSpPr>
+      <p:grpSp>
+        <p:nvGrpSpPr>
+          <p:cNvPr id="69" name="组合 68">
+            <a:extLst>
+              <a:ext uri="{FF2B5EF4-FFF2-40B4-BE49-F238E27FC236}">
+                <a16:creationId xmlns:a16="http://schemas.microsoft.com/office/drawing/2014/main" id="{6D9BD330-67F9-409D-A27F-270A76B2F55D}"/>
+              </a:ext>
+            </a:extLst>
+          </p:cNvPr>
+          <p:cNvGrpSpPr/>
+          <p:nvPr/>
+        </p:nvGrpSpPr>
+        <p:grpSpPr>
+          <a:xfrm>
+            <a:off x="2550010" y="279722"/>
+            <a:ext cx="5441771" cy="5543308"/>
+            <a:chOff x="2550010" y="279722"/>
+            <a:chExt cx="5441771" cy="5543308"/>
+          </a:xfrm>
+        </p:grpSpPr>
+        <p:sp>
+          <p:nvSpPr>
+            <p:cNvPr id="16" name="矩形 15">
+              <a:extLst>
+                <a:ext uri="{FF2B5EF4-FFF2-40B4-BE49-F238E27FC236}">
+                  <a16:creationId xmlns:a16="http://schemas.microsoft.com/office/drawing/2014/main" id="{21393657-301D-4262-950F-C84FC5C78963}"/>
+                </a:ext>
+              </a:extLst>
+            </p:cNvPr>
+            <p:cNvSpPr/>
+            <p:nvPr/>
+          </p:nvSpPr>
+          <p:spPr>
+            <a:xfrm>
+              <a:off x="2550010" y="1759352"/>
+              <a:ext cx="2461828" cy="755248"/>
+            </a:xfrm>
+            <a:prstGeom prst="rect">
+              <a:avLst/>
+            </a:prstGeom>
+            <a:solidFill>
+              <a:srgbClr val="F5F5F5"/>
+            </a:solidFill>
+            <a:ln>
+              <a:solidFill>
+                <a:schemeClr val="tx1"/>
+              </a:solidFill>
+            </a:ln>
+          </p:spPr>
+          <p:style>
+            <a:lnRef idx="2">
+              <a:schemeClr val="accent1">
+                <a:shade val="50000"/>
+              </a:schemeClr>
+            </a:lnRef>
+            <a:fillRef idx="1">
+              <a:schemeClr val="accent1"/>
+            </a:fillRef>
+            <a:effectRef idx="0">
+              <a:schemeClr val="accent1"/>
+            </a:effectRef>
+            <a:fontRef idx="minor">
+              <a:schemeClr val="lt1"/>
+            </a:fontRef>
+          </p:style>
+          <p:txBody>
+            <a:bodyPr rtlCol="0" anchor="ctr"/>
+            <a:lstStyle/>
+            <a:p>
+              <a:pPr algn="ctr"/>
+              <a:endParaRPr lang="zh-CN" altLang="en-US" dirty="0">
+                <a:latin typeface="Times New Roman" panose="02020603050405020304" pitchFamily="18" charset="0"/>
+                <a:cs typeface="Times New Roman" panose="02020603050405020304" pitchFamily="18" charset="0"/>
+              </a:endParaRPr>
+            </a:p>
+          </p:txBody>
+        </p:sp>
+        <p:sp>
+          <p:nvSpPr>
+            <p:cNvPr id="2" name="矩形 1">
+              <a:extLst>
+                <a:ext uri="{FF2B5EF4-FFF2-40B4-BE49-F238E27FC236}">
+                  <a16:creationId xmlns:a16="http://schemas.microsoft.com/office/drawing/2014/main" id="{3C041DDE-D5A3-4D02-9910-CB38AD5A0251}"/>
+                </a:ext>
+              </a:extLst>
+            </p:cNvPr>
+            <p:cNvSpPr/>
+            <p:nvPr/>
+          </p:nvSpPr>
+          <p:spPr>
+            <a:xfrm>
+              <a:off x="2550010" y="1759352"/>
+              <a:ext cx="505706" cy="755248"/>
+            </a:xfrm>
+            <a:prstGeom prst="rect">
+              <a:avLst/>
+            </a:prstGeom>
+            <a:solidFill>
+              <a:srgbClr val="C4B7D7"/>
+            </a:solidFill>
+            <a:ln>
+              <a:solidFill>
+                <a:schemeClr val="tx1"/>
+              </a:solidFill>
+            </a:ln>
+          </p:spPr>
+          <p:style>
+            <a:lnRef idx="2">
+              <a:schemeClr val="accent1">
+                <a:shade val="50000"/>
+              </a:schemeClr>
+            </a:lnRef>
+            <a:fillRef idx="1">
+              <a:schemeClr val="accent1"/>
+            </a:fillRef>
+            <a:effectRef idx="0">
+              <a:schemeClr val="accent1"/>
+            </a:effectRef>
+            <a:fontRef idx="minor">
+              <a:schemeClr val="lt1"/>
+            </a:fontRef>
+          </p:style>
+          <p:txBody>
+            <a:bodyPr rtlCol="0" anchor="ctr"/>
+            <a:lstStyle/>
+            <a:p>
+              <a:pPr algn="ctr"/>
+              <a:endParaRPr lang="zh-CN" altLang="en-US"/>
+            </a:p>
+          </p:txBody>
+        </p:sp>
+        <p:sp>
+          <p:nvSpPr>
+            <p:cNvPr id="21" name="矩形 20">
+              <a:extLst>
+                <a:ext uri="{FF2B5EF4-FFF2-40B4-BE49-F238E27FC236}">
+                  <a16:creationId xmlns:a16="http://schemas.microsoft.com/office/drawing/2014/main" id="{AC5896F2-1EFC-408A-BCD0-461E92201723}"/>
+                </a:ext>
+              </a:extLst>
+            </p:cNvPr>
+            <p:cNvSpPr/>
+            <p:nvPr/>
+          </p:nvSpPr>
+          <p:spPr>
+            <a:xfrm>
+              <a:off x="3055716" y="1759352"/>
+              <a:ext cx="505706" cy="755248"/>
+            </a:xfrm>
+            <a:prstGeom prst="rect">
+              <a:avLst/>
+            </a:prstGeom>
+            <a:solidFill>
+              <a:srgbClr val="D00000"/>
+            </a:solidFill>
+            <a:ln>
+              <a:solidFill>
+                <a:schemeClr val="tx1"/>
+              </a:solidFill>
+            </a:ln>
+          </p:spPr>
+          <p:style>
+            <a:lnRef idx="2">
+              <a:schemeClr val="accent1">
+                <a:shade val="50000"/>
+              </a:schemeClr>
+            </a:lnRef>
+            <a:fillRef idx="1">
+              <a:schemeClr val="accent1"/>
+            </a:fillRef>
+            <a:effectRef idx="0">
+              <a:schemeClr val="accent1"/>
+            </a:effectRef>
+            <a:fontRef idx="minor">
+              <a:schemeClr val="lt1"/>
+            </a:fontRef>
+          </p:style>
+          <p:txBody>
+            <a:bodyPr rtlCol="0" anchor="ctr"/>
+            <a:lstStyle/>
+            <a:p>
+              <a:pPr algn="ctr"/>
+              <a:endParaRPr lang="zh-CN" altLang="en-US"/>
+            </a:p>
+          </p:txBody>
+        </p:sp>
+        <p:sp>
+          <p:nvSpPr>
+            <p:cNvPr id="22" name="矩形 21">
+              <a:extLst>
+                <a:ext uri="{FF2B5EF4-FFF2-40B4-BE49-F238E27FC236}">
+                  <a16:creationId xmlns:a16="http://schemas.microsoft.com/office/drawing/2014/main" id="{8C2CBA5F-13DB-4337-A5D5-191A2666EB65}"/>
+                </a:ext>
+              </a:extLst>
+            </p:cNvPr>
+            <p:cNvSpPr/>
+            <p:nvPr/>
+          </p:nvSpPr>
+          <p:spPr>
+            <a:xfrm>
+              <a:off x="3561422" y="1759352"/>
+              <a:ext cx="505706" cy="755248"/>
+            </a:xfrm>
+            <a:prstGeom prst="rect">
+              <a:avLst/>
+            </a:prstGeom>
+            <a:solidFill>
+              <a:srgbClr val="D00000"/>
+            </a:solidFill>
+            <a:ln>
+              <a:solidFill>
+                <a:schemeClr val="tx1"/>
+              </a:solidFill>
+            </a:ln>
+          </p:spPr>
+          <p:style>
+            <a:lnRef idx="2">
+              <a:schemeClr val="accent1">
+                <a:shade val="50000"/>
+              </a:schemeClr>
+            </a:lnRef>
+            <a:fillRef idx="1">
+              <a:schemeClr val="accent1"/>
+            </a:fillRef>
+            <a:effectRef idx="0">
+              <a:schemeClr val="accent1"/>
+            </a:effectRef>
+            <a:fontRef idx="minor">
+              <a:schemeClr val="lt1"/>
+            </a:fontRef>
+          </p:style>
+          <p:txBody>
+            <a:bodyPr rtlCol="0" anchor="ctr"/>
+            <a:lstStyle/>
+            <a:p>
+              <a:pPr algn="ctr"/>
+              <a:endParaRPr lang="zh-CN" altLang="en-US"/>
+            </a:p>
+          </p:txBody>
+        </p:sp>
+        <p:sp>
+          <p:nvSpPr>
+            <p:cNvPr id="25" name="矩形 24">
+              <a:extLst>
+                <a:ext uri="{FF2B5EF4-FFF2-40B4-BE49-F238E27FC236}">
+                  <a16:creationId xmlns:a16="http://schemas.microsoft.com/office/drawing/2014/main" id="{C2A80B6E-F7B5-4CEB-81CB-86799BF684F8}"/>
+                </a:ext>
+              </a:extLst>
+            </p:cNvPr>
+            <p:cNvSpPr/>
+            <p:nvPr/>
+          </p:nvSpPr>
+          <p:spPr>
+            <a:xfrm>
+              <a:off x="4067128" y="1759352"/>
+              <a:ext cx="505706" cy="755248"/>
+            </a:xfrm>
+            <a:prstGeom prst="rect">
+              <a:avLst/>
+            </a:prstGeom>
+            <a:solidFill>
+              <a:srgbClr val="C4B7D7"/>
+            </a:solidFill>
+            <a:ln>
+              <a:solidFill>
+                <a:schemeClr val="tx1"/>
+              </a:solidFill>
+            </a:ln>
+          </p:spPr>
+          <p:style>
+            <a:lnRef idx="2">
+              <a:schemeClr val="accent1">
+                <a:shade val="50000"/>
+              </a:schemeClr>
+            </a:lnRef>
+            <a:fillRef idx="1">
+              <a:schemeClr val="accent1"/>
+            </a:fillRef>
+            <a:effectRef idx="0">
+              <a:schemeClr val="accent1"/>
+            </a:effectRef>
+            <a:fontRef idx="minor">
+              <a:schemeClr val="lt1"/>
+            </a:fontRef>
+          </p:style>
+          <p:txBody>
+            <a:bodyPr rtlCol="0" anchor="ctr"/>
+            <a:lstStyle/>
+            <a:p>
+              <a:pPr algn="ctr"/>
+              <a:endParaRPr lang="zh-CN" altLang="en-US"/>
+            </a:p>
+          </p:txBody>
+        </p:sp>
+        <p:sp>
+          <p:nvSpPr>
+            <p:cNvPr id="26" name="矩形 25">
+              <a:extLst>
+                <a:ext uri="{FF2B5EF4-FFF2-40B4-BE49-F238E27FC236}">
+                  <a16:creationId xmlns:a16="http://schemas.microsoft.com/office/drawing/2014/main" id="{945CBDB0-68EA-41FB-A28A-7A33895631F8}"/>
+                </a:ext>
+              </a:extLst>
+            </p:cNvPr>
+            <p:cNvSpPr/>
+            <p:nvPr/>
+          </p:nvSpPr>
+          <p:spPr>
+            <a:xfrm>
+              <a:off x="5529953" y="1759352"/>
+              <a:ext cx="2461828" cy="755248"/>
+            </a:xfrm>
+            <a:prstGeom prst="rect">
+              <a:avLst/>
+            </a:prstGeom>
+            <a:solidFill>
+              <a:srgbClr val="F5F5F5"/>
+            </a:solidFill>
+            <a:ln>
+              <a:solidFill>
+                <a:schemeClr val="tx1"/>
+              </a:solidFill>
+            </a:ln>
+          </p:spPr>
+          <p:style>
+            <a:lnRef idx="2">
+              <a:schemeClr val="accent1">
+                <a:shade val="50000"/>
+              </a:schemeClr>
+            </a:lnRef>
+            <a:fillRef idx="1">
+              <a:schemeClr val="accent1"/>
+            </a:fillRef>
+            <a:effectRef idx="0">
+              <a:schemeClr val="accent1"/>
+            </a:effectRef>
+            <a:fontRef idx="minor">
+              <a:schemeClr val="lt1"/>
+            </a:fontRef>
+          </p:style>
+          <p:txBody>
+            <a:bodyPr rtlCol="0" anchor="ctr"/>
+            <a:lstStyle/>
+            <a:p>
+              <a:pPr algn="ctr"/>
+              <a:endParaRPr lang="zh-CN" altLang="en-US" dirty="0">
+                <a:latin typeface="Times New Roman" panose="02020603050405020304" pitchFamily="18" charset="0"/>
+                <a:cs typeface="Times New Roman" panose="02020603050405020304" pitchFamily="18" charset="0"/>
+              </a:endParaRPr>
+            </a:p>
+          </p:txBody>
+        </p:sp>
+        <p:sp>
+          <p:nvSpPr>
+            <p:cNvPr id="27" name="矩形 26">
+              <a:extLst>
+                <a:ext uri="{FF2B5EF4-FFF2-40B4-BE49-F238E27FC236}">
+                  <a16:creationId xmlns:a16="http://schemas.microsoft.com/office/drawing/2014/main" id="{0EE251DC-9FFB-4540-AB78-7E1731B63716}"/>
+                </a:ext>
+              </a:extLst>
+            </p:cNvPr>
+            <p:cNvSpPr/>
+            <p:nvPr/>
+          </p:nvSpPr>
+          <p:spPr>
+            <a:xfrm>
+              <a:off x="5529953" y="1759352"/>
+              <a:ext cx="505706" cy="755248"/>
+            </a:xfrm>
+            <a:prstGeom prst="rect">
+              <a:avLst/>
+            </a:prstGeom>
+            <a:solidFill>
+              <a:srgbClr val="C4B7D7"/>
+            </a:solidFill>
+            <a:ln>
+              <a:solidFill>
+                <a:schemeClr val="tx1"/>
+              </a:solidFill>
+            </a:ln>
+          </p:spPr>
+          <p:style>
+            <a:lnRef idx="2">
+              <a:schemeClr val="accent1">
+                <a:shade val="50000"/>
+              </a:schemeClr>
+            </a:lnRef>
+            <a:fillRef idx="1">
+              <a:schemeClr val="accent1"/>
+            </a:fillRef>
+            <a:effectRef idx="0">
+              <a:schemeClr val="accent1"/>
+            </a:effectRef>
+            <a:fontRef idx="minor">
+              <a:schemeClr val="lt1"/>
+            </a:fontRef>
+          </p:style>
+          <p:txBody>
+            <a:bodyPr rtlCol="0" anchor="ctr"/>
+            <a:lstStyle/>
+            <a:p>
+              <a:pPr algn="ctr"/>
+              <a:endParaRPr lang="zh-CN" altLang="en-US"/>
+            </a:p>
+          </p:txBody>
+        </p:sp>
+        <p:sp>
+          <p:nvSpPr>
+            <p:cNvPr id="28" name="矩形 27">
+              <a:extLst>
+                <a:ext uri="{FF2B5EF4-FFF2-40B4-BE49-F238E27FC236}">
+                  <a16:creationId xmlns:a16="http://schemas.microsoft.com/office/drawing/2014/main" id="{4D144DFC-B683-4533-866B-D60FA5A1AB41}"/>
+                </a:ext>
+              </a:extLst>
+            </p:cNvPr>
+            <p:cNvSpPr/>
+            <p:nvPr/>
+          </p:nvSpPr>
+          <p:spPr>
+            <a:xfrm>
+              <a:off x="6035659" y="1759352"/>
+              <a:ext cx="505706" cy="755248"/>
+            </a:xfrm>
+            <a:prstGeom prst="rect">
+              <a:avLst/>
+            </a:prstGeom>
+            <a:solidFill>
+              <a:srgbClr val="D00000"/>
+            </a:solidFill>
+            <a:ln>
+              <a:solidFill>
+                <a:schemeClr val="tx1"/>
+              </a:solidFill>
+            </a:ln>
+          </p:spPr>
+          <p:style>
+            <a:lnRef idx="2">
+              <a:schemeClr val="accent1">
+                <a:shade val="50000"/>
+              </a:schemeClr>
+            </a:lnRef>
+            <a:fillRef idx="1">
+              <a:schemeClr val="accent1"/>
+            </a:fillRef>
+            <a:effectRef idx="0">
+              <a:schemeClr val="accent1"/>
+            </a:effectRef>
+            <a:fontRef idx="minor">
+              <a:schemeClr val="lt1"/>
+            </a:fontRef>
+          </p:style>
+          <p:txBody>
+            <a:bodyPr rtlCol="0" anchor="ctr"/>
+            <a:lstStyle/>
+            <a:p>
+              <a:pPr algn="ctr"/>
+              <a:endParaRPr lang="zh-CN" altLang="en-US"/>
+            </a:p>
+          </p:txBody>
+        </p:sp>
+        <p:sp>
+          <p:nvSpPr>
+            <p:cNvPr id="29" name="矩形 28">
+              <a:extLst>
+                <a:ext uri="{FF2B5EF4-FFF2-40B4-BE49-F238E27FC236}">
+                  <a16:creationId xmlns:a16="http://schemas.microsoft.com/office/drawing/2014/main" id="{E3F12F80-CCA9-455B-9C11-39A3BFFF9D25}"/>
+                </a:ext>
+              </a:extLst>
+            </p:cNvPr>
+            <p:cNvSpPr/>
+            <p:nvPr/>
+          </p:nvSpPr>
+          <p:spPr>
+            <a:xfrm>
+              <a:off x="6541365" y="1759352"/>
+              <a:ext cx="505706" cy="755248"/>
+            </a:xfrm>
+            <a:prstGeom prst="rect">
+              <a:avLst/>
+            </a:prstGeom>
+            <a:solidFill>
+              <a:srgbClr val="D00000"/>
+            </a:solidFill>
+            <a:ln>
+              <a:solidFill>
+                <a:schemeClr val="tx1"/>
+              </a:solidFill>
+            </a:ln>
+          </p:spPr>
+          <p:style>
+            <a:lnRef idx="2">
+              <a:schemeClr val="accent1">
+                <a:shade val="50000"/>
+              </a:schemeClr>
+            </a:lnRef>
+            <a:fillRef idx="1">
+              <a:schemeClr val="accent1"/>
+            </a:fillRef>
+            <a:effectRef idx="0">
+              <a:schemeClr val="accent1"/>
+            </a:effectRef>
+            <a:fontRef idx="minor">
+              <a:schemeClr val="lt1"/>
+            </a:fontRef>
+          </p:style>
+          <p:txBody>
+            <a:bodyPr rtlCol="0" anchor="ctr"/>
+            <a:lstStyle/>
+            <a:p>
+              <a:pPr algn="ctr"/>
+              <a:endParaRPr lang="zh-CN" altLang="en-US"/>
+            </a:p>
+          </p:txBody>
+        </p:sp>
+        <p:sp>
+          <p:nvSpPr>
+            <p:cNvPr id="30" name="矩形 29">
+              <a:extLst>
+                <a:ext uri="{FF2B5EF4-FFF2-40B4-BE49-F238E27FC236}">
+                  <a16:creationId xmlns:a16="http://schemas.microsoft.com/office/drawing/2014/main" id="{113CC8B3-C96C-416B-8BCE-D0B0571F3F23}"/>
+                </a:ext>
+              </a:extLst>
+            </p:cNvPr>
+            <p:cNvSpPr/>
+            <p:nvPr/>
+          </p:nvSpPr>
+          <p:spPr>
+            <a:xfrm>
+              <a:off x="7047071" y="1759352"/>
+              <a:ext cx="505706" cy="755248"/>
+            </a:xfrm>
+            <a:prstGeom prst="rect">
+              <a:avLst/>
+            </a:prstGeom>
+            <a:solidFill>
+              <a:srgbClr val="C4B7D7"/>
+            </a:solidFill>
+            <a:ln>
+              <a:solidFill>
+                <a:schemeClr val="tx1"/>
+              </a:solidFill>
+            </a:ln>
+          </p:spPr>
+          <p:style>
+            <a:lnRef idx="2">
+              <a:schemeClr val="accent1">
+                <a:shade val="50000"/>
+              </a:schemeClr>
+            </a:lnRef>
+            <a:fillRef idx="1">
+              <a:schemeClr val="accent1"/>
+            </a:fillRef>
+            <a:effectRef idx="0">
+              <a:schemeClr val="accent1"/>
+            </a:effectRef>
+            <a:fontRef idx="minor">
+              <a:schemeClr val="lt1"/>
+            </a:fontRef>
+          </p:style>
+          <p:txBody>
+            <a:bodyPr rtlCol="0" anchor="ctr"/>
+            <a:lstStyle/>
+            <a:p>
+              <a:pPr algn="ctr"/>
+              <a:endParaRPr lang="zh-CN" altLang="en-US"/>
+            </a:p>
+          </p:txBody>
+        </p:sp>
+        <p:sp>
+          <p:nvSpPr>
+            <p:cNvPr id="36" name="矩形 35">
+              <a:extLst>
+                <a:ext uri="{FF2B5EF4-FFF2-40B4-BE49-F238E27FC236}">
+                  <a16:creationId xmlns:a16="http://schemas.microsoft.com/office/drawing/2014/main" id="{51B238B9-4065-40A3-B94A-54B0AE7DD079}"/>
+                </a:ext>
+              </a:extLst>
+            </p:cNvPr>
+            <p:cNvSpPr/>
+            <p:nvPr/>
+          </p:nvSpPr>
+          <p:spPr>
+            <a:xfrm>
+              <a:off x="2550010" y="279722"/>
+              <a:ext cx="2461828" cy="755248"/>
+            </a:xfrm>
+            <a:prstGeom prst="rect">
+              <a:avLst/>
+            </a:prstGeom>
+            <a:solidFill>
+              <a:srgbClr val="F5F5F5"/>
+            </a:solidFill>
+            <a:ln>
+              <a:solidFill>
+                <a:schemeClr val="tx1"/>
+              </a:solidFill>
+            </a:ln>
+          </p:spPr>
+          <p:style>
+            <a:lnRef idx="2">
+              <a:schemeClr val="accent1">
+                <a:shade val="50000"/>
+              </a:schemeClr>
+            </a:lnRef>
+            <a:fillRef idx="1">
+              <a:schemeClr val="accent1"/>
+            </a:fillRef>
+            <a:effectRef idx="0">
+              <a:schemeClr val="accent1"/>
+            </a:effectRef>
+            <a:fontRef idx="minor">
+              <a:schemeClr val="lt1"/>
+            </a:fontRef>
+          </p:style>
+          <p:txBody>
+            <a:bodyPr rtlCol="0" anchor="ctr"/>
+            <a:lstStyle/>
+            <a:p>
+              <a:pPr algn="ctr"/>
+              <a:endParaRPr lang="zh-CN" altLang="en-US" dirty="0">
+                <a:latin typeface="Times New Roman" panose="02020603050405020304" pitchFamily="18" charset="0"/>
+                <a:cs typeface="Times New Roman" panose="02020603050405020304" pitchFamily="18" charset="0"/>
+              </a:endParaRPr>
+            </a:p>
+          </p:txBody>
+        </p:sp>
+        <p:sp>
+          <p:nvSpPr>
+            <p:cNvPr id="37" name="矩形 36">
+              <a:extLst>
+                <a:ext uri="{FF2B5EF4-FFF2-40B4-BE49-F238E27FC236}">
+                  <a16:creationId xmlns:a16="http://schemas.microsoft.com/office/drawing/2014/main" id="{A8A38F5B-7E31-472D-BF1E-024EE52671D9}"/>
+                </a:ext>
+              </a:extLst>
+            </p:cNvPr>
+            <p:cNvSpPr/>
+            <p:nvPr/>
+          </p:nvSpPr>
+          <p:spPr>
+            <a:xfrm>
+              <a:off x="2550010" y="279722"/>
+              <a:ext cx="505706" cy="755248"/>
+            </a:xfrm>
+            <a:prstGeom prst="rect">
+              <a:avLst/>
+            </a:prstGeom>
+            <a:solidFill>
+              <a:srgbClr val="C4B7D7"/>
+            </a:solidFill>
+            <a:ln>
+              <a:solidFill>
+                <a:schemeClr val="tx1"/>
+              </a:solidFill>
+            </a:ln>
+          </p:spPr>
+          <p:style>
+            <a:lnRef idx="2">
+              <a:schemeClr val="accent1">
+                <a:shade val="50000"/>
+              </a:schemeClr>
+            </a:lnRef>
+            <a:fillRef idx="1">
+              <a:schemeClr val="accent1"/>
+            </a:fillRef>
+            <a:effectRef idx="0">
+              <a:schemeClr val="accent1"/>
+            </a:effectRef>
+            <a:fontRef idx="minor">
+              <a:schemeClr val="lt1"/>
+            </a:fontRef>
+          </p:style>
+          <p:txBody>
+            <a:bodyPr rtlCol="0" anchor="ctr"/>
+            <a:lstStyle/>
+            <a:p>
+              <a:pPr algn="ctr"/>
+              <a:endParaRPr lang="zh-CN" altLang="en-US"/>
+            </a:p>
+          </p:txBody>
+        </p:sp>
+        <p:sp>
+          <p:nvSpPr>
+            <p:cNvPr id="38" name="矩形 37">
+              <a:extLst>
+                <a:ext uri="{FF2B5EF4-FFF2-40B4-BE49-F238E27FC236}">
+                  <a16:creationId xmlns:a16="http://schemas.microsoft.com/office/drawing/2014/main" id="{731B71F6-AA2B-43CF-B324-C76266096480}"/>
+                </a:ext>
+              </a:extLst>
+            </p:cNvPr>
+            <p:cNvSpPr/>
+            <p:nvPr/>
+          </p:nvSpPr>
+          <p:spPr>
+            <a:xfrm>
+              <a:off x="3055716" y="279722"/>
+              <a:ext cx="505706" cy="755248"/>
+            </a:xfrm>
+            <a:prstGeom prst="rect">
+              <a:avLst/>
+            </a:prstGeom>
+            <a:solidFill>
+              <a:srgbClr val="C4B7D7"/>
+            </a:solidFill>
+            <a:ln>
+              <a:solidFill>
+                <a:schemeClr val="tx1"/>
+              </a:solidFill>
+            </a:ln>
+          </p:spPr>
+          <p:style>
+            <a:lnRef idx="2">
+              <a:schemeClr val="accent1">
+                <a:shade val="50000"/>
+              </a:schemeClr>
+            </a:lnRef>
+            <a:fillRef idx="1">
+              <a:schemeClr val="accent1"/>
+            </a:fillRef>
+            <a:effectRef idx="0">
+              <a:schemeClr val="accent1"/>
+            </a:effectRef>
+            <a:fontRef idx="minor">
+              <a:schemeClr val="lt1"/>
+            </a:fontRef>
+          </p:style>
+          <p:txBody>
+            <a:bodyPr rtlCol="0" anchor="ctr"/>
+            <a:lstStyle/>
+            <a:p>
+              <a:pPr algn="ctr"/>
+              <a:endParaRPr lang="zh-CN" altLang="en-US"/>
+            </a:p>
+          </p:txBody>
+        </p:sp>
+        <p:sp>
+          <p:nvSpPr>
+            <p:cNvPr id="39" name="矩形 38">
+              <a:extLst>
+                <a:ext uri="{FF2B5EF4-FFF2-40B4-BE49-F238E27FC236}">
+                  <a16:creationId xmlns:a16="http://schemas.microsoft.com/office/drawing/2014/main" id="{900E7946-6FE2-469A-9A28-2E08393C0D05}"/>
+                </a:ext>
+              </a:extLst>
+            </p:cNvPr>
+            <p:cNvSpPr/>
+            <p:nvPr/>
+          </p:nvSpPr>
+          <p:spPr>
+            <a:xfrm>
+              <a:off x="3561422" y="279722"/>
+              <a:ext cx="505706" cy="755248"/>
+            </a:xfrm>
+            <a:prstGeom prst="rect">
+              <a:avLst/>
+            </a:prstGeom>
+            <a:solidFill>
+              <a:srgbClr val="C4B7D7"/>
+            </a:solidFill>
+            <a:ln>
+              <a:solidFill>
+                <a:schemeClr val="tx1"/>
+              </a:solidFill>
+            </a:ln>
+          </p:spPr>
+          <p:style>
+            <a:lnRef idx="2">
+              <a:schemeClr val="accent1">
+                <a:shade val="50000"/>
+              </a:schemeClr>
+            </a:lnRef>
+            <a:fillRef idx="1">
+              <a:schemeClr val="accent1"/>
+            </a:fillRef>
+            <a:effectRef idx="0">
+              <a:schemeClr val="accent1"/>
+            </a:effectRef>
+            <a:fontRef idx="minor">
+              <a:schemeClr val="lt1"/>
+            </a:fontRef>
+          </p:style>
+          <p:txBody>
+            <a:bodyPr rtlCol="0" anchor="ctr"/>
+            <a:lstStyle/>
+            <a:p>
+              <a:pPr algn="ctr"/>
+              <a:endParaRPr lang="zh-CN" altLang="en-US"/>
+            </a:p>
+          </p:txBody>
+        </p:sp>
+        <p:sp>
+          <p:nvSpPr>
+            <p:cNvPr id="40" name="矩形 39">
+              <a:extLst>
+                <a:ext uri="{FF2B5EF4-FFF2-40B4-BE49-F238E27FC236}">
+                  <a16:creationId xmlns:a16="http://schemas.microsoft.com/office/drawing/2014/main" id="{C9FB5881-C02C-43DD-8E52-5C2C057865A8}"/>
+                </a:ext>
+              </a:extLst>
+            </p:cNvPr>
+            <p:cNvSpPr/>
+            <p:nvPr/>
+          </p:nvSpPr>
+          <p:spPr>
+            <a:xfrm>
+              <a:off x="4067128" y="279722"/>
+              <a:ext cx="505706" cy="755248"/>
+            </a:xfrm>
+            <a:prstGeom prst="rect">
+              <a:avLst/>
+            </a:prstGeom>
+            <a:solidFill>
+              <a:srgbClr val="C4B7D7"/>
+            </a:solidFill>
+            <a:ln>
+              <a:solidFill>
+                <a:schemeClr val="tx1"/>
+              </a:solidFill>
+            </a:ln>
+          </p:spPr>
+          <p:style>
+            <a:lnRef idx="2">
+              <a:schemeClr val="accent1">
+                <a:shade val="50000"/>
+              </a:schemeClr>
+            </a:lnRef>
+            <a:fillRef idx="1">
+              <a:schemeClr val="accent1"/>
+            </a:fillRef>
+            <a:effectRef idx="0">
+              <a:schemeClr val="accent1"/>
+            </a:effectRef>
+            <a:fontRef idx="minor">
+              <a:schemeClr val="lt1"/>
+            </a:fontRef>
+          </p:style>
+          <p:txBody>
+            <a:bodyPr rtlCol="0" anchor="ctr"/>
+            <a:lstStyle/>
+            <a:p>
+              <a:pPr algn="ctr"/>
+              <a:endParaRPr lang="zh-CN" altLang="en-US"/>
+            </a:p>
+          </p:txBody>
+        </p:sp>
+        <p:cxnSp>
+          <p:nvCxnSpPr>
+            <p:cNvPr id="10" name="直接箭头连接符 9">
+              <a:extLst>
+                <a:ext uri="{FF2B5EF4-FFF2-40B4-BE49-F238E27FC236}">
+                  <a16:creationId xmlns:a16="http://schemas.microsoft.com/office/drawing/2014/main" id="{136FBDF0-5431-41EF-AF71-5DF66CC60422}"/>
+                </a:ext>
+              </a:extLst>
+            </p:cNvPr>
+            <p:cNvCxnSpPr>
+              <a:stCxn id="37" idx="2"/>
+              <a:endCxn id="2" idx="0"/>
+            </p:cNvCxnSpPr>
+            <p:nvPr/>
+          </p:nvCxnSpPr>
+          <p:spPr>
+            <a:xfrm>
+              <a:off x="2802863" y="1034970"/>
+              <a:ext cx="0" cy="724382"/>
+            </a:xfrm>
+            <a:prstGeom prst="straightConnector1">
+              <a:avLst/>
+            </a:prstGeom>
+            <a:ln>
+              <a:solidFill>
+                <a:schemeClr val="tx1"/>
+              </a:solidFill>
+              <a:headEnd type="triangle"/>
+              <a:tailEnd type="triangle"/>
+            </a:ln>
+          </p:spPr>
+          <p:style>
+            <a:lnRef idx="1">
+              <a:schemeClr val="accent1"/>
+            </a:lnRef>
+            <a:fillRef idx="0">
+              <a:schemeClr val="accent1"/>
+            </a:fillRef>
+            <a:effectRef idx="0">
+              <a:schemeClr val="accent1"/>
+            </a:effectRef>
+            <a:fontRef idx="minor">
+              <a:schemeClr val="tx1"/>
+            </a:fontRef>
+          </p:style>
+        </p:cxnSp>
+        <p:cxnSp>
+          <p:nvCxnSpPr>
+            <p:cNvPr id="41" name="直接箭头连接符 40">
+              <a:extLst>
+                <a:ext uri="{FF2B5EF4-FFF2-40B4-BE49-F238E27FC236}">
+                  <a16:creationId xmlns:a16="http://schemas.microsoft.com/office/drawing/2014/main" id="{719E03DF-0DAF-48F4-A92F-8E48045809B1}"/>
+                </a:ext>
+              </a:extLst>
+            </p:cNvPr>
+            <p:cNvCxnSpPr>
+              <a:cxnSpLocks/>
+              <a:stCxn id="38" idx="2"/>
+              <a:endCxn id="25" idx="0"/>
+            </p:cNvCxnSpPr>
+            <p:nvPr/>
+          </p:nvCxnSpPr>
+          <p:spPr>
+            <a:xfrm>
+              <a:off x="3308569" y="1034970"/>
+              <a:ext cx="1011412" cy="724382"/>
+            </a:xfrm>
+            <a:prstGeom prst="straightConnector1">
+              <a:avLst/>
+            </a:prstGeom>
+            <a:ln>
+              <a:solidFill>
+                <a:schemeClr val="tx1"/>
+              </a:solidFill>
+              <a:headEnd type="triangle"/>
+              <a:tailEnd type="triangle"/>
+            </a:ln>
+          </p:spPr>
+          <p:style>
+            <a:lnRef idx="1">
+              <a:schemeClr val="accent1"/>
+            </a:lnRef>
+            <a:fillRef idx="0">
+              <a:schemeClr val="accent1"/>
+            </a:fillRef>
+            <a:effectRef idx="0">
+              <a:schemeClr val="accent1"/>
+            </a:effectRef>
+            <a:fontRef idx="minor">
+              <a:schemeClr val="tx1"/>
+            </a:fontRef>
+          </p:style>
+        </p:cxnSp>
+        <p:cxnSp>
+          <p:nvCxnSpPr>
+            <p:cNvPr id="42" name="直接箭头连接符 41">
+              <a:extLst>
+                <a:ext uri="{FF2B5EF4-FFF2-40B4-BE49-F238E27FC236}">
+                  <a16:creationId xmlns:a16="http://schemas.microsoft.com/office/drawing/2014/main" id="{D8049840-1443-4675-A754-3B3A0F999990}"/>
+                </a:ext>
+              </a:extLst>
+            </p:cNvPr>
+            <p:cNvCxnSpPr>
+              <a:cxnSpLocks/>
+              <a:stCxn id="39" idx="2"/>
+              <a:endCxn id="27" idx="0"/>
+            </p:cNvCxnSpPr>
+            <p:nvPr/>
+          </p:nvCxnSpPr>
+          <p:spPr>
+            <a:xfrm>
+              <a:off x="3814275" y="1034970"/>
+              <a:ext cx="1968531" cy="724382"/>
+            </a:xfrm>
+            <a:prstGeom prst="straightConnector1">
+              <a:avLst/>
+            </a:prstGeom>
+            <a:ln>
+              <a:solidFill>
+                <a:schemeClr val="tx1"/>
+              </a:solidFill>
+              <a:headEnd type="triangle"/>
+              <a:tailEnd type="triangle"/>
+            </a:ln>
+          </p:spPr>
+          <p:style>
+            <a:lnRef idx="1">
+              <a:schemeClr val="accent1"/>
+            </a:lnRef>
+            <a:fillRef idx="0">
+              <a:schemeClr val="accent1"/>
+            </a:fillRef>
+            <a:effectRef idx="0">
+              <a:schemeClr val="accent1"/>
+            </a:effectRef>
+            <a:fontRef idx="minor">
+              <a:schemeClr val="tx1"/>
+            </a:fontRef>
+          </p:style>
+        </p:cxnSp>
+        <p:cxnSp>
+          <p:nvCxnSpPr>
+            <p:cNvPr id="45" name="直接箭头连接符 44">
+              <a:extLst>
+                <a:ext uri="{FF2B5EF4-FFF2-40B4-BE49-F238E27FC236}">
+                  <a16:creationId xmlns:a16="http://schemas.microsoft.com/office/drawing/2014/main" id="{054A6AD7-DEFC-4377-BC33-3E937509E0B9}"/>
+                </a:ext>
+              </a:extLst>
+            </p:cNvPr>
+            <p:cNvCxnSpPr>
+              <a:cxnSpLocks/>
+              <a:stCxn id="40" idx="2"/>
+              <a:endCxn id="30" idx="0"/>
+            </p:cNvCxnSpPr>
+            <p:nvPr/>
+          </p:nvCxnSpPr>
+          <p:spPr>
+            <a:xfrm>
+              <a:off x="4319981" y="1034970"/>
+              <a:ext cx="2979943" cy="724382"/>
+            </a:xfrm>
+            <a:prstGeom prst="straightConnector1">
+              <a:avLst/>
+            </a:prstGeom>
+            <a:ln>
+              <a:solidFill>
+                <a:schemeClr val="tx1"/>
+              </a:solidFill>
+              <a:headEnd type="triangle"/>
+              <a:tailEnd type="triangle"/>
+            </a:ln>
+          </p:spPr>
+          <p:style>
+            <a:lnRef idx="1">
+              <a:schemeClr val="accent1"/>
+            </a:lnRef>
+            <a:fillRef idx="0">
+              <a:schemeClr val="accent1"/>
+            </a:fillRef>
+            <a:effectRef idx="0">
+              <a:schemeClr val="accent1"/>
+            </a:effectRef>
+            <a:fontRef idx="minor">
+              <a:schemeClr val="tx1"/>
+            </a:fontRef>
+          </p:style>
+        </p:cxnSp>
+        <p:sp>
+          <p:nvSpPr>
+            <p:cNvPr id="48" name="矩形 47">
+              <a:extLst>
+                <a:ext uri="{FF2B5EF4-FFF2-40B4-BE49-F238E27FC236}">
+                  <a16:creationId xmlns:a16="http://schemas.microsoft.com/office/drawing/2014/main" id="{EED8E0C3-EA87-47C1-9986-143E271BBAD1}"/>
+                </a:ext>
+              </a:extLst>
+            </p:cNvPr>
+            <p:cNvSpPr/>
+            <p:nvPr/>
+          </p:nvSpPr>
+          <p:spPr>
+            <a:xfrm>
+              <a:off x="2550010" y="5067782"/>
+              <a:ext cx="2461828" cy="755248"/>
+            </a:xfrm>
+            <a:prstGeom prst="rect">
+              <a:avLst/>
+            </a:prstGeom>
+            <a:solidFill>
+              <a:srgbClr val="F5F5F5"/>
+            </a:solidFill>
+            <a:ln>
+              <a:solidFill>
+                <a:schemeClr val="tx1"/>
+              </a:solidFill>
+            </a:ln>
+          </p:spPr>
+          <p:style>
+            <a:lnRef idx="2">
+              <a:schemeClr val="accent1">
+                <a:shade val="50000"/>
+              </a:schemeClr>
+            </a:lnRef>
+            <a:fillRef idx="1">
+              <a:schemeClr val="accent1"/>
+            </a:fillRef>
+            <a:effectRef idx="0">
+              <a:schemeClr val="accent1"/>
+            </a:effectRef>
+            <a:fontRef idx="minor">
+              <a:schemeClr val="lt1"/>
+            </a:fontRef>
+          </p:style>
+          <p:txBody>
+            <a:bodyPr rtlCol="0" anchor="ctr"/>
+            <a:lstStyle/>
+            <a:p>
+              <a:pPr algn="ctr"/>
+              <a:endParaRPr lang="zh-CN" altLang="en-US" dirty="0">
+                <a:latin typeface="Times New Roman" panose="02020603050405020304" pitchFamily="18" charset="0"/>
+                <a:cs typeface="Times New Roman" panose="02020603050405020304" pitchFamily="18" charset="0"/>
+              </a:endParaRPr>
+            </a:p>
+          </p:txBody>
+        </p:sp>
+        <p:sp>
+          <p:nvSpPr>
+            <p:cNvPr id="49" name="矩形 48">
+              <a:extLst>
+                <a:ext uri="{FF2B5EF4-FFF2-40B4-BE49-F238E27FC236}">
+                  <a16:creationId xmlns:a16="http://schemas.microsoft.com/office/drawing/2014/main" id="{AB5AA10C-AA19-47BD-8157-4E82D3C4FE1B}"/>
+                </a:ext>
+              </a:extLst>
+            </p:cNvPr>
+            <p:cNvSpPr/>
+            <p:nvPr/>
+          </p:nvSpPr>
+          <p:spPr>
+            <a:xfrm>
+              <a:off x="2550010" y="5067782"/>
+              <a:ext cx="505706" cy="755248"/>
+            </a:xfrm>
+            <a:prstGeom prst="rect">
+              <a:avLst/>
+            </a:prstGeom>
+            <a:solidFill>
+              <a:srgbClr val="C4B7D7"/>
+            </a:solidFill>
+            <a:ln>
+              <a:solidFill>
+                <a:schemeClr val="tx1"/>
+              </a:solidFill>
+            </a:ln>
+          </p:spPr>
+          <p:style>
+            <a:lnRef idx="2">
+              <a:schemeClr val="accent1">
+                <a:shade val="50000"/>
+              </a:schemeClr>
+            </a:lnRef>
+            <a:fillRef idx="1">
+              <a:schemeClr val="accent1"/>
+            </a:fillRef>
+            <a:effectRef idx="0">
+              <a:schemeClr val="accent1"/>
+            </a:effectRef>
+            <a:fontRef idx="minor">
+              <a:schemeClr val="lt1"/>
+            </a:fontRef>
+          </p:style>
+          <p:txBody>
+            <a:bodyPr rtlCol="0" anchor="ctr"/>
+            <a:lstStyle/>
+            <a:p>
+              <a:pPr algn="ctr"/>
+              <a:endParaRPr lang="zh-CN" altLang="en-US"/>
+            </a:p>
+          </p:txBody>
+        </p:sp>
+        <p:sp>
+          <p:nvSpPr>
+            <p:cNvPr id="50" name="矩形 49">
+              <a:extLst>
+                <a:ext uri="{FF2B5EF4-FFF2-40B4-BE49-F238E27FC236}">
+                  <a16:creationId xmlns:a16="http://schemas.microsoft.com/office/drawing/2014/main" id="{16E2BB76-8157-46F6-B82E-29557BD8D255}"/>
+                </a:ext>
+              </a:extLst>
+            </p:cNvPr>
+            <p:cNvSpPr/>
+            <p:nvPr/>
+          </p:nvSpPr>
+          <p:spPr>
+            <a:xfrm>
+              <a:off x="3055716" y="5067782"/>
+              <a:ext cx="505706" cy="755248"/>
+            </a:xfrm>
+            <a:prstGeom prst="rect">
+              <a:avLst/>
+            </a:prstGeom>
+            <a:solidFill>
+              <a:srgbClr val="C4B7D7"/>
+            </a:solidFill>
+            <a:ln>
+              <a:solidFill>
+                <a:schemeClr val="tx1"/>
+              </a:solidFill>
+            </a:ln>
+          </p:spPr>
+          <p:style>
+            <a:lnRef idx="2">
+              <a:schemeClr val="accent1">
+                <a:shade val="50000"/>
+              </a:schemeClr>
+            </a:lnRef>
+            <a:fillRef idx="1">
+              <a:schemeClr val="accent1"/>
+            </a:fillRef>
+            <a:effectRef idx="0">
+              <a:schemeClr val="accent1"/>
+            </a:effectRef>
+            <a:fontRef idx="minor">
+              <a:schemeClr val="lt1"/>
+            </a:fontRef>
+          </p:style>
+          <p:txBody>
+            <a:bodyPr rtlCol="0" anchor="ctr"/>
+            <a:lstStyle/>
+            <a:p>
+              <a:pPr algn="ctr"/>
+              <a:endParaRPr lang="zh-CN" altLang="en-US"/>
+            </a:p>
+          </p:txBody>
+        </p:sp>
+        <p:sp>
+          <p:nvSpPr>
+            <p:cNvPr id="51" name="矩形 50">
+              <a:extLst>
+                <a:ext uri="{FF2B5EF4-FFF2-40B4-BE49-F238E27FC236}">
+                  <a16:creationId xmlns:a16="http://schemas.microsoft.com/office/drawing/2014/main" id="{E04E1B54-8417-4088-B3C0-F27C0B728CA5}"/>
+                </a:ext>
+              </a:extLst>
+            </p:cNvPr>
+            <p:cNvSpPr/>
+            <p:nvPr/>
+          </p:nvSpPr>
+          <p:spPr>
+            <a:xfrm>
+              <a:off x="3561422" y="5067782"/>
+              <a:ext cx="505706" cy="755248"/>
+            </a:xfrm>
+            <a:prstGeom prst="rect">
+              <a:avLst/>
+            </a:prstGeom>
+            <a:solidFill>
+              <a:srgbClr val="C4B7D7"/>
+            </a:solidFill>
+            <a:ln>
+              <a:solidFill>
+                <a:schemeClr val="tx1"/>
+              </a:solidFill>
+            </a:ln>
+          </p:spPr>
+          <p:style>
+            <a:lnRef idx="2">
+              <a:schemeClr val="accent1">
+                <a:shade val="50000"/>
+              </a:schemeClr>
+            </a:lnRef>
+            <a:fillRef idx="1">
+              <a:schemeClr val="accent1"/>
+            </a:fillRef>
+            <a:effectRef idx="0">
+              <a:schemeClr val="accent1"/>
+            </a:effectRef>
+            <a:fontRef idx="minor">
+              <a:schemeClr val="lt1"/>
+            </a:fontRef>
+          </p:style>
+          <p:txBody>
+            <a:bodyPr rtlCol="0" anchor="ctr"/>
+            <a:lstStyle/>
+            <a:p>
+              <a:pPr algn="ctr"/>
+              <a:endParaRPr lang="zh-CN" altLang="en-US"/>
+            </a:p>
+          </p:txBody>
+        </p:sp>
+        <p:sp>
+          <p:nvSpPr>
+            <p:cNvPr id="52" name="矩形 51">
+              <a:extLst>
+                <a:ext uri="{FF2B5EF4-FFF2-40B4-BE49-F238E27FC236}">
+                  <a16:creationId xmlns:a16="http://schemas.microsoft.com/office/drawing/2014/main" id="{671BD905-A4F2-4D02-907A-B211A85436E2}"/>
+                </a:ext>
+              </a:extLst>
+            </p:cNvPr>
+            <p:cNvSpPr/>
+            <p:nvPr/>
+          </p:nvSpPr>
+          <p:spPr>
+            <a:xfrm>
+              <a:off x="4067128" y="5067782"/>
+              <a:ext cx="505706" cy="755248"/>
+            </a:xfrm>
+            <a:prstGeom prst="rect">
+              <a:avLst/>
+            </a:prstGeom>
+            <a:solidFill>
+              <a:srgbClr val="C4B7D7"/>
+            </a:solidFill>
+            <a:ln>
+              <a:solidFill>
+                <a:schemeClr val="tx1"/>
+              </a:solidFill>
+            </a:ln>
+          </p:spPr>
+          <p:style>
+            <a:lnRef idx="2">
+              <a:schemeClr val="accent1">
+                <a:shade val="50000"/>
+              </a:schemeClr>
+            </a:lnRef>
+            <a:fillRef idx="1">
+              <a:schemeClr val="accent1"/>
+            </a:fillRef>
+            <a:effectRef idx="0">
+              <a:schemeClr val="accent1"/>
+            </a:effectRef>
+            <a:fontRef idx="minor">
+              <a:schemeClr val="lt1"/>
+            </a:fontRef>
+          </p:style>
+          <p:txBody>
+            <a:bodyPr rtlCol="0" anchor="ctr"/>
+            <a:lstStyle/>
+            <a:p>
+              <a:pPr algn="ctr"/>
+              <a:endParaRPr lang="zh-CN" altLang="en-US"/>
+            </a:p>
+          </p:txBody>
+        </p:sp>
+        <p:sp>
+          <p:nvSpPr>
+            <p:cNvPr id="53" name="矩形 52">
+              <a:extLst>
+                <a:ext uri="{FF2B5EF4-FFF2-40B4-BE49-F238E27FC236}">
+                  <a16:creationId xmlns:a16="http://schemas.microsoft.com/office/drawing/2014/main" id="{F62DF8BF-2151-46FC-836A-3727E7DD6D48}"/>
+                </a:ext>
+              </a:extLst>
+            </p:cNvPr>
+            <p:cNvSpPr/>
+            <p:nvPr/>
+          </p:nvSpPr>
+          <p:spPr>
+            <a:xfrm>
+              <a:off x="5529953" y="5067782"/>
+              <a:ext cx="2461828" cy="755248"/>
+            </a:xfrm>
+            <a:prstGeom prst="rect">
+              <a:avLst/>
+            </a:prstGeom>
+            <a:solidFill>
+              <a:srgbClr val="F5F5F5"/>
+            </a:solidFill>
+            <a:ln>
+              <a:solidFill>
+                <a:schemeClr val="tx1"/>
+              </a:solidFill>
+            </a:ln>
+          </p:spPr>
+          <p:style>
+            <a:lnRef idx="2">
+              <a:schemeClr val="accent1">
+                <a:shade val="50000"/>
+              </a:schemeClr>
+            </a:lnRef>
+            <a:fillRef idx="1">
+              <a:schemeClr val="accent1"/>
+            </a:fillRef>
+            <a:effectRef idx="0">
+              <a:schemeClr val="accent1"/>
+            </a:effectRef>
+            <a:fontRef idx="minor">
+              <a:schemeClr val="lt1"/>
+            </a:fontRef>
+          </p:style>
+          <p:txBody>
+            <a:bodyPr rtlCol="0" anchor="ctr"/>
+            <a:lstStyle/>
+            <a:p>
+              <a:pPr algn="ctr"/>
+              <a:endParaRPr lang="zh-CN" altLang="en-US" dirty="0">
+                <a:latin typeface="Times New Roman" panose="02020603050405020304" pitchFamily="18" charset="0"/>
+                <a:cs typeface="Times New Roman" panose="02020603050405020304" pitchFamily="18" charset="0"/>
+              </a:endParaRPr>
+            </a:p>
+          </p:txBody>
+        </p:sp>
+        <p:sp>
+          <p:nvSpPr>
+            <p:cNvPr id="58" name="矩形 57">
+              <a:extLst>
+                <a:ext uri="{FF2B5EF4-FFF2-40B4-BE49-F238E27FC236}">
+                  <a16:creationId xmlns:a16="http://schemas.microsoft.com/office/drawing/2014/main" id="{85644508-6F73-403C-8B53-E9CEBFA4712E}"/>
+                </a:ext>
+              </a:extLst>
+            </p:cNvPr>
+            <p:cNvSpPr/>
+            <p:nvPr/>
+          </p:nvSpPr>
+          <p:spPr>
+            <a:xfrm>
+              <a:off x="2550010" y="3588152"/>
+              <a:ext cx="2461828" cy="755248"/>
+            </a:xfrm>
+            <a:prstGeom prst="rect">
+              <a:avLst/>
+            </a:prstGeom>
+            <a:solidFill>
+              <a:srgbClr val="F5F5F5"/>
+            </a:solidFill>
+            <a:ln>
+              <a:solidFill>
+                <a:schemeClr val="tx1"/>
+              </a:solidFill>
+            </a:ln>
+          </p:spPr>
+          <p:style>
+            <a:lnRef idx="2">
+              <a:schemeClr val="accent1">
+                <a:shade val="50000"/>
+              </a:schemeClr>
+            </a:lnRef>
+            <a:fillRef idx="1">
+              <a:schemeClr val="accent1"/>
+            </a:fillRef>
+            <a:effectRef idx="0">
+              <a:schemeClr val="accent1"/>
+            </a:effectRef>
+            <a:fontRef idx="minor">
+              <a:schemeClr val="lt1"/>
+            </a:fontRef>
+          </p:style>
+          <p:txBody>
+            <a:bodyPr rtlCol="0" anchor="ctr"/>
+            <a:lstStyle/>
+            <a:p>
+              <a:pPr algn="ctr"/>
+              <a:endParaRPr lang="zh-CN" altLang="en-US" dirty="0">
+                <a:latin typeface="Times New Roman" panose="02020603050405020304" pitchFamily="18" charset="0"/>
+                <a:cs typeface="Times New Roman" panose="02020603050405020304" pitchFamily="18" charset="0"/>
+              </a:endParaRPr>
+            </a:p>
+          </p:txBody>
+        </p:sp>
+        <p:sp>
+          <p:nvSpPr>
+            <p:cNvPr id="59" name="矩形 58">
+              <a:extLst>
+                <a:ext uri="{FF2B5EF4-FFF2-40B4-BE49-F238E27FC236}">
+                  <a16:creationId xmlns:a16="http://schemas.microsoft.com/office/drawing/2014/main" id="{A4125D9F-76B1-4A23-ABB1-F2A1F760DB21}"/>
+                </a:ext>
+              </a:extLst>
+            </p:cNvPr>
+            <p:cNvSpPr/>
+            <p:nvPr/>
+          </p:nvSpPr>
+          <p:spPr>
+            <a:xfrm>
+              <a:off x="2550010" y="3588152"/>
+              <a:ext cx="505706" cy="755248"/>
+            </a:xfrm>
+            <a:prstGeom prst="rect">
+              <a:avLst/>
+            </a:prstGeom>
+            <a:solidFill>
+              <a:srgbClr val="C4B7D7"/>
+            </a:solidFill>
+            <a:ln>
+              <a:solidFill>
+                <a:schemeClr val="tx1"/>
+              </a:solidFill>
+            </a:ln>
+          </p:spPr>
+          <p:style>
+            <a:lnRef idx="2">
+              <a:schemeClr val="accent1">
+                <a:shade val="50000"/>
+              </a:schemeClr>
+            </a:lnRef>
+            <a:fillRef idx="1">
+              <a:schemeClr val="accent1"/>
+            </a:fillRef>
+            <a:effectRef idx="0">
+              <a:schemeClr val="accent1"/>
+            </a:effectRef>
+            <a:fontRef idx="minor">
+              <a:schemeClr val="lt1"/>
+            </a:fontRef>
+          </p:style>
+          <p:txBody>
+            <a:bodyPr rtlCol="0" anchor="ctr"/>
+            <a:lstStyle/>
+            <a:p>
+              <a:pPr algn="ctr"/>
+              <a:endParaRPr lang="zh-CN" altLang="en-US"/>
+            </a:p>
+          </p:txBody>
+        </p:sp>
+        <p:sp>
+          <p:nvSpPr>
+            <p:cNvPr id="60" name="矩形 59">
+              <a:extLst>
+                <a:ext uri="{FF2B5EF4-FFF2-40B4-BE49-F238E27FC236}">
+                  <a16:creationId xmlns:a16="http://schemas.microsoft.com/office/drawing/2014/main" id="{D39DEE5B-CC45-4D90-ABCF-3F1E42CBF94F}"/>
+                </a:ext>
+              </a:extLst>
+            </p:cNvPr>
+            <p:cNvSpPr/>
+            <p:nvPr/>
+          </p:nvSpPr>
+          <p:spPr>
+            <a:xfrm>
+              <a:off x="3055716" y="3588152"/>
+              <a:ext cx="505706" cy="755248"/>
+            </a:xfrm>
+            <a:prstGeom prst="rect">
+              <a:avLst/>
+            </a:prstGeom>
+            <a:solidFill>
+              <a:srgbClr val="C4B7D7"/>
+            </a:solidFill>
+            <a:ln>
+              <a:solidFill>
+                <a:schemeClr val="tx1"/>
+              </a:solidFill>
+            </a:ln>
+          </p:spPr>
+          <p:style>
+            <a:lnRef idx="2">
+              <a:schemeClr val="accent1">
+                <a:shade val="50000"/>
+              </a:schemeClr>
+            </a:lnRef>
+            <a:fillRef idx="1">
+              <a:schemeClr val="accent1"/>
+            </a:fillRef>
+            <a:effectRef idx="0">
+              <a:schemeClr val="accent1"/>
+            </a:effectRef>
+            <a:fontRef idx="minor">
+              <a:schemeClr val="lt1"/>
+            </a:fontRef>
+          </p:style>
+          <p:txBody>
+            <a:bodyPr rtlCol="0" anchor="ctr"/>
+            <a:lstStyle/>
+            <a:p>
+              <a:pPr algn="ctr"/>
+              <a:endParaRPr lang="zh-CN" altLang="en-US"/>
+            </a:p>
+          </p:txBody>
+        </p:sp>
+        <p:sp>
+          <p:nvSpPr>
+            <p:cNvPr id="61" name="矩形 60">
+              <a:extLst>
+                <a:ext uri="{FF2B5EF4-FFF2-40B4-BE49-F238E27FC236}">
+                  <a16:creationId xmlns:a16="http://schemas.microsoft.com/office/drawing/2014/main" id="{F3200691-15B3-4B87-B3FE-7FBE49EF54EB}"/>
+                </a:ext>
+              </a:extLst>
+            </p:cNvPr>
+            <p:cNvSpPr/>
+            <p:nvPr/>
+          </p:nvSpPr>
+          <p:spPr>
+            <a:xfrm>
+              <a:off x="3561422" y="3588152"/>
+              <a:ext cx="505706" cy="755248"/>
+            </a:xfrm>
+            <a:prstGeom prst="rect">
+              <a:avLst/>
+            </a:prstGeom>
+            <a:solidFill>
+              <a:srgbClr val="C4B7D7"/>
+            </a:solidFill>
+            <a:ln>
+              <a:solidFill>
+                <a:schemeClr val="tx1"/>
+              </a:solidFill>
+            </a:ln>
+          </p:spPr>
+          <p:style>
+            <a:lnRef idx="2">
+              <a:schemeClr val="accent1">
+                <a:shade val="50000"/>
+              </a:schemeClr>
+            </a:lnRef>
+            <a:fillRef idx="1">
+              <a:schemeClr val="accent1"/>
+            </a:fillRef>
+            <a:effectRef idx="0">
+              <a:schemeClr val="accent1"/>
+            </a:effectRef>
+            <a:fontRef idx="minor">
+              <a:schemeClr val="lt1"/>
+            </a:fontRef>
+          </p:style>
+          <p:txBody>
+            <a:bodyPr rtlCol="0" anchor="ctr"/>
+            <a:lstStyle/>
+            <a:p>
+              <a:pPr algn="ctr"/>
+              <a:endParaRPr lang="zh-CN" altLang="en-US"/>
+            </a:p>
+          </p:txBody>
+        </p:sp>
+        <p:sp>
+          <p:nvSpPr>
+            <p:cNvPr id="62" name="矩形 61">
+              <a:extLst>
+                <a:ext uri="{FF2B5EF4-FFF2-40B4-BE49-F238E27FC236}">
+                  <a16:creationId xmlns:a16="http://schemas.microsoft.com/office/drawing/2014/main" id="{D4D6E3EA-EFB2-44F5-8CA5-BA3BE7662B35}"/>
+                </a:ext>
+              </a:extLst>
+            </p:cNvPr>
+            <p:cNvSpPr/>
+            <p:nvPr/>
+          </p:nvSpPr>
+          <p:spPr>
+            <a:xfrm>
+              <a:off x="4067128" y="3588152"/>
+              <a:ext cx="505706" cy="755248"/>
+            </a:xfrm>
+            <a:prstGeom prst="rect">
+              <a:avLst/>
+            </a:prstGeom>
+            <a:solidFill>
+              <a:srgbClr val="C4B7D7"/>
+            </a:solidFill>
+            <a:ln>
+              <a:solidFill>
+                <a:schemeClr val="tx1"/>
+              </a:solidFill>
+            </a:ln>
+          </p:spPr>
+          <p:style>
+            <a:lnRef idx="2">
+              <a:schemeClr val="accent1">
+                <a:shade val="50000"/>
+              </a:schemeClr>
+            </a:lnRef>
+            <a:fillRef idx="1">
+              <a:schemeClr val="accent1"/>
+            </a:fillRef>
+            <a:effectRef idx="0">
+              <a:schemeClr val="accent1"/>
+            </a:effectRef>
+            <a:fontRef idx="minor">
+              <a:schemeClr val="lt1"/>
+            </a:fontRef>
+          </p:style>
+          <p:txBody>
+            <a:bodyPr rtlCol="0" anchor="ctr"/>
+            <a:lstStyle/>
+            <a:p>
+              <a:pPr algn="ctr"/>
+              <a:endParaRPr lang="zh-CN" altLang="en-US"/>
+            </a:p>
+          </p:txBody>
+        </p:sp>
+        <p:cxnSp>
+          <p:nvCxnSpPr>
+            <p:cNvPr id="68" name="直接箭头连接符 67">
+              <a:extLst>
+                <a:ext uri="{FF2B5EF4-FFF2-40B4-BE49-F238E27FC236}">
+                  <a16:creationId xmlns:a16="http://schemas.microsoft.com/office/drawing/2014/main" id="{5B8A3C3E-362F-4E5D-B752-33FE33CA51B9}"/>
+                </a:ext>
+              </a:extLst>
+            </p:cNvPr>
+            <p:cNvCxnSpPr>
+              <a:stCxn id="61" idx="2"/>
+              <a:endCxn id="51" idx="0"/>
+            </p:cNvCxnSpPr>
+            <p:nvPr/>
+          </p:nvCxnSpPr>
+          <p:spPr>
+            <a:xfrm>
+              <a:off x="3814275" y="4343400"/>
+              <a:ext cx="0" cy="724382"/>
+            </a:xfrm>
+            <a:prstGeom prst="straightConnector1">
+              <a:avLst/>
+            </a:prstGeom>
+            <a:ln>
+              <a:solidFill>
+                <a:schemeClr val="tx1"/>
+              </a:solidFill>
+              <a:headEnd type="triangle"/>
+              <a:tailEnd type="triangle"/>
+            </a:ln>
+          </p:spPr>
+          <p:style>
+            <a:lnRef idx="1">
+              <a:schemeClr val="accent1"/>
+            </a:lnRef>
+            <a:fillRef idx="0">
+              <a:schemeClr val="accent1"/>
+            </a:fillRef>
+            <a:effectRef idx="0">
+              <a:schemeClr val="accent1"/>
+            </a:effectRef>
+            <a:fontRef idx="minor">
+              <a:schemeClr val="tx1"/>
+            </a:fontRef>
+          </p:style>
+        </p:cxnSp>
+      </p:grpSp>
+    </p:spTree>
+    <p:extLst>
+      <p:ext uri="{BB962C8B-B14F-4D97-AF65-F5344CB8AC3E}">
+        <p14:creationId xmlns:p14="http://schemas.microsoft.com/office/powerpoint/2010/main" val="420132809"/>
+      </p:ext>
+    </p:extLst>
+  </p:cSld>
+  <p:clrMapOvr>
+    <a:masterClrMapping/>
+  </p:clrMapOvr>
+</p:sld>
+</file>
+
+<file path=ppt/slides/slide5.xml><?xml version="1.0" encoding="utf-8"?>
+<p:sld xmlns:a="http://schemas.openxmlformats.org/drawingml/2006/main" xmlns:r="http://schemas.openxmlformats.org/officeDocument/2006/relationships" xmlns:p="http://schemas.openxmlformats.org/presentationml/2006/main">
+  <p:cSld>
+    <p:spTree>
+      <p:nvGrpSpPr>
+        <p:cNvPr id="1" name=""/>
+        <p:cNvGrpSpPr/>
+        <p:nvPr/>
+      </p:nvGrpSpPr>
+      <p:grpSpPr>
+        <a:xfrm>
+          <a:off x="0" y="0"/>
+          <a:ext cx="0" cy="0"/>
+          <a:chOff x="0" y="0"/>
+          <a:chExt cx="0" cy="0"/>
+        </a:xfrm>
+      </p:grpSpPr>
+      <p:pic>
+        <p:nvPicPr>
+          <p:cNvPr id="5" name="图片 4">
+            <a:extLst>
+              <a:ext uri="{FF2B5EF4-FFF2-40B4-BE49-F238E27FC236}">
+                <a16:creationId xmlns:a16="http://schemas.microsoft.com/office/drawing/2014/main" id="{6DB66469-6DD8-4679-B910-90F9FDF91B33}"/>
+              </a:ext>
+            </a:extLst>
+          </p:cNvPr>
+          <p:cNvPicPr>
+            <a:picLocks noChangeAspect="1"/>
+          </p:cNvPicPr>
+          <p:nvPr/>
+        </p:nvPicPr>
+        <p:blipFill>
+          <a:blip r:embed="rId2"/>
+          <a:stretch>
+            <a:fillRect/>
+          </a:stretch>
+        </p:blipFill>
+        <p:spPr>
+          <a:xfrm>
+            <a:off x="0" y="152400"/>
+            <a:ext cx="12192000" cy="6553200"/>
+          </a:xfrm>
+          <a:prstGeom prst="rect">
+            <a:avLst/>
+          </a:prstGeom>
+        </p:spPr>
+      </p:pic>
+      <p:sp>
+        <p:nvSpPr>
+          <p:cNvPr id="6" name="矩形 5">
+            <a:extLst>
+              <a:ext uri="{FF2B5EF4-FFF2-40B4-BE49-F238E27FC236}">
+                <a16:creationId xmlns:a16="http://schemas.microsoft.com/office/drawing/2014/main" id="{CA0FB07F-0798-44EC-B421-D8F33AACA54D}"/>
+              </a:ext>
+            </a:extLst>
+          </p:cNvPr>
+          <p:cNvSpPr/>
+          <p:nvPr/>
+        </p:nvSpPr>
+        <p:spPr>
+          <a:xfrm>
+            <a:off x="772998" y="1225485"/>
+            <a:ext cx="914400" cy="914400"/>
+          </a:xfrm>
+          <a:prstGeom prst="rect">
+            <a:avLst/>
+          </a:prstGeom>
+          <a:solidFill>
+            <a:srgbClr val="F5F5F5"/>
+          </a:solidFill>
+        </p:spPr>
+        <p:style>
+          <a:lnRef idx="2">
+            <a:schemeClr val="accent1">
+              <a:shade val="50000"/>
+            </a:schemeClr>
+          </a:lnRef>
+          <a:fillRef idx="1">
+            <a:schemeClr val="accent1"/>
+          </a:fillRef>
+          <a:effectRef idx="0">
+            <a:schemeClr val="accent1"/>
+          </a:effectRef>
+          <a:fontRef idx="minor">
+            <a:schemeClr val="lt1"/>
+          </a:fontRef>
+        </p:style>
+        <p:txBody>
+          <a:bodyPr rtlCol="0" anchor="ctr"/>
+          <a:lstStyle/>
+          <a:p>
+            <a:pPr algn="ctr"/>
+            <a:endParaRPr lang="zh-CN" altLang="en-US"/>
+          </a:p>
+        </p:txBody>
+      </p:sp>
+    </p:spTree>
+    <p:extLst>
+      <p:ext uri="{BB962C8B-B14F-4D97-AF65-F5344CB8AC3E}">
+        <p14:creationId xmlns:p14="http://schemas.microsoft.com/office/powerpoint/2010/main" val="3686695397"/>
+      </p:ext>
+    </p:extLst>
+  </p:cSld>
+  <p:clrMapOvr>
+    <a:masterClrMapping/>
+  </p:clrMapOvr>
+</p:sld>
+</file>
+
 <file path=ppt/theme/theme1.xml><?xml version="1.0" encoding="utf-8"?>
 <a:theme xmlns:a="http://schemas.openxmlformats.org/drawingml/2006/main" name="Office 主题​​">
   <a:themeElements>

--- a/Records/Files/绘图.pptx
+++ b/Records/Files/绘图.pptx
@@ -9,7 +9,8 @@
     <p:sldId id="257" r:id="rId3"/>
     <p:sldId id="259" r:id="rId4"/>
     <p:sldId id="260" r:id="rId5"/>
-    <p:sldId id="258" r:id="rId6"/>
+    <p:sldId id="261" r:id="rId6"/>
+    <p:sldId id="258" r:id="rId7"/>
   </p:sldIdLst>
   <p:sldSz cx="12192000" cy="6858000"/>
   <p:notesSz cx="6858000" cy="9144000"/>
@@ -117,6 +118,7 @@
             <p14:sldId id="257"/>
             <p14:sldId id="259"/>
             <p14:sldId id="260"/>
+            <p14:sldId id="261"/>
           </p14:sldIdLst>
         </p14:section>
         <p14:section name="调色盘" id="{F219C78C-63A3-46B0-B927-77D926844DA0}">
@@ -280,7 +282,7 @@
           <a:p>
             <a:fld id="{93C21203-5B9D-4602-98E5-5368AAB74C7B}" type="datetimeFigureOut">
               <a:rPr lang="zh-CN" altLang="en-US" smtClean="0"/>
-              <a:t>2021-01-31</a:t>
+              <a:t>2021-02-04</a:t>
             </a:fld>
             <a:endParaRPr lang="zh-CN" altLang="en-US"/>
           </a:p>
@@ -478,7 +480,7 @@
           <a:p>
             <a:fld id="{93C21203-5B9D-4602-98E5-5368AAB74C7B}" type="datetimeFigureOut">
               <a:rPr lang="zh-CN" altLang="en-US" smtClean="0"/>
-              <a:t>2021-01-31</a:t>
+              <a:t>2021-02-04</a:t>
             </a:fld>
             <a:endParaRPr lang="zh-CN" altLang="en-US"/>
           </a:p>
@@ -686,7 +688,7 @@
           <a:p>
             <a:fld id="{93C21203-5B9D-4602-98E5-5368AAB74C7B}" type="datetimeFigureOut">
               <a:rPr lang="zh-CN" altLang="en-US" smtClean="0"/>
-              <a:t>2021-01-31</a:t>
+              <a:t>2021-02-04</a:t>
             </a:fld>
             <a:endParaRPr lang="zh-CN" altLang="en-US"/>
           </a:p>
@@ -884,7 +886,7 @@
           <a:p>
             <a:fld id="{93C21203-5B9D-4602-98E5-5368AAB74C7B}" type="datetimeFigureOut">
               <a:rPr lang="zh-CN" altLang="en-US" smtClean="0"/>
-              <a:t>2021-01-31</a:t>
+              <a:t>2021-02-04</a:t>
             </a:fld>
             <a:endParaRPr lang="zh-CN" altLang="en-US"/>
           </a:p>
@@ -1159,7 +1161,7 @@
           <a:p>
             <a:fld id="{93C21203-5B9D-4602-98E5-5368AAB74C7B}" type="datetimeFigureOut">
               <a:rPr lang="zh-CN" altLang="en-US" smtClean="0"/>
-              <a:t>2021-01-31</a:t>
+              <a:t>2021-02-04</a:t>
             </a:fld>
             <a:endParaRPr lang="zh-CN" altLang="en-US"/>
           </a:p>
@@ -1424,7 +1426,7 @@
           <a:p>
             <a:fld id="{93C21203-5B9D-4602-98E5-5368AAB74C7B}" type="datetimeFigureOut">
               <a:rPr lang="zh-CN" altLang="en-US" smtClean="0"/>
-              <a:t>2021-01-31</a:t>
+              <a:t>2021-02-04</a:t>
             </a:fld>
             <a:endParaRPr lang="zh-CN" altLang="en-US"/>
           </a:p>
@@ -1836,7 +1838,7 @@
           <a:p>
             <a:fld id="{93C21203-5B9D-4602-98E5-5368AAB74C7B}" type="datetimeFigureOut">
               <a:rPr lang="zh-CN" altLang="en-US" smtClean="0"/>
-              <a:t>2021-01-31</a:t>
+              <a:t>2021-02-04</a:t>
             </a:fld>
             <a:endParaRPr lang="zh-CN" altLang="en-US"/>
           </a:p>
@@ -1977,7 +1979,7 @@
           <a:p>
             <a:fld id="{93C21203-5B9D-4602-98E5-5368AAB74C7B}" type="datetimeFigureOut">
               <a:rPr lang="zh-CN" altLang="en-US" smtClean="0"/>
-              <a:t>2021-01-31</a:t>
+              <a:t>2021-02-04</a:t>
             </a:fld>
             <a:endParaRPr lang="zh-CN" altLang="en-US"/>
           </a:p>
@@ -2090,7 +2092,7 @@
           <a:p>
             <a:fld id="{93C21203-5B9D-4602-98E5-5368AAB74C7B}" type="datetimeFigureOut">
               <a:rPr lang="zh-CN" altLang="en-US" smtClean="0"/>
-              <a:t>2021-01-31</a:t>
+              <a:t>2021-02-04</a:t>
             </a:fld>
             <a:endParaRPr lang="zh-CN" altLang="en-US"/>
           </a:p>
@@ -2401,7 +2403,7 @@
           <a:p>
             <a:fld id="{93C21203-5B9D-4602-98E5-5368AAB74C7B}" type="datetimeFigureOut">
               <a:rPr lang="zh-CN" altLang="en-US" smtClean="0"/>
-              <a:t>2021-01-31</a:t>
+              <a:t>2021-02-04</a:t>
             </a:fld>
             <a:endParaRPr lang="zh-CN" altLang="en-US"/>
           </a:p>
@@ -2689,7 +2691,7 @@
           <a:p>
             <a:fld id="{93C21203-5B9D-4602-98E5-5368AAB74C7B}" type="datetimeFigureOut">
               <a:rPr lang="zh-CN" altLang="en-US" smtClean="0"/>
-              <a:t>2021-01-31</a:t>
+              <a:t>2021-02-04</a:t>
             </a:fld>
             <a:endParaRPr lang="zh-CN" altLang="en-US"/>
           </a:p>
@@ -2930,7 +2932,7 @@
           <a:p>
             <a:fld id="{93C21203-5B9D-4602-98E5-5368AAB74C7B}" type="datetimeFigureOut">
               <a:rPr lang="zh-CN" altLang="en-US" smtClean="0"/>
-              <a:t>2021-01-31</a:t>
+              <a:t>2021-02-04</a:t>
             </a:fld>
             <a:endParaRPr lang="zh-CN" altLang="en-US"/>
           </a:p>
@@ -10087,6 +10089,475 @@
           <a:chExt cx="0" cy="0"/>
         </a:xfrm>
       </p:grpSpPr>
+      <p:sp>
+        <p:nvSpPr>
+          <p:cNvPr id="3" name="矩形 2">
+            <a:extLst>
+              <a:ext uri="{FF2B5EF4-FFF2-40B4-BE49-F238E27FC236}">
+                <a16:creationId xmlns:a16="http://schemas.microsoft.com/office/drawing/2014/main" id="{BA78218C-AB84-4565-ADD0-DD7C1516F6ED}"/>
+              </a:ext>
+            </a:extLst>
+          </p:cNvPr>
+          <p:cNvSpPr/>
+          <p:nvPr/>
+        </p:nvSpPr>
+        <p:spPr>
+          <a:xfrm>
+            <a:off x="521616" y="4273877"/>
+            <a:ext cx="10925666" cy="1345676"/>
+          </a:xfrm>
+          <a:prstGeom prst="rect">
+            <a:avLst/>
+          </a:prstGeom>
+          <a:solidFill>
+            <a:srgbClr val="F5F5F5"/>
+          </a:solidFill>
+        </p:spPr>
+        <p:style>
+          <a:lnRef idx="2">
+            <a:schemeClr val="accent1">
+              <a:shade val="50000"/>
+            </a:schemeClr>
+          </a:lnRef>
+          <a:fillRef idx="1">
+            <a:schemeClr val="accent1"/>
+          </a:fillRef>
+          <a:effectRef idx="0">
+            <a:schemeClr val="accent1"/>
+          </a:effectRef>
+          <a:fontRef idx="minor">
+            <a:schemeClr val="lt1"/>
+          </a:fontRef>
+        </p:style>
+        <p:txBody>
+          <a:bodyPr rtlCol="0" anchor="ctr"/>
+          <a:lstStyle/>
+          <a:p>
+            <a:pPr algn="ctr"/>
+            <a:endParaRPr lang="zh-CN" altLang="en-US"/>
+          </a:p>
+        </p:txBody>
+      </p:sp>
+      <p:sp>
+        <p:nvSpPr>
+          <p:cNvPr id="35" name="矩形 34">
+            <a:extLst>
+              <a:ext uri="{FF2B5EF4-FFF2-40B4-BE49-F238E27FC236}">
+                <a16:creationId xmlns:a16="http://schemas.microsoft.com/office/drawing/2014/main" id="{10F5AA76-98B0-45F8-86B5-C309EF1CFC81}"/>
+              </a:ext>
+            </a:extLst>
+          </p:cNvPr>
+          <p:cNvSpPr/>
+          <p:nvPr/>
+        </p:nvSpPr>
+        <p:spPr>
+          <a:xfrm>
+            <a:off x="521616" y="4273877"/>
+            <a:ext cx="1159498" cy="1345676"/>
+          </a:xfrm>
+          <a:prstGeom prst="rect">
+            <a:avLst/>
+          </a:prstGeom>
+          <a:solidFill>
+            <a:srgbClr val="C4B7D7"/>
+          </a:solidFill>
+          <a:ln>
+            <a:solidFill>
+              <a:schemeClr val="tx1"/>
+            </a:solidFill>
+          </a:ln>
+        </p:spPr>
+        <p:style>
+          <a:lnRef idx="2">
+            <a:schemeClr val="accent1">
+              <a:shade val="50000"/>
+            </a:schemeClr>
+          </a:lnRef>
+          <a:fillRef idx="1">
+            <a:schemeClr val="accent1"/>
+          </a:fillRef>
+          <a:effectRef idx="0">
+            <a:schemeClr val="accent1"/>
+          </a:effectRef>
+          <a:fontRef idx="minor">
+            <a:schemeClr val="lt1"/>
+          </a:fontRef>
+        </p:style>
+        <p:txBody>
+          <a:bodyPr rtlCol="0" anchor="ctr"/>
+          <a:lstStyle/>
+          <a:p>
+            <a:pPr algn="ctr"/>
+            <a:r>
+              <a:rPr lang="en-US" altLang="zh-CN" dirty="0">
+                <a:solidFill>
+                  <a:schemeClr val="tx1"/>
+                </a:solidFill>
+                <a:latin typeface="Times New Roman" panose="02020603050405020304" pitchFamily="18" charset="0"/>
+                <a:cs typeface="Times New Roman" panose="02020603050405020304" pitchFamily="18" charset="0"/>
+              </a:rPr>
+              <a:t>SB</a:t>
+            </a:r>
+          </a:p>
+          <a:p>
+            <a:pPr algn="ctr"/>
+            <a:r>
+              <a:rPr lang="en-US" altLang="zh-CN" dirty="0" err="1">
+                <a:solidFill>
+                  <a:schemeClr val="tx1"/>
+                </a:solidFill>
+                <a:latin typeface="Times New Roman" panose="02020603050405020304" pitchFamily="18" charset="0"/>
+                <a:cs typeface="Times New Roman" panose="02020603050405020304" pitchFamily="18" charset="0"/>
+              </a:rPr>
+              <a:t>Rootfs</a:t>
+            </a:r>
+            <a:endParaRPr lang="zh-CN" altLang="en-US" dirty="0">
+              <a:solidFill>
+                <a:schemeClr val="tx1"/>
+              </a:solidFill>
+              <a:latin typeface="Times New Roman" panose="02020603050405020304" pitchFamily="18" charset="0"/>
+              <a:cs typeface="Times New Roman" panose="02020603050405020304" pitchFamily="18" charset="0"/>
+            </a:endParaRPr>
+          </a:p>
+        </p:txBody>
+      </p:sp>
+      <p:sp>
+        <p:nvSpPr>
+          <p:cNvPr id="43" name="矩形 42">
+            <a:extLst>
+              <a:ext uri="{FF2B5EF4-FFF2-40B4-BE49-F238E27FC236}">
+                <a16:creationId xmlns:a16="http://schemas.microsoft.com/office/drawing/2014/main" id="{080083A6-7D86-4547-9CAF-640A4D180FAB}"/>
+              </a:ext>
+            </a:extLst>
+          </p:cNvPr>
+          <p:cNvSpPr/>
+          <p:nvPr/>
+        </p:nvSpPr>
+        <p:spPr>
+          <a:xfrm>
+            <a:off x="3842992" y="4273877"/>
+            <a:ext cx="1159498" cy="1345676"/>
+          </a:xfrm>
+          <a:prstGeom prst="rect">
+            <a:avLst/>
+          </a:prstGeom>
+          <a:solidFill>
+            <a:srgbClr val="C4B7D7"/>
+          </a:solidFill>
+          <a:ln>
+            <a:solidFill>
+              <a:schemeClr val="tx1"/>
+            </a:solidFill>
+          </a:ln>
+        </p:spPr>
+        <p:style>
+          <a:lnRef idx="2">
+            <a:schemeClr val="accent1">
+              <a:shade val="50000"/>
+            </a:schemeClr>
+          </a:lnRef>
+          <a:fillRef idx="1">
+            <a:schemeClr val="accent1"/>
+          </a:fillRef>
+          <a:effectRef idx="0">
+            <a:schemeClr val="accent1"/>
+          </a:effectRef>
+          <a:fontRef idx="minor">
+            <a:schemeClr val="lt1"/>
+          </a:fontRef>
+        </p:style>
+        <p:txBody>
+          <a:bodyPr rtlCol="0" anchor="ctr"/>
+          <a:lstStyle/>
+          <a:p>
+            <a:pPr algn="ctr"/>
+            <a:r>
+              <a:rPr lang="en-US" altLang="zh-CN" dirty="0" err="1">
+                <a:solidFill>
+                  <a:schemeClr val="tx1"/>
+                </a:solidFill>
+                <a:latin typeface="Times New Roman" panose="02020603050405020304" pitchFamily="18" charset="0"/>
+                <a:cs typeface="Times New Roman" panose="02020603050405020304" pitchFamily="18" charset="0"/>
+              </a:rPr>
+              <a:t>Dentry</a:t>
+            </a:r>
+            <a:endParaRPr lang="en-US" altLang="zh-CN" dirty="0">
+              <a:solidFill>
+                <a:schemeClr val="tx1"/>
+              </a:solidFill>
+              <a:latin typeface="Times New Roman" panose="02020603050405020304" pitchFamily="18" charset="0"/>
+              <a:cs typeface="Times New Roman" panose="02020603050405020304" pitchFamily="18" charset="0"/>
+            </a:endParaRPr>
+          </a:p>
+          <a:p>
+            <a:pPr algn="ctr"/>
+            <a:r>
+              <a:rPr lang="en-US" altLang="zh-CN" dirty="0" err="1">
+                <a:solidFill>
+                  <a:schemeClr val="tx1"/>
+                </a:solidFill>
+                <a:latin typeface="Times New Roman" panose="02020603050405020304" pitchFamily="18" charset="0"/>
+                <a:cs typeface="Times New Roman" panose="02020603050405020304" pitchFamily="18" charset="0"/>
+              </a:rPr>
+              <a:t>Rootfs</a:t>
+            </a:r>
+            <a:endParaRPr lang="zh-CN" altLang="en-US" dirty="0">
+              <a:solidFill>
+                <a:schemeClr val="tx1"/>
+              </a:solidFill>
+              <a:latin typeface="Times New Roman" panose="02020603050405020304" pitchFamily="18" charset="0"/>
+              <a:cs typeface="Times New Roman" panose="02020603050405020304" pitchFamily="18" charset="0"/>
+            </a:endParaRPr>
+          </a:p>
+        </p:txBody>
+      </p:sp>
+      <p:sp>
+        <p:nvSpPr>
+          <p:cNvPr id="44" name="矩形 43">
+            <a:extLst>
+              <a:ext uri="{FF2B5EF4-FFF2-40B4-BE49-F238E27FC236}">
+                <a16:creationId xmlns:a16="http://schemas.microsoft.com/office/drawing/2014/main" id="{567DC630-CE92-4CE8-B7DE-28F520494A33}"/>
+              </a:ext>
+            </a:extLst>
+          </p:cNvPr>
+          <p:cNvSpPr/>
+          <p:nvPr/>
+        </p:nvSpPr>
+        <p:spPr>
+          <a:xfrm>
+            <a:off x="7164368" y="4280228"/>
+            <a:ext cx="1159498" cy="1332975"/>
+          </a:xfrm>
+          <a:prstGeom prst="rect">
+            <a:avLst/>
+          </a:prstGeom>
+          <a:solidFill>
+            <a:srgbClr val="705697"/>
+          </a:solidFill>
+          <a:ln>
+            <a:solidFill>
+              <a:schemeClr val="tx1"/>
+            </a:solidFill>
+          </a:ln>
+        </p:spPr>
+        <p:style>
+          <a:lnRef idx="2">
+            <a:schemeClr val="accent1">
+              <a:shade val="50000"/>
+            </a:schemeClr>
+          </a:lnRef>
+          <a:fillRef idx="1">
+            <a:schemeClr val="accent1"/>
+          </a:fillRef>
+          <a:effectRef idx="0">
+            <a:schemeClr val="accent1"/>
+          </a:effectRef>
+          <a:fontRef idx="minor">
+            <a:schemeClr val="lt1"/>
+          </a:fontRef>
+        </p:style>
+        <p:txBody>
+          <a:bodyPr rtlCol="0" anchor="ctr"/>
+          <a:lstStyle/>
+          <a:p>
+            <a:pPr algn="ctr"/>
+            <a:r>
+              <a:rPr lang="en-US" altLang="zh-CN" dirty="0">
+                <a:solidFill>
+                  <a:schemeClr val="bg1"/>
+                </a:solidFill>
+                <a:latin typeface="Times New Roman" panose="02020603050405020304" pitchFamily="18" charset="0"/>
+                <a:cs typeface="Times New Roman" panose="02020603050405020304" pitchFamily="18" charset="0"/>
+              </a:rPr>
+              <a:t>SB</a:t>
+            </a:r>
+          </a:p>
+          <a:p>
+            <a:pPr algn="ctr"/>
+            <a:r>
+              <a:rPr lang="en-US" altLang="zh-CN" dirty="0" err="1">
+                <a:solidFill>
+                  <a:schemeClr val="bg1"/>
+                </a:solidFill>
+                <a:latin typeface="Times New Roman" panose="02020603050405020304" pitchFamily="18" charset="0"/>
+                <a:cs typeface="Times New Roman" panose="02020603050405020304" pitchFamily="18" charset="0"/>
+              </a:rPr>
+              <a:t>Ramfs</a:t>
+            </a:r>
+            <a:endParaRPr lang="zh-CN" altLang="en-US" dirty="0">
+              <a:solidFill>
+                <a:schemeClr val="bg1"/>
+              </a:solidFill>
+              <a:latin typeface="Times New Roman" panose="02020603050405020304" pitchFamily="18" charset="0"/>
+              <a:cs typeface="Times New Roman" panose="02020603050405020304" pitchFamily="18" charset="0"/>
+            </a:endParaRPr>
+          </a:p>
+        </p:txBody>
+      </p:sp>
+      <p:cxnSp>
+        <p:nvCxnSpPr>
+          <p:cNvPr id="5" name="连接符: 肘形 4">
+            <a:extLst>
+              <a:ext uri="{FF2B5EF4-FFF2-40B4-BE49-F238E27FC236}">
+                <a16:creationId xmlns:a16="http://schemas.microsoft.com/office/drawing/2014/main" id="{0FEC76A2-979C-4B96-8E72-9731D9E4D150}"/>
+              </a:ext>
+            </a:extLst>
+          </p:cNvPr>
+          <p:cNvCxnSpPr>
+            <a:stCxn id="35" idx="2"/>
+            <a:endCxn id="43" idx="2"/>
+          </p:cNvCxnSpPr>
+          <p:nvPr/>
+        </p:nvCxnSpPr>
+        <p:spPr>
+          <a:xfrm rot="16200000" flipH="1">
+            <a:off x="2762053" y="3958865"/>
+            <a:ext cx="12700" cy="3321376"/>
+          </a:xfrm>
+          <a:prstGeom prst="bentConnector3">
+            <a:avLst>
+              <a:gd name="adj1" fmla="val 3878354"/>
+            </a:avLst>
+          </a:prstGeom>
+          <a:ln>
+            <a:headEnd type="oval" w="med" len="med"/>
+            <a:tailEnd type="triangle" w="med" len="med"/>
+          </a:ln>
+        </p:spPr>
+        <p:style>
+          <a:lnRef idx="1">
+            <a:schemeClr val="dk1"/>
+          </a:lnRef>
+          <a:fillRef idx="0">
+            <a:schemeClr val="dk1"/>
+          </a:fillRef>
+          <a:effectRef idx="0">
+            <a:schemeClr val="dk1"/>
+          </a:effectRef>
+          <a:fontRef idx="minor">
+            <a:schemeClr val="tx1"/>
+          </a:fontRef>
+        </p:style>
+      </p:cxnSp>
+      <p:cxnSp>
+        <p:nvCxnSpPr>
+          <p:cNvPr id="8" name="连接符: 肘形 7">
+            <a:extLst>
+              <a:ext uri="{FF2B5EF4-FFF2-40B4-BE49-F238E27FC236}">
+                <a16:creationId xmlns:a16="http://schemas.microsoft.com/office/drawing/2014/main" id="{6C10A5E9-590C-42B2-BF64-46542F76B16A}"/>
+              </a:ext>
+            </a:extLst>
+          </p:cNvPr>
+          <p:cNvCxnSpPr>
+            <a:cxnSpLocks/>
+            <a:stCxn id="43" idx="0"/>
+            <a:endCxn id="44" idx="0"/>
+          </p:cNvCxnSpPr>
+          <p:nvPr/>
+        </p:nvCxnSpPr>
+        <p:spPr>
+          <a:xfrm rot="16200000" flipH="1">
+            <a:off x="6080253" y="2616364"/>
+            <a:ext cx="6351" cy="3321376"/>
+          </a:xfrm>
+          <a:prstGeom prst="bentConnector3">
+            <a:avLst>
+              <a:gd name="adj1" fmla="val -8497622"/>
+            </a:avLst>
+          </a:prstGeom>
+          <a:ln>
+            <a:headEnd type="oval" w="med" len="med"/>
+            <a:tailEnd type="triangle" w="med" len="med"/>
+          </a:ln>
+        </p:spPr>
+        <p:style>
+          <a:lnRef idx="1">
+            <a:schemeClr val="dk1"/>
+          </a:lnRef>
+          <a:fillRef idx="0">
+            <a:schemeClr val="dk1"/>
+          </a:fillRef>
+          <a:effectRef idx="0">
+            <a:schemeClr val="dk1"/>
+          </a:effectRef>
+          <a:fontRef idx="minor">
+            <a:schemeClr val="tx1"/>
+          </a:fontRef>
+        </p:style>
+      </p:cxnSp>
+      <p:pic>
+        <p:nvPicPr>
+          <p:cNvPr id="20" name="图片 19">
+            <a:extLst>
+              <a:ext uri="{FF2B5EF4-FFF2-40B4-BE49-F238E27FC236}">
+                <a16:creationId xmlns:a16="http://schemas.microsoft.com/office/drawing/2014/main" id="{E3964BE1-92F0-4BF4-9692-F5DEB196CDEE}"/>
+              </a:ext>
+            </a:extLst>
+          </p:cNvPr>
+          <p:cNvPicPr>
+            <a:picLocks noChangeAspect="1"/>
+          </p:cNvPicPr>
+          <p:nvPr/>
+        </p:nvPicPr>
+        <p:blipFill rotWithShape="1">
+          <a:blip r:embed="rId2"/>
+          <a:srcRect t="12148"/>
+          <a:stretch/>
+        </p:blipFill>
+        <p:spPr>
+          <a:xfrm>
+            <a:off x="2402265" y="52504"/>
+            <a:ext cx="7164368" cy="3376496"/>
+          </a:xfrm>
+          <a:prstGeom prst="rect">
+            <a:avLst/>
+          </a:prstGeom>
+          <a:ln w="38100" cap="sq">
+            <a:solidFill>
+              <a:srgbClr val="000000"/>
+            </a:solidFill>
+            <a:prstDash val="solid"/>
+            <a:miter lim="800000"/>
+          </a:ln>
+          <a:effectLst>
+            <a:outerShdw blurRad="50800" dist="38100" dir="2700000" algn="tl" rotWithShape="0">
+              <a:srgbClr val="000000">
+                <a:alpha val="43000"/>
+              </a:srgbClr>
+            </a:outerShdw>
+          </a:effectLst>
+        </p:spPr>
+      </p:pic>
+    </p:spTree>
+    <p:extLst>
+      <p:ext uri="{BB962C8B-B14F-4D97-AF65-F5344CB8AC3E}">
+        <p14:creationId xmlns:p14="http://schemas.microsoft.com/office/powerpoint/2010/main" val="1067040058"/>
+      </p:ext>
+    </p:extLst>
+  </p:cSld>
+  <p:clrMapOvr>
+    <a:masterClrMapping/>
+  </p:clrMapOvr>
+</p:sld>
+</file>
+
+<file path=ppt/slides/slide6.xml><?xml version="1.0" encoding="utf-8"?>
+<p:sld xmlns:a="http://schemas.openxmlformats.org/drawingml/2006/main" xmlns:r="http://schemas.openxmlformats.org/officeDocument/2006/relationships" xmlns:p="http://schemas.openxmlformats.org/presentationml/2006/main">
+  <p:cSld>
+    <p:spTree>
+      <p:nvGrpSpPr>
+        <p:cNvPr id="1" name=""/>
+        <p:cNvGrpSpPr/>
+        <p:nvPr/>
+      </p:nvGrpSpPr>
+      <p:grpSpPr>
+        <a:xfrm>
+          <a:off x="0" y="0"/>
+          <a:ext cx="0" cy="0"/>
+          <a:chOff x="0" y="0"/>
+          <a:chExt cx="0" cy="0"/>
+        </a:xfrm>
+      </p:grpSpPr>
       <p:pic>
         <p:nvPicPr>
           <p:cNvPr id="5" name="图片 4">

--- a/Records/Files/绘图.pptx
+++ b/Records/Files/绘图.pptx
@@ -10,7 +10,8 @@
     <p:sldId id="259" r:id="rId4"/>
     <p:sldId id="260" r:id="rId5"/>
     <p:sldId id="261" r:id="rId6"/>
-    <p:sldId id="258" r:id="rId7"/>
+    <p:sldId id="262" r:id="rId7"/>
+    <p:sldId id="258" r:id="rId8"/>
   </p:sldIdLst>
   <p:sldSz cx="12192000" cy="6858000"/>
   <p:notesSz cx="6858000" cy="9144000"/>
@@ -119,6 +120,7 @@
             <p14:sldId id="259"/>
             <p14:sldId id="260"/>
             <p14:sldId id="261"/>
+            <p14:sldId id="262"/>
           </p14:sldIdLst>
         </p14:section>
         <p14:section name="调色盘" id="{F219C78C-63A3-46B0-B927-77D926844DA0}">
@@ -282,7 +284,7 @@
           <a:p>
             <a:fld id="{93C21203-5B9D-4602-98E5-5368AAB74C7B}" type="datetimeFigureOut">
               <a:rPr lang="zh-CN" altLang="en-US" smtClean="0"/>
-              <a:t>2021-02-04</a:t>
+              <a:t>2021-02-19</a:t>
             </a:fld>
             <a:endParaRPr lang="zh-CN" altLang="en-US"/>
           </a:p>
@@ -480,7 +482,7 @@
           <a:p>
             <a:fld id="{93C21203-5B9D-4602-98E5-5368AAB74C7B}" type="datetimeFigureOut">
               <a:rPr lang="zh-CN" altLang="en-US" smtClean="0"/>
-              <a:t>2021-02-04</a:t>
+              <a:t>2021-02-19</a:t>
             </a:fld>
             <a:endParaRPr lang="zh-CN" altLang="en-US"/>
           </a:p>
@@ -688,7 +690,7 @@
           <a:p>
             <a:fld id="{93C21203-5B9D-4602-98E5-5368AAB74C7B}" type="datetimeFigureOut">
               <a:rPr lang="zh-CN" altLang="en-US" smtClean="0"/>
-              <a:t>2021-02-04</a:t>
+              <a:t>2021-02-19</a:t>
             </a:fld>
             <a:endParaRPr lang="zh-CN" altLang="en-US"/>
           </a:p>
@@ -886,7 +888,7 @@
           <a:p>
             <a:fld id="{93C21203-5B9D-4602-98E5-5368AAB74C7B}" type="datetimeFigureOut">
               <a:rPr lang="zh-CN" altLang="en-US" smtClean="0"/>
-              <a:t>2021-02-04</a:t>
+              <a:t>2021-02-19</a:t>
             </a:fld>
             <a:endParaRPr lang="zh-CN" altLang="en-US"/>
           </a:p>
@@ -1161,7 +1163,7 @@
           <a:p>
             <a:fld id="{93C21203-5B9D-4602-98E5-5368AAB74C7B}" type="datetimeFigureOut">
               <a:rPr lang="zh-CN" altLang="en-US" smtClean="0"/>
-              <a:t>2021-02-04</a:t>
+              <a:t>2021-02-19</a:t>
             </a:fld>
             <a:endParaRPr lang="zh-CN" altLang="en-US"/>
           </a:p>
@@ -1426,7 +1428,7 @@
           <a:p>
             <a:fld id="{93C21203-5B9D-4602-98E5-5368AAB74C7B}" type="datetimeFigureOut">
               <a:rPr lang="zh-CN" altLang="en-US" smtClean="0"/>
-              <a:t>2021-02-04</a:t>
+              <a:t>2021-02-19</a:t>
             </a:fld>
             <a:endParaRPr lang="zh-CN" altLang="en-US"/>
           </a:p>
@@ -1838,7 +1840,7 @@
           <a:p>
             <a:fld id="{93C21203-5B9D-4602-98E5-5368AAB74C7B}" type="datetimeFigureOut">
               <a:rPr lang="zh-CN" altLang="en-US" smtClean="0"/>
-              <a:t>2021-02-04</a:t>
+              <a:t>2021-02-19</a:t>
             </a:fld>
             <a:endParaRPr lang="zh-CN" altLang="en-US"/>
           </a:p>
@@ -1979,7 +1981,7 @@
           <a:p>
             <a:fld id="{93C21203-5B9D-4602-98E5-5368AAB74C7B}" type="datetimeFigureOut">
               <a:rPr lang="zh-CN" altLang="en-US" smtClean="0"/>
-              <a:t>2021-02-04</a:t>
+              <a:t>2021-02-19</a:t>
             </a:fld>
             <a:endParaRPr lang="zh-CN" altLang="en-US"/>
           </a:p>
@@ -2092,7 +2094,7 @@
           <a:p>
             <a:fld id="{93C21203-5B9D-4602-98E5-5368AAB74C7B}" type="datetimeFigureOut">
               <a:rPr lang="zh-CN" altLang="en-US" smtClean="0"/>
-              <a:t>2021-02-04</a:t>
+              <a:t>2021-02-19</a:t>
             </a:fld>
             <a:endParaRPr lang="zh-CN" altLang="en-US"/>
           </a:p>
@@ -2403,7 +2405,7 @@
           <a:p>
             <a:fld id="{93C21203-5B9D-4602-98E5-5368AAB74C7B}" type="datetimeFigureOut">
               <a:rPr lang="zh-CN" altLang="en-US" smtClean="0"/>
-              <a:t>2021-02-04</a:t>
+              <a:t>2021-02-19</a:t>
             </a:fld>
             <a:endParaRPr lang="zh-CN" altLang="en-US"/>
           </a:p>
@@ -2691,7 +2693,7 @@
           <a:p>
             <a:fld id="{93C21203-5B9D-4602-98E5-5368AAB74C7B}" type="datetimeFigureOut">
               <a:rPr lang="zh-CN" altLang="en-US" smtClean="0"/>
-              <a:t>2021-02-04</a:t>
+              <a:t>2021-02-19</a:t>
             </a:fld>
             <a:endParaRPr lang="zh-CN" altLang="en-US"/>
           </a:p>
@@ -2932,7 +2934,7 @@
           <a:p>
             <a:fld id="{93C21203-5B9D-4602-98E5-5368AAB74C7B}" type="datetimeFigureOut">
               <a:rPr lang="zh-CN" altLang="en-US" smtClean="0"/>
-              <a:t>2021-02-04</a:t>
+              <a:t>2021-02-19</a:t>
             </a:fld>
             <a:endParaRPr lang="zh-CN" altLang="en-US"/>
           </a:p>
@@ -10558,6 +10560,1021 @@
           <a:chExt cx="0" cy="0"/>
         </a:xfrm>
       </p:grpSpPr>
+      <p:sp>
+        <p:nvSpPr>
+          <p:cNvPr id="4" name="矩形 3">
+            <a:extLst>
+              <a:ext uri="{FF2B5EF4-FFF2-40B4-BE49-F238E27FC236}">
+                <a16:creationId xmlns:a16="http://schemas.microsoft.com/office/drawing/2014/main" id="{9EF3FC15-8B9B-4CEC-8AD8-591FB86BF06C}"/>
+              </a:ext>
+            </a:extLst>
+          </p:cNvPr>
+          <p:cNvSpPr/>
+          <p:nvPr/>
+        </p:nvSpPr>
+        <p:spPr>
+          <a:xfrm>
+            <a:off x="1161067" y="2172877"/>
+            <a:ext cx="2403836" cy="499620"/>
+          </a:xfrm>
+          <a:prstGeom prst="rect">
+            <a:avLst/>
+          </a:prstGeom>
+          <a:solidFill>
+            <a:srgbClr val="C4B7D7"/>
+          </a:solidFill>
+          <a:ln>
+            <a:solidFill>
+              <a:schemeClr val="tx1"/>
+            </a:solidFill>
+          </a:ln>
+        </p:spPr>
+        <p:style>
+          <a:lnRef idx="2">
+            <a:schemeClr val="accent1">
+              <a:shade val="50000"/>
+            </a:schemeClr>
+          </a:lnRef>
+          <a:fillRef idx="1">
+            <a:schemeClr val="accent1"/>
+          </a:fillRef>
+          <a:effectRef idx="0">
+            <a:schemeClr val="accent1"/>
+          </a:effectRef>
+          <a:fontRef idx="minor">
+            <a:schemeClr val="lt1"/>
+          </a:fontRef>
+        </p:style>
+        <p:txBody>
+          <a:bodyPr rtlCol="0" anchor="ctr"/>
+          <a:lstStyle/>
+          <a:p>
+            <a:pPr algn="ctr"/>
+            <a:r>
+              <a:rPr lang="en-US" altLang="zh-CN" dirty="0" err="1">
+                <a:solidFill>
+                  <a:schemeClr val="tx1"/>
+                </a:solidFill>
+                <a:latin typeface="Times New Roman" panose="02020603050405020304" pitchFamily="18" charset="0"/>
+                <a:cs typeface="Times New Roman" panose="02020603050405020304" pitchFamily="18" charset="0"/>
+              </a:rPr>
+              <a:t>startUp.S</a:t>
+            </a:r>
+            <a:endParaRPr lang="zh-CN" altLang="en-US" dirty="0">
+              <a:solidFill>
+                <a:schemeClr val="tx1"/>
+              </a:solidFill>
+              <a:latin typeface="Times New Roman" panose="02020603050405020304" pitchFamily="18" charset="0"/>
+              <a:cs typeface="Times New Roman" panose="02020603050405020304" pitchFamily="18" charset="0"/>
+            </a:endParaRPr>
+          </a:p>
+        </p:txBody>
+      </p:sp>
+      <p:sp>
+        <p:nvSpPr>
+          <p:cNvPr id="6" name="矩形 5">
+            <a:extLst>
+              <a:ext uri="{FF2B5EF4-FFF2-40B4-BE49-F238E27FC236}">
+                <a16:creationId xmlns:a16="http://schemas.microsoft.com/office/drawing/2014/main" id="{E31C6E79-D2EF-41F4-95EE-DACF540481F5}"/>
+              </a:ext>
+            </a:extLst>
+          </p:cNvPr>
+          <p:cNvSpPr/>
+          <p:nvPr/>
+        </p:nvSpPr>
+        <p:spPr>
+          <a:xfrm>
+            <a:off x="1161067" y="3329233"/>
+            <a:ext cx="2403836" cy="499620"/>
+          </a:xfrm>
+          <a:prstGeom prst="rect">
+            <a:avLst/>
+          </a:prstGeom>
+          <a:solidFill>
+            <a:srgbClr val="C4B7D7"/>
+          </a:solidFill>
+          <a:ln>
+            <a:solidFill>
+              <a:schemeClr val="tx1"/>
+            </a:solidFill>
+          </a:ln>
+        </p:spPr>
+        <p:style>
+          <a:lnRef idx="2">
+            <a:schemeClr val="accent1">
+              <a:shade val="50000"/>
+            </a:schemeClr>
+          </a:lnRef>
+          <a:fillRef idx="1">
+            <a:schemeClr val="accent1"/>
+          </a:fillRef>
+          <a:effectRef idx="0">
+            <a:schemeClr val="accent1"/>
+          </a:effectRef>
+          <a:fontRef idx="minor">
+            <a:schemeClr val="lt1"/>
+          </a:fontRef>
+        </p:style>
+        <p:txBody>
+          <a:bodyPr rtlCol="0" anchor="ctr"/>
+          <a:lstStyle/>
+          <a:p>
+            <a:pPr algn="ctr"/>
+            <a:r>
+              <a:rPr lang="en-US" altLang="zh-CN" dirty="0" err="1">
+                <a:solidFill>
+                  <a:schemeClr val="tx1"/>
+                </a:solidFill>
+                <a:latin typeface="Times New Roman" panose="02020603050405020304" pitchFamily="18" charset="0"/>
+                <a:cs typeface="Times New Roman" panose="02020603050405020304" pitchFamily="18" charset="0"/>
+              </a:rPr>
+              <a:t>bspInit</a:t>
+            </a:r>
+            <a:endParaRPr lang="zh-CN" altLang="en-US" dirty="0">
+              <a:solidFill>
+                <a:schemeClr val="tx1"/>
+              </a:solidFill>
+              <a:latin typeface="Times New Roman" panose="02020603050405020304" pitchFamily="18" charset="0"/>
+              <a:cs typeface="Times New Roman" panose="02020603050405020304" pitchFamily="18" charset="0"/>
+            </a:endParaRPr>
+          </a:p>
+        </p:txBody>
+      </p:sp>
+      <p:sp>
+        <p:nvSpPr>
+          <p:cNvPr id="7" name="矩形 6">
+            <a:extLst>
+              <a:ext uri="{FF2B5EF4-FFF2-40B4-BE49-F238E27FC236}">
+                <a16:creationId xmlns:a16="http://schemas.microsoft.com/office/drawing/2014/main" id="{83EACAC1-24EB-44F0-91DA-81BCCDDDAB9B}"/>
+              </a:ext>
+            </a:extLst>
+          </p:cNvPr>
+          <p:cNvSpPr/>
+          <p:nvPr/>
+        </p:nvSpPr>
+        <p:spPr>
+          <a:xfrm>
+            <a:off x="1161067" y="1016521"/>
+            <a:ext cx="2403836" cy="499620"/>
+          </a:xfrm>
+          <a:prstGeom prst="rect">
+            <a:avLst/>
+          </a:prstGeom>
+          <a:solidFill>
+            <a:srgbClr val="D00000"/>
+          </a:solidFill>
+          <a:ln>
+            <a:solidFill>
+              <a:schemeClr val="tx1"/>
+            </a:solidFill>
+          </a:ln>
+        </p:spPr>
+        <p:style>
+          <a:lnRef idx="2">
+            <a:schemeClr val="accent1">
+              <a:shade val="50000"/>
+            </a:schemeClr>
+          </a:lnRef>
+          <a:fillRef idx="1">
+            <a:schemeClr val="accent1"/>
+          </a:fillRef>
+          <a:effectRef idx="0">
+            <a:schemeClr val="accent1"/>
+          </a:effectRef>
+          <a:fontRef idx="minor">
+            <a:schemeClr val="lt1"/>
+          </a:fontRef>
+        </p:style>
+        <p:txBody>
+          <a:bodyPr rtlCol="0" anchor="ctr"/>
+          <a:lstStyle/>
+          <a:p>
+            <a:pPr algn="ctr"/>
+            <a:r>
+              <a:rPr lang="zh-CN" altLang="en-US" dirty="0">
+                <a:solidFill>
+                  <a:schemeClr val="bg1"/>
+                </a:solidFill>
+                <a:latin typeface="Times New Roman" panose="02020603050405020304" pitchFamily="18" charset="0"/>
+                <a:cs typeface="Times New Roman" panose="02020603050405020304" pitchFamily="18" charset="0"/>
+              </a:rPr>
+              <a:t>开始</a:t>
+            </a:r>
+          </a:p>
+        </p:txBody>
+      </p:sp>
+      <p:sp>
+        <p:nvSpPr>
+          <p:cNvPr id="8" name="矩形 7">
+            <a:extLst>
+              <a:ext uri="{FF2B5EF4-FFF2-40B4-BE49-F238E27FC236}">
+                <a16:creationId xmlns:a16="http://schemas.microsoft.com/office/drawing/2014/main" id="{9D7F0BDE-3421-48AA-9D09-B19E58E9EA7C}"/>
+              </a:ext>
+            </a:extLst>
+          </p:cNvPr>
+          <p:cNvSpPr/>
+          <p:nvPr/>
+        </p:nvSpPr>
+        <p:spPr>
+          <a:xfrm>
+            <a:off x="1161067" y="4485589"/>
+            <a:ext cx="2403836" cy="499620"/>
+          </a:xfrm>
+          <a:prstGeom prst="rect">
+            <a:avLst/>
+          </a:prstGeom>
+          <a:solidFill>
+            <a:srgbClr val="C4B7D7"/>
+          </a:solidFill>
+          <a:ln>
+            <a:solidFill>
+              <a:schemeClr val="tx1"/>
+            </a:solidFill>
+          </a:ln>
+        </p:spPr>
+        <p:style>
+          <a:lnRef idx="2">
+            <a:schemeClr val="accent1">
+              <a:shade val="50000"/>
+            </a:schemeClr>
+          </a:lnRef>
+          <a:fillRef idx="1">
+            <a:schemeClr val="accent1"/>
+          </a:fillRef>
+          <a:effectRef idx="0">
+            <a:schemeClr val="accent1"/>
+          </a:effectRef>
+          <a:fontRef idx="minor">
+            <a:schemeClr val="lt1"/>
+          </a:fontRef>
+        </p:style>
+        <p:txBody>
+          <a:bodyPr rtlCol="0" anchor="ctr"/>
+          <a:lstStyle/>
+          <a:p>
+            <a:pPr algn="ctr"/>
+            <a:r>
+              <a:rPr lang="en-US" altLang="zh-CN" dirty="0" err="1">
+                <a:solidFill>
+                  <a:schemeClr val="tx1"/>
+                </a:solidFill>
+                <a:latin typeface="Times New Roman" panose="02020603050405020304" pitchFamily="18" charset="0"/>
+                <a:cs typeface="Times New Roman" panose="02020603050405020304" pitchFamily="18" charset="0"/>
+              </a:rPr>
+              <a:t>halBootThread</a:t>
+            </a:r>
+            <a:endParaRPr lang="zh-CN" altLang="en-US" dirty="0">
+              <a:solidFill>
+                <a:schemeClr val="tx1"/>
+              </a:solidFill>
+              <a:latin typeface="Times New Roman" panose="02020603050405020304" pitchFamily="18" charset="0"/>
+              <a:cs typeface="Times New Roman" panose="02020603050405020304" pitchFamily="18" charset="0"/>
+            </a:endParaRPr>
+          </a:p>
+        </p:txBody>
+      </p:sp>
+      <p:cxnSp>
+        <p:nvCxnSpPr>
+          <p:cNvPr id="10" name="直接箭头连接符 9">
+            <a:extLst>
+              <a:ext uri="{FF2B5EF4-FFF2-40B4-BE49-F238E27FC236}">
+                <a16:creationId xmlns:a16="http://schemas.microsoft.com/office/drawing/2014/main" id="{EB05B6D9-A6FA-401C-B464-E257B0D513AD}"/>
+              </a:ext>
+            </a:extLst>
+          </p:cNvPr>
+          <p:cNvCxnSpPr>
+            <a:stCxn id="7" idx="2"/>
+            <a:endCxn id="4" idx="0"/>
+          </p:cNvCxnSpPr>
+          <p:nvPr/>
+        </p:nvCxnSpPr>
+        <p:spPr>
+          <a:xfrm>
+            <a:off x="2362985" y="1516141"/>
+            <a:ext cx="0" cy="656736"/>
+          </a:xfrm>
+          <a:prstGeom prst="straightConnector1">
+            <a:avLst/>
+          </a:prstGeom>
+          <a:ln w="12700">
+            <a:headEnd type="oval" w="med" len="med"/>
+            <a:tailEnd type="triangle" w="med" len="med"/>
+          </a:ln>
+        </p:spPr>
+        <p:style>
+          <a:lnRef idx="1">
+            <a:schemeClr val="dk1"/>
+          </a:lnRef>
+          <a:fillRef idx="0">
+            <a:schemeClr val="dk1"/>
+          </a:fillRef>
+          <a:effectRef idx="0">
+            <a:schemeClr val="dk1"/>
+          </a:effectRef>
+          <a:fontRef idx="minor">
+            <a:schemeClr val="tx1"/>
+          </a:fontRef>
+        </p:style>
+      </p:cxnSp>
+      <p:cxnSp>
+        <p:nvCxnSpPr>
+          <p:cNvPr id="11" name="直接箭头连接符 10">
+            <a:extLst>
+              <a:ext uri="{FF2B5EF4-FFF2-40B4-BE49-F238E27FC236}">
+                <a16:creationId xmlns:a16="http://schemas.microsoft.com/office/drawing/2014/main" id="{2416D999-4909-4275-8A84-B4006E361E3F}"/>
+              </a:ext>
+            </a:extLst>
+          </p:cNvPr>
+          <p:cNvCxnSpPr>
+            <a:cxnSpLocks/>
+            <a:stCxn id="4" idx="2"/>
+            <a:endCxn id="6" idx="0"/>
+          </p:cNvCxnSpPr>
+          <p:nvPr/>
+        </p:nvCxnSpPr>
+        <p:spPr>
+          <a:xfrm>
+            <a:off x="2362985" y="2672497"/>
+            <a:ext cx="0" cy="656736"/>
+          </a:xfrm>
+          <a:prstGeom prst="straightConnector1">
+            <a:avLst/>
+          </a:prstGeom>
+          <a:ln w="12700">
+            <a:headEnd type="oval" w="med" len="med"/>
+            <a:tailEnd type="triangle" w="med" len="med"/>
+          </a:ln>
+        </p:spPr>
+        <p:style>
+          <a:lnRef idx="1">
+            <a:schemeClr val="dk1"/>
+          </a:lnRef>
+          <a:fillRef idx="0">
+            <a:schemeClr val="dk1"/>
+          </a:fillRef>
+          <a:effectRef idx="0">
+            <a:schemeClr val="dk1"/>
+          </a:effectRef>
+          <a:fontRef idx="minor">
+            <a:schemeClr val="tx1"/>
+          </a:fontRef>
+        </p:style>
+      </p:cxnSp>
+      <p:cxnSp>
+        <p:nvCxnSpPr>
+          <p:cNvPr id="14" name="直接箭头连接符 13">
+            <a:extLst>
+              <a:ext uri="{FF2B5EF4-FFF2-40B4-BE49-F238E27FC236}">
+                <a16:creationId xmlns:a16="http://schemas.microsoft.com/office/drawing/2014/main" id="{BE919245-7805-4768-9FB8-F4FC0D6A5F46}"/>
+              </a:ext>
+            </a:extLst>
+          </p:cNvPr>
+          <p:cNvCxnSpPr>
+            <a:cxnSpLocks/>
+            <a:stCxn id="6" idx="2"/>
+            <a:endCxn id="8" idx="0"/>
+          </p:cNvCxnSpPr>
+          <p:nvPr/>
+        </p:nvCxnSpPr>
+        <p:spPr>
+          <a:xfrm>
+            <a:off x="2362985" y="3828853"/>
+            <a:ext cx="0" cy="656736"/>
+          </a:xfrm>
+          <a:prstGeom prst="straightConnector1">
+            <a:avLst/>
+          </a:prstGeom>
+          <a:ln w="12700">
+            <a:headEnd type="oval" w="med" len="med"/>
+            <a:tailEnd type="triangle" w="med" len="med"/>
+          </a:ln>
+        </p:spPr>
+        <p:style>
+          <a:lnRef idx="1">
+            <a:schemeClr val="dk1"/>
+          </a:lnRef>
+          <a:fillRef idx="0">
+            <a:schemeClr val="dk1"/>
+          </a:fillRef>
+          <a:effectRef idx="0">
+            <a:schemeClr val="dk1"/>
+          </a:effectRef>
+          <a:fontRef idx="minor">
+            <a:schemeClr val="tx1"/>
+          </a:fontRef>
+        </p:style>
+      </p:cxnSp>
+      <p:sp>
+        <p:nvSpPr>
+          <p:cNvPr id="18" name="矩形 17">
+            <a:extLst>
+              <a:ext uri="{FF2B5EF4-FFF2-40B4-BE49-F238E27FC236}">
+                <a16:creationId xmlns:a16="http://schemas.microsoft.com/office/drawing/2014/main" id="{8A4AC736-543B-478E-8DE7-3B7E70B731E6}"/>
+              </a:ext>
+            </a:extLst>
+          </p:cNvPr>
+          <p:cNvSpPr/>
+          <p:nvPr/>
+        </p:nvSpPr>
+        <p:spPr>
+          <a:xfrm>
+            <a:off x="4894082" y="1016521"/>
+            <a:ext cx="2403836" cy="499620"/>
+          </a:xfrm>
+          <a:prstGeom prst="rect">
+            <a:avLst/>
+          </a:prstGeom>
+          <a:solidFill>
+            <a:srgbClr val="C4B7D7"/>
+          </a:solidFill>
+          <a:ln>
+            <a:solidFill>
+              <a:schemeClr val="tx1"/>
+            </a:solidFill>
+          </a:ln>
+        </p:spPr>
+        <p:style>
+          <a:lnRef idx="2">
+            <a:schemeClr val="accent1">
+              <a:shade val="50000"/>
+            </a:schemeClr>
+          </a:lnRef>
+          <a:fillRef idx="1">
+            <a:schemeClr val="accent1"/>
+          </a:fillRef>
+          <a:effectRef idx="0">
+            <a:schemeClr val="accent1"/>
+          </a:effectRef>
+          <a:fontRef idx="minor">
+            <a:schemeClr val="lt1"/>
+          </a:fontRef>
+        </p:style>
+        <p:txBody>
+          <a:bodyPr rtlCol="0" anchor="ctr"/>
+          <a:lstStyle/>
+          <a:p>
+            <a:pPr algn="ctr"/>
+            <a:r>
+              <a:rPr lang="en-US" altLang="zh-CN" dirty="0" err="1">
+                <a:solidFill>
+                  <a:schemeClr val="tx1"/>
+                </a:solidFill>
+                <a:latin typeface="Times New Roman" panose="02020603050405020304" pitchFamily="18" charset="0"/>
+                <a:cs typeface="Times New Roman" panose="02020603050405020304" pitchFamily="18" charset="0"/>
+              </a:rPr>
+              <a:t>nand_init</a:t>
+            </a:r>
+            <a:endParaRPr lang="zh-CN" altLang="en-US" dirty="0">
+              <a:solidFill>
+                <a:schemeClr val="tx1"/>
+              </a:solidFill>
+              <a:latin typeface="Times New Roman" panose="02020603050405020304" pitchFamily="18" charset="0"/>
+              <a:cs typeface="Times New Roman" panose="02020603050405020304" pitchFamily="18" charset="0"/>
+            </a:endParaRPr>
+          </a:p>
+        </p:txBody>
+      </p:sp>
+      <p:sp>
+        <p:nvSpPr>
+          <p:cNvPr id="19" name="矩形 18">
+            <a:extLst>
+              <a:ext uri="{FF2B5EF4-FFF2-40B4-BE49-F238E27FC236}">
+                <a16:creationId xmlns:a16="http://schemas.microsoft.com/office/drawing/2014/main" id="{D773C70F-592F-41E4-9C5B-DA0DE2002827}"/>
+              </a:ext>
+            </a:extLst>
+          </p:cNvPr>
+          <p:cNvSpPr/>
+          <p:nvPr/>
+        </p:nvSpPr>
+        <p:spPr>
+          <a:xfrm>
+            <a:off x="4894082" y="2172877"/>
+            <a:ext cx="2403836" cy="499620"/>
+          </a:xfrm>
+          <a:prstGeom prst="rect">
+            <a:avLst/>
+          </a:prstGeom>
+          <a:solidFill>
+            <a:srgbClr val="C4B7D7"/>
+          </a:solidFill>
+          <a:ln>
+            <a:solidFill>
+              <a:schemeClr val="tx1"/>
+            </a:solidFill>
+          </a:ln>
+        </p:spPr>
+        <p:style>
+          <a:lnRef idx="2">
+            <a:schemeClr val="accent1">
+              <a:shade val="50000"/>
+            </a:schemeClr>
+          </a:lnRef>
+          <a:fillRef idx="1">
+            <a:schemeClr val="accent1"/>
+          </a:fillRef>
+          <a:effectRef idx="0">
+            <a:schemeClr val="accent1"/>
+          </a:effectRef>
+          <a:fontRef idx="minor">
+            <a:schemeClr val="lt1"/>
+          </a:fontRef>
+        </p:style>
+        <p:txBody>
+          <a:bodyPr rtlCol="0" anchor="ctr"/>
+          <a:lstStyle/>
+          <a:p>
+            <a:pPr algn="ctr"/>
+            <a:r>
+              <a:rPr lang="en-US" altLang="zh-CN" dirty="0" err="1">
+                <a:solidFill>
+                  <a:schemeClr val="tx1"/>
+                </a:solidFill>
+                <a:latin typeface="Times New Roman" panose="02020603050405020304" pitchFamily="18" charset="0"/>
+                <a:cs typeface="Times New Roman" panose="02020603050405020304" pitchFamily="18" charset="0"/>
+              </a:rPr>
+              <a:t>nand_init_chip</a:t>
+            </a:r>
+            <a:endParaRPr lang="zh-CN" altLang="en-US" dirty="0">
+              <a:solidFill>
+                <a:schemeClr val="tx1"/>
+              </a:solidFill>
+              <a:latin typeface="Times New Roman" panose="02020603050405020304" pitchFamily="18" charset="0"/>
+              <a:cs typeface="Times New Roman" panose="02020603050405020304" pitchFamily="18" charset="0"/>
+            </a:endParaRPr>
+          </a:p>
+        </p:txBody>
+      </p:sp>
+      <p:sp>
+        <p:nvSpPr>
+          <p:cNvPr id="20" name="矩形 19">
+            <a:extLst>
+              <a:ext uri="{FF2B5EF4-FFF2-40B4-BE49-F238E27FC236}">
+                <a16:creationId xmlns:a16="http://schemas.microsoft.com/office/drawing/2014/main" id="{AF31DE3E-0D97-437F-840C-E9699289AF65}"/>
+              </a:ext>
+            </a:extLst>
+          </p:cNvPr>
+          <p:cNvSpPr/>
+          <p:nvPr/>
+        </p:nvSpPr>
+        <p:spPr>
+          <a:xfrm>
+            <a:off x="4894082" y="3329233"/>
+            <a:ext cx="2403836" cy="499620"/>
+          </a:xfrm>
+          <a:prstGeom prst="rect">
+            <a:avLst/>
+          </a:prstGeom>
+          <a:solidFill>
+            <a:srgbClr val="C4B7D7"/>
+          </a:solidFill>
+          <a:ln>
+            <a:solidFill>
+              <a:schemeClr val="tx1"/>
+            </a:solidFill>
+          </a:ln>
+        </p:spPr>
+        <p:style>
+          <a:lnRef idx="2">
+            <a:schemeClr val="accent1">
+              <a:shade val="50000"/>
+            </a:schemeClr>
+          </a:lnRef>
+          <a:fillRef idx="1">
+            <a:schemeClr val="accent1"/>
+          </a:fillRef>
+          <a:effectRef idx="0">
+            <a:schemeClr val="accent1"/>
+          </a:effectRef>
+          <a:fontRef idx="minor">
+            <a:schemeClr val="lt1"/>
+          </a:fontRef>
+        </p:style>
+        <p:txBody>
+          <a:bodyPr rtlCol="0" anchor="ctr"/>
+          <a:lstStyle/>
+          <a:p>
+            <a:pPr algn="ctr"/>
+            <a:r>
+              <a:rPr lang="en-US" altLang="zh-CN" dirty="0" err="1">
+                <a:solidFill>
+                  <a:schemeClr val="tx1"/>
+                </a:solidFill>
+                <a:latin typeface="Times New Roman" panose="02020603050405020304" pitchFamily="18" charset="0"/>
+                <a:cs typeface="Times New Roman" panose="02020603050405020304" pitchFamily="18" charset="0"/>
+              </a:rPr>
+              <a:t>board_nand_init</a:t>
+            </a:r>
+            <a:endParaRPr lang="zh-CN" altLang="en-US" dirty="0">
+              <a:solidFill>
+                <a:schemeClr val="tx1"/>
+              </a:solidFill>
+              <a:latin typeface="Times New Roman" panose="02020603050405020304" pitchFamily="18" charset="0"/>
+              <a:cs typeface="Times New Roman" panose="02020603050405020304" pitchFamily="18" charset="0"/>
+            </a:endParaRPr>
+          </a:p>
+        </p:txBody>
+      </p:sp>
+      <p:sp>
+        <p:nvSpPr>
+          <p:cNvPr id="21" name="矩形 20">
+            <a:extLst>
+              <a:ext uri="{FF2B5EF4-FFF2-40B4-BE49-F238E27FC236}">
+                <a16:creationId xmlns:a16="http://schemas.microsoft.com/office/drawing/2014/main" id="{C2CC6FC2-1E8B-4042-B77D-485E365C3E57}"/>
+              </a:ext>
+            </a:extLst>
+          </p:cNvPr>
+          <p:cNvSpPr/>
+          <p:nvPr/>
+        </p:nvSpPr>
+        <p:spPr>
+          <a:xfrm>
+            <a:off x="4894082" y="4452593"/>
+            <a:ext cx="2403836" cy="499620"/>
+          </a:xfrm>
+          <a:prstGeom prst="rect">
+            <a:avLst/>
+          </a:prstGeom>
+          <a:solidFill>
+            <a:srgbClr val="C4B7D7"/>
+          </a:solidFill>
+          <a:ln>
+            <a:solidFill>
+              <a:schemeClr val="tx1"/>
+            </a:solidFill>
+          </a:ln>
+        </p:spPr>
+        <p:style>
+          <a:lnRef idx="2">
+            <a:schemeClr val="accent1">
+              <a:shade val="50000"/>
+            </a:schemeClr>
+          </a:lnRef>
+          <a:fillRef idx="1">
+            <a:schemeClr val="accent1"/>
+          </a:fillRef>
+          <a:effectRef idx="0">
+            <a:schemeClr val="accent1"/>
+          </a:effectRef>
+          <a:fontRef idx="minor">
+            <a:schemeClr val="lt1"/>
+          </a:fontRef>
+        </p:style>
+        <p:txBody>
+          <a:bodyPr rtlCol="0" anchor="ctr"/>
+          <a:lstStyle/>
+          <a:p>
+            <a:pPr algn="ctr"/>
+            <a:r>
+              <a:rPr lang="en-US" altLang="zh-CN" dirty="0" err="1">
+                <a:solidFill>
+                  <a:schemeClr val="tx1"/>
+                </a:solidFill>
+                <a:latin typeface="Times New Roman" panose="02020603050405020304" pitchFamily="18" charset="0"/>
+                <a:cs typeface="Times New Roman" panose="02020603050405020304" pitchFamily="18" charset="0"/>
+              </a:rPr>
+              <a:t>nand_scan</a:t>
+            </a:r>
+            <a:endParaRPr lang="zh-CN" altLang="en-US" dirty="0">
+              <a:solidFill>
+                <a:schemeClr val="tx1"/>
+              </a:solidFill>
+              <a:latin typeface="Times New Roman" panose="02020603050405020304" pitchFamily="18" charset="0"/>
+              <a:cs typeface="Times New Roman" panose="02020603050405020304" pitchFamily="18" charset="0"/>
+            </a:endParaRPr>
+          </a:p>
+        </p:txBody>
+      </p:sp>
+      <p:sp>
+        <p:nvSpPr>
+          <p:cNvPr id="22" name="矩形 21">
+            <a:extLst>
+              <a:ext uri="{FF2B5EF4-FFF2-40B4-BE49-F238E27FC236}">
+                <a16:creationId xmlns:a16="http://schemas.microsoft.com/office/drawing/2014/main" id="{FD86631B-5E4C-4F30-A7A5-765E1E6AD22D}"/>
+              </a:ext>
+            </a:extLst>
+          </p:cNvPr>
+          <p:cNvSpPr/>
+          <p:nvPr/>
+        </p:nvSpPr>
+        <p:spPr>
+          <a:xfrm>
+            <a:off x="8627097" y="1016521"/>
+            <a:ext cx="2403836" cy="499620"/>
+          </a:xfrm>
+          <a:prstGeom prst="rect">
+            <a:avLst/>
+          </a:prstGeom>
+          <a:solidFill>
+            <a:srgbClr val="C4B7D7"/>
+          </a:solidFill>
+          <a:ln>
+            <a:solidFill>
+              <a:schemeClr val="tx1"/>
+            </a:solidFill>
+          </a:ln>
+        </p:spPr>
+        <p:style>
+          <a:lnRef idx="2">
+            <a:schemeClr val="accent1">
+              <a:shade val="50000"/>
+            </a:schemeClr>
+          </a:lnRef>
+          <a:fillRef idx="1">
+            <a:schemeClr val="accent1"/>
+          </a:fillRef>
+          <a:effectRef idx="0">
+            <a:schemeClr val="accent1"/>
+          </a:effectRef>
+          <a:fontRef idx="minor">
+            <a:schemeClr val="lt1"/>
+          </a:fontRef>
+        </p:style>
+        <p:txBody>
+          <a:bodyPr rtlCol="0" anchor="ctr"/>
+          <a:lstStyle/>
+          <a:p>
+            <a:pPr algn="ctr"/>
+            <a:r>
+              <a:rPr lang="en-US" altLang="zh-CN" dirty="0" err="1">
+                <a:solidFill>
+                  <a:schemeClr val="tx1"/>
+                </a:solidFill>
+                <a:latin typeface="Times New Roman" panose="02020603050405020304" pitchFamily="18" charset="0"/>
+                <a:cs typeface="Times New Roman" panose="02020603050405020304" pitchFamily="18" charset="0"/>
+              </a:rPr>
+              <a:t>nand_register</a:t>
+            </a:r>
+            <a:endParaRPr lang="zh-CN" altLang="en-US" dirty="0">
+              <a:solidFill>
+                <a:schemeClr val="tx1"/>
+              </a:solidFill>
+              <a:latin typeface="Times New Roman" panose="02020603050405020304" pitchFamily="18" charset="0"/>
+              <a:cs typeface="Times New Roman" panose="02020603050405020304" pitchFamily="18" charset="0"/>
+            </a:endParaRPr>
+          </a:p>
+        </p:txBody>
+      </p:sp>
+      <p:cxnSp>
+        <p:nvCxnSpPr>
+          <p:cNvPr id="24" name="连接符: 肘形 23">
+            <a:extLst>
+              <a:ext uri="{FF2B5EF4-FFF2-40B4-BE49-F238E27FC236}">
+                <a16:creationId xmlns:a16="http://schemas.microsoft.com/office/drawing/2014/main" id="{F96F259E-A8EA-43F4-AA7F-90C411EB374B}"/>
+              </a:ext>
+            </a:extLst>
+          </p:cNvPr>
+          <p:cNvCxnSpPr>
+            <a:stCxn id="8" idx="3"/>
+            <a:endCxn id="18" idx="1"/>
+          </p:cNvCxnSpPr>
+          <p:nvPr/>
+        </p:nvCxnSpPr>
+        <p:spPr>
+          <a:xfrm flipV="1">
+            <a:off x="3564903" y="1266331"/>
+            <a:ext cx="1329179" cy="3469068"/>
+          </a:xfrm>
+          <a:prstGeom prst="bentConnector3">
+            <a:avLst/>
+          </a:prstGeom>
+          <a:ln w="12700">
+            <a:solidFill>
+              <a:schemeClr val="tx1"/>
+            </a:solidFill>
+            <a:headEnd type="oval" w="med" len="med"/>
+            <a:tailEnd type="triangle" w="med" len="med"/>
+          </a:ln>
+        </p:spPr>
+        <p:style>
+          <a:lnRef idx="1">
+            <a:schemeClr val="dk1"/>
+          </a:lnRef>
+          <a:fillRef idx="0">
+            <a:schemeClr val="dk1"/>
+          </a:fillRef>
+          <a:effectRef idx="0">
+            <a:schemeClr val="dk1"/>
+          </a:effectRef>
+          <a:fontRef idx="minor">
+            <a:schemeClr val="tx1"/>
+          </a:fontRef>
+        </p:style>
+      </p:cxnSp>
+      <p:cxnSp>
+        <p:nvCxnSpPr>
+          <p:cNvPr id="26" name="直接箭头连接符 25">
+            <a:extLst>
+              <a:ext uri="{FF2B5EF4-FFF2-40B4-BE49-F238E27FC236}">
+                <a16:creationId xmlns:a16="http://schemas.microsoft.com/office/drawing/2014/main" id="{81B59857-12DA-4799-9405-002E43C47730}"/>
+              </a:ext>
+            </a:extLst>
+          </p:cNvPr>
+          <p:cNvCxnSpPr>
+            <a:stCxn id="18" idx="2"/>
+            <a:endCxn id="19" idx="0"/>
+          </p:cNvCxnSpPr>
+          <p:nvPr/>
+        </p:nvCxnSpPr>
+        <p:spPr>
+          <a:xfrm>
+            <a:off x="6096000" y="1516141"/>
+            <a:ext cx="0" cy="656736"/>
+          </a:xfrm>
+          <a:prstGeom prst="straightConnector1">
+            <a:avLst/>
+          </a:prstGeom>
+          <a:ln w="12700">
+            <a:solidFill>
+              <a:schemeClr val="tx1"/>
+            </a:solidFill>
+            <a:headEnd type="oval" w="med" len="med"/>
+            <a:tailEnd type="triangle" w="med" len="med"/>
+          </a:ln>
+        </p:spPr>
+        <p:style>
+          <a:lnRef idx="1">
+            <a:schemeClr val="dk1"/>
+          </a:lnRef>
+          <a:fillRef idx="0">
+            <a:schemeClr val="dk1"/>
+          </a:fillRef>
+          <a:effectRef idx="0">
+            <a:schemeClr val="dk1"/>
+          </a:effectRef>
+          <a:fontRef idx="minor">
+            <a:schemeClr val="tx1"/>
+          </a:fontRef>
+        </p:style>
+      </p:cxnSp>
+      <p:cxnSp>
+        <p:nvCxnSpPr>
+          <p:cNvPr id="28" name="直接箭头连接符 27">
+            <a:extLst>
+              <a:ext uri="{FF2B5EF4-FFF2-40B4-BE49-F238E27FC236}">
+                <a16:creationId xmlns:a16="http://schemas.microsoft.com/office/drawing/2014/main" id="{C29582E3-528B-4968-BBBD-AE451F88D0FD}"/>
+              </a:ext>
+            </a:extLst>
+          </p:cNvPr>
+          <p:cNvCxnSpPr>
+            <a:stCxn id="19" idx="2"/>
+            <a:endCxn id="20" idx="0"/>
+          </p:cNvCxnSpPr>
+          <p:nvPr/>
+        </p:nvCxnSpPr>
+        <p:spPr>
+          <a:xfrm>
+            <a:off x="6096000" y="2672497"/>
+            <a:ext cx="0" cy="656736"/>
+          </a:xfrm>
+          <a:prstGeom prst="straightConnector1">
+            <a:avLst/>
+          </a:prstGeom>
+          <a:ln w="12700">
+            <a:solidFill>
+              <a:schemeClr val="tx1"/>
+            </a:solidFill>
+            <a:headEnd type="oval" w="med" len="med"/>
+            <a:tailEnd type="triangle" w="med" len="med"/>
+          </a:ln>
+        </p:spPr>
+        <p:style>
+          <a:lnRef idx="1">
+            <a:schemeClr val="dk1"/>
+          </a:lnRef>
+          <a:fillRef idx="0">
+            <a:schemeClr val="dk1"/>
+          </a:fillRef>
+          <a:effectRef idx="0">
+            <a:schemeClr val="dk1"/>
+          </a:effectRef>
+          <a:fontRef idx="minor">
+            <a:schemeClr val="tx1"/>
+          </a:fontRef>
+        </p:style>
+      </p:cxnSp>
+      <p:cxnSp>
+        <p:nvCxnSpPr>
+          <p:cNvPr id="29" name="直接箭头连接符 28">
+            <a:extLst>
+              <a:ext uri="{FF2B5EF4-FFF2-40B4-BE49-F238E27FC236}">
+                <a16:creationId xmlns:a16="http://schemas.microsoft.com/office/drawing/2014/main" id="{7B2B7C74-16D6-4AB8-9B3C-4BF31317BF2C}"/>
+              </a:ext>
+            </a:extLst>
+          </p:cNvPr>
+          <p:cNvCxnSpPr>
+            <a:cxnSpLocks/>
+            <a:stCxn id="20" idx="2"/>
+            <a:endCxn id="21" idx="0"/>
+          </p:cNvCxnSpPr>
+          <p:nvPr/>
+        </p:nvCxnSpPr>
+        <p:spPr>
+          <a:xfrm>
+            <a:off x="6096000" y="3828853"/>
+            <a:ext cx="0" cy="623740"/>
+          </a:xfrm>
+          <a:prstGeom prst="straightConnector1">
+            <a:avLst/>
+          </a:prstGeom>
+          <a:ln w="12700">
+            <a:solidFill>
+              <a:schemeClr val="tx1"/>
+            </a:solidFill>
+            <a:headEnd type="oval" w="med" len="med"/>
+            <a:tailEnd type="triangle" w="med" len="med"/>
+          </a:ln>
+        </p:spPr>
+        <p:style>
+          <a:lnRef idx="1">
+            <a:schemeClr val="dk1"/>
+          </a:lnRef>
+          <a:fillRef idx="0">
+            <a:schemeClr val="dk1"/>
+          </a:fillRef>
+          <a:effectRef idx="0">
+            <a:schemeClr val="dk1"/>
+          </a:effectRef>
+          <a:fontRef idx="minor">
+            <a:schemeClr val="tx1"/>
+          </a:fontRef>
+        </p:style>
+      </p:cxnSp>
+      <p:cxnSp>
+        <p:nvCxnSpPr>
+          <p:cNvPr id="33" name="连接符: 肘形 32">
+            <a:extLst>
+              <a:ext uri="{FF2B5EF4-FFF2-40B4-BE49-F238E27FC236}">
+                <a16:creationId xmlns:a16="http://schemas.microsoft.com/office/drawing/2014/main" id="{C625750E-8E93-479C-B293-2734BEB4EA29}"/>
+              </a:ext>
+            </a:extLst>
+          </p:cNvPr>
+          <p:cNvCxnSpPr>
+            <a:stCxn id="21" idx="3"/>
+            <a:endCxn id="22" idx="1"/>
+          </p:cNvCxnSpPr>
+          <p:nvPr/>
+        </p:nvCxnSpPr>
+        <p:spPr>
+          <a:xfrm flipV="1">
+            <a:off x="7297918" y="1266331"/>
+            <a:ext cx="1329179" cy="3436072"/>
+          </a:xfrm>
+          <a:prstGeom prst="bentConnector3">
+            <a:avLst/>
+          </a:prstGeom>
+          <a:ln w="12700">
+            <a:solidFill>
+              <a:schemeClr val="tx1"/>
+            </a:solidFill>
+            <a:headEnd type="oval" w="med" len="med"/>
+            <a:tailEnd type="triangle" w="med" len="med"/>
+          </a:ln>
+        </p:spPr>
+        <p:style>
+          <a:lnRef idx="1">
+            <a:schemeClr val="dk1"/>
+          </a:lnRef>
+          <a:fillRef idx="0">
+            <a:schemeClr val="dk1"/>
+          </a:fillRef>
+          <a:effectRef idx="0">
+            <a:schemeClr val="dk1"/>
+          </a:effectRef>
+          <a:fontRef idx="minor">
+            <a:schemeClr val="tx1"/>
+          </a:fontRef>
+        </p:style>
+      </p:cxnSp>
+    </p:spTree>
+    <p:extLst>
+      <p:ext uri="{BB962C8B-B14F-4D97-AF65-F5344CB8AC3E}">
+        <p14:creationId xmlns:p14="http://schemas.microsoft.com/office/powerpoint/2010/main" val="1043065824"/>
+      </p:ext>
+    </p:extLst>
+  </p:cSld>
+  <p:clrMapOvr>
+    <a:masterClrMapping/>
+  </p:clrMapOvr>
+</p:sld>
+</file>
+
+<file path=ppt/slides/slide7.xml><?xml version="1.0" encoding="utf-8"?>
+<p:sld xmlns:a="http://schemas.openxmlformats.org/drawingml/2006/main" xmlns:r="http://schemas.openxmlformats.org/officeDocument/2006/relationships" xmlns:p="http://schemas.openxmlformats.org/presentationml/2006/main">
+  <p:cSld>
+    <p:spTree>
+      <p:nvGrpSpPr>
+        <p:cNvPr id="1" name=""/>
+        <p:cNvGrpSpPr/>
+        <p:nvPr/>
+      </p:nvGrpSpPr>
+      <p:grpSpPr>
+        <a:xfrm>
+          <a:off x="0" y="0"/>
+          <a:ext cx="0" cy="0"/>
+          <a:chOff x="0" y="0"/>
+          <a:chExt cx="0" cy="0"/>
+        </a:xfrm>
+      </p:grpSpPr>
       <p:pic>
         <p:nvPicPr>
           <p:cNvPr id="5" name="图片 4">

--- a/Records/Files/绘图.pptx
+++ b/Records/Files/绘图.pptx
@@ -11,7 +11,8 @@
     <p:sldId id="260" r:id="rId5"/>
     <p:sldId id="261" r:id="rId6"/>
     <p:sldId id="262" r:id="rId7"/>
-    <p:sldId id="258" r:id="rId8"/>
+    <p:sldId id="263" r:id="rId8"/>
+    <p:sldId id="258" r:id="rId9"/>
   </p:sldIdLst>
   <p:sldSz cx="12192000" cy="6858000"/>
   <p:notesSz cx="6858000" cy="9144000"/>
@@ -121,6 +122,7 @@
             <p14:sldId id="260"/>
             <p14:sldId id="261"/>
             <p14:sldId id="262"/>
+            <p14:sldId id="263"/>
           </p14:sldIdLst>
         </p14:section>
         <p14:section name="调色盘" id="{F219C78C-63A3-46B0-B927-77D926844DA0}">
@@ -284,7 +286,7 @@
           <a:p>
             <a:fld id="{93C21203-5B9D-4602-98E5-5368AAB74C7B}" type="datetimeFigureOut">
               <a:rPr lang="zh-CN" altLang="en-US" smtClean="0"/>
-              <a:t>2021-02-19</a:t>
+              <a:t>2021-02-27</a:t>
             </a:fld>
             <a:endParaRPr lang="zh-CN" altLang="en-US"/>
           </a:p>
@@ -482,7 +484,7 @@
           <a:p>
             <a:fld id="{93C21203-5B9D-4602-98E5-5368AAB74C7B}" type="datetimeFigureOut">
               <a:rPr lang="zh-CN" altLang="en-US" smtClean="0"/>
-              <a:t>2021-02-19</a:t>
+              <a:t>2021-02-27</a:t>
             </a:fld>
             <a:endParaRPr lang="zh-CN" altLang="en-US"/>
           </a:p>
@@ -690,7 +692,7 @@
           <a:p>
             <a:fld id="{93C21203-5B9D-4602-98E5-5368AAB74C7B}" type="datetimeFigureOut">
               <a:rPr lang="zh-CN" altLang="en-US" smtClean="0"/>
-              <a:t>2021-02-19</a:t>
+              <a:t>2021-02-27</a:t>
             </a:fld>
             <a:endParaRPr lang="zh-CN" altLang="en-US"/>
           </a:p>
@@ -888,7 +890,7 @@
           <a:p>
             <a:fld id="{93C21203-5B9D-4602-98E5-5368AAB74C7B}" type="datetimeFigureOut">
               <a:rPr lang="zh-CN" altLang="en-US" smtClean="0"/>
-              <a:t>2021-02-19</a:t>
+              <a:t>2021-02-27</a:t>
             </a:fld>
             <a:endParaRPr lang="zh-CN" altLang="en-US"/>
           </a:p>
@@ -1163,7 +1165,7 @@
           <a:p>
             <a:fld id="{93C21203-5B9D-4602-98E5-5368AAB74C7B}" type="datetimeFigureOut">
               <a:rPr lang="zh-CN" altLang="en-US" smtClean="0"/>
-              <a:t>2021-02-19</a:t>
+              <a:t>2021-02-27</a:t>
             </a:fld>
             <a:endParaRPr lang="zh-CN" altLang="en-US"/>
           </a:p>
@@ -1428,7 +1430,7 @@
           <a:p>
             <a:fld id="{93C21203-5B9D-4602-98E5-5368AAB74C7B}" type="datetimeFigureOut">
               <a:rPr lang="zh-CN" altLang="en-US" smtClean="0"/>
-              <a:t>2021-02-19</a:t>
+              <a:t>2021-02-27</a:t>
             </a:fld>
             <a:endParaRPr lang="zh-CN" altLang="en-US"/>
           </a:p>
@@ -1840,7 +1842,7 @@
           <a:p>
             <a:fld id="{93C21203-5B9D-4602-98E5-5368AAB74C7B}" type="datetimeFigureOut">
               <a:rPr lang="zh-CN" altLang="en-US" smtClean="0"/>
-              <a:t>2021-02-19</a:t>
+              <a:t>2021-02-27</a:t>
             </a:fld>
             <a:endParaRPr lang="zh-CN" altLang="en-US"/>
           </a:p>
@@ -1981,7 +1983,7 @@
           <a:p>
             <a:fld id="{93C21203-5B9D-4602-98E5-5368AAB74C7B}" type="datetimeFigureOut">
               <a:rPr lang="zh-CN" altLang="en-US" smtClean="0"/>
-              <a:t>2021-02-19</a:t>
+              <a:t>2021-02-27</a:t>
             </a:fld>
             <a:endParaRPr lang="zh-CN" altLang="en-US"/>
           </a:p>
@@ -2094,7 +2096,7 @@
           <a:p>
             <a:fld id="{93C21203-5B9D-4602-98E5-5368AAB74C7B}" type="datetimeFigureOut">
               <a:rPr lang="zh-CN" altLang="en-US" smtClean="0"/>
-              <a:t>2021-02-19</a:t>
+              <a:t>2021-02-27</a:t>
             </a:fld>
             <a:endParaRPr lang="zh-CN" altLang="en-US"/>
           </a:p>
@@ -2405,7 +2407,7 @@
           <a:p>
             <a:fld id="{93C21203-5B9D-4602-98E5-5368AAB74C7B}" type="datetimeFigureOut">
               <a:rPr lang="zh-CN" altLang="en-US" smtClean="0"/>
-              <a:t>2021-02-19</a:t>
+              <a:t>2021-02-27</a:t>
             </a:fld>
             <a:endParaRPr lang="zh-CN" altLang="en-US"/>
           </a:p>
@@ -2693,7 +2695,7 @@
           <a:p>
             <a:fld id="{93C21203-5B9D-4602-98E5-5368AAB74C7B}" type="datetimeFigureOut">
               <a:rPr lang="zh-CN" altLang="en-US" smtClean="0"/>
-              <a:t>2021-02-19</a:t>
+              <a:t>2021-02-27</a:t>
             </a:fld>
             <a:endParaRPr lang="zh-CN" altLang="en-US"/>
           </a:p>
@@ -2934,7 +2936,7 @@
           <a:p>
             <a:fld id="{93C21203-5B9D-4602-98E5-5368AAB74C7B}" type="datetimeFigureOut">
               <a:rPr lang="zh-CN" altLang="en-US" smtClean="0"/>
-              <a:t>2021-02-19</a:t>
+              <a:t>2021-02-27</a:t>
             </a:fld>
             <a:endParaRPr lang="zh-CN" altLang="en-US"/>
           </a:p>
@@ -11575,6 +11577,544 @@
           <a:chExt cx="0" cy="0"/>
         </a:xfrm>
       </p:grpSpPr>
+      <p:grpSp>
+        <p:nvGrpSpPr>
+          <p:cNvPr id="16" name="组合 15">
+            <a:extLst>
+              <a:ext uri="{FF2B5EF4-FFF2-40B4-BE49-F238E27FC236}">
+                <a16:creationId xmlns:a16="http://schemas.microsoft.com/office/drawing/2014/main" id="{086F9241-1D52-459B-9C1A-FF8C3863BA39}"/>
+              </a:ext>
+            </a:extLst>
+          </p:cNvPr>
+          <p:cNvGrpSpPr/>
+          <p:nvPr/>
+        </p:nvGrpSpPr>
+        <p:grpSpPr>
+          <a:xfrm>
+            <a:off x="1014166" y="767106"/>
+            <a:ext cx="10163667" cy="3334732"/>
+            <a:chOff x="1014166" y="767106"/>
+            <a:chExt cx="10163667" cy="3334732"/>
+          </a:xfrm>
+        </p:grpSpPr>
+        <p:sp>
+          <p:nvSpPr>
+            <p:cNvPr id="23" name="矩形 22">
+              <a:extLst>
+                <a:ext uri="{FF2B5EF4-FFF2-40B4-BE49-F238E27FC236}">
+                  <a16:creationId xmlns:a16="http://schemas.microsoft.com/office/drawing/2014/main" id="{30F10CC5-5312-4810-8D70-7194EAFC304C}"/>
+                </a:ext>
+              </a:extLst>
+            </p:cNvPr>
+            <p:cNvSpPr/>
+            <p:nvPr/>
+          </p:nvSpPr>
+          <p:spPr>
+            <a:xfrm>
+              <a:off x="1014166" y="2756162"/>
+              <a:ext cx="10163667" cy="1345676"/>
+            </a:xfrm>
+            <a:prstGeom prst="rect">
+              <a:avLst/>
+            </a:prstGeom>
+            <a:solidFill>
+              <a:srgbClr val="F5F5F5"/>
+            </a:solidFill>
+          </p:spPr>
+          <p:style>
+            <a:lnRef idx="2">
+              <a:schemeClr val="accent1">
+                <a:shade val="50000"/>
+              </a:schemeClr>
+            </a:lnRef>
+            <a:fillRef idx="1">
+              <a:schemeClr val="accent1"/>
+            </a:fillRef>
+            <a:effectRef idx="0">
+              <a:schemeClr val="accent1"/>
+            </a:effectRef>
+            <a:fontRef idx="minor">
+              <a:schemeClr val="lt1"/>
+            </a:fontRef>
+          </p:style>
+          <p:txBody>
+            <a:bodyPr rtlCol="0" anchor="ctr"/>
+            <a:lstStyle/>
+            <a:p>
+              <a:pPr algn="ctr"/>
+              <a:endParaRPr lang="zh-CN" altLang="en-US" dirty="0">
+                <a:latin typeface="Times New Roman" panose="02020603050405020304" pitchFamily="18" charset="0"/>
+                <a:cs typeface="Times New Roman" panose="02020603050405020304" pitchFamily="18" charset="0"/>
+              </a:endParaRPr>
+            </a:p>
+          </p:txBody>
+        </p:sp>
+        <p:sp>
+          <p:nvSpPr>
+            <p:cNvPr id="27" name="矩形 26">
+              <a:extLst>
+                <a:ext uri="{FF2B5EF4-FFF2-40B4-BE49-F238E27FC236}">
+                  <a16:creationId xmlns:a16="http://schemas.microsoft.com/office/drawing/2014/main" id="{E1B6B08B-131F-4E17-8EA8-0A4E3A526802}"/>
+                </a:ext>
+              </a:extLst>
+            </p:cNvPr>
+            <p:cNvSpPr/>
+            <p:nvPr/>
+          </p:nvSpPr>
+          <p:spPr>
+            <a:xfrm>
+              <a:off x="1014166" y="2756162"/>
+              <a:ext cx="4636418" cy="1345676"/>
+            </a:xfrm>
+            <a:prstGeom prst="rect">
+              <a:avLst/>
+            </a:prstGeom>
+            <a:solidFill>
+              <a:srgbClr val="F5F5F5"/>
+            </a:solidFill>
+            <a:ln>
+              <a:solidFill>
+                <a:schemeClr val="tx1"/>
+              </a:solidFill>
+            </a:ln>
+          </p:spPr>
+          <p:style>
+            <a:lnRef idx="2">
+              <a:schemeClr val="accent1">
+                <a:shade val="50000"/>
+              </a:schemeClr>
+            </a:lnRef>
+            <a:fillRef idx="1">
+              <a:schemeClr val="accent1"/>
+            </a:fillRef>
+            <a:effectRef idx="0">
+              <a:schemeClr val="accent1"/>
+            </a:effectRef>
+            <a:fontRef idx="minor">
+              <a:schemeClr val="lt1"/>
+            </a:fontRef>
+          </p:style>
+          <p:txBody>
+            <a:bodyPr rtlCol="0" anchor="ctr"/>
+            <a:lstStyle/>
+            <a:p>
+              <a:pPr algn="ctr"/>
+              <a:r>
+                <a:rPr lang="en-US" altLang="zh-CN" dirty="0">
+                  <a:solidFill>
+                    <a:schemeClr val="tx1"/>
+                  </a:solidFill>
+                  <a:latin typeface="Times New Roman" panose="02020603050405020304" pitchFamily="18" charset="0"/>
+                  <a:cs typeface="Times New Roman" panose="02020603050405020304" pitchFamily="18" charset="0"/>
+                </a:rPr>
+                <a:t>Sector</a:t>
+              </a:r>
+              <a:endParaRPr lang="zh-CN" altLang="en-US" dirty="0">
+                <a:solidFill>
+                  <a:schemeClr val="tx1"/>
+                </a:solidFill>
+                <a:latin typeface="Times New Roman" panose="02020603050405020304" pitchFamily="18" charset="0"/>
+                <a:cs typeface="Times New Roman" panose="02020603050405020304" pitchFamily="18" charset="0"/>
+              </a:endParaRPr>
+            </a:p>
+          </p:txBody>
+        </p:sp>
+        <p:sp>
+          <p:nvSpPr>
+            <p:cNvPr id="25" name="矩形 24">
+              <a:extLst>
+                <a:ext uri="{FF2B5EF4-FFF2-40B4-BE49-F238E27FC236}">
+                  <a16:creationId xmlns:a16="http://schemas.microsoft.com/office/drawing/2014/main" id="{5603AE05-CE24-43EA-8470-32C215D8D500}"/>
+                </a:ext>
+              </a:extLst>
+            </p:cNvPr>
+            <p:cNvSpPr/>
+            <p:nvPr/>
+          </p:nvSpPr>
+          <p:spPr>
+            <a:xfrm>
+              <a:off x="1014166" y="2756162"/>
+              <a:ext cx="1082512" cy="1345676"/>
+            </a:xfrm>
+            <a:prstGeom prst="rect">
+              <a:avLst/>
+            </a:prstGeom>
+            <a:solidFill>
+              <a:srgbClr val="C4B7D7"/>
+            </a:solidFill>
+            <a:ln>
+              <a:solidFill>
+                <a:schemeClr val="tx1"/>
+              </a:solidFill>
+            </a:ln>
+          </p:spPr>
+          <p:style>
+            <a:lnRef idx="2">
+              <a:schemeClr val="accent1">
+                <a:shade val="50000"/>
+              </a:schemeClr>
+            </a:lnRef>
+            <a:fillRef idx="1">
+              <a:schemeClr val="accent1"/>
+            </a:fillRef>
+            <a:effectRef idx="0">
+              <a:schemeClr val="accent1"/>
+            </a:effectRef>
+            <a:fontRef idx="minor">
+              <a:schemeClr val="lt1"/>
+            </a:fontRef>
+          </p:style>
+          <p:txBody>
+            <a:bodyPr rtlCol="0" anchor="ctr"/>
+            <a:lstStyle/>
+            <a:p>
+              <a:pPr algn="ctr"/>
+              <a:r>
+                <a:rPr lang="en-US" altLang="zh-CN" dirty="0">
+                  <a:solidFill>
+                    <a:schemeClr val="tx1"/>
+                  </a:solidFill>
+                  <a:latin typeface="Times New Roman" panose="02020603050405020304" pitchFamily="18" charset="0"/>
+                  <a:cs typeface="Times New Roman" panose="02020603050405020304" pitchFamily="18" charset="0"/>
+                </a:rPr>
+                <a:t>DATA</a:t>
+              </a:r>
+              <a:endParaRPr lang="zh-CN" altLang="en-US" dirty="0">
+                <a:solidFill>
+                  <a:schemeClr val="tx1"/>
+                </a:solidFill>
+                <a:latin typeface="Times New Roman" panose="02020603050405020304" pitchFamily="18" charset="0"/>
+                <a:cs typeface="Times New Roman" panose="02020603050405020304" pitchFamily="18" charset="0"/>
+              </a:endParaRPr>
+            </a:p>
+          </p:txBody>
+        </p:sp>
+        <p:sp>
+          <p:nvSpPr>
+            <p:cNvPr id="30" name="矩形 29">
+              <a:extLst>
+                <a:ext uri="{FF2B5EF4-FFF2-40B4-BE49-F238E27FC236}">
+                  <a16:creationId xmlns:a16="http://schemas.microsoft.com/office/drawing/2014/main" id="{FFABBE78-56F4-4DEB-939F-8ACF396EE293}"/>
+                </a:ext>
+              </a:extLst>
+            </p:cNvPr>
+            <p:cNvSpPr/>
+            <p:nvPr/>
+          </p:nvSpPr>
+          <p:spPr>
+            <a:xfrm>
+              <a:off x="5650584" y="2756162"/>
+              <a:ext cx="4636418" cy="1345676"/>
+            </a:xfrm>
+            <a:prstGeom prst="rect">
+              <a:avLst/>
+            </a:prstGeom>
+            <a:solidFill>
+              <a:srgbClr val="F5F5F5"/>
+            </a:solidFill>
+            <a:ln>
+              <a:solidFill>
+                <a:schemeClr val="tx1"/>
+              </a:solidFill>
+            </a:ln>
+          </p:spPr>
+          <p:style>
+            <a:lnRef idx="2">
+              <a:schemeClr val="accent1">
+                <a:shade val="50000"/>
+              </a:schemeClr>
+            </a:lnRef>
+            <a:fillRef idx="1">
+              <a:schemeClr val="accent1"/>
+            </a:fillRef>
+            <a:effectRef idx="0">
+              <a:schemeClr val="accent1"/>
+            </a:effectRef>
+            <a:fontRef idx="minor">
+              <a:schemeClr val="lt1"/>
+            </a:fontRef>
+          </p:style>
+          <p:txBody>
+            <a:bodyPr rtlCol="0" anchor="ctr"/>
+            <a:lstStyle/>
+            <a:p>
+              <a:pPr algn="ctr"/>
+              <a:r>
+                <a:rPr lang="en-US" altLang="zh-CN" dirty="0">
+                  <a:solidFill>
+                    <a:schemeClr val="tx1"/>
+                  </a:solidFill>
+                  <a:latin typeface="Times New Roman" panose="02020603050405020304" pitchFamily="18" charset="0"/>
+                  <a:cs typeface="Times New Roman" panose="02020603050405020304" pitchFamily="18" charset="0"/>
+                </a:rPr>
+                <a:t>Sector</a:t>
+              </a:r>
+              <a:endParaRPr lang="zh-CN" altLang="en-US" dirty="0">
+                <a:solidFill>
+                  <a:schemeClr val="tx1"/>
+                </a:solidFill>
+                <a:latin typeface="Times New Roman" panose="02020603050405020304" pitchFamily="18" charset="0"/>
+                <a:cs typeface="Times New Roman" panose="02020603050405020304" pitchFamily="18" charset="0"/>
+              </a:endParaRPr>
+            </a:p>
+          </p:txBody>
+        </p:sp>
+        <p:sp>
+          <p:nvSpPr>
+            <p:cNvPr id="31" name="矩形 30">
+              <a:extLst>
+                <a:ext uri="{FF2B5EF4-FFF2-40B4-BE49-F238E27FC236}">
+                  <a16:creationId xmlns:a16="http://schemas.microsoft.com/office/drawing/2014/main" id="{61CCABE3-A651-4967-B993-7F26A902CC57}"/>
+                </a:ext>
+              </a:extLst>
+            </p:cNvPr>
+            <p:cNvSpPr/>
+            <p:nvPr/>
+          </p:nvSpPr>
+          <p:spPr>
+            <a:xfrm>
+              <a:off x="2096678" y="767106"/>
+              <a:ext cx="7107812" cy="1345676"/>
+            </a:xfrm>
+            <a:prstGeom prst="rect">
+              <a:avLst/>
+            </a:prstGeom>
+            <a:solidFill>
+              <a:srgbClr val="D00000"/>
+            </a:solidFill>
+            <a:ln>
+              <a:solidFill>
+                <a:schemeClr val="tx1"/>
+              </a:solidFill>
+            </a:ln>
+          </p:spPr>
+          <p:style>
+            <a:lnRef idx="2">
+              <a:schemeClr val="accent1">
+                <a:shade val="50000"/>
+              </a:schemeClr>
+            </a:lnRef>
+            <a:fillRef idx="1">
+              <a:schemeClr val="accent1"/>
+            </a:fillRef>
+            <a:effectRef idx="0">
+              <a:schemeClr val="accent1"/>
+            </a:effectRef>
+            <a:fontRef idx="minor">
+              <a:schemeClr val="lt1"/>
+            </a:fontRef>
+          </p:style>
+          <p:txBody>
+            <a:bodyPr rtlCol="0" anchor="ctr"/>
+            <a:lstStyle/>
+            <a:p>
+              <a:pPr algn="ctr"/>
+              <a:r>
+                <a:rPr lang="en-US" altLang="zh-CN" dirty="0">
+                  <a:solidFill>
+                    <a:schemeClr val="bg1"/>
+                  </a:solidFill>
+                  <a:latin typeface="Times New Roman" panose="02020603050405020304" pitchFamily="18" charset="0"/>
+                  <a:cs typeface="Times New Roman" panose="02020603050405020304" pitchFamily="18" charset="0"/>
+                </a:rPr>
+                <a:t>DATA</a:t>
+              </a:r>
+              <a:endParaRPr lang="zh-CN" altLang="en-US" dirty="0">
+                <a:solidFill>
+                  <a:schemeClr val="bg1"/>
+                </a:solidFill>
+                <a:latin typeface="Times New Roman" panose="02020603050405020304" pitchFamily="18" charset="0"/>
+                <a:cs typeface="Times New Roman" panose="02020603050405020304" pitchFamily="18" charset="0"/>
+              </a:endParaRPr>
+            </a:p>
+          </p:txBody>
+        </p:sp>
+        <p:cxnSp>
+          <p:nvCxnSpPr>
+            <p:cNvPr id="5" name="直接连接符 4">
+              <a:extLst>
+                <a:ext uri="{FF2B5EF4-FFF2-40B4-BE49-F238E27FC236}">
+                  <a16:creationId xmlns:a16="http://schemas.microsoft.com/office/drawing/2014/main" id="{57B9A2D6-E3B6-4713-A89C-391E9CD4A584}"/>
+                </a:ext>
+              </a:extLst>
+            </p:cNvPr>
+            <p:cNvCxnSpPr>
+              <a:stCxn id="31" idx="1"/>
+              <a:endCxn id="25" idx="3"/>
+            </p:cNvCxnSpPr>
+            <p:nvPr/>
+          </p:nvCxnSpPr>
+          <p:spPr>
+            <a:xfrm>
+              <a:off x="2096678" y="1439944"/>
+              <a:ext cx="0" cy="1989056"/>
+            </a:xfrm>
+            <a:prstGeom prst="line">
+              <a:avLst/>
+            </a:prstGeom>
+            <a:ln w="12700">
+              <a:prstDash val="dash"/>
+            </a:ln>
+          </p:spPr>
+          <p:style>
+            <a:lnRef idx="1">
+              <a:schemeClr val="dk1"/>
+            </a:lnRef>
+            <a:fillRef idx="0">
+              <a:schemeClr val="dk1"/>
+            </a:fillRef>
+            <a:effectRef idx="0">
+              <a:schemeClr val="dk1"/>
+            </a:effectRef>
+            <a:fontRef idx="minor">
+              <a:schemeClr val="tx1"/>
+            </a:fontRef>
+          </p:style>
+        </p:cxnSp>
+        <p:cxnSp>
+          <p:nvCxnSpPr>
+            <p:cNvPr id="32" name="直接连接符 31">
+              <a:extLst>
+                <a:ext uri="{FF2B5EF4-FFF2-40B4-BE49-F238E27FC236}">
+                  <a16:creationId xmlns:a16="http://schemas.microsoft.com/office/drawing/2014/main" id="{4E5DFFDB-08E2-4200-907A-51409430F856}"/>
+                </a:ext>
+              </a:extLst>
+            </p:cNvPr>
+            <p:cNvCxnSpPr>
+              <a:cxnSpLocks/>
+              <a:stCxn id="31" idx="3"/>
+              <a:endCxn id="34" idx="1"/>
+            </p:cNvCxnSpPr>
+            <p:nvPr/>
+          </p:nvCxnSpPr>
+          <p:spPr>
+            <a:xfrm>
+              <a:off x="9204490" y="1439944"/>
+              <a:ext cx="0" cy="1989056"/>
+            </a:xfrm>
+            <a:prstGeom prst="line">
+              <a:avLst/>
+            </a:prstGeom>
+            <a:ln w="12700">
+              <a:prstDash val="dash"/>
+            </a:ln>
+          </p:spPr>
+          <p:style>
+            <a:lnRef idx="1">
+              <a:schemeClr val="dk1"/>
+            </a:lnRef>
+            <a:fillRef idx="0">
+              <a:schemeClr val="dk1"/>
+            </a:fillRef>
+            <a:effectRef idx="0">
+              <a:schemeClr val="dk1"/>
+            </a:effectRef>
+            <a:fontRef idx="minor">
+              <a:schemeClr val="tx1"/>
+            </a:fontRef>
+          </p:style>
+        </p:cxnSp>
+        <p:sp>
+          <p:nvSpPr>
+            <p:cNvPr id="34" name="矩形 33">
+              <a:extLst>
+                <a:ext uri="{FF2B5EF4-FFF2-40B4-BE49-F238E27FC236}">
+                  <a16:creationId xmlns:a16="http://schemas.microsoft.com/office/drawing/2014/main" id="{013284A1-5CCA-448B-A2D6-E6F165B7C5CC}"/>
+                </a:ext>
+              </a:extLst>
+            </p:cNvPr>
+            <p:cNvSpPr/>
+            <p:nvPr/>
+          </p:nvSpPr>
+          <p:spPr>
+            <a:xfrm>
+              <a:off x="9204490" y="2756162"/>
+              <a:ext cx="1082512" cy="1345676"/>
+            </a:xfrm>
+            <a:prstGeom prst="rect">
+              <a:avLst/>
+            </a:prstGeom>
+            <a:solidFill>
+              <a:srgbClr val="C4B7D7"/>
+            </a:solidFill>
+            <a:ln>
+              <a:solidFill>
+                <a:schemeClr val="tx1"/>
+              </a:solidFill>
+            </a:ln>
+          </p:spPr>
+          <p:style>
+            <a:lnRef idx="2">
+              <a:schemeClr val="accent1">
+                <a:shade val="50000"/>
+              </a:schemeClr>
+            </a:lnRef>
+            <a:fillRef idx="1">
+              <a:schemeClr val="accent1"/>
+            </a:fillRef>
+            <a:effectRef idx="0">
+              <a:schemeClr val="accent1"/>
+            </a:effectRef>
+            <a:fontRef idx="minor">
+              <a:schemeClr val="lt1"/>
+            </a:fontRef>
+          </p:style>
+          <p:txBody>
+            <a:bodyPr rtlCol="0" anchor="ctr"/>
+            <a:lstStyle/>
+            <a:p>
+              <a:pPr algn="ctr"/>
+              <a:r>
+                <a:rPr lang="en-US" altLang="zh-CN" dirty="0">
+                  <a:solidFill>
+                    <a:schemeClr val="tx1"/>
+                  </a:solidFill>
+                  <a:latin typeface="Times New Roman" panose="02020603050405020304" pitchFamily="18" charset="0"/>
+                  <a:cs typeface="Times New Roman" panose="02020603050405020304" pitchFamily="18" charset="0"/>
+                </a:rPr>
+                <a:t>DATA</a:t>
+              </a:r>
+              <a:endParaRPr lang="zh-CN" altLang="en-US" dirty="0">
+                <a:solidFill>
+                  <a:schemeClr val="tx1"/>
+                </a:solidFill>
+                <a:latin typeface="Times New Roman" panose="02020603050405020304" pitchFamily="18" charset="0"/>
+                <a:cs typeface="Times New Roman" panose="02020603050405020304" pitchFamily="18" charset="0"/>
+              </a:endParaRPr>
+            </a:p>
+          </p:txBody>
+        </p:sp>
+      </p:grpSp>
+    </p:spTree>
+    <p:extLst>
+      <p:ext uri="{BB962C8B-B14F-4D97-AF65-F5344CB8AC3E}">
+        <p14:creationId xmlns:p14="http://schemas.microsoft.com/office/powerpoint/2010/main" val="1267610956"/>
+      </p:ext>
+    </p:extLst>
+  </p:cSld>
+  <p:clrMapOvr>
+    <a:masterClrMapping/>
+  </p:clrMapOvr>
+</p:sld>
+</file>
+
+<file path=ppt/slides/slide8.xml><?xml version="1.0" encoding="utf-8"?>
+<p:sld xmlns:a="http://schemas.openxmlformats.org/drawingml/2006/main" xmlns:r="http://schemas.openxmlformats.org/officeDocument/2006/relationships" xmlns:p="http://schemas.openxmlformats.org/presentationml/2006/main">
+  <p:cSld>
+    <p:spTree>
+      <p:nvGrpSpPr>
+        <p:cNvPr id="1" name=""/>
+        <p:cNvGrpSpPr/>
+        <p:nvPr/>
+      </p:nvGrpSpPr>
+      <p:grpSpPr>
+        <a:xfrm>
+          <a:off x="0" y="0"/>
+          <a:ext cx="0" cy="0"/>
+          <a:chOff x="0" y="0"/>
+          <a:chExt cx="0" cy="0"/>
+        </a:xfrm>
+      </p:grpSpPr>
       <p:pic>
         <p:nvPicPr>
           <p:cNvPr id="5" name="图片 4">

--- a/Records/Files/绘图.pptx
+++ b/Records/Files/绘图.pptx
@@ -11,8 +11,10 @@
     <p:sldId id="260" r:id="rId5"/>
     <p:sldId id="261" r:id="rId6"/>
     <p:sldId id="262" r:id="rId7"/>
-    <p:sldId id="263" r:id="rId8"/>
-    <p:sldId id="258" r:id="rId9"/>
+    <p:sldId id="264" r:id="rId8"/>
+    <p:sldId id="263" r:id="rId9"/>
+    <p:sldId id="265" r:id="rId10"/>
+    <p:sldId id="258" r:id="rId11"/>
   </p:sldIdLst>
   <p:sldSz cx="12192000" cy="6858000"/>
   <p:notesSz cx="6858000" cy="9144000"/>
@@ -122,7 +124,9 @@
             <p14:sldId id="260"/>
             <p14:sldId id="261"/>
             <p14:sldId id="262"/>
+            <p14:sldId id="264"/>
             <p14:sldId id="263"/>
+            <p14:sldId id="265"/>
           </p14:sldIdLst>
         </p14:section>
         <p14:section name="调色盘" id="{F219C78C-63A3-46B0-B927-77D926844DA0}">
@@ -286,7 +290,7 @@
           <a:p>
             <a:fld id="{93C21203-5B9D-4602-98E5-5368AAB74C7B}" type="datetimeFigureOut">
               <a:rPr lang="zh-CN" altLang="en-US" smtClean="0"/>
-              <a:t>2021-02-27</a:t>
+              <a:t>2021-03-20</a:t>
             </a:fld>
             <a:endParaRPr lang="zh-CN" altLang="en-US"/>
           </a:p>
@@ -484,7 +488,7 @@
           <a:p>
             <a:fld id="{93C21203-5B9D-4602-98E5-5368AAB74C7B}" type="datetimeFigureOut">
               <a:rPr lang="zh-CN" altLang="en-US" smtClean="0"/>
-              <a:t>2021-02-27</a:t>
+              <a:t>2021-03-20</a:t>
             </a:fld>
             <a:endParaRPr lang="zh-CN" altLang="en-US"/>
           </a:p>
@@ -692,7 +696,7 @@
           <a:p>
             <a:fld id="{93C21203-5B9D-4602-98E5-5368AAB74C7B}" type="datetimeFigureOut">
               <a:rPr lang="zh-CN" altLang="en-US" smtClean="0"/>
-              <a:t>2021-02-27</a:t>
+              <a:t>2021-03-20</a:t>
             </a:fld>
             <a:endParaRPr lang="zh-CN" altLang="en-US"/>
           </a:p>
@@ -890,7 +894,7 @@
           <a:p>
             <a:fld id="{93C21203-5B9D-4602-98E5-5368AAB74C7B}" type="datetimeFigureOut">
               <a:rPr lang="zh-CN" altLang="en-US" smtClean="0"/>
-              <a:t>2021-02-27</a:t>
+              <a:t>2021-03-20</a:t>
             </a:fld>
             <a:endParaRPr lang="zh-CN" altLang="en-US"/>
           </a:p>
@@ -1165,7 +1169,7 @@
           <a:p>
             <a:fld id="{93C21203-5B9D-4602-98E5-5368AAB74C7B}" type="datetimeFigureOut">
               <a:rPr lang="zh-CN" altLang="en-US" smtClean="0"/>
-              <a:t>2021-02-27</a:t>
+              <a:t>2021-03-20</a:t>
             </a:fld>
             <a:endParaRPr lang="zh-CN" altLang="en-US"/>
           </a:p>
@@ -1430,7 +1434,7 @@
           <a:p>
             <a:fld id="{93C21203-5B9D-4602-98E5-5368AAB74C7B}" type="datetimeFigureOut">
               <a:rPr lang="zh-CN" altLang="en-US" smtClean="0"/>
-              <a:t>2021-02-27</a:t>
+              <a:t>2021-03-20</a:t>
             </a:fld>
             <a:endParaRPr lang="zh-CN" altLang="en-US"/>
           </a:p>
@@ -1842,7 +1846,7 @@
           <a:p>
             <a:fld id="{93C21203-5B9D-4602-98E5-5368AAB74C7B}" type="datetimeFigureOut">
               <a:rPr lang="zh-CN" altLang="en-US" smtClean="0"/>
-              <a:t>2021-02-27</a:t>
+              <a:t>2021-03-20</a:t>
             </a:fld>
             <a:endParaRPr lang="zh-CN" altLang="en-US"/>
           </a:p>
@@ -1983,7 +1987,7 @@
           <a:p>
             <a:fld id="{93C21203-5B9D-4602-98E5-5368AAB74C7B}" type="datetimeFigureOut">
               <a:rPr lang="zh-CN" altLang="en-US" smtClean="0"/>
-              <a:t>2021-02-27</a:t>
+              <a:t>2021-03-20</a:t>
             </a:fld>
             <a:endParaRPr lang="zh-CN" altLang="en-US"/>
           </a:p>
@@ -2096,7 +2100,7 @@
           <a:p>
             <a:fld id="{93C21203-5B9D-4602-98E5-5368AAB74C7B}" type="datetimeFigureOut">
               <a:rPr lang="zh-CN" altLang="en-US" smtClean="0"/>
-              <a:t>2021-02-27</a:t>
+              <a:t>2021-03-20</a:t>
             </a:fld>
             <a:endParaRPr lang="zh-CN" altLang="en-US"/>
           </a:p>
@@ -2407,7 +2411,7 @@
           <a:p>
             <a:fld id="{93C21203-5B9D-4602-98E5-5368AAB74C7B}" type="datetimeFigureOut">
               <a:rPr lang="zh-CN" altLang="en-US" smtClean="0"/>
-              <a:t>2021-02-27</a:t>
+              <a:t>2021-03-20</a:t>
             </a:fld>
             <a:endParaRPr lang="zh-CN" altLang="en-US"/>
           </a:p>
@@ -2695,7 +2699,7 @@
           <a:p>
             <a:fld id="{93C21203-5B9D-4602-98E5-5368AAB74C7B}" type="datetimeFigureOut">
               <a:rPr lang="zh-CN" altLang="en-US" smtClean="0"/>
-              <a:t>2021-02-27</a:t>
+              <a:t>2021-03-20</a:t>
             </a:fld>
             <a:endParaRPr lang="zh-CN" altLang="en-US"/>
           </a:p>
@@ -2936,7 +2940,7 @@
           <a:p>
             <a:fld id="{93C21203-5B9D-4602-98E5-5368AAB74C7B}" type="datetimeFigureOut">
               <a:rPr lang="zh-CN" altLang="en-US" smtClean="0"/>
-              <a:t>2021-02-27</a:t>
+              <a:t>2021-03-20</a:t>
             </a:fld>
             <a:endParaRPr lang="zh-CN" altLang="en-US"/>
           </a:p>
@@ -5695,6 +5699,115 @@
       <p:bldP spid="63" grpId="0"/>
     </p:bldLst>
   </p:timing>
+</p:sld>
+</file>
+
+<file path=ppt/slides/slide10.xml><?xml version="1.0" encoding="utf-8"?>
+<p:sld xmlns:a="http://schemas.openxmlformats.org/drawingml/2006/main" xmlns:r="http://schemas.openxmlformats.org/officeDocument/2006/relationships" xmlns:p="http://schemas.openxmlformats.org/presentationml/2006/main">
+  <p:cSld>
+    <p:spTree>
+      <p:nvGrpSpPr>
+        <p:cNvPr id="1" name=""/>
+        <p:cNvGrpSpPr/>
+        <p:nvPr/>
+      </p:nvGrpSpPr>
+      <p:grpSpPr>
+        <a:xfrm>
+          <a:off x="0" y="0"/>
+          <a:ext cx="0" cy="0"/>
+          <a:chOff x="0" y="0"/>
+          <a:chExt cx="0" cy="0"/>
+        </a:xfrm>
+      </p:grpSpPr>
+      <p:pic>
+        <p:nvPicPr>
+          <p:cNvPr id="5" name="图片 4">
+            <a:extLst>
+              <a:ext uri="{FF2B5EF4-FFF2-40B4-BE49-F238E27FC236}">
+                <a16:creationId xmlns:a16="http://schemas.microsoft.com/office/drawing/2014/main" id="{6DB66469-6DD8-4679-B910-90F9FDF91B33}"/>
+              </a:ext>
+            </a:extLst>
+          </p:cNvPr>
+          <p:cNvPicPr>
+            <a:picLocks noChangeAspect="1"/>
+          </p:cNvPicPr>
+          <p:nvPr/>
+        </p:nvPicPr>
+        <p:blipFill>
+          <a:blip r:embed="rId2"/>
+          <a:stretch>
+            <a:fillRect/>
+          </a:stretch>
+        </p:blipFill>
+        <p:spPr>
+          <a:xfrm>
+            <a:off x="0" y="152400"/>
+            <a:ext cx="12192000" cy="6553200"/>
+          </a:xfrm>
+          <a:prstGeom prst="rect">
+            <a:avLst/>
+          </a:prstGeom>
+        </p:spPr>
+      </p:pic>
+      <p:sp>
+        <p:nvSpPr>
+          <p:cNvPr id="6" name="矩形 5">
+            <a:extLst>
+              <a:ext uri="{FF2B5EF4-FFF2-40B4-BE49-F238E27FC236}">
+                <a16:creationId xmlns:a16="http://schemas.microsoft.com/office/drawing/2014/main" id="{CA0FB07F-0798-44EC-B421-D8F33AACA54D}"/>
+              </a:ext>
+            </a:extLst>
+          </p:cNvPr>
+          <p:cNvSpPr/>
+          <p:nvPr/>
+        </p:nvSpPr>
+        <p:spPr>
+          <a:xfrm>
+            <a:off x="772998" y="1225485"/>
+            <a:ext cx="914400" cy="914400"/>
+          </a:xfrm>
+          <a:prstGeom prst="rect">
+            <a:avLst/>
+          </a:prstGeom>
+          <a:solidFill>
+            <a:srgbClr val="F5F5F5"/>
+          </a:solidFill>
+        </p:spPr>
+        <p:style>
+          <a:lnRef idx="2">
+            <a:schemeClr val="accent1">
+              <a:shade val="50000"/>
+            </a:schemeClr>
+          </a:lnRef>
+          <a:fillRef idx="1">
+            <a:schemeClr val="accent1"/>
+          </a:fillRef>
+          <a:effectRef idx="0">
+            <a:schemeClr val="accent1"/>
+          </a:effectRef>
+          <a:fontRef idx="minor">
+            <a:schemeClr val="lt1"/>
+          </a:fontRef>
+        </p:style>
+        <p:txBody>
+          <a:bodyPr rtlCol="0" anchor="ctr"/>
+          <a:lstStyle/>
+          <a:p>
+            <a:pPr algn="ctr"/>
+            <a:endParaRPr lang="zh-CN" altLang="en-US"/>
+          </a:p>
+        </p:txBody>
+      </p:sp>
+    </p:spTree>
+    <p:extLst>
+      <p:ext uri="{BB962C8B-B14F-4D97-AF65-F5344CB8AC3E}">
+        <p14:creationId xmlns:p14="http://schemas.microsoft.com/office/powerpoint/2010/main" val="3686695397"/>
+      </p:ext>
+    </p:extLst>
+  </p:cSld>
+  <p:clrMapOvr>
+    <a:masterClrMapping/>
+  </p:clrMapOvr>
 </p:sld>
 </file>
 
@@ -12088,7 +12201,7 @@
     </p:spTree>
     <p:extLst>
       <p:ext uri="{BB962C8B-B14F-4D97-AF65-F5344CB8AC3E}">
-        <p14:creationId xmlns:p14="http://schemas.microsoft.com/office/powerpoint/2010/main" val="1267610956"/>
+        <p14:creationId xmlns:p14="http://schemas.microsoft.com/office/powerpoint/2010/main" val="1543419609"/>
       </p:ext>
     </p:extLst>
   </p:cSld>
@@ -12115,42 +12228,12 @@
           <a:chExt cx="0" cy="0"/>
         </a:xfrm>
       </p:grpSpPr>
-      <p:pic>
-        <p:nvPicPr>
-          <p:cNvPr id="5" name="图片 4">
-            <a:extLst>
-              <a:ext uri="{FF2B5EF4-FFF2-40B4-BE49-F238E27FC236}">
-                <a16:creationId xmlns:a16="http://schemas.microsoft.com/office/drawing/2014/main" id="{6DB66469-6DD8-4679-B910-90F9FDF91B33}"/>
-              </a:ext>
-            </a:extLst>
-          </p:cNvPr>
-          <p:cNvPicPr>
-            <a:picLocks noChangeAspect="1"/>
-          </p:cNvPicPr>
-          <p:nvPr/>
-        </p:nvPicPr>
-        <p:blipFill>
-          <a:blip r:embed="rId2"/>
-          <a:stretch>
-            <a:fillRect/>
-          </a:stretch>
-        </p:blipFill>
-        <p:spPr>
-          <a:xfrm>
-            <a:off x="0" y="152400"/>
-            <a:ext cx="12192000" cy="6553200"/>
-          </a:xfrm>
-          <a:prstGeom prst="rect">
-            <a:avLst/>
-          </a:prstGeom>
-        </p:spPr>
-      </p:pic>
       <p:sp>
         <p:nvSpPr>
-          <p:cNvPr id="6" name="矩形 5">
-            <a:extLst>
-              <a:ext uri="{FF2B5EF4-FFF2-40B4-BE49-F238E27FC236}">
-                <a16:creationId xmlns:a16="http://schemas.microsoft.com/office/drawing/2014/main" id="{CA0FB07F-0798-44EC-B421-D8F33AACA54D}"/>
+          <p:cNvPr id="58" name="流程图: 决策 57">
+            <a:extLst>
+              <a:ext uri="{FF2B5EF4-FFF2-40B4-BE49-F238E27FC236}">
+                <a16:creationId xmlns:a16="http://schemas.microsoft.com/office/drawing/2014/main" id="{33C323CA-F52A-44AC-8BE4-1220D8DCAD85}"/>
               </a:ext>
             </a:extLst>
           </p:cNvPr>
@@ -12159,15 +12242,18 @@
         </p:nvSpPr>
         <p:spPr>
           <a:xfrm>
-            <a:off x="772998" y="1225485"/>
-            <a:ext cx="914400" cy="914400"/>
-          </a:xfrm>
-          <a:prstGeom prst="rect">
+            <a:off x="4345760" y="1952919"/>
+            <a:ext cx="2802896" cy="857839"/>
+          </a:xfrm>
+          <a:prstGeom prst="flowChartDecision">
             <a:avLst/>
           </a:prstGeom>
           <a:solidFill>
-            <a:srgbClr val="F5F5F5"/>
+            <a:srgbClr val="705697"/>
           </a:solidFill>
+          <a:ln>
+            <a:noFill/>
+          </a:ln>
         </p:spPr>
         <p:style>
           <a:lnRef idx="2">
@@ -12190,14 +12276,3256 @@
           <a:lstStyle/>
           <a:p>
             <a:pPr algn="ctr"/>
-            <a:endParaRPr lang="zh-CN" altLang="en-US"/>
+            <a:r>
+              <a:rPr lang="zh-CN" altLang="en-US" sz="1600" dirty="0">
+                <a:latin typeface="Times New Roman" panose="02020603050405020304" pitchFamily="18" charset="0"/>
+                <a:cs typeface="Times New Roman" panose="02020603050405020304" pitchFamily="18" charset="0"/>
+              </a:rPr>
+              <a:t>是否写入全部内容？</a:t>
+            </a:r>
+          </a:p>
+        </p:txBody>
+      </p:sp>
+      <p:sp>
+        <p:nvSpPr>
+          <p:cNvPr id="28" name="矩形 27">
+            <a:extLst>
+              <a:ext uri="{FF2B5EF4-FFF2-40B4-BE49-F238E27FC236}">
+                <a16:creationId xmlns:a16="http://schemas.microsoft.com/office/drawing/2014/main" id="{7705B187-6297-4BF6-9167-C6F3DA2536BF}"/>
+              </a:ext>
+            </a:extLst>
+          </p:cNvPr>
+          <p:cNvSpPr/>
+          <p:nvPr/>
+        </p:nvSpPr>
+        <p:spPr>
+          <a:xfrm>
+            <a:off x="4545290" y="3146984"/>
+            <a:ext cx="2403836" cy="499620"/>
+          </a:xfrm>
+          <a:prstGeom prst="rect">
+            <a:avLst/>
+          </a:prstGeom>
+          <a:solidFill>
+            <a:srgbClr val="C4B7D7"/>
+          </a:solidFill>
+          <a:ln>
+            <a:solidFill>
+              <a:schemeClr val="tx1"/>
+            </a:solidFill>
+          </a:ln>
+        </p:spPr>
+        <p:style>
+          <a:lnRef idx="2">
+            <a:schemeClr val="accent1">
+              <a:shade val="50000"/>
+            </a:schemeClr>
+          </a:lnRef>
+          <a:fillRef idx="1">
+            <a:schemeClr val="accent1"/>
+          </a:fillRef>
+          <a:effectRef idx="0">
+            <a:schemeClr val="accent1"/>
+          </a:effectRef>
+          <a:fontRef idx="minor">
+            <a:schemeClr val="lt1"/>
+          </a:fontRef>
+        </p:style>
+        <p:txBody>
+          <a:bodyPr rtlCol="0" anchor="ctr"/>
+          <a:lstStyle/>
+          <a:p>
+            <a:pPr algn="ctr"/>
+            <a:r>
+              <a:rPr lang="zh-CN" altLang="en-US" sz="1600" dirty="0">
+                <a:solidFill>
+                  <a:schemeClr val="tx1"/>
+                </a:solidFill>
+                <a:latin typeface="Times New Roman" panose="02020603050405020304" pitchFamily="18" charset="0"/>
+                <a:cs typeface="Times New Roman" panose="02020603050405020304" pitchFamily="18" charset="0"/>
+              </a:rPr>
+              <a:t>计算本次写入内容、偏移以及大小</a:t>
+            </a:r>
+          </a:p>
+        </p:txBody>
+      </p:sp>
+      <p:cxnSp>
+        <p:nvCxnSpPr>
+          <p:cNvPr id="29" name="直接箭头连接符 28">
+            <a:extLst>
+              <a:ext uri="{FF2B5EF4-FFF2-40B4-BE49-F238E27FC236}">
+                <a16:creationId xmlns:a16="http://schemas.microsoft.com/office/drawing/2014/main" id="{43799168-3148-4397-98AA-D3D6214748AA}"/>
+              </a:ext>
+            </a:extLst>
+          </p:cNvPr>
+          <p:cNvCxnSpPr>
+            <a:cxnSpLocks/>
+            <a:stCxn id="58" idx="2"/>
+            <a:endCxn id="28" idx="0"/>
+          </p:cNvCxnSpPr>
+          <p:nvPr/>
+        </p:nvCxnSpPr>
+        <p:spPr>
+          <a:xfrm>
+            <a:off x="5747208" y="2810758"/>
+            <a:ext cx="0" cy="336226"/>
+          </a:xfrm>
+          <a:prstGeom prst="straightConnector1">
+            <a:avLst/>
+          </a:prstGeom>
+          <a:ln w="12700">
+            <a:headEnd type="oval" w="med" len="med"/>
+            <a:tailEnd type="triangle" w="med" len="med"/>
+          </a:ln>
+        </p:spPr>
+        <p:style>
+          <a:lnRef idx="1">
+            <a:schemeClr val="dk1"/>
+          </a:lnRef>
+          <a:fillRef idx="0">
+            <a:schemeClr val="dk1"/>
+          </a:fillRef>
+          <a:effectRef idx="0">
+            <a:schemeClr val="dk1"/>
+          </a:effectRef>
+          <a:fontRef idx="minor">
+            <a:schemeClr val="tx1"/>
+          </a:fontRef>
+        </p:style>
+      </p:cxnSp>
+      <p:cxnSp>
+        <p:nvCxnSpPr>
+          <p:cNvPr id="35" name="直接箭头连接符 34">
+            <a:extLst>
+              <a:ext uri="{FF2B5EF4-FFF2-40B4-BE49-F238E27FC236}">
+                <a16:creationId xmlns:a16="http://schemas.microsoft.com/office/drawing/2014/main" id="{287C1C9A-81B5-4ADB-A8FA-CD8F84B35029}"/>
+              </a:ext>
+            </a:extLst>
+          </p:cNvPr>
+          <p:cNvCxnSpPr>
+            <a:cxnSpLocks/>
+            <a:stCxn id="28" idx="2"/>
+            <a:endCxn id="48" idx="0"/>
+          </p:cNvCxnSpPr>
+          <p:nvPr/>
+        </p:nvCxnSpPr>
+        <p:spPr>
+          <a:xfrm>
+            <a:off x="5747208" y="3646604"/>
+            <a:ext cx="0" cy="336225"/>
+          </a:xfrm>
+          <a:prstGeom prst="straightConnector1">
+            <a:avLst/>
+          </a:prstGeom>
+          <a:ln w="12700">
+            <a:headEnd type="oval" w="med" len="med"/>
+            <a:tailEnd type="triangle" w="med" len="med"/>
+          </a:ln>
+        </p:spPr>
+        <p:style>
+          <a:lnRef idx="1">
+            <a:schemeClr val="dk1"/>
+          </a:lnRef>
+          <a:fillRef idx="0">
+            <a:schemeClr val="dk1"/>
+          </a:fillRef>
+          <a:effectRef idx="0">
+            <a:schemeClr val="dk1"/>
+          </a:effectRef>
+          <a:fontRef idx="minor">
+            <a:schemeClr val="tx1"/>
+          </a:fontRef>
+        </p:style>
+      </p:cxnSp>
+      <p:sp>
+        <p:nvSpPr>
+          <p:cNvPr id="36" name="流程图: 决策 35">
+            <a:extLst>
+              <a:ext uri="{FF2B5EF4-FFF2-40B4-BE49-F238E27FC236}">
+                <a16:creationId xmlns:a16="http://schemas.microsoft.com/office/drawing/2014/main" id="{E0FF492D-CD12-4038-955F-6A825325D588}"/>
+              </a:ext>
+            </a:extLst>
+          </p:cNvPr>
+          <p:cNvSpPr/>
+          <p:nvPr/>
+        </p:nvSpPr>
+        <p:spPr>
+          <a:xfrm>
+            <a:off x="4345760" y="4818674"/>
+            <a:ext cx="2802896" cy="857839"/>
+          </a:xfrm>
+          <a:prstGeom prst="flowChartDecision">
+            <a:avLst/>
+          </a:prstGeom>
+          <a:solidFill>
+            <a:srgbClr val="705697"/>
+          </a:solidFill>
+          <a:ln>
+            <a:noFill/>
+          </a:ln>
+        </p:spPr>
+        <p:style>
+          <a:lnRef idx="2">
+            <a:schemeClr val="accent1">
+              <a:shade val="50000"/>
+            </a:schemeClr>
+          </a:lnRef>
+          <a:fillRef idx="1">
+            <a:schemeClr val="accent1"/>
+          </a:fillRef>
+          <a:effectRef idx="0">
+            <a:schemeClr val="accent1"/>
+          </a:effectRef>
+          <a:fontRef idx="minor">
+            <a:schemeClr val="lt1"/>
+          </a:fontRef>
+        </p:style>
+        <p:txBody>
+          <a:bodyPr rtlCol="0" anchor="ctr"/>
+          <a:lstStyle/>
+          <a:p>
+            <a:pPr algn="ctr"/>
+            <a:r>
+              <a:rPr lang="zh-CN" altLang="en-US" sz="1600" dirty="0">
+                <a:latin typeface="Times New Roman" panose="02020603050405020304" pitchFamily="18" charset="0"/>
+                <a:cs typeface="Times New Roman" panose="02020603050405020304" pitchFamily="18" charset="0"/>
+              </a:rPr>
+              <a:t>写入选项？</a:t>
+            </a:r>
+          </a:p>
+        </p:txBody>
+      </p:sp>
+      <p:cxnSp>
+        <p:nvCxnSpPr>
+          <p:cNvPr id="41" name="直接箭头连接符 40">
+            <a:extLst>
+              <a:ext uri="{FF2B5EF4-FFF2-40B4-BE49-F238E27FC236}">
+                <a16:creationId xmlns:a16="http://schemas.microsoft.com/office/drawing/2014/main" id="{B4E3C270-E718-4FFE-BF5C-BED7F55A1F4D}"/>
+              </a:ext>
+            </a:extLst>
+          </p:cNvPr>
+          <p:cNvCxnSpPr>
+            <a:cxnSpLocks/>
+            <a:stCxn id="36" idx="1"/>
+            <a:endCxn id="63" idx="3"/>
+          </p:cNvCxnSpPr>
+          <p:nvPr/>
+        </p:nvCxnSpPr>
+        <p:spPr>
+          <a:xfrm flipH="1" flipV="1">
+            <a:off x="3645036" y="5247593"/>
+            <a:ext cx="700724" cy="1"/>
+          </a:xfrm>
+          <a:prstGeom prst="straightConnector1">
+            <a:avLst/>
+          </a:prstGeom>
+          <a:ln w="12700">
+            <a:headEnd type="oval" w="med" len="med"/>
+            <a:tailEnd type="triangle" w="med" len="med"/>
+          </a:ln>
+        </p:spPr>
+        <p:style>
+          <a:lnRef idx="1">
+            <a:schemeClr val="dk1"/>
+          </a:lnRef>
+          <a:fillRef idx="0">
+            <a:schemeClr val="dk1"/>
+          </a:fillRef>
+          <a:effectRef idx="0">
+            <a:schemeClr val="dk1"/>
+          </a:effectRef>
+          <a:fontRef idx="minor">
+            <a:schemeClr val="tx1"/>
+          </a:fontRef>
+        </p:style>
+      </p:cxnSp>
+      <p:cxnSp>
+        <p:nvCxnSpPr>
+          <p:cNvPr id="44" name="直接箭头连接符 43">
+            <a:extLst>
+              <a:ext uri="{FF2B5EF4-FFF2-40B4-BE49-F238E27FC236}">
+                <a16:creationId xmlns:a16="http://schemas.microsoft.com/office/drawing/2014/main" id="{0A400112-19A3-47F8-828A-B4DFFD5113E4}"/>
+              </a:ext>
+            </a:extLst>
+          </p:cNvPr>
+          <p:cNvCxnSpPr>
+            <a:cxnSpLocks/>
+            <a:stCxn id="36" idx="3"/>
+            <a:endCxn id="66" idx="1"/>
+          </p:cNvCxnSpPr>
+          <p:nvPr/>
+        </p:nvCxnSpPr>
+        <p:spPr>
+          <a:xfrm flipV="1">
+            <a:off x="7148656" y="5247592"/>
+            <a:ext cx="751005" cy="2"/>
+          </a:xfrm>
+          <a:prstGeom prst="straightConnector1">
+            <a:avLst/>
+          </a:prstGeom>
+          <a:ln w="12700">
+            <a:headEnd type="oval" w="med" len="med"/>
+            <a:tailEnd type="triangle" w="med" len="med"/>
+          </a:ln>
+        </p:spPr>
+        <p:style>
+          <a:lnRef idx="1">
+            <a:schemeClr val="dk1"/>
+          </a:lnRef>
+          <a:fillRef idx="0">
+            <a:schemeClr val="dk1"/>
+          </a:fillRef>
+          <a:effectRef idx="0">
+            <a:schemeClr val="dk1"/>
+          </a:effectRef>
+          <a:fontRef idx="minor">
+            <a:schemeClr val="tx1"/>
+          </a:fontRef>
+        </p:style>
+      </p:cxnSp>
+      <p:sp>
+        <p:nvSpPr>
+          <p:cNvPr id="47" name="文本框 46">
+            <a:extLst>
+              <a:ext uri="{FF2B5EF4-FFF2-40B4-BE49-F238E27FC236}">
+                <a16:creationId xmlns:a16="http://schemas.microsoft.com/office/drawing/2014/main" id="{C357E41E-CB56-4F0E-8642-17D1BC81DCCE}"/>
+              </a:ext>
+            </a:extLst>
+          </p:cNvPr>
+          <p:cNvSpPr txBox="1"/>
+          <p:nvPr/>
+        </p:nvSpPr>
+        <p:spPr>
+          <a:xfrm>
+            <a:off x="7192668" y="4909039"/>
+            <a:ext cx="706993" cy="338554"/>
+          </a:xfrm>
+          <a:prstGeom prst="rect">
+            <a:avLst/>
+          </a:prstGeom>
+          <a:noFill/>
+        </p:spPr>
+        <p:txBody>
+          <a:bodyPr wrap="square" rtlCol="0">
+            <a:spAutoFit/>
+          </a:bodyPr>
+          <a:lstStyle/>
+          <a:p>
+            <a:pPr algn="ctr"/>
+            <a:r>
+              <a:rPr lang="zh-CN" altLang="en-US" sz="1600" dirty="0">
+                <a:latin typeface="Times New Roman" panose="02020603050405020304" pitchFamily="18" charset="0"/>
+                <a:cs typeface="Times New Roman" panose="02020603050405020304" pitchFamily="18" charset="0"/>
+              </a:rPr>
+              <a:t>覆盖</a:t>
+            </a:r>
+          </a:p>
+        </p:txBody>
+      </p:sp>
+      <p:sp>
+        <p:nvSpPr>
+          <p:cNvPr id="48" name="矩形 47">
+            <a:extLst>
+              <a:ext uri="{FF2B5EF4-FFF2-40B4-BE49-F238E27FC236}">
+                <a16:creationId xmlns:a16="http://schemas.microsoft.com/office/drawing/2014/main" id="{F0C961CF-0EEA-4A74-83B9-CFBC87B2A7AB}"/>
+              </a:ext>
+            </a:extLst>
+          </p:cNvPr>
+          <p:cNvSpPr/>
+          <p:nvPr/>
+        </p:nvSpPr>
+        <p:spPr>
+          <a:xfrm>
+            <a:off x="4545290" y="3982829"/>
+            <a:ext cx="2403836" cy="499620"/>
+          </a:xfrm>
+          <a:prstGeom prst="rect">
+            <a:avLst/>
+          </a:prstGeom>
+          <a:solidFill>
+            <a:srgbClr val="C4B7D7"/>
+          </a:solidFill>
+          <a:ln>
+            <a:solidFill>
+              <a:schemeClr val="tx1"/>
+            </a:solidFill>
+          </a:ln>
+        </p:spPr>
+        <p:style>
+          <a:lnRef idx="2">
+            <a:schemeClr val="accent1">
+              <a:shade val="50000"/>
+            </a:schemeClr>
+          </a:lnRef>
+          <a:fillRef idx="1">
+            <a:schemeClr val="accent1"/>
+          </a:fillRef>
+          <a:effectRef idx="0">
+            <a:schemeClr val="accent1"/>
+          </a:effectRef>
+          <a:fontRef idx="minor">
+            <a:schemeClr val="lt1"/>
+          </a:fontRef>
+        </p:style>
+        <p:txBody>
+          <a:bodyPr rtlCol="0" anchor="ctr"/>
+          <a:lstStyle/>
+          <a:p>
+            <a:pPr algn="ctr"/>
+            <a:r>
+              <a:rPr lang="zh-CN" altLang="en-US" sz="1600" dirty="0">
+                <a:solidFill>
+                  <a:schemeClr val="tx1"/>
+                </a:solidFill>
+                <a:latin typeface="Times New Roman" panose="02020603050405020304" pitchFamily="18" charset="0"/>
+                <a:cs typeface="Times New Roman" panose="02020603050405020304" pitchFamily="18" charset="0"/>
+              </a:rPr>
+              <a:t>检查是否需要擦除</a:t>
+            </a:r>
+          </a:p>
+        </p:txBody>
+      </p:sp>
+      <p:cxnSp>
+        <p:nvCxnSpPr>
+          <p:cNvPr id="37" name="直接箭头连接符 36">
+            <a:extLst>
+              <a:ext uri="{FF2B5EF4-FFF2-40B4-BE49-F238E27FC236}">
+                <a16:creationId xmlns:a16="http://schemas.microsoft.com/office/drawing/2014/main" id="{D5A4B4B3-1D66-4446-936B-D7825B8C6AB3}"/>
+              </a:ext>
+            </a:extLst>
+          </p:cNvPr>
+          <p:cNvCxnSpPr>
+            <a:cxnSpLocks/>
+            <a:stCxn id="48" idx="2"/>
+            <a:endCxn id="36" idx="0"/>
+          </p:cNvCxnSpPr>
+          <p:nvPr/>
+        </p:nvCxnSpPr>
+        <p:spPr>
+          <a:xfrm>
+            <a:off x="5747208" y="4482449"/>
+            <a:ext cx="0" cy="336225"/>
+          </a:xfrm>
+          <a:prstGeom prst="straightConnector1">
+            <a:avLst/>
+          </a:prstGeom>
+          <a:ln w="12700">
+            <a:headEnd type="oval" w="med" len="med"/>
+            <a:tailEnd type="triangle" w="med" len="med"/>
+          </a:ln>
+        </p:spPr>
+        <p:style>
+          <a:lnRef idx="1">
+            <a:schemeClr val="dk1"/>
+          </a:lnRef>
+          <a:fillRef idx="0">
+            <a:schemeClr val="dk1"/>
+          </a:fillRef>
+          <a:effectRef idx="0">
+            <a:schemeClr val="dk1"/>
+          </a:effectRef>
+          <a:fontRef idx="minor">
+            <a:schemeClr val="tx1"/>
+          </a:fontRef>
+        </p:style>
+      </p:cxnSp>
+      <p:sp>
+        <p:nvSpPr>
+          <p:cNvPr id="51" name="文本框 50">
+            <a:extLst>
+              <a:ext uri="{FF2B5EF4-FFF2-40B4-BE49-F238E27FC236}">
+                <a16:creationId xmlns:a16="http://schemas.microsoft.com/office/drawing/2014/main" id="{DE092449-A5E1-4B2A-920E-44A690FBC137}"/>
+              </a:ext>
+            </a:extLst>
+          </p:cNvPr>
+          <p:cNvSpPr txBox="1"/>
+          <p:nvPr/>
+        </p:nvSpPr>
+        <p:spPr>
+          <a:xfrm>
+            <a:off x="3673351" y="4909039"/>
+            <a:ext cx="706993" cy="338554"/>
+          </a:xfrm>
+          <a:prstGeom prst="rect">
+            <a:avLst/>
+          </a:prstGeom>
+          <a:noFill/>
+        </p:spPr>
+        <p:txBody>
+          <a:bodyPr wrap="square" rtlCol="0">
+            <a:spAutoFit/>
+          </a:bodyPr>
+          <a:lstStyle/>
+          <a:p>
+            <a:pPr algn="ctr"/>
+            <a:r>
+              <a:rPr lang="zh-CN" altLang="en-US" sz="1600" dirty="0">
+                <a:latin typeface="Times New Roman" panose="02020603050405020304" pitchFamily="18" charset="0"/>
+                <a:cs typeface="Times New Roman" panose="02020603050405020304" pitchFamily="18" charset="0"/>
+              </a:rPr>
+              <a:t>保留</a:t>
+            </a:r>
+          </a:p>
+        </p:txBody>
+      </p:sp>
+      <p:sp>
+        <p:nvSpPr>
+          <p:cNvPr id="52" name="矩形 51">
+            <a:extLst>
+              <a:ext uri="{FF2B5EF4-FFF2-40B4-BE49-F238E27FC236}">
+                <a16:creationId xmlns:a16="http://schemas.microsoft.com/office/drawing/2014/main" id="{E6EA167E-8861-49E0-AEBB-9492F4CD6D0B}"/>
+              </a:ext>
+            </a:extLst>
+          </p:cNvPr>
+          <p:cNvSpPr/>
+          <p:nvPr/>
+        </p:nvSpPr>
+        <p:spPr>
+          <a:xfrm>
+            <a:off x="4545290" y="-919123"/>
+            <a:ext cx="2403836" cy="499620"/>
+          </a:xfrm>
+          <a:prstGeom prst="rect">
+            <a:avLst/>
+          </a:prstGeom>
+          <a:solidFill>
+            <a:srgbClr val="D00000"/>
+          </a:solidFill>
+          <a:ln>
+            <a:solidFill>
+              <a:schemeClr val="tx1"/>
+            </a:solidFill>
+          </a:ln>
+        </p:spPr>
+        <p:style>
+          <a:lnRef idx="2">
+            <a:schemeClr val="accent1">
+              <a:shade val="50000"/>
+            </a:schemeClr>
+          </a:lnRef>
+          <a:fillRef idx="1">
+            <a:schemeClr val="accent1"/>
+          </a:fillRef>
+          <a:effectRef idx="0">
+            <a:schemeClr val="accent1"/>
+          </a:effectRef>
+          <a:fontRef idx="minor">
+            <a:schemeClr val="lt1"/>
+          </a:fontRef>
+        </p:style>
+        <p:txBody>
+          <a:bodyPr rtlCol="0" anchor="ctr"/>
+          <a:lstStyle/>
+          <a:p>
+            <a:pPr algn="ctr"/>
+            <a:r>
+              <a:rPr lang="zh-CN" altLang="en-US" sz="1600" dirty="0">
+                <a:solidFill>
+                  <a:schemeClr val="bg1"/>
+                </a:solidFill>
+                <a:latin typeface="Times New Roman" panose="02020603050405020304" pitchFamily="18" charset="0"/>
+                <a:cs typeface="Times New Roman" panose="02020603050405020304" pitchFamily="18" charset="0"/>
+              </a:rPr>
+              <a:t>开始</a:t>
+            </a:r>
+          </a:p>
+        </p:txBody>
+      </p:sp>
+      <p:cxnSp>
+        <p:nvCxnSpPr>
+          <p:cNvPr id="53" name="直接箭头连接符 52">
+            <a:extLst>
+              <a:ext uri="{FF2B5EF4-FFF2-40B4-BE49-F238E27FC236}">
+                <a16:creationId xmlns:a16="http://schemas.microsoft.com/office/drawing/2014/main" id="{80E8921F-BB9B-4DA2-9A3C-14D4B73B0880}"/>
+              </a:ext>
+            </a:extLst>
+          </p:cNvPr>
+          <p:cNvCxnSpPr>
+            <a:cxnSpLocks/>
+            <a:stCxn id="52" idx="2"/>
+            <a:endCxn id="54" idx="0"/>
+          </p:cNvCxnSpPr>
+          <p:nvPr/>
+        </p:nvCxnSpPr>
+        <p:spPr>
+          <a:xfrm>
+            <a:off x="5747208" y="-419503"/>
+            <a:ext cx="0" cy="336225"/>
+          </a:xfrm>
+          <a:prstGeom prst="straightConnector1">
+            <a:avLst/>
+          </a:prstGeom>
+          <a:ln w="12700">
+            <a:headEnd type="oval" w="med" len="med"/>
+            <a:tailEnd type="triangle" w="med" len="med"/>
+          </a:ln>
+        </p:spPr>
+        <p:style>
+          <a:lnRef idx="1">
+            <a:schemeClr val="dk1"/>
+          </a:lnRef>
+          <a:fillRef idx="0">
+            <a:schemeClr val="dk1"/>
+          </a:fillRef>
+          <a:effectRef idx="0">
+            <a:schemeClr val="dk1"/>
+          </a:effectRef>
+          <a:fontRef idx="minor">
+            <a:schemeClr val="tx1"/>
+          </a:fontRef>
+        </p:style>
+      </p:cxnSp>
+      <p:sp>
+        <p:nvSpPr>
+          <p:cNvPr id="54" name="流程图: 决策 53">
+            <a:extLst>
+              <a:ext uri="{FF2B5EF4-FFF2-40B4-BE49-F238E27FC236}">
+                <a16:creationId xmlns:a16="http://schemas.microsoft.com/office/drawing/2014/main" id="{ED2BDF28-1B50-4864-BCC7-8C68EF2B5DA5}"/>
+              </a:ext>
+            </a:extLst>
+          </p:cNvPr>
+          <p:cNvSpPr/>
+          <p:nvPr/>
+        </p:nvSpPr>
+        <p:spPr>
+          <a:xfrm>
+            <a:off x="4345760" y="-83278"/>
+            <a:ext cx="2802896" cy="857839"/>
+          </a:xfrm>
+          <a:prstGeom prst="flowChartDecision">
+            <a:avLst/>
+          </a:prstGeom>
+          <a:solidFill>
+            <a:srgbClr val="705697"/>
+          </a:solidFill>
+          <a:ln>
+            <a:noFill/>
+          </a:ln>
+        </p:spPr>
+        <p:style>
+          <a:lnRef idx="2">
+            <a:schemeClr val="accent1">
+              <a:shade val="50000"/>
+            </a:schemeClr>
+          </a:lnRef>
+          <a:fillRef idx="1">
+            <a:schemeClr val="accent1"/>
+          </a:fillRef>
+          <a:effectRef idx="0">
+            <a:schemeClr val="accent1"/>
+          </a:effectRef>
+          <a:fontRef idx="minor">
+            <a:schemeClr val="lt1"/>
+          </a:fontRef>
+        </p:style>
+        <p:txBody>
+          <a:bodyPr rtlCol="0" anchor="ctr"/>
+          <a:lstStyle/>
+          <a:p>
+            <a:pPr algn="ctr"/>
+            <a:r>
+              <a:rPr lang="zh-CN" altLang="en-US" sz="1600" dirty="0">
+                <a:latin typeface="Times New Roman" panose="02020603050405020304" pitchFamily="18" charset="0"/>
+                <a:cs typeface="Times New Roman" panose="02020603050405020304" pitchFamily="18" charset="0"/>
+              </a:rPr>
+              <a:t>检查写入地址合法性？</a:t>
+            </a:r>
+          </a:p>
+        </p:txBody>
+      </p:sp>
+      <p:sp>
+        <p:nvSpPr>
+          <p:cNvPr id="55" name="矩形 54">
+            <a:extLst>
+              <a:ext uri="{FF2B5EF4-FFF2-40B4-BE49-F238E27FC236}">
+                <a16:creationId xmlns:a16="http://schemas.microsoft.com/office/drawing/2014/main" id="{6C4BDF74-F32D-43D1-866E-1C0FB486A688}"/>
+              </a:ext>
+            </a:extLst>
+          </p:cNvPr>
+          <p:cNvSpPr/>
+          <p:nvPr/>
+        </p:nvSpPr>
+        <p:spPr>
+          <a:xfrm>
+            <a:off x="4545290" y="1110786"/>
+            <a:ext cx="2403836" cy="499620"/>
+          </a:xfrm>
+          <a:prstGeom prst="rect">
+            <a:avLst/>
+          </a:prstGeom>
+          <a:solidFill>
+            <a:srgbClr val="C4B7D7"/>
+          </a:solidFill>
+          <a:ln>
+            <a:solidFill>
+              <a:schemeClr val="tx1"/>
+            </a:solidFill>
+          </a:ln>
+        </p:spPr>
+        <p:style>
+          <a:lnRef idx="2">
+            <a:schemeClr val="accent1">
+              <a:shade val="50000"/>
+            </a:schemeClr>
+          </a:lnRef>
+          <a:fillRef idx="1">
+            <a:schemeClr val="accent1"/>
+          </a:fillRef>
+          <a:effectRef idx="0">
+            <a:schemeClr val="accent1"/>
+          </a:effectRef>
+          <a:fontRef idx="minor">
+            <a:schemeClr val="lt1"/>
+          </a:fontRef>
+        </p:style>
+        <p:txBody>
+          <a:bodyPr rtlCol="0" anchor="ctr"/>
+          <a:lstStyle/>
+          <a:p>
+            <a:pPr algn="ctr"/>
+            <a:r>
+              <a:rPr lang="zh-CN" altLang="en-US" sz="1600" dirty="0">
+                <a:solidFill>
+                  <a:schemeClr val="tx1"/>
+                </a:solidFill>
+                <a:latin typeface="Times New Roman" panose="02020603050405020304" pitchFamily="18" charset="0"/>
+                <a:cs typeface="Times New Roman" panose="02020603050405020304" pitchFamily="18" charset="0"/>
+              </a:rPr>
+              <a:t>将欲写入的内容分段</a:t>
+            </a:r>
+          </a:p>
+        </p:txBody>
+      </p:sp>
+      <p:cxnSp>
+        <p:nvCxnSpPr>
+          <p:cNvPr id="56" name="直接箭头连接符 55">
+            <a:extLst>
+              <a:ext uri="{FF2B5EF4-FFF2-40B4-BE49-F238E27FC236}">
+                <a16:creationId xmlns:a16="http://schemas.microsoft.com/office/drawing/2014/main" id="{D8D16F48-E93F-4842-92FC-2DE31C65619E}"/>
+              </a:ext>
+            </a:extLst>
+          </p:cNvPr>
+          <p:cNvCxnSpPr>
+            <a:cxnSpLocks/>
+            <a:stCxn id="54" idx="2"/>
+            <a:endCxn id="55" idx="0"/>
+          </p:cNvCxnSpPr>
+          <p:nvPr/>
+        </p:nvCxnSpPr>
+        <p:spPr>
+          <a:xfrm>
+            <a:off x="5747208" y="774561"/>
+            <a:ext cx="0" cy="336225"/>
+          </a:xfrm>
+          <a:prstGeom prst="straightConnector1">
+            <a:avLst/>
+          </a:prstGeom>
+          <a:ln w="12700">
+            <a:headEnd type="oval" w="med" len="med"/>
+            <a:tailEnd type="triangle" w="med" len="med"/>
+          </a:ln>
+        </p:spPr>
+        <p:style>
+          <a:lnRef idx="1">
+            <a:schemeClr val="dk1"/>
+          </a:lnRef>
+          <a:fillRef idx="0">
+            <a:schemeClr val="dk1"/>
+          </a:fillRef>
+          <a:effectRef idx="0">
+            <a:schemeClr val="dk1"/>
+          </a:effectRef>
+          <a:fontRef idx="minor">
+            <a:schemeClr val="tx1"/>
+          </a:fontRef>
+        </p:style>
+      </p:cxnSp>
+      <p:sp>
+        <p:nvSpPr>
+          <p:cNvPr id="57" name="文本框 56">
+            <a:extLst>
+              <a:ext uri="{FF2B5EF4-FFF2-40B4-BE49-F238E27FC236}">
+                <a16:creationId xmlns:a16="http://schemas.microsoft.com/office/drawing/2014/main" id="{0A97D4C4-9AA9-4BCB-AF90-5F3577FF94EF}"/>
+              </a:ext>
+            </a:extLst>
+          </p:cNvPr>
+          <p:cNvSpPr txBox="1"/>
+          <p:nvPr/>
+        </p:nvSpPr>
+        <p:spPr>
+          <a:xfrm>
+            <a:off x="5869773" y="741454"/>
+            <a:ext cx="706993" cy="338554"/>
+          </a:xfrm>
+          <a:prstGeom prst="rect">
+            <a:avLst/>
+          </a:prstGeom>
+          <a:noFill/>
+        </p:spPr>
+        <p:txBody>
+          <a:bodyPr wrap="square" rtlCol="0">
+            <a:spAutoFit/>
+          </a:bodyPr>
+          <a:lstStyle/>
+          <a:p>
+            <a:r>
+              <a:rPr lang="zh-CN" altLang="en-US" sz="1600" dirty="0">
+                <a:latin typeface="Times New Roman" panose="02020603050405020304" pitchFamily="18" charset="0"/>
+                <a:cs typeface="Times New Roman" panose="02020603050405020304" pitchFamily="18" charset="0"/>
+              </a:rPr>
+              <a:t>合法</a:t>
+            </a:r>
+          </a:p>
+        </p:txBody>
+      </p:sp>
+      <p:cxnSp>
+        <p:nvCxnSpPr>
+          <p:cNvPr id="60" name="直接箭头连接符 59">
+            <a:extLst>
+              <a:ext uri="{FF2B5EF4-FFF2-40B4-BE49-F238E27FC236}">
+                <a16:creationId xmlns:a16="http://schemas.microsoft.com/office/drawing/2014/main" id="{C975027A-4888-451B-A399-0237E1CDDC9A}"/>
+              </a:ext>
+            </a:extLst>
+          </p:cNvPr>
+          <p:cNvCxnSpPr>
+            <a:cxnSpLocks/>
+            <a:stCxn id="55" idx="2"/>
+            <a:endCxn id="58" idx="0"/>
+          </p:cNvCxnSpPr>
+          <p:nvPr/>
+        </p:nvCxnSpPr>
+        <p:spPr>
+          <a:xfrm>
+            <a:off x="5747208" y="1610406"/>
+            <a:ext cx="0" cy="342513"/>
+          </a:xfrm>
+          <a:prstGeom prst="straightConnector1">
+            <a:avLst/>
+          </a:prstGeom>
+          <a:ln w="12700">
+            <a:headEnd type="oval" w="med" len="med"/>
+            <a:tailEnd type="triangle" w="med" len="med"/>
+          </a:ln>
+        </p:spPr>
+        <p:style>
+          <a:lnRef idx="1">
+            <a:schemeClr val="dk1"/>
+          </a:lnRef>
+          <a:fillRef idx="0">
+            <a:schemeClr val="dk1"/>
+          </a:fillRef>
+          <a:effectRef idx="0">
+            <a:schemeClr val="dk1"/>
+          </a:effectRef>
+          <a:fontRef idx="minor">
+            <a:schemeClr val="tx1"/>
+          </a:fontRef>
+        </p:style>
+      </p:cxnSp>
+      <p:sp>
+        <p:nvSpPr>
+          <p:cNvPr id="63" name="流程图: 决策 62">
+            <a:extLst>
+              <a:ext uri="{FF2B5EF4-FFF2-40B4-BE49-F238E27FC236}">
+                <a16:creationId xmlns:a16="http://schemas.microsoft.com/office/drawing/2014/main" id="{563B34D9-41DC-42E2-B8AB-88152D8047E6}"/>
+              </a:ext>
+            </a:extLst>
+          </p:cNvPr>
+          <p:cNvSpPr/>
+          <p:nvPr/>
+        </p:nvSpPr>
+        <p:spPr>
+          <a:xfrm>
+            <a:off x="842140" y="4818673"/>
+            <a:ext cx="2802896" cy="857839"/>
+          </a:xfrm>
+          <a:prstGeom prst="flowChartDecision">
+            <a:avLst/>
+          </a:prstGeom>
+          <a:solidFill>
+            <a:srgbClr val="705697"/>
+          </a:solidFill>
+          <a:ln>
+            <a:noFill/>
+          </a:ln>
+        </p:spPr>
+        <p:style>
+          <a:lnRef idx="2">
+            <a:schemeClr val="accent1">
+              <a:shade val="50000"/>
+            </a:schemeClr>
+          </a:lnRef>
+          <a:fillRef idx="1">
+            <a:schemeClr val="accent1"/>
+          </a:fillRef>
+          <a:effectRef idx="0">
+            <a:schemeClr val="accent1"/>
+          </a:effectRef>
+          <a:fontRef idx="minor">
+            <a:schemeClr val="lt1"/>
+          </a:fontRef>
+        </p:style>
+        <p:txBody>
+          <a:bodyPr rtlCol="0" anchor="ctr"/>
+          <a:lstStyle/>
+          <a:p>
+            <a:pPr algn="ctr"/>
+            <a:r>
+              <a:rPr lang="zh-CN" altLang="en-US" sz="1600" dirty="0">
+                <a:latin typeface="Times New Roman" panose="02020603050405020304" pitchFamily="18" charset="0"/>
+                <a:cs typeface="Times New Roman" panose="02020603050405020304" pitchFamily="18" charset="0"/>
+              </a:rPr>
+              <a:t>是否需要擦除？</a:t>
+            </a:r>
+          </a:p>
+        </p:txBody>
+      </p:sp>
+      <p:sp>
+        <p:nvSpPr>
+          <p:cNvPr id="65" name="矩形 64">
+            <a:extLst>
+              <a:ext uri="{FF2B5EF4-FFF2-40B4-BE49-F238E27FC236}">
+                <a16:creationId xmlns:a16="http://schemas.microsoft.com/office/drawing/2014/main" id="{32C26612-E0D7-4DD5-84A9-469A79F1B4CA}"/>
+              </a:ext>
+            </a:extLst>
+          </p:cNvPr>
+          <p:cNvSpPr/>
+          <p:nvPr/>
+        </p:nvSpPr>
+        <p:spPr>
+          <a:xfrm>
+            <a:off x="1041670" y="3982829"/>
+            <a:ext cx="2403836" cy="499620"/>
+          </a:xfrm>
+          <a:prstGeom prst="rect">
+            <a:avLst/>
+          </a:prstGeom>
+          <a:solidFill>
+            <a:srgbClr val="C4B7D7"/>
+          </a:solidFill>
+          <a:ln>
+            <a:solidFill>
+              <a:schemeClr val="tx1"/>
+            </a:solidFill>
+          </a:ln>
+        </p:spPr>
+        <p:style>
+          <a:lnRef idx="2">
+            <a:schemeClr val="accent1">
+              <a:shade val="50000"/>
+            </a:schemeClr>
+          </a:lnRef>
+          <a:fillRef idx="1">
+            <a:schemeClr val="accent1"/>
+          </a:fillRef>
+          <a:effectRef idx="0">
+            <a:schemeClr val="accent1"/>
+          </a:effectRef>
+          <a:fontRef idx="minor">
+            <a:schemeClr val="lt1"/>
+          </a:fontRef>
+        </p:style>
+        <p:txBody>
+          <a:bodyPr rtlCol="0" anchor="ctr"/>
+          <a:lstStyle/>
+          <a:p>
+            <a:pPr algn="ctr"/>
+            <a:r>
+              <a:rPr lang="zh-CN" altLang="en-US" sz="1600" dirty="0">
+                <a:solidFill>
+                  <a:schemeClr val="tx1"/>
+                </a:solidFill>
+                <a:latin typeface="Times New Roman" panose="02020603050405020304" pitchFamily="18" charset="0"/>
+                <a:cs typeface="Times New Roman" panose="02020603050405020304" pitchFamily="18" charset="0"/>
+              </a:rPr>
+              <a:t>读取相应</a:t>
+            </a:r>
+            <a:r>
+              <a:rPr lang="en-US" altLang="zh-CN" sz="1600" dirty="0">
+                <a:solidFill>
+                  <a:schemeClr val="tx1"/>
+                </a:solidFill>
+                <a:latin typeface="Times New Roman" panose="02020603050405020304" pitchFamily="18" charset="0"/>
+                <a:cs typeface="Times New Roman" panose="02020603050405020304" pitchFamily="18" charset="0"/>
+              </a:rPr>
+              <a:t>sector</a:t>
+            </a:r>
+            <a:r>
+              <a:rPr lang="zh-CN" altLang="en-US" sz="1600" dirty="0">
+                <a:solidFill>
+                  <a:schemeClr val="tx1"/>
+                </a:solidFill>
+                <a:latin typeface="Times New Roman" panose="02020603050405020304" pitchFamily="18" charset="0"/>
+                <a:cs typeface="Times New Roman" panose="02020603050405020304" pitchFamily="18" charset="0"/>
+              </a:rPr>
+              <a:t>至</a:t>
+            </a:r>
+            <a:r>
+              <a:rPr lang="en-US" altLang="zh-CN" sz="1600" dirty="0">
+                <a:solidFill>
+                  <a:schemeClr val="tx1"/>
+                </a:solidFill>
+                <a:latin typeface="Times New Roman" panose="02020603050405020304" pitchFamily="18" charset="0"/>
+                <a:cs typeface="Times New Roman" panose="02020603050405020304" pitchFamily="18" charset="0"/>
+              </a:rPr>
+              <a:t>buffer</a:t>
+            </a:r>
+            <a:endParaRPr lang="zh-CN" altLang="en-US" sz="1600" dirty="0">
+              <a:solidFill>
+                <a:schemeClr val="tx1"/>
+              </a:solidFill>
+              <a:latin typeface="Times New Roman" panose="02020603050405020304" pitchFamily="18" charset="0"/>
+              <a:cs typeface="Times New Roman" panose="02020603050405020304" pitchFamily="18" charset="0"/>
+            </a:endParaRPr>
+          </a:p>
+        </p:txBody>
+      </p:sp>
+      <p:sp>
+        <p:nvSpPr>
+          <p:cNvPr id="66" name="流程图: 决策 65">
+            <a:extLst>
+              <a:ext uri="{FF2B5EF4-FFF2-40B4-BE49-F238E27FC236}">
+                <a16:creationId xmlns:a16="http://schemas.microsoft.com/office/drawing/2014/main" id="{5D26D043-2A8F-4B31-BF24-A7A75D3C6900}"/>
+              </a:ext>
+            </a:extLst>
+          </p:cNvPr>
+          <p:cNvSpPr/>
+          <p:nvPr/>
+        </p:nvSpPr>
+        <p:spPr>
+          <a:xfrm>
+            <a:off x="7899661" y="4818672"/>
+            <a:ext cx="2802896" cy="857839"/>
+          </a:xfrm>
+          <a:prstGeom prst="flowChartDecision">
+            <a:avLst/>
+          </a:prstGeom>
+          <a:solidFill>
+            <a:srgbClr val="705697"/>
+          </a:solidFill>
+          <a:ln>
+            <a:noFill/>
+          </a:ln>
+        </p:spPr>
+        <p:style>
+          <a:lnRef idx="2">
+            <a:schemeClr val="accent1">
+              <a:shade val="50000"/>
+            </a:schemeClr>
+          </a:lnRef>
+          <a:fillRef idx="1">
+            <a:schemeClr val="accent1"/>
+          </a:fillRef>
+          <a:effectRef idx="0">
+            <a:schemeClr val="accent1"/>
+          </a:effectRef>
+          <a:fontRef idx="minor">
+            <a:schemeClr val="lt1"/>
+          </a:fontRef>
+        </p:style>
+        <p:txBody>
+          <a:bodyPr rtlCol="0" anchor="ctr"/>
+          <a:lstStyle/>
+          <a:p>
+            <a:pPr algn="ctr"/>
+            <a:r>
+              <a:rPr lang="zh-CN" altLang="en-US" sz="1600" dirty="0">
+                <a:latin typeface="Times New Roman" panose="02020603050405020304" pitchFamily="18" charset="0"/>
+                <a:cs typeface="Times New Roman" panose="02020603050405020304" pitchFamily="18" charset="0"/>
+              </a:rPr>
+              <a:t>是否需要擦除？</a:t>
+            </a:r>
+          </a:p>
+        </p:txBody>
+      </p:sp>
+      <p:sp>
+        <p:nvSpPr>
+          <p:cNvPr id="68" name="矩形 67">
+            <a:extLst>
+              <a:ext uri="{FF2B5EF4-FFF2-40B4-BE49-F238E27FC236}">
+                <a16:creationId xmlns:a16="http://schemas.microsoft.com/office/drawing/2014/main" id="{7751A1F2-C958-47D2-B7E0-AB032E3413DF}"/>
+              </a:ext>
+            </a:extLst>
+          </p:cNvPr>
+          <p:cNvSpPr/>
+          <p:nvPr/>
+        </p:nvSpPr>
+        <p:spPr>
+          <a:xfrm>
+            <a:off x="8099191" y="3982829"/>
+            <a:ext cx="2403836" cy="499620"/>
+          </a:xfrm>
+          <a:prstGeom prst="rect">
+            <a:avLst/>
+          </a:prstGeom>
+          <a:solidFill>
+            <a:srgbClr val="C4B7D7"/>
+          </a:solidFill>
+          <a:ln>
+            <a:solidFill>
+              <a:schemeClr val="tx1"/>
+            </a:solidFill>
+          </a:ln>
+        </p:spPr>
+        <p:style>
+          <a:lnRef idx="2">
+            <a:schemeClr val="accent1">
+              <a:shade val="50000"/>
+            </a:schemeClr>
+          </a:lnRef>
+          <a:fillRef idx="1">
+            <a:schemeClr val="accent1"/>
+          </a:fillRef>
+          <a:effectRef idx="0">
+            <a:schemeClr val="accent1"/>
+          </a:effectRef>
+          <a:fontRef idx="minor">
+            <a:schemeClr val="lt1"/>
+          </a:fontRef>
+        </p:style>
+        <p:txBody>
+          <a:bodyPr rtlCol="0" anchor="ctr"/>
+          <a:lstStyle/>
+          <a:p>
+            <a:pPr algn="ctr"/>
+            <a:r>
+              <a:rPr lang="zh-CN" altLang="en-US" sz="1600" dirty="0">
+                <a:solidFill>
+                  <a:schemeClr val="tx1"/>
+                </a:solidFill>
+                <a:latin typeface="Times New Roman" panose="02020603050405020304" pitchFamily="18" charset="0"/>
+                <a:cs typeface="Times New Roman" panose="02020603050405020304" pitchFamily="18" charset="0"/>
+              </a:rPr>
+              <a:t>擦除相应</a:t>
+            </a:r>
+            <a:r>
+              <a:rPr lang="en-US" altLang="zh-CN" sz="1600" dirty="0">
+                <a:solidFill>
+                  <a:schemeClr val="tx1"/>
+                </a:solidFill>
+                <a:latin typeface="Times New Roman" panose="02020603050405020304" pitchFamily="18" charset="0"/>
+                <a:cs typeface="Times New Roman" panose="02020603050405020304" pitchFamily="18" charset="0"/>
+              </a:rPr>
+              <a:t>sector</a:t>
+            </a:r>
+            <a:endParaRPr lang="zh-CN" altLang="en-US" sz="1600" dirty="0">
+              <a:solidFill>
+                <a:schemeClr val="tx1"/>
+              </a:solidFill>
+              <a:latin typeface="Times New Roman" panose="02020603050405020304" pitchFamily="18" charset="0"/>
+              <a:cs typeface="Times New Roman" panose="02020603050405020304" pitchFamily="18" charset="0"/>
+            </a:endParaRPr>
+          </a:p>
+        </p:txBody>
+      </p:sp>
+      <p:sp>
+        <p:nvSpPr>
+          <p:cNvPr id="69" name="矩形 68">
+            <a:extLst>
+              <a:ext uri="{FF2B5EF4-FFF2-40B4-BE49-F238E27FC236}">
+                <a16:creationId xmlns:a16="http://schemas.microsoft.com/office/drawing/2014/main" id="{065853EB-88F9-436C-8885-95F6F2DBE27E}"/>
+              </a:ext>
+            </a:extLst>
+          </p:cNvPr>
+          <p:cNvSpPr/>
+          <p:nvPr/>
+        </p:nvSpPr>
+        <p:spPr>
+          <a:xfrm>
+            <a:off x="1041670" y="3146984"/>
+            <a:ext cx="2403836" cy="499620"/>
+          </a:xfrm>
+          <a:prstGeom prst="rect">
+            <a:avLst/>
+          </a:prstGeom>
+          <a:solidFill>
+            <a:srgbClr val="C4B7D7"/>
+          </a:solidFill>
+          <a:ln>
+            <a:solidFill>
+              <a:schemeClr val="tx1"/>
+            </a:solidFill>
+          </a:ln>
+        </p:spPr>
+        <p:style>
+          <a:lnRef idx="2">
+            <a:schemeClr val="accent1">
+              <a:shade val="50000"/>
+            </a:schemeClr>
+          </a:lnRef>
+          <a:fillRef idx="1">
+            <a:schemeClr val="accent1"/>
+          </a:fillRef>
+          <a:effectRef idx="0">
+            <a:schemeClr val="accent1"/>
+          </a:effectRef>
+          <a:fontRef idx="minor">
+            <a:schemeClr val="lt1"/>
+          </a:fontRef>
+        </p:style>
+        <p:txBody>
+          <a:bodyPr rtlCol="0" anchor="ctr"/>
+          <a:lstStyle/>
+          <a:p>
+            <a:pPr algn="ctr"/>
+            <a:r>
+              <a:rPr lang="zh-CN" altLang="en-US" sz="1600" dirty="0">
+                <a:solidFill>
+                  <a:schemeClr val="tx1"/>
+                </a:solidFill>
+                <a:latin typeface="Times New Roman" panose="02020603050405020304" pitchFamily="18" charset="0"/>
+                <a:cs typeface="Times New Roman" panose="02020603050405020304" pitchFamily="18" charset="0"/>
+              </a:rPr>
+              <a:t>计算本次写入内容相对该</a:t>
+            </a:r>
+            <a:r>
+              <a:rPr lang="en-US" altLang="zh-CN" sz="1600" dirty="0">
+                <a:solidFill>
+                  <a:schemeClr val="tx1"/>
+                </a:solidFill>
+                <a:latin typeface="Times New Roman" panose="02020603050405020304" pitchFamily="18" charset="0"/>
+                <a:cs typeface="Times New Roman" panose="02020603050405020304" pitchFamily="18" charset="0"/>
+              </a:rPr>
+              <a:t>sector</a:t>
+            </a:r>
+            <a:r>
+              <a:rPr lang="zh-CN" altLang="en-US" sz="1600" dirty="0">
+                <a:solidFill>
+                  <a:schemeClr val="tx1"/>
+                </a:solidFill>
+                <a:latin typeface="Times New Roman" panose="02020603050405020304" pitchFamily="18" charset="0"/>
+                <a:cs typeface="Times New Roman" panose="02020603050405020304" pitchFamily="18" charset="0"/>
+              </a:rPr>
+              <a:t>的偏移</a:t>
+            </a:r>
+          </a:p>
+        </p:txBody>
+      </p:sp>
+      <p:sp>
+        <p:nvSpPr>
+          <p:cNvPr id="70" name="矩形 69">
+            <a:extLst>
+              <a:ext uri="{FF2B5EF4-FFF2-40B4-BE49-F238E27FC236}">
+                <a16:creationId xmlns:a16="http://schemas.microsoft.com/office/drawing/2014/main" id="{69B76A30-6481-4504-B9F0-73D0BED7DA61}"/>
+              </a:ext>
+            </a:extLst>
+          </p:cNvPr>
+          <p:cNvSpPr/>
+          <p:nvPr/>
+        </p:nvSpPr>
+        <p:spPr>
+          <a:xfrm>
+            <a:off x="1041670" y="2132028"/>
+            <a:ext cx="2403836" cy="499620"/>
+          </a:xfrm>
+          <a:prstGeom prst="rect">
+            <a:avLst/>
+          </a:prstGeom>
+          <a:solidFill>
+            <a:srgbClr val="C4B7D7"/>
+          </a:solidFill>
+          <a:ln>
+            <a:solidFill>
+              <a:schemeClr val="tx1"/>
+            </a:solidFill>
+          </a:ln>
+        </p:spPr>
+        <p:style>
+          <a:lnRef idx="2">
+            <a:schemeClr val="accent1">
+              <a:shade val="50000"/>
+            </a:schemeClr>
+          </a:lnRef>
+          <a:fillRef idx="1">
+            <a:schemeClr val="accent1"/>
+          </a:fillRef>
+          <a:effectRef idx="0">
+            <a:schemeClr val="accent1"/>
+          </a:effectRef>
+          <a:fontRef idx="minor">
+            <a:schemeClr val="lt1"/>
+          </a:fontRef>
+        </p:style>
+        <p:txBody>
+          <a:bodyPr rtlCol="0" anchor="ctr"/>
+          <a:lstStyle/>
+          <a:p>
+            <a:pPr algn="ctr"/>
+            <a:r>
+              <a:rPr lang="zh-CN" altLang="en-US" sz="1600" dirty="0">
+                <a:solidFill>
+                  <a:schemeClr val="tx1"/>
+                </a:solidFill>
+                <a:latin typeface="Times New Roman" panose="02020603050405020304" pitchFamily="18" charset="0"/>
+                <a:cs typeface="Times New Roman" panose="02020603050405020304" pitchFamily="18" charset="0"/>
+              </a:rPr>
+              <a:t>将内容写入</a:t>
+            </a:r>
+            <a:r>
+              <a:rPr lang="en-US" altLang="zh-CN" sz="1600" dirty="0">
+                <a:solidFill>
+                  <a:schemeClr val="tx1"/>
+                </a:solidFill>
+                <a:latin typeface="Times New Roman" panose="02020603050405020304" pitchFamily="18" charset="0"/>
+                <a:cs typeface="Times New Roman" panose="02020603050405020304" pitchFamily="18" charset="0"/>
+              </a:rPr>
+              <a:t>buffer</a:t>
+            </a:r>
+            <a:r>
+              <a:rPr lang="zh-CN" altLang="en-US" sz="1600" dirty="0">
+                <a:solidFill>
+                  <a:schemeClr val="tx1"/>
+                </a:solidFill>
+                <a:latin typeface="Times New Roman" panose="02020603050405020304" pitchFamily="18" charset="0"/>
+                <a:cs typeface="Times New Roman" panose="02020603050405020304" pitchFamily="18" charset="0"/>
+              </a:rPr>
+              <a:t>，并擦除相应</a:t>
+            </a:r>
+            <a:r>
+              <a:rPr lang="en-US" altLang="zh-CN" sz="1600" dirty="0">
+                <a:solidFill>
+                  <a:schemeClr val="tx1"/>
+                </a:solidFill>
+                <a:latin typeface="Times New Roman" panose="02020603050405020304" pitchFamily="18" charset="0"/>
+                <a:cs typeface="Times New Roman" panose="02020603050405020304" pitchFamily="18" charset="0"/>
+              </a:rPr>
+              <a:t>sector</a:t>
+            </a:r>
+            <a:endParaRPr lang="zh-CN" altLang="en-US" sz="1600" dirty="0">
+              <a:solidFill>
+                <a:schemeClr val="tx1"/>
+              </a:solidFill>
+              <a:latin typeface="Times New Roman" panose="02020603050405020304" pitchFamily="18" charset="0"/>
+              <a:cs typeface="Times New Roman" panose="02020603050405020304" pitchFamily="18" charset="0"/>
+            </a:endParaRPr>
+          </a:p>
+        </p:txBody>
+      </p:sp>
+      <p:sp>
+        <p:nvSpPr>
+          <p:cNvPr id="71" name="矩形 70">
+            <a:extLst>
+              <a:ext uri="{FF2B5EF4-FFF2-40B4-BE49-F238E27FC236}">
+                <a16:creationId xmlns:a16="http://schemas.microsoft.com/office/drawing/2014/main" id="{6A0A30FE-5E2F-4DC6-9758-5A46F3D36DA5}"/>
+              </a:ext>
+            </a:extLst>
+          </p:cNvPr>
+          <p:cNvSpPr/>
+          <p:nvPr/>
+        </p:nvSpPr>
+        <p:spPr>
+          <a:xfrm>
+            <a:off x="1041670" y="1105569"/>
+            <a:ext cx="2403836" cy="499620"/>
+          </a:xfrm>
+          <a:prstGeom prst="rect">
+            <a:avLst/>
+          </a:prstGeom>
+          <a:solidFill>
+            <a:srgbClr val="C4B7D7"/>
+          </a:solidFill>
+          <a:ln>
+            <a:solidFill>
+              <a:schemeClr val="tx1"/>
+            </a:solidFill>
+          </a:ln>
+        </p:spPr>
+        <p:style>
+          <a:lnRef idx="2">
+            <a:schemeClr val="accent1">
+              <a:shade val="50000"/>
+            </a:schemeClr>
+          </a:lnRef>
+          <a:fillRef idx="1">
+            <a:schemeClr val="accent1"/>
+          </a:fillRef>
+          <a:effectRef idx="0">
+            <a:schemeClr val="accent1"/>
+          </a:effectRef>
+          <a:fontRef idx="minor">
+            <a:schemeClr val="lt1"/>
+          </a:fontRef>
+        </p:style>
+        <p:txBody>
+          <a:bodyPr rtlCol="0" anchor="ctr"/>
+          <a:lstStyle/>
+          <a:p>
+            <a:pPr algn="ctr"/>
+            <a:r>
+              <a:rPr lang="zh-CN" altLang="en-US" sz="1600" dirty="0">
+                <a:solidFill>
+                  <a:schemeClr val="tx1"/>
+                </a:solidFill>
+                <a:latin typeface="Times New Roman" panose="02020603050405020304" pitchFamily="18" charset="0"/>
+                <a:cs typeface="Times New Roman" panose="02020603050405020304" pitchFamily="18" charset="0"/>
+              </a:rPr>
+              <a:t>将</a:t>
+            </a:r>
+            <a:r>
+              <a:rPr lang="en-US" altLang="zh-CN" sz="1600" dirty="0">
+                <a:solidFill>
+                  <a:schemeClr val="tx1"/>
+                </a:solidFill>
+                <a:latin typeface="Times New Roman" panose="02020603050405020304" pitchFamily="18" charset="0"/>
+                <a:cs typeface="Times New Roman" panose="02020603050405020304" pitchFamily="18" charset="0"/>
+              </a:rPr>
+              <a:t>buffer</a:t>
+            </a:r>
+            <a:r>
+              <a:rPr lang="zh-CN" altLang="en-US" sz="1600" dirty="0">
+                <a:solidFill>
+                  <a:schemeClr val="tx1"/>
+                </a:solidFill>
+                <a:latin typeface="Times New Roman" panose="02020603050405020304" pitchFamily="18" charset="0"/>
+                <a:cs typeface="Times New Roman" panose="02020603050405020304" pitchFamily="18" charset="0"/>
+              </a:rPr>
+              <a:t>写入</a:t>
+            </a:r>
+            <a:r>
+              <a:rPr lang="en-US" altLang="zh-CN" sz="1600" dirty="0">
+                <a:solidFill>
+                  <a:schemeClr val="tx1"/>
+                </a:solidFill>
+                <a:latin typeface="Times New Roman" panose="02020603050405020304" pitchFamily="18" charset="0"/>
+                <a:cs typeface="Times New Roman" panose="02020603050405020304" pitchFamily="18" charset="0"/>
+              </a:rPr>
+              <a:t>Flash</a:t>
+            </a:r>
+            <a:endParaRPr lang="zh-CN" altLang="en-US" sz="1600" dirty="0">
+              <a:solidFill>
+                <a:schemeClr val="tx1"/>
+              </a:solidFill>
+              <a:latin typeface="Times New Roman" panose="02020603050405020304" pitchFamily="18" charset="0"/>
+              <a:cs typeface="Times New Roman" panose="02020603050405020304" pitchFamily="18" charset="0"/>
+            </a:endParaRPr>
+          </a:p>
+        </p:txBody>
+      </p:sp>
+      <p:cxnSp>
+        <p:nvCxnSpPr>
+          <p:cNvPr id="73" name="连接符: 肘形 72">
+            <a:extLst>
+              <a:ext uri="{FF2B5EF4-FFF2-40B4-BE49-F238E27FC236}">
+                <a16:creationId xmlns:a16="http://schemas.microsoft.com/office/drawing/2014/main" id="{59380A80-E3C1-49BF-81DD-3236B498DD85}"/>
+              </a:ext>
+            </a:extLst>
+          </p:cNvPr>
+          <p:cNvCxnSpPr>
+            <a:stCxn id="63" idx="1"/>
+            <a:endCxn id="71" idx="1"/>
+          </p:cNvCxnSpPr>
+          <p:nvPr/>
+        </p:nvCxnSpPr>
+        <p:spPr>
+          <a:xfrm rot="10800000" flipH="1">
+            <a:off x="842140" y="1355379"/>
+            <a:ext cx="199530" cy="3892214"/>
+          </a:xfrm>
+          <a:prstGeom prst="bentConnector3">
+            <a:avLst>
+              <a:gd name="adj1" fmla="val -114569"/>
+            </a:avLst>
+          </a:prstGeom>
+          <a:ln w="12700">
+            <a:headEnd type="oval" w="med" len="med"/>
+            <a:tailEnd type="triangle" w="med" len="med"/>
+          </a:ln>
+        </p:spPr>
+        <p:style>
+          <a:lnRef idx="1">
+            <a:schemeClr val="dk1"/>
+          </a:lnRef>
+          <a:fillRef idx="0">
+            <a:schemeClr val="dk1"/>
+          </a:fillRef>
+          <a:effectRef idx="0">
+            <a:schemeClr val="dk1"/>
+          </a:effectRef>
+          <a:fontRef idx="minor">
+            <a:schemeClr val="tx1"/>
+          </a:fontRef>
+        </p:style>
+      </p:cxnSp>
+      <p:cxnSp>
+        <p:nvCxnSpPr>
+          <p:cNvPr id="75" name="直接箭头连接符 74">
+            <a:extLst>
+              <a:ext uri="{FF2B5EF4-FFF2-40B4-BE49-F238E27FC236}">
+                <a16:creationId xmlns:a16="http://schemas.microsoft.com/office/drawing/2014/main" id="{E885B6EE-F294-429E-944F-D722683C3E95}"/>
+              </a:ext>
+            </a:extLst>
+          </p:cNvPr>
+          <p:cNvCxnSpPr>
+            <a:stCxn id="63" idx="0"/>
+            <a:endCxn id="65" idx="2"/>
+          </p:cNvCxnSpPr>
+          <p:nvPr/>
+        </p:nvCxnSpPr>
+        <p:spPr>
+          <a:xfrm flipV="1">
+            <a:off x="2243588" y="4482449"/>
+            <a:ext cx="0" cy="336224"/>
+          </a:xfrm>
+          <a:prstGeom prst="straightConnector1">
+            <a:avLst/>
+          </a:prstGeom>
+          <a:ln w="12700">
+            <a:headEnd type="oval" w="med" len="med"/>
+            <a:tailEnd type="triangle" w="med" len="med"/>
+          </a:ln>
+        </p:spPr>
+        <p:style>
+          <a:lnRef idx="1">
+            <a:schemeClr val="dk1"/>
+          </a:lnRef>
+          <a:fillRef idx="0">
+            <a:schemeClr val="dk1"/>
+          </a:fillRef>
+          <a:effectRef idx="0">
+            <a:schemeClr val="dk1"/>
+          </a:effectRef>
+          <a:fontRef idx="minor">
+            <a:schemeClr val="tx1"/>
+          </a:fontRef>
+        </p:style>
+      </p:cxnSp>
+      <p:cxnSp>
+        <p:nvCxnSpPr>
+          <p:cNvPr id="77" name="直接箭头连接符 76">
+            <a:extLst>
+              <a:ext uri="{FF2B5EF4-FFF2-40B4-BE49-F238E27FC236}">
+                <a16:creationId xmlns:a16="http://schemas.microsoft.com/office/drawing/2014/main" id="{CDE2BF50-555D-4CF7-BD00-094993775397}"/>
+              </a:ext>
+            </a:extLst>
+          </p:cNvPr>
+          <p:cNvCxnSpPr>
+            <a:stCxn id="65" idx="0"/>
+            <a:endCxn id="69" idx="2"/>
+          </p:cNvCxnSpPr>
+          <p:nvPr/>
+        </p:nvCxnSpPr>
+        <p:spPr>
+          <a:xfrm flipV="1">
+            <a:off x="2243588" y="3646604"/>
+            <a:ext cx="0" cy="336225"/>
+          </a:xfrm>
+          <a:prstGeom prst="straightConnector1">
+            <a:avLst/>
+          </a:prstGeom>
+          <a:ln w="12700">
+            <a:headEnd type="oval" w="med" len="med"/>
+            <a:tailEnd type="triangle" w="med" len="med"/>
+          </a:ln>
+        </p:spPr>
+        <p:style>
+          <a:lnRef idx="1">
+            <a:schemeClr val="dk1"/>
+          </a:lnRef>
+          <a:fillRef idx="0">
+            <a:schemeClr val="dk1"/>
+          </a:fillRef>
+          <a:effectRef idx="0">
+            <a:schemeClr val="dk1"/>
+          </a:effectRef>
+          <a:fontRef idx="minor">
+            <a:schemeClr val="tx1"/>
+          </a:fontRef>
+        </p:style>
+      </p:cxnSp>
+      <p:cxnSp>
+        <p:nvCxnSpPr>
+          <p:cNvPr id="79" name="直接箭头连接符 78">
+            <a:extLst>
+              <a:ext uri="{FF2B5EF4-FFF2-40B4-BE49-F238E27FC236}">
+                <a16:creationId xmlns:a16="http://schemas.microsoft.com/office/drawing/2014/main" id="{C81A6FE4-ACFA-4855-914F-9C8C057889E8}"/>
+              </a:ext>
+            </a:extLst>
+          </p:cNvPr>
+          <p:cNvCxnSpPr>
+            <a:stCxn id="69" idx="0"/>
+            <a:endCxn id="70" idx="2"/>
+          </p:cNvCxnSpPr>
+          <p:nvPr/>
+        </p:nvCxnSpPr>
+        <p:spPr>
+          <a:xfrm flipV="1">
+            <a:off x="2243588" y="2631648"/>
+            <a:ext cx="0" cy="515336"/>
+          </a:xfrm>
+          <a:prstGeom prst="straightConnector1">
+            <a:avLst/>
+          </a:prstGeom>
+          <a:ln w="12700">
+            <a:headEnd type="oval" w="med" len="med"/>
+            <a:tailEnd type="triangle" w="med" len="med"/>
+          </a:ln>
+        </p:spPr>
+        <p:style>
+          <a:lnRef idx="1">
+            <a:schemeClr val="dk1"/>
+          </a:lnRef>
+          <a:fillRef idx="0">
+            <a:schemeClr val="dk1"/>
+          </a:fillRef>
+          <a:effectRef idx="0">
+            <a:schemeClr val="dk1"/>
+          </a:effectRef>
+          <a:fontRef idx="minor">
+            <a:schemeClr val="tx1"/>
+          </a:fontRef>
+        </p:style>
+      </p:cxnSp>
+      <p:cxnSp>
+        <p:nvCxnSpPr>
+          <p:cNvPr id="81" name="直接箭头连接符 80">
+            <a:extLst>
+              <a:ext uri="{FF2B5EF4-FFF2-40B4-BE49-F238E27FC236}">
+                <a16:creationId xmlns:a16="http://schemas.microsoft.com/office/drawing/2014/main" id="{3E3F9064-834D-4C66-807C-E270EFBC9FCC}"/>
+              </a:ext>
+            </a:extLst>
+          </p:cNvPr>
+          <p:cNvCxnSpPr>
+            <a:stCxn id="70" idx="0"/>
+            <a:endCxn id="71" idx="2"/>
+          </p:cNvCxnSpPr>
+          <p:nvPr/>
+        </p:nvCxnSpPr>
+        <p:spPr>
+          <a:xfrm flipV="1">
+            <a:off x="2243588" y="1605189"/>
+            <a:ext cx="0" cy="526839"/>
+          </a:xfrm>
+          <a:prstGeom prst="straightConnector1">
+            <a:avLst/>
+          </a:prstGeom>
+          <a:ln w="12700">
+            <a:headEnd type="oval" w="med" len="med"/>
+            <a:tailEnd type="triangle" w="med" len="med"/>
+          </a:ln>
+        </p:spPr>
+        <p:style>
+          <a:lnRef idx="1">
+            <a:schemeClr val="dk1"/>
+          </a:lnRef>
+          <a:fillRef idx="0">
+            <a:schemeClr val="dk1"/>
+          </a:fillRef>
+          <a:effectRef idx="0">
+            <a:schemeClr val="dk1"/>
+          </a:effectRef>
+          <a:fontRef idx="minor">
+            <a:schemeClr val="tx1"/>
+          </a:fontRef>
+        </p:style>
+      </p:cxnSp>
+      <p:cxnSp>
+        <p:nvCxnSpPr>
+          <p:cNvPr id="83" name="连接符: 肘形 82">
+            <a:extLst>
+              <a:ext uri="{FF2B5EF4-FFF2-40B4-BE49-F238E27FC236}">
+                <a16:creationId xmlns:a16="http://schemas.microsoft.com/office/drawing/2014/main" id="{28F51D75-6B70-453B-B686-6333022A031B}"/>
+              </a:ext>
+            </a:extLst>
+          </p:cNvPr>
+          <p:cNvCxnSpPr>
+            <a:stCxn id="71" idx="3"/>
+            <a:endCxn id="58" idx="1"/>
+          </p:cNvCxnSpPr>
+          <p:nvPr/>
+        </p:nvCxnSpPr>
+        <p:spPr>
+          <a:xfrm>
+            <a:off x="3445506" y="1355379"/>
+            <a:ext cx="900254" cy="1026460"/>
+          </a:xfrm>
+          <a:prstGeom prst="bentConnector3">
+            <a:avLst/>
+          </a:prstGeom>
+          <a:ln w="12700">
+            <a:headEnd type="oval" w="med" len="med"/>
+            <a:tailEnd type="triangle" w="med" len="med"/>
+          </a:ln>
+        </p:spPr>
+        <p:style>
+          <a:lnRef idx="1">
+            <a:schemeClr val="dk1"/>
+          </a:lnRef>
+          <a:fillRef idx="0">
+            <a:schemeClr val="dk1"/>
+          </a:fillRef>
+          <a:effectRef idx="0">
+            <a:schemeClr val="dk1"/>
+          </a:effectRef>
+          <a:fontRef idx="minor">
+            <a:schemeClr val="tx1"/>
+          </a:fontRef>
+        </p:style>
+      </p:cxnSp>
+      <p:sp>
+        <p:nvSpPr>
+          <p:cNvPr id="84" name="矩形 83">
+            <a:extLst>
+              <a:ext uri="{FF2B5EF4-FFF2-40B4-BE49-F238E27FC236}">
+                <a16:creationId xmlns:a16="http://schemas.microsoft.com/office/drawing/2014/main" id="{8D987457-E7E6-4367-A377-F9CDAC3FB8A8}"/>
+              </a:ext>
+            </a:extLst>
+          </p:cNvPr>
+          <p:cNvSpPr/>
+          <p:nvPr/>
+        </p:nvSpPr>
+        <p:spPr>
+          <a:xfrm>
+            <a:off x="8099191" y="3142617"/>
+            <a:ext cx="2403836" cy="499620"/>
+          </a:xfrm>
+          <a:prstGeom prst="rect">
+            <a:avLst/>
+          </a:prstGeom>
+          <a:solidFill>
+            <a:srgbClr val="C4B7D7"/>
+          </a:solidFill>
+          <a:ln>
+            <a:solidFill>
+              <a:schemeClr val="tx1"/>
+            </a:solidFill>
+          </a:ln>
+        </p:spPr>
+        <p:style>
+          <a:lnRef idx="2">
+            <a:schemeClr val="accent1">
+              <a:shade val="50000"/>
+            </a:schemeClr>
+          </a:lnRef>
+          <a:fillRef idx="1">
+            <a:schemeClr val="accent1"/>
+          </a:fillRef>
+          <a:effectRef idx="0">
+            <a:schemeClr val="accent1"/>
+          </a:effectRef>
+          <a:fontRef idx="minor">
+            <a:schemeClr val="lt1"/>
+          </a:fontRef>
+        </p:style>
+        <p:txBody>
+          <a:bodyPr rtlCol="0" anchor="ctr"/>
+          <a:lstStyle/>
+          <a:p>
+            <a:pPr algn="ctr"/>
+            <a:r>
+              <a:rPr lang="zh-CN" altLang="en-US" sz="1600" dirty="0">
+                <a:solidFill>
+                  <a:schemeClr val="tx1"/>
+                </a:solidFill>
+                <a:latin typeface="Times New Roman" panose="02020603050405020304" pitchFamily="18" charset="0"/>
+                <a:cs typeface="Times New Roman" panose="02020603050405020304" pitchFamily="18" charset="0"/>
+              </a:rPr>
+              <a:t>将</a:t>
+            </a:r>
+            <a:r>
+              <a:rPr lang="en-US" altLang="zh-CN" sz="1600" dirty="0">
+                <a:solidFill>
+                  <a:schemeClr val="tx1"/>
+                </a:solidFill>
+                <a:latin typeface="Times New Roman" panose="02020603050405020304" pitchFamily="18" charset="0"/>
+                <a:cs typeface="Times New Roman" panose="02020603050405020304" pitchFamily="18" charset="0"/>
+              </a:rPr>
+              <a:t>buffer</a:t>
+            </a:r>
+            <a:r>
+              <a:rPr lang="zh-CN" altLang="en-US" sz="1600" dirty="0">
+                <a:solidFill>
+                  <a:schemeClr val="tx1"/>
+                </a:solidFill>
+                <a:latin typeface="Times New Roman" panose="02020603050405020304" pitchFamily="18" charset="0"/>
+                <a:cs typeface="Times New Roman" panose="02020603050405020304" pitchFamily="18" charset="0"/>
+              </a:rPr>
+              <a:t>写入</a:t>
+            </a:r>
+            <a:r>
+              <a:rPr lang="en-US" altLang="zh-CN" sz="1600" dirty="0">
+                <a:solidFill>
+                  <a:schemeClr val="tx1"/>
+                </a:solidFill>
+                <a:latin typeface="Times New Roman" panose="02020603050405020304" pitchFamily="18" charset="0"/>
+                <a:cs typeface="Times New Roman" panose="02020603050405020304" pitchFamily="18" charset="0"/>
+              </a:rPr>
+              <a:t>Flash</a:t>
+            </a:r>
+            <a:endParaRPr lang="zh-CN" altLang="en-US" sz="1600" dirty="0">
+              <a:solidFill>
+                <a:schemeClr val="tx1"/>
+              </a:solidFill>
+              <a:latin typeface="Times New Roman" panose="02020603050405020304" pitchFamily="18" charset="0"/>
+              <a:cs typeface="Times New Roman" panose="02020603050405020304" pitchFamily="18" charset="0"/>
+            </a:endParaRPr>
+          </a:p>
+        </p:txBody>
+      </p:sp>
+      <p:cxnSp>
+        <p:nvCxnSpPr>
+          <p:cNvPr id="85" name="连接符: 肘形 84">
+            <a:extLst>
+              <a:ext uri="{FF2B5EF4-FFF2-40B4-BE49-F238E27FC236}">
+                <a16:creationId xmlns:a16="http://schemas.microsoft.com/office/drawing/2014/main" id="{4FE32C0F-6CBC-4FF5-99AF-F0DC1DEF8CB9}"/>
+              </a:ext>
+            </a:extLst>
+          </p:cNvPr>
+          <p:cNvCxnSpPr>
+            <a:cxnSpLocks/>
+            <a:stCxn id="84" idx="1"/>
+            <a:endCxn id="58" idx="3"/>
+          </p:cNvCxnSpPr>
+          <p:nvPr/>
+        </p:nvCxnSpPr>
+        <p:spPr>
+          <a:xfrm rot="10800000">
+            <a:off x="7148657" y="2381839"/>
+            <a:ext cx="950535" cy="1010588"/>
+          </a:xfrm>
+          <a:prstGeom prst="bentConnector3">
+            <a:avLst/>
+          </a:prstGeom>
+          <a:ln w="12700">
+            <a:headEnd type="oval" w="med" len="med"/>
+            <a:tailEnd type="triangle" w="med" len="med"/>
+          </a:ln>
+        </p:spPr>
+        <p:style>
+          <a:lnRef idx="1">
+            <a:schemeClr val="dk1"/>
+          </a:lnRef>
+          <a:fillRef idx="0">
+            <a:schemeClr val="dk1"/>
+          </a:fillRef>
+          <a:effectRef idx="0">
+            <a:schemeClr val="dk1"/>
+          </a:effectRef>
+          <a:fontRef idx="minor">
+            <a:schemeClr val="tx1"/>
+          </a:fontRef>
+        </p:style>
+      </p:cxnSp>
+      <p:cxnSp>
+        <p:nvCxnSpPr>
+          <p:cNvPr id="88" name="直接箭头连接符 87">
+            <a:extLst>
+              <a:ext uri="{FF2B5EF4-FFF2-40B4-BE49-F238E27FC236}">
+                <a16:creationId xmlns:a16="http://schemas.microsoft.com/office/drawing/2014/main" id="{C9B6651E-AD82-4E5C-A307-94821E1C01EA}"/>
+              </a:ext>
+            </a:extLst>
+          </p:cNvPr>
+          <p:cNvCxnSpPr>
+            <a:cxnSpLocks/>
+            <a:stCxn id="66" idx="0"/>
+            <a:endCxn id="68" idx="2"/>
+          </p:cNvCxnSpPr>
+          <p:nvPr/>
+        </p:nvCxnSpPr>
+        <p:spPr>
+          <a:xfrm flipV="1">
+            <a:off x="9301109" y="4482449"/>
+            <a:ext cx="0" cy="336223"/>
+          </a:xfrm>
+          <a:prstGeom prst="straightConnector1">
+            <a:avLst/>
+          </a:prstGeom>
+          <a:ln w="12700">
+            <a:headEnd type="oval" w="med" len="med"/>
+            <a:tailEnd type="triangle" w="med" len="med"/>
+          </a:ln>
+        </p:spPr>
+        <p:style>
+          <a:lnRef idx="1">
+            <a:schemeClr val="dk1"/>
+          </a:lnRef>
+          <a:fillRef idx="0">
+            <a:schemeClr val="dk1"/>
+          </a:fillRef>
+          <a:effectRef idx="0">
+            <a:schemeClr val="dk1"/>
+          </a:effectRef>
+          <a:fontRef idx="minor">
+            <a:schemeClr val="tx1"/>
+          </a:fontRef>
+        </p:style>
+      </p:cxnSp>
+      <p:cxnSp>
+        <p:nvCxnSpPr>
+          <p:cNvPr id="91" name="直接箭头连接符 90">
+            <a:extLst>
+              <a:ext uri="{FF2B5EF4-FFF2-40B4-BE49-F238E27FC236}">
+                <a16:creationId xmlns:a16="http://schemas.microsoft.com/office/drawing/2014/main" id="{B81D98CD-4460-43EF-8685-77C06BAF44D1}"/>
+              </a:ext>
+            </a:extLst>
+          </p:cNvPr>
+          <p:cNvCxnSpPr>
+            <a:cxnSpLocks/>
+            <a:stCxn id="68" idx="0"/>
+            <a:endCxn id="84" idx="2"/>
+          </p:cNvCxnSpPr>
+          <p:nvPr/>
+        </p:nvCxnSpPr>
+        <p:spPr>
+          <a:xfrm flipV="1">
+            <a:off x="9301109" y="3642237"/>
+            <a:ext cx="0" cy="340592"/>
+          </a:xfrm>
+          <a:prstGeom prst="straightConnector1">
+            <a:avLst/>
+          </a:prstGeom>
+          <a:ln w="12700">
+            <a:headEnd type="oval" w="med" len="med"/>
+            <a:tailEnd type="triangle" w="med" len="med"/>
+          </a:ln>
+        </p:spPr>
+        <p:style>
+          <a:lnRef idx="1">
+            <a:schemeClr val="dk1"/>
+          </a:lnRef>
+          <a:fillRef idx="0">
+            <a:schemeClr val="dk1"/>
+          </a:fillRef>
+          <a:effectRef idx="0">
+            <a:schemeClr val="dk1"/>
+          </a:effectRef>
+          <a:fontRef idx="minor">
+            <a:schemeClr val="tx1"/>
+          </a:fontRef>
+        </p:style>
+      </p:cxnSp>
+      <p:cxnSp>
+        <p:nvCxnSpPr>
+          <p:cNvPr id="94" name="连接符: 肘形 93">
+            <a:extLst>
+              <a:ext uri="{FF2B5EF4-FFF2-40B4-BE49-F238E27FC236}">
+                <a16:creationId xmlns:a16="http://schemas.microsoft.com/office/drawing/2014/main" id="{A4F3C2ED-3576-458C-91B7-5D6195710D4C}"/>
+              </a:ext>
+            </a:extLst>
+          </p:cNvPr>
+          <p:cNvCxnSpPr>
+            <a:cxnSpLocks/>
+            <a:stCxn id="66" idx="3"/>
+            <a:endCxn id="84" idx="3"/>
+          </p:cNvCxnSpPr>
+          <p:nvPr/>
+        </p:nvCxnSpPr>
+        <p:spPr>
+          <a:xfrm flipH="1" flipV="1">
+            <a:off x="10503027" y="3392427"/>
+            <a:ext cx="199530" cy="1855165"/>
+          </a:xfrm>
+          <a:prstGeom prst="bentConnector3">
+            <a:avLst>
+              <a:gd name="adj1" fmla="val -114569"/>
+            </a:avLst>
+          </a:prstGeom>
+          <a:ln w="12700">
+            <a:headEnd type="oval" w="med" len="med"/>
+            <a:tailEnd type="triangle" w="med" len="med"/>
+          </a:ln>
+        </p:spPr>
+        <p:style>
+          <a:lnRef idx="1">
+            <a:schemeClr val="dk1"/>
+          </a:lnRef>
+          <a:fillRef idx="0">
+            <a:schemeClr val="dk1"/>
+          </a:fillRef>
+          <a:effectRef idx="0">
+            <a:schemeClr val="dk1"/>
+          </a:effectRef>
+          <a:fontRef idx="minor">
+            <a:schemeClr val="tx1"/>
+          </a:fontRef>
+        </p:style>
+      </p:cxnSp>
+      <p:sp>
+        <p:nvSpPr>
+          <p:cNvPr id="97" name="矩形 96">
+            <a:extLst>
+              <a:ext uri="{FF2B5EF4-FFF2-40B4-BE49-F238E27FC236}">
+                <a16:creationId xmlns:a16="http://schemas.microsoft.com/office/drawing/2014/main" id="{41B99755-35CF-436A-891C-CCFB6D06AA04}"/>
+              </a:ext>
+            </a:extLst>
+          </p:cNvPr>
+          <p:cNvSpPr/>
+          <p:nvPr/>
+        </p:nvSpPr>
+        <p:spPr>
+          <a:xfrm>
+            <a:off x="4545290" y="5990744"/>
+            <a:ext cx="2403836" cy="499620"/>
+          </a:xfrm>
+          <a:prstGeom prst="rect">
+            <a:avLst/>
+          </a:prstGeom>
+          <a:solidFill>
+            <a:srgbClr val="D00000"/>
+          </a:solidFill>
+          <a:ln>
+            <a:solidFill>
+              <a:schemeClr val="tx1"/>
+            </a:solidFill>
+          </a:ln>
+        </p:spPr>
+        <p:style>
+          <a:lnRef idx="2">
+            <a:schemeClr val="accent1">
+              <a:shade val="50000"/>
+            </a:schemeClr>
+          </a:lnRef>
+          <a:fillRef idx="1">
+            <a:schemeClr val="accent1"/>
+          </a:fillRef>
+          <a:effectRef idx="0">
+            <a:schemeClr val="accent1"/>
+          </a:effectRef>
+          <a:fontRef idx="minor">
+            <a:schemeClr val="lt1"/>
+          </a:fontRef>
+        </p:style>
+        <p:txBody>
+          <a:bodyPr rtlCol="0" anchor="ctr"/>
+          <a:lstStyle/>
+          <a:p>
+            <a:pPr algn="ctr"/>
+            <a:r>
+              <a:rPr lang="zh-CN" altLang="en-US" sz="1600" dirty="0">
+                <a:solidFill>
+                  <a:schemeClr val="bg1"/>
+                </a:solidFill>
+                <a:latin typeface="Times New Roman" panose="02020603050405020304" pitchFamily="18" charset="0"/>
+                <a:cs typeface="Times New Roman" panose="02020603050405020304" pitchFamily="18" charset="0"/>
+              </a:rPr>
+              <a:t>结束</a:t>
+            </a:r>
+          </a:p>
+        </p:txBody>
+      </p:sp>
+      <p:cxnSp>
+        <p:nvCxnSpPr>
+          <p:cNvPr id="102" name="连接符: 肘形 101">
+            <a:extLst>
+              <a:ext uri="{FF2B5EF4-FFF2-40B4-BE49-F238E27FC236}">
+                <a16:creationId xmlns:a16="http://schemas.microsoft.com/office/drawing/2014/main" id="{F2F4C360-D25C-4830-A2E7-79A4B1481680}"/>
+              </a:ext>
+            </a:extLst>
+          </p:cNvPr>
+          <p:cNvCxnSpPr>
+            <a:cxnSpLocks/>
+            <a:stCxn id="58" idx="3"/>
+            <a:endCxn id="97" idx="3"/>
+          </p:cNvCxnSpPr>
+          <p:nvPr/>
+        </p:nvCxnSpPr>
+        <p:spPr>
+          <a:xfrm flipH="1">
+            <a:off x="6949126" y="2381839"/>
+            <a:ext cx="199530" cy="3858715"/>
+          </a:xfrm>
+          <a:prstGeom prst="bentConnector3">
+            <a:avLst>
+              <a:gd name="adj1" fmla="val -102968"/>
+            </a:avLst>
+          </a:prstGeom>
+          <a:ln w="12700">
+            <a:headEnd type="oval" w="med" len="med"/>
+            <a:tailEnd type="triangle" w="med" len="med"/>
+          </a:ln>
+        </p:spPr>
+        <p:style>
+          <a:lnRef idx="1">
+            <a:schemeClr val="dk1"/>
+          </a:lnRef>
+          <a:fillRef idx="0">
+            <a:schemeClr val="dk1"/>
+          </a:fillRef>
+          <a:effectRef idx="0">
+            <a:schemeClr val="dk1"/>
+          </a:effectRef>
+          <a:fontRef idx="minor">
+            <a:schemeClr val="tx1"/>
+          </a:fontRef>
+        </p:style>
+      </p:cxnSp>
+      <p:cxnSp>
+        <p:nvCxnSpPr>
+          <p:cNvPr id="107" name="连接符: 肘形 106">
+            <a:extLst>
+              <a:ext uri="{FF2B5EF4-FFF2-40B4-BE49-F238E27FC236}">
+                <a16:creationId xmlns:a16="http://schemas.microsoft.com/office/drawing/2014/main" id="{BCC1F088-E0EA-4680-B27A-485841EA49F0}"/>
+              </a:ext>
+            </a:extLst>
+          </p:cNvPr>
+          <p:cNvCxnSpPr>
+            <a:cxnSpLocks/>
+            <a:stCxn id="54" idx="3"/>
+            <a:endCxn id="97" idx="3"/>
+          </p:cNvCxnSpPr>
+          <p:nvPr/>
+        </p:nvCxnSpPr>
+        <p:spPr>
+          <a:xfrm flipH="1">
+            <a:off x="6949126" y="345642"/>
+            <a:ext cx="199530" cy="5894912"/>
+          </a:xfrm>
+          <a:prstGeom prst="bentConnector3">
+            <a:avLst>
+              <a:gd name="adj1" fmla="val -2150711"/>
+            </a:avLst>
+          </a:prstGeom>
+          <a:ln w="12700">
+            <a:headEnd type="oval" w="med" len="med"/>
+            <a:tailEnd type="triangle" w="med" len="med"/>
+          </a:ln>
+        </p:spPr>
+        <p:style>
+          <a:lnRef idx="1">
+            <a:schemeClr val="dk1"/>
+          </a:lnRef>
+          <a:fillRef idx="0">
+            <a:schemeClr val="dk1"/>
+          </a:fillRef>
+          <a:effectRef idx="0">
+            <a:schemeClr val="dk1"/>
+          </a:effectRef>
+          <a:fontRef idx="minor">
+            <a:schemeClr val="tx1"/>
+          </a:fontRef>
+        </p:style>
+      </p:cxnSp>
+      <p:sp>
+        <p:nvSpPr>
+          <p:cNvPr id="112" name="文本框 111">
+            <a:extLst>
+              <a:ext uri="{FF2B5EF4-FFF2-40B4-BE49-F238E27FC236}">
+                <a16:creationId xmlns:a16="http://schemas.microsoft.com/office/drawing/2014/main" id="{79F28A86-4EDC-424A-A8A2-85903F0508F0}"/>
+              </a:ext>
+            </a:extLst>
+          </p:cNvPr>
+          <p:cNvSpPr txBox="1"/>
+          <p:nvPr/>
+        </p:nvSpPr>
+        <p:spPr>
+          <a:xfrm>
+            <a:off x="7146716" y="26290"/>
+            <a:ext cx="950535" cy="338554"/>
+          </a:xfrm>
+          <a:prstGeom prst="rect">
+            <a:avLst/>
+          </a:prstGeom>
+          <a:noFill/>
+        </p:spPr>
+        <p:txBody>
+          <a:bodyPr wrap="square" rtlCol="0">
+            <a:spAutoFit/>
+          </a:bodyPr>
+          <a:lstStyle/>
+          <a:p>
+            <a:r>
+              <a:rPr lang="zh-CN" altLang="en-US" sz="1600" dirty="0">
+                <a:latin typeface="Times New Roman" panose="02020603050405020304" pitchFamily="18" charset="0"/>
+                <a:cs typeface="Times New Roman" panose="02020603050405020304" pitchFamily="18" charset="0"/>
+              </a:rPr>
+              <a:t>不合法</a:t>
+            </a:r>
+          </a:p>
+        </p:txBody>
+      </p:sp>
+      <p:sp>
+        <p:nvSpPr>
+          <p:cNvPr id="113" name="文本框 112">
+            <a:extLst>
+              <a:ext uri="{FF2B5EF4-FFF2-40B4-BE49-F238E27FC236}">
+                <a16:creationId xmlns:a16="http://schemas.microsoft.com/office/drawing/2014/main" id="{0EAD190D-EFBF-4A9A-8B26-BB414CD1022E}"/>
+              </a:ext>
+            </a:extLst>
+          </p:cNvPr>
+          <p:cNvSpPr txBox="1"/>
+          <p:nvPr/>
+        </p:nvSpPr>
+        <p:spPr>
+          <a:xfrm>
+            <a:off x="9318400" y="4508337"/>
+            <a:ext cx="950535" cy="338554"/>
+          </a:xfrm>
+          <a:prstGeom prst="rect">
+            <a:avLst/>
+          </a:prstGeom>
+          <a:noFill/>
+        </p:spPr>
+        <p:txBody>
+          <a:bodyPr wrap="square" rtlCol="0">
+            <a:spAutoFit/>
+          </a:bodyPr>
+          <a:lstStyle/>
+          <a:p>
+            <a:r>
+              <a:rPr lang="zh-CN" altLang="en-US" sz="1600" dirty="0">
+                <a:latin typeface="Times New Roman" panose="02020603050405020304" pitchFamily="18" charset="0"/>
+                <a:cs typeface="Times New Roman" panose="02020603050405020304" pitchFamily="18" charset="0"/>
+              </a:rPr>
+              <a:t>是</a:t>
+            </a:r>
+          </a:p>
+        </p:txBody>
+      </p:sp>
+      <p:sp>
+        <p:nvSpPr>
+          <p:cNvPr id="114" name="文本框 113">
+            <a:extLst>
+              <a:ext uri="{FF2B5EF4-FFF2-40B4-BE49-F238E27FC236}">
+                <a16:creationId xmlns:a16="http://schemas.microsoft.com/office/drawing/2014/main" id="{7FD43334-78DA-4030-B902-72F179C96D9C}"/>
+              </a:ext>
+            </a:extLst>
+          </p:cNvPr>
+          <p:cNvSpPr txBox="1"/>
+          <p:nvPr/>
+        </p:nvSpPr>
+        <p:spPr>
+          <a:xfrm>
+            <a:off x="10503027" y="4855564"/>
+            <a:ext cx="950535" cy="338554"/>
+          </a:xfrm>
+          <a:prstGeom prst="rect">
+            <a:avLst/>
+          </a:prstGeom>
+          <a:noFill/>
+        </p:spPr>
+        <p:txBody>
+          <a:bodyPr wrap="square" rtlCol="0">
+            <a:spAutoFit/>
+          </a:bodyPr>
+          <a:lstStyle/>
+          <a:p>
+            <a:r>
+              <a:rPr lang="zh-CN" altLang="en-US" sz="1600" dirty="0">
+                <a:latin typeface="Times New Roman" panose="02020603050405020304" pitchFamily="18" charset="0"/>
+                <a:cs typeface="Times New Roman" panose="02020603050405020304" pitchFamily="18" charset="0"/>
+              </a:rPr>
+              <a:t>否</a:t>
+            </a:r>
+          </a:p>
+        </p:txBody>
+      </p:sp>
+      <p:sp>
+        <p:nvSpPr>
+          <p:cNvPr id="115" name="文本框 114">
+            <a:extLst>
+              <a:ext uri="{FF2B5EF4-FFF2-40B4-BE49-F238E27FC236}">
+                <a16:creationId xmlns:a16="http://schemas.microsoft.com/office/drawing/2014/main" id="{4A9F7D7D-5040-4ED3-9125-166ED789EFD4}"/>
+              </a:ext>
+            </a:extLst>
+          </p:cNvPr>
+          <p:cNvSpPr txBox="1"/>
+          <p:nvPr/>
+        </p:nvSpPr>
+        <p:spPr>
+          <a:xfrm>
+            <a:off x="629301" y="4846891"/>
+            <a:ext cx="950535" cy="338554"/>
+          </a:xfrm>
+          <a:prstGeom prst="rect">
+            <a:avLst/>
+          </a:prstGeom>
+          <a:noFill/>
+        </p:spPr>
+        <p:txBody>
+          <a:bodyPr wrap="square" rtlCol="0">
+            <a:spAutoFit/>
+          </a:bodyPr>
+          <a:lstStyle/>
+          <a:p>
+            <a:r>
+              <a:rPr lang="zh-CN" altLang="en-US" sz="1600" dirty="0">
+                <a:latin typeface="Times New Roman" panose="02020603050405020304" pitchFamily="18" charset="0"/>
+                <a:cs typeface="Times New Roman" panose="02020603050405020304" pitchFamily="18" charset="0"/>
+              </a:rPr>
+              <a:t>否</a:t>
+            </a:r>
+          </a:p>
+        </p:txBody>
+      </p:sp>
+      <p:sp>
+        <p:nvSpPr>
+          <p:cNvPr id="116" name="文本框 115">
+            <a:extLst>
+              <a:ext uri="{FF2B5EF4-FFF2-40B4-BE49-F238E27FC236}">
+                <a16:creationId xmlns:a16="http://schemas.microsoft.com/office/drawing/2014/main" id="{99816DD4-0226-4D52-97E1-A34B5B924E3F}"/>
+              </a:ext>
+            </a:extLst>
+          </p:cNvPr>
+          <p:cNvSpPr txBox="1"/>
+          <p:nvPr/>
+        </p:nvSpPr>
+        <p:spPr>
+          <a:xfrm>
+            <a:off x="2330841" y="4508337"/>
+            <a:ext cx="950535" cy="338554"/>
+          </a:xfrm>
+          <a:prstGeom prst="rect">
+            <a:avLst/>
+          </a:prstGeom>
+          <a:noFill/>
+        </p:spPr>
+        <p:txBody>
+          <a:bodyPr wrap="square" rtlCol="0">
+            <a:spAutoFit/>
+          </a:bodyPr>
+          <a:lstStyle/>
+          <a:p>
+            <a:r>
+              <a:rPr lang="zh-CN" altLang="en-US" sz="1600" dirty="0">
+                <a:latin typeface="Times New Roman" panose="02020603050405020304" pitchFamily="18" charset="0"/>
+                <a:cs typeface="Times New Roman" panose="02020603050405020304" pitchFamily="18" charset="0"/>
+              </a:rPr>
+              <a:t>是</a:t>
+            </a:r>
+          </a:p>
+        </p:txBody>
+      </p:sp>
+      <p:sp>
+        <p:nvSpPr>
+          <p:cNvPr id="117" name="文本框 116">
+            <a:extLst>
+              <a:ext uri="{FF2B5EF4-FFF2-40B4-BE49-F238E27FC236}">
+                <a16:creationId xmlns:a16="http://schemas.microsoft.com/office/drawing/2014/main" id="{C7875686-30D0-42A9-BC29-1B94213D4D2D}"/>
+              </a:ext>
+            </a:extLst>
+          </p:cNvPr>
+          <p:cNvSpPr txBox="1"/>
+          <p:nvPr/>
+        </p:nvSpPr>
+        <p:spPr>
+          <a:xfrm>
+            <a:off x="7043914" y="2004383"/>
+            <a:ext cx="950535" cy="338554"/>
+          </a:xfrm>
+          <a:prstGeom prst="rect">
+            <a:avLst/>
+          </a:prstGeom>
+          <a:noFill/>
+        </p:spPr>
+        <p:txBody>
+          <a:bodyPr wrap="square" rtlCol="0">
+            <a:spAutoFit/>
+          </a:bodyPr>
+          <a:lstStyle/>
+          <a:p>
+            <a:r>
+              <a:rPr lang="zh-CN" altLang="en-US" sz="1600" dirty="0">
+                <a:latin typeface="Times New Roman" panose="02020603050405020304" pitchFamily="18" charset="0"/>
+                <a:cs typeface="Times New Roman" panose="02020603050405020304" pitchFamily="18" charset="0"/>
+              </a:rPr>
+              <a:t>是</a:t>
+            </a:r>
+          </a:p>
+        </p:txBody>
+      </p:sp>
+      <p:sp>
+        <p:nvSpPr>
+          <p:cNvPr id="118" name="文本框 117">
+            <a:extLst>
+              <a:ext uri="{FF2B5EF4-FFF2-40B4-BE49-F238E27FC236}">
+                <a16:creationId xmlns:a16="http://schemas.microsoft.com/office/drawing/2014/main" id="{D14A5752-DB05-42FA-AE15-69B75A9FCDA4}"/>
+              </a:ext>
+            </a:extLst>
+          </p:cNvPr>
+          <p:cNvSpPr txBox="1"/>
+          <p:nvPr/>
+        </p:nvSpPr>
+        <p:spPr>
+          <a:xfrm>
+            <a:off x="5754156" y="2775736"/>
+            <a:ext cx="950535" cy="338554"/>
+          </a:xfrm>
+          <a:prstGeom prst="rect">
+            <a:avLst/>
+          </a:prstGeom>
+          <a:noFill/>
+        </p:spPr>
+        <p:txBody>
+          <a:bodyPr wrap="square" rtlCol="0">
+            <a:spAutoFit/>
+          </a:bodyPr>
+          <a:lstStyle/>
+          <a:p>
+            <a:r>
+              <a:rPr lang="zh-CN" altLang="en-US" sz="1600" dirty="0">
+                <a:latin typeface="Times New Roman" panose="02020603050405020304" pitchFamily="18" charset="0"/>
+                <a:cs typeface="Times New Roman" panose="02020603050405020304" pitchFamily="18" charset="0"/>
+              </a:rPr>
+              <a:t>否</a:t>
+            </a:r>
           </a:p>
         </p:txBody>
       </p:sp>
     </p:spTree>
     <p:extLst>
       <p:ext uri="{BB962C8B-B14F-4D97-AF65-F5344CB8AC3E}">
-        <p14:creationId xmlns:p14="http://schemas.microsoft.com/office/powerpoint/2010/main" val="3686695397"/>
+        <p14:creationId xmlns:p14="http://schemas.microsoft.com/office/powerpoint/2010/main" val="1267610956"/>
+      </p:ext>
+    </p:extLst>
+  </p:cSld>
+  <p:clrMapOvr>
+    <a:masterClrMapping/>
+  </p:clrMapOvr>
+</p:sld>
+</file>
+
+<file path=ppt/slides/slide9.xml><?xml version="1.0" encoding="utf-8"?>
+<p:sld xmlns:a="http://schemas.openxmlformats.org/drawingml/2006/main" xmlns:r="http://schemas.openxmlformats.org/officeDocument/2006/relationships" xmlns:p="http://schemas.openxmlformats.org/presentationml/2006/main">
+  <p:cSld>
+    <p:spTree>
+      <p:nvGrpSpPr>
+        <p:cNvPr id="1" name=""/>
+        <p:cNvGrpSpPr/>
+        <p:nvPr/>
+      </p:nvGrpSpPr>
+      <p:grpSpPr>
+        <a:xfrm>
+          <a:off x="0" y="0"/>
+          <a:ext cx="0" cy="0"/>
+          <a:chOff x="0" y="0"/>
+          <a:chExt cx="0" cy="0"/>
+        </a:xfrm>
+      </p:grpSpPr>
+      <p:sp>
+        <p:nvSpPr>
+          <p:cNvPr id="50" name="矩形 49">
+            <a:extLst>
+              <a:ext uri="{FF2B5EF4-FFF2-40B4-BE49-F238E27FC236}">
+                <a16:creationId xmlns:a16="http://schemas.microsoft.com/office/drawing/2014/main" id="{66FF7094-2060-4A4E-A206-36E485D9EACB}"/>
+              </a:ext>
+            </a:extLst>
+          </p:cNvPr>
+          <p:cNvSpPr/>
+          <p:nvPr/>
+        </p:nvSpPr>
+        <p:spPr>
+          <a:xfrm>
+            <a:off x="4345760" y="938861"/>
+            <a:ext cx="2403836" cy="499620"/>
+          </a:xfrm>
+          <a:prstGeom prst="rect">
+            <a:avLst/>
+          </a:prstGeom>
+          <a:solidFill>
+            <a:srgbClr val="D00000"/>
+          </a:solidFill>
+          <a:ln>
+            <a:solidFill>
+              <a:schemeClr val="tx1"/>
+            </a:solidFill>
+          </a:ln>
+        </p:spPr>
+        <p:style>
+          <a:lnRef idx="2">
+            <a:schemeClr val="accent1">
+              <a:shade val="50000"/>
+            </a:schemeClr>
+          </a:lnRef>
+          <a:fillRef idx="1">
+            <a:schemeClr val="accent1"/>
+          </a:fillRef>
+          <a:effectRef idx="0">
+            <a:schemeClr val="accent1"/>
+          </a:effectRef>
+          <a:fontRef idx="minor">
+            <a:schemeClr val="lt1"/>
+          </a:fontRef>
+        </p:style>
+        <p:txBody>
+          <a:bodyPr rtlCol="0" anchor="ctr"/>
+          <a:lstStyle/>
+          <a:p>
+            <a:pPr algn="ctr"/>
+            <a:r>
+              <a:rPr lang="zh-CN" altLang="en-US" sz="1600" dirty="0">
+                <a:solidFill>
+                  <a:schemeClr val="bg1"/>
+                </a:solidFill>
+                <a:latin typeface="The Serif Hand Black" panose="03070902030502020204" pitchFamily="66" charset="0"/>
+                <a:cs typeface="Times New Roman" panose="02020603050405020304" pitchFamily="18" charset="0"/>
+              </a:rPr>
+              <a:t>开始</a:t>
+            </a:r>
+          </a:p>
+        </p:txBody>
+      </p:sp>
+      <p:cxnSp>
+        <p:nvCxnSpPr>
+          <p:cNvPr id="51" name="直接箭头连接符 50">
+            <a:extLst>
+              <a:ext uri="{FF2B5EF4-FFF2-40B4-BE49-F238E27FC236}">
+                <a16:creationId xmlns:a16="http://schemas.microsoft.com/office/drawing/2014/main" id="{B741F469-E1DB-41E2-9EBB-23CE8249B128}"/>
+              </a:ext>
+            </a:extLst>
+          </p:cNvPr>
+          <p:cNvCxnSpPr>
+            <a:cxnSpLocks/>
+            <a:stCxn id="50" idx="2"/>
+            <a:endCxn id="52" idx="0"/>
+          </p:cNvCxnSpPr>
+          <p:nvPr/>
+        </p:nvCxnSpPr>
+        <p:spPr>
+          <a:xfrm>
+            <a:off x="5547678" y="1438481"/>
+            <a:ext cx="0" cy="336225"/>
+          </a:xfrm>
+          <a:prstGeom prst="straightConnector1">
+            <a:avLst/>
+          </a:prstGeom>
+          <a:ln w="12700">
+            <a:headEnd type="oval" w="med" len="med"/>
+            <a:tailEnd type="triangle" w="med" len="med"/>
+          </a:ln>
+        </p:spPr>
+        <p:style>
+          <a:lnRef idx="1">
+            <a:schemeClr val="dk1"/>
+          </a:lnRef>
+          <a:fillRef idx="0">
+            <a:schemeClr val="dk1"/>
+          </a:fillRef>
+          <a:effectRef idx="0">
+            <a:schemeClr val="dk1"/>
+          </a:effectRef>
+          <a:fontRef idx="minor">
+            <a:schemeClr val="tx1"/>
+          </a:fontRef>
+        </p:style>
+      </p:cxnSp>
+      <p:sp>
+        <p:nvSpPr>
+          <p:cNvPr id="52" name="流程图: 决策 51">
+            <a:extLst>
+              <a:ext uri="{FF2B5EF4-FFF2-40B4-BE49-F238E27FC236}">
+                <a16:creationId xmlns:a16="http://schemas.microsoft.com/office/drawing/2014/main" id="{FFF5C39E-5D1A-4441-B103-6D50EDDE43CF}"/>
+              </a:ext>
+            </a:extLst>
+          </p:cNvPr>
+          <p:cNvSpPr/>
+          <p:nvPr/>
+        </p:nvSpPr>
+        <p:spPr>
+          <a:xfrm>
+            <a:off x="4146230" y="1774706"/>
+            <a:ext cx="2802896" cy="857839"/>
+          </a:xfrm>
+          <a:prstGeom prst="flowChartDecision">
+            <a:avLst/>
+          </a:prstGeom>
+          <a:solidFill>
+            <a:srgbClr val="705697"/>
+          </a:solidFill>
+          <a:ln>
+            <a:noFill/>
+          </a:ln>
+        </p:spPr>
+        <p:style>
+          <a:lnRef idx="2">
+            <a:schemeClr val="accent1">
+              <a:shade val="50000"/>
+            </a:schemeClr>
+          </a:lnRef>
+          <a:fillRef idx="1">
+            <a:schemeClr val="accent1"/>
+          </a:fillRef>
+          <a:effectRef idx="0">
+            <a:schemeClr val="accent1"/>
+          </a:effectRef>
+          <a:fontRef idx="minor">
+            <a:schemeClr val="lt1"/>
+          </a:fontRef>
+        </p:style>
+        <p:txBody>
+          <a:bodyPr rtlCol="0" anchor="ctr"/>
+          <a:lstStyle/>
+          <a:p>
+            <a:pPr algn="ctr"/>
+            <a:r>
+              <a:rPr lang="zh-CN" altLang="en-US" sz="1600" dirty="0">
+                <a:latin typeface="The Serif Hand Black" panose="03070902030502020204" pitchFamily="66" charset="0"/>
+                <a:cs typeface="Times New Roman" panose="02020603050405020304" pitchFamily="18" charset="0"/>
+              </a:rPr>
+              <a:t>检查写入地址合法性？</a:t>
+            </a:r>
+          </a:p>
+        </p:txBody>
+      </p:sp>
+      <p:cxnSp>
+        <p:nvCxnSpPr>
+          <p:cNvPr id="54" name="直接箭头连接符 53">
+            <a:extLst>
+              <a:ext uri="{FF2B5EF4-FFF2-40B4-BE49-F238E27FC236}">
+                <a16:creationId xmlns:a16="http://schemas.microsoft.com/office/drawing/2014/main" id="{61B3D651-AF4B-4852-AD3A-9CA685C4C56F}"/>
+              </a:ext>
+            </a:extLst>
+          </p:cNvPr>
+          <p:cNvCxnSpPr>
+            <a:cxnSpLocks/>
+            <a:stCxn id="52" idx="2"/>
+            <a:endCxn id="61" idx="0"/>
+          </p:cNvCxnSpPr>
+          <p:nvPr/>
+        </p:nvCxnSpPr>
+        <p:spPr>
+          <a:xfrm>
+            <a:off x="5547678" y="2632545"/>
+            <a:ext cx="0" cy="294007"/>
+          </a:xfrm>
+          <a:prstGeom prst="straightConnector1">
+            <a:avLst/>
+          </a:prstGeom>
+          <a:ln w="12700">
+            <a:headEnd type="oval" w="med" len="med"/>
+            <a:tailEnd type="triangle" w="med" len="med"/>
+          </a:ln>
+        </p:spPr>
+        <p:style>
+          <a:lnRef idx="1">
+            <a:schemeClr val="dk1"/>
+          </a:lnRef>
+          <a:fillRef idx="0">
+            <a:schemeClr val="dk1"/>
+          </a:fillRef>
+          <a:effectRef idx="0">
+            <a:schemeClr val="dk1"/>
+          </a:effectRef>
+          <a:fontRef idx="minor">
+            <a:schemeClr val="tx1"/>
+          </a:fontRef>
+        </p:style>
+      </p:cxnSp>
+      <p:sp>
+        <p:nvSpPr>
+          <p:cNvPr id="55" name="文本框 54">
+            <a:extLst>
+              <a:ext uri="{FF2B5EF4-FFF2-40B4-BE49-F238E27FC236}">
+                <a16:creationId xmlns:a16="http://schemas.microsoft.com/office/drawing/2014/main" id="{16236E69-89D4-4F40-BD40-DCC59FB36A64}"/>
+              </a:ext>
+            </a:extLst>
+          </p:cNvPr>
+          <p:cNvSpPr txBox="1"/>
+          <p:nvPr/>
+        </p:nvSpPr>
+        <p:spPr>
+          <a:xfrm>
+            <a:off x="5670243" y="2599438"/>
+            <a:ext cx="706993" cy="338554"/>
+          </a:xfrm>
+          <a:prstGeom prst="rect">
+            <a:avLst/>
+          </a:prstGeom>
+          <a:noFill/>
+        </p:spPr>
+        <p:txBody>
+          <a:bodyPr wrap="square" rtlCol="0">
+            <a:spAutoFit/>
+          </a:bodyPr>
+          <a:lstStyle/>
+          <a:p>
+            <a:r>
+              <a:rPr lang="zh-CN" altLang="en-US" sz="1600" dirty="0">
+                <a:latin typeface="The Serif Hand Black" panose="03070902030502020204" pitchFamily="66" charset="0"/>
+                <a:cs typeface="Times New Roman" panose="02020603050405020304" pitchFamily="18" charset="0"/>
+              </a:rPr>
+              <a:t>合法</a:t>
+            </a:r>
+          </a:p>
+        </p:txBody>
+      </p:sp>
+      <p:sp>
+        <p:nvSpPr>
+          <p:cNvPr id="57" name="矩形 56">
+            <a:extLst>
+              <a:ext uri="{FF2B5EF4-FFF2-40B4-BE49-F238E27FC236}">
+                <a16:creationId xmlns:a16="http://schemas.microsoft.com/office/drawing/2014/main" id="{1E7594B7-CFF5-4E22-A7C8-E08F12F1B369}"/>
+              </a:ext>
+            </a:extLst>
+          </p:cNvPr>
+          <p:cNvSpPr/>
+          <p:nvPr/>
+        </p:nvSpPr>
+        <p:spPr>
+          <a:xfrm>
+            <a:off x="4345760" y="5794076"/>
+            <a:ext cx="2403836" cy="499620"/>
+          </a:xfrm>
+          <a:prstGeom prst="rect">
+            <a:avLst/>
+          </a:prstGeom>
+          <a:solidFill>
+            <a:srgbClr val="D00000"/>
+          </a:solidFill>
+          <a:ln>
+            <a:solidFill>
+              <a:schemeClr val="tx1"/>
+            </a:solidFill>
+          </a:ln>
+        </p:spPr>
+        <p:style>
+          <a:lnRef idx="2">
+            <a:schemeClr val="accent1">
+              <a:shade val="50000"/>
+            </a:schemeClr>
+          </a:lnRef>
+          <a:fillRef idx="1">
+            <a:schemeClr val="accent1"/>
+          </a:fillRef>
+          <a:effectRef idx="0">
+            <a:schemeClr val="accent1"/>
+          </a:effectRef>
+          <a:fontRef idx="minor">
+            <a:schemeClr val="lt1"/>
+          </a:fontRef>
+        </p:style>
+        <p:txBody>
+          <a:bodyPr rtlCol="0" anchor="ctr"/>
+          <a:lstStyle/>
+          <a:p>
+            <a:pPr algn="ctr"/>
+            <a:r>
+              <a:rPr lang="zh-CN" altLang="en-US" sz="1600" dirty="0">
+                <a:solidFill>
+                  <a:schemeClr val="bg1"/>
+                </a:solidFill>
+                <a:latin typeface="The Serif Hand Black" panose="03070902030502020204" pitchFamily="66" charset="0"/>
+                <a:cs typeface="Times New Roman" panose="02020603050405020304" pitchFamily="18" charset="0"/>
+              </a:rPr>
+              <a:t>结束</a:t>
+            </a:r>
+          </a:p>
+        </p:txBody>
+      </p:sp>
+      <p:cxnSp>
+        <p:nvCxnSpPr>
+          <p:cNvPr id="60" name="连接符: 肘形 59">
+            <a:extLst>
+              <a:ext uri="{FF2B5EF4-FFF2-40B4-BE49-F238E27FC236}">
+                <a16:creationId xmlns:a16="http://schemas.microsoft.com/office/drawing/2014/main" id="{6B732A0F-385B-4D96-AE18-CC6196EE6A20}"/>
+              </a:ext>
+            </a:extLst>
+          </p:cNvPr>
+          <p:cNvCxnSpPr>
+            <a:cxnSpLocks/>
+            <a:stCxn id="52" idx="3"/>
+            <a:endCxn id="57" idx="3"/>
+          </p:cNvCxnSpPr>
+          <p:nvPr/>
+        </p:nvCxnSpPr>
+        <p:spPr>
+          <a:xfrm flipH="1">
+            <a:off x="6749596" y="2203626"/>
+            <a:ext cx="199530" cy="3840260"/>
+          </a:xfrm>
+          <a:prstGeom prst="bentConnector3">
+            <a:avLst>
+              <a:gd name="adj1" fmla="val -114569"/>
+            </a:avLst>
+          </a:prstGeom>
+          <a:ln w="12700">
+            <a:headEnd type="oval" w="med" len="med"/>
+            <a:tailEnd type="triangle" w="med" len="med"/>
+          </a:ln>
+        </p:spPr>
+        <p:style>
+          <a:lnRef idx="1">
+            <a:schemeClr val="dk1"/>
+          </a:lnRef>
+          <a:fillRef idx="0">
+            <a:schemeClr val="dk1"/>
+          </a:fillRef>
+          <a:effectRef idx="0">
+            <a:schemeClr val="dk1"/>
+          </a:effectRef>
+          <a:fontRef idx="minor">
+            <a:schemeClr val="tx1"/>
+          </a:fontRef>
+        </p:style>
+      </p:cxnSp>
+      <p:sp>
+        <p:nvSpPr>
+          <p:cNvPr id="61" name="矩形 60">
+            <a:extLst>
+              <a:ext uri="{FF2B5EF4-FFF2-40B4-BE49-F238E27FC236}">
+                <a16:creationId xmlns:a16="http://schemas.microsoft.com/office/drawing/2014/main" id="{9F63B14E-5AF1-4603-A5B9-D12D00CD06CB}"/>
+              </a:ext>
+            </a:extLst>
+          </p:cNvPr>
+          <p:cNvSpPr/>
+          <p:nvPr/>
+        </p:nvSpPr>
+        <p:spPr>
+          <a:xfrm>
+            <a:off x="4345760" y="2926552"/>
+            <a:ext cx="2403836" cy="499620"/>
+          </a:xfrm>
+          <a:prstGeom prst="rect">
+            <a:avLst/>
+          </a:prstGeom>
+          <a:solidFill>
+            <a:srgbClr val="C4B7D7"/>
+          </a:solidFill>
+          <a:ln>
+            <a:solidFill>
+              <a:schemeClr val="tx1"/>
+            </a:solidFill>
+          </a:ln>
+        </p:spPr>
+        <p:style>
+          <a:lnRef idx="2">
+            <a:schemeClr val="accent1">
+              <a:shade val="50000"/>
+            </a:schemeClr>
+          </a:lnRef>
+          <a:fillRef idx="1">
+            <a:schemeClr val="accent1"/>
+          </a:fillRef>
+          <a:effectRef idx="0">
+            <a:schemeClr val="accent1"/>
+          </a:effectRef>
+          <a:fontRef idx="minor">
+            <a:schemeClr val="lt1"/>
+          </a:fontRef>
+        </p:style>
+        <p:txBody>
+          <a:bodyPr rtlCol="0" anchor="ctr"/>
+          <a:lstStyle/>
+          <a:p>
+            <a:pPr algn="ctr"/>
+            <a:r>
+              <a:rPr lang="zh-CN" altLang="en-US" sz="1600" dirty="0">
+                <a:solidFill>
+                  <a:schemeClr val="tx1"/>
+                </a:solidFill>
+                <a:latin typeface="The Serif Hand Black" panose="03070902030502020204" pitchFamily="66" charset="0"/>
+                <a:cs typeface="Times New Roman" panose="02020603050405020304" pitchFamily="18" charset="0"/>
+              </a:rPr>
+              <a:t>检查是否需要擦除</a:t>
+            </a:r>
+          </a:p>
+        </p:txBody>
+      </p:sp>
+      <p:sp>
+        <p:nvSpPr>
+          <p:cNvPr id="66" name="流程图: 决策 65">
+            <a:extLst>
+              <a:ext uri="{FF2B5EF4-FFF2-40B4-BE49-F238E27FC236}">
+                <a16:creationId xmlns:a16="http://schemas.microsoft.com/office/drawing/2014/main" id="{6CFE83CD-A300-4B92-BF5B-5709E59E94A1}"/>
+              </a:ext>
+            </a:extLst>
+          </p:cNvPr>
+          <p:cNvSpPr/>
+          <p:nvPr/>
+        </p:nvSpPr>
+        <p:spPr>
+          <a:xfrm>
+            <a:off x="4146230" y="3784391"/>
+            <a:ext cx="2802896" cy="857839"/>
+          </a:xfrm>
+          <a:prstGeom prst="flowChartDecision">
+            <a:avLst/>
+          </a:prstGeom>
+          <a:solidFill>
+            <a:srgbClr val="705697"/>
+          </a:solidFill>
+          <a:ln>
+            <a:noFill/>
+          </a:ln>
+        </p:spPr>
+        <p:style>
+          <a:lnRef idx="2">
+            <a:schemeClr val="accent1">
+              <a:shade val="50000"/>
+            </a:schemeClr>
+          </a:lnRef>
+          <a:fillRef idx="1">
+            <a:schemeClr val="accent1"/>
+          </a:fillRef>
+          <a:effectRef idx="0">
+            <a:schemeClr val="accent1"/>
+          </a:effectRef>
+          <a:fontRef idx="minor">
+            <a:schemeClr val="lt1"/>
+          </a:fontRef>
+        </p:style>
+        <p:txBody>
+          <a:bodyPr rtlCol="0" anchor="ctr"/>
+          <a:lstStyle/>
+          <a:p>
+            <a:pPr algn="ctr"/>
+            <a:r>
+              <a:rPr lang="zh-CN" altLang="en-US" sz="1600" dirty="0">
+                <a:latin typeface="The Serif Hand Black" panose="03070902030502020204" pitchFamily="66" charset="0"/>
+                <a:cs typeface="Times New Roman" panose="02020603050405020304" pitchFamily="18" charset="0"/>
+              </a:rPr>
+              <a:t>是否需要擦除？</a:t>
+            </a:r>
+          </a:p>
+        </p:txBody>
+      </p:sp>
+      <p:sp>
+        <p:nvSpPr>
+          <p:cNvPr id="68" name="矩形 67">
+            <a:extLst>
+              <a:ext uri="{FF2B5EF4-FFF2-40B4-BE49-F238E27FC236}">
+                <a16:creationId xmlns:a16="http://schemas.microsoft.com/office/drawing/2014/main" id="{E94863D9-ACCD-4AE3-A401-F9571CA43046}"/>
+              </a:ext>
+            </a:extLst>
+          </p:cNvPr>
+          <p:cNvSpPr/>
+          <p:nvPr/>
+        </p:nvSpPr>
+        <p:spPr>
+          <a:xfrm>
+            <a:off x="4345760" y="4936237"/>
+            <a:ext cx="2403836" cy="499620"/>
+          </a:xfrm>
+          <a:prstGeom prst="rect">
+            <a:avLst/>
+          </a:prstGeom>
+          <a:solidFill>
+            <a:srgbClr val="C4B7D7"/>
+          </a:solidFill>
+          <a:ln>
+            <a:solidFill>
+              <a:schemeClr val="tx1"/>
+            </a:solidFill>
+          </a:ln>
+        </p:spPr>
+        <p:style>
+          <a:lnRef idx="2">
+            <a:schemeClr val="accent1">
+              <a:shade val="50000"/>
+            </a:schemeClr>
+          </a:lnRef>
+          <a:fillRef idx="1">
+            <a:schemeClr val="accent1"/>
+          </a:fillRef>
+          <a:effectRef idx="0">
+            <a:schemeClr val="accent1"/>
+          </a:effectRef>
+          <a:fontRef idx="minor">
+            <a:schemeClr val="lt1"/>
+          </a:fontRef>
+        </p:style>
+        <p:txBody>
+          <a:bodyPr rtlCol="0" anchor="ctr"/>
+          <a:lstStyle/>
+          <a:p>
+            <a:pPr algn="ctr"/>
+            <a:r>
+              <a:rPr lang="zh-CN" altLang="en-US" sz="1600" dirty="0">
+                <a:solidFill>
+                  <a:schemeClr val="tx1"/>
+                </a:solidFill>
+                <a:latin typeface="The Serif Hand Black" panose="03070902030502020204" pitchFamily="66" charset="0"/>
+                <a:cs typeface="Times New Roman" panose="02020603050405020304" pitchFamily="18" charset="0"/>
+              </a:rPr>
+              <a:t>擦除相应块</a:t>
+            </a:r>
+          </a:p>
+        </p:txBody>
+      </p:sp>
+      <p:cxnSp>
+        <p:nvCxnSpPr>
+          <p:cNvPr id="70" name="直接箭头连接符 69">
+            <a:extLst>
+              <a:ext uri="{FF2B5EF4-FFF2-40B4-BE49-F238E27FC236}">
+                <a16:creationId xmlns:a16="http://schemas.microsoft.com/office/drawing/2014/main" id="{722FE355-0F92-4660-B839-DEFFEB8999E7}"/>
+              </a:ext>
+            </a:extLst>
+          </p:cNvPr>
+          <p:cNvCxnSpPr>
+            <a:cxnSpLocks/>
+            <a:stCxn id="66" idx="2"/>
+            <a:endCxn id="68" idx="0"/>
+          </p:cNvCxnSpPr>
+          <p:nvPr/>
+        </p:nvCxnSpPr>
+        <p:spPr>
+          <a:xfrm>
+            <a:off x="5547678" y="4642230"/>
+            <a:ext cx="0" cy="294007"/>
+          </a:xfrm>
+          <a:prstGeom prst="straightConnector1">
+            <a:avLst/>
+          </a:prstGeom>
+          <a:ln w="12700">
+            <a:headEnd type="oval" w="med" len="med"/>
+            <a:tailEnd type="triangle" w="med" len="med"/>
+          </a:ln>
+        </p:spPr>
+        <p:style>
+          <a:lnRef idx="1">
+            <a:schemeClr val="dk1"/>
+          </a:lnRef>
+          <a:fillRef idx="0">
+            <a:schemeClr val="dk1"/>
+          </a:fillRef>
+          <a:effectRef idx="0">
+            <a:schemeClr val="dk1"/>
+          </a:effectRef>
+          <a:fontRef idx="minor">
+            <a:schemeClr val="tx1"/>
+          </a:fontRef>
+        </p:style>
+      </p:cxnSp>
+      <p:sp>
+        <p:nvSpPr>
+          <p:cNvPr id="73" name="文本框 72">
+            <a:extLst>
+              <a:ext uri="{FF2B5EF4-FFF2-40B4-BE49-F238E27FC236}">
+                <a16:creationId xmlns:a16="http://schemas.microsoft.com/office/drawing/2014/main" id="{31D6035A-D435-44A9-98CF-BB8278E06059}"/>
+              </a:ext>
+            </a:extLst>
+          </p:cNvPr>
+          <p:cNvSpPr txBox="1"/>
+          <p:nvPr/>
+        </p:nvSpPr>
+        <p:spPr>
+          <a:xfrm>
+            <a:off x="6749596" y="1833426"/>
+            <a:ext cx="893264" cy="338554"/>
+          </a:xfrm>
+          <a:prstGeom prst="rect">
+            <a:avLst/>
+          </a:prstGeom>
+          <a:noFill/>
+        </p:spPr>
+        <p:txBody>
+          <a:bodyPr wrap="square" rtlCol="0">
+            <a:spAutoFit/>
+          </a:bodyPr>
+          <a:lstStyle/>
+          <a:p>
+            <a:r>
+              <a:rPr lang="zh-CN" altLang="en-US" sz="1600" dirty="0">
+                <a:latin typeface="The Serif Hand Black" panose="03070902030502020204" pitchFamily="66" charset="0"/>
+                <a:cs typeface="Times New Roman" panose="02020603050405020304" pitchFamily="18" charset="0"/>
+              </a:rPr>
+              <a:t>不合法</a:t>
+            </a:r>
+          </a:p>
+        </p:txBody>
+      </p:sp>
+      <p:sp>
+        <p:nvSpPr>
+          <p:cNvPr id="74" name="文本框 73">
+            <a:extLst>
+              <a:ext uri="{FF2B5EF4-FFF2-40B4-BE49-F238E27FC236}">
+                <a16:creationId xmlns:a16="http://schemas.microsoft.com/office/drawing/2014/main" id="{DBDBBE92-BD11-4101-9F72-A0279AABDBFD}"/>
+              </a:ext>
+            </a:extLst>
+          </p:cNvPr>
+          <p:cNvSpPr txBox="1"/>
+          <p:nvPr/>
+        </p:nvSpPr>
+        <p:spPr>
+          <a:xfrm>
+            <a:off x="5647383" y="4551987"/>
+            <a:ext cx="893264" cy="338554"/>
+          </a:xfrm>
+          <a:prstGeom prst="rect">
+            <a:avLst/>
+          </a:prstGeom>
+          <a:noFill/>
+        </p:spPr>
+        <p:txBody>
+          <a:bodyPr wrap="square" rtlCol="0">
+            <a:spAutoFit/>
+          </a:bodyPr>
+          <a:lstStyle/>
+          <a:p>
+            <a:r>
+              <a:rPr lang="zh-CN" altLang="en-US" sz="1600" dirty="0">
+                <a:latin typeface="The Serif Hand Black" panose="03070902030502020204" pitchFamily="66" charset="0"/>
+                <a:cs typeface="Times New Roman" panose="02020603050405020304" pitchFamily="18" charset="0"/>
+              </a:rPr>
+              <a:t>是</a:t>
+            </a:r>
+          </a:p>
+        </p:txBody>
+      </p:sp>
+      <p:cxnSp>
+        <p:nvCxnSpPr>
+          <p:cNvPr id="75" name="直接箭头连接符 74">
+            <a:extLst>
+              <a:ext uri="{FF2B5EF4-FFF2-40B4-BE49-F238E27FC236}">
+                <a16:creationId xmlns:a16="http://schemas.microsoft.com/office/drawing/2014/main" id="{C7FA0FBE-524D-4B67-901D-6C964FB42E64}"/>
+              </a:ext>
+            </a:extLst>
+          </p:cNvPr>
+          <p:cNvCxnSpPr>
+            <a:cxnSpLocks/>
+            <a:stCxn id="68" idx="2"/>
+            <a:endCxn id="57" idx="0"/>
+          </p:cNvCxnSpPr>
+          <p:nvPr/>
+        </p:nvCxnSpPr>
+        <p:spPr>
+          <a:xfrm>
+            <a:off x="5547678" y="5435857"/>
+            <a:ext cx="0" cy="358219"/>
+          </a:xfrm>
+          <a:prstGeom prst="straightConnector1">
+            <a:avLst/>
+          </a:prstGeom>
+          <a:ln w="12700">
+            <a:headEnd type="oval" w="med" len="med"/>
+            <a:tailEnd type="triangle" w="med" len="med"/>
+          </a:ln>
+        </p:spPr>
+        <p:style>
+          <a:lnRef idx="1">
+            <a:schemeClr val="dk1"/>
+          </a:lnRef>
+          <a:fillRef idx="0">
+            <a:schemeClr val="dk1"/>
+          </a:fillRef>
+          <a:effectRef idx="0">
+            <a:schemeClr val="dk1"/>
+          </a:effectRef>
+          <a:fontRef idx="minor">
+            <a:schemeClr val="tx1"/>
+          </a:fontRef>
+        </p:style>
+      </p:cxnSp>
+      <p:cxnSp>
+        <p:nvCxnSpPr>
+          <p:cNvPr id="56" name="直接箭头连接符 55">
+            <a:extLst>
+              <a:ext uri="{FF2B5EF4-FFF2-40B4-BE49-F238E27FC236}">
+                <a16:creationId xmlns:a16="http://schemas.microsoft.com/office/drawing/2014/main" id="{E812F748-2545-44A4-92A7-D3C5F9EE041C}"/>
+              </a:ext>
+            </a:extLst>
+          </p:cNvPr>
+          <p:cNvCxnSpPr>
+            <a:cxnSpLocks/>
+            <a:stCxn id="61" idx="2"/>
+            <a:endCxn id="66" idx="0"/>
+          </p:cNvCxnSpPr>
+          <p:nvPr/>
+        </p:nvCxnSpPr>
+        <p:spPr>
+          <a:xfrm>
+            <a:off x="5547678" y="3426172"/>
+            <a:ext cx="0" cy="358219"/>
+          </a:xfrm>
+          <a:prstGeom prst="straightConnector1">
+            <a:avLst/>
+          </a:prstGeom>
+          <a:ln w="12700">
+            <a:headEnd type="oval" w="med" len="med"/>
+            <a:tailEnd type="triangle" w="med" len="med"/>
+          </a:ln>
+        </p:spPr>
+        <p:style>
+          <a:lnRef idx="1">
+            <a:schemeClr val="dk1"/>
+          </a:lnRef>
+          <a:fillRef idx="0">
+            <a:schemeClr val="dk1"/>
+          </a:fillRef>
+          <a:effectRef idx="0">
+            <a:schemeClr val="dk1"/>
+          </a:effectRef>
+          <a:fontRef idx="minor">
+            <a:schemeClr val="tx1"/>
+          </a:fontRef>
+        </p:style>
+      </p:cxnSp>
+      <p:cxnSp>
+        <p:nvCxnSpPr>
+          <p:cNvPr id="80" name="连接符: 肘形 79">
+            <a:extLst>
+              <a:ext uri="{FF2B5EF4-FFF2-40B4-BE49-F238E27FC236}">
+                <a16:creationId xmlns:a16="http://schemas.microsoft.com/office/drawing/2014/main" id="{0BE5B73C-B879-40AF-A28C-0A38D7D65D79}"/>
+              </a:ext>
+            </a:extLst>
+          </p:cNvPr>
+          <p:cNvCxnSpPr>
+            <a:cxnSpLocks/>
+            <a:stCxn id="66" idx="1"/>
+            <a:endCxn id="57" idx="1"/>
+          </p:cNvCxnSpPr>
+          <p:nvPr/>
+        </p:nvCxnSpPr>
+        <p:spPr>
+          <a:xfrm rot="10800000" flipH="1" flipV="1">
+            <a:off x="4146230" y="4213310"/>
+            <a:ext cx="199530" cy="1830575"/>
+          </a:xfrm>
+          <a:prstGeom prst="bentConnector3">
+            <a:avLst>
+              <a:gd name="adj1" fmla="val -114569"/>
+            </a:avLst>
+          </a:prstGeom>
+          <a:ln w="12700">
+            <a:headEnd type="oval" w="med" len="med"/>
+            <a:tailEnd type="triangle" w="med" len="med"/>
+          </a:ln>
+        </p:spPr>
+        <p:style>
+          <a:lnRef idx="1">
+            <a:schemeClr val="dk1"/>
+          </a:lnRef>
+          <a:fillRef idx="0">
+            <a:schemeClr val="dk1"/>
+          </a:fillRef>
+          <a:effectRef idx="0">
+            <a:schemeClr val="dk1"/>
+          </a:effectRef>
+          <a:fontRef idx="minor">
+            <a:schemeClr val="tx1"/>
+          </a:fontRef>
+        </p:style>
+      </p:cxnSp>
+      <p:sp>
+        <p:nvSpPr>
+          <p:cNvPr id="84" name="文本框 83">
+            <a:extLst>
+              <a:ext uri="{FF2B5EF4-FFF2-40B4-BE49-F238E27FC236}">
+                <a16:creationId xmlns:a16="http://schemas.microsoft.com/office/drawing/2014/main" id="{A6590FBD-4448-4D60-9911-1A03C3D49E47}"/>
+              </a:ext>
+            </a:extLst>
+          </p:cNvPr>
+          <p:cNvSpPr txBox="1"/>
+          <p:nvPr/>
+        </p:nvSpPr>
+        <p:spPr>
+          <a:xfrm>
+            <a:off x="3899128" y="3888528"/>
+            <a:ext cx="893264" cy="338554"/>
+          </a:xfrm>
+          <a:prstGeom prst="rect">
+            <a:avLst/>
+          </a:prstGeom>
+          <a:noFill/>
+        </p:spPr>
+        <p:txBody>
+          <a:bodyPr wrap="square" rtlCol="0">
+            <a:spAutoFit/>
+          </a:bodyPr>
+          <a:lstStyle/>
+          <a:p>
+            <a:r>
+              <a:rPr lang="zh-CN" altLang="en-US" sz="1600" dirty="0">
+                <a:latin typeface="The Serif Hand Black" panose="03070902030502020204" pitchFamily="66" charset="0"/>
+                <a:cs typeface="Times New Roman" panose="02020603050405020304" pitchFamily="18" charset="0"/>
+              </a:rPr>
+              <a:t>否</a:t>
+            </a:r>
+          </a:p>
+        </p:txBody>
+      </p:sp>
+    </p:spTree>
+    <p:extLst>
+      <p:ext uri="{BB962C8B-B14F-4D97-AF65-F5344CB8AC3E}">
+        <p14:creationId xmlns:p14="http://schemas.microsoft.com/office/powerpoint/2010/main" val="1689721725"/>
       </p:ext>
     </p:extLst>
   </p:cSld>

--- a/Records/Files/绘图.pptx
+++ b/Records/Files/绘图.pptx
@@ -14,7 +14,8 @@
     <p:sldId id="264" r:id="rId8"/>
     <p:sldId id="263" r:id="rId9"/>
     <p:sldId id="265" r:id="rId10"/>
-    <p:sldId id="258" r:id="rId11"/>
+    <p:sldId id="266" r:id="rId11"/>
+    <p:sldId id="258" r:id="rId12"/>
   </p:sldIdLst>
   <p:sldSz cx="12192000" cy="6858000"/>
   <p:notesSz cx="6858000" cy="9144000"/>
@@ -127,6 +128,7 @@
             <p14:sldId id="264"/>
             <p14:sldId id="263"/>
             <p14:sldId id="265"/>
+            <p14:sldId id="266"/>
           </p14:sldIdLst>
         </p14:section>
         <p14:section name="调色盘" id="{F219C78C-63A3-46B0-B927-77D926844DA0}">
@@ -290,7 +292,7 @@
           <a:p>
             <a:fld id="{93C21203-5B9D-4602-98E5-5368AAB74C7B}" type="datetimeFigureOut">
               <a:rPr lang="zh-CN" altLang="en-US" smtClean="0"/>
-              <a:t>2021-03-20</a:t>
+              <a:t>2021-03-28</a:t>
             </a:fld>
             <a:endParaRPr lang="zh-CN" altLang="en-US"/>
           </a:p>
@@ -488,7 +490,7 @@
           <a:p>
             <a:fld id="{93C21203-5B9D-4602-98E5-5368AAB74C7B}" type="datetimeFigureOut">
               <a:rPr lang="zh-CN" altLang="en-US" smtClean="0"/>
-              <a:t>2021-03-20</a:t>
+              <a:t>2021-03-28</a:t>
             </a:fld>
             <a:endParaRPr lang="zh-CN" altLang="en-US"/>
           </a:p>
@@ -696,7 +698,7 @@
           <a:p>
             <a:fld id="{93C21203-5B9D-4602-98E5-5368AAB74C7B}" type="datetimeFigureOut">
               <a:rPr lang="zh-CN" altLang="en-US" smtClean="0"/>
-              <a:t>2021-03-20</a:t>
+              <a:t>2021-03-28</a:t>
             </a:fld>
             <a:endParaRPr lang="zh-CN" altLang="en-US"/>
           </a:p>
@@ -894,7 +896,7 @@
           <a:p>
             <a:fld id="{93C21203-5B9D-4602-98E5-5368AAB74C7B}" type="datetimeFigureOut">
               <a:rPr lang="zh-CN" altLang="en-US" smtClean="0"/>
-              <a:t>2021-03-20</a:t>
+              <a:t>2021-03-28</a:t>
             </a:fld>
             <a:endParaRPr lang="zh-CN" altLang="en-US"/>
           </a:p>
@@ -1169,7 +1171,7 @@
           <a:p>
             <a:fld id="{93C21203-5B9D-4602-98E5-5368AAB74C7B}" type="datetimeFigureOut">
               <a:rPr lang="zh-CN" altLang="en-US" smtClean="0"/>
-              <a:t>2021-03-20</a:t>
+              <a:t>2021-03-28</a:t>
             </a:fld>
             <a:endParaRPr lang="zh-CN" altLang="en-US"/>
           </a:p>
@@ -1434,7 +1436,7 @@
           <a:p>
             <a:fld id="{93C21203-5B9D-4602-98E5-5368AAB74C7B}" type="datetimeFigureOut">
               <a:rPr lang="zh-CN" altLang="en-US" smtClean="0"/>
-              <a:t>2021-03-20</a:t>
+              <a:t>2021-03-28</a:t>
             </a:fld>
             <a:endParaRPr lang="zh-CN" altLang="en-US"/>
           </a:p>
@@ -1846,7 +1848,7 @@
           <a:p>
             <a:fld id="{93C21203-5B9D-4602-98E5-5368AAB74C7B}" type="datetimeFigureOut">
               <a:rPr lang="zh-CN" altLang="en-US" smtClean="0"/>
-              <a:t>2021-03-20</a:t>
+              <a:t>2021-03-28</a:t>
             </a:fld>
             <a:endParaRPr lang="zh-CN" altLang="en-US"/>
           </a:p>
@@ -1987,7 +1989,7 @@
           <a:p>
             <a:fld id="{93C21203-5B9D-4602-98E5-5368AAB74C7B}" type="datetimeFigureOut">
               <a:rPr lang="zh-CN" altLang="en-US" smtClean="0"/>
-              <a:t>2021-03-20</a:t>
+              <a:t>2021-03-28</a:t>
             </a:fld>
             <a:endParaRPr lang="zh-CN" altLang="en-US"/>
           </a:p>
@@ -2100,7 +2102,7 @@
           <a:p>
             <a:fld id="{93C21203-5B9D-4602-98E5-5368AAB74C7B}" type="datetimeFigureOut">
               <a:rPr lang="zh-CN" altLang="en-US" smtClean="0"/>
-              <a:t>2021-03-20</a:t>
+              <a:t>2021-03-28</a:t>
             </a:fld>
             <a:endParaRPr lang="zh-CN" altLang="en-US"/>
           </a:p>
@@ -2411,7 +2413,7 @@
           <a:p>
             <a:fld id="{93C21203-5B9D-4602-98E5-5368AAB74C7B}" type="datetimeFigureOut">
               <a:rPr lang="zh-CN" altLang="en-US" smtClean="0"/>
-              <a:t>2021-03-20</a:t>
+              <a:t>2021-03-28</a:t>
             </a:fld>
             <a:endParaRPr lang="zh-CN" altLang="en-US"/>
           </a:p>
@@ -2699,7 +2701,7 @@
           <a:p>
             <a:fld id="{93C21203-5B9D-4602-98E5-5368AAB74C7B}" type="datetimeFigureOut">
               <a:rPr lang="zh-CN" altLang="en-US" smtClean="0"/>
-              <a:t>2021-03-20</a:t>
+              <a:t>2021-03-28</a:t>
             </a:fld>
             <a:endParaRPr lang="zh-CN" altLang="en-US"/>
           </a:p>
@@ -2940,7 +2942,7 @@
           <a:p>
             <a:fld id="{93C21203-5B9D-4602-98E5-5368AAB74C7B}" type="datetimeFigureOut">
               <a:rPr lang="zh-CN" altLang="en-US" smtClean="0"/>
-              <a:t>2021-03-20</a:t>
+              <a:t>2021-03-28</a:t>
             </a:fld>
             <a:endParaRPr lang="zh-CN" altLang="en-US"/>
           </a:p>
@@ -5703,6 +5705,852 @@
 </file>
 
 <file path=ppt/slides/slide10.xml><?xml version="1.0" encoding="utf-8"?>
+<p:sld xmlns:a="http://schemas.openxmlformats.org/drawingml/2006/main" xmlns:r="http://schemas.openxmlformats.org/officeDocument/2006/relationships" xmlns:p="http://schemas.openxmlformats.org/presentationml/2006/main">
+  <p:cSld>
+    <p:spTree>
+      <p:nvGrpSpPr>
+        <p:cNvPr id="1" name=""/>
+        <p:cNvGrpSpPr/>
+        <p:nvPr/>
+      </p:nvGrpSpPr>
+      <p:grpSpPr>
+        <a:xfrm>
+          <a:off x="0" y="0"/>
+          <a:ext cx="0" cy="0"/>
+          <a:chOff x="0" y="0"/>
+          <a:chExt cx="0" cy="0"/>
+        </a:xfrm>
+      </p:grpSpPr>
+      <p:sp>
+        <p:nvSpPr>
+          <p:cNvPr id="21" name="矩形 20">
+            <a:extLst>
+              <a:ext uri="{FF2B5EF4-FFF2-40B4-BE49-F238E27FC236}">
+                <a16:creationId xmlns:a16="http://schemas.microsoft.com/office/drawing/2014/main" id="{4061EA2B-0121-4254-AE93-55BE7ABE79C5}"/>
+              </a:ext>
+            </a:extLst>
+          </p:cNvPr>
+          <p:cNvSpPr/>
+          <p:nvPr/>
+        </p:nvSpPr>
+        <p:spPr>
+          <a:xfrm>
+            <a:off x="2810760" y="294585"/>
+            <a:ext cx="6381943" cy="499620"/>
+          </a:xfrm>
+          <a:prstGeom prst="rect">
+            <a:avLst/>
+          </a:prstGeom>
+          <a:solidFill>
+            <a:srgbClr val="D00000"/>
+          </a:solidFill>
+          <a:ln>
+            <a:solidFill>
+              <a:schemeClr val="tx1"/>
+            </a:solidFill>
+          </a:ln>
+        </p:spPr>
+        <p:style>
+          <a:lnRef idx="2">
+            <a:schemeClr val="accent1">
+              <a:shade val="50000"/>
+            </a:schemeClr>
+          </a:lnRef>
+          <a:fillRef idx="1">
+            <a:schemeClr val="accent1"/>
+          </a:fillRef>
+          <a:effectRef idx="0">
+            <a:schemeClr val="accent1"/>
+          </a:effectRef>
+          <a:fontRef idx="minor">
+            <a:schemeClr val="lt1"/>
+          </a:fontRef>
+        </p:style>
+        <p:txBody>
+          <a:bodyPr rtlCol="0" anchor="ctr"/>
+          <a:lstStyle/>
+          <a:p>
+            <a:pPr algn="ctr"/>
+            <a:r>
+              <a:rPr lang="en-US" altLang="zh-CN" sz="1600" dirty="0" err="1">
+                <a:solidFill>
+                  <a:schemeClr val="bg1"/>
+                </a:solidFill>
+                <a:latin typeface="Times New Roman" panose="02020603050405020304" pitchFamily="18" charset="0"/>
+                <a:cs typeface="Times New Roman" panose="02020603050405020304" pitchFamily="18" charset="0"/>
+              </a:rPr>
+              <a:t>SylixOS</a:t>
+            </a:r>
+            <a:r>
+              <a:rPr lang="zh-CN" altLang="en-US" sz="1600" dirty="0">
+                <a:solidFill>
+                  <a:schemeClr val="bg1"/>
+                </a:solidFill>
+                <a:latin typeface="Times New Roman" panose="02020603050405020304" pitchFamily="18" charset="0"/>
+                <a:cs typeface="Times New Roman" panose="02020603050405020304" pitchFamily="18" charset="0"/>
+              </a:rPr>
+              <a:t>层</a:t>
+            </a:r>
+          </a:p>
+        </p:txBody>
+      </p:sp>
+      <p:sp>
+        <p:nvSpPr>
+          <p:cNvPr id="23" name="矩形 22">
+            <a:extLst>
+              <a:ext uri="{FF2B5EF4-FFF2-40B4-BE49-F238E27FC236}">
+                <a16:creationId xmlns:a16="http://schemas.microsoft.com/office/drawing/2014/main" id="{277A55B3-CEC8-4128-873E-C31F74C7399D}"/>
+              </a:ext>
+            </a:extLst>
+          </p:cNvPr>
+          <p:cNvSpPr/>
+          <p:nvPr/>
+        </p:nvSpPr>
+        <p:spPr>
+          <a:xfrm>
+            <a:off x="2810760" y="1256120"/>
+            <a:ext cx="6381943" cy="499620"/>
+          </a:xfrm>
+          <a:prstGeom prst="rect">
+            <a:avLst/>
+          </a:prstGeom>
+          <a:solidFill>
+            <a:srgbClr val="C4B7D7"/>
+          </a:solidFill>
+          <a:ln>
+            <a:solidFill>
+              <a:schemeClr val="tx1"/>
+            </a:solidFill>
+          </a:ln>
+        </p:spPr>
+        <p:style>
+          <a:lnRef idx="2">
+            <a:schemeClr val="accent1">
+              <a:shade val="50000"/>
+            </a:schemeClr>
+          </a:lnRef>
+          <a:fillRef idx="1">
+            <a:schemeClr val="accent1"/>
+          </a:fillRef>
+          <a:effectRef idx="0">
+            <a:schemeClr val="accent1"/>
+          </a:effectRef>
+          <a:fontRef idx="minor">
+            <a:schemeClr val="lt1"/>
+          </a:fontRef>
+        </p:style>
+        <p:txBody>
+          <a:bodyPr rtlCol="0" anchor="ctr"/>
+          <a:lstStyle/>
+          <a:p>
+            <a:pPr algn="ctr"/>
+            <a:r>
+              <a:rPr lang="en-US" altLang="zh-CN" sz="1600" dirty="0" err="1">
+                <a:solidFill>
+                  <a:schemeClr val="tx1"/>
+                </a:solidFill>
+                <a:latin typeface="Times New Roman" panose="02020603050405020304" pitchFamily="18" charset="0"/>
+                <a:cs typeface="Times New Roman" panose="02020603050405020304" pitchFamily="18" charset="0"/>
+              </a:rPr>
+              <a:t>HoitFS</a:t>
+            </a:r>
+            <a:r>
+              <a:rPr lang="zh-CN" altLang="en-US" sz="1600" dirty="0">
+                <a:solidFill>
+                  <a:schemeClr val="tx1"/>
+                </a:solidFill>
+                <a:latin typeface="Times New Roman" panose="02020603050405020304" pitchFamily="18" charset="0"/>
+                <a:cs typeface="Times New Roman" panose="02020603050405020304" pitchFamily="18" charset="0"/>
+              </a:rPr>
+              <a:t>接口层</a:t>
+            </a:r>
+          </a:p>
+        </p:txBody>
+      </p:sp>
+      <p:sp>
+        <p:nvSpPr>
+          <p:cNvPr id="24" name="矩形 23">
+            <a:extLst>
+              <a:ext uri="{FF2B5EF4-FFF2-40B4-BE49-F238E27FC236}">
+                <a16:creationId xmlns:a16="http://schemas.microsoft.com/office/drawing/2014/main" id="{515124F3-D053-4A07-80F5-6CF2D31750AB}"/>
+              </a:ext>
+            </a:extLst>
+          </p:cNvPr>
+          <p:cNvSpPr/>
+          <p:nvPr/>
+        </p:nvSpPr>
+        <p:spPr>
+          <a:xfrm>
+            <a:off x="2810760" y="2217655"/>
+            <a:ext cx="6381943" cy="499620"/>
+          </a:xfrm>
+          <a:prstGeom prst="rect">
+            <a:avLst/>
+          </a:prstGeom>
+          <a:solidFill>
+            <a:srgbClr val="C4B7D7"/>
+          </a:solidFill>
+          <a:ln>
+            <a:solidFill>
+              <a:schemeClr val="tx1"/>
+            </a:solidFill>
+          </a:ln>
+        </p:spPr>
+        <p:style>
+          <a:lnRef idx="2">
+            <a:schemeClr val="accent1">
+              <a:shade val="50000"/>
+            </a:schemeClr>
+          </a:lnRef>
+          <a:fillRef idx="1">
+            <a:schemeClr val="accent1"/>
+          </a:fillRef>
+          <a:effectRef idx="0">
+            <a:schemeClr val="accent1"/>
+          </a:effectRef>
+          <a:fontRef idx="minor">
+            <a:schemeClr val="lt1"/>
+          </a:fontRef>
+        </p:style>
+        <p:txBody>
+          <a:bodyPr rtlCol="0" anchor="ctr"/>
+          <a:lstStyle/>
+          <a:p>
+            <a:pPr algn="ctr"/>
+            <a:r>
+              <a:rPr lang="en-US" altLang="zh-CN" sz="1600" dirty="0" err="1">
+                <a:solidFill>
+                  <a:schemeClr val="tx1"/>
+                </a:solidFill>
+                <a:latin typeface="Times New Roman" panose="02020603050405020304" pitchFamily="18" charset="0"/>
+                <a:cs typeface="Times New Roman" panose="02020603050405020304" pitchFamily="18" charset="0"/>
+              </a:rPr>
+              <a:t>HoitFS</a:t>
+            </a:r>
+            <a:r>
+              <a:rPr lang="zh-CN" altLang="en-US" sz="1600" dirty="0">
+                <a:solidFill>
+                  <a:schemeClr val="tx1"/>
+                </a:solidFill>
+                <a:latin typeface="Times New Roman" panose="02020603050405020304" pitchFamily="18" charset="0"/>
+                <a:cs typeface="Times New Roman" panose="02020603050405020304" pitchFamily="18" charset="0"/>
+              </a:rPr>
+              <a:t>逻辑层</a:t>
+            </a:r>
+            <a:r>
+              <a:rPr lang="en-US" altLang="zh-CN" sz="1600" dirty="0">
+                <a:solidFill>
+                  <a:schemeClr val="tx1"/>
+                </a:solidFill>
+                <a:latin typeface="Times New Roman" panose="02020603050405020304" pitchFamily="18" charset="0"/>
+                <a:cs typeface="Times New Roman" panose="02020603050405020304" pitchFamily="18" charset="0"/>
+              </a:rPr>
+              <a:t>/</a:t>
+            </a:r>
+            <a:r>
+              <a:rPr lang="zh-CN" altLang="en-US" sz="1600" dirty="0">
+                <a:solidFill>
+                  <a:schemeClr val="tx1"/>
+                </a:solidFill>
+                <a:latin typeface="Times New Roman" panose="02020603050405020304" pitchFamily="18" charset="0"/>
+                <a:cs typeface="Times New Roman" panose="02020603050405020304" pitchFamily="18" charset="0"/>
+              </a:rPr>
+              <a:t>实现层</a:t>
+            </a:r>
+          </a:p>
+        </p:txBody>
+      </p:sp>
+      <p:sp>
+        <p:nvSpPr>
+          <p:cNvPr id="25" name="矩形 24">
+            <a:extLst>
+              <a:ext uri="{FF2B5EF4-FFF2-40B4-BE49-F238E27FC236}">
+                <a16:creationId xmlns:a16="http://schemas.microsoft.com/office/drawing/2014/main" id="{F073EFE8-D6BE-4CAF-818E-968A3F464C49}"/>
+              </a:ext>
+            </a:extLst>
+          </p:cNvPr>
+          <p:cNvSpPr/>
+          <p:nvPr/>
+        </p:nvSpPr>
+        <p:spPr>
+          <a:xfrm>
+            <a:off x="2810759" y="3179190"/>
+            <a:ext cx="6381943" cy="499620"/>
+          </a:xfrm>
+          <a:prstGeom prst="rect">
+            <a:avLst/>
+          </a:prstGeom>
+          <a:solidFill>
+            <a:srgbClr val="C4B7D7"/>
+          </a:solidFill>
+          <a:ln>
+            <a:solidFill>
+              <a:schemeClr val="tx1"/>
+            </a:solidFill>
+          </a:ln>
+        </p:spPr>
+        <p:style>
+          <a:lnRef idx="2">
+            <a:schemeClr val="accent1">
+              <a:shade val="50000"/>
+            </a:schemeClr>
+          </a:lnRef>
+          <a:fillRef idx="1">
+            <a:schemeClr val="accent1"/>
+          </a:fillRef>
+          <a:effectRef idx="0">
+            <a:schemeClr val="accent1"/>
+          </a:effectRef>
+          <a:fontRef idx="minor">
+            <a:schemeClr val="lt1"/>
+          </a:fontRef>
+        </p:style>
+        <p:txBody>
+          <a:bodyPr rtlCol="0" anchor="ctr"/>
+          <a:lstStyle/>
+          <a:p>
+            <a:pPr algn="ctr"/>
+            <a:r>
+              <a:rPr lang="en-US" altLang="zh-CN" sz="1600" dirty="0" err="1">
+                <a:solidFill>
+                  <a:schemeClr val="tx1"/>
+                </a:solidFill>
+                <a:latin typeface="Times New Roman" panose="02020603050405020304" pitchFamily="18" charset="0"/>
+                <a:cs typeface="Times New Roman" panose="02020603050405020304" pitchFamily="18" charset="0"/>
+              </a:rPr>
+              <a:t>HoitFS</a:t>
+            </a:r>
+            <a:r>
+              <a:rPr lang="en-US" altLang="zh-CN" sz="1600" dirty="0">
+                <a:solidFill>
+                  <a:schemeClr val="tx1"/>
+                </a:solidFill>
+                <a:latin typeface="Times New Roman" panose="02020603050405020304" pitchFamily="18" charset="0"/>
+                <a:cs typeface="Times New Roman" panose="02020603050405020304" pitchFamily="18" charset="0"/>
+              </a:rPr>
+              <a:t> I/O</a:t>
+            </a:r>
+            <a:r>
+              <a:rPr lang="zh-CN" altLang="en-US" sz="1600" dirty="0">
+                <a:solidFill>
+                  <a:schemeClr val="tx1"/>
+                </a:solidFill>
+                <a:latin typeface="Times New Roman" panose="02020603050405020304" pitchFamily="18" charset="0"/>
+                <a:cs typeface="Times New Roman" panose="02020603050405020304" pitchFamily="18" charset="0"/>
+              </a:rPr>
+              <a:t>管理层</a:t>
+            </a:r>
+          </a:p>
+        </p:txBody>
+      </p:sp>
+      <p:sp>
+        <p:nvSpPr>
+          <p:cNvPr id="27" name="矩形 26">
+            <a:extLst>
+              <a:ext uri="{FF2B5EF4-FFF2-40B4-BE49-F238E27FC236}">
+                <a16:creationId xmlns:a16="http://schemas.microsoft.com/office/drawing/2014/main" id="{B92C6BA5-3F6A-434A-A581-A1C9446DE670}"/>
+              </a:ext>
+            </a:extLst>
+          </p:cNvPr>
+          <p:cNvSpPr/>
+          <p:nvPr/>
+        </p:nvSpPr>
+        <p:spPr>
+          <a:xfrm>
+            <a:off x="2810758" y="5094630"/>
+            <a:ext cx="6381943" cy="499620"/>
+          </a:xfrm>
+          <a:prstGeom prst="rect">
+            <a:avLst/>
+          </a:prstGeom>
+          <a:solidFill>
+            <a:srgbClr val="C4B7D7"/>
+          </a:solidFill>
+          <a:ln>
+            <a:solidFill>
+              <a:schemeClr val="tx1"/>
+            </a:solidFill>
+          </a:ln>
+        </p:spPr>
+        <p:style>
+          <a:lnRef idx="2">
+            <a:schemeClr val="accent1">
+              <a:shade val="50000"/>
+            </a:schemeClr>
+          </a:lnRef>
+          <a:fillRef idx="1">
+            <a:schemeClr val="accent1"/>
+          </a:fillRef>
+          <a:effectRef idx="0">
+            <a:schemeClr val="accent1"/>
+          </a:effectRef>
+          <a:fontRef idx="minor">
+            <a:schemeClr val="lt1"/>
+          </a:fontRef>
+        </p:style>
+        <p:txBody>
+          <a:bodyPr rtlCol="0" anchor="ctr"/>
+          <a:lstStyle/>
+          <a:p>
+            <a:pPr algn="ctr"/>
+            <a:r>
+              <a:rPr lang="en-US" altLang="zh-CN" sz="1600" dirty="0" err="1">
+                <a:solidFill>
+                  <a:schemeClr val="tx1"/>
+                </a:solidFill>
+                <a:latin typeface="Times New Roman" panose="02020603050405020304" pitchFamily="18" charset="0"/>
+                <a:cs typeface="Times New Roman" panose="02020603050405020304" pitchFamily="18" charset="0"/>
+              </a:rPr>
+              <a:t>HoitFS</a:t>
+            </a:r>
+            <a:r>
+              <a:rPr lang="en-US" altLang="zh-CN" sz="1600" dirty="0">
+                <a:solidFill>
+                  <a:schemeClr val="tx1"/>
+                </a:solidFill>
+                <a:latin typeface="Times New Roman" panose="02020603050405020304" pitchFamily="18" charset="0"/>
+                <a:cs typeface="Times New Roman" panose="02020603050405020304" pitchFamily="18" charset="0"/>
+              </a:rPr>
+              <a:t> </a:t>
+            </a:r>
+            <a:r>
+              <a:rPr lang="zh-CN" altLang="en-US" sz="1600" dirty="0">
+                <a:solidFill>
+                  <a:schemeClr val="tx1"/>
+                </a:solidFill>
+                <a:latin typeface="Times New Roman" panose="02020603050405020304" pitchFamily="18" charset="0"/>
+                <a:cs typeface="Times New Roman" panose="02020603050405020304" pitchFamily="18" charset="0"/>
+              </a:rPr>
+              <a:t>缓存层</a:t>
+            </a:r>
+          </a:p>
+        </p:txBody>
+      </p:sp>
+      <p:sp>
+        <p:nvSpPr>
+          <p:cNvPr id="28" name="矩形 27">
+            <a:extLst>
+              <a:ext uri="{FF2B5EF4-FFF2-40B4-BE49-F238E27FC236}">
+                <a16:creationId xmlns:a16="http://schemas.microsoft.com/office/drawing/2014/main" id="{1049B44A-7E17-45D9-BE0A-F78CC71B4D0D}"/>
+              </a:ext>
+            </a:extLst>
+          </p:cNvPr>
+          <p:cNvSpPr/>
+          <p:nvPr/>
+        </p:nvSpPr>
+        <p:spPr>
+          <a:xfrm>
+            <a:off x="2810757" y="6052350"/>
+            <a:ext cx="6381943" cy="499620"/>
+          </a:xfrm>
+          <a:prstGeom prst="rect">
+            <a:avLst/>
+          </a:prstGeom>
+          <a:solidFill>
+            <a:srgbClr val="C4B7D7"/>
+          </a:solidFill>
+          <a:ln>
+            <a:solidFill>
+              <a:schemeClr val="tx1"/>
+            </a:solidFill>
+          </a:ln>
+        </p:spPr>
+        <p:style>
+          <a:lnRef idx="2">
+            <a:schemeClr val="accent1">
+              <a:shade val="50000"/>
+            </a:schemeClr>
+          </a:lnRef>
+          <a:fillRef idx="1">
+            <a:schemeClr val="accent1"/>
+          </a:fillRef>
+          <a:effectRef idx="0">
+            <a:schemeClr val="accent1"/>
+          </a:effectRef>
+          <a:fontRef idx="minor">
+            <a:schemeClr val="lt1"/>
+          </a:fontRef>
+        </p:style>
+        <p:txBody>
+          <a:bodyPr rtlCol="0" anchor="ctr"/>
+          <a:lstStyle/>
+          <a:p>
+            <a:pPr algn="ctr"/>
+            <a:r>
+              <a:rPr lang="en-US" altLang="zh-CN" sz="1600" dirty="0">
+                <a:solidFill>
+                  <a:schemeClr val="tx1"/>
+                </a:solidFill>
+                <a:latin typeface="Times New Roman" panose="02020603050405020304" pitchFamily="18" charset="0"/>
+                <a:cs typeface="Times New Roman" panose="02020603050405020304" pitchFamily="18" charset="0"/>
+              </a:rPr>
+              <a:t>Nor</a:t>
+            </a:r>
+            <a:r>
+              <a:rPr lang="zh-CN" altLang="en-US" sz="1600" dirty="0">
+                <a:solidFill>
+                  <a:schemeClr val="tx1"/>
+                </a:solidFill>
+                <a:latin typeface="Times New Roman" panose="02020603050405020304" pitchFamily="18" charset="0"/>
+                <a:cs typeface="Times New Roman" panose="02020603050405020304" pitchFamily="18" charset="0"/>
+              </a:rPr>
+              <a:t>驱动层</a:t>
+            </a:r>
+          </a:p>
+        </p:txBody>
+      </p:sp>
+      <p:cxnSp>
+        <p:nvCxnSpPr>
+          <p:cNvPr id="30" name="直接箭头连接符 29">
+            <a:extLst>
+              <a:ext uri="{FF2B5EF4-FFF2-40B4-BE49-F238E27FC236}">
+                <a16:creationId xmlns:a16="http://schemas.microsoft.com/office/drawing/2014/main" id="{C2AD042E-30DE-4B45-A0FD-D803FF22837F}"/>
+              </a:ext>
+            </a:extLst>
+          </p:cNvPr>
+          <p:cNvCxnSpPr>
+            <a:stCxn id="21" idx="2"/>
+            <a:endCxn id="23" idx="0"/>
+          </p:cNvCxnSpPr>
+          <p:nvPr/>
+        </p:nvCxnSpPr>
+        <p:spPr>
+          <a:xfrm>
+            <a:off x="6001732" y="794205"/>
+            <a:ext cx="0" cy="461915"/>
+          </a:xfrm>
+          <a:prstGeom prst="straightConnector1">
+            <a:avLst/>
+          </a:prstGeom>
+          <a:ln w="12700">
+            <a:headEnd type="triangle" w="med" len="med"/>
+            <a:tailEnd type="triangle" w="med" len="med"/>
+          </a:ln>
+        </p:spPr>
+        <p:style>
+          <a:lnRef idx="1">
+            <a:schemeClr val="dk1"/>
+          </a:lnRef>
+          <a:fillRef idx="0">
+            <a:schemeClr val="dk1"/>
+          </a:fillRef>
+          <a:effectRef idx="0">
+            <a:schemeClr val="dk1"/>
+          </a:effectRef>
+          <a:fontRef idx="minor">
+            <a:schemeClr val="tx1"/>
+          </a:fontRef>
+        </p:style>
+      </p:cxnSp>
+      <p:cxnSp>
+        <p:nvCxnSpPr>
+          <p:cNvPr id="31" name="直接箭头连接符 30">
+            <a:extLst>
+              <a:ext uri="{FF2B5EF4-FFF2-40B4-BE49-F238E27FC236}">
+                <a16:creationId xmlns:a16="http://schemas.microsoft.com/office/drawing/2014/main" id="{3E5AD338-17C5-427E-94E0-07761D36F07E}"/>
+              </a:ext>
+            </a:extLst>
+          </p:cNvPr>
+          <p:cNvCxnSpPr>
+            <a:cxnSpLocks/>
+            <a:stCxn id="23" idx="2"/>
+            <a:endCxn id="24" idx="0"/>
+          </p:cNvCxnSpPr>
+          <p:nvPr/>
+        </p:nvCxnSpPr>
+        <p:spPr>
+          <a:xfrm>
+            <a:off x="6001732" y="1755740"/>
+            <a:ext cx="0" cy="461915"/>
+          </a:xfrm>
+          <a:prstGeom prst="straightConnector1">
+            <a:avLst/>
+          </a:prstGeom>
+          <a:ln w="12700">
+            <a:headEnd type="triangle" w="med" len="med"/>
+            <a:tailEnd type="triangle" w="med" len="med"/>
+          </a:ln>
+        </p:spPr>
+        <p:style>
+          <a:lnRef idx="1">
+            <a:schemeClr val="dk1"/>
+          </a:lnRef>
+          <a:fillRef idx="0">
+            <a:schemeClr val="dk1"/>
+          </a:fillRef>
+          <a:effectRef idx="0">
+            <a:schemeClr val="dk1"/>
+          </a:effectRef>
+          <a:fontRef idx="minor">
+            <a:schemeClr val="tx1"/>
+          </a:fontRef>
+        </p:style>
+      </p:cxnSp>
+      <p:cxnSp>
+        <p:nvCxnSpPr>
+          <p:cNvPr id="34" name="直接箭头连接符 33">
+            <a:extLst>
+              <a:ext uri="{FF2B5EF4-FFF2-40B4-BE49-F238E27FC236}">
+                <a16:creationId xmlns:a16="http://schemas.microsoft.com/office/drawing/2014/main" id="{E987F01E-F657-4B09-9226-1129ADCA97E9}"/>
+              </a:ext>
+            </a:extLst>
+          </p:cNvPr>
+          <p:cNvCxnSpPr>
+            <a:cxnSpLocks/>
+            <a:stCxn id="24" idx="2"/>
+            <a:endCxn id="25" idx="0"/>
+          </p:cNvCxnSpPr>
+          <p:nvPr/>
+        </p:nvCxnSpPr>
+        <p:spPr>
+          <a:xfrm flipH="1">
+            <a:off x="6001731" y="2717275"/>
+            <a:ext cx="1" cy="461915"/>
+          </a:xfrm>
+          <a:prstGeom prst="straightConnector1">
+            <a:avLst/>
+          </a:prstGeom>
+          <a:ln w="12700">
+            <a:headEnd type="triangle" w="med" len="med"/>
+            <a:tailEnd type="triangle" w="med" len="med"/>
+          </a:ln>
+        </p:spPr>
+        <p:style>
+          <a:lnRef idx="1">
+            <a:schemeClr val="dk1"/>
+          </a:lnRef>
+          <a:fillRef idx="0">
+            <a:schemeClr val="dk1"/>
+          </a:fillRef>
+          <a:effectRef idx="0">
+            <a:schemeClr val="dk1"/>
+          </a:effectRef>
+          <a:fontRef idx="minor">
+            <a:schemeClr val="tx1"/>
+          </a:fontRef>
+        </p:style>
+      </p:cxnSp>
+      <p:cxnSp>
+        <p:nvCxnSpPr>
+          <p:cNvPr id="37" name="直接箭头连接符 36">
+            <a:extLst>
+              <a:ext uri="{FF2B5EF4-FFF2-40B4-BE49-F238E27FC236}">
+                <a16:creationId xmlns:a16="http://schemas.microsoft.com/office/drawing/2014/main" id="{1720DF46-CB3A-4D28-A9AF-7963A0767DE0}"/>
+              </a:ext>
+            </a:extLst>
+          </p:cNvPr>
+          <p:cNvCxnSpPr>
+            <a:cxnSpLocks/>
+            <a:stCxn id="25" idx="2"/>
+            <a:endCxn id="27" idx="0"/>
+          </p:cNvCxnSpPr>
+          <p:nvPr/>
+        </p:nvCxnSpPr>
+        <p:spPr>
+          <a:xfrm flipH="1">
+            <a:off x="6001730" y="3678810"/>
+            <a:ext cx="1" cy="1415820"/>
+          </a:xfrm>
+          <a:prstGeom prst="straightConnector1">
+            <a:avLst/>
+          </a:prstGeom>
+          <a:ln w="12700">
+            <a:headEnd type="triangle" w="med" len="med"/>
+            <a:tailEnd type="triangle" w="med" len="med"/>
+          </a:ln>
+        </p:spPr>
+        <p:style>
+          <a:lnRef idx="1">
+            <a:schemeClr val="dk1"/>
+          </a:lnRef>
+          <a:fillRef idx="0">
+            <a:schemeClr val="dk1"/>
+          </a:fillRef>
+          <a:effectRef idx="0">
+            <a:schemeClr val="dk1"/>
+          </a:effectRef>
+          <a:fontRef idx="minor">
+            <a:schemeClr val="tx1"/>
+          </a:fontRef>
+        </p:style>
+      </p:cxnSp>
+      <p:cxnSp>
+        <p:nvCxnSpPr>
+          <p:cNvPr id="40" name="直接箭头连接符 39">
+            <a:extLst>
+              <a:ext uri="{FF2B5EF4-FFF2-40B4-BE49-F238E27FC236}">
+                <a16:creationId xmlns:a16="http://schemas.microsoft.com/office/drawing/2014/main" id="{2ADEA90E-0D6F-4658-BC4B-9A7828F89907}"/>
+              </a:ext>
+            </a:extLst>
+          </p:cNvPr>
+          <p:cNvCxnSpPr>
+            <a:cxnSpLocks/>
+            <a:stCxn id="27" idx="2"/>
+            <a:endCxn id="28" idx="0"/>
+          </p:cNvCxnSpPr>
+          <p:nvPr/>
+        </p:nvCxnSpPr>
+        <p:spPr>
+          <a:xfrm flipH="1">
+            <a:off x="6001729" y="5594250"/>
+            <a:ext cx="1" cy="458100"/>
+          </a:xfrm>
+          <a:prstGeom prst="straightConnector1">
+            <a:avLst/>
+          </a:prstGeom>
+          <a:ln w="12700">
+            <a:headEnd type="triangle" w="med" len="med"/>
+            <a:tailEnd type="triangle" w="med" len="med"/>
+          </a:ln>
+        </p:spPr>
+        <p:style>
+          <a:lnRef idx="1">
+            <a:schemeClr val="dk1"/>
+          </a:lnRef>
+          <a:fillRef idx="0">
+            <a:schemeClr val="dk1"/>
+          </a:fillRef>
+          <a:effectRef idx="0">
+            <a:schemeClr val="dk1"/>
+          </a:effectRef>
+          <a:fontRef idx="minor">
+            <a:schemeClr val="tx1"/>
+          </a:fontRef>
+        </p:style>
+      </p:cxnSp>
+      <p:sp>
+        <p:nvSpPr>
+          <p:cNvPr id="26" name="矩形 25">
+            <a:extLst>
+              <a:ext uri="{FF2B5EF4-FFF2-40B4-BE49-F238E27FC236}">
+                <a16:creationId xmlns:a16="http://schemas.microsoft.com/office/drawing/2014/main" id="{7DB882EA-5414-4AEC-89EC-95E4649D8866}"/>
+              </a:ext>
+            </a:extLst>
+          </p:cNvPr>
+          <p:cNvSpPr/>
+          <p:nvPr/>
+        </p:nvSpPr>
+        <p:spPr>
+          <a:xfrm>
+            <a:off x="2810759" y="4136910"/>
+            <a:ext cx="6381943" cy="499620"/>
+          </a:xfrm>
+          <a:prstGeom prst="rect">
+            <a:avLst/>
+          </a:prstGeom>
+          <a:noFill/>
+          <a:ln>
+            <a:solidFill>
+              <a:schemeClr val="tx1"/>
+            </a:solidFill>
+            <a:prstDash val="lgDash"/>
+          </a:ln>
+        </p:spPr>
+        <p:style>
+          <a:lnRef idx="2">
+            <a:schemeClr val="accent1">
+              <a:shade val="50000"/>
+            </a:schemeClr>
+          </a:lnRef>
+          <a:fillRef idx="1">
+            <a:schemeClr val="accent1"/>
+          </a:fillRef>
+          <a:effectRef idx="0">
+            <a:schemeClr val="accent1"/>
+          </a:effectRef>
+          <a:fontRef idx="minor">
+            <a:schemeClr val="lt1"/>
+          </a:fontRef>
+        </p:style>
+        <p:txBody>
+          <a:bodyPr rtlCol="0" anchor="ctr"/>
+          <a:lstStyle/>
+          <a:p>
+            <a:pPr algn="ctr"/>
+            <a:r>
+              <a:rPr lang="en-US" altLang="zh-CN" sz="1600" dirty="0" err="1">
+                <a:solidFill>
+                  <a:schemeClr val="tx1"/>
+                </a:solidFill>
+                <a:latin typeface="Times New Roman" panose="02020603050405020304" pitchFamily="18" charset="0"/>
+                <a:cs typeface="Times New Roman" panose="02020603050405020304" pitchFamily="18" charset="0"/>
+              </a:rPr>
+              <a:t>HoitFS</a:t>
+            </a:r>
+            <a:r>
+              <a:rPr lang="en-US" altLang="zh-CN" sz="1600" dirty="0">
+                <a:solidFill>
+                  <a:schemeClr val="tx1"/>
+                </a:solidFill>
+                <a:latin typeface="Times New Roman" panose="02020603050405020304" pitchFamily="18" charset="0"/>
+                <a:cs typeface="Times New Roman" panose="02020603050405020304" pitchFamily="18" charset="0"/>
+              </a:rPr>
+              <a:t> </a:t>
+            </a:r>
+            <a:r>
+              <a:rPr lang="zh-CN" altLang="en-US" sz="1600" dirty="0">
+                <a:solidFill>
+                  <a:schemeClr val="tx1"/>
+                </a:solidFill>
+                <a:latin typeface="Times New Roman" panose="02020603050405020304" pitchFamily="18" charset="0"/>
+                <a:cs typeface="Times New Roman" panose="02020603050405020304" pitchFamily="18" charset="0"/>
+              </a:rPr>
+              <a:t>日志</a:t>
+            </a:r>
+            <a:r>
+              <a:rPr lang="en-US" altLang="zh-CN" sz="1600" dirty="0">
+                <a:solidFill>
+                  <a:schemeClr val="tx1"/>
+                </a:solidFill>
+                <a:latin typeface="Times New Roman" panose="02020603050405020304" pitchFamily="18" charset="0"/>
+                <a:cs typeface="Times New Roman" panose="02020603050405020304" pitchFamily="18" charset="0"/>
+              </a:rPr>
+              <a:t>/</a:t>
+            </a:r>
+            <a:r>
+              <a:rPr lang="zh-CN" altLang="en-US" sz="1600" dirty="0">
+                <a:solidFill>
+                  <a:schemeClr val="tx1"/>
+                </a:solidFill>
+                <a:latin typeface="Times New Roman" panose="02020603050405020304" pitchFamily="18" charset="0"/>
+                <a:cs typeface="Times New Roman" panose="02020603050405020304" pitchFamily="18" charset="0"/>
+              </a:rPr>
+              <a:t>掉电保护层</a:t>
+            </a:r>
+            <a:r>
+              <a:rPr lang="en-US" altLang="zh-CN" sz="1600" dirty="0">
+                <a:solidFill>
+                  <a:schemeClr val="tx1"/>
+                </a:solidFill>
+                <a:latin typeface="Times New Roman" panose="02020603050405020304" pitchFamily="18" charset="0"/>
+                <a:cs typeface="Times New Roman" panose="02020603050405020304" pitchFamily="18" charset="0"/>
+              </a:rPr>
+              <a:t> </a:t>
+            </a:r>
+            <a:endParaRPr lang="zh-CN" altLang="en-US" sz="1600" dirty="0">
+              <a:solidFill>
+                <a:schemeClr val="tx1"/>
+              </a:solidFill>
+              <a:latin typeface="Times New Roman" panose="02020603050405020304" pitchFamily="18" charset="0"/>
+              <a:cs typeface="Times New Roman" panose="02020603050405020304" pitchFamily="18" charset="0"/>
+            </a:endParaRPr>
+          </a:p>
+        </p:txBody>
+      </p:sp>
+    </p:spTree>
+    <p:extLst>
+      <p:ext uri="{BB962C8B-B14F-4D97-AF65-F5344CB8AC3E}">
+        <p14:creationId xmlns:p14="http://schemas.microsoft.com/office/powerpoint/2010/main" val="433434169"/>
+      </p:ext>
+    </p:extLst>
+  </p:cSld>
+  <p:clrMapOvr>
+    <a:masterClrMapping/>
+  </p:clrMapOvr>
+</p:sld>
+</file>
+
+<file path=ppt/slides/slide11.xml><?xml version="1.0" encoding="utf-8"?>
 <p:sld xmlns:a="http://schemas.openxmlformats.org/drawingml/2006/main" xmlns:r="http://schemas.openxmlformats.org/officeDocument/2006/relationships" xmlns:p="http://schemas.openxmlformats.org/presentationml/2006/main">
   <p:cSld>
     <p:spTree>

--- a/Records/Files/绘图.pptx
+++ b/Records/Files/绘图.pptx
@@ -15,7 +15,8 @@
     <p:sldId id="263" r:id="rId9"/>
     <p:sldId id="265" r:id="rId10"/>
     <p:sldId id="266" r:id="rId11"/>
-    <p:sldId id="258" r:id="rId12"/>
+    <p:sldId id="267" r:id="rId12"/>
+    <p:sldId id="258" r:id="rId13"/>
   </p:sldIdLst>
   <p:sldSz cx="12192000" cy="6858000"/>
   <p:notesSz cx="6858000" cy="9144000"/>
@@ -129,6 +130,7 @@
             <p14:sldId id="263"/>
             <p14:sldId id="265"/>
             <p14:sldId id="266"/>
+            <p14:sldId id="267"/>
           </p14:sldIdLst>
         </p14:section>
         <p14:section name="调色盘" id="{F219C78C-63A3-46B0-B927-77D926844DA0}">
@@ -292,7 +294,7 @@
           <a:p>
             <a:fld id="{93C21203-5B9D-4602-98E5-5368AAB74C7B}" type="datetimeFigureOut">
               <a:rPr lang="zh-CN" altLang="en-US" smtClean="0"/>
-              <a:t>2021-03-28</a:t>
+              <a:t>2021-04-12</a:t>
             </a:fld>
             <a:endParaRPr lang="zh-CN" altLang="en-US"/>
           </a:p>
@@ -490,7 +492,7 @@
           <a:p>
             <a:fld id="{93C21203-5B9D-4602-98E5-5368AAB74C7B}" type="datetimeFigureOut">
               <a:rPr lang="zh-CN" altLang="en-US" smtClean="0"/>
-              <a:t>2021-03-28</a:t>
+              <a:t>2021-04-12</a:t>
             </a:fld>
             <a:endParaRPr lang="zh-CN" altLang="en-US"/>
           </a:p>
@@ -698,7 +700,7 @@
           <a:p>
             <a:fld id="{93C21203-5B9D-4602-98E5-5368AAB74C7B}" type="datetimeFigureOut">
               <a:rPr lang="zh-CN" altLang="en-US" smtClean="0"/>
-              <a:t>2021-03-28</a:t>
+              <a:t>2021-04-12</a:t>
             </a:fld>
             <a:endParaRPr lang="zh-CN" altLang="en-US"/>
           </a:p>
@@ -896,7 +898,7 @@
           <a:p>
             <a:fld id="{93C21203-5B9D-4602-98E5-5368AAB74C7B}" type="datetimeFigureOut">
               <a:rPr lang="zh-CN" altLang="en-US" smtClean="0"/>
-              <a:t>2021-03-28</a:t>
+              <a:t>2021-04-12</a:t>
             </a:fld>
             <a:endParaRPr lang="zh-CN" altLang="en-US"/>
           </a:p>
@@ -1171,7 +1173,7 @@
           <a:p>
             <a:fld id="{93C21203-5B9D-4602-98E5-5368AAB74C7B}" type="datetimeFigureOut">
               <a:rPr lang="zh-CN" altLang="en-US" smtClean="0"/>
-              <a:t>2021-03-28</a:t>
+              <a:t>2021-04-12</a:t>
             </a:fld>
             <a:endParaRPr lang="zh-CN" altLang="en-US"/>
           </a:p>
@@ -1436,7 +1438,7 @@
           <a:p>
             <a:fld id="{93C21203-5B9D-4602-98E5-5368AAB74C7B}" type="datetimeFigureOut">
               <a:rPr lang="zh-CN" altLang="en-US" smtClean="0"/>
-              <a:t>2021-03-28</a:t>
+              <a:t>2021-04-12</a:t>
             </a:fld>
             <a:endParaRPr lang="zh-CN" altLang="en-US"/>
           </a:p>
@@ -1848,7 +1850,7 @@
           <a:p>
             <a:fld id="{93C21203-5B9D-4602-98E5-5368AAB74C7B}" type="datetimeFigureOut">
               <a:rPr lang="zh-CN" altLang="en-US" smtClean="0"/>
-              <a:t>2021-03-28</a:t>
+              <a:t>2021-04-12</a:t>
             </a:fld>
             <a:endParaRPr lang="zh-CN" altLang="en-US"/>
           </a:p>
@@ -1989,7 +1991,7 @@
           <a:p>
             <a:fld id="{93C21203-5B9D-4602-98E5-5368AAB74C7B}" type="datetimeFigureOut">
               <a:rPr lang="zh-CN" altLang="en-US" smtClean="0"/>
-              <a:t>2021-03-28</a:t>
+              <a:t>2021-04-12</a:t>
             </a:fld>
             <a:endParaRPr lang="zh-CN" altLang="en-US"/>
           </a:p>
@@ -2102,7 +2104,7 @@
           <a:p>
             <a:fld id="{93C21203-5B9D-4602-98E5-5368AAB74C7B}" type="datetimeFigureOut">
               <a:rPr lang="zh-CN" altLang="en-US" smtClean="0"/>
-              <a:t>2021-03-28</a:t>
+              <a:t>2021-04-12</a:t>
             </a:fld>
             <a:endParaRPr lang="zh-CN" altLang="en-US"/>
           </a:p>
@@ -2413,7 +2415,7 @@
           <a:p>
             <a:fld id="{93C21203-5B9D-4602-98E5-5368AAB74C7B}" type="datetimeFigureOut">
               <a:rPr lang="zh-CN" altLang="en-US" smtClean="0"/>
-              <a:t>2021-03-28</a:t>
+              <a:t>2021-04-12</a:t>
             </a:fld>
             <a:endParaRPr lang="zh-CN" altLang="en-US"/>
           </a:p>
@@ -2701,7 +2703,7 @@
           <a:p>
             <a:fld id="{93C21203-5B9D-4602-98E5-5368AAB74C7B}" type="datetimeFigureOut">
               <a:rPr lang="zh-CN" altLang="en-US" smtClean="0"/>
-              <a:t>2021-03-28</a:t>
+              <a:t>2021-04-12</a:t>
             </a:fld>
             <a:endParaRPr lang="zh-CN" altLang="en-US"/>
           </a:p>
@@ -2942,7 +2944,7 @@
           <a:p>
             <a:fld id="{93C21203-5B9D-4602-98E5-5368AAB74C7B}" type="datetimeFigureOut">
               <a:rPr lang="zh-CN" altLang="en-US" smtClean="0"/>
-              <a:t>2021-03-28</a:t>
+              <a:t>2021-04-12</a:t>
             </a:fld>
             <a:endParaRPr lang="zh-CN" altLang="en-US"/>
           </a:p>
@@ -6551,6 +6553,1117 @@
 </file>
 
 <file path=ppt/slides/slide11.xml><?xml version="1.0" encoding="utf-8"?>
+<p:sld xmlns:a="http://schemas.openxmlformats.org/drawingml/2006/main" xmlns:r="http://schemas.openxmlformats.org/officeDocument/2006/relationships" xmlns:p="http://schemas.openxmlformats.org/presentationml/2006/main">
+  <p:cSld>
+    <p:spTree>
+      <p:nvGrpSpPr>
+        <p:cNvPr id="1" name=""/>
+        <p:cNvGrpSpPr/>
+        <p:nvPr/>
+      </p:nvGrpSpPr>
+      <p:grpSpPr>
+        <a:xfrm>
+          <a:off x="0" y="0"/>
+          <a:ext cx="0" cy="0"/>
+          <a:chOff x="0" y="0"/>
+          <a:chExt cx="0" cy="0"/>
+        </a:xfrm>
+      </p:grpSpPr>
+      <p:sp>
+        <p:nvSpPr>
+          <p:cNvPr id="4" name="矩形 3">
+            <a:extLst>
+              <a:ext uri="{FF2B5EF4-FFF2-40B4-BE49-F238E27FC236}">
+                <a16:creationId xmlns:a16="http://schemas.microsoft.com/office/drawing/2014/main" id="{053C14C1-9AFD-4197-A6D3-AA8CC4C4A2CA}"/>
+              </a:ext>
+            </a:extLst>
+          </p:cNvPr>
+          <p:cNvSpPr/>
+          <p:nvPr/>
+        </p:nvSpPr>
+        <p:spPr>
+          <a:xfrm>
+            <a:off x="2747915" y="277931"/>
+            <a:ext cx="6381943" cy="499620"/>
+          </a:xfrm>
+          <a:prstGeom prst="rect">
+            <a:avLst/>
+          </a:prstGeom>
+          <a:solidFill>
+            <a:srgbClr val="D00000"/>
+          </a:solidFill>
+          <a:ln>
+            <a:solidFill>
+              <a:schemeClr val="tx1"/>
+            </a:solidFill>
+          </a:ln>
+        </p:spPr>
+        <p:style>
+          <a:lnRef idx="2">
+            <a:schemeClr val="accent1">
+              <a:shade val="50000"/>
+            </a:schemeClr>
+          </a:lnRef>
+          <a:fillRef idx="1">
+            <a:schemeClr val="accent1"/>
+          </a:fillRef>
+          <a:effectRef idx="0">
+            <a:schemeClr val="accent1"/>
+          </a:effectRef>
+          <a:fontRef idx="minor">
+            <a:schemeClr val="lt1"/>
+          </a:fontRef>
+        </p:style>
+        <p:txBody>
+          <a:bodyPr rtlCol="0" anchor="ctr"/>
+          <a:lstStyle/>
+          <a:p>
+            <a:pPr algn="ctr"/>
+            <a:r>
+              <a:rPr lang="en-US" altLang="zh-CN" sz="1600" dirty="0" err="1">
+                <a:solidFill>
+                  <a:schemeClr val="bg1"/>
+                </a:solidFill>
+                <a:latin typeface="Times New Roman" panose="02020603050405020304" pitchFamily="18" charset="0"/>
+                <a:cs typeface="Times New Roman" panose="02020603050405020304" pitchFamily="18" charset="0"/>
+              </a:rPr>
+              <a:t>SylixOS</a:t>
+            </a:r>
+            <a:r>
+              <a:rPr lang="zh-CN" altLang="en-US" sz="1600" dirty="0">
+                <a:solidFill>
+                  <a:schemeClr val="bg1"/>
+                </a:solidFill>
+                <a:latin typeface="Times New Roman" panose="02020603050405020304" pitchFamily="18" charset="0"/>
+                <a:cs typeface="Times New Roman" panose="02020603050405020304" pitchFamily="18" charset="0"/>
+              </a:rPr>
+              <a:t>层</a:t>
+            </a:r>
+          </a:p>
+        </p:txBody>
+      </p:sp>
+      <p:sp>
+        <p:nvSpPr>
+          <p:cNvPr id="5" name="矩形 4">
+            <a:extLst>
+              <a:ext uri="{FF2B5EF4-FFF2-40B4-BE49-F238E27FC236}">
+                <a16:creationId xmlns:a16="http://schemas.microsoft.com/office/drawing/2014/main" id="{ECE86B15-6AF6-47C3-ABF8-2EFA58F05474}"/>
+              </a:ext>
+            </a:extLst>
+          </p:cNvPr>
+          <p:cNvSpPr/>
+          <p:nvPr/>
+        </p:nvSpPr>
+        <p:spPr>
+          <a:xfrm>
+            <a:off x="2747915" y="1239466"/>
+            <a:ext cx="6381943" cy="499620"/>
+          </a:xfrm>
+          <a:prstGeom prst="rect">
+            <a:avLst/>
+          </a:prstGeom>
+          <a:solidFill>
+            <a:srgbClr val="C4B7D7"/>
+          </a:solidFill>
+          <a:ln>
+            <a:solidFill>
+              <a:schemeClr val="tx1"/>
+            </a:solidFill>
+          </a:ln>
+        </p:spPr>
+        <p:style>
+          <a:lnRef idx="2">
+            <a:schemeClr val="accent1">
+              <a:shade val="50000"/>
+            </a:schemeClr>
+          </a:lnRef>
+          <a:fillRef idx="1">
+            <a:schemeClr val="accent1"/>
+          </a:fillRef>
+          <a:effectRef idx="0">
+            <a:schemeClr val="accent1"/>
+          </a:effectRef>
+          <a:fontRef idx="minor">
+            <a:schemeClr val="lt1"/>
+          </a:fontRef>
+        </p:style>
+        <p:txBody>
+          <a:bodyPr rtlCol="0" anchor="ctr"/>
+          <a:lstStyle/>
+          <a:p>
+            <a:pPr algn="ctr"/>
+            <a:r>
+              <a:rPr lang="en-US" altLang="zh-CN" sz="1600" dirty="0" err="1">
+                <a:solidFill>
+                  <a:schemeClr val="tx1"/>
+                </a:solidFill>
+                <a:latin typeface="Times New Roman" panose="02020603050405020304" pitchFamily="18" charset="0"/>
+                <a:cs typeface="Times New Roman" panose="02020603050405020304" pitchFamily="18" charset="0"/>
+              </a:rPr>
+              <a:t>HoitFS</a:t>
+            </a:r>
+            <a:r>
+              <a:rPr lang="zh-CN" altLang="en-US" sz="1600" dirty="0">
+                <a:solidFill>
+                  <a:schemeClr val="tx1"/>
+                </a:solidFill>
+                <a:latin typeface="Times New Roman" panose="02020603050405020304" pitchFamily="18" charset="0"/>
+                <a:cs typeface="Times New Roman" panose="02020603050405020304" pitchFamily="18" charset="0"/>
+              </a:rPr>
+              <a:t>接口层</a:t>
+            </a:r>
+          </a:p>
+        </p:txBody>
+      </p:sp>
+      <p:sp>
+        <p:nvSpPr>
+          <p:cNvPr id="6" name="矩形 5">
+            <a:extLst>
+              <a:ext uri="{FF2B5EF4-FFF2-40B4-BE49-F238E27FC236}">
+                <a16:creationId xmlns:a16="http://schemas.microsoft.com/office/drawing/2014/main" id="{0D39F9DF-7F9C-448D-9F40-7F48626870E3}"/>
+              </a:ext>
+            </a:extLst>
+          </p:cNvPr>
+          <p:cNvSpPr/>
+          <p:nvPr/>
+        </p:nvSpPr>
+        <p:spPr>
+          <a:xfrm>
+            <a:off x="2747915" y="2201001"/>
+            <a:ext cx="6381943" cy="499620"/>
+          </a:xfrm>
+          <a:prstGeom prst="rect">
+            <a:avLst/>
+          </a:prstGeom>
+          <a:solidFill>
+            <a:srgbClr val="C4B7D7"/>
+          </a:solidFill>
+          <a:ln>
+            <a:solidFill>
+              <a:schemeClr val="tx1"/>
+            </a:solidFill>
+          </a:ln>
+        </p:spPr>
+        <p:style>
+          <a:lnRef idx="2">
+            <a:schemeClr val="accent1">
+              <a:shade val="50000"/>
+            </a:schemeClr>
+          </a:lnRef>
+          <a:fillRef idx="1">
+            <a:schemeClr val="accent1"/>
+          </a:fillRef>
+          <a:effectRef idx="0">
+            <a:schemeClr val="accent1"/>
+          </a:effectRef>
+          <a:fontRef idx="minor">
+            <a:schemeClr val="lt1"/>
+          </a:fontRef>
+        </p:style>
+        <p:txBody>
+          <a:bodyPr rtlCol="0" anchor="ctr"/>
+          <a:lstStyle/>
+          <a:p>
+            <a:pPr algn="ctr"/>
+            <a:r>
+              <a:rPr lang="en-US" altLang="zh-CN" sz="1600" dirty="0" err="1">
+                <a:solidFill>
+                  <a:schemeClr val="tx1"/>
+                </a:solidFill>
+                <a:latin typeface="Times New Roman" panose="02020603050405020304" pitchFamily="18" charset="0"/>
+                <a:cs typeface="Times New Roman" panose="02020603050405020304" pitchFamily="18" charset="0"/>
+              </a:rPr>
+              <a:t>HoitFS</a:t>
+            </a:r>
+            <a:r>
+              <a:rPr lang="zh-CN" altLang="en-US" sz="1600" dirty="0">
+                <a:solidFill>
+                  <a:schemeClr val="tx1"/>
+                </a:solidFill>
+                <a:latin typeface="Times New Roman" panose="02020603050405020304" pitchFamily="18" charset="0"/>
+                <a:cs typeface="Times New Roman" panose="02020603050405020304" pitchFamily="18" charset="0"/>
+              </a:rPr>
+              <a:t>逻辑层</a:t>
+            </a:r>
+            <a:r>
+              <a:rPr lang="en-US" altLang="zh-CN" sz="1600" dirty="0">
+                <a:solidFill>
+                  <a:schemeClr val="tx1"/>
+                </a:solidFill>
+                <a:latin typeface="Times New Roman" panose="02020603050405020304" pitchFamily="18" charset="0"/>
+                <a:cs typeface="Times New Roman" panose="02020603050405020304" pitchFamily="18" charset="0"/>
+              </a:rPr>
+              <a:t>/</a:t>
+            </a:r>
+            <a:r>
+              <a:rPr lang="zh-CN" altLang="en-US" sz="1600" dirty="0">
+                <a:solidFill>
+                  <a:schemeClr val="tx1"/>
+                </a:solidFill>
+                <a:latin typeface="Times New Roman" panose="02020603050405020304" pitchFamily="18" charset="0"/>
+                <a:cs typeface="Times New Roman" panose="02020603050405020304" pitchFamily="18" charset="0"/>
+              </a:rPr>
+              <a:t>实现层</a:t>
+            </a:r>
+          </a:p>
+        </p:txBody>
+      </p:sp>
+      <p:sp>
+        <p:nvSpPr>
+          <p:cNvPr id="7" name="矩形 6">
+            <a:extLst>
+              <a:ext uri="{FF2B5EF4-FFF2-40B4-BE49-F238E27FC236}">
+                <a16:creationId xmlns:a16="http://schemas.microsoft.com/office/drawing/2014/main" id="{22A00244-EF6F-49D2-BF86-0777C20C65B9}"/>
+              </a:ext>
+            </a:extLst>
+          </p:cNvPr>
+          <p:cNvSpPr/>
+          <p:nvPr/>
+        </p:nvSpPr>
+        <p:spPr>
+          <a:xfrm>
+            <a:off x="1569184" y="3165081"/>
+            <a:ext cx="3655694" cy="499620"/>
+          </a:xfrm>
+          <a:prstGeom prst="rect">
+            <a:avLst/>
+          </a:prstGeom>
+          <a:solidFill>
+            <a:srgbClr val="C4B7D7"/>
+          </a:solidFill>
+          <a:ln>
+            <a:solidFill>
+              <a:schemeClr val="tx1"/>
+            </a:solidFill>
+          </a:ln>
+        </p:spPr>
+        <p:style>
+          <a:lnRef idx="2">
+            <a:schemeClr val="accent1">
+              <a:shade val="50000"/>
+            </a:schemeClr>
+          </a:lnRef>
+          <a:fillRef idx="1">
+            <a:schemeClr val="accent1"/>
+          </a:fillRef>
+          <a:effectRef idx="0">
+            <a:schemeClr val="accent1"/>
+          </a:effectRef>
+          <a:fontRef idx="minor">
+            <a:schemeClr val="lt1"/>
+          </a:fontRef>
+        </p:style>
+        <p:txBody>
+          <a:bodyPr rtlCol="0" anchor="ctr"/>
+          <a:lstStyle/>
+          <a:p>
+            <a:pPr algn="ctr"/>
+            <a:r>
+              <a:rPr lang="en-US" altLang="zh-CN" sz="1600" dirty="0" err="1">
+                <a:solidFill>
+                  <a:schemeClr val="tx1"/>
+                </a:solidFill>
+                <a:latin typeface="Times New Roman" panose="02020603050405020304" pitchFamily="18" charset="0"/>
+                <a:cs typeface="Times New Roman" panose="02020603050405020304" pitchFamily="18" charset="0"/>
+              </a:rPr>
+              <a:t>HoitFS</a:t>
+            </a:r>
+            <a:r>
+              <a:rPr lang="en-US" altLang="zh-CN" sz="1600" dirty="0">
+                <a:solidFill>
+                  <a:schemeClr val="tx1"/>
+                </a:solidFill>
+                <a:latin typeface="Times New Roman" panose="02020603050405020304" pitchFamily="18" charset="0"/>
+                <a:cs typeface="Times New Roman" panose="02020603050405020304" pitchFamily="18" charset="0"/>
+              </a:rPr>
+              <a:t> Full </a:t>
+            </a:r>
+            <a:r>
+              <a:rPr lang="en-US" altLang="zh-CN" sz="1600" dirty="0" err="1">
+                <a:solidFill>
+                  <a:schemeClr val="tx1"/>
+                </a:solidFill>
+                <a:latin typeface="Times New Roman" panose="02020603050405020304" pitchFamily="18" charset="0"/>
+                <a:cs typeface="Times New Roman" panose="02020603050405020304" pitchFamily="18" charset="0"/>
+              </a:rPr>
+              <a:t>Dnode</a:t>
+            </a:r>
+            <a:r>
+              <a:rPr lang="en-US" altLang="zh-CN" sz="1600" dirty="0">
+                <a:solidFill>
+                  <a:schemeClr val="tx1"/>
+                </a:solidFill>
+                <a:latin typeface="Times New Roman" panose="02020603050405020304" pitchFamily="18" charset="0"/>
+                <a:cs typeface="Times New Roman" panose="02020603050405020304" pitchFamily="18" charset="0"/>
+              </a:rPr>
+              <a:t> </a:t>
+            </a:r>
+            <a:r>
+              <a:rPr lang="zh-CN" altLang="en-US" sz="1600" dirty="0">
+                <a:solidFill>
+                  <a:schemeClr val="tx1"/>
+                </a:solidFill>
+                <a:latin typeface="Times New Roman" panose="02020603050405020304" pitchFamily="18" charset="0"/>
+                <a:cs typeface="Times New Roman" panose="02020603050405020304" pitchFamily="18" charset="0"/>
+              </a:rPr>
+              <a:t>管理层</a:t>
+            </a:r>
+          </a:p>
+        </p:txBody>
+      </p:sp>
+      <p:sp>
+        <p:nvSpPr>
+          <p:cNvPr id="8" name="矩形 7">
+            <a:extLst>
+              <a:ext uri="{FF2B5EF4-FFF2-40B4-BE49-F238E27FC236}">
+                <a16:creationId xmlns:a16="http://schemas.microsoft.com/office/drawing/2014/main" id="{91E5D599-7BA9-4026-A3F3-08C23AED59DC}"/>
+              </a:ext>
+            </a:extLst>
+          </p:cNvPr>
+          <p:cNvSpPr/>
+          <p:nvPr/>
+        </p:nvSpPr>
+        <p:spPr>
+          <a:xfrm>
+            <a:off x="2747913" y="5077976"/>
+            <a:ext cx="6381943" cy="499620"/>
+          </a:xfrm>
+          <a:prstGeom prst="rect">
+            <a:avLst/>
+          </a:prstGeom>
+          <a:solidFill>
+            <a:srgbClr val="C4B7D7"/>
+          </a:solidFill>
+          <a:ln>
+            <a:solidFill>
+              <a:schemeClr val="tx1"/>
+            </a:solidFill>
+          </a:ln>
+        </p:spPr>
+        <p:style>
+          <a:lnRef idx="2">
+            <a:schemeClr val="accent1">
+              <a:shade val="50000"/>
+            </a:schemeClr>
+          </a:lnRef>
+          <a:fillRef idx="1">
+            <a:schemeClr val="accent1"/>
+          </a:fillRef>
+          <a:effectRef idx="0">
+            <a:schemeClr val="accent1"/>
+          </a:effectRef>
+          <a:fontRef idx="minor">
+            <a:schemeClr val="lt1"/>
+          </a:fontRef>
+        </p:style>
+        <p:txBody>
+          <a:bodyPr rtlCol="0" anchor="ctr"/>
+          <a:lstStyle/>
+          <a:p>
+            <a:pPr algn="ctr"/>
+            <a:r>
+              <a:rPr lang="en-US" altLang="zh-CN" sz="1600" dirty="0" err="1">
+                <a:solidFill>
+                  <a:schemeClr val="tx1"/>
+                </a:solidFill>
+                <a:latin typeface="Times New Roman" panose="02020603050405020304" pitchFamily="18" charset="0"/>
+                <a:cs typeface="Times New Roman" panose="02020603050405020304" pitchFamily="18" charset="0"/>
+              </a:rPr>
+              <a:t>HoitFS</a:t>
+            </a:r>
+            <a:r>
+              <a:rPr lang="en-US" altLang="zh-CN" sz="1600" dirty="0">
+                <a:solidFill>
+                  <a:schemeClr val="tx1"/>
+                </a:solidFill>
+                <a:latin typeface="Times New Roman" panose="02020603050405020304" pitchFamily="18" charset="0"/>
+                <a:cs typeface="Times New Roman" panose="02020603050405020304" pitchFamily="18" charset="0"/>
+              </a:rPr>
+              <a:t> </a:t>
+            </a:r>
+            <a:r>
+              <a:rPr lang="zh-CN" altLang="en-US" sz="1600" dirty="0">
+                <a:solidFill>
+                  <a:schemeClr val="tx1"/>
+                </a:solidFill>
+                <a:latin typeface="Times New Roman" panose="02020603050405020304" pitchFamily="18" charset="0"/>
+                <a:cs typeface="Times New Roman" panose="02020603050405020304" pitchFamily="18" charset="0"/>
+              </a:rPr>
+              <a:t>缓存层</a:t>
+            </a:r>
+          </a:p>
+        </p:txBody>
+      </p:sp>
+      <p:sp>
+        <p:nvSpPr>
+          <p:cNvPr id="9" name="矩形 8">
+            <a:extLst>
+              <a:ext uri="{FF2B5EF4-FFF2-40B4-BE49-F238E27FC236}">
+                <a16:creationId xmlns:a16="http://schemas.microsoft.com/office/drawing/2014/main" id="{E086177A-6046-4DE8-898E-101158B775F6}"/>
+              </a:ext>
+            </a:extLst>
+          </p:cNvPr>
+          <p:cNvSpPr/>
+          <p:nvPr/>
+        </p:nvSpPr>
+        <p:spPr>
+          <a:xfrm>
+            <a:off x="2747912" y="6035696"/>
+            <a:ext cx="6381943" cy="499620"/>
+          </a:xfrm>
+          <a:prstGeom prst="rect">
+            <a:avLst/>
+          </a:prstGeom>
+          <a:solidFill>
+            <a:srgbClr val="C4B7D7"/>
+          </a:solidFill>
+          <a:ln>
+            <a:solidFill>
+              <a:schemeClr val="tx1"/>
+            </a:solidFill>
+          </a:ln>
+        </p:spPr>
+        <p:style>
+          <a:lnRef idx="2">
+            <a:schemeClr val="accent1">
+              <a:shade val="50000"/>
+            </a:schemeClr>
+          </a:lnRef>
+          <a:fillRef idx="1">
+            <a:schemeClr val="accent1"/>
+          </a:fillRef>
+          <a:effectRef idx="0">
+            <a:schemeClr val="accent1"/>
+          </a:effectRef>
+          <a:fontRef idx="minor">
+            <a:schemeClr val="lt1"/>
+          </a:fontRef>
+        </p:style>
+        <p:txBody>
+          <a:bodyPr rtlCol="0" anchor="ctr"/>
+          <a:lstStyle/>
+          <a:p>
+            <a:pPr algn="ctr"/>
+            <a:r>
+              <a:rPr lang="en-US" altLang="zh-CN" sz="1600" dirty="0">
+                <a:solidFill>
+                  <a:schemeClr val="tx1"/>
+                </a:solidFill>
+                <a:latin typeface="Times New Roman" panose="02020603050405020304" pitchFamily="18" charset="0"/>
+                <a:cs typeface="Times New Roman" panose="02020603050405020304" pitchFamily="18" charset="0"/>
+              </a:rPr>
+              <a:t>Nor</a:t>
+            </a:r>
+            <a:r>
+              <a:rPr lang="zh-CN" altLang="en-US" sz="1600" dirty="0">
+                <a:solidFill>
+                  <a:schemeClr val="tx1"/>
+                </a:solidFill>
+                <a:latin typeface="Times New Roman" panose="02020603050405020304" pitchFamily="18" charset="0"/>
+                <a:cs typeface="Times New Roman" panose="02020603050405020304" pitchFamily="18" charset="0"/>
+              </a:rPr>
+              <a:t>驱动层</a:t>
+            </a:r>
+          </a:p>
+        </p:txBody>
+      </p:sp>
+      <p:cxnSp>
+        <p:nvCxnSpPr>
+          <p:cNvPr id="10" name="直接箭头连接符 9">
+            <a:extLst>
+              <a:ext uri="{FF2B5EF4-FFF2-40B4-BE49-F238E27FC236}">
+                <a16:creationId xmlns:a16="http://schemas.microsoft.com/office/drawing/2014/main" id="{CF950003-52CB-4813-82AD-536DB0844A46}"/>
+              </a:ext>
+            </a:extLst>
+          </p:cNvPr>
+          <p:cNvCxnSpPr>
+            <a:stCxn id="4" idx="2"/>
+            <a:endCxn id="5" idx="0"/>
+          </p:cNvCxnSpPr>
+          <p:nvPr/>
+        </p:nvCxnSpPr>
+        <p:spPr>
+          <a:xfrm>
+            <a:off x="5938887" y="777551"/>
+            <a:ext cx="0" cy="461915"/>
+          </a:xfrm>
+          <a:prstGeom prst="straightConnector1">
+            <a:avLst/>
+          </a:prstGeom>
+          <a:ln w="12700">
+            <a:headEnd type="triangle" w="med" len="med"/>
+            <a:tailEnd type="triangle" w="med" len="med"/>
+          </a:ln>
+        </p:spPr>
+        <p:style>
+          <a:lnRef idx="1">
+            <a:schemeClr val="dk1"/>
+          </a:lnRef>
+          <a:fillRef idx="0">
+            <a:schemeClr val="dk1"/>
+          </a:fillRef>
+          <a:effectRef idx="0">
+            <a:schemeClr val="dk1"/>
+          </a:effectRef>
+          <a:fontRef idx="minor">
+            <a:schemeClr val="tx1"/>
+          </a:fontRef>
+        </p:style>
+      </p:cxnSp>
+      <p:cxnSp>
+        <p:nvCxnSpPr>
+          <p:cNvPr id="11" name="直接箭头连接符 10">
+            <a:extLst>
+              <a:ext uri="{FF2B5EF4-FFF2-40B4-BE49-F238E27FC236}">
+                <a16:creationId xmlns:a16="http://schemas.microsoft.com/office/drawing/2014/main" id="{66ED633F-491A-40A2-91BA-F04FE34DE810}"/>
+              </a:ext>
+            </a:extLst>
+          </p:cNvPr>
+          <p:cNvCxnSpPr>
+            <a:cxnSpLocks/>
+            <a:stCxn id="5" idx="2"/>
+            <a:endCxn id="6" idx="0"/>
+          </p:cNvCxnSpPr>
+          <p:nvPr/>
+        </p:nvCxnSpPr>
+        <p:spPr>
+          <a:xfrm>
+            <a:off x="5938887" y="1739086"/>
+            <a:ext cx="0" cy="461915"/>
+          </a:xfrm>
+          <a:prstGeom prst="straightConnector1">
+            <a:avLst/>
+          </a:prstGeom>
+          <a:ln w="12700">
+            <a:headEnd type="triangle" w="med" len="med"/>
+            <a:tailEnd type="triangle" w="med" len="med"/>
+          </a:ln>
+        </p:spPr>
+        <p:style>
+          <a:lnRef idx="1">
+            <a:schemeClr val="dk1"/>
+          </a:lnRef>
+          <a:fillRef idx="0">
+            <a:schemeClr val="dk1"/>
+          </a:fillRef>
+          <a:effectRef idx="0">
+            <a:schemeClr val="dk1"/>
+          </a:effectRef>
+          <a:fontRef idx="minor">
+            <a:schemeClr val="tx1"/>
+          </a:fontRef>
+        </p:style>
+      </p:cxnSp>
+      <p:cxnSp>
+        <p:nvCxnSpPr>
+          <p:cNvPr id="12" name="直接箭头连接符 11">
+            <a:extLst>
+              <a:ext uri="{FF2B5EF4-FFF2-40B4-BE49-F238E27FC236}">
+                <a16:creationId xmlns:a16="http://schemas.microsoft.com/office/drawing/2014/main" id="{76A6C91D-67D4-4066-BB7C-9F884DEE08D6}"/>
+              </a:ext>
+            </a:extLst>
+          </p:cNvPr>
+          <p:cNvCxnSpPr>
+            <a:cxnSpLocks/>
+            <a:stCxn id="6" idx="2"/>
+            <a:endCxn id="7" idx="0"/>
+          </p:cNvCxnSpPr>
+          <p:nvPr/>
+        </p:nvCxnSpPr>
+        <p:spPr>
+          <a:xfrm flipH="1">
+            <a:off x="3397031" y="2700621"/>
+            <a:ext cx="2541856" cy="464460"/>
+          </a:xfrm>
+          <a:prstGeom prst="straightConnector1">
+            <a:avLst/>
+          </a:prstGeom>
+          <a:ln w="12700">
+            <a:headEnd type="oval" w="med" len="med"/>
+            <a:tailEnd type="triangle" w="med" len="med"/>
+          </a:ln>
+        </p:spPr>
+        <p:style>
+          <a:lnRef idx="1">
+            <a:schemeClr val="dk1"/>
+          </a:lnRef>
+          <a:fillRef idx="0">
+            <a:schemeClr val="dk1"/>
+          </a:fillRef>
+          <a:effectRef idx="0">
+            <a:schemeClr val="dk1"/>
+          </a:effectRef>
+          <a:fontRef idx="minor">
+            <a:schemeClr val="tx1"/>
+          </a:fontRef>
+        </p:style>
+      </p:cxnSp>
+      <p:cxnSp>
+        <p:nvCxnSpPr>
+          <p:cNvPr id="13" name="直接箭头连接符 12">
+            <a:extLst>
+              <a:ext uri="{FF2B5EF4-FFF2-40B4-BE49-F238E27FC236}">
+                <a16:creationId xmlns:a16="http://schemas.microsoft.com/office/drawing/2014/main" id="{18EEC8BB-C7B8-4FEB-9550-77AFEF121D66}"/>
+              </a:ext>
+            </a:extLst>
+          </p:cNvPr>
+          <p:cNvCxnSpPr>
+            <a:cxnSpLocks/>
+            <a:stCxn id="6" idx="2"/>
+            <a:endCxn id="15" idx="0"/>
+          </p:cNvCxnSpPr>
+          <p:nvPr/>
+        </p:nvCxnSpPr>
+        <p:spPr>
+          <a:xfrm>
+            <a:off x="5938887" y="2700621"/>
+            <a:ext cx="4059" cy="1419635"/>
+          </a:xfrm>
+          <a:prstGeom prst="straightConnector1">
+            <a:avLst/>
+          </a:prstGeom>
+          <a:ln w="12700">
+            <a:headEnd type="triangle" w="med" len="med"/>
+            <a:tailEnd type="triangle" w="med" len="med"/>
+          </a:ln>
+        </p:spPr>
+        <p:style>
+          <a:lnRef idx="1">
+            <a:schemeClr val="dk1"/>
+          </a:lnRef>
+          <a:fillRef idx="0">
+            <a:schemeClr val="dk1"/>
+          </a:fillRef>
+          <a:effectRef idx="0">
+            <a:schemeClr val="dk1"/>
+          </a:effectRef>
+          <a:fontRef idx="minor">
+            <a:schemeClr val="tx1"/>
+          </a:fontRef>
+        </p:style>
+      </p:cxnSp>
+      <p:cxnSp>
+        <p:nvCxnSpPr>
+          <p:cNvPr id="14" name="直接箭头连接符 13">
+            <a:extLst>
+              <a:ext uri="{FF2B5EF4-FFF2-40B4-BE49-F238E27FC236}">
+                <a16:creationId xmlns:a16="http://schemas.microsoft.com/office/drawing/2014/main" id="{34CFED8C-50F0-4648-B1A3-CD3AD1729374}"/>
+              </a:ext>
+            </a:extLst>
+          </p:cNvPr>
+          <p:cNvCxnSpPr>
+            <a:cxnSpLocks/>
+            <a:stCxn id="8" idx="2"/>
+            <a:endCxn id="9" idx="0"/>
+          </p:cNvCxnSpPr>
+          <p:nvPr/>
+        </p:nvCxnSpPr>
+        <p:spPr>
+          <a:xfrm flipH="1">
+            <a:off x="5938884" y="5577596"/>
+            <a:ext cx="1" cy="458100"/>
+          </a:xfrm>
+          <a:prstGeom prst="straightConnector1">
+            <a:avLst/>
+          </a:prstGeom>
+          <a:ln w="12700">
+            <a:headEnd type="triangle" w="med" len="med"/>
+            <a:tailEnd type="triangle" w="med" len="med"/>
+          </a:ln>
+        </p:spPr>
+        <p:style>
+          <a:lnRef idx="1">
+            <a:schemeClr val="dk1"/>
+          </a:lnRef>
+          <a:fillRef idx="0">
+            <a:schemeClr val="dk1"/>
+          </a:fillRef>
+          <a:effectRef idx="0">
+            <a:schemeClr val="dk1"/>
+          </a:effectRef>
+          <a:fontRef idx="minor">
+            <a:schemeClr val="tx1"/>
+          </a:fontRef>
+        </p:style>
+      </p:cxnSp>
+      <p:sp>
+        <p:nvSpPr>
+          <p:cNvPr id="15" name="矩形 14">
+            <a:extLst>
+              <a:ext uri="{FF2B5EF4-FFF2-40B4-BE49-F238E27FC236}">
+                <a16:creationId xmlns:a16="http://schemas.microsoft.com/office/drawing/2014/main" id="{D9DEA190-9F7D-4A5B-AF03-815FB8D417AB}"/>
+              </a:ext>
+            </a:extLst>
+          </p:cNvPr>
+          <p:cNvSpPr/>
+          <p:nvPr/>
+        </p:nvSpPr>
+        <p:spPr>
+          <a:xfrm>
+            <a:off x="2751974" y="4120256"/>
+            <a:ext cx="6381943" cy="499620"/>
+          </a:xfrm>
+          <a:prstGeom prst="rect">
+            <a:avLst/>
+          </a:prstGeom>
+          <a:noFill/>
+          <a:ln>
+            <a:solidFill>
+              <a:schemeClr val="tx1"/>
+            </a:solidFill>
+            <a:prstDash val="lgDash"/>
+          </a:ln>
+        </p:spPr>
+        <p:style>
+          <a:lnRef idx="2">
+            <a:schemeClr val="accent1">
+              <a:shade val="50000"/>
+            </a:schemeClr>
+          </a:lnRef>
+          <a:fillRef idx="1">
+            <a:schemeClr val="accent1"/>
+          </a:fillRef>
+          <a:effectRef idx="0">
+            <a:schemeClr val="accent1"/>
+          </a:effectRef>
+          <a:fontRef idx="minor">
+            <a:schemeClr val="lt1"/>
+          </a:fontRef>
+        </p:style>
+        <p:txBody>
+          <a:bodyPr rtlCol="0" anchor="ctr"/>
+          <a:lstStyle/>
+          <a:p>
+            <a:pPr algn="ctr"/>
+            <a:r>
+              <a:rPr lang="en-US" altLang="zh-CN" sz="1600" dirty="0" err="1">
+                <a:solidFill>
+                  <a:schemeClr val="tx1"/>
+                </a:solidFill>
+                <a:latin typeface="Times New Roman" panose="02020603050405020304" pitchFamily="18" charset="0"/>
+                <a:cs typeface="Times New Roman" panose="02020603050405020304" pitchFamily="18" charset="0"/>
+              </a:rPr>
+              <a:t>HoitFS</a:t>
+            </a:r>
+            <a:r>
+              <a:rPr lang="en-US" altLang="zh-CN" sz="1600" dirty="0">
+                <a:solidFill>
+                  <a:schemeClr val="tx1"/>
+                </a:solidFill>
+                <a:latin typeface="Times New Roman" panose="02020603050405020304" pitchFamily="18" charset="0"/>
+                <a:cs typeface="Times New Roman" panose="02020603050405020304" pitchFamily="18" charset="0"/>
+              </a:rPr>
+              <a:t> </a:t>
+            </a:r>
+            <a:r>
+              <a:rPr lang="zh-CN" altLang="en-US" sz="1600" dirty="0">
+                <a:solidFill>
+                  <a:schemeClr val="tx1"/>
+                </a:solidFill>
+                <a:latin typeface="Times New Roman" panose="02020603050405020304" pitchFamily="18" charset="0"/>
+                <a:cs typeface="Times New Roman" panose="02020603050405020304" pitchFamily="18" charset="0"/>
+              </a:rPr>
+              <a:t>日志</a:t>
+            </a:r>
+            <a:r>
+              <a:rPr lang="en-US" altLang="zh-CN" sz="1600" dirty="0">
+                <a:solidFill>
+                  <a:schemeClr val="tx1"/>
+                </a:solidFill>
+                <a:latin typeface="Times New Roman" panose="02020603050405020304" pitchFamily="18" charset="0"/>
+                <a:cs typeface="Times New Roman" panose="02020603050405020304" pitchFamily="18" charset="0"/>
+              </a:rPr>
+              <a:t>/</a:t>
+            </a:r>
+            <a:r>
+              <a:rPr lang="zh-CN" altLang="en-US" sz="1600" dirty="0">
+                <a:solidFill>
+                  <a:schemeClr val="tx1"/>
+                </a:solidFill>
+                <a:latin typeface="Times New Roman" panose="02020603050405020304" pitchFamily="18" charset="0"/>
+                <a:cs typeface="Times New Roman" panose="02020603050405020304" pitchFamily="18" charset="0"/>
+              </a:rPr>
+              <a:t>掉电保护层</a:t>
+            </a:r>
+            <a:r>
+              <a:rPr lang="en-US" altLang="zh-CN" sz="1600" dirty="0">
+                <a:solidFill>
+                  <a:schemeClr val="tx1"/>
+                </a:solidFill>
+                <a:latin typeface="Times New Roman" panose="02020603050405020304" pitchFamily="18" charset="0"/>
+                <a:cs typeface="Times New Roman" panose="02020603050405020304" pitchFamily="18" charset="0"/>
+              </a:rPr>
+              <a:t> </a:t>
+            </a:r>
+            <a:endParaRPr lang="zh-CN" altLang="en-US" sz="1600" dirty="0">
+              <a:solidFill>
+                <a:schemeClr val="tx1"/>
+              </a:solidFill>
+              <a:latin typeface="Times New Roman" panose="02020603050405020304" pitchFamily="18" charset="0"/>
+              <a:cs typeface="Times New Roman" panose="02020603050405020304" pitchFamily="18" charset="0"/>
+            </a:endParaRPr>
+          </a:p>
+        </p:txBody>
+      </p:sp>
+      <p:cxnSp>
+        <p:nvCxnSpPr>
+          <p:cNvPr id="16" name="直接箭头连接符 15">
+            <a:extLst>
+              <a:ext uri="{FF2B5EF4-FFF2-40B4-BE49-F238E27FC236}">
+                <a16:creationId xmlns:a16="http://schemas.microsoft.com/office/drawing/2014/main" id="{F8854BF8-892B-4B47-9725-5E63D9E4B101}"/>
+              </a:ext>
+            </a:extLst>
+          </p:cNvPr>
+          <p:cNvCxnSpPr>
+            <a:cxnSpLocks/>
+            <a:stCxn id="17" idx="1"/>
+            <a:endCxn id="7" idx="3"/>
+          </p:cNvCxnSpPr>
+          <p:nvPr/>
+        </p:nvCxnSpPr>
+        <p:spPr>
+          <a:xfrm flipH="1">
+            <a:off x="5224878" y="3414891"/>
+            <a:ext cx="1454564" cy="0"/>
+          </a:xfrm>
+          <a:prstGeom prst="straightConnector1">
+            <a:avLst/>
+          </a:prstGeom>
+          <a:ln w="12700">
+            <a:headEnd type="triangle" w="med" len="med"/>
+            <a:tailEnd type="none" w="med" len="med"/>
+          </a:ln>
+        </p:spPr>
+        <p:style>
+          <a:lnRef idx="1">
+            <a:schemeClr val="dk1"/>
+          </a:lnRef>
+          <a:fillRef idx="0">
+            <a:schemeClr val="dk1"/>
+          </a:fillRef>
+          <a:effectRef idx="0">
+            <a:schemeClr val="dk1"/>
+          </a:effectRef>
+          <a:fontRef idx="minor">
+            <a:schemeClr val="tx1"/>
+          </a:fontRef>
+        </p:style>
+      </p:cxnSp>
+      <p:sp>
+        <p:nvSpPr>
+          <p:cNvPr id="17" name="矩形 16">
+            <a:extLst>
+              <a:ext uri="{FF2B5EF4-FFF2-40B4-BE49-F238E27FC236}">
+                <a16:creationId xmlns:a16="http://schemas.microsoft.com/office/drawing/2014/main" id="{BF8F6FE6-488B-45FB-B575-BABBF7BB94E5}"/>
+              </a:ext>
+            </a:extLst>
+          </p:cNvPr>
+          <p:cNvSpPr/>
+          <p:nvPr/>
+        </p:nvSpPr>
+        <p:spPr>
+          <a:xfrm>
+            <a:off x="6679442" y="3165081"/>
+            <a:ext cx="3655694" cy="499620"/>
+          </a:xfrm>
+          <a:prstGeom prst="rect">
+            <a:avLst/>
+          </a:prstGeom>
+          <a:solidFill>
+            <a:srgbClr val="C4B7D7"/>
+          </a:solidFill>
+          <a:ln>
+            <a:solidFill>
+              <a:schemeClr val="tx1"/>
+            </a:solidFill>
+          </a:ln>
+        </p:spPr>
+        <p:style>
+          <a:lnRef idx="2">
+            <a:schemeClr val="accent1">
+              <a:shade val="50000"/>
+            </a:schemeClr>
+          </a:lnRef>
+          <a:fillRef idx="1">
+            <a:schemeClr val="accent1"/>
+          </a:fillRef>
+          <a:effectRef idx="0">
+            <a:schemeClr val="accent1"/>
+          </a:effectRef>
+          <a:fontRef idx="minor">
+            <a:schemeClr val="lt1"/>
+          </a:fontRef>
+        </p:style>
+        <p:txBody>
+          <a:bodyPr rtlCol="0" anchor="ctr"/>
+          <a:lstStyle/>
+          <a:p>
+            <a:pPr algn="ctr"/>
+            <a:r>
+              <a:rPr lang="en-US" altLang="zh-CN" sz="1600" dirty="0" err="1">
+                <a:solidFill>
+                  <a:schemeClr val="tx1"/>
+                </a:solidFill>
+                <a:latin typeface="Times New Roman" panose="02020603050405020304" pitchFamily="18" charset="0"/>
+                <a:cs typeface="Times New Roman" panose="02020603050405020304" pitchFamily="18" charset="0"/>
+              </a:rPr>
+              <a:t>HoitFS</a:t>
+            </a:r>
+            <a:r>
+              <a:rPr lang="en-US" altLang="zh-CN" sz="1600" dirty="0">
+                <a:solidFill>
+                  <a:schemeClr val="tx1"/>
+                </a:solidFill>
+                <a:latin typeface="Times New Roman" panose="02020603050405020304" pitchFamily="18" charset="0"/>
+                <a:cs typeface="Times New Roman" panose="02020603050405020304" pitchFamily="18" charset="0"/>
+              </a:rPr>
+              <a:t> </a:t>
+            </a:r>
+            <a:r>
+              <a:rPr lang="en-US" altLang="zh-CN" sz="1600" dirty="0" err="1">
+                <a:solidFill>
+                  <a:schemeClr val="tx1"/>
+                </a:solidFill>
+                <a:latin typeface="Times New Roman" panose="02020603050405020304" pitchFamily="18" charset="0"/>
+                <a:cs typeface="Times New Roman" panose="02020603050405020304" pitchFamily="18" charset="0"/>
+              </a:rPr>
+              <a:t>FragTree</a:t>
+            </a:r>
+            <a:r>
+              <a:rPr lang="en-US" altLang="zh-CN" sz="1600">
+                <a:solidFill>
+                  <a:schemeClr val="tx1"/>
+                </a:solidFill>
+                <a:latin typeface="Times New Roman" panose="02020603050405020304" pitchFamily="18" charset="0"/>
+                <a:cs typeface="Times New Roman" panose="02020603050405020304" pitchFamily="18" charset="0"/>
+              </a:rPr>
+              <a:t> </a:t>
+            </a:r>
+            <a:r>
+              <a:rPr lang="zh-CN" altLang="en-US" sz="1600">
+                <a:solidFill>
+                  <a:schemeClr val="tx1"/>
+                </a:solidFill>
+                <a:latin typeface="Times New Roman" panose="02020603050405020304" pitchFamily="18" charset="0"/>
+                <a:cs typeface="Times New Roman" panose="02020603050405020304" pitchFamily="18" charset="0"/>
+              </a:rPr>
+              <a:t>管理</a:t>
+            </a:r>
+            <a:r>
+              <a:rPr lang="zh-CN" altLang="en-US" sz="1600" dirty="0">
+                <a:solidFill>
+                  <a:schemeClr val="tx1"/>
+                </a:solidFill>
+                <a:latin typeface="Times New Roman" panose="02020603050405020304" pitchFamily="18" charset="0"/>
+                <a:cs typeface="Times New Roman" panose="02020603050405020304" pitchFamily="18" charset="0"/>
+              </a:rPr>
+              <a:t>层</a:t>
+            </a:r>
+          </a:p>
+        </p:txBody>
+      </p:sp>
+      <p:cxnSp>
+        <p:nvCxnSpPr>
+          <p:cNvPr id="18" name="直接箭头连接符 17">
+            <a:extLst>
+              <a:ext uri="{FF2B5EF4-FFF2-40B4-BE49-F238E27FC236}">
+                <a16:creationId xmlns:a16="http://schemas.microsoft.com/office/drawing/2014/main" id="{F0D1F52E-9332-4BC3-B21E-6A30CBBF571A}"/>
+              </a:ext>
+            </a:extLst>
+          </p:cNvPr>
+          <p:cNvCxnSpPr>
+            <a:cxnSpLocks/>
+            <a:stCxn id="17" idx="0"/>
+            <a:endCxn id="6" idx="2"/>
+          </p:cNvCxnSpPr>
+          <p:nvPr/>
+        </p:nvCxnSpPr>
+        <p:spPr>
+          <a:xfrm flipH="1" flipV="1">
+            <a:off x="5938887" y="2700621"/>
+            <a:ext cx="2568402" cy="464460"/>
+          </a:xfrm>
+          <a:prstGeom prst="straightConnector1">
+            <a:avLst/>
+          </a:prstGeom>
+          <a:ln w="12700">
+            <a:headEnd type="triangle" w="med" len="med"/>
+            <a:tailEnd type="oval" w="med" len="med"/>
+          </a:ln>
+        </p:spPr>
+        <p:style>
+          <a:lnRef idx="1">
+            <a:schemeClr val="dk1"/>
+          </a:lnRef>
+          <a:fillRef idx="0">
+            <a:schemeClr val="dk1"/>
+          </a:fillRef>
+          <a:effectRef idx="0">
+            <a:schemeClr val="dk1"/>
+          </a:effectRef>
+          <a:fontRef idx="minor">
+            <a:schemeClr val="tx1"/>
+          </a:fontRef>
+        </p:style>
+      </p:cxnSp>
+      <p:cxnSp>
+        <p:nvCxnSpPr>
+          <p:cNvPr id="19" name="直接箭头连接符 18">
+            <a:extLst>
+              <a:ext uri="{FF2B5EF4-FFF2-40B4-BE49-F238E27FC236}">
+                <a16:creationId xmlns:a16="http://schemas.microsoft.com/office/drawing/2014/main" id="{42F97013-691A-4A48-8587-72A2DA4C6621}"/>
+              </a:ext>
+            </a:extLst>
+          </p:cNvPr>
+          <p:cNvCxnSpPr>
+            <a:cxnSpLocks/>
+            <a:stCxn id="15" idx="2"/>
+            <a:endCxn id="8" idx="0"/>
+          </p:cNvCxnSpPr>
+          <p:nvPr/>
+        </p:nvCxnSpPr>
+        <p:spPr>
+          <a:xfrm flipH="1">
+            <a:off x="5938885" y="4619876"/>
+            <a:ext cx="4061" cy="458100"/>
+          </a:xfrm>
+          <a:prstGeom prst="straightConnector1">
+            <a:avLst/>
+          </a:prstGeom>
+          <a:ln w="12700">
+            <a:headEnd type="triangle" w="med" len="med"/>
+            <a:tailEnd type="triangle" w="med" len="med"/>
+          </a:ln>
+        </p:spPr>
+        <p:style>
+          <a:lnRef idx="1">
+            <a:schemeClr val="dk1"/>
+          </a:lnRef>
+          <a:fillRef idx="0">
+            <a:schemeClr val="dk1"/>
+          </a:fillRef>
+          <a:effectRef idx="0">
+            <a:schemeClr val="dk1"/>
+          </a:effectRef>
+          <a:fontRef idx="minor">
+            <a:schemeClr val="tx1"/>
+          </a:fontRef>
+        </p:style>
+      </p:cxnSp>
+    </p:spTree>
+    <p:extLst>
+      <p:ext uri="{BB962C8B-B14F-4D97-AF65-F5344CB8AC3E}">
+        <p14:creationId xmlns:p14="http://schemas.microsoft.com/office/powerpoint/2010/main" val="1845332767"/>
+      </p:ext>
+    </p:extLst>
+  </p:cSld>
+  <p:clrMapOvr>
+    <a:masterClrMapping/>
+  </p:clrMapOvr>
+</p:sld>
+</file>
+
+<file path=ppt/slides/slide12.xml><?xml version="1.0" encoding="utf-8"?>
 <p:sld xmlns:a="http://schemas.openxmlformats.org/drawingml/2006/main" xmlns:r="http://schemas.openxmlformats.org/officeDocument/2006/relationships" xmlns:p="http://schemas.openxmlformats.org/presentationml/2006/main">
   <p:cSld>
     <p:spTree>

--- a/Records/Files/绘图.pptx
+++ b/Records/Files/绘图.pptx
@@ -16,7 +16,9 @@
     <p:sldId id="265" r:id="rId10"/>
     <p:sldId id="266" r:id="rId11"/>
     <p:sldId id="267" r:id="rId12"/>
-    <p:sldId id="258" r:id="rId13"/>
+    <p:sldId id="268" r:id="rId13"/>
+    <p:sldId id="269" r:id="rId14"/>
+    <p:sldId id="258" r:id="rId15"/>
   </p:sldIdLst>
   <p:sldSz cx="12192000" cy="6858000"/>
   <p:notesSz cx="6858000" cy="9144000"/>
@@ -131,6 +133,8 @@
             <p14:sldId id="265"/>
             <p14:sldId id="266"/>
             <p14:sldId id="267"/>
+            <p14:sldId id="268"/>
+            <p14:sldId id="269"/>
           </p14:sldIdLst>
         </p14:section>
         <p14:section name="调色盘" id="{F219C78C-63A3-46B0-B927-77D926844DA0}">
@@ -294,7 +298,7 @@
           <a:p>
             <a:fld id="{93C21203-5B9D-4602-98E5-5368AAB74C7B}" type="datetimeFigureOut">
               <a:rPr lang="zh-CN" altLang="en-US" smtClean="0"/>
-              <a:t>2021-04-12</a:t>
+              <a:t>2021-04-26</a:t>
             </a:fld>
             <a:endParaRPr lang="zh-CN" altLang="en-US"/>
           </a:p>
@@ -492,7 +496,7 @@
           <a:p>
             <a:fld id="{93C21203-5B9D-4602-98E5-5368AAB74C7B}" type="datetimeFigureOut">
               <a:rPr lang="zh-CN" altLang="en-US" smtClean="0"/>
-              <a:t>2021-04-12</a:t>
+              <a:t>2021-04-26</a:t>
             </a:fld>
             <a:endParaRPr lang="zh-CN" altLang="en-US"/>
           </a:p>
@@ -700,7 +704,7 @@
           <a:p>
             <a:fld id="{93C21203-5B9D-4602-98E5-5368AAB74C7B}" type="datetimeFigureOut">
               <a:rPr lang="zh-CN" altLang="en-US" smtClean="0"/>
-              <a:t>2021-04-12</a:t>
+              <a:t>2021-04-26</a:t>
             </a:fld>
             <a:endParaRPr lang="zh-CN" altLang="en-US"/>
           </a:p>
@@ -898,7 +902,7 @@
           <a:p>
             <a:fld id="{93C21203-5B9D-4602-98E5-5368AAB74C7B}" type="datetimeFigureOut">
               <a:rPr lang="zh-CN" altLang="en-US" smtClean="0"/>
-              <a:t>2021-04-12</a:t>
+              <a:t>2021-04-26</a:t>
             </a:fld>
             <a:endParaRPr lang="zh-CN" altLang="en-US"/>
           </a:p>
@@ -1173,7 +1177,7 @@
           <a:p>
             <a:fld id="{93C21203-5B9D-4602-98E5-5368AAB74C7B}" type="datetimeFigureOut">
               <a:rPr lang="zh-CN" altLang="en-US" smtClean="0"/>
-              <a:t>2021-04-12</a:t>
+              <a:t>2021-04-26</a:t>
             </a:fld>
             <a:endParaRPr lang="zh-CN" altLang="en-US"/>
           </a:p>
@@ -1438,7 +1442,7 @@
           <a:p>
             <a:fld id="{93C21203-5B9D-4602-98E5-5368AAB74C7B}" type="datetimeFigureOut">
               <a:rPr lang="zh-CN" altLang="en-US" smtClean="0"/>
-              <a:t>2021-04-12</a:t>
+              <a:t>2021-04-26</a:t>
             </a:fld>
             <a:endParaRPr lang="zh-CN" altLang="en-US"/>
           </a:p>
@@ -1850,7 +1854,7 @@
           <a:p>
             <a:fld id="{93C21203-5B9D-4602-98E5-5368AAB74C7B}" type="datetimeFigureOut">
               <a:rPr lang="zh-CN" altLang="en-US" smtClean="0"/>
-              <a:t>2021-04-12</a:t>
+              <a:t>2021-04-26</a:t>
             </a:fld>
             <a:endParaRPr lang="zh-CN" altLang="en-US"/>
           </a:p>
@@ -1991,7 +1995,7 @@
           <a:p>
             <a:fld id="{93C21203-5B9D-4602-98E5-5368AAB74C7B}" type="datetimeFigureOut">
               <a:rPr lang="zh-CN" altLang="en-US" smtClean="0"/>
-              <a:t>2021-04-12</a:t>
+              <a:t>2021-04-26</a:t>
             </a:fld>
             <a:endParaRPr lang="zh-CN" altLang="en-US"/>
           </a:p>
@@ -2104,7 +2108,7 @@
           <a:p>
             <a:fld id="{93C21203-5B9D-4602-98E5-5368AAB74C7B}" type="datetimeFigureOut">
               <a:rPr lang="zh-CN" altLang="en-US" smtClean="0"/>
-              <a:t>2021-04-12</a:t>
+              <a:t>2021-04-26</a:t>
             </a:fld>
             <a:endParaRPr lang="zh-CN" altLang="en-US"/>
           </a:p>
@@ -2415,7 +2419,7 @@
           <a:p>
             <a:fld id="{93C21203-5B9D-4602-98E5-5368AAB74C7B}" type="datetimeFigureOut">
               <a:rPr lang="zh-CN" altLang="en-US" smtClean="0"/>
-              <a:t>2021-04-12</a:t>
+              <a:t>2021-04-26</a:t>
             </a:fld>
             <a:endParaRPr lang="zh-CN" altLang="en-US"/>
           </a:p>
@@ -2703,7 +2707,7 @@
           <a:p>
             <a:fld id="{93C21203-5B9D-4602-98E5-5368AAB74C7B}" type="datetimeFigureOut">
               <a:rPr lang="zh-CN" altLang="en-US" smtClean="0"/>
-              <a:t>2021-04-12</a:t>
+              <a:t>2021-04-26</a:t>
             </a:fld>
             <a:endParaRPr lang="zh-CN" altLang="en-US"/>
           </a:p>
@@ -2944,7 +2948,7 @@
           <a:p>
             <a:fld id="{93C21203-5B9D-4602-98E5-5368AAB74C7B}" type="datetimeFigureOut">
               <a:rPr lang="zh-CN" altLang="en-US" smtClean="0"/>
-              <a:t>2021-04-12</a:t>
+              <a:t>2021-04-26</a:t>
             </a:fld>
             <a:endParaRPr lang="zh-CN" altLang="en-US"/>
           </a:p>
@@ -7664,6 +7668,2066 @@
 </file>
 
 <file path=ppt/slides/slide12.xml><?xml version="1.0" encoding="utf-8"?>
+<p:sld xmlns:a="http://schemas.openxmlformats.org/drawingml/2006/main" xmlns:r="http://schemas.openxmlformats.org/officeDocument/2006/relationships" xmlns:p="http://schemas.openxmlformats.org/presentationml/2006/main">
+  <p:cSld>
+    <p:spTree>
+      <p:nvGrpSpPr>
+        <p:cNvPr id="1" name=""/>
+        <p:cNvGrpSpPr/>
+        <p:nvPr/>
+      </p:nvGrpSpPr>
+      <p:grpSpPr>
+        <a:xfrm>
+          <a:off x="0" y="0"/>
+          <a:ext cx="0" cy="0"/>
+          <a:chOff x="0" y="0"/>
+          <a:chExt cx="0" cy="0"/>
+        </a:xfrm>
+      </p:grpSpPr>
+      <p:sp>
+        <p:nvSpPr>
+          <p:cNvPr id="8" name="矩形 7">
+            <a:extLst>
+              <a:ext uri="{FF2B5EF4-FFF2-40B4-BE49-F238E27FC236}">
+                <a16:creationId xmlns:a16="http://schemas.microsoft.com/office/drawing/2014/main" id="{6FC5B14E-279B-4D77-B89E-5D13A08129C0}"/>
+              </a:ext>
+            </a:extLst>
+          </p:cNvPr>
+          <p:cNvSpPr/>
+          <p:nvPr/>
+        </p:nvSpPr>
+        <p:spPr>
+          <a:xfrm>
+            <a:off x="1768308" y="2265968"/>
+            <a:ext cx="9270479" cy="1345676"/>
+          </a:xfrm>
+          <a:prstGeom prst="rect">
+            <a:avLst/>
+          </a:prstGeom>
+          <a:solidFill>
+            <a:srgbClr val="F5F5F5"/>
+          </a:solidFill>
+          <a:ln>
+            <a:solidFill>
+              <a:schemeClr val="tx1"/>
+            </a:solidFill>
+          </a:ln>
+        </p:spPr>
+        <p:style>
+          <a:lnRef idx="2">
+            <a:schemeClr val="accent1">
+              <a:shade val="50000"/>
+            </a:schemeClr>
+          </a:lnRef>
+          <a:fillRef idx="1">
+            <a:schemeClr val="accent1"/>
+          </a:fillRef>
+          <a:effectRef idx="0">
+            <a:schemeClr val="accent1"/>
+          </a:effectRef>
+          <a:fontRef idx="minor">
+            <a:schemeClr val="lt1"/>
+          </a:fontRef>
+        </p:style>
+        <p:txBody>
+          <a:bodyPr rtlCol="0" anchor="ctr"/>
+          <a:lstStyle/>
+          <a:p>
+            <a:pPr algn="ctr"/>
+            <a:r>
+              <a:rPr lang="en-US" altLang="zh-CN">
+                <a:solidFill>
+                  <a:schemeClr val="tx1"/>
+                </a:solidFill>
+                <a:latin typeface="Times New Roman" panose="02020603050405020304" pitchFamily="18" charset="0"/>
+                <a:cs typeface="Times New Roman" panose="02020603050405020304" pitchFamily="18" charset="0"/>
+              </a:rPr>
+              <a:t>Flash</a:t>
+            </a:r>
+            <a:endParaRPr lang="zh-CN" altLang="en-US" dirty="0">
+              <a:solidFill>
+                <a:schemeClr val="tx1"/>
+              </a:solidFill>
+              <a:latin typeface="Times New Roman" panose="02020603050405020304" pitchFamily="18" charset="0"/>
+              <a:cs typeface="Times New Roman" panose="02020603050405020304" pitchFamily="18" charset="0"/>
+            </a:endParaRPr>
+          </a:p>
+        </p:txBody>
+      </p:sp>
+      <p:sp>
+        <p:nvSpPr>
+          <p:cNvPr id="4" name="矩形 3">
+            <a:extLst>
+              <a:ext uri="{FF2B5EF4-FFF2-40B4-BE49-F238E27FC236}">
+                <a16:creationId xmlns:a16="http://schemas.microsoft.com/office/drawing/2014/main" id="{66A7893F-B2CE-49B2-8E0D-DF52035F905A}"/>
+              </a:ext>
+            </a:extLst>
+          </p:cNvPr>
+          <p:cNvSpPr/>
+          <p:nvPr/>
+        </p:nvSpPr>
+        <p:spPr>
+          <a:xfrm>
+            <a:off x="1768309" y="2265968"/>
+            <a:ext cx="1082512" cy="1345676"/>
+          </a:xfrm>
+          <a:prstGeom prst="rect">
+            <a:avLst/>
+          </a:prstGeom>
+          <a:solidFill>
+            <a:srgbClr val="C4B7D7"/>
+          </a:solidFill>
+          <a:ln>
+            <a:solidFill>
+              <a:schemeClr val="tx1"/>
+            </a:solidFill>
+          </a:ln>
+        </p:spPr>
+        <p:style>
+          <a:lnRef idx="2">
+            <a:schemeClr val="accent1">
+              <a:shade val="50000"/>
+            </a:schemeClr>
+          </a:lnRef>
+          <a:fillRef idx="1">
+            <a:schemeClr val="accent1"/>
+          </a:fillRef>
+          <a:effectRef idx="0">
+            <a:schemeClr val="accent1"/>
+          </a:effectRef>
+          <a:fontRef idx="minor">
+            <a:schemeClr val="lt1"/>
+          </a:fontRef>
+        </p:style>
+        <p:txBody>
+          <a:bodyPr rtlCol="0" anchor="ctr"/>
+          <a:lstStyle/>
+          <a:p>
+            <a:pPr algn="ctr"/>
+            <a:r>
+              <a:rPr lang="en-US" altLang="zh-CN" dirty="0">
+                <a:solidFill>
+                  <a:schemeClr val="tx1"/>
+                </a:solidFill>
+                <a:latin typeface="Times New Roman" panose="02020603050405020304" pitchFamily="18" charset="0"/>
+                <a:cs typeface="Times New Roman" panose="02020603050405020304" pitchFamily="18" charset="0"/>
+              </a:rPr>
+              <a:t>Static SB</a:t>
+            </a:r>
+            <a:endParaRPr lang="zh-CN" altLang="en-US" dirty="0">
+              <a:solidFill>
+                <a:schemeClr val="tx1"/>
+              </a:solidFill>
+              <a:latin typeface="Times New Roman" panose="02020603050405020304" pitchFamily="18" charset="0"/>
+              <a:cs typeface="Times New Roman" panose="02020603050405020304" pitchFamily="18" charset="0"/>
+            </a:endParaRPr>
+          </a:p>
+        </p:txBody>
+      </p:sp>
+      <p:sp>
+        <p:nvSpPr>
+          <p:cNvPr id="6" name="矩形 5">
+            <a:extLst>
+              <a:ext uri="{FF2B5EF4-FFF2-40B4-BE49-F238E27FC236}">
+                <a16:creationId xmlns:a16="http://schemas.microsoft.com/office/drawing/2014/main" id="{FE9AA6D5-C448-4B45-A120-969F84AAE7E3}"/>
+              </a:ext>
+            </a:extLst>
+          </p:cNvPr>
+          <p:cNvSpPr/>
+          <p:nvPr/>
+        </p:nvSpPr>
+        <p:spPr>
+          <a:xfrm>
+            <a:off x="2850821" y="2265968"/>
+            <a:ext cx="1082512" cy="1345676"/>
+          </a:xfrm>
+          <a:prstGeom prst="rect">
+            <a:avLst/>
+          </a:prstGeom>
+          <a:solidFill>
+            <a:srgbClr val="C4B7D7"/>
+          </a:solidFill>
+          <a:ln>
+            <a:solidFill>
+              <a:schemeClr val="tx1"/>
+            </a:solidFill>
+          </a:ln>
+        </p:spPr>
+        <p:style>
+          <a:lnRef idx="2">
+            <a:schemeClr val="accent1">
+              <a:shade val="50000"/>
+            </a:schemeClr>
+          </a:lnRef>
+          <a:fillRef idx="1">
+            <a:schemeClr val="accent1"/>
+          </a:fillRef>
+          <a:effectRef idx="0">
+            <a:schemeClr val="accent1"/>
+          </a:effectRef>
+          <a:fontRef idx="minor">
+            <a:schemeClr val="lt1"/>
+          </a:fontRef>
+        </p:style>
+        <p:txBody>
+          <a:bodyPr rtlCol="0" anchor="ctr"/>
+          <a:lstStyle/>
+          <a:p>
+            <a:pPr algn="ctr"/>
+            <a:r>
+              <a:rPr lang="en-US" altLang="zh-CN" dirty="0">
+                <a:solidFill>
+                  <a:schemeClr val="tx1"/>
+                </a:solidFill>
+                <a:latin typeface="Times New Roman" panose="02020603050405020304" pitchFamily="18" charset="0"/>
+                <a:cs typeface="Times New Roman" panose="02020603050405020304" pitchFamily="18" charset="0"/>
+              </a:rPr>
+              <a:t>Anchor Area</a:t>
+            </a:r>
+            <a:endParaRPr lang="zh-CN" altLang="en-US" dirty="0">
+              <a:solidFill>
+                <a:schemeClr val="tx1"/>
+              </a:solidFill>
+              <a:latin typeface="Times New Roman" panose="02020603050405020304" pitchFamily="18" charset="0"/>
+              <a:cs typeface="Times New Roman" panose="02020603050405020304" pitchFamily="18" charset="0"/>
+            </a:endParaRPr>
+          </a:p>
+        </p:txBody>
+      </p:sp>
+      <p:sp>
+        <p:nvSpPr>
+          <p:cNvPr id="7" name="矩形 6">
+            <a:extLst>
+              <a:ext uri="{FF2B5EF4-FFF2-40B4-BE49-F238E27FC236}">
+                <a16:creationId xmlns:a16="http://schemas.microsoft.com/office/drawing/2014/main" id="{0B1337CC-A24C-41C4-8D2F-DF46229A3425}"/>
+              </a:ext>
+            </a:extLst>
+          </p:cNvPr>
+          <p:cNvSpPr/>
+          <p:nvPr/>
+        </p:nvSpPr>
+        <p:spPr>
+          <a:xfrm>
+            <a:off x="3933333" y="2265968"/>
+            <a:ext cx="1082512" cy="1345676"/>
+          </a:xfrm>
+          <a:prstGeom prst="rect">
+            <a:avLst/>
+          </a:prstGeom>
+          <a:solidFill>
+            <a:srgbClr val="C4B7D7"/>
+          </a:solidFill>
+          <a:ln>
+            <a:solidFill>
+              <a:schemeClr val="tx1"/>
+            </a:solidFill>
+          </a:ln>
+        </p:spPr>
+        <p:style>
+          <a:lnRef idx="2">
+            <a:schemeClr val="accent1">
+              <a:shade val="50000"/>
+            </a:schemeClr>
+          </a:lnRef>
+          <a:fillRef idx="1">
+            <a:schemeClr val="accent1"/>
+          </a:fillRef>
+          <a:effectRef idx="0">
+            <a:schemeClr val="accent1"/>
+          </a:effectRef>
+          <a:fontRef idx="minor">
+            <a:schemeClr val="lt1"/>
+          </a:fontRef>
+        </p:style>
+        <p:txBody>
+          <a:bodyPr rtlCol="0" anchor="ctr"/>
+          <a:lstStyle/>
+          <a:p>
+            <a:pPr algn="ctr"/>
+            <a:r>
+              <a:rPr lang="en-US" altLang="zh-CN" dirty="0">
+                <a:solidFill>
+                  <a:schemeClr val="tx1"/>
+                </a:solidFill>
+                <a:latin typeface="Times New Roman" panose="02020603050405020304" pitchFamily="18" charset="0"/>
+                <a:cs typeface="Times New Roman" panose="02020603050405020304" pitchFamily="18" charset="0"/>
+              </a:rPr>
+              <a:t>Anchor</a:t>
+            </a:r>
+          </a:p>
+          <a:p>
+            <a:pPr algn="ctr"/>
+            <a:r>
+              <a:rPr lang="en-US" altLang="zh-CN" dirty="0">
+                <a:solidFill>
+                  <a:schemeClr val="tx1"/>
+                </a:solidFill>
+                <a:latin typeface="Times New Roman" panose="02020603050405020304" pitchFamily="18" charset="0"/>
+                <a:cs typeface="Times New Roman" panose="02020603050405020304" pitchFamily="18" charset="0"/>
+              </a:rPr>
+              <a:t>Area</a:t>
+            </a:r>
+            <a:endParaRPr lang="zh-CN" altLang="en-US" dirty="0">
+              <a:solidFill>
+                <a:schemeClr val="tx1"/>
+              </a:solidFill>
+              <a:latin typeface="Times New Roman" panose="02020603050405020304" pitchFamily="18" charset="0"/>
+              <a:cs typeface="Times New Roman" panose="02020603050405020304" pitchFamily="18" charset="0"/>
+            </a:endParaRPr>
+          </a:p>
+        </p:txBody>
+      </p:sp>
+    </p:spTree>
+    <p:extLst>
+      <p:ext uri="{BB962C8B-B14F-4D97-AF65-F5344CB8AC3E}">
+        <p14:creationId xmlns:p14="http://schemas.microsoft.com/office/powerpoint/2010/main" val="4249235795"/>
+      </p:ext>
+    </p:extLst>
+  </p:cSld>
+  <p:clrMapOvr>
+    <a:masterClrMapping/>
+  </p:clrMapOvr>
+</p:sld>
+</file>
+
+<file path=ppt/slides/slide13.xml><?xml version="1.0" encoding="utf-8"?>
+<p:sld xmlns:a="http://schemas.openxmlformats.org/drawingml/2006/main" xmlns:r="http://schemas.openxmlformats.org/officeDocument/2006/relationships" xmlns:p="http://schemas.openxmlformats.org/presentationml/2006/main">
+  <p:cSld>
+    <p:spTree>
+      <p:nvGrpSpPr>
+        <p:cNvPr id="1" name=""/>
+        <p:cNvGrpSpPr/>
+        <p:nvPr/>
+      </p:nvGrpSpPr>
+      <p:grpSpPr>
+        <a:xfrm>
+          <a:off x="0" y="0"/>
+          <a:ext cx="0" cy="0"/>
+          <a:chOff x="0" y="0"/>
+          <a:chExt cx="0" cy="0"/>
+        </a:xfrm>
+      </p:grpSpPr>
+      <p:sp>
+        <p:nvSpPr>
+          <p:cNvPr id="4" name="矩形 3">
+            <a:extLst>
+              <a:ext uri="{FF2B5EF4-FFF2-40B4-BE49-F238E27FC236}">
+                <a16:creationId xmlns:a16="http://schemas.microsoft.com/office/drawing/2014/main" id="{87E8873F-F0AC-4703-94C4-FCC794A4C694}"/>
+              </a:ext>
+            </a:extLst>
+          </p:cNvPr>
+          <p:cNvSpPr/>
+          <p:nvPr/>
+        </p:nvSpPr>
+        <p:spPr>
+          <a:xfrm>
+            <a:off x="2054356" y="2756162"/>
+            <a:ext cx="1082512" cy="1345676"/>
+          </a:xfrm>
+          <a:prstGeom prst="rect">
+            <a:avLst/>
+          </a:prstGeom>
+          <a:solidFill>
+            <a:srgbClr val="C4B7D7"/>
+          </a:solidFill>
+          <a:ln>
+            <a:solidFill>
+              <a:schemeClr val="tx1"/>
+            </a:solidFill>
+          </a:ln>
+        </p:spPr>
+        <p:style>
+          <a:lnRef idx="2">
+            <a:schemeClr val="accent1">
+              <a:shade val="50000"/>
+            </a:schemeClr>
+          </a:lnRef>
+          <a:fillRef idx="1">
+            <a:schemeClr val="accent1"/>
+          </a:fillRef>
+          <a:effectRef idx="0">
+            <a:schemeClr val="accent1"/>
+          </a:effectRef>
+          <a:fontRef idx="minor">
+            <a:schemeClr val="lt1"/>
+          </a:fontRef>
+        </p:style>
+        <p:txBody>
+          <a:bodyPr rtlCol="0" anchor="ctr"/>
+          <a:lstStyle/>
+          <a:p>
+            <a:pPr algn="ctr"/>
+            <a:r>
+              <a:rPr lang="en-US" altLang="zh-CN" dirty="0" err="1">
+                <a:solidFill>
+                  <a:schemeClr val="tx1"/>
+                </a:solidFill>
+                <a:latin typeface="Times New Roman" panose="02020603050405020304" pitchFamily="18" charset="0"/>
+                <a:cs typeface="Times New Roman" panose="02020603050405020304" pitchFamily="18" charset="0"/>
+              </a:rPr>
+              <a:t>Inode</a:t>
+            </a:r>
+            <a:endParaRPr lang="en-US" altLang="zh-CN" dirty="0">
+              <a:solidFill>
+                <a:schemeClr val="tx1"/>
+              </a:solidFill>
+              <a:latin typeface="Times New Roman" panose="02020603050405020304" pitchFamily="18" charset="0"/>
+              <a:cs typeface="Times New Roman" panose="02020603050405020304" pitchFamily="18" charset="0"/>
+            </a:endParaRPr>
+          </a:p>
+          <a:p>
+            <a:pPr algn="ctr"/>
+            <a:r>
+              <a:rPr lang="en-US" altLang="zh-CN" dirty="0">
+                <a:solidFill>
+                  <a:schemeClr val="tx1"/>
+                </a:solidFill>
+                <a:latin typeface="Times New Roman" panose="02020603050405020304" pitchFamily="18" charset="0"/>
+                <a:cs typeface="Times New Roman" panose="02020603050405020304" pitchFamily="18" charset="0"/>
+              </a:rPr>
+              <a:t>Cache</a:t>
+            </a:r>
+            <a:endParaRPr lang="zh-CN" altLang="en-US" dirty="0">
+              <a:solidFill>
+                <a:schemeClr val="tx1"/>
+              </a:solidFill>
+              <a:latin typeface="Times New Roman" panose="02020603050405020304" pitchFamily="18" charset="0"/>
+              <a:cs typeface="Times New Roman" panose="02020603050405020304" pitchFamily="18" charset="0"/>
+            </a:endParaRPr>
+          </a:p>
+        </p:txBody>
+      </p:sp>
+      <p:sp>
+        <p:nvSpPr>
+          <p:cNvPr id="6" name="矩形 5">
+            <a:extLst>
+              <a:ext uri="{FF2B5EF4-FFF2-40B4-BE49-F238E27FC236}">
+                <a16:creationId xmlns:a16="http://schemas.microsoft.com/office/drawing/2014/main" id="{16DE47FB-0ED4-4C55-A6A7-F1B669D62512}"/>
+              </a:ext>
+            </a:extLst>
+          </p:cNvPr>
+          <p:cNvSpPr/>
+          <p:nvPr/>
+        </p:nvSpPr>
+        <p:spPr>
+          <a:xfrm>
+            <a:off x="4059286" y="2760633"/>
+            <a:ext cx="1082512" cy="1345676"/>
+          </a:xfrm>
+          <a:prstGeom prst="rect">
+            <a:avLst/>
+          </a:prstGeom>
+          <a:solidFill>
+            <a:srgbClr val="C4B7D7"/>
+          </a:solidFill>
+          <a:ln>
+            <a:solidFill>
+              <a:schemeClr val="tx1"/>
+            </a:solidFill>
+          </a:ln>
+        </p:spPr>
+        <p:style>
+          <a:lnRef idx="2">
+            <a:schemeClr val="accent1">
+              <a:shade val="50000"/>
+            </a:schemeClr>
+          </a:lnRef>
+          <a:fillRef idx="1">
+            <a:schemeClr val="accent1"/>
+          </a:fillRef>
+          <a:effectRef idx="0">
+            <a:schemeClr val="accent1"/>
+          </a:effectRef>
+          <a:fontRef idx="minor">
+            <a:schemeClr val="lt1"/>
+          </a:fontRef>
+        </p:style>
+        <p:txBody>
+          <a:bodyPr rtlCol="0" anchor="ctr"/>
+          <a:lstStyle/>
+          <a:p>
+            <a:pPr algn="ctr"/>
+            <a:r>
+              <a:rPr lang="en-US" altLang="zh-CN" dirty="0">
+                <a:solidFill>
+                  <a:schemeClr val="tx1"/>
+                </a:solidFill>
+                <a:latin typeface="Times New Roman" panose="02020603050405020304" pitchFamily="18" charset="0"/>
+                <a:cs typeface="Times New Roman" panose="02020603050405020304" pitchFamily="18" charset="0"/>
+              </a:rPr>
+              <a:t>Raw Node</a:t>
+            </a:r>
+          </a:p>
+          <a:p>
+            <a:pPr algn="ctr"/>
+            <a:r>
+              <a:rPr lang="en-US" altLang="zh-CN" dirty="0">
+                <a:solidFill>
+                  <a:schemeClr val="tx1"/>
+                </a:solidFill>
+                <a:latin typeface="Times New Roman" panose="02020603050405020304" pitchFamily="18" charset="0"/>
+                <a:cs typeface="Times New Roman" panose="02020603050405020304" pitchFamily="18" charset="0"/>
+              </a:rPr>
+              <a:t>Ref</a:t>
+            </a:r>
+            <a:endParaRPr lang="zh-CN" altLang="en-US" dirty="0">
+              <a:solidFill>
+                <a:schemeClr val="tx1"/>
+              </a:solidFill>
+              <a:latin typeface="Times New Roman" panose="02020603050405020304" pitchFamily="18" charset="0"/>
+              <a:cs typeface="Times New Roman" panose="02020603050405020304" pitchFamily="18" charset="0"/>
+            </a:endParaRPr>
+          </a:p>
+        </p:txBody>
+      </p:sp>
+      <p:sp>
+        <p:nvSpPr>
+          <p:cNvPr id="7" name="矩形 6">
+            <a:extLst>
+              <a:ext uri="{FF2B5EF4-FFF2-40B4-BE49-F238E27FC236}">
+                <a16:creationId xmlns:a16="http://schemas.microsoft.com/office/drawing/2014/main" id="{121D2C18-A6F7-461D-A2E8-5687B613474B}"/>
+              </a:ext>
+            </a:extLst>
+          </p:cNvPr>
+          <p:cNvSpPr/>
+          <p:nvPr/>
+        </p:nvSpPr>
+        <p:spPr>
+          <a:xfrm>
+            <a:off x="8455162" y="2762869"/>
+            <a:ext cx="1082512" cy="1345676"/>
+          </a:xfrm>
+          <a:prstGeom prst="rect">
+            <a:avLst/>
+          </a:prstGeom>
+          <a:solidFill>
+            <a:srgbClr val="C4B7D7"/>
+          </a:solidFill>
+          <a:ln>
+            <a:solidFill>
+              <a:schemeClr val="tx1"/>
+            </a:solidFill>
+          </a:ln>
+        </p:spPr>
+        <p:style>
+          <a:lnRef idx="2">
+            <a:schemeClr val="accent1">
+              <a:shade val="50000"/>
+            </a:schemeClr>
+          </a:lnRef>
+          <a:fillRef idx="1">
+            <a:schemeClr val="accent1"/>
+          </a:fillRef>
+          <a:effectRef idx="0">
+            <a:schemeClr val="accent1"/>
+          </a:effectRef>
+          <a:fontRef idx="minor">
+            <a:schemeClr val="lt1"/>
+          </a:fontRef>
+        </p:style>
+        <p:txBody>
+          <a:bodyPr rtlCol="0" anchor="ctr"/>
+          <a:lstStyle/>
+          <a:p>
+            <a:pPr algn="ctr"/>
+            <a:r>
+              <a:rPr lang="en-US" altLang="zh-CN" dirty="0">
+                <a:solidFill>
+                  <a:schemeClr val="tx1"/>
+                </a:solidFill>
+                <a:latin typeface="Times New Roman" panose="02020603050405020304" pitchFamily="18" charset="0"/>
+                <a:cs typeface="Times New Roman" panose="02020603050405020304" pitchFamily="18" charset="0"/>
+              </a:rPr>
+              <a:t>Raw Node</a:t>
+            </a:r>
+          </a:p>
+          <a:p>
+            <a:pPr algn="ctr"/>
+            <a:r>
+              <a:rPr lang="en-US" altLang="zh-CN" dirty="0">
+                <a:solidFill>
+                  <a:schemeClr val="tx1"/>
+                </a:solidFill>
+                <a:latin typeface="Times New Roman" panose="02020603050405020304" pitchFamily="18" charset="0"/>
+                <a:cs typeface="Times New Roman" panose="02020603050405020304" pitchFamily="18" charset="0"/>
+              </a:rPr>
+              <a:t>Ref</a:t>
+            </a:r>
+            <a:endParaRPr lang="zh-CN" altLang="en-US" dirty="0">
+              <a:solidFill>
+                <a:schemeClr val="tx1"/>
+              </a:solidFill>
+              <a:latin typeface="Times New Roman" panose="02020603050405020304" pitchFamily="18" charset="0"/>
+              <a:cs typeface="Times New Roman" panose="02020603050405020304" pitchFamily="18" charset="0"/>
+            </a:endParaRPr>
+          </a:p>
+        </p:txBody>
+      </p:sp>
+      <p:sp>
+        <p:nvSpPr>
+          <p:cNvPr id="8" name="矩形 7">
+            <a:extLst>
+              <a:ext uri="{FF2B5EF4-FFF2-40B4-BE49-F238E27FC236}">
+                <a16:creationId xmlns:a16="http://schemas.microsoft.com/office/drawing/2014/main" id="{94E40C49-3208-47ED-9DAA-C3442AA3F5F3}"/>
+              </a:ext>
+            </a:extLst>
+          </p:cNvPr>
+          <p:cNvSpPr/>
+          <p:nvPr/>
+        </p:nvSpPr>
+        <p:spPr>
+          <a:xfrm>
+            <a:off x="6148339" y="575439"/>
+            <a:ext cx="1082512" cy="1345676"/>
+          </a:xfrm>
+          <a:prstGeom prst="rect">
+            <a:avLst/>
+          </a:prstGeom>
+          <a:solidFill>
+            <a:srgbClr val="C4B7D7"/>
+          </a:solidFill>
+          <a:ln>
+            <a:solidFill>
+              <a:schemeClr val="tx1"/>
+            </a:solidFill>
+          </a:ln>
+        </p:spPr>
+        <p:style>
+          <a:lnRef idx="2">
+            <a:schemeClr val="accent1">
+              <a:shade val="50000"/>
+            </a:schemeClr>
+          </a:lnRef>
+          <a:fillRef idx="1">
+            <a:schemeClr val="accent1"/>
+          </a:fillRef>
+          <a:effectRef idx="0">
+            <a:schemeClr val="accent1"/>
+          </a:effectRef>
+          <a:fontRef idx="minor">
+            <a:schemeClr val="lt1"/>
+          </a:fontRef>
+        </p:style>
+        <p:txBody>
+          <a:bodyPr rtlCol="0" anchor="ctr"/>
+          <a:lstStyle/>
+          <a:p>
+            <a:pPr algn="ctr"/>
+            <a:r>
+              <a:rPr lang="en-US" altLang="zh-CN" dirty="0">
+                <a:solidFill>
+                  <a:schemeClr val="tx1"/>
+                </a:solidFill>
+                <a:latin typeface="Times New Roman" panose="02020603050405020304" pitchFamily="18" charset="0"/>
+                <a:cs typeface="Times New Roman" panose="02020603050405020304" pitchFamily="18" charset="0"/>
+              </a:rPr>
+              <a:t>Erase Block</a:t>
+            </a:r>
+            <a:endParaRPr lang="zh-CN" altLang="en-US" dirty="0">
+              <a:solidFill>
+                <a:schemeClr val="tx1"/>
+              </a:solidFill>
+              <a:latin typeface="Times New Roman" panose="02020603050405020304" pitchFamily="18" charset="0"/>
+              <a:cs typeface="Times New Roman" panose="02020603050405020304" pitchFamily="18" charset="0"/>
+            </a:endParaRPr>
+          </a:p>
+        </p:txBody>
+      </p:sp>
+      <p:sp>
+        <p:nvSpPr>
+          <p:cNvPr id="9" name="矩形 8">
+            <a:extLst>
+              <a:ext uri="{FF2B5EF4-FFF2-40B4-BE49-F238E27FC236}">
+                <a16:creationId xmlns:a16="http://schemas.microsoft.com/office/drawing/2014/main" id="{1D6189B7-1950-4181-B088-7EFB159E9684}"/>
+              </a:ext>
+            </a:extLst>
+          </p:cNvPr>
+          <p:cNvSpPr/>
+          <p:nvPr/>
+        </p:nvSpPr>
+        <p:spPr>
+          <a:xfrm>
+            <a:off x="2054356" y="5034158"/>
+            <a:ext cx="9270479" cy="1345676"/>
+          </a:xfrm>
+          <a:prstGeom prst="rect">
+            <a:avLst/>
+          </a:prstGeom>
+          <a:solidFill>
+            <a:srgbClr val="F5F5F5"/>
+          </a:solidFill>
+          <a:ln>
+            <a:solidFill>
+              <a:schemeClr val="tx1"/>
+            </a:solidFill>
+          </a:ln>
+        </p:spPr>
+        <p:style>
+          <a:lnRef idx="2">
+            <a:schemeClr val="accent1">
+              <a:shade val="50000"/>
+            </a:schemeClr>
+          </a:lnRef>
+          <a:fillRef idx="1">
+            <a:schemeClr val="accent1"/>
+          </a:fillRef>
+          <a:effectRef idx="0">
+            <a:schemeClr val="accent1"/>
+          </a:effectRef>
+          <a:fontRef idx="minor">
+            <a:schemeClr val="lt1"/>
+          </a:fontRef>
+        </p:style>
+        <p:txBody>
+          <a:bodyPr rtlCol="0" anchor="ctr"/>
+          <a:lstStyle/>
+          <a:p>
+            <a:pPr algn="ctr"/>
+            <a:r>
+              <a:rPr lang="en-US" altLang="zh-CN" dirty="0">
+                <a:solidFill>
+                  <a:schemeClr val="tx1"/>
+                </a:solidFill>
+                <a:latin typeface="Times New Roman" panose="02020603050405020304" pitchFamily="18" charset="0"/>
+                <a:cs typeface="Times New Roman" panose="02020603050405020304" pitchFamily="18" charset="0"/>
+              </a:rPr>
+              <a:t>Flash</a:t>
+            </a:r>
+            <a:endParaRPr lang="zh-CN" altLang="en-US" dirty="0">
+              <a:solidFill>
+                <a:schemeClr val="tx1"/>
+              </a:solidFill>
+              <a:latin typeface="Times New Roman" panose="02020603050405020304" pitchFamily="18" charset="0"/>
+              <a:cs typeface="Times New Roman" panose="02020603050405020304" pitchFamily="18" charset="0"/>
+            </a:endParaRPr>
+          </a:p>
+        </p:txBody>
+      </p:sp>
+      <p:grpSp>
+        <p:nvGrpSpPr>
+          <p:cNvPr id="12" name="组合 11">
+            <a:extLst>
+              <a:ext uri="{FF2B5EF4-FFF2-40B4-BE49-F238E27FC236}">
+                <a16:creationId xmlns:a16="http://schemas.microsoft.com/office/drawing/2014/main" id="{DEE74C39-9845-4C1A-A9DF-5F2374E7A38B}"/>
+              </a:ext>
+            </a:extLst>
+          </p:cNvPr>
+          <p:cNvGrpSpPr/>
+          <p:nvPr/>
+        </p:nvGrpSpPr>
+        <p:grpSpPr>
+          <a:xfrm>
+            <a:off x="3766349" y="5038629"/>
+            <a:ext cx="2214146" cy="1345676"/>
+            <a:chOff x="2790989" y="5057294"/>
+            <a:chExt cx="2214146" cy="1345676"/>
+          </a:xfrm>
+        </p:grpSpPr>
+        <p:sp>
+          <p:nvSpPr>
+            <p:cNvPr id="10" name="矩形 9">
+              <a:extLst>
+                <a:ext uri="{FF2B5EF4-FFF2-40B4-BE49-F238E27FC236}">
+                  <a16:creationId xmlns:a16="http://schemas.microsoft.com/office/drawing/2014/main" id="{3856E0BA-7A98-4298-A2FA-745D021846FB}"/>
+                </a:ext>
+              </a:extLst>
+            </p:cNvPr>
+            <p:cNvSpPr/>
+            <p:nvPr/>
+          </p:nvSpPr>
+          <p:spPr>
+            <a:xfrm>
+              <a:off x="3083926" y="5057294"/>
+              <a:ext cx="1921209" cy="1345676"/>
+            </a:xfrm>
+            <a:prstGeom prst="rect">
+              <a:avLst/>
+            </a:prstGeom>
+            <a:solidFill>
+              <a:srgbClr val="C4B7D7"/>
+            </a:solidFill>
+            <a:ln>
+              <a:solidFill>
+                <a:schemeClr val="tx1"/>
+              </a:solidFill>
+            </a:ln>
+          </p:spPr>
+          <p:style>
+            <a:lnRef idx="2">
+              <a:schemeClr val="accent1">
+                <a:shade val="50000"/>
+              </a:schemeClr>
+            </a:lnRef>
+            <a:fillRef idx="1">
+              <a:schemeClr val="accent1"/>
+            </a:fillRef>
+            <a:effectRef idx="0">
+              <a:schemeClr val="accent1"/>
+            </a:effectRef>
+            <a:fontRef idx="minor">
+              <a:schemeClr val="lt1"/>
+            </a:fontRef>
+          </p:style>
+          <p:txBody>
+            <a:bodyPr rtlCol="0" anchor="ctr"/>
+            <a:lstStyle/>
+            <a:p>
+              <a:pPr algn="ctr"/>
+              <a:endParaRPr lang="zh-CN" altLang="en-US" dirty="0">
+                <a:solidFill>
+                  <a:schemeClr val="tx1"/>
+                </a:solidFill>
+                <a:latin typeface="Times New Roman" panose="02020603050405020304" pitchFamily="18" charset="0"/>
+                <a:cs typeface="Times New Roman" panose="02020603050405020304" pitchFamily="18" charset="0"/>
+              </a:endParaRPr>
+            </a:p>
+          </p:txBody>
+        </p:sp>
+        <p:sp>
+          <p:nvSpPr>
+            <p:cNvPr id="11" name="矩形 10">
+              <a:extLst>
+                <a:ext uri="{FF2B5EF4-FFF2-40B4-BE49-F238E27FC236}">
+                  <a16:creationId xmlns:a16="http://schemas.microsoft.com/office/drawing/2014/main" id="{01EC1294-D0AA-4A17-8321-D2347F1F791C}"/>
+                </a:ext>
+              </a:extLst>
+            </p:cNvPr>
+            <p:cNvSpPr/>
+            <p:nvPr/>
+          </p:nvSpPr>
+          <p:spPr>
+            <a:xfrm>
+              <a:off x="2790989" y="5057294"/>
+              <a:ext cx="292937" cy="1345676"/>
+            </a:xfrm>
+            <a:prstGeom prst="rect">
+              <a:avLst/>
+            </a:prstGeom>
+            <a:solidFill>
+              <a:srgbClr val="D00000"/>
+            </a:solidFill>
+            <a:ln>
+              <a:solidFill>
+                <a:schemeClr val="tx1"/>
+              </a:solidFill>
+            </a:ln>
+          </p:spPr>
+          <p:style>
+            <a:lnRef idx="2">
+              <a:schemeClr val="accent1">
+                <a:shade val="50000"/>
+              </a:schemeClr>
+            </a:lnRef>
+            <a:fillRef idx="1">
+              <a:schemeClr val="accent1"/>
+            </a:fillRef>
+            <a:effectRef idx="0">
+              <a:schemeClr val="accent1"/>
+            </a:effectRef>
+            <a:fontRef idx="minor">
+              <a:schemeClr val="lt1"/>
+            </a:fontRef>
+          </p:style>
+          <p:txBody>
+            <a:bodyPr rtlCol="0" anchor="ctr"/>
+            <a:lstStyle/>
+            <a:p>
+              <a:pPr algn="ctr"/>
+              <a:endParaRPr lang="zh-CN" altLang="en-US" dirty="0">
+                <a:solidFill>
+                  <a:schemeClr val="bg1"/>
+                </a:solidFill>
+                <a:latin typeface="Times New Roman" panose="02020603050405020304" pitchFamily="18" charset="0"/>
+                <a:cs typeface="Times New Roman" panose="02020603050405020304" pitchFamily="18" charset="0"/>
+              </a:endParaRPr>
+            </a:p>
+          </p:txBody>
+        </p:sp>
+      </p:grpSp>
+      <p:grpSp>
+        <p:nvGrpSpPr>
+          <p:cNvPr id="13" name="组合 12">
+            <a:extLst>
+              <a:ext uri="{FF2B5EF4-FFF2-40B4-BE49-F238E27FC236}">
+                <a16:creationId xmlns:a16="http://schemas.microsoft.com/office/drawing/2014/main" id="{C872C1A3-1DB4-4987-8E83-BA6263213B50}"/>
+              </a:ext>
+            </a:extLst>
+          </p:cNvPr>
+          <p:cNvGrpSpPr/>
+          <p:nvPr/>
+        </p:nvGrpSpPr>
+        <p:grpSpPr>
+          <a:xfrm>
+            <a:off x="8162225" y="5038629"/>
+            <a:ext cx="2214146" cy="1345676"/>
+            <a:chOff x="2790989" y="5057294"/>
+            <a:chExt cx="2214146" cy="1345676"/>
+          </a:xfrm>
+        </p:grpSpPr>
+        <p:sp>
+          <p:nvSpPr>
+            <p:cNvPr id="14" name="矩形 13">
+              <a:extLst>
+                <a:ext uri="{FF2B5EF4-FFF2-40B4-BE49-F238E27FC236}">
+                  <a16:creationId xmlns:a16="http://schemas.microsoft.com/office/drawing/2014/main" id="{B9DA6693-C507-43BC-BBE1-D44D312C6988}"/>
+                </a:ext>
+              </a:extLst>
+            </p:cNvPr>
+            <p:cNvSpPr/>
+            <p:nvPr/>
+          </p:nvSpPr>
+          <p:spPr>
+            <a:xfrm>
+              <a:off x="3083926" y="5057294"/>
+              <a:ext cx="1921209" cy="1345676"/>
+            </a:xfrm>
+            <a:prstGeom prst="rect">
+              <a:avLst/>
+            </a:prstGeom>
+            <a:solidFill>
+              <a:srgbClr val="C4B7D7"/>
+            </a:solidFill>
+            <a:ln>
+              <a:solidFill>
+                <a:schemeClr val="tx1"/>
+              </a:solidFill>
+            </a:ln>
+          </p:spPr>
+          <p:style>
+            <a:lnRef idx="2">
+              <a:schemeClr val="accent1">
+                <a:shade val="50000"/>
+              </a:schemeClr>
+            </a:lnRef>
+            <a:fillRef idx="1">
+              <a:schemeClr val="accent1"/>
+            </a:fillRef>
+            <a:effectRef idx="0">
+              <a:schemeClr val="accent1"/>
+            </a:effectRef>
+            <a:fontRef idx="minor">
+              <a:schemeClr val="lt1"/>
+            </a:fontRef>
+          </p:style>
+          <p:txBody>
+            <a:bodyPr rtlCol="0" anchor="ctr"/>
+            <a:lstStyle/>
+            <a:p>
+              <a:pPr algn="ctr"/>
+              <a:endParaRPr lang="zh-CN" altLang="en-US" dirty="0">
+                <a:solidFill>
+                  <a:schemeClr val="tx1"/>
+                </a:solidFill>
+                <a:latin typeface="Times New Roman" panose="02020603050405020304" pitchFamily="18" charset="0"/>
+                <a:cs typeface="Times New Roman" panose="02020603050405020304" pitchFamily="18" charset="0"/>
+              </a:endParaRPr>
+            </a:p>
+          </p:txBody>
+        </p:sp>
+        <p:sp>
+          <p:nvSpPr>
+            <p:cNvPr id="15" name="矩形 14">
+              <a:extLst>
+                <a:ext uri="{FF2B5EF4-FFF2-40B4-BE49-F238E27FC236}">
+                  <a16:creationId xmlns:a16="http://schemas.microsoft.com/office/drawing/2014/main" id="{B475C93D-E505-4209-A973-EC48E2DDA001}"/>
+                </a:ext>
+              </a:extLst>
+            </p:cNvPr>
+            <p:cNvSpPr/>
+            <p:nvPr/>
+          </p:nvSpPr>
+          <p:spPr>
+            <a:xfrm>
+              <a:off x="2790989" y="5057294"/>
+              <a:ext cx="292937" cy="1345676"/>
+            </a:xfrm>
+            <a:prstGeom prst="rect">
+              <a:avLst/>
+            </a:prstGeom>
+            <a:solidFill>
+              <a:srgbClr val="D00000"/>
+            </a:solidFill>
+            <a:ln>
+              <a:solidFill>
+                <a:schemeClr val="tx1"/>
+              </a:solidFill>
+            </a:ln>
+          </p:spPr>
+          <p:style>
+            <a:lnRef idx="2">
+              <a:schemeClr val="accent1">
+                <a:shade val="50000"/>
+              </a:schemeClr>
+            </a:lnRef>
+            <a:fillRef idx="1">
+              <a:schemeClr val="accent1"/>
+            </a:fillRef>
+            <a:effectRef idx="0">
+              <a:schemeClr val="accent1"/>
+            </a:effectRef>
+            <a:fontRef idx="minor">
+              <a:schemeClr val="lt1"/>
+            </a:fontRef>
+          </p:style>
+          <p:txBody>
+            <a:bodyPr rtlCol="0" anchor="ctr"/>
+            <a:lstStyle/>
+            <a:p>
+              <a:pPr algn="ctr"/>
+              <a:endParaRPr lang="zh-CN" altLang="en-US" dirty="0">
+                <a:solidFill>
+                  <a:schemeClr val="bg1"/>
+                </a:solidFill>
+                <a:latin typeface="Times New Roman" panose="02020603050405020304" pitchFamily="18" charset="0"/>
+                <a:cs typeface="Times New Roman" panose="02020603050405020304" pitchFamily="18" charset="0"/>
+              </a:endParaRPr>
+            </a:p>
+          </p:txBody>
+        </p:sp>
+      </p:grpSp>
+      <p:cxnSp>
+        <p:nvCxnSpPr>
+          <p:cNvPr id="17" name="直接箭头连接符 16">
+            <a:extLst>
+              <a:ext uri="{FF2B5EF4-FFF2-40B4-BE49-F238E27FC236}">
+                <a16:creationId xmlns:a16="http://schemas.microsoft.com/office/drawing/2014/main" id="{2F5205B2-503C-46C0-BCBE-F26BEBC15166}"/>
+              </a:ext>
+            </a:extLst>
+          </p:cNvPr>
+          <p:cNvCxnSpPr>
+            <a:stCxn id="4" idx="3"/>
+            <a:endCxn id="6" idx="1"/>
+          </p:cNvCxnSpPr>
+          <p:nvPr/>
+        </p:nvCxnSpPr>
+        <p:spPr>
+          <a:xfrm>
+            <a:off x="3136868" y="3429000"/>
+            <a:ext cx="922418" cy="4471"/>
+          </a:xfrm>
+          <a:prstGeom prst="straightConnector1">
+            <a:avLst/>
+          </a:prstGeom>
+          <a:ln w="38100">
+            <a:tailEnd type="triangle"/>
+          </a:ln>
+        </p:spPr>
+        <p:style>
+          <a:lnRef idx="1">
+            <a:schemeClr val="dk1"/>
+          </a:lnRef>
+          <a:fillRef idx="0">
+            <a:schemeClr val="dk1"/>
+          </a:fillRef>
+          <a:effectRef idx="0">
+            <a:schemeClr val="dk1"/>
+          </a:effectRef>
+          <a:fontRef idx="minor">
+            <a:schemeClr val="tx1"/>
+          </a:fontRef>
+        </p:style>
+      </p:cxnSp>
+      <p:cxnSp>
+        <p:nvCxnSpPr>
+          <p:cNvPr id="18" name="直接箭头连接符 17">
+            <a:extLst>
+              <a:ext uri="{FF2B5EF4-FFF2-40B4-BE49-F238E27FC236}">
+                <a16:creationId xmlns:a16="http://schemas.microsoft.com/office/drawing/2014/main" id="{70FDCB8D-D9A0-4673-9C73-4D4814E46972}"/>
+              </a:ext>
+            </a:extLst>
+          </p:cNvPr>
+          <p:cNvCxnSpPr>
+            <a:cxnSpLocks/>
+            <a:stCxn id="7" idx="2"/>
+            <a:endCxn id="15" idx="0"/>
+          </p:cNvCxnSpPr>
+          <p:nvPr/>
+        </p:nvCxnSpPr>
+        <p:spPr>
+          <a:xfrm flipH="1">
+            <a:off x="8308694" y="4108545"/>
+            <a:ext cx="687724" cy="930084"/>
+          </a:xfrm>
+          <a:prstGeom prst="straightConnector1">
+            <a:avLst/>
+          </a:prstGeom>
+          <a:ln w="38100">
+            <a:tailEnd type="triangle"/>
+          </a:ln>
+        </p:spPr>
+        <p:style>
+          <a:lnRef idx="1">
+            <a:schemeClr val="dk1"/>
+          </a:lnRef>
+          <a:fillRef idx="0">
+            <a:schemeClr val="dk1"/>
+          </a:fillRef>
+          <a:effectRef idx="0">
+            <a:schemeClr val="dk1"/>
+          </a:effectRef>
+          <a:fontRef idx="minor">
+            <a:schemeClr val="tx1"/>
+          </a:fontRef>
+        </p:style>
+      </p:cxnSp>
+      <p:cxnSp>
+        <p:nvCxnSpPr>
+          <p:cNvPr id="21" name="直接箭头连接符 20">
+            <a:extLst>
+              <a:ext uri="{FF2B5EF4-FFF2-40B4-BE49-F238E27FC236}">
+                <a16:creationId xmlns:a16="http://schemas.microsoft.com/office/drawing/2014/main" id="{D2C1F743-BDBF-4586-9BCF-64181FA668F8}"/>
+              </a:ext>
+            </a:extLst>
+          </p:cNvPr>
+          <p:cNvCxnSpPr>
+            <a:cxnSpLocks/>
+            <a:stCxn id="6" idx="2"/>
+            <a:endCxn id="11" idx="0"/>
+          </p:cNvCxnSpPr>
+          <p:nvPr/>
+        </p:nvCxnSpPr>
+        <p:spPr>
+          <a:xfrm flipH="1">
+            <a:off x="3912818" y="4106309"/>
+            <a:ext cx="687724" cy="932320"/>
+          </a:xfrm>
+          <a:prstGeom prst="straightConnector1">
+            <a:avLst/>
+          </a:prstGeom>
+          <a:ln w="38100">
+            <a:tailEnd type="triangle"/>
+          </a:ln>
+        </p:spPr>
+        <p:style>
+          <a:lnRef idx="1">
+            <a:schemeClr val="dk1"/>
+          </a:lnRef>
+          <a:fillRef idx="0">
+            <a:schemeClr val="dk1"/>
+          </a:fillRef>
+          <a:effectRef idx="0">
+            <a:schemeClr val="dk1"/>
+          </a:effectRef>
+          <a:fontRef idx="minor">
+            <a:schemeClr val="tx1"/>
+          </a:fontRef>
+        </p:style>
+      </p:cxnSp>
+      <p:sp>
+        <p:nvSpPr>
+          <p:cNvPr id="26" name="矩形 25">
+            <a:extLst>
+              <a:ext uri="{FF2B5EF4-FFF2-40B4-BE49-F238E27FC236}">
+                <a16:creationId xmlns:a16="http://schemas.microsoft.com/office/drawing/2014/main" id="{250832DA-FC7C-4F1B-B69C-1DF439F29B9C}"/>
+              </a:ext>
+            </a:extLst>
+          </p:cNvPr>
+          <p:cNvSpPr/>
+          <p:nvPr/>
+        </p:nvSpPr>
+        <p:spPr>
+          <a:xfrm>
+            <a:off x="3622307" y="4892848"/>
+            <a:ext cx="6914148" cy="1668374"/>
+          </a:xfrm>
+          <a:prstGeom prst="rect">
+            <a:avLst/>
+          </a:prstGeom>
+          <a:noFill/>
+          <a:ln w="38100">
+            <a:solidFill>
+              <a:srgbClr val="D00000"/>
+            </a:solidFill>
+            <a:prstDash val="lgDash"/>
+          </a:ln>
+        </p:spPr>
+        <p:style>
+          <a:lnRef idx="2">
+            <a:schemeClr val="accent1">
+              <a:shade val="50000"/>
+            </a:schemeClr>
+          </a:lnRef>
+          <a:fillRef idx="1">
+            <a:schemeClr val="accent1"/>
+          </a:fillRef>
+          <a:effectRef idx="0">
+            <a:schemeClr val="accent1"/>
+          </a:effectRef>
+          <a:fontRef idx="minor">
+            <a:schemeClr val="lt1"/>
+          </a:fontRef>
+        </p:style>
+        <p:txBody>
+          <a:bodyPr rtlCol="0" anchor="ctr"/>
+          <a:lstStyle/>
+          <a:p>
+            <a:pPr algn="ctr"/>
+            <a:endParaRPr lang="zh-CN" altLang="en-US">
+              <a:latin typeface="Times New Roman" panose="02020603050405020304" pitchFamily="18" charset="0"/>
+              <a:cs typeface="Times New Roman" panose="02020603050405020304" pitchFamily="18" charset="0"/>
+            </a:endParaRPr>
+          </a:p>
+        </p:txBody>
+      </p:sp>
+      <p:cxnSp>
+        <p:nvCxnSpPr>
+          <p:cNvPr id="30" name="直接箭头连接符 29">
+            <a:extLst>
+              <a:ext uri="{FF2B5EF4-FFF2-40B4-BE49-F238E27FC236}">
+                <a16:creationId xmlns:a16="http://schemas.microsoft.com/office/drawing/2014/main" id="{27A4956D-9B27-4C6F-9F78-4A1B7DBDA1A0}"/>
+              </a:ext>
+            </a:extLst>
+          </p:cNvPr>
+          <p:cNvCxnSpPr>
+            <a:cxnSpLocks/>
+            <a:stCxn id="8" idx="2"/>
+            <a:endCxn id="6" idx="3"/>
+          </p:cNvCxnSpPr>
+          <p:nvPr/>
+        </p:nvCxnSpPr>
+        <p:spPr>
+          <a:xfrm flipH="1">
+            <a:off x="5141798" y="1921115"/>
+            <a:ext cx="1547797" cy="1512356"/>
+          </a:xfrm>
+          <a:prstGeom prst="straightConnector1">
+            <a:avLst/>
+          </a:prstGeom>
+          <a:ln w="38100">
+            <a:tailEnd type="triangle"/>
+          </a:ln>
+        </p:spPr>
+        <p:style>
+          <a:lnRef idx="1">
+            <a:schemeClr val="dk1"/>
+          </a:lnRef>
+          <a:fillRef idx="0">
+            <a:schemeClr val="dk1"/>
+          </a:fillRef>
+          <a:effectRef idx="0">
+            <a:schemeClr val="dk1"/>
+          </a:effectRef>
+          <a:fontRef idx="minor">
+            <a:schemeClr val="tx1"/>
+          </a:fontRef>
+        </p:style>
+      </p:cxnSp>
+      <p:cxnSp>
+        <p:nvCxnSpPr>
+          <p:cNvPr id="37" name="连接符: 肘形 36">
+            <a:extLst>
+              <a:ext uri="{FF2B5EF4-FFF2-40B4-BE49-F238E27FC236}">
+                <a16:creationId xmlns:a16="http://schemas.microsoft.com/office/drawing/2014/main" id="{FF15A020-6A59-4F61-91FF-3C010CDDAC35}"/>
+              </a:ext>
+            </a:extLst>
+          </p:cNvPr>
+          <p:cNvCxnSpPr>
+            <a:stCxn id="4" idx="0"/>
+            <a:endCxn id="7" idx="0"/>
+          </p:cNvCxnSpPr>
+          <p:nvPr/>
+        </p:nvCxnSpPr>
+        <p:spPr>
+          <a:xfrm rot="16200000" flipH="1">
+            <a:off x="5792661" y="-440888"/>
+            <a:ext cx="6707" cy="6400806"/>
+          </a:xfrm>
+          <a:prstGeom prst="bentConnector3">
+            <a:avLst>
+              <a:gd name="adj1" fmla="val -37492202"/>
+            </a:avLst>
+          </a:prstGeom>
+          <a:ln w="38100">
+            <a:tailEnd type="triangle"/>
+          </a:ln>
+        </p:spPr>
+        <p:style>
+          <a:lnRef idx="1">
+            <a:schemeClr val="dk1"/>
+          </a:lnRef>
+          <a:fillRef idx="0">
+            <a:schemeClr val="dk1"/>
+          </a:fillRef>
+          <a:effectRef idx="0">
+            <a:schemeClr val="dk1"/>
+          </a:effectRef>
+          <a:fontRef idx="minor">
+            <a:schemeClr val="tx1"/>
+          </a:fontRef>
+        </p:style>
+      </p:cxnSp>
+      <p:cxnSp>
+        <p:nvCxnSpPr>
+          <p:cNvPr id="40" name="直接箭头连接符 39">
+            <a:extLst>
+              <a:ext uri="{FF2B5EF4-FFF2-40B4-BE49-F238E27FC236}">
+                <a16:creationId xmlns:a16="http://schemas.microsoft.com/office/drawing/2014/main" id="{23CD1CF6-1B70-4DC1-B7D4-AAB51DD90715}"/>
+              </a:ext>
+            </a:extLst>
+          </p:cNvPr>
+          <p:cNvCxnSpPr>
+            <a:cxnSpLocks/>
+            <a:stCxn id="8" idx="2"/>
+            <a:endCxn id="7" idx="1"/>
+          </p:cNvCxnSpPr>
+          <p:nvPr/>
+        </p:nvCxnSpPr>
+        <p:spPr>
+          <a:xfrm>
+            <a:off x="6689595" y="1921115"/>
+            <a:ext cx="1765567" cy="1514592"/>
+          </a:xfrm>
+          <a:prstGeom prst="straightConnector1">
+            <a:avLst/>
+          </a:prstGeom>
+          <a:ln w="38100">
+            <a:tailEnd type="triangle"/>
+          </a:ln>
+        </p:spPr>
+        <p:style>
+          <a:lnRef idx="1">
+            <a:schemeClr val="dk1"/>
+          </a:lnRef>
+          <a:fillRef idx="0">
+            <a:schemeClr val="dk1"/>
+          </a:fillRef>
+          <a:effectRef idx="0">
+            <a:schemeClr val="dk1"/>
+          </a:effectRef>
+          <a:fontRef idx="minor">
+            <a:schemeClr val="tx1"/>
+          </a:fontRef>
+        </p:style>
+      </p:cxnSp>
+      <p:sp>
+        <p:nvSpPr>
+          <p:cNvPr id="44" name="文本框 43">
+            <a:extLst>
+              <a:ext uri="{FF2B5EF4-FFF2-40B4-BE49-F238E27FC236}">
+                <a16:creationId xmlns:a16="http://schemas.microsoft.com/office/drawing/2014/main" id="{391CB307-6B74-49EF-B14A-5E8EB9788DF4}"/>
+              </a:ext>
+            </a:extLst>
+          </p:cNvPr>
+          <p:cNvSpPr txBox="1"/>
+          <p:nvPr/>
+        </p:nvSpPr>
+        <p:spPr>
+          <a:xfrm rot="18999856">
+            <a:off x="5083112" y="2307098"/>
+            <a:ext cx="1315155" cy="369332"/>
+          </a:xfrm>
+          <a:prstGeom prst="rect">
+            <a:avLst/>
+          </a:prstGeom>
+          <a:noFill/>
+        </p:spPr>
+        <p:txBody>
+          <a:bodyPr wrap="square" rtlCol="0">
+            <a:spAutoFit/>
+          </a:bodyPr>
+          <a:lstStyle/>
+          <a:p>
+            <a:pPr algn="ctr"/>
+            <a:r>
+              <a:rPr lang="en-US" altLang="zh-CN" dirty="0" err="1">
+                <a:latin typeface="Times New Roman" panose="02020603050405020304" pitchFamily="18" charset="0"/>
+                <a:cs typeface="Times New Roman" panose="02020603050405020304" pitchFamily="18" charset="0"/>
+              </a:rPr>
+              <a:t>First_node</a:t>
+            </a:r>
+            <a:endParaRPr lang="zh-CN" altLang="en-US" dirty="0">
+              <a:latin typeface="Times New Roman" panose="02020603050405020304" pitchFamily="18" charset="0"/>
+              <a:cs typeface="Times New Roman" panose="02020603050405020304" pitchFamily="18" charset="0"/>
+            </a:endParaRPr>
+          </a:p>
+        </p:txBody>
+      </p:sp>
+      <p:sp>
+        <p:nvSpPr>
+          <p:cNvPr id="45" name="文本框 44">
+            <a:extLst>
+              <a:ext uri="{FF2B5EF4-FFF2-40B4-BE49-F238E27FC236}">
+                <a16:creationId xmlns:a16="http://schemas.microsoft.com/office/drawing/2014/main" id="{2D13D0CF-3246-4906-A43D-DA1C7B84A608}"/>
+              </a:ext>
+            </a:extLst>
+          </p:cNvPr>
+          <p:cNvSpPr txBox="1"/>
+          <p:nvPr/>
+        </p:nvSpPr>
+        <p:spPr>
+          <a:xfrm rot="2451033">
+            <a:off x="7114531" y="2278641"/>
+            <a:ext cx="1315155" cy="369332"/>
+          </a:xfrm>
+          <a:prstGeom prst="rect">
+            <a:avLst/>
+          </a:prstGeom>
+          <a:noFill/>
+        </p:spPr>
+        <p:txBody>
+          <a:bodyPr wrap="square" rtlCol="0">
+            <a:spAutoFit/>
+          </a:bodyPr>
+          <a:lstStyle/>
+          <a:p>
+            <a:pPr algn="ctr"/>
+            <a:r>
+              <a:rPr lang="en-US" altLang="zh-CN" dirty="0" err="1">
+                <a:latin typeface="Times New Roman" panose="02020603050405020304" pitchFamily="18" charset="0"/>
+                <a:cs typeface="Times New Roman" panose="02020603050405020304" pitchFamily="18" charset="0"/>
+              </a:rPr>
+              <a:t>Last_node</a:t>
+            </a:r>
+            <a:endParaRPr lang="zh-CN" altLang="en-US" dirty="0">
+              <a:latin typeface="Times New Roman" panose="02020603050405020304" pitchFamily="18" charset="0"/>
+              <a:cs typeface="Times New Roman" panose="02020603050405020304" pitchFamily="18" charset="0"/>
+            </a:endParaRPr>
+          </a:p>
+        </p:txBody>
+      </p:sp>
+      <p:cxnSp>
+        <p:nvCxnSpPr>
+          <p:cNvPr id="47" name="直接箭头连接符 46">
+            <a:extLst>
+              <a:ext uri="{FF2B5EF4-FFF2-40B4-BE49-F238E27FC236}">
+                <a16:creationId xmlns:a16="http://schemas.microsoft.com/office/drawing/2014/main" id="{16DE04C9-9BAE-4E29-831F-54169431EF17}"/>
+              </a:ext>
+            </a:extLst>
+          </p:cNvPr>
+          <p:cNvCxnSpPr>
+            <a:cxnSpLocks/>
+            <a:endCxn id="6" idx="0"/>
+          </p:cNvCxnSpPr>
+          <p:nvPr/>
+        </p:nvCxnSpPr>
+        <p:spPr>
+          <a:xfrm>
+            <a:off x="4600542" y="1248277"/>
+            <a:ext cx="0" cy="1512356"/>
+          </a:xfrm>
+          <a:prstGeom prst="straightConnector1">
+            <a:avLst/>
+          </a:prstGeom>
+          <a:ln w="38100">
+            <a:tailEnd type="triangle"/>
+          </a:ln>
+        </p:spPr>
+        <p:style>
+          <a:lnRef idx="1">
+            <a:schemeClr val="dk1"/>
+          </a:lnRef>
+          <a:fillRef idx="0">
+            <a:schemeClr val="dk1"/>
+          </a:fillRef>
+          <a:effectRef idx="0">
+            <a:schemeClr val="dk1"/>
+          </a:effectRef>
+          <a:fontRef idx="minor">
+            <a:schemeClr val="tx1"/>
+          </a:fontRef>
+        </p:style>
+      </p:cxnSp>
+      <p:sp>
+        <p:nvSpPr>
+          <p:cNvPr id="49" name="文本框 48">
+            <a:extLst>
+              <a:ext uri="{FF2B5EF4-FFF2-40B4-BE49-F238E27FC236}">
+                <a16:creationId xmlns:a16="http://schemas.microsoft.com/office/drawing/2014/main" id="{08A5FBFF-30F0-48D6-9A52-58B77539FE0E}"/>
+              </a:ext>
+            </a:extLst>
+          </p:cNvPr>
+          <p:cNvSpPr txBox="1"/>
+          <p:nvPr/>
+        </p:nvSpPr>
+        <p:spPr>
+          <a:xfrm>
+            <a:off x="3942964" y="765244"/>
+            <a:ext cx="1315155" cy="369332"/>
+          </a:xfrm>
+          <a:prstGeom prst="rect">
+            <a:avLst/>
+          </a:prstGeom>
+          <a:noFill/>
+        </p:spPr>
+        <p:txBody>
+          <a:bodyPr wrap="square" rtlCol="0">
+            <a:spAutoFit/>
+          </a:bodyPr>
+          <a:lstStyle/>
+          <a:p>
+            <a:pPr algn="ctr"/>
+            <a:r>
+              <a:rPr lang="en-US" altLang="zh-CN" dirty="0" err="1">
+                <a:latin typeface="Times New Roman" panose="02020603050405020304" pitchFamily="18" charset="0"/>
+                <a:cs typeface="Times New Roman" panose="02020603050405020304" pitchFamily="18" charset="0"/>
+              </a:rPr>
+              <a:t>Gc_node</a:t>
+            </a:r>
+            <a:endParaRPr lang="zh-CN" altLang="en-US" dirty="0">
+              <a:latin typeface="Times New Roman" panose="02020603050405020304" pitchFamily="18" charset="0"/>
+              <a:cs typeface="Times New Roman" panose="02020603050405020304" pitchFamily="18" charset="0"/>
+            </a:endParaRPr>
+          </a:p>
+        </p:txBody>
+      </p:sp>
+      <p:cxnSp>
+        <p:nvCxnSpPr>
+          <p:cNvPr id="55" name="直接连接符 54">
+            <a:extLst>
+              <a:ext uri="{FF2B5EF4-FFF2-40B4-BE49-F238E27FC236}">
+                <a16:creationId xmlns:a16="http://schemas.microsoft.com/office/drawing/2014/main" id="{109E9A38-4D5F-48C2-BF2F-7BA09A3927F0}"/>
+              </a:ext>
+            </a:extLst>
+          </p:cNvPr>
+          <p:cNvCxnSpPr>
+            <a:cxnSpLocks/>
+            <a:stCxn id="65" idx="1"/>
+            <a:endCxn id="53" idx="0"/>
+          </p:cNvCxnSpPr>
+          <p:nvPr/>
+        </p:nvCxnSpPr>
+        <p:spPr>
+          <a:xfrm flipH="1" flipV="1">
+            <a:off x="936566" y="4819798"/>
+            <a:ext cx="2829783" cy="496164"/>
+          </a:xfrm>
+          <a:prstGeom prst="line">
+            <a:avLst/>
+          </a:prstGeom>
+          <a:ln w="38100">
+            <a:prstDash val="dashDot"/>
+          </a:ln>
+        </p:spPr>
+        <p:style>
+          <a:lnRef idx="1">
+            <a:schemeClr val="dk1"/>
+          </a:lnRef>
+          <a:fillRef idx="0">
+            <a:schemeClr val="dk1"/>
+          </a:fillRef>
+          <a:effectRef idx="0">
+            <a:schemeClr val="dk1"/>
+          </a:effectRef>
+          <a:fontRef idx="minor">
+            <a:schemeClr val="tx1"/>
+          </a:fontRef>
+        </p:style>
+      </p:cxnSp>
+      <p:cxnSp>
+        <p:nvCxnSpPr>
+          <p:cNvPr id="56" name="直接连接符 55">
+            <a:extLst>
+              <a:ext uri="{FF2B5EF4-FFF2-40B4-BE49-F238E27FC236}">
+                <a16:creationId xmlns:a16="http://schemas.microsoft.com/office/drawing/2014/main" id="{E6215366-F6D0-4EA2-8FD3-C1A84469E8C3}"/>
+              </a:ext>
+            </a:extLst>
+          </p:cNvPr>
+          <p:cNvCxnSpPr>
+            <a:cxnSpLocks/>
+            <a:stCxn id="66" idx="1"/>
+            <a:endCxn id="53" idx="2"/>
+          </p:cNvCxnSpPr>
+          <p:nvPr/>
+        </p:nvCxnSpPr>
+        <p:spPr>
+          <a:xfrm flipH="1">
+            <a:off x="936566" y="6113416"/>
+            <a:ext cx="2829783" cy="520855"/>
+          </a:xfrm>
+          <a:prstGeom prst="line">
+            <a:avLst/>
+          </a:prstGeom>
+          <a:ln w="38100">
+            <a:prstDash val="dashDot"/>
+          </a:ln>
+        </p:spPr>
+        <p:style>
+          <a:lnRef idx="1">
+            <a:schemeClr val="dk1"/>
+          </a:lnRef>
+          <a:fillRef idx="0">
+            <a:schemeClr val="dk1"/>
+          </a:fillRef>
+          <a:effectRef idx="0">
+            <a:schemeClr val="dk1"/>
+          </a:effectRef>
+          <a:fontRef idx="minor">
+            <a:schemeClr val="tx1"/>
+          </a:fontRef>
+        </p:style>
+      </p:cxnSp>
+      <p:sp>
+        <p:nvSpPr>
+          <p:cNvPr id="65" name="矩形 64">
+            <a:extLst>
+              <a:ext uri="{FF2B5EF4-FFF2-40B4-BE49-F238E27FC236}">
+                <a16:creationId xmlns:a16="http://schemas.microsoft.com/office/drawing/2014/main" id="{776C352C-6564-4774-A89F-A71DB294F9EF}"/>
+              </a:ext>
+            </a:extLst>
+          </p:cNvPr>
+          <p:cNvSpPr/>
+          <p:nvPr/>
+        </p:nvSpPr>
+        <p:spPr>
+          <a:xfrm>
+            <a:off x="3766349" y="5179939"/>
+            <a:ext cx="292937" cy="272046"/>
+          </a:xfrm>
+          <a:prstGeom prst="rect">
+            <a:avLst/>
+          </a:prstGeom>
+          <a:noFill/>
+          <a:ln>
+            <a:noFill/>
+          </a:ln>
+        </p:spPr>
+        <p:style>
+          <a:lnRef idx="2">
+            <a:schemeClr val="accent1">
+              <a:shade val="50000"/>
+            </a:schemeClr>
+          </a:lnRef>
+          <a:fillRef idx="1">
+            <a:schemeClr val="accent1"/>
+          </a:fillRef>
+          <a:effectRef idx="0">
+            <a:schemeClr val="accent1"/>
+          </a:effectRef>
+          <a:fontRef idx="minor">
+            <a:schemeClr val="lt1"/>
+          </a:fontRef>
+        </p:style>
+        <p:txBody>
+          <a:bodyPr rtlCol="0" anchor="ctr"/>
+          <a:lstStyle/>
+          <a:p>
+            <a:pPr algn="ctr"/>
+            <a:endParaRPr lang="zh-CN" altLang="en-US"/>
+          </a:p>
+        </p:txBody>
+      </p:sp>
+      <p:sp>
+        <p:nvSpPr>
+          <p:cNvPr id="66" name="矩形 65">
+            <a:extLst>
+              <a:ext uri="{FF2B5EF4-FFF2-40B4-BE49-F238E27FC236}">
+                <a16:creationId xmlns:a16="http://schemas.microsoft.com/office/drawing/2014/main" id="{4BF8934A-60C2-41C7-A8D8-D3A6FCCE54B7}"/>
+              </a:ext>
+            </a:extLst>
+          </p:cNvPr>
+          <p:cNvSpPr/>
+          <p:nvPr/>
+        </p:nvSpPr>
+        <p:spPr>
+          <a:xfrm>
+            <a:off x="3766349" y="5977393"/>
+            <a:ext cx="292937" cy="272046"/>
+          </a:xfrm>
+          <a:prstGeom prst="rect">
+            <a:avLst/>
+          </a:prstGeom>
+          <a:noFill/>
+          <a:ln>
+            <a:noFill/>
+          </a:ln>
+        </p:spPr>
+        <p:style>
+          <a:lnRef idx="2">
+            <a:schemeClr val="accent1">
+              <a:shade val="50000"/>
+            </a:schemeClr>
+          </a:lnRef>
+          <a:fillRef idx="1">
+            <a:schemeClr val="accent1"/>
+          </a:fillRef>
+          <a:effectRef idx="0">
+            <a:schemeClr val="accent1"/>
+          </a:effectRef>
+          <a:fontRef idx="minor">
+            <a:schemeClr val="lt1"/>
+          </a:fontRef>
+        </p:style>
+        <p:txBody>
+          <a:bodyPr rtlCol="0" anchor="ctr"/>
+          <a:lstStyle/>
+          <a:p>
+            <a:pPr algn="ctr"/>
+            <a:endParaRPr lang="zh-CN" altLang="en-US"/>
+          </a:p>
+        </p:txBody>
+      </p:sp>
+      <p:sp>
+        <p:nvSpPr>
+          <p:cNvPr id="53" name="矩形 52">
+            <a:extLst>
+              <a:ext uri="{FF2B5EF4-FFF2-40B4-BE49-F238E27FC236}">
+                <a16:creationId xmlns:a16="http://schemas.microsoft.com/office/drawing/2014/main" id="{AE399112-E8D6-4076-A10F-1A261EA56A54}"/>
+              </a:ext>
+            </a:extLst>
+          </p:cNvPr>
+          <p:cNvSpPr/>
+          <p:nvPr/>
+        </p:nvSpPr>
+        <p:spPr>
+          <a:xfrm>
+            <a:off x="206751" y="4819798"/>
+            <a:ext cx="1459630" cy="1814473"/>
+          </a:xfrm>
+          <a:prstGeom prst="rect">
+            <a:avLst/>
+          </a:prstGeom>
+          <a:solidFill>
+            <a:srgbClr val="705697"/>
+          </a:solidFill>
+          <a:ln>
+            <a:solidFill>
+              <a:schemeClr val="tx1"/>
+            </a:solidFill>
+          </a:ln>
+        </p:spPr>
+        <p:style>
+          <a:lnRef idx="2">
+            <a:schemeClr val="accent1">
+              <a:shade val="50000"/>
+            </a:schemeClr>
+          </a:lnRef>
+          <a:fillRef idx="1">
+            <a:schemeClr val="accent1"/>
+          </a:fillRef>
+          <a:effectRef idx="0">
+            <a:schemeClr val="accent1"/>
+          </a:effectRef>
+          <a:fontRef idx="minor">
+            <a:schemeClr val="lt1"/>
+          </a:fontRef>
+        </p:style>
+        <p:txBody>
+          <a:bodyPr rtlCol="0" anchor="ctr"/>
+          <a:lstStyle/>
+          <a:p>
+            <a:pPr algn="ctr"/>
+            <a:r>
+              <a:rPr lang="en-US" altLang="zh-CN" dirty="0" err="1">
+                <a:solidFill>
+                  <a:schemeClr val="bg1"/>
+                </a:solidFill>
+                <a:latin typeface="Times New Roman" panose="02020603050405020304" pitchFamily="18" charset="0"/>
+                <a:cs typeface="Times New Roman" panose="02020603050405020304" pitchFamily="18" charset="0"/>
+              </a:rPr>
+              <a:t>Ofs</a:t>
+            </a:r>
+            <a:endParaRPr lang="en-US" altLang="zh-CN" dirty="0">
+              <a:solidFill>
+                <a:schemeClr val="bg1"/>
+              </a:solidFill>
+              <a:latin typeface="Times New Roman" panose="02020603050405020304" pitchFamily="18" charset="0"/>
+              <a:cs typeface="Times New Roman" panose="02020603050405020304" pitchFamily="18" charset="0"/>
+            </a:endParaRPr>
+          </a:p>
+          <a:p>
+            <a:pPr algn="ctr"/>
+            <a:r>
+              <a:rPr lang="en-US" altLang="zh-CN" dirty="0">
+                <a:solidFill>
+                  <a:schemeClr val="bg1"/>
+                </a:solidFill>
+                <a:latin typeface="Times New Roman" panose="02020603050405020304" pitchFamily="18" charset="0"/>
+                <a:cs typeface="Times New Roman" panose="02020603050405020304" pitchFamily="18" charset="0"/>
+              </a:rPr>
+              <a:t>Len</a:t>
+            </a:r>
+          </a:p>
+          <a:p>
+            <a:pPr algn="ctr"/>
+            <a:r>
+              <a:rPr lang="en-US" altLang="zh-CN" dirty="0">
+                <a:solidFill>
+                  <a:schemeClr val="bg1"/>
+                </a:solidFill>
+                <a:latin typeface="Times New Roman" panose="02020603050405020304" pitchFamily="18" charset="0"/>
+                <a:cs typeface="Times New Roman" panose="02020603050405020304" pitchFamily="18" charset="0"/>
+              </a:rPr>
+              <a:t>…</a:t>
+            </a:r>
+            <a:endParaRPr lang="zh-CN" altLang="en-US" dirty="0">
+              <a:solidFill>
+                <a:schemeClr val="bg1"/>
+              </a:solidFill>
+              <a:latin typeface="Times New Roman" panose="02020603050405020304" pitchFamily="18" charset="0"/>
+              <a:cs typeface="Times New Roman" panose="02020603050405020304" pitchFamily="18" charset="0"/>
+            </a:endParaRPr>
+          </a:p>
+        </p:txBody>
+      </p:sp>
+      <p:sp>
+        <p:nvSpPr>
+          <p:cNvPr id="70" name="矩形 69">
+            <a:extLst>
+              <a:ext uri="{FF2B5EF4-FFF2-40B4-BE49-F238E27FC236}">
+                <a16:creationId xmlns:a16="http://schemas.microsoft.com/office/drawing/2014/main" id="{3D948197-6192-451D-8179-5B80ECB349BB}"/>
+              </a:ext>
+            </a:extLst>
+          </p:cNvPr>
+          <p:cNvSpPr/>
+          <p:nvPr/>
+        </p:nvSpPr>
+        <p:spPr>
+          <a:xfrm>
+            <a:off x="6182728" y="2762869"/>
+            <a:ext cx="1082512" cy="1345676"/>
+          </a:xfrm>
+          <a:prstGeom prst="rect">
+            <a:avLst/>
+          </a:prstGeom>
+          <a:solidFill>
+            <a:srgbClr val="C4B7D7"/>
+          </a:solidFill>
+          <a:ln>
+            <a:solidFill>
+              <a:schemeClr val="tx1"/>
+            </a:solidFill>
+          </a:ln>
+        </p:spPr>
+        <p:style>
+          <a:lnRef idx="2">
+            <a:schemeClr val="accent1">
+              <a:shade val="50000"/>
+            </a:schemeClr>
+          </a:lnRef>
+          <a:fillRef idx="1">
+            <a:schemeClr val="accent1"/>
+          </a:fillRef>
+          <a:effectRef idx="0">
+            <a:schemeClr val="accent1"/>
+          </a:effectRef>
+          <a:fontRef idx="minor">
+            <a:schemeClr val="lt1"/>
+          </a:fontRef>
+        </p:style>
+        <p:txBody>
+          <a:bodyPr rtlCol="0" anchor="ctr"/>
+          <a:lstStyle/>
+          <a:p>
+            <a:pPr algn="ctr"/>
+            <a:r>
+              <a:rPr lang="en-US" altLang="zh-CN" dirty="0">
+                <a:solidFill>
+                  <a:schemeClr val="tx1"/>
+                </a:solidFill>
+                <a:latin typeface="Times New Roman" panose="02020603050405020304" pitchFamily="18" charset="0"/>
+                <a:cs typeface="Times New Roman" panose="02020603050405020304" pitchFamily="18" charset="0"/>
+              </a:rPr>
+              <a:t>Raw Node</a:t>
+            </a:r>
+          </a:p>
+          <a:p>
+            <a:pPr algn="ctr"/>
+            <a:r>
+              <a:rPr lang="en-US" altLang="zh-CN" dirty="0">
+                <a:solidFill>
+                  <a:schemeClr val="tx1"/>
+                </a:solidFill>
+                <a:latin typeface="Times New Roman" panose="02020603050405020304" pitchFamily="18" charset="0"/>
+                <a:cs typeface="Times New Roman" panose="02020603050405020304" pitchFamily="18" charset="0"/>
+              </a:rPr>
+              <a:t>Ref</a:t>
+            </a:r>
+            <a:endParaRPr lang="zh-CN" altLang="en-US" dirty="0">
+              <a:solidFill>
+                <a:schemeClr val="tx1"/>
+              </a:solidFill>
+              <a:latin typeface="Times New Roman" panose="02020603050405020304" pitchFamily="18" charset="0"/>
+              <a:cs typeface="Times New Roman" panose="02020603050405020304" pitchFamily="18" charset="0"/>
+            </a:endParaRPr>
+          </a:p>
+        </p:txBody>
+      </p:sp>
+      <p:cxnSp>
+        <p:nvCxnSpPr>
+          <p:cNvPr id="71" name="直接箭头连接符 70">
+            <a:extLst>
+              <a:ext uri="{FF2B5EF4-FFF2-40B4-BE49-F238E27FC236}">
+                <a16:creationId xmlns:a16="http://schemas.microsoft.com/office/drawing/2014/main" id="{1EF61822-EBD1-48A3-A826-D53731A75E20}"/>
+              </a:ext>
+            </a:extLst>
+          </p:cNvPr>
+          <p:cNvCxnSpPr>
+            <a:cxnSpLocks/>
+            <a:stCxn id="6" idx="3"/>
+            <a:endCxn id="70" idx="1"/>
+          </p:cNvCxnSpPr>
+          <p:nvPr/>
+        </p:nvCxnSpPr>
+        <p:spPr>
+          <a:xfrm>
+            <a:off x="5141798" y="3433471"/>
+            <a:ext cx="1040930" cy="2236"/>
+          </a:xfrm>
+          <a:prstGeom prst="straightConnector1">
+            <a:avLst/>
+          </a:prstGeom>
+          <a:ln w="38100">
+            <a:tailEnd type="triangle"/>
+          </a:ln>
+        </p:spPr>
+        <p:style>
+          <a:lnRef idx="1">
+            <a:schemeClr val="dk1"/>
+          </a:lnRef>
+          <a:fillRef idx="0">
+            <a:schemeClr val="dk1"/>
+          </a:fillRef>
+          <a:effectRef idx="0">
+            <a:schemeClr val="dk1"/>
+          </a:effectRef>
+          <a:fontRef idx="minor">
+            <a:schemeClr val="tx1"/>
+          </a:fontRef>
+        </p:style>
+      </p:cxnSp>
+      <p:sp>
+        <p:nvSpPr>
+          <p:cNvPr id="74" name="文本框 73">
+            <a:extLst>
+              <a:ext uri="{FF2B5EF4-FFF2-40B4-BE49-F238E27FC236}">
+                <a16:creationId xmlns:a16="http://schemas.microsoft.com/office/drawing/2014/main" id="{2579F593-C27E-4996-9DF9-EFD09371AA1E}"/>
+              </a:ext>
+            </a:extLst>
+          </p:cNvPr>
+          <p:cNvSpPr txBox="1"/>
+          <p:nvPr/>
+        </p:nvSpPr>
+        <p:spPr>
+          <a:xfrm>
+            <a:off x="5011101" y="3448415"/>
+            <a:ext cx="1315155" cy="369332"/>
+          </a:xfrm>
+          <a:prstGeom prst="rect">
+            <a:avLst/>
+          </a:prstGeom>
+          <a:noFill/>
+        </p:spPr>
+        <p:txBody>
+          <a:bodyPr wrap="square" rtlCol="0">
+            <a:spAutoFit/>
+          </a:bodyPr>
+          <a:lstStyle/>
+          <a:p>
+            <a:pPr algn="ctr"/>
+            <a:r>
+              <a:rPr lang="en-US" altLang="zh-CN" dirty="0" err="1">
+                <a:latin typeface="Times New Roman" panose="02020603050405020304" pitchFamily="18" charset="0"/>
+                <a:cs typeface="Times New Roman" panose="02020603050405020304" pitchFamily="18" charset="0"/>
+              </a:rPr>
+              <a:t>Next_phys</a:t>
+            </a:r>
+            <a:endParaRPr lang="zh-CN" altLang="en-US" dirty="0">
+              <a:latin typeface="Times New Roman" panose="02020603050405020304" pitchFamily="18" charset="0"/>
+              <a:cs typeface="Times New Roman" panose="02020603050405020304" pitchFamily="18" charset="0"/>
+            </a:endParaRPr>
+          </a:p>
+        </p:txBody>
+      </p:sp>
+      <p:cxnSp>
+        <p:nvCxnSpPr>
+          <p:cNvPr id="75" name="直接箭头连接符 74">
+            <a:extLst>
+              <a:ext uri="{FF2B5EF4-FFF2-40B4-BE49-F238E27FC236}">
+                <a16:creationId xmlns:a16="http://schemas.microsoft.com/office/drawing/2014/main" id="{789726A9-46DC-4721-8322-A0D19BBECDB5}"/>
+              </a:ext>
+            </a:extLst>
+          </p:cNvPr>
+          <p:cNvCxnSpPr>
+            <a:cxnSpLocks/>
+            <a:stCxn id="70" idx="3"/>
+            <a:endCxn id="7" idx="1"/>
+          </p:cNvCxnSpPr>
+          <p:nvPr/>
+        </p:nvCxnSpPr>
+        <p:spPr>
+          <a:xfrm>
+            <a:off x="7265240" y="3435707"/>
+            <a:ext cx="1189922" cy="0"/>
+          </a:xfrm>
+          <a:prstGeom prst="straightConnector1">
+            <a:avLst/>
+          </a:prstGeom>
+          <a:ln w="38100">
+            <a:tailEnd type="triangle"/>
+          </a:ln>
+        </p:spPr>
+        <p:style>
+          <a:lnRef idx="1">
+            <a:schemeClr val="dk1"/>
+          </a:lnRef>
+          <a:fillRef idx="0">
+            <a:schemeClr val="dk1"/>
+          </a:fillRef>
+          <a:effectRef idx="0">
+            <a:schemeClr val="dk1"/>
+          </a:effectRef>
+          <a:fontRef idx="minor">
+            <a:schemeClr val="tx1"/>
+          </a:fontRef>
+        </p:style>
+      </p:cxnSp>
+      <p:sp>
+        <p:nvSpPr>
+          <p:cNvPr id="84" name="文本框 83">
+            <a:extLst>
+              <a:ext uri="{FF2B5EF4-FFF2-40B4-BE49-F238E27FC236}">
+                <a16:creationId xmlns:a16="http://schemas.microsoft.com/office/drawing/2014/main" id="{13DBE8C6-C177-48D9-AAB0-2A2A273D9029}"/>
+              </a:ext>
+            </a:extLst>
+          </p:cNvPr>
+          <p:cNvSpPr txBox="1"/>
+          <p:nvPr/>
+        </p:nvSpPr>
+        <p:spPr>
+          <a:xfrm>
+            <a:off x="7230851" y="3458526"/>
+            <a:ext cx="1315155" cy="369332"/>
+          </a:xfrm>
+          <a:prstGeom prst="rect">
+            <a:avLst/>
+          </a:prstGeom>
+          <a:noFill/>
+        </p:spPr>
+        <p:txBody>
+          <a:bodyPr wrap="square" rtlCol="0">
+            <a:spAutoFit/>
+          </a:bodyPr>
+          <a:lstStyle/>
+          <a:p>
+            <a:pPr algn="ctr"/>
+            <a:r>
+              <a:rPr lang="en-US" altLang="zh-CN" dirty="0" err="1">
+                <a:latin typeface="Times New Roman" panose="02020603050405020304" pitchFamily="18" charset="0"/>
+                <a:cs typeface="Times New Roman" panose="02020603050405020304" pitchFamily="18" charset="0"/>
+              </a:rPr>
+              <a:t>Next_phys</a:t>
+            </a:r>
+            <a:endParaRPr lang="zh-CN" altLang="en-US" dirty="0">
+              <a:latin typeface="Times New Roman" panose="02020603050405020304" pitchFamily="18" charset="0"/>
+              <a:cs typeface="Times New Roman" panose="02020603050405020304" pitchFamily="18" charset="0"/>
+            </a:endParaRPr>
+          </a:p>
+        </p:txBody>
+      </p:sp>
+    </p:spTree>
+    <p:extLst>
+      <p:ext uri="{BB962C8B-B14F-4D97-AF65-F5344CB8AC3E}">
+        <p14:creationId xmlns:p14="http://schemas.microsoft.com/office/powerpoint/2010/main" val="4125264550"/>
+      </p:ext>
+    </p:extLst>
+  </p:cSld>
+  <p:clrMapOvr>
+    <a:masterClrMapping/>
+  </p:clrMapOvr>
+</p:sld>
+</file>
+
+<file path=ppt/slides/slide14.xml><?xml version="1.0" encoding="utf-8"?>
 <p:sld xmlns:a="http://schemas.openxmlformats.org/drawingml/2006/main" xmlns:r="http://schemas.openxmlformats.org/officeDocument/2006/relationships" xmlns:p="http://schemas.openxmlformats.org/presentationml/2006/main">
   <p:cSld>
     <p:spTree>

--- a/Records/Files/绘图.pptx
+++ b/Records/Files/绘图.pptx
@@ -18,7 +18,8 @@
     <p:sldId id="267" r:id="rId12"/>
     <p:sldId id="268" r:id="rId13"/>
     <p:sldId id="269" r:id="rId14"/>
-    <p:sldId id="258" r:id="rId15"/>
+    <p:sldId id="270" r:id="rId15"/>
+    <p:sldId id="258" r:id="rId16"/>
   </p:sldIdLst>
   <p:sldSz cx="12192000" cy="6858000"/>
   <p:notesSz cx="6858000" cy="9144000"/>
@@ -135,6 +136,7 @@
             <p14:sldId id="267"/>
             <p14:sldId id="268"/>
             <p14:sldId id="269"/>
+            <p14:sldId id="270"/>
           </p14:sldIdLst>
         </p14:section>
         <p14:section name="调色盘" id="{F219C78C-63A3-46B0-B927-77D926844DA0}">
@@ -298,7 +300,7 @@
           <a:p>
             <a:fld id="{93C21203-5B9D-4602-98E5-5368AAB74C7B}" type="datetimeFigureOut">
               <a:rPr lang="zh-CN" altLang="en-US" smtClean="0"/>
-              <a:t>2021-04-26</a:t>
+              <a:t>2021-05-02</a:t>
             </a:fld>
             <a:endParaRPr lang="zh-CN" altLang="en-US"/>
           </a:p>
@@ -496,7 +498,7 @@
           <a:p>
             <a:fld id="{93C21203-5B9D-4602-98E5-5368AAB74C7B}" type="datetimeFigureOut">
               <a:rPr lang="zh-CN" altLang="en-US" smtClean="0"/>
-              <a:t>2021-04-26</a:t>
+              <a:t>2021-05-02</a:t>
             </a:fld>
             <a:endParaRPr lang="zh-CN" altLang="en-US"/>
           </a:p>
@@ -704,7 +706,7 @@
           <a:p>
             <a:fld id="{93C21203-5B9D-4602-98E5-5368AAB74C7B}" type="datetimeFigureOut">
               <a:rPr lang="zh-CN" altLang="en-US" smtClean="0"/>
-              <a:t>2021-04-26</a:t>
+              <a:t>2021-05-02</a:t>
             </a:fld>
             <a:endParaRPr lang="zh-CN" altLang="en-US"/>
           </a:p>
@@ -902,7 +904,7 @@
           <a:p>
             <a:fld id="{93C21203-5B9D-4602-98E5-5368AAB74C7B}" type="datetimeFigureOut">
               <a:rPr lang="zh-CN" altLang="en-US" smtClean="0"/>
-              <a:t>2021-04-26</a:t>
+              <a:t>2021-05-02</a:t>
             </a:fld>
             <a:endParaRPr lang="zh-CN" altLang="en-US"/>
           </a:p>
@@ -1177,7 +1179,7 @@
           <a:p>
             <a:fld id="{93C21203-5B9D-4602-98E5-5368AAB74C7B}" type="datetimeFigureOut">
               <a:rPr lang="zh-CN" altLang="en-US" smtClean="0"/>
-              <a:t>2021-04-26</a:t>
+              <a:t>2021-05-02</a:t>
             </a:fld>
             <a:endParaRPr lang="zh-CN" altLang="en-US"/>
           </a:p>
@@ -1442,7 +1444,7 @@
           <a:p>
             <a:fld id="{93C21203-5B9D-4602-98E5-5368AAB74C7B}" type="datetimeFigureOut">
               <a:rPr lang="zh-CN" altLang="en-US" smtClean="0"/>
-              <a:t>2021-04-26</a:t>
+              <a:t>2021-05-02</a:t>
             </a:fld>
             <a:endParaRPr lang="zh-CN" altLang="en-US"/>
           </a:p>
@@ -1854,7 +1856,7 @@
           <a:p>
             <a:fld id="{93C21203-5B9D-4602-98E5-5368AAB74C7B}" type="datetimeFigureOut">
               <a:rPr lang="zh-CN" altLang="en-US" smtClean="0"/>
-              <a:t>2021-04-26</a:t>
+              <a:t>2021-05-02</a:t>
             </a:fld>
             <a:endParaRPr lang="zh-CN" altLang="en-US"/>
           </a:p>
@@ -1995,7 +1997,7 @@
           <a:p>
             <a:fld id="{93C21203-5B9D-4602-98E5-5368AAB74C7B}" type="datetimeFigureOut">
               <a:rPr lang="zh-CN" altLang="en-US" smtClean="0"/>
-              <a:t>2021-04-26</a:t>
+              <a:t>2021-05-02</a:t>
             </a:fld>
             <a:endParaRPr lang="zh-CN" altLang="en-US"/>
           </a:p>
@@ -2108,7 +2110,7 @@
           <a:p>
             <a:fld id="{93C21203-5B9D-4602-98E5-5368AAB74C7B}" type="datetimeFigureOut">
               <a:rPr lang="zh-CN" altLang="en-US" smtClean="0"/>
-              <a:t>2021-04-26</a:t>
+              <a:t>2021-05-02</a:t>
             </a:fld>
             <a:endParaRPr lang="zh-CN" altLang="en-US"/>
           </a:p>
@@ -2419,7 +2421,7 @@
           <a:p>
             <a:fld id="{93C21203-5B9D-4602-98E5-5368AAB74C7B}" type="datetimeFigureOut">
               <a:rPr lang="zh-CN" altLang="en-US" smtClean="0"/>
-              <a:t>2021-04-26</a:t>
+              <a:t>2021-05-02</a:t>
             </a:fld>
             <a:endParaRPr lang="zh-CN" altLang="en-US"/>
           </a:p>
@@ -2707,7 +2709,7 @@
           <a:p>
             <a:fld id="{93C21203-5B9D-4602-98E5-5368AAB74C7B}" type="datetimeFigureOut">
               <a:rPr lang="zh-CN" altLang="en-US" smtClean="0"/>
-              <a:t>2021-04-26</a:t>
+              <a:t>2021-05-02</a:t>
             </a:fld>
             <a:endParaRPr lang="zh-CN" altLang="en-US"/>
           </a:p>
@@ -2948,7 +2950,7 @@
           <a:p>
             <a:fld id="{93C21203-5B9D-4602-98E5-5368AAB74C7B}" type="datetimeFigureOut">
               <a:rPr lang="zh-CN" altLang="en-US" smtClean="0"/>
-              <a:t>2021-04-26</a:t>
+              <a:t>2021-05-02</a:t>
             </a:fld>
             <a:endParaRPr lang="zh-CN" altLang="en-US"/>
           </a:p>
@@ -9728,6 +9730,451 @@
 </file>
 
 <file path=ppt/slides/slide14.xml><?xml version="1.0" encoding="utf-8"?>
+<p:sld xmlns:a="http://schemas.openxmlformats.org/drawingml/2006/main" xmlns:r="http://schemas.openxmlformats.org/officeDocument/2006/relationships" xmlns:p="http://schemas.openxmlformats.org/presentationml/2006/main">
+  <p:cSld>
+    <p:spTree>
+      <p:nvGrpSpPr>
+        <p:cNvPr id="1" name=""/>
+        <p:cNvGrpSpPr/>
+        <p:nvPr/>
+      </p:nvGrpSpPr>
+      <p:grpSpPr>
+        <a:xfrm>
+          <a:off x="0" y="0"/>
+          <a:ext cx="0" cy="0"/>
+          <a:chOff x="0" y="0"/>
+          <a:chExt cx="0" cy="0"/>
+        </a:xfrm>
+      </p:grpSpPr>
+      <p:pic>
+        <p:nvPicPr>
+          <p:cNvPr id="5" name="图片 4">
+            <a:extLst>
+              <a:ext uri="{FF2B5EF4-FFF2-40B4-BE49-F238E27FC236}">
+                <a16:creationId xmlns:a16="http://schemas.microsoft.com/office/drawing/2014/main" id="{26C01B06-33CF-472C-B1F5-2331B726D9C8}"/>
+              </a:ext>
+            </a:extLst>
+          </p:cNvPr>
+          <p:cNvPicPr>
+            <a:picLocks noChangeAspect="1"/>
+          </p:cNvPicPr>
+          <p:nvPr/>
+        </p:nvPicPr>
+        <p:blipFill rotWithShape="1">
+          <a:blip r:embed="rId2"/>
+          <a:srcRect l="1829" t="1538" r="413" b="-142"/>
+          <a:stretch/>
+        </p:blipFill>
+        <p:spPr>
+          <a:xfrm>
+            <a:off x="1838227" y="103754"/>
+            <a:ext cx="6938128" cy="6650491"/>
+          </a:xfrm>
+          <a:prstGeom prst="rect">
+            <a:avLst/>
+          </a:prstGeom>
+        </p:spPr>
+      </p:pic>
+      <p:sp>
+        <p:nvSpPr>
+          <p:cNvPr id="6" name="矩形 5">
+            <a:extLst>
+              <a:ext uri="{FF2B5EF4-FFF2-40B4-BE49-F238E27FC236}">
+                <a16:creationId xmlns:a16="http://schemas.microsoft.com/office/drawing/2014/main" id="{0A41B15E-B31D-49A5-82F3-89FE6CFD0C13}"/>
+              </a:ext>
+            </a:extLst>
+          </p:cNvPr>
+          <p:cNvSpPr/>
+          <p:nvPr/>
+        </p:nvSpPr>
+        <p:spPr>
+          <a:xfrm>
+            <a:off x="4419600" y="1908048"/>
+            <a:ext cx="792480" cy="128016"/>
+          </a:xfrm>
+          <a:prstGeom prst="rect">
+            <a:avLst/>
+          </a:prstGeom>
+          <a:solidFill>
+            <a:srgbClr val="C0C0C0"/>
+          </a:solidFill>
+          <a:ln>
+            <a:noFill/>
+          </a:ln>
+        </p:spPr>
+        <p:style>
+          <a:lnRef idx="2">
+            <a:schemeClr val="accent1">
+              <a:shade val="50000"/>
+            </a:schemeClr>
+          </a:lnRef>
+          <a:fillRef idx="1">
+            <a:schemeClr val="accent1"/>
+          </a:fillRef>
+          <a:effectRef idx="0">
+            <a:schemeClr val="accent1"/>
+          </a:effectRef>
+          <a:fontRef idx="minor">
+            <a:schemeClr val="lt1"/>
+          </a:fontRef>
+        </p:style>
+        <p:txBody>
+          <a:bodyPr rtlCol="0" anchor="ctr"/>
+          <a:lstStyle/>
+          <a:p>
+            <a:pPr algn="ctr"/>
+            <a:r>
+              <a:rPr lang="en-US" altLang="zh-CN" sz="1100" dirty="0" err="1">
+                <a:solidFill>
+                  <a:srgbClr val="C00000"/>
+                </a:solidFill>
+                <a:latin typeface="Times New Roman" panose="02020603050405020304" pitchFamily="18" charset="0"/>
+                <a:cs typeface="Times New Roman" panose="02020603050405020304" pitchFamily="18" charset="0"/>
+              </a:rPr>
+              <a:t>dlogs</a:t>
+            </a:r>
+            <a:endParaRPr lang="zh-CN" altLang="en-US" sz="1100" dirty="0">
+              <a:solidFill>
+                <a:srgbClr val="C00000"/>
+              </a:solidFill>
+              <a:latin typeface="Times New Roman" panose="02020603050405020304" pitchFamily="18" charset="0"/>
+              <a:cs typeface="Times New Roman" panose="02020603050405020304" pitchFamily="18" charset="0"/>
+            </a:endParaRPr>
+          </a:p>
+        </p:txBody>
+      </p:sp>
+      <p:cxnSp>
+        <p:nvCxnSpPr>
+          <p:cNvPr id="8" name="直接连接符 7">
+            <a:extLst>
+              <a:ext uri="{FF2B5EF4-FFF2-40B4-BE49-F238E27FC236}">
+                <a16:creationId xmlns:a16="http://schemas.microsoft.com/office/drawing/2014/main" id="{AA390388-D9B6-4A93-B442-FEFEDB370E82}"/>
+              </a:ext>
+            </a:extLst>
+          </p:cNvPr>
+          <p:cNvCxnSpPr>
+            <a:cxnSpLocks/>
+          </p:cNvCxnSpPr>
+          <p:nvPr/>
+        </p:nvCxnSpPr>
+        <p:spPr>
+          <a:xfrm flipH="1">
+            <a:off x="3803904" y="1972056"/>
+            <a:ext cx="528066" cy="0"/>
+          </a:xfrm>
+          <a:prstGeom prst="line">
+            <a:avLst/>
+          </a:prstGeom>
+        </p:spPr>
+        <p:style>
+          <a:lnRef idx="3">
+            <a:schemeClr val="dk1"/>
+          </a:lnRef>
+          <a:fillRef idx="0">
+            <a:schemeClr val="dk1"/>
+          </a:fillRef>
+          <a:effectRef idx="2">
+            <a:schemeClr val="dk1"/>
+          </a:effectRef>
+          <a:fontRef idx="minor">
+            <a:schemeClr val="tx1"/>
+          </a:fontRef>
+        </p:style>
+      </p:cxnSp>
+      <p:sp>
+        <p:nvSpPr>
+          <p:cNvPr id="12" name="矩形 11">
+            <a:extLst>
+              <a:ext uri="{FF2B5EF4-FFF2-40B4-BE49-F238E27FC236}">
+                <a16:creationId xmlns:a16="http://schemas.microsoft.com/office/drawing/2014/main" id="{C2AB708E-F50F-4B15-8629-0314C4BD38D5}"/>
+              </a:ext>
+            </a:extLst>
+          </p:cNvPr>
+          <p:cNvSpPr/>
+          <p:nvPr/>
+        </p:nvSpPr>
+        <p:spPr>
+          <a:xfrm>
+            <a:off x="3695319" y="1812798"/>
+            <a:ext cx="217170" cy="128016"/>
+          </a:xfrm>
+          <a:prstGeom prst="rect">
+            <a:avLst/>
+          </a:prstGeom>
+          <a:solidFill>
+            <a:schemeClr val="bg1"/>
+          </a:solidFill>
+          <a:ln>
+            <a:noFill/>
+          </a:ln>
+        </p:spPr>
+        <p:style>
+          <a:lnRef idx="2">
+            <a:schemeClr val="accent1">
+              <a:shade val="50000"/>
+            </a:schemeClr>
+          </a:lnRef>
+          <a:fillRef idx="1">
+            <a:schemeClr val="accent1"/>
+          </a:fillRef>
+          <a:effectRef idx="0">
+            <a:schemeClr val="accent1"/>
+          </a:effectRef>
+          <a:fontRef idx="minor">
+            <a:schemeClr val="lt1"/>
+          </a:fontRef>
+        </p:style>
+        <p:txBody>
+          <a:bodyPr rtlCol="0" anchor="ctr"/>
+          <a:lstStyle/>
+          <a:p>
+            <a:pPr algn="ctr"/>
+            <a:endParaRPr lang="zh-CN" altLang="en-US" sz="1100" dirty="0">
+              <a:solidFill>
+                <a:srgbClr val="C00000"/>
+              </a:solidFill>
+              <a:latin typeface="Times New Roman" panose="02020603050405020304" pitchFamily="18" charset="0"/>
+              <a:cs typeface="Times New Roman" panose="02020603050405020304" pitchFamily="18" charset="0"/>
+            </a:endParaRPr>
+          </a:p>
+        </p:txBody>
+      </p:sp>
+      <p:sp>
+        <p:nvSpPr>
+          <p:cNvPr id="13" name="矩形 12">
+            <a:extLst>
+              <a:ext uri="{FF2B5EF4-FFF2-40B4-BE49-F238E27FC236}">
+                <a16:creationId xmlns:a16="http://schemas.microsoft.com/office/drawing/2014/main" id="{6D57BE75-110C-44EC-822B-8368E8C0BBDC}"/>
+              </a:ext>
+            </a:extLst>
+          </p:cNvPr>
+          <p:cNvSpPr/>
+          <p:nvPr/>
+        </p:nvSpPr>
+        <p:spPr>
+          <a:xfrm>
+            <a:off x="3695319" y="1629537"/>
+            <a:ext cx="217170" cy="128016"/>
+          </a:xfrm>
+          <a:prstGeom prst="rect">
+            <a:avLst/>
+          </a:prstGeom>
+          <a:solidFill>
+            <a:schemeClr val="bg1"/>
+          </a:solidFill>
+          <a:ln>
+            <a:noFill/>
+          </a:ln>
+        </p:spPr>
+        <p:style>
+          <a:lnRef idx="2">
+            <a:schemeClr val="accent1">
+              <a:shade val="50000"/>
+            </a:schemeClr>
+          </a:lnRef>
+          <a:fillRef idx="1">
+            <a:schemeClr val="accent1"/>
+          </a:fillRef>
+          <a:effectRef idx="0">
+            <a:schemeClr val="accent1"/>
+          </a:effectRef>
+          <a:fontRef idx="minor">
+            <a:schemeClr val="lt1"/>
+          </a:fontRef>
+        </p:style>
+        <p:txBody>
+          <a:bodyPr rtlCol="0" anchor="ctr"/>
+          <a:lstStyle/>
+          <a:p>
+            <a:pPr algn="ctr"/>
+            <a:endParaRPr lang="zh-CN" altLang="en-US" sz="1100" dirty="0">
+              <a:solidFill>
+                <a:srgbClr val="C00000"/>
+              </a:solidFill>
+              <a:latin typeface="Times New Roman" panose="02020603050405020304" pitchFamily="18" charset="0"/>
+              <a:cs typeface="Times New Roman" panose="02020603050405020304" pitchFamily="18" charset="0"/>
+            </a:endParaRPr>
+          </a:p>
+        </p:txBody>
+      </p:sp>
+      <p:sp>
+        <p:nvSpPr>
+          <p:cNvPr id="14" name="矩形 13">
+            <a:extLst>
+              <a:ext uri="{FF2B5EF4-FFF2-40B4-BE49-F238E27FC236}">
+                <a16:creationId xmlns:a16="http://schemas.microsoft.com/office/drawing/2014/main" id="{06784233-63B3-4837-B1E7-3B64F4EBDC03}"/>
+              </a:ext>
+            </a:extLst>
+          </p:cNvPr>
+          <p:cNvSpPr/>
+          <p:nvPr/>
+        </p:nvSpPr>
+        <p:spPr>
+          <a:xfrm>
+            <a:off x="4034790" y="1538478"/>
+            <a:ext cx="250317" cy="128016"/>
+          </a:xfrm>
+          <a:prstGeom prst="rect">
+            <a:avLst/>
+          </a:prstGeom>
+          <a:solidFill>
+            <a:schemeClr val="bg1"/>
+          </a:solidFill>
+          <a:ln>
+            <a:noFill/>
+          </a:ln>
+        </p:spPr>
+        <p:style>
+          <a:lnRef idx="2">
+            <a:schemeClr val="accent1">
+              <a:shade val="50000"/>
+            </a:schemeClr>
+          </a:lnRef>
+          <a:fillRef idx="1">
+            <a:schemeClr val="accent1"/>
+          </a:fillRef>
+          <a:effectRef idx="0">
+            <a:schemeClr val="accent1"/>
+          </a:effectRef>
+          <a:fontRef idx="minor">
+            <a:schemeClr val="lt1"/>
+          </a:fontRef>
+        </p:style>
+        <p:txBody>
+          <a:bodyPr rtlCol="0" anchor="ctr"/>
+          <a:lstStyle/>
+          <a:p>
+            <a:pPr algn="ctr"/>
+            <a:endParaRPr lang="zh-CN" altLang="en-US" sz="1100" dirty="0">
+              <a:solidFill>
+                <a:srgbClr val="C00000"/>
+              </a:solidFill>
+              <a:latin typeface="Times New Roman" panose="02020603050405020304" pitchFamily="18" charset="0"/>
+              <a:cs typeface="Times New Roman" panose="02020603050405020304" pitchFamily="18" charset="0"/>
+            </a:endParaRPr>
+          </a:p>
+        </p:txBody>
+      </p:sp>
+      <p:sp>
+        <p:nvSpPr>
+          <p:cNvPr id="15" name="矩形 14">
+            <a:extLst>
+              <a:ext uri="{FF2B5EF4-FFF2-40B4-BE49-F238E27FC236}">
+                <a16:creationId xmlns:a16="http://schemas.microsoft.com/office/drawing/2014/main" id="{B46D6FD8-B4B3-4E7D-B660-6D9F304A75D0}"/>
+              </a:ext>
+            </a:extLst>
+          </p:cNvPr>
+          <p:cNvSpPr/>
+          <p:nvPr/>
+        </p:nvSpPr>
+        <p:spPr>
+          <a:xfrm>
+            <a:off x="3723322" y="1522286"/>
+            <a:ext cx="250317" cy="128016"/>
+          </a:xfrm>
+          <a:prstGeom prst="rect">
+            <a:avLst/>
+          </a:prstGeom>
+          <a:solidFill>
+            <a:schemeClr val="bg1"/>
+          </a:solidFill>
+          <a:ln>
+            <a:noFill/>
+          </a:ln>
+        </p:spPr>
+        <p:style>
+          <a:lnRef idx="2">
+            <a:schemeClr val="accent1">
+              <a:shade val="50000"/>
+            </a:schemeClr>
+          </a:lnRef>
+          <a:fillRef idx="1">
+            <a:schemeClr val="accent1"/>
+          </a:fillRef>
+          <a:effectRef idx="0">
+            <a:schemeClr val="accent1"/>
+          </a:effectRef>
+          <a:fontRef idx="minor">
+            <a:schemeClr val="lt1"/>
+          </a:fontRef>
+        </p:style>
+        <p:txBody>
+          <a:bodyPr rtlCol="0" anchor="ctr"/>
+          <a:lstStyle/>
+          <a:p>
+            <a:pPr algn="ctr"/>
+            <a:endParaRPr lang="zh-CN" altLang="en-US" sz="1100" dirty="0">
+              <a:solidFill>
+                <a:srgbClr val="C00000"/>
+              </a:solidFill>
+              <a:latin typeface="Times New Roman" panose="02020603050405020304" pitchFamily="18" charset="0"/>
+              <a:cs typeface="Times New Roman" panose="02020603050405020304" pitchFamily="18" charset="0"/>
+            </a:endParaRPr>
+          </a:p>
+        </p:txBody>
+      </p:sp>
+      <p:sp>
+        <p:nvSpPr>
+          <p:cNvPr id="24" name="矩形 23">
+            <a:extLst>
+              <a:ext uri="{FF2B5EF4-FFF2-40B4-BE49-F238E27FC236}">
+                <a16:creationId xmlns:a16="http://schemas.microsoft.com/office/drawing/2014/main" id="{67783D9D-EF5A-4CC7-BB79-218D082891F4}"/>
+              </a:ext>
+            </a:extLst>
+          </p:cNvPr>
+          <p:cNvSpPr/>
+          <p:nvPr/>
+        </p:nvSpPr>
+        <p:spPr>
+          <a:xfrm>
+            <a:off x="4331970" y="5417057"/>
+            <a:ext cx="971550" cy="233170"/>
+          </a:xfrm>
+          <a:prstGeom prst="rect">
+            <a:avLst/>
+          </a:prstGeom>
+        </p:spPr>
+        <p:style>
+          <a:lnRef idx="2">
+            <a:schemeClr val="dk1"/>
+          </a:lnRef>
+          <a:fillRef idx="1">
+            <a:schemeClr val="lt1"/>
+          </a:fillRef>
+          <a:effectRef idx="0">
+            <a:schemeClr val="dk1"/>
+          </a:effectRef>
+          <a:fontRef idx="minor">
+            <a:schemeClr val="dk1"/>
+          </a:fontRef>
+        </p:style>
+        <p:txBody>
+          <a:bodyPr rtlCol="0" anchor="ctr"/>
+          <a:lstStyle/>
+          <a:p>
+            <a:pPr algn="ctr"/>
+            <a:r>
+              <a:rPr lang="en-US" altLang="zh-CN" dirty="0"/>
+              <a:t>Flag = LOG</a:t>
+            </a:r>
+            <a:endParaRPr lang="zh-CN" altLang="en-US" dirty="0"/>
+          </a:p>
+        </p:txBody>
+      </p:sp>
+    </p:spTree>
+    <p:extLst>
+      <p:ext uri="{BB962C8B-B14F-4D97-AF65-F5344CB8AC3E}">
+        <p14:creationId xmlns:p14="http://schemas.microsoft.com/office/powerpoint/2010/main" val="3010740875"/>
+      </p:ext>
+    </p:extLst>
+  </p:cSld>
+  <p:clrMapOvr>
+    <a:masterClrMapping/>
+  </p:clrMapOvr>
+</p:sld>
+</file>
+
+<file path=ppt/slides/slide15.xml><?xml version="1.0" encoding="utf-8"?>
 <p:sld xmlns:a="http://schemas.openxmlformats.org/drawingml/2006/main" xmlns:r="http://schemas.openxmlformats.org/officeDocument/2006/relationships" xmlns:p="http://schemas.openxmlformats.org/presentationml/2006/main">
   <p:cSld>
     <p:spTree>

--- a/Records/Files/绘图.pptx
+++ b/Records/Files/绘图.pptx
@@ -4,6 +4,9 @@
   <p:sldMasterIdLst>
     <p:sldMasterId id="2147483648" r:id="rId1"/>
   </p:sldMasterIdLst>
+  <p:notesMasterIdLst>
+    <p:notesMasterId r:id="rId19"/>
+  </p:notesMasterIdLst>
   <p:sldIdLst>
     <p:sldId id="256" r:id="rId2"/>
     <p:sldId id="257" r:id="rId3"/>
@@ -13,13 +16,15 @@
     <p:sldId id="262" r:id="rId7"/>
     <p:sldId id="264" r:id="rId8"/>
     <p:sldId id="263" r:id="rId9"/>
-    <p:sldId id="265" r:id="rId10"/>
-    <p:sldId id="266" r:id="rId11"/>
-    <p:sldId id="267" r:id="rId12"/>
-    <p:sldId id="268" r:id="rId13"/>
-    <p:sldId id="269" r:id="rId14"/>
-    <p:sldId id="270" r:id="rId15"/>
-    <p:sldId id="258" r:id="rId16"/>
+    <p:sldId id="272" r:id="rId10"/>
+    <p:sldId id="265" r:id="rId11"/>
+    <p:sldId id="266" r:id="rId12"/>
+    <p:sldId id="267" r:id="rId13"/>
+    <p:sldId id="271" r:id="rId14"/>
+    <p:sldId id="268" r:id="rId15"/>
+    <p:sldId id="269" r:id="rId16"/>
+    <p:sldId id="270" r:id="rId17"/>
+    <p:sldId id="258" r:id="rId18"/>
   </p:sldIdLst>
   <p:sldSz cx="12192000" cy="6858000"/>
   <p:notesSz cx="6858000" cy="9144000"/>
@@ -131,9 +136,11 @@
             <p14:sldId id="262"/>
             <p14:sldId id="264"/>
             <p14:sldId id="263"/>
+            <p14:sldId id="272"/>
             <p14:sldId id="265"/>
             <p14:sldId id="266"/>
             <p14:sldId id="267"/>
+            <p14:sldId id="271"/>
             <p14:sldId id="268"/>
             <p14:sldId id="269"/>
             <p14:sldId id="270"/>
@@ -151,6 +158,355 @@
     </p:ext>
   </p:extLst>
 </p:presentation>
+</file>
+
+<file path=ppt/notesMasters/notesMaster1.xml><?xml version="1.0" encoding="utf-8"?>
+<p:notesMaster xmlns:a="http://schemas.openxmlformats.org/drawingml/2006/main" xmlns:r="http://schemas.openxmlformats.org/officeDocument/2006/relationships" xmlns:p="http://schemas.openxmlformats.org/presentationml/2006/main">
+  <p:cSld>
+    <p:bg>
+      <p:bgRef idx="1001">
+        <a:schemeClr val="bg1"/>
+      </p:bgRef>
+    </p:bg>
+    <p:spTree>
+      <p:nvGrpSpPr>
+        <p:cNvPr id="1" name=""/>
+        <p:cNvGrpSpPr/>
+        <p:nvPr/>
+      </p:nvGrpSpPr>
+      <p:grpSpPr>
+        <a:xfrm>
+          <a:off x="0" y="0"/>
+          <a:ext cx="0" cy="0"/>
+          <a:chOff x="0" y="0"/>
+          <a:chExt cx="0" cy="0"/>
+        </a:xfrm>
+      </p:grpSpPr>
+      <p:sp>
+        <p:nvSpPr>
+          <p:cNvPr id="2" name="页眉占位符 1"/>
+          <p:cNvSpPr>
+            <a:spLocks noGrp="1"/>
+          </p:cNvSpPr>
+          <p:nvPr>
+            <p:ph type="hdr" sz="quarter"/>
+          </p:nvPr>
+        </p:nvSpPr>
+        <p:spPr>
+          <a:xfrm>
+            <a:off x="0" y="0"/>
+            <a:ext cx="2971800" cy="458788"/>
+          </a:xfrm>
+          <a:prstGeom prst="rect">
+            <a:avLst/>
+          </a:prstGeom>
+        </p:spPr>
+        <p:txBody>
+          <a:bodyPr vert="horz" lIns="91440" tIns="45720" rIns="91440" bIns="45720" rtlCol="0"/>
+          <a:lstStyle>
+            <a:lvl1pPr algn="l">
+              <a:defRPr sz="1200"/>
+            </a:lvl1pPr>
+          </a:lstStyle>
+          <a:p>
+            <a:endParaRPr lang="zh-CN" altLang="en-US"/>
+          </a:p>
+        </p:txBody>
+      </p:sp>
+      <p:sp>
+        <p:nvSpPr>
+          <p:cNvPr id="3" name="日期占位符 2"/>
+          <p:cNvSpPr>
+            <a:spLocks noGrp="1"/>
+          </p:cNvSpPr>
+          <p:nvPr>
+            <p:ph type="dt" idx="1"/>
+          </p:nvPr>
+        </p:nvSpPr>
+        <p:spPr>
+          <a:xfrm>
+            <a:off x="3884613" y="0"/>
+            <a:ext cx="2971800" cy="458788"/>
+          </a:xfrm>
+          <a:prstGeom prst="rect">
+            <a:avLst/>
+          </a:prstGeom>
+        </p:spPr>
+        <p:txBody>
+          <a:bodyPr vert="horz" lIns="91440" tIns="45720" rIns="91440" bIns="45720" rtlCol="0"/>
+          <a:lstStyle>
+            <a:lvl1pPr algn="r">
+              <a:defRPr sz="1200"/>
+            </a:lvl1pPr>
+          </a:lstStyle>
+          <a:p>
+            <a:fld id="{865075EA-CAD0-46ED-91A7-E09FAF8491AC}" type="datetimeFigureOut">
+              <a:rPr lang="zh-CN" altLang="en-US" smtClean="0"/>
+              <a:t>2021-05-14</a:t>
+            </a:fld>
+            <a:endParaRPr lang="zh-CN" altLang="en-US"/>
+          </a:p>
+        </p:txBody>
+      </p:sp>
+      <p:sp>
+        <p:nvSpPr>
+          <p:cNvPr id="4" name="幻灯片图像占位符 3"/>
+          <p:cNvSpPr>
+            <a:spLocks noGrp="1" noRot="1" noChangeAspect="1"/>
+          </p:cNvSpPr>
+          <p:nvPr>
+            <p:ph type="sldImg" idx="2"/>
+          </p:nvPr>
+        </p:nvSpPr>
+        <p:spPr>
+          <a:xfrm>
+            <a:off x="685800" y="1143000"/>
+            <a:ext cx="5486400" cy="3086100"/>
+          </a:xfrm>
+          <a:prstGeom prst="rect">
+            <a:avLst/>
+          </a:prstGeom>
+          <a:noFill/>
+          <a:ln w="12700">
+            <a:solidFill>
+              <a:prstClr val="black"/>
+            </a:solidFill>
+          </a:ln>
+        </p:spPr>
+        <p:txBody>
+          <a:bodyPr vert="horz" lIns="91440" tIns="45720" rIns="91440" bIns="45720" rtlCol="0" anchor="ctr"/>
+          <a:lstStyle/>
+          <a:p>
+            <a:endParaRPr lang="zh-CN" altLang="en-US"/>
+          </a:p>
+        </p:txBody>
+      </p:sp>
+      <p:sp>
+        <p:nvSpPr>
+          <p:cNvPr id="5" name="备注占位符 4"/>
+          <p:cNvSpPr>
+            <a:spLocks noGrp="1"/>
+          </p:cNvSpPr>
+          <p:nvPr>
+            <p:ph type="body" sz="quarter" idx="3"/>
+          </p:nvPr>
+        </p:nvSpPr>
+        <p:spPr>
+          <a:xfrm>
+            <a:off x="685800" y="4400550"/>
+            <a:ext cx="5486400" cy="3600450"/>
+          </a:xfrm>
+          <a:prstGeom prst="rect">
+            <a:avLst/>
+          </a:prstGeom>
+        </p:spPr>
+        <p:txBody>
+          <a:bodyPr vert="horz" lIns="91440" tIns="45720" rIns="91440" bIns="45720" rtlCol="0"/>
+          <a:lstStyle/>
+          <a:p>
+            <a:pPr lvl="0"/>
+            <a:r>
+              <a:rPr lang="zh-CN" altLang="en-US"/>
+              <a:t>单击此处编辑母版文本样式</a:t>
+            </a:r>
+          </a:p>
+          <a:p>
+            <a:pPr lvl="1"/>
+            <a:r>
+              <a:rPr lang="zh-CN" altLang="en-US"/>
+              <a:t>二级</a:t>
+            </a:r>
+          </a:p>
+          <a:p>
+            <a:pPr lvl="2"/>
+            <a:r>
+              <a:rPr lang="zh-CN" altLang="en-US"/>
+              <a:t>三级</a:t>
+            </a:r>
+          </a:p>
+          <a:p>
+            <a:pPr lvl="3"/>
+            <a:r>
+              <a:rPr lang="zh-CN" altLang="en-US"/>
+              <a:t>四级</a:t>
+            </a:r>
+          </a:p>
+          <a:p>
+            <a:pPr lvl="4"/>
+            <a:r>
+              <a:rPr lang="zh-CN" altLang="en-US"/>
+              <a:t>五级</a:t>
+            </a:r>
+          </a:p>
+        </p:txBody>
+      </p:sp>
+      <p:sp>
+        <p:nvSpPr>
+          <p:cNvPr id="6" name="页脚占位符 5"/>
+          <p:cNvSpPr>
+            <a:spLocks noGrp="1"/>
+          </p:cNvSpPr>
+          <p:nvPr>
+            <p:ph type="ftr" sz="quarter" idx="4"/>
+          </p:nvPr>
+        </p:nvSpPr>
+        <p:spPr>
+          <a:xfrm>
+            <a:off x="0" y="8685213"/>
+            <a:ext cx="2971800" cy="458787"/>
+          </a:xfrm>
+          <a:prstGeom prst="rect">
+            <a:avLst/>
+          </a:prstGeom>
+        </p:spPr>
+        <p:txBody>
+          <a:bodyPr vert="horz" lIns="91440" tIns="45720" rIns="91440" bIns="45720" rtlCol="0" anchor="b"/>
+          <a:lstStyle>
+            <a:lvl1pPr algn="l">
+              <a:defRPr sz="1200"/>
+            </a:lvl1pPr>
+          </a:lstStyle>
+          <a:p>
+            <a:endParaRPr lang="zh-CN" altLang="en-US"/>
+          </a:p>
+        </p:txBody>
+      </p:sp>
+      <p:sp>
+        <p:nvSpPr>
+          <p:cNvPr id="7" name="灯片编号占位符 6"/>
+          <p:cNvSpPr>
+            <a:spLocks noGrp="1"/>
+          </p:cNvSpPr>
+          <p:nvPr>
+            <p:ph type="sldNum" sz="quarter" idx="5"/>
+          </p:nvPr>
+        </p:nvSpPr>
+        <p:spPr>
+          <a:xfrm>
+            <a:off x="3884613" y="8685213"/>
+            <a:ext cx="2971800" cy="458787"/>
+          </a:xfrm>
+          <a:prstGeom prst="rect">
+            <a:avLst/>
+          </a:prstGeom>
+        </p:spPr>
+        <p:txBody>
+          <a:bodyPr vert="horz" lIns="91440" tIns="45720" rIns="91440" bIns="45720" rtlCol="0" anchor="b"/>
+          <a:lstStyle>
+            <a:lvl1pPr algn="r">
+              <a:defRPr sz="1200"/>
+            </a:lvl1pPr>
+          </a:lstStyle>
+          <a:p>
+            <a:fld id="{869DD363-8349-4667-826A-3074ACDED8D4}" type="slidenum">
+              <a:rPr lang="zh-CN" altLang="en-US" smtClean="0"/>
+              <a:t>‹#›</a:t>
+            </a:fld>
+            <a:endParaRPr lang="zh-CN" altLang="en-US"/>
+          </a:p>
+        </p:txBody>
+      </p:sp>
+    </p:spTree>
+    <p:extLst>
+      <p:ext uri="{BB962C8B-B14F-4D97-AF65-F5344CB8AC3E}">
+        <p14:creationId xmlns:p14="http://schemas.microsoft.com/office/powerpoint/2010/main" val="2664684253"/>
+      </p:ext>
+    </p:extLst>
+  </p:cSld>
+  <p:clrMap bg1="lt1" tx1="dk1" bg2="lt2" tx2="dk2" accent1="accent1" accent2="accent2" accent3="accent3" accent4="accent4" accent5="accent5" accent6="accent6" hlink="hlink" folHlink="folHlink"/>
+  <p:notesStyle>
+    <a:lvl1pPr marL="0" algn="l" defTabSz="914400" rtl="0" eaLnBrk="1" latinLnBrk="0" hangingPunct="1">
+      <a:defRPr sz="1200" kern="1200">
+        <a:solidFill>
+          <a:schemeClr val="tx1"/>
+        </a:solidFill>
+        <a:latin typeface="+mn-lt"/>
+        <a:ea typeface="+mn-ea"/>
+        <a:cs typeface="+mn-cs"/>
+      </a:defRPr>
+    </a:lvl1pPr>
+    <a:lvl2pPr marL="457200" algn="l" defTabSz="914400" rtl="0" eaLnBrk="1" latinLnBrk="0" hangingPunct="1">
+      <a:defRPr sz="1200" kern="1200">
+        <a:solidFill>
+          <a:schemeClr val="tx1"/>
+        </a:solidFill>
+        <a:latin typeface="+mn-lt"/>
+        <a:ea typeface="+mn-ea"/>
+        <a:cs typeface="+mn-cs"/>
+      </a:defRPr>
+    </a:lvl2pPr>
+    <a:lvl3pPr marL="914400" algn="l" defTabSz="914400" rtl="0" eaLnBrk="1" latinLnBrk="0" hangingPunct="1">
+      <a:defRPr sz="1200" kern="1200">
+        <a:solidFill>
+          <a:schemeClr val="tx1"/>
+        </a:solidFill>
+        <a:latin typeface="+mn-lt"/>
+        <a:ea typeface="+mn-ea"/>
+        <a:cs typeface="+mn-cs"/>
+      </a:defRPr>
+    </a:lvl3pPr>
+    <a:lvl4pPr marL="1371600" algn="l" defTabSz="914400" rtl="0" eaLnBrk="1" latinLnBrk="0" hangingPunct="1">
+      <a:defRPr sz="1200" kern="1200">
+        <a:solidFill>
+          <a:schemeClr val="tx1"/>
+        </a:solidFill>
+        <a:latin typeface="+mn-lt"/>
+        <a:ea typeface="+mn-ea"/>
+        <a:cs typeface="+mn-cs"/>
+      </a:defRPr>
+    </a:lvl4pPr>
+    <a:lvl5pPr marL="1828800" algn="l" defTabSz="914400" rtl="0" eaLnBrk="1" latinLnBrk="0" hangingPunct="1">
+      <a:defRPr sz="1200" kern="1200">
+        <a:solidFill>
+          <a:schemeClr val="tx1"/>
+        </a:solidFill>
+        <a:latin typeface="+mn-lt"/>
+        <a:ea typeface="+mn-ea"/>
+        <a:cs typeface="+mn-cs"/>
+      </a:defRPr>
+    </a:lvl5pPr>
+    <a:lvl6pPr marL="2286000" algn="l" defTabSz="914400" rtl="0" eaLnBrk="1" latinLnBrk="0" hangingPunct="1">
+      <a:defRPr sz="1200" kern="1200">
+        <a:solidFill>
+          <a:schemeClr val="tx1"/>
+        </a:solidFill>
+        <a:latin typeface="+mn-lt"/>
+        <a:ea typeface="+mn-ea"/>
+        <a:cs typeface="+mn-cs"/>
+      </a:defRPr>
+    </a:lvl6pPr>
+    <a:lvl7pPr marL="2743200" algn="l" defTabSz="914400" rtl="0" eaLnBrk="1" latinLnBrk="0" hangingPunct="1">
+      <a:defRPr sz="1200" kern="1200">
+        <a:solidFill>
+          <a:schemeClr val="tx1"/>
+        </a:solidFill>
+        <a:latin typeface="+mn-lt"/>
+        <a:ea typeface="+mn-ea"/>
+        <a:cs typeface="+mn-cs"/>
+      </a:defRPr>
+    </a:lvl7pPr>
+    <a:lvl8pPr marL="3200400" algn="l" defTabSz="914400" rtl="0" eaLnBrk="1" latinLnBrk="0" hangingPunct="1">
+      <a:defRPr sz="1200" kern="1200">
+        <a:solidFill>
+          <a:schemeClr val="tx1"/>
+        </a:solidFill>
+        <a:latin typeface="+mn-lt"/>
+        <a:ea typeface="+mn-ea"/>
+        <a:cs typeface="+mn-cs"/>
+      </a:defRPr>
+    </a:lvl8pPr>
+    <a:lvl9pPr marL="3657600" algn="l" defTabSz="914400" rtl="0" eaLnBrk="1" latinLnBrk="0" hangingPunct="1">
+      <a:defRPr sz="1200" kern="1200">
+        <a:solidFill>
+          <a:schemeClr val="tx1"/>
+        </a:solidFill>
+        <a:latin typeface="+mn-lt"/>
+        <a:ea typeface="+mn-ea"/>
+        <a:cs typeface="+mn-cs"/>
+      </a:defRPr>
+    </a:lvl9pPr>
+  </p:notesStyle>
+</p:notesMaster>
 </file>
 
 <file path=ppt/slideLayouts/slideLayout1.xml><?xml version="1.0" encoding="utf-8"?>
@@ -300,7 +656,7 @@
           <a:p>
             <a:fld id="{93C21203-5B9D-4602-98E5-5368AAB74C7B}" type="datetimeFigureOut">
               <a:rPr lang="zh-CN" altLang="en-US" smtClean="0"/>
-              <a:t>2021-05-02</a:t>
+              <a:t>2021-05-14</a:t>
             </a:fld>
             <a:endParaRPr lang="zh-CN" altLang="en-US"/>
           </a:p>
@@ -498,7 +854,7 @@
           <a:p>
             <a:fld id="{93C21203-5B9D-4602-98E5-5368AAB74C7B}" type="datetimeFigureOut">
               <a:rPr lang="zh-CN" altLang="en-US" smtClean="0"/>
-              <a:t>2021-05-02</a:t>
+              <a:t>2021-05-14</a:t>
             </a:fld>
             <a:endParaRPr lang="zh-CN" altLang="en-US"/>
           </a:p>
@@ -706,7 +1062,7 @@
           <a:p>
             <a:fld id="{93C21203-5B9D-4602-98E5-5368AAB74C7B}" type="datetimeFigureOut">
               <a:rPr lang="zh-CN" altLang="en-US" smtClean="0"/>
-              <a:t>2021-05-02</a:t>
+              <a:t>2021-05-14</a:t>
             </a:fld>
             <a:endParaRPr lang="zh-CN" altLang="en-US"/>
           </a:p>
@@ -904,7 +1260,7 @@
           <a:p>
             <a:fld id="{93C21203-5B9D-4602-98E5-5368AAB74C7B}" type="datetimeFigureOut">
               <a:rPr lang="zh-CN" altLang="en-US" smtClean="0"/>
-              <a:t>2021-05-02</a:t>
+              <a:t>2021-05-14</a:t>
             </a:fld>
             <a:endParaRPr lang="zh-CN" altLang="en-US"/>
           </a:p>
@@ -1179,7 +1535,7 @@
           <a:p>
             <a:fld id="{93C21203-5B9D-4602-98E5-5368AAB74C7B}" type="datetimeFigureOut">
               <a:rPr lang="zh-CN" altLang="en-US" smtClean="0"/>
-              <a:t>2021-05-02</a:t>
+              <a:t>2021-05-14</a:t>
             </a:fld>
             <a:endParaRPr lang="zh-CN" altLang="en-US"/>
           </a:p>
@@ -1444,7 +1800,7 @@
           <a:p>
             <a:fld id="{93C21203-5B9D-4602-98E5-5368AAB74C7B}" type="datetimeFigureOut">
               <a:rPr lang="zh-CN" altLang="en-US" smtClean="0"/>
-              <a:t>2021-05-02</a:t>
+              <a:t>2021-05-14</a:t>
             </a:fld>
             <a:endParaRPr lang="zh-CN" altLang="en-US"/>
           </a:p>
@@ -1856,7 +2212,7 @@
           <a:p>
             <a:fld id="{93C21203-5B9D-4602-98E5-5368AAB74C7B}" type="datetimeFigureOut">
               <a:rPr lang="zh-CN" altLang="en-US" smtClean="0"/>
-              <a:t>2021-05-02</a:t>
+              <a:t>2021-05-14</a:t>
             </a:fld>
             <a:endParaRPr lang="zh-CN" altLang="en-US"/>
           </a:p>
@@ -1997,7 +2353,7 @@
           <a:p>
             <a:fld id="{93C21203-5B9D-4602-98E5-5368AAB74C7B}" type="datetimeFigureOut">
               <a:rPr lang="zh-CN" altLang="en-US" smtClean="0"/>
-              <a:t>2021-05-02</a:t>
+              <a:t>2021-05-14</a:t>
             </a:fld>
             <a:endParaRPr lang="zh-CN" altLang="en-US"/>
           </a:p>
@@ -2110,7 +2466,7 @@
           <a:p>
             <a:fld id="{93C21203-5B9D-4602-98E5-5368AAB74C7B}" type="datetimeFigureOut">
               <a:rPr lang="zh-CN" altLang="en-US" smtClean="0"/>
-              <a:t>2021-05-02</a:t>
+              <a:t>2021-05-14</a:t>
             </a:fld>
             <a:endParaRPr lang="zh-CN" altLang="en-US"/>
           </a:p>
@@ -2421,7 +2777,7 @@
           <a:p>
             <a:fld id="{93C21203-5B9D-4602-98E5-5368AAB74C7B}" type="datetimeFigureOut">
               <a:rPr lang="zh-CN" altLang="en-US" smtClean="0"/>
-              <a:t>2021-05-02</a:t>
+              <a:t>2021-05-14</a:t>
             </a:fld>
             <a:endParaRPr lang="zh-CN" altLang="en-US"/>
           </a:p>
@@ -2709,7 +3065,7 @@
           <a:p>
             <a:fld id="{93C21203-5B9D-4602-98E5-5368AAB74C7B}" type="datetimeFigureOut">
               <a:rPr lang="zh-CN" altLang="en-US" smtClean="0"/>
-              <a:t>2021-05-02</a:t>
+              <a:t>2021-05-14</a:t>
             </a:fld>
             <a:endParaRPr lang="zh-CN" altLang="en-US"/>
           </a:p>
@@ -2950,7 +3306,7 @@
           <a:p>
             <a:fld id="{93C21203-5B9D-4602-98E5-5368AAB74C7B}" type="datetimeFigureOut">
               <a:rPr lang="zh-CN" altLang="en-US" smtClean="0"/>
-              <a:t>2021-05-02</a:t>
+              <a:t>2021-05-14</a:t>
             </a:fld>
             <a:endParaRPr lang="zh-CN" altLang="en-US"/>
           </a:p>
@@ -5731,10 +6087,10 @@
       </p:grpSpPr>
       <p:sp>
         <p:nvSpPr>
-          <p:cNvPr id="21" name="矩形 20">
-            <a:extLst>
-              <a:ext uri="{FF2B5EF4-FFF2-40B4-BE49-F238E27FC236}">
-                <a16:creationId xmlns:a16="http://schemas.microsoft.com/office/drawing/2014/main" id="{4061EA2B-0121-4254-AE93-55BE7ABE79C5}"/>
+          <p:cNvPr id="50" name="矩形 49">
+            <a:extLst>
+              <a:ext uri="{FF2B5EF4-FFF2-40B4-BE49-F238E27FC236}">
+                <a16:creationId xmlns:a16="http://schemas.microsoft.com/office/drawing/2014/main" id="{66FF7094-2060-4A4E-A206-36E485D9EACB}"/>
               </a:ext>
             </a:extLst>
           </p:cNvPr>
@@ -5743,8 +6099,8 @@
         </p:nvSpPr>
         <p:spPr>
           <a:xfrm>
-            <a:off x="2810760" y="294585"/>
-            <a:ext cx="6381943" cy="499620"/>
+            <a:off x="4345760" y="938861"/>
+            <a:ext cx="2403836" cy="499620"/>
           </a:xfrm>
           <a:prstGeom prst="rect">
             <a:avLst/>
@@ -5780,34 +6136,68 @@
           <a:p>
             <a:pPr algn="ctr"/>
             <a:r>
-              <a:rPr lang="en-US" altLang="zh-CN" sz="1600" dirty="0" err="1">
-                <a:solidFill>
-                  <a:schemeClr val="bg1"/>
-                </a:solidFill>
-                <a:latin typeface="Times New Roman" panose="02020603050405020304" pitchFamily="18" charset="0"/>
-                <a:cs typeface="Times New Roman" panose="02020603050405020304" pitchFamily="18" charset="0"/>
-              </a:rPr>
-              <a:t>SylixOS</a:t>
-            </a:r>
-            <a:r>
               <a:rPr lang="zh-CN" altLang="en-US" sz="1600" dirty="0">
                 <a:solidFill>
                   <a:schemeClr val="bg1"/>
                 </a:solidFill>
-                <a:latin typeface="Times New Roman" panose="02020603050405020304" pitchFamily="18" charset="0"/>
+                <a:latin typeface="The Serif Hand Black" panose="03070902030502020204" pitchFamily="66" charset="0"/>
                 <a:cs typeface="Times New Roman" panose="02020603050405020304" pitchFamily="18" charset="0"/>
               </a:rPr>
-              <a:t>层</a:t>
+              <a:t>开始</a:t>
             </a:r>
           </a:p>
         </p:txBody>
       </p:sp>
+      <p:cxnSp>
+        <p:nvCxnSpPr>
+          <p:cNvPr id="51" name="直接箭头连接符 50">
+            <a:extLst>
+              <a:ext uri="{FF2B5EF4-FFF2-40B4-BE49-F238E27FC236}">
+                <a16:creationId xmlns:a16="http://schemas.microsoft.com/office/drawing/2014/main" id="{B741F469-E1DB-41E2-9EBB-23CE8249B128}"/>
+              </a:ext>
+            </a:extLst>
+          </p:cNvPr>
+          <p:cNvCxnSpPr>
+            <a:cxnSpLocks/>
+            <a:stCxn id="50" idx="2"/>
+            <a:endCxn id="52" idx="0"/>
+          </p:cNvCxnSpPr>
+          <p:nvPr/>
+        </p:nvCxnSpPr>
+        <p:spPr>
+          <a:xfrm>
+            <a:off x="5547678" y="1438481"/>
+            <a:ext cx="0" cy="336225"/>
+          </a:xfrm>
+          <a:prstGeom prst="straightConnector1">
+            <a:avLst/>
+          </a:prstGeom>
+          <a:ln w="12700">
+            <a:headEnd type="oval" w="med" len="med"/>
+            <a:tailEnd type="triangle" w="med" len="med"/>
+          </a:ln>
+        </p:spPr>
+        <p:style>
+          <a:lnRef idx="1">
+            <a:schemeClr val="dk1"/>
+          </a:lnRef>
+          <a:fillRef idx="0">
+            <a:schemeClr val="dk1"/>
+          </a:fillRef>
+          <a:effectRef idx="0">
+            <a:schemeClr val="dk1"/>
+          </a:effectRef>
+          <a:fontRef idx="minor">
+            <a:schemeClr val="tx1"/>
+          </a:fontRef>
+        </p:style>
+      </p:cxnSp>
       <p:sp>
         <p:nvSpPr>
-          <p:cNvPr id="23" name="矩形 22">
-            <a:extLst>
-              <a:ext uri="{FF2B5EF4-FFF2-40B4-BE49-F238E27FC236}">
-                <a16:creationId xmlns:a16="http://schemas.microsoft.com/office/drawing/2014/main" id="{277A55B3-CEC8-4128-873E-C31F74C7399D}"/>
+          <p:cNvPr id="52" name="流程图: 决策 51">
+            <a:extLst>
+              <a:ext uri="{FF2B5EF4-FFF2-40B4-BE49-F238E27FC236}">
+                <a16:creationId xmlns:a16="http://schemas.microsoft.com/office/drawing/2014/main" id="{FFF5C39E-5D1A-4441-B103-6D50EDDE43CF}"/>
               </a:ext>
             </a:extLst>
           </p:cNvPr>
@@ -5816,19 +6206,17 @@
         </p:nvSpPr>
         <p:spPr>
           <a:xfrm>
-            <a:off x="2810760" y="1256120"/>
-            <a:ext cx="6381943" cy="499620"/>
-          </a:xfrm>
-          <a:prstGeom prst="rect">
+            <a:off x="4146230" y="1774706"/>
+            <a:ext cx="2802896" cy="857839"/>
+          </a:xfrm>
+          <a:prstGeom prst="flowChartDecision">
             <a:avLst/>
           </a:prstGeom>
           <a:solidFill>
-            <a:srgbClr val="C4B7D7"/>
+            <a:srgbClr val="705697"/>
           </a:solidFill>
           <a:ln>
-            <a:solidFill>
-              <a:schemeClr val="tx1"/>
-            </a:solidFill>
+            <a:noFill/>
           </a:ln>
         </p:spPr>
         <p:style>
@@ -5853,34 +6241,103 @@
           <a:p>
             <a:pPr algn="ctr"/>
             <a:r>
-              <a:rPr lang="en-US" altLang="zh-CN" sz="1600" dirty="0" err="1">
-                <a:solidFill>
-                  <a:schemeClr val="tx1"/>
-                </a:solidFill>
-                <a:latin typeface="Times New Roman" panose="02020603050405020304" pitchFamily="18" charset="0"/>
+              <a:rPr lang="zh-CN" altLang="en-US" sz="1600" dirty="0">
+                <a:latin typeface="The Serif Hand Black" panose="03070902030502020204" pitchFamily="66" charset="0"/>
                 <a:cs typeface="Times New Roman" panose="02020603050405020304" pitchFamily="18" charset="0"/>
               </a:rPr>
-              <a:t>HoitFS</a:t>
-            </a:r>
+              <a:t>检查写入地址合法性？</a:t>
+            </a:r>
+          </a:p>
+        </p:txBody>
+      </p:sp>
+      <p:cxnSp>
+        <p:nvCxnSpPr>
+          <p:cNvPr id="54" name="直接箭头连接符 53">
+            <a:extLst>
+              <a:ext uri="{FF2B5EF4-FFF2-40B4-BE49-F238E27FC236}">
+                <a16:creationId xmlns:a16="http://schemas.microsoft.com/office/drawing/2014/main" id="{61B3D651-AF4B-4852-AD3A-9CA685C4C56F}"/>
+              </a:ext>
+            </a:extLst>
+          </p:cNvPr>
+          <p:cNvCxnSpPr>
+            <a:cxnSpLocks/>
+            <a:stCxn id="52" idx="2"/>
+            <a:endCxn id="61" idx="0"/>
+          </p:cNvCxnSpPr>
+          <p:nvPr/>
+        </p:nvCxnSpPr>
+        <p:spPr>
+          <a:xfrm>
+            <a:off x="5547678" y="2632545"/>
+            <a:ext cx="0" cy="294007"/>
+          </a:xfrm>
+          <a:prstGeom prst="straightConnector1">
+            <a:avLst/>
+          </a:prstGeom>
+          <a:ln w="12700">
+            <a:headEnd type="oval" w="med" len="med"/>
+            <a:tailEnd type="triangle" w="med" len="med"/>
+          </a:ln>
+        </p:spPr>
+        <p:style>
+          <a:lnRef idx="1">
+            <a:schemeClr val="dk1"/>
+          </a:lnRef>
+          <a:fillRef idx="0">
+            <a:schemeClr val="dk1"/>
+          </a:fillRef>
+          <a:effectRef idx="0">
+            <a:schemeClr val="dk1"/>
+          </a:effectRef>
+          <a:fontRef idx="minor">
+            <a:schemeClr val="tx1"/>
+          </a:fontRef>
+        </p:style>
+      </p:cxnSp>
+      <p:sp>
+        <p:nvSpPr>
+          <p:cNvPr id="55" name="文本框 54">
+            <a:extLst>
+              <a:ext uri="{FF2B5EF4-FFF2-40B4-BE49-F238E27FC236}">
+                <a16:creationId xmlns:a16="http://schemas.microsoft.com/office/drawing/2014/main" id="{16236E69-89D4-4F40-BD40-DCC59FB36A64}"/>
+              </a:ext>
+            </a:extLst>
+          </p:cNvPr>
+          <p:cNvSpPr txBox="1"/>
+          <p:nvPr/>
+        </p:nvSpPr>
+        <p:spPr>
+          <a:xfrm>
+            <a:off x="5670243" y="2599438"/>
+            <a:ext cx="706993" cy="338554"/>
+          </a:xfrm>
+          <a:prstGeom prst="rect">
+            <a:avLst/>
+          </a:prstGeom>
+          <a:noFill/>
+        </p:spPr>
+        <p:txBody>
+          <a:bodyPr wrap="square" rtlCol="0">
+            <a:spAutoFit/>
+          </a:bodyPr>
+          <a:lstStyle/>
+          <a:p>
             <a:r>
               <a:rPr lang="zh-CN" altLang="en-US" sz="1600" dirty="0">
-                <a:solidFill>
-                  <a:schemeClr val="tx1"/>
-                </a:solidFill>
-                <a:latin typeface="Times New Roman" panose="02020603050405020304" pitchFamily="18" charset="0"/>
+                <a:latin typeface="The Serif Hand Black" panose="03070902030502020204" pitchFamily="66" charset="0"/>
                 <a:cs typeface="Times New Roman" panose="02020603050405020304" pitchFamily="18" charset="0"/>
               </a:rPr>
-              <a:t>接口层</a:t>
+              <a:t>合法</a:t>
             </a:r>
           </a:p>
         </p:txBody>
       </p:sp>
       <p:sp>
         <p:nvSpPr>
-          <p:cNvPr id="24" name="矩形 23">
-            <a:extLst>
-              <a:ext uri="{FF2B5EF4-FFF2-40B4-BE49-F238E27FC236}">
-                <a16:creationId xmlns:a16="http://schemas.microsoft.com/office/drawing/2014/main" id="{515124F3-D053-4A07-80F5-6CF2D31750AB}"/>
+          <p:cNvPr id="57" name="矩形 56">
+            <a:extLst>
+              <a:ext uri="{FF2B5EF4-FFF2-40B4-BE49-F238E27FC236}">
+                <a16:creationId xmlns:a16="http://schemas.microsoft.com/office/drawing/2014/main" id="{1E7594B7-CFF5-4E22-A7C8-E08F12F1B369}"/>
               </a:ext>
             </a:extLst>
           </p:cNvPr>
@@ -5889,14 +6346,14 @@
         </p:nvSpPr>
         <p:spPr>
           <a:xfrm>
-            <a:off x="2810760" y="2217655"/>
-            <a:ext cx="6381943" cy="499620"/>
+            <a:off x="4345760" y="5794076"/>
+            <a:ext cx="2403836" cy="499620"/>
           </a:xfrm>
           <a:prstGeom prst="rect">
             <a:avLst/>
           </a:prstGeom>
           <a:solidFill>
-            <a:srgbClr val="C4B7D7"/>
+            <a:srgbClr val="D00000"/>
           </a:solidFill>
           <a:ln>
             <a:solidFill>
@@ -5926,54 +6383,70 @@
           <a:p>
             <a:pPr algn="ctr"/>
             <a:r>
-              <a:rPr lang="en-US" altLang="zh-CN" sz="1600" dirty="0" err="1">
+              <a:rPr lang="zh-CN" altLang="en-US" sz="1600" dirty="0">
                 <a:solidFill>
-                  <a:schemeClr val="tx1"/>
+                  <a:schemeClr val="bg1"/>
                 </a:solidFill>
-                <a:latin typeface="Times New Roman" panose="02020603050405020304" pitchFamily="18" charset="0"/>
+                <a:latin typeface="The Serif Hand Black" panose="03070902030502020204" pitchFamily="66" charset="0"/>
                 <a:cs typeface="Times New Roman" panose="02020603050405020304" pitchFamily="18" charset="0"/>
               </a:rPr>
-              <a:t>HoitFS</a:t>
-            </a:r>
-            <a:r>
-              <a:rPr lang="zh-CN" altLang="en-US" sz="1600" dirty="0">
-                <a:solidFill>
-                  <a:schemeClr val="tx1"/>
-                </a:solidFill>
-                <a:latin typeface="Times New Roman" panose="02020603050405020304" pitchFamily="18" charset="0"/>
-                <a:cs typeface="Times New Roman" panose="02020603050405020304" pitchFamily="18" charset="0"/>
-              </a:rPr>
-              <a:t>逻辑层</a:t>
-            </a:r>
-            <a:r>
-              <a:rPr lang="en-US" altLang="zh-CN" sz="1600" dirty="0">
-                <a:solidFill>
-                  <a:schemeClr val="tx1"/>
-                </a:solidFill>
-                <a:latin typeface="Times New Roman" panose="02020603050405020304" pitchFamily="18" charset="0"/>
-                <a:cs typeface="Times New Roman" panose="02020603050405020304" pitchFamily="18" charset="0"/>
-              </a:rPr>
-              <a:t>/</a:t>
-            </a:r>
-            <a:r>
-              <a:rPr lang="zh-CN" altLang="en-US" sz="1600" dirty="0">
-                <a:solidFill>
-                  <a:schemeClr val="tx1"/>
-                </a:solidFill>
-                <a:latin typeface="Times New Roman" panose="02020603050405020304" pitchFamily="18" charset="0"/>
-                <a:cs typeface="Times New Roman" panose="02020603050405020304" pitchFamily="18" charset="0"/>
-              </a:rPr>
-              <a:t>实现层</a:t>
+              <a:t>结束</a:t>
             </a:r>
           </a:p>
         </p:txBody>
       </p:sp>
+      <p:cxnSp>
+        <p:nvCxnSpPr>
+          <p:cNvPr id="60" name="连接符: 肘形 59">
+            <a:extLst>
+              <a:ext uri="{FF2B5EF4-FFF2-40B4-BE49-F238E27FC236}">
+                <a16:creationId xmlns:a16="http://schemas.microsoft.com/office/drawing/2014/main" id="{6B732A0F-385B-4D96-AE18-CC6196EE6A20}"/>
+              </a:ext>
+            </a:extLst>
+          </p:cNvPr>
+          <p:cNvCxnSpPr>
+            <a:cxnSpLocks/>
+            <a:stCxn id="52" idx="3"/>
+            <a:endCxn id="57" idx="3"/>
+          </p:cNvCxnSpPr>
+          <p:nvPr/>
+        </p:nvCxnSpPr>
+        <p:spPr>
+          <a:xfrm flipH="1">
+            <a:off x="6749596" y="2203626"/>
+            <a:ext cx="199530" cy="3840260"/>
+          </a:xfrm>
+          <a:prstGeom prst="bentConnector3">
+            <a:avLst>
+              <a:gd name="adj1" fmla="val -114569"/>
+            </a:avLst>
+          </a:prstGeom>
+          <a:ln w="12700">
+            <a:headEnd type="oval" w="med" len="med"/>
+            <a:tailEnd type="triangle" w="med" len="med"/>
+          </a:ln>
+        </p:spPr>
+        <p:style>
+          <a:lnRef idx="1">
+            <a:schemeClr val="dk1"/>
+          </a:lnRef>
+          <a:fillRef idx="0">
+            <a:schemeClr val="dk1"/>
+          </a:fillRef>
+          <a:effectRef idx="0">
+            <a:schemeClr val="dk1"/>
+          </a:effectRef>
+          <a:fontRef idx="minor">
+            <a:schemeClr val="tx1"/>
+          </a:fontRef>
+        </p:style>
+      </p:cxnSp>
       <p:sp>
         <p:nvSpPr>
-          <p:cNvPr id="25" name="矩形 24">
-            <a:extLst>
-              <a:ext uri="{FF2B5EF4-FFF2-40B4-BE49-F238E27FC236}">
-                <a16:creationId xmlns:a16="http://schemas.microsoft.com/office/drawing/2014/main" id="{F073EFE8-D6BE-4CAF-818E-968A3F464C49}"/>
+          <p:cNvPr id="61" name="矩形 60">
+            <a:extLst>
+              <a:ext uri="{FF2B5EF4-FFF2-40B4-BE49-F238E27FC236}">
+                <a16:creationId xmlns:a16="http://schemas.microsoft.com/office/drawing/2014/main" id="{9F63B14E-5AF1-4603-A5B9-D12D00CD06CB}"/>
               </a:ext>
             </a:extLst>
           </p:cNvPr>
@@ -5982,8 +6455,8 @@
         </p:nvSpPr>
         <p:spPr>
           <a:xfrm>
-            <a:off x="2810759" y="3179190"/>
-            <a:ext cx="6381943" cy="499620"/>
+            <a:off x="4345760" y="2926552"/>
+            <a:ext cx="2403836" cy="499620"/>
           </a:xfrm>
           <a:prstGeom prst="rect">
             <a:avLst/>
@@ -6019,44 +6492,24 @@
           <a:p>
             <a:pPr algn="ctr"/>
             <a:r>
-              <a:rPr lang="en-US" altLang="zh-CN" sz="1600" dirty="0" err="1">
-                <a:solidFill>
-                  <a:schemeClr val="tx1"/>
-                </a:solidFill>
-                <a:latin typeface="Times New Roman" panose="02020603050405020304" pitchFamily="18" charset="0"/>
-                <a:cs typeface="Times New Roman" panose="02020603050405020304" pitchFamily="18" charset="0"/>
-              </a:rPr>
-              <a:t>HoitFS</a:t>
-            </a:r>
-            <a:r>
-              <a:rPr lang="en-US" altLang="zh-CN" sz="1600" dirty="0">
-                <a:solidFill>
-                  <a:schemeClr val="tx1"/>
-                </a:solidFill>
-                <a:latin typeface="Times New Roman" panose="02020603050405020304" pitchFamily="18" charset="0"/>
-                <a:cs typeface="Times New Roman" panose="02020603050405020304" pitchFamily="18" charset="0"/>
-              </a:rPr>
-              <a:t> I/O</a:t>
-            </a:r>
-            <a:r>
               <a:rPr lang="zh-CN" altLang="en-US" sz="1600" dirty="0">
                 <a:solidFill>
                   <a:schemeClr val="tx1"/>
                 </a:solidFill>
-                <a:latin typeface="Times New Roman" panose="02020603050405020304" pitchFamily="18" charset="0"/>
+                <a:latin typeface="The Serif Hand Black" panose="03070902030502020204" pitchFamily="66" charset="0"/>
                 <a:cs typeface="Times New Roman" panose="02020603050405020304" pitchFamily="18" charset="0"/>
               </a:rPr>
-              <a:t>管理层</a:t>
+              <a:t>检查是否需要擦除</a:t>
             </a:r>
           </a:p>
         </p:txBody>
       </p:sp>
       <p:sp>
         <p:nvSpPr>
-          <p:cNvPr id="27" name="矩形 26">
-            <a:extLst>
-              <a:ext uri="{FF2B5EF4-FFF2-40B4-BE49-F238E27FC236}">
-                <a16:creationId xmlns:a16="http://schemas.microsoft.com/office/drawing/2014/main" id="{B92C6BA5-3F6A-434A-A581-A1C9446DE670}"/>
+          <p:cNvPr id="66" name="流程图: 决策 65">
+            <a:extLst>
+              <a:ext uri="{FF2B5EF4-FFF2-40B4-BE49-F238E27FC236}">
+                <a16:creationId xmlns:a16="http://schemas.microsoft.com/office/drawing/2014/main" id="{6CFE83CD-A300-4B92-BF5B-5709E59E94A1}"/>
               </a:ext>
             </a:extLst>
           </p:cNvPr>
@@ -6065,19 +6518,17 @@
         </p:nvSpPr>
         <p:spPr>
           <a:xfrm>
-            <a:off x="2810758" y="5094630"/>
-            <a:ext cx="6381943" cy="499620"/>
-          </a:xfrm>
-          <a:prstGeom prst="rect">
+            <a:off x="4146230" y="3784391"/>
+            <a:ext cx="2802896" cy="857839"/>
+          </a:xfrm>
+          <a:prstGeom prst="flowChartDecision">
             <a:avLst/>
           </a:prstGeom>
           <a:solidFill>
-            <a:srgbClr val="C4B7D7"/>
+            <a:srgbClr val="705697"/>
           </a:solidFill>
           <a:ln>
-            <a:solidFill>
-              <a:schemeClr val="tx1"/>
-            </a:solidFill>
+            <a:noFill/>
           </a:ln>
         </p:spPr>
         <p:style>
@@ -6102,44 +6553,21 @@
           <a:p>
             <a:pPr algn="ctr"/>
             <a:r>
-              <a:rPr lang="en-US" altLang="zh-CN" sz="1600" dirty="0" err="1">
-                <a:solidFill>
-                  <a:schemeClr val="tx1"/>
-                </a:solidFill>
-                <a:latin typeface="Times New Roman" panose="02020603050405020304" pitchFamily="18" charset="0"/>
+              <a:rPr lang="zh-CN" altLang="en-US" sz="1600" dirty="0">
+                <a:latin typeface="The Serif Hand Black" panose="03070902030502020204" pitchFamily="66" charset="0"/>
                 <a:cs typeface="Times New Roman" panose="02020603050405020304" pitchFamily="18" charset="0"/>
               </a:rPr>
-              <a:t>HoitFS</a:t>
-            </a:r>
-            <a:r>
-              <a:rPr lang="en-US" altLang="zh-CN" sz="1600" dirty="0">
-                <a:solidFill>
-                  <a:schemeClr val="tx1"/>
-                </a:solidFill>
-                <a:latin typeface="Times New Roman" panose="02020603050405020304" pitchFamily="18" charset="0"/>
-                <a:cs typeface="Times New Roman" panose="02020603050405020304" pitchFamily="18" charset="0"/>
-              </a:rPr>
-              <a:t> </a:t>
-            </a:r>
-            <a:r>
-              <a:rPr lang="zh-CN" altLang="en-US" sz="1600" dirty="0">
-                <a:solidFill>
-                  <a:schemeClr val="tx1"/>
-                </a:solidFill>
-                <a:latin typeface="Times New Roman" panose="02020603050405020304" pitchFamily="18" charset="0"/>
-                <a:cs typeface="Times New Roman" panose="02020603050405020304" pitchFamily="18" charset="0"/>
-              </a:rPr>
-              <a:t>缓存层</a:t>
+              <a:t>是否需要擦除？</a:t>
             </a:r>
           </a:p>
         </p:txBody>
       </p:sp>
       <p:sp>
         <p:nvSpPr>
-          <p:cNvPr id="28" name="矩形 27">
-            <a:extLst>
-              <a:ext uri="{FF2B5EF4-FFF2-40B4-BE49-F238E27FC236}">
-                <a16:creationId xmlns:a16="http://schemas.microsoft.com/office/drawing/2014/main" id="{1049B44A-7E17-45D9-BE0A-F78CC71B4D0D}"/>
+          <p:cNvPr id="68" name="矩形 67">
+            <a:extLst>
+              <a:ext uri="{FF2B5EF4-FFF2-40B4-BE49-F238E27FC236}">
+                <a16:creationId xmlns:a16="http://schemas.microsoft.com/office/drawing/2014/main" id="{E94863D9-ACCD-4AE3-A401-F9571CA43046}"/>
               </a:ext>
             </a:extLst>
           </p:cNvPr>
@@ -6148,8 +6576,8 @@
         </p:nvSpPr>
         <p:spPr>
           <a:xfrm>
-            <a:off x="2810757" y="6052350"/>
-            <a:ext cx="6381943" cy="499620"/>
+            <a:off x="4345760" y="4936237"/>
+            <a:ext cx="2403836" cy="499620"/>
           </a:xfrm>
           <a:prstGeom prst="rect">
             <a:avLst/>
@@ -6185,53 +6613,164 @@
           <a:p>
             <a:pPr algn="ctr"/>
             <a:r>
-              <a:rPr lang="en-US" altLang="zh-CN" sz="1600" dirty="0">
-                <a:solidFill>
-                  <a:schemeClr val="tx1"/>
-                </a:solidFill>
-                <a:latin typeface="Times New Roman" panose="02020603050405020304" pitchFamily="18" charset="0"/>
-                <a:cs typeface="Times New Roman" panose="02020603050405020304" pitchFamily="18" charset="0"/>
-              </a:rPr>
-              <a:t>Nor</a:t>
-            </a:r>
-            <a:r>
               <a:rPr lang="zh-CN" altLang="en-US" sz="1600" dirty="0">
                 <a:solidFill>
                   <a:schemeClr val="tx1"/>
                 </a:solidFill>
-                <a:latin typeface="Times New Roman" panose="02020603050405020304" pitchFamily="18" charset="0"/>
+                <a:latin typeface="The Serif Hand Black" panose="03070902030502020204" pitchFamily="66" charset="0"/>
                 <a:cs typeface="Times New Roman" panose="02020603050405020304" pitchFamily="18" charset="0"/>
               </a:rPr>
-              <a:t>驱动层</a:t>
+              <a:t>擦除相应块</a:t>
             </a:r>
           </a:p>
         </p:txBody>
       </p:sp>
       <p:cxnSp>
         <p:nvCxnSpPr>
-          <p:cNvPr id="30" name="直接箭头连接符 29">
-            <a:extLst>
-              <a:ext uri="{FF2B5EF4-FFF2-40B4-BE49-F238E27FC236}">
-                <a16:creationId xmlns:a16="http://schemas.microsoft.com/office/drawing/2014/main" id="{C2AD042E-30DE-4B45-A0FD-D803FF22837F}"/>
+          <p:cNvPr id="70" name="直接箭头连接符 69">
+            <a:extLst>
+              <a:ext uri="{FF2B5EF4-FFF2-40B4-BE49-F238E27FC236}">
+                <a16:creationId xmlns:a16="http://schemas.microsoft.com/office/drawing/2014/main" id="{722FE355-0F92-4660-B839-DEFFEB8999E7}"/>
               </a:ext>
             </a:extLst>
           </p:cNvPr>
           <p:cNvCxnSpPr>
-            <a:stCxn id="21" idx="2"/>
-            <a:endCxn id="23" idx="0"/>
+            <a:cxnSpLocks/>
+            <a:stCxn id="66" idx="2"/>
+            <a:endCxn id="68" idx="0"/>
           </p:cNvCxnSpPr>
           <p:nvPr/>
         </p:nvCxnSpPr>
         <p:spPr>
           <a:xfrm>
-            <a:off x="6001732" y="794205"/>
-            <a:ext cx="0" cy="461915"/>
+            <a:off x="5547678" y="4642230"/>
+            <a:ext cx="0" cy="294007"/>
           </a:xfrm>
           <a:prstGeom prst="straightConnector1">
             <a:avLst/>
           </a:prstGeom>
           <a:ln w="12700">
-            <a:headEnd type="triangle" w="med" len="med"/>
+            <a:headEnd type="oval" w="med" len="med"/>
+            <a:tailEnd type="triangle" w="med" len="med"/>
+          </a:ln>
+        </p:spPr>
+        <p:style>
+          <a:lnRef idx="1">
+            <a:schemeClr val="dk1"/>
+          </a:lnRef>
+          <a:fillRef idx="0">
+            <a:schemeClr val="dk1"/>
+          </a:fillRef>
+          <a:effectRef idx="0">
+            <a:schemeClr val="dk1"/>
+          </a:effectRef>
+          <a:fontRef idx="minor">
+            <a:schemeClr val="tx1"/>
+          </a:fontRef>
+        </p:style>
+      </p:cxnSp>
+      <p:sp>
+        <p:nvSpPr>
+          <p:cNvPr id="73" name="文本框 72">
+            <a:extLst>
+              <a:ext uri="{FF2B5EF4-FFF2-40B4-BE49-F238E27FC236}">
+                <a16:creationId xmlns:a16="http://schemas.microsoft.com/office/drawing/2014/main" id="{31D6035A-D435-44A9-98CF-BB8278E06059}"/>
+              </a:ext>
+            </a:extLst>
+          </p:cNvPr>
+          <p:cNvSpPr txBox="1"/>
+          <p:nvPr/>
+        </p:nvSpPr>
+        <p:spPr>
+          <a:xfrm>
+            <a:off x="6749596" y="1833426"/>
+            <a:ext cx="893264" cy="338554"/>
+          </a:xfrm>
+          <a:prstGeom prst="rect">
+            <a:avLst/>
+          </a:prstGeom>
+          <a:noFill/>
+        </p:spPr>
+        <p:txBody>
+          <a:bodyPr wrap="square" rtlCol="0">
+            <a:spAutoFit/>
+          </a:bodyPr>
+          <a:lstStyle/>
+          <a:p>
+            <a:r>
+              <a:rPr lang="zh-CN" altLang="en-US" sz="1600" dirty="0">
+                <a:latin typeface="The Serif Hand Black" panose="03070902030502020204" pitchFamily="66" charset="0"/>
+                <a:cs typeface="Times New Roman" panose="02020603050405020304" pitchFamily="18" charset="0"/>
+              </a:rPr>
+              <a:t>不合法</a:t>
+            </a:r>
+          </a:p>
+        </p:txBody>
+      </p:sp>
+      <p:sp>
+        <p:nvSpPr>
+          <p:cNvPr id="74" name="文本框 73">
+            <a:extLst>
+              <a:ext uri="{FF2B5EF4-FFF2-40B4-BE49-F238E27FC236}">
+                <a16:creationId xmlns:a16="http://schemas.microsoft.com/office/drawing/2014/main" id="{DBDBBE92-BD11-4101-9F72-A0279AABDBFD}"/>
+              </a:ext>
+            </a:extLst>
+          </p:cNvPr>
+          <p:cNvSpPr txBox="1"/>
+          <p:nvPr/>
+        </p:nvSpPr>
+        <p:spPr>
+          <a:xfrm>
+            <a:off x="5647383" y="4551987"/>
+            <a:ext cx="893264" cy="338554"/>
+          </a:xfrm>
+          <a:prstGeom prst="rect">
+            <a:avLst/>
+          </a:prstGeom>
+          <a:noFill/>
+        </p:spPr>
+        <p:txBody>
+          <a:bodyPr wrap="square" rtlCol="0">
+            <a:spAutoFit/>
+          </a:bodyPr>
+          <a:lstStyle/>
+          <a:p>
+            <a:r>
+              <a:rPr lang="zh-CN" altLang="en-US" sz="1600" dirty="0">
+                <a:latin typeface="The Serif Hand Black" panose="03070902030502020204" pitchFamily="66" charset="0"/>
+                <a:cs typeface="Times New Roman" panose="02020603050405020304" pitchFamily="18" charset="0"/>
+              </a:rPr>
+              <a:t>是</a:t>
+            </a:r>
+          </a:p>
+        </p:txBody>
+      </p:sp>
+      <p:cxnSp>
+        <p:nvCxnSpPr>
+          <p:cNvPr id="75" name="直接箭头连接符 74">
+            <a:extLst>
+              <a:ext uri="{FF2B5EF4-FFF2-40B4-BE49-F238E27FC236}">
+                <a16:creationId xmlns:a16="http://schemas.microsoft.com/office/drawing/2014/main" id="{C7FA0FBE-524D-4B67-901D-6C964FB42E64}"/>
+              </a:ext>
+            </a:extLst>
+          </p:cNvPr>
+          <p:cNvCxnSpPr>
+            <a:cxnSpLocks/>
+            <a:stCxn id="68" idx="2"/>
+            <a:endCxn id="57" idx="0"/>
+          </p:cNvCxnSpPr>
+          <p:nvPr/>
+        </p:nvCxnSpPr>
+        <p:spPr>
+          <a:xfrm>
+            <a:off x="5547678" y="5435857"/>
+            <a:ext cx="0" cy="358219"/>
+          </a:xfrm>
+          <a:prstGeom prst="straightConnector1">
+            <a:avLst/>
+          </a:prstGeom>
+          <a:ln w="12700">
+            <a:headEnd type="oval" w="med" len="med"/>
             <a:tailEnd type="triangle" w="med" len="med"/>
           </a:ln>
         </p:spPr>
@@ -6252,30 +6791,30 @@
       </p:cxnSp>
       <p:cxnSp>
         <p:nvCxnSpPr>
-          <p:cNvPr id="31" name="直接箭头连接符 30">
-            <a:extLst>
-              <a:ext uri="{FF2B5EF4-FFF2-40B4-BE49-F238E27FC236}">
-                <a16:creationId xmlns:a16="http://schemas.microsoft.com/office/drawing/2014/main" id="{3E5AD338-17C5-427E-94E0-07761D36F07E}"/>
+          <p:cNvPr id="56" name="直接箭头连接符 55">
+            <a:extLst>
+              <a:ext uri="{FF2B5EF4-FFF2-40B4-BE49-F238E27FC236}">
+                <a16:creationId xmlns:a16="http://schemas.microsoft.com/office/drawing/2014/main" id="{E812F748-2545-44A4-92A7-D3C5F9EE041C}"/>
               </a:ext>
             </a:extLst>
           </p:cNvPr>
           <p:cNvCxnSpPr>
             <a:cxnSpLocks/>
-            <a:stCxn id="23" idx="2"/>
-            <a:endCxn id="24" idx="0"/>
+            <a:stCxn id="61" idx="2"/>
+            <a:endCxn id="66" idx="0"/>
           </p:cNvCxnSpPr>
           <p:nvPr/>
         </p:nvCxnSpPr>
         <p:spPr>
           <a:xfrm>
-            <a:off x="6001732" y="1755740"/>
-            <a:ext cx="0" cy="461915"/>
+            <a:off x="5547678" y="3426172"/>
+            <a:ext cx="0" cy="358219"/>
           </a:xfrm>
           <a:prstGeom prst="straightConnector1">
             <a:avLst/>
           </a:prstGeom>
           <a:ln w="12700">
-            <a:headEnd type="triangle" w="med" len="med"/>
+            <a:headEnd type="oval" w="med" len="med"/>
             <a:tailEnd type="triangle" w="med" len="med"/>
           </a:ln>
         </p:spPr>
@@ -6296,118 +6835,32 @@
       </p:cxnSp>
       <p:cxnSp>
         <p:nvCxnSpPr>
-          <p:cNvPr id="34" name="直接箭头连接符 33">
-            <a:extLst>
-              <a:ext uri="{FF2B5EF4-FFF2-40B4-BE49-F238E27FC236}">
-                <a16:creationId xmlns:a16="http://schemas.microsoft.com/office/drawing/2014/main" id="{E987F01E-F657-4B09-9226-1129ADCA97E9}"/>
+          <p:cNvPr id="80" name="连接符: 肘形 79">
+            <a:extLst>
+              <a:ext uri="{FF2B5EF4-FFF2-40B4-BE49-F238E27FC236}">
+                <a16:creationId xmlns:a16="http://schemas.microsoft.com/office/drawing/2014/main" id="{0BE5B73C-B879-40AF-A28C-0A38D7D65D79}"/>
               </a:ext>
             </a:extLst>
           </p:cNvPr>
           <p:cNvCxnSpPr>
             <a:cxnSpLocks/>
-            <a:stCxn id="24" idx="2"/>
-            <a:endCxn id="25" idx="0"/>
+            <a:stCxn id="66" idx="1"/>
+            <a:endCxn id="57" idx="1"/>
           </p:cNvCxnSpPr>
           <p:nvPr/>
         </p:nvCxnSpPr>
         <p:spPr>
-          <a:xfrm flipH="1">
-            <a:off x="6001731" y="2717275"/>
-            <a:ext cx="1" cy="461915"/>
-          </a:xfrm>
-          <a:prstGeom prst="straightConnector1">
-            <a:avLst/>
+          <a:xfrm rot="10800000" flipH="1" flipV="1">
+            <a:off x="4146230" y="4213310"/>
+            <a:ext cx="199530" cy="1830575"/>
+          </a:xfrm>
+          <a:prstGeom prst="bentConnector3">
+            <a:avLst>
+              <a:gd name="adj1" fmla="val -114569"/>
+            </a:avLst>
           </a:prstGeom>
           <a:ln w="12700">
-            <a:headEnd type="triangle" w="med" len="med"/>
-            <a:tailEnd type="triangle" w="med" len="med"/>
-          </a:ln>
-        </p:spPr>
-        <p:style>
-          <a:lnRef idx="1">
-            <a:schemeClr val="dk1"/>
-          </a:lnRef>
-          <a:fillRef idx="0">
-            <a:schemeClr val="dk1"/>
-          </a:fillRef>
-          <a:effectRef idx="0">
-            <a:schemeClr val="dk1"/>
-          </a:effectRef>
-          <a:fontRef idx="minor">
-            <a:schemeClr val="tx1"/>
-          </a:fontRef>
-        </p:style>
-      </p:cxnSp>
-      <p:cxnSp>
-        <p:nvCxnSpPr>
-          <p:cNvPr id="37" name="直接箭头连接符 36">
-            <a:extLst>
-              <a:ext uri="{FF2B5EF4-FFF2-40B4-BE49-F238E27FC236}">
-                <a16:creationId xmlns:a16="http://schemas.microsoft.com/office/drawing/2014/main" id="{1720DF46-CB3A-4D28-A9AF-7963A0767DE0}"/>
-              </a:ext>
-            </a:extLst>
-          </p:cNvPr>
-          <p:cNvCxnSpPr>
-            <a:cxnSpLocks/>
-            <a:stCxn id="25" idx="2"/>
-            <a:endCxn id="27" idx="0"/>
-          </p:cNvCxnSpPr>
-          <p:nvPr/>
-        </p:nvCxnSpPr>
-        <p:spPr>
-          <a:xfrm flipH="1">
-            <a:off x="6001730" y="3678810"/>
-            <a:ext cx="1" cy="1415820"/>
-          </a:xfrm>
-          <a:prstGeom prst="straightConnector1">
-            <a:avLst/>
-          </a:prstGeom>
-          <a:ln w="12700">
-            <a:headEnd type="triangle" w="med" len="med"/>
-            <a:tailEnd type="triangle" w="med" len="med"/>
-          </a:ln>
-        </p:spPr>
-        <p:style>
-          <a:lnRef idx="1">
-            <a:schemeClr val="dk1"/>
-          </a:lnRef>
-          <a:fillRef idx="0">
-            <a:schemeClr val="dk1"/>
-          </a:fillRef>
-          <a:effectRef idx="0">
-            <a:schemeClr val="dk1"/>
-          </a:effectRef>
-          <a:fontRef idx="minor">
-            <a:schemeClr val="tx1"/>
-          </a:fontRef>
-        </p:style>
-      </p:cxnSp>
-      <p:cxnSp>
-        <p:nvCxnSpPr>
-          <p:cNvPr id="40" name="直接箭头连接符 39">
-            <a:extLst>
-              <a:ext uri="{FF2B5EF4-FFF2-40B4-BE49-F238E27FC236}">
-                <a16:creationId xmlns:a16="http://schemas.microsoft.com/office/drawing/2014/main" id="{2ADEA90E-0D6F-4658-BC4B-9A7828F89907}"/>
-              </a:ext>
-            </a:extLst>
-          </p:cNvPr>
-          <p:cNvCxnSpPr>
-            <a:cxnSpLocks/>
-            <a:stCxn id="27" idx="2"/>
-            <a:endCxn id="28" idx="0"/>
-          </p:cNvCxnSpPr>
-          <p:nvPr/>
-        </p:nvCxnSpPr>
-        <p:spPr>
-          <a:xfrm flipH="1">
-            <a:off x="6001729" y="5594250"/>
-            <a:ext cx="1" cy="458100"/>
-          </a:xfrm>
-          <a:prstGeom prst="straightConnector1">
-            <a:avLst/>
-          </a:prstGeom>
-          <a:ln w="12700">
-            <a:headEnd type="triangle" w="med" len="med"/>
+            <a:headEnd type="oval" w="med" len="med"/>
             <a:tailEnd type="triangle" w="med" len="med"/>
           </a:ln>
         </p:spPr>
@@ -6428,127 +6881,46 @@
       </p:cxnSp>
       <p:sp>
         <p:nvSpPr>
-          <p:cNvPr id="26" name="矩形 25">
-            <a:extLst>
-              <a:ext uri="{FF2B5EF4-FFF2-40B4-BE49-F238E27FC236}">
-                <a16:creationId xmlns:a16="http://schemas.microsoft.com/office/drawing/2014/main" id="{7DB882EA-5414-4AEC-89EC-95E4649D8866}"/>
-              </a:ext>
-            </a:extLst>
-          </p:cNvPr>
-          <p:cNvSpPr/>
+          <p:cNvPr id="84" name="文本框 83">
+            <a:extLst>
+              <a:ext uri="{FF2B5EF4-FFF2-40B4-BE49-F238E27FC236}">
+                <a16:creationId xmlns:a16="http://schemas.microsoft.com/office/drawing/2014/main" id="{A6590FBD-4448-4D60-9911-1A03C3D49E47}"/>
+              </a:ext>
+            </a:extLst>
+          </p:cNvPr>
+          <p:cNvSpPr txBox="1"/>
           <p:nvPr/>
         </p:nvSpPr>
         <p:spPr>
           <a:xfrm>
-            <a:off x="2810759" y="4136910"/>
-            <a:ext cx="6381943" cy="499620"/>
+            <a:off x="3899128" y="3888528"/>
+            <a:ext cx="893264" cy="338554"/>
           </a:xfrm>
           <a:prstGeom prst="rect">
             <a:avLst/>
           </a:prstGeom>
           <a:noFill/>
-          <a:ln>
-            <a:solidFill>
-              <a:schemeClr val="tx1"/>
-            </a:solidFill>
-            <a:prstDash val="lgDash"/>
-          </a:ln>
-        </p:spPr>
-        <p:style>
-          <a:lnRef idx="2">
-            <a:schemeClr val="accent1">
-              <a:shade val="50000"/>
-            </a:schemeClr>
-          </a:lnRef>
-          <a:fillRef idx="1">
-            <a:schemeClr val="accent1"/>
-          </a:fillRef>
-          <a:effectRef idx="0">
-            <a:schemeClr val="accent1"/>
-          </a:effectRef>
-          <a:fontRef idx="minor">
-            <a:schemeClr val="lt1"/>
-          </a:fontRef>
-        </p:style>
+        </p:spPr>
         <p:txBody>
-          <a:bodyPr rtlCol="0" anchor="ctr"/>
+          <a:bodyPr wrap="square" rtlCol="0">
+            <a:spAutoFit/>
+          </a:bodyPr>
           <a:lstStyle/>
           <a:p>
-            <a:pPr algn="ctr"/>
-            <a:r>
-              <a:rPr lang="en-US" altLang="zh-CN" sz="1600" dirty="0" err="1">
-                <a:solidFill>
-                  <a:schemeClr val="tx1"/>
-                </a:solidFill>
-                <a:latin typeface="Times New Roman" panose="02020603050405020304" pitchFamily="18" charset="0"/>
+            <a:r>
+              <a:rPr lang="zh-CN" altLang="en-US" sz="1600" dirty="0">
+                <a:latin typeface="The Serif Hand Black" panose="03070902030502020204" pitchFamily="66" charset="0"/>
                 <a:cs typeface="Times New Roman" panose="02020603050405020304" pitchFamily="18" charset="0"/>
               </a:rPr>
-              <a:t>HoitFS</a:t>
-            </a:r>
-            <a:r>
-              <a:rPr lang="en-US" altLang="zh-CN" sz="1600" dirty="0">
-                <a:solidFill>
-                  <a:schemeClr val="tx1"/>
-                </a:solidFill>
-                <a:latin typeface="Times New Roman" panose="02020603050405020304" pitchFamily="18" charset="0"/>
-                <a:cs typeface="Times New Roman" panose="02020603050405020304" pitchFamily="18" charset="0"/>
-              </a:rPr>
-              <a:t> </a:t>
-            </a:r>
-            <a:r>
-              <a:rPr lang="zh-CN" altLang="en-US" sz="1600" dirty="0">
-                <a:solidFill>
-                  <a:schemeClr val="tx1"/>
-                </a:solidFill>
-                <a:latin typeface="Times New Roman" panose="02020603050405020304" pitchFamily="18" charset="0"/>
-                <a:cs typeface="Times New Roman" panose="02020603050405020304" pitchFamily="18" charset="0"/>
-              </a:rPr>
-              <a:t>日志</a:t>
-            </a:r>
-            <a:r>
-              <a:rPr lang="en-US" altLang="zh-CN" sz="1600" dirty="0">
-                <a:solidFill>
-                  <a:schemeClr val="tx1"/>
-                </a:solidFill>
-                <a:latin typeface="Times New Roman" panose="02020603050405020304" pitchFamily="18" charset="0"/>
-                <a:cs typeface="Times New Roman" panose="02020603050405020304" pitchFamily="18" charset="0"/>
-              </a:rPr>
-              <a:t>/</a:t>
-            </a:r>
-            <a:r>
-              <a:rPr lang="zh-CN" altLang="en-US" sz="1600" dirty="0">
-                <a:solidFill>
-                  <a:schemeClr val="tx1"/>
-                </a:solidFill>
-                <a:latin typeface="Times New Roman" panose="02020603050405020304" pitchFamily="18" charset="0"/>
-                <a:cs typeface="Times New Roman" panose="02020603050405020304" pitchFamily="18" charset="0"/>
-              </a:rPr>
-              <a:t>掉电保护层</a:t>
-            </a:r>
-            <a:r>
-              <a:rPr lang="en-US" altLang="zh-CN" sz="1600" dirty="0">
-                <a:solidFill>
-                  <a:schemeClr val="tx1"/>
-                </a:solidFill>
-                <a:latin typeface="Times New Roman" panose="02020603050405020304" pitchFamily="18" charset="0"/>
-                <a:cs typeface="Times New Roman" panose="02020603050405020304" pitchFamily="18" charset="0"/>
-              </a:rPr>
-              <a:t> </a:t>
-            </a:r>
-            <a:endParaRPr lang="zh-CN" altLang="en-US" sz="1600" dirty="0">
-              <a:solidFill>
-                <a:schemeClr val="tx1"/>
-              </a:solidFill>
-              <a:latin typeface="Times New Roman" panose="02020603050405020304" pitchFamily="18" charset="0"/>
-              <a:cs typeface="Times New Roman" panose="02020603050405020304" pitchFamily="18" charset="0"/>
-            </a:endParaRPr>
+              <a:t>否</a:t>
+            </a:r>
           </a:p>
         </p:txBody>
       </p:sp>
     </p:spTree>
     <p:extLst>
       <p:ext uri="{BB962C8B-B14F-4D97-AF65-F5344CB8AC3E}">
-        <p14:creationId xmlns:p14="http://schemas.microsoft.com/office/powerpoint/2010/main" val="433434169"/>
+        <p14:creationId xmlns:p14="http://schemas.microsoft.com/office/powerpoint/2010/main" val="1689721725"/>
       </p:ext>
     </p:extLst>
   </p:cSld>
@@ -6577,10 +6949,10 @@
       </p:grpSpPr>
       <p:sp>
         <p:nvSpPr>
-          <p:cNvPr id="4" name="矩形 3">
-            <a:extLst>
-              <a:ext uri="{FF2B5EF4-FFF2-40B4-BE49-F238E27FC236}">
-                <a16:creationId xmlns:a16="http://schemas.microsoft.com/office/drawing/2014/main" id="{053C14C1-9AFD-4197-A6D3-AA8CC4C4A2CA}"/>
+          <p:cNvPr id="21" name="矩形 20">
+            <a:extLst>
+              <a:ext uri="{FF2B5EF4-FFF2-40B4-BE49-F238E27FC236}">
+                <a16:creationId xmlns:a16="http://schemas.microsoft.com/office/drawing/2014/main" id="{4061EA2B-0121-4254-AE93-55BE7ABE79C5}"/>
               </a:ext>
             </a:extLst>
           </p:cNvPr>
@@ -6589,7 +6961,7 @@
         </p:nvSpPr>
         <p:spPr>
           <a:xfrm>
-            <a:off x="2747915" y="277931"/>
+            <a:off x="2810760" y="294585"/>
             <a:ext cx="6381943" cy="499620"/>
           </a:xfrm>
           <a:prstGeom prst="rect">
@@ -6650,10 +7022,10 @@
       </p:sp>
       <p:sp>
         <p:nvSpPr>
-          <p:cNvPr id="5" name="矩形 4">
-            <a:extLst>
-              <a:ext uri="{FF2B5EF4-FFF2-40B4-BE49-F238E27FC236}">
-                <a16:creationId xmlns:a16="http://schemas.microsoft.com/office/drawing/2014/main" id="{ECE86B15-6AF6-47C3-ABF8-2EFA58F05474}"/>
+          <p:cNvPr id="23" name="矩形 22">
+            <a:extLst>
+              <a:ext uri="{FF2B5EF4-FFF2-40B4-BE49-F238E27FC236}">
+                <a16:creationId xmlns:a16="http://schemas.microsoft.com/office/drawing/2014/main" id="{277A55B3-CEC8-4128-873E-C31F74C7399D}"/>
               </a:ext>
             </a:extLst>
           </p:cNvPr>
@@ -6662,7 +7034,7 @@
         </p:nvSpPr>
         <p:spPr>
           <a:xfrm>
-            <a:off x="2747915" y="1239466"/>
+            <a:off x="2810760" y="1256120"/>
             <a:ext cx="6381943" cy="499620"/>
           </a:xfrm>
           <a:prstGeom prst="rect">
@@ -6723,10 +7095,10 @@
       </p:sp>
       <p:sp>
         <p:nvSpPr>
-          <p:cNvPr id="6" name="矩形 5">
-            <a:extLst>
-              <a:ext uri="{FF2B5EF4-FFF2-40B4-BE49-F238E27FC236}">
-                <a16:creationId xmlns:a16="http://schemas.microsoft.com/office/drawing/2014/main" id="{0D39F9DF-7F9C-448D-9F40-7F48626870E3}"/>
+          <p:cNvPr id="24" name="矩形 23">
+            <a:extLst>
+              <a:ext uri="{FF2B5EF4-FFF2-40B4-BE49-F238E27FC236}">
+                <a16:creationId xmlns:a16="http://schemas.microsoft.com/office/drawing/2014/main" id="{515124F3-D053-4A07-80F5-6CF2D31750AB}"/>
               </a:ext>
             </a:extLst>
           </p:cNvPr>
@@ -6735,7 +7107,7 @@
         </p:nvSpPr>
         <p:spPr>
           <a:xfrm>
-            <a:off x="2747915" y="2201001"/>
+            <a:off x="2810760" y="2217655"/>
             <a:ext cx="6381943" cy="499620"/>
           </a:xfrm>
           <a:prstGeom prst="rect">
@@ -6816,10 +7188,10 @@
       </p:sp>
       <p:sp>
         <p:nvSpPr>
-          <p:cNvPr id="7" name="矩形 6">
-            <a:extLst>
-              <a:ext uri="{FF2B5EF4-FFF2-40B4-BE49-F238E27FC236}">
-                <a16:creationId xmlns:a16="http://schemas.microsoft.com/office/drawing/2014/main" id="{22A00244-EF6F-49D2-BF86-0777C20C65B9}"/>
+          <p:cNvPr id="25" name="矩形 24">
+            <a:extLst>
+              <a:ext uri="{FF2B5EF4-FFF2-40B4-BE49-F238E27FC236}">
+                <a16:creationId xmlns:a16="http://schemas.microsoft.com/office/drawing/2014/main" id="{F073EFE8-D6BE-4CAF-818E-968A3F464C49}"/>
               </a:ext>
             </a:extLst>
           </p:cNvPr>
@@ -6828,8 +7200,8 @@
         </p:nvSpPr>
         <p:spPr>
           <a:xfrm>
-            <a:off x="1569184" y="3165081"/>
-            <a:ext cx="3655694" cy="499620"/>
+            <a:off x="2810759" y="3179190"/>
+            <a:ext cx="6381943" cy="499620"/>
           </a:xfrm>
           <a:prstGeom prst="rect">
             <a:avLst/>
@@ -6882,27 +7254,7 @@
                 <a:latin typeface="Times New Roman" panose="02020603050405020304" pitchFamily="18" charset="0"/>
                 <a:cs typeface="Times New Roman" panose="02020603050405020304" pitchFamily="18" charset="0"/>
               </a:rPr>
-              <a:t> Full </a:t>
-            </a:r>
-            <a:r>
-              <a:rPr lang="en-US" altLang="zh-CN" sz="1600" dirty="0" err="1">
-                <a:solidFill>
-                  <a:schemeClr val="tx1"/>
-                </a:solidFill>
-                <a:latin typeface="Times New Roman" panose="02020603050405020304" pitchFamily="18" charset="0"/>
-                <a:cs typeface="Times New Roman" panose="02020603050405020304" pitchFamily="18" charset="0"/>
-              </a:rPr>
-              <a:t>Dnode</a:t>
-            </a:r>
-            <a:r>
-              <a:rPr lang="en-US" altLang="zh-CN" sz="1600" dirty="0">
-                <a:solidFill>
-                  <a:schemeClr val="tx1"/>
-                </a:solidFill>
-                <a:latin typeface="Times New Roman" panose="02020603050405020304" pitchFamily="18" charset="0"/>
-                <a:cs typeface="Times New Roman" panose="02020603050405020304" pitchFamily="18" charset="0"/>
-              </a:rPr>
-              <a:t> </a:t>
+              <a:t> I/O</a:t>
             </a:r>
             <a:r>
               <a:rPr lang="zh-CN" altLang="en-US" sz="1600" dirty="0">
@@ -6919,10 +7271,10 @@
       </p:sp>
       <p:sp>
         <p:nvSpPr>
-          <p:cNvPr id="8" name="矩形 7">
-            <a:extLst>
-              <a:ext uri="{FF2B5EF4-FFF2-40B4-BE49-F238E27FC236}">
-                <a16:creationId xmlns:a16="http://schemas.microsoft.com/office/drawing/2014/main" id="{91E5D599-7BA9-4026-A3F3-08C23AED59DC}"/>
+          <p:cNvPr id="27" name="矩形 26">
+            <a:extLst>
+              <a:ext uri="{FF2B5EF4-FFF2-40B4-BE49-F238E27FC236}">
+                <a16:creationId xmlns:a16="http://schemas.microsoft.com/office/drawing/2014/main" id="{B92C6BA5-3F6A-434A-A581-A1C9446DE670}"/>
               </a:ext>
             </a:extLst>
           </p:cNvPr>
@@ -6931,7 +7283,7 @@
         </p:nvSpPr>
         <p:spPr>
           <a:xfrm>
-            <a:off x="2747913" y="5077976"/>
+            <a:off x="2810758" y="5094630"/>
             <a:ext cx="6381943" cy="499620"/>
           </a:xfrm>
           <a:prstGeom prst="rect">
@@ -7002,10 +7354,10 @@
       </p:sp>
       <p:sp>
         <p:nvSpPr>
-          <p:cNvPr id="9" name="矩形 8">
-            <a:extLst>
-              <a:ext uri="{FF2B5EF4-FFF2-40B4-BE49-F238E27FC236}">
-                <a16:creationId xmlns:a16="http://schemas.microsoft.com/office/drawing/2014/main" id="{E086177A-6046-4DE8-898E-101158B775F6}"/>
+          <p:cNvPr id="28" name="矩形 27">
+            <a:extLst>
+              <a:ext uri="{FF2B5EF4-FFF2-40B4-BE49-F238E27FC236}">
+                <a16:creationId xmlns:a16="http://schemas.microsoft.com/office/drawing/2014/main" id="{1049B44A-7E17-45D9-BE0A-F78CC71B4D0D}"/>
               </a:ext>
             </a:extLst>
           </p:cNvPr>
@@ -7014,7 +7366,7 @@
         </p:nvSpPr>
         <p:spPr>
           <a:xfrm>
-            <a:off x="2747912" y="6035696"/>
+            <a:off x="2810757" y="6052350"/>
             <a:ext cx="6381943" cy="499620"/>
           </a:xfrm>
           <a:prstGeom prst="rect">
@@ -7075,22 +7427,22 @@
       </p:sp>
       <p:cxnSp>
         <p:nvCxnSpPr>
-          <p:cNvPr id="10" name="直接箭头连接符 9">
-            <a:extLst>
-              <a:ext uri="{FF2B5EF4-FFF2-40B4-BE49-F238E27FC236}">
-                <a16:creationId xmlns:a16="http://schemas.microsoft.com/office/drawing/2014/main" id="{CF950003-52CB-4813-82AD-536DB0844A46}"/>
+          <p:cNvPr id="30" name="直接箭头连接符 29">
+            <a:extLst>
+              <a:ext uri="{FF2B5EF4-FFF2-40B4-BE49-F238E27FC236}">
+                <a16:creationId xmlns:a16="http://schemas.microsoft.com/office/drawing/2014/main" id="{C2AD042E-30DE-4B45-A0FD-D803FF22837F}"/>
               </a:ext>
             </a:extLst>
           </p:cNvPr>
           <p:cNvCxnSpPr>
-            <a:stCxn id="4" idx="2"/>
-            <a:endCxn id="5" idx="0"/>
+            <a:stCxn id="21" idx="2"/>
+            <a:endCxn id="23" idx="0"/>
           </p:cNvCxnSpPr>
           <p:nvPr/>
         </p:nvCxnSpPr>
         <p:spPr>
           <a:xfrm>
-            <a:off x="5938887" y="777551"/>
+            <a:off x="6001732" y="794205"/>
             <a:ext cx="0" cy="461915"/>
           </a:xfrm>
           <a:prstGeom prst="straightConnector1">
@@ -7118,23 +7470,23 @@
       </p:cxnSp>
       <p:cxnSp>
         <p:nvCxnSpPr>
-          <p:cNvPr id="11" name="直接箭头连接符 10">
-            <a:extLst>
-              <a:ext uri="{FF2B5EF4-FFF2-40B4-BE49-F238E27FC236}">
-                <a16:creationId xmlns:a16="http://schemas.microsoft.com/office/drawing/2014/main" id="{66ED633F-491A-40A2-91BA-F04FE34DE810}"/>
+          <p:cNvPr id="31" name="直接箭头连接符 30">
+            <a:extLst>
+              <a:ext uri="{FF2B5EF4-FFF2-40B4-BE49-F238E27FC236}">
+                <a16:creationId xmlns:a16="http://schemas.microsoft.com/office/drawing/2014/main" id="{3E5AD338-17C5-427E-94E0-07761D36F07E}"/>
               </a:ext>
             </a:extLst>
           </p:cNvPr>
           <p:cNvCxnSpPr>
             <a:cxnSpLocks/>
-            <a:stCxn id="5" idx="2"/>
-            <a:endCxn id="6" idx="0"/>
+            <a:stCxn id="23" idx="2"/>
+            <a:endCxn id="24" idx="0"/>
           </p:cNvCxnSpPr>
           <p:nvPr/>
         </p:nvCxnSpPr>
         <p:spPr>
           <a:xfrm>
-            <a:off x="5938887" y="1739086"/>
+            <a:off x="6001732" y="1755740"/>
             <a:ext cx="0" cy="461915"/>
           </a:xfrm>
           <a:prstGeom prst="straightConnector1">
@@ -7162,30 +7514,30 @@
       </p:cxnSp>
       <p:cxnSp>
         <p:nvCxnSpPr>
-          <p:cNvPr id="12" name="直接箭头连接符 11">
-            <a:extLst>
-              <a:ext uri="{FF2B5EF4-FFF2-40B4-BE49-F238E27FC236}">
-                <a16:creationId xmlns:a16="http://schemas.microsoft.com/office/drawing/2014/main" id="{76A6C91D-67D4-4066-BB7C-9F884DEE08D6}"/>
+          <p:cNvPr id="34" name="直接箭头连接符 33">
+            <a:extLst>
+              <a:ext uri="{FF2B5EF4-FFF2-40B4-BE49-F238E27FC236}">
+                <a16:creationId xmlns:a16="http://schemas.microsoft.com/office/drawing/2014/main" id="{E987F01E-F657-4B09-9226-1129ADCA97E9}"/>
               </a:ext>
             </a:extLst>
           </p:cNvPr>
           <p:cNvCxnSpPr>
             <a:cxnSpLocks/>
-            <a:stCxn id="6" idx="2"/>
-            <a:endCxn id="7" idx="0"/>
+            <a:stCxn id="24" idx="2"/>
+            <a:endCxn id="25" idx="0"/>
           </p:cNvCxnSpPr>
           <p:nvPr/>
         </p:nvCxnSpPr>
         <p:spPr>
           <a:xfrm flipH="1">
-            <a:off x="3397031" y="2700621"/>
-            <a:ext cx="2541856" cy="464460"/>
+            <a:off x="6001731" y="2717275"/>
+            <a:ext cx="1" cy="461915"/>
           </a:xfrm>
           <a:prstGeom prst="straightConnector1">
             <a:avLst/>
           </a:prstGeom>
           <a:ln w="12700">
-            <a:headEnd type="oval" w="med" len="med"/>
+            <a:headEnd type="triangle" w="med" len="med"/>
             <a:tailEnd type="triangle" w="med" len="med"/>
           </a:ln>
         </p:spPr>
@@ -7206,24 +7558,24 @@
       </p:cxnSp>
       <p:cxnSp>
         <p:nvCxnSpPr>
-          <p:cNvPr id="13" name="直接箭头连接符 12">
-            <a:extLst>
-              <a:ext uri="{FF2B5EF4-FFF2-40B4-BE49-F238E27FC236}">
-                <a16:creationId xmlns:a16="http://schemas.microsoft.com/office/drawing/2014/main" id="{18EEC8BB-C7B8-4FEB-9550-77AFEF121D66}"/>
+          <p:cNvPr id="37" name="直接箭头连接符 36">
+            <a:extLst>
+              <a:ext uri="{FF2B5EF4-FFF2-40B4-BE49-F238E27FC236}">
+                <a16:creationId xmlns:a16="http://schemas.microsoft.com/office/drawing/2014/main" id="{1720DF46-CB3A-4D28-A9AF-7963A0767DE0}"/>
               </a:ext>
             </a:extLst>
           </p:cNvPr>
           <p:cNvCxnSpPr>
             <a:cxnSpLocks/>
-            <a:stCxn id="6" idx="2"/>
-            <a:endCxn id="15" idx="0"/>
+            <a:stCxn id="25" idx="2"/>
+            <a:endCxn id="27" idx="0"/>
           </p:cNvCxnSpPr>
           <p:nvPr/>
         </p:nvCxnSpPr>
         <p:spPr>
-          <a:xfrm>
-            <a:off x="5938887" y="2700621"/>
-            <a:ext cx="4059" cy="1419635"/>
+          <a:xfrm flipH="1">
+            <a:off x="6001730" y="3678810"/>
+            <a:ext cx="1" cy="1415820"/>
           </a:xfrm>
           <a:prstGeom prst="straightConnector1">
             <a:avLst/>
@@ -7250,23 +7602,23 @@
       </p:cxnSp>
       <p:cxnSp>
         <p:nvCxnSpPr>
-          <p:cNvPr id="14" name="直接箭头连接符 13">
-            <a:extLst>
-              <a:ext uri="{FF2B5EF4-FFF2-40B4-BE49-F238E27FC236}">
-                <a16:creationId xmlns:a16="http://schemas.microsoft.com/office/drawing/2014/main" id="{34CFED8C-50F0-4648-B1A3-CD3AD1729374}"/>
+          <p:cNvPr id="40" name="直接箭头连接符 39">
+            <a:extLst>
+              <a:ext uri="{FF2B5EF4-FFF2-40B4-BE49-F238E27FC236}">
+                <a16:creationId xmlns:a16="http://schemas.microsoft.com/office/drawing/2014/main" id="{2ADEA90E-0D6F-4658-BC4B-9A7828F89907}"/>
               </a:ext>
             </a:extLst>
           </p:cNvPr>
           <p:cNvCxnSpPr>
             <a:cxnSpLocks/>
-            <a:stCxn id="8" idx="2"/>
-            <a:endCxn id="9" idx="0"/>
+            <a:stCxn id="27" idx="2"/>
+            <a:endCxn id="28" idx="0"/>
           </p:cNvCxnSpPr>
           <p:nvPr/>
         </p:nvCxnSpPr>
         <p:spPr>
           <a:xfrm flipH="1">
-            <a:off x="5938884" y="5577596"/>
+            <a:off x="6001729" y="5594250"/>
             <a:ext cx="1" cy="458100"/>
           </a:xfrm>
           <a:prstGeom prst="straightConnector1">
@@ -7294,10 +7646,10 @@
       </p:cxnSp>
       <p:sp>
         <p:nvSpPr>
-          <p:cNvPr id="15" name="矩形 14">
-            <a:extLst>
-              <a:ext uri="{FF2B5EF4-FFF2-40B4-BE49-F238E27FC236}">
-                <a16:creationId xmlns:a16="http://schemas.microsoft.com/office/drawing/2014/main" id="{D9DEA190-9F7D-4A5B-AF03-815FB8D417AB}"/>
+          <p:cNvPr id="26" name="矩形 25">
+            <a:extLst>
+              <a:ext uri="{FF2B5EF4-FFF2-40B4-BE49-F238E27FC236}">
+                <a16:creationId xmlns:a16="http://schemas.microsoft.com/office/drawing/2014/main" id="{7DB882EA-5414-4AEC-89EC-95E4649D8866}"/>
               </a:ext>
             </a:extLst>
           </p:cNvPr>
@@ -7306,7 +7658,7 @@
         </p:nvSpPr>
         <p:spPr>
           <a:xfrm>
-            <a:off x="2751974" y="4120256"/>
+            <a:off x="2810759" y="4136910"/>
             <a:ext cx="6381943" cy="499620"/>
           </a:xfrm>
           <a:prstGeom prst="rect">
@@ -7411,255 +7763,10 @@
           </a:p>
         </p:txBody>
       </p:sp>
-      <p:cxnSp>
-        <p:nvCxnSpPr>
-          <p:cNvPr id="16" name="直接箭头连接符 15">
-            <a:extLst>
-              <a:ext uri="{FF2B5EF4-FFF2-40B4-BE49-F238E27FC236}">
-                <a16:creationId xmlns:a16="http://schemas.microsoft.com/office/drawing/2014/main" id="{F8854BF8-892B-4B47-9725-5E63D9E4B101}"/>
-              </a:ext>
-            </a:extLst>
-          </p:cNvPr>
-          <p:cNvCxnSpPr>
-            <a:cxnSpLocks/>
-            <a:stCxn id="17" idx="1"/>
-            <a:endCxn id="7" idx="3"/>
-          </p:cNvCxnSpPr>
-          <p:nvPr/>
-        </p:nvCxnSpPr>
-        <p:spPr>
-          <a:xfrm flipH="1">
-            <a:off x="5224878" y="3414891"/>
-            <a:ext cx="1454564" cy="0"/>
-          </a:xfrm>
-          <a:prstGeom prst="straightConnector1">
-            <a:avLst/>
-          </a:prstGeom>
-          <a:ln w="12700">
-            <a:headEnd type="triangle" w="med" len="med"/>
-            <a:tailEnd type="none" w="med" len="med"/>
-          </a:ln>
-        </p:spPr>
-        <p:style>
-          <a:lnRef idx="1">
-            <a:schemeClr val="dk1"/>
-          </a:lnRef>
-          <a:fillRef idx="0">
-            <a:schemeClr val="dk1"/>
-          </a:fillRef>
-          <a:effectRef idx="0">
-            <a:schemeClr val="dk1"/>
-          </a:effectRef>
-          <a:fontRef idx="minor">
-            <a:schemeClr val="tx1"/>
-          </a:fontRef>
-        </p:style>
-      </p:cxnSp>
-      <p:sp>
-        <p:nvSpPr>
-          <p:cNvPr id="17" name="矩形 16">
-            <a:extLst>
-              <a:ext uri="{FF2B5EF4-FFF2-40B4-BE49-F238E27FC236}">
-                <a16:creationId xmlns:a16="http://schemas.microsoft.com/office/drawing/2014/main" id="{BF8F6FE6-488B-45FB-B575-BABBF7BB94E5}"/>
-              </a:ext>
-            </a:extLst>
-          </p:cNvPr>
-          <p:cNvSpPr/>
-          <p:nvPr/>
-        </p:nvSpPr>
-        <p:spPr>
-          <a:xfrm>
-            <a:off x="6679442" y="3165081"/>
-            <a:ext cx="3655694" cy="499620"/>
-          </a:xfrm>
-          <a:prstGeom prst="rect">
-            <a:avLst/>
-          </a:prstGeom>
-          <a:solidFill>
-            <a:srgbClr val="C4B7D7"/>
-          </a:solidFill>
-          <a:ln>
-            <a:solidFill>
-              <a:schemeClr val="tx1"/>
-            </a:solidFill>
-          </a:ln>
-        </p:spPr>
-        <p:style>
-          <a:lnRef idx="2">
-            <a:schemeClr val="accent1">
-              <a:shade val="50000"/>
-            </a:schemeClr>
-          </a:lnRef>
-          <a:fillRef idx="1">
-            <a:schemeClr val="accent1"/>
-          </a:fillRef>
-          <a:effectRef idx="0">
-            <a:schemeClr val="accent1"/>
-          </a:effectRef>
-          <a:fontRef idx="minor">
-            <a:schemeClr val="lt1"/>
-          </a:fontRef>
-        </p:style>
-        <p:txBody>
-          <a:bodyPr rtlCol="0" anchor="ctr"/>
-          <a:lstStyle/>
-          <a:p>
-            <a:pPr algn="ctr"/>
-            <a:r>
-              <a:rPr lang="en-US" altLang="zh-CN" sz="1600" dirty="0" err="1">
-                <a:solidFill>
-                  <a:schemeClr val="tx1"/>
-                </a:solidFill>
-                <a:latin typeface="Times New Roman" panose="02020603050405020304" pitchFamily="18" charset="0"/>
-                <a:cs typeface="Times New Roman" panose="02020603050405020304" pitchFamily="18" charset="0"/>
-              </a:rPr>
-              <a:t>HoitFS</a:t>
-            </a:r>
-            <a:r>
-              <a:rPr lang="en-US" altLang="zh-CN" sz="1600" dirty="0">
-                <a:solidFill>
-                  <a:schemeClr val="tx1"/>
-                </a:solidFill>
-                <a:latin typeface="Times New Roman" panose="02020603050405020304" pitchFamily="18" charset="0"/>
-                <a:cs typeface="Times New Roman" panose="02020603050405020304" pitchFamily="18" charset="0"/>
-              </a:rPr>
-              <a:t> </a:t>
-            </a:r>
-            <a:r>
-              <a:rPr lang="en-US" altLang="zh-CN" sz="1600" dirty="0" err="1">
-                <a:solidFill>
-                  <a:schemeClr val="tx1"/>
-                </a:solidFill>
-                <a:latin typeface="Times New Roman" panose="02020603050405020304" pitchFamily="18" charset="0"/>
-                <a:cs typeface="Times New Roman" panose="02020603050405020304" pitchFamily="18" charset="0"/>
-              </a:rPr>
-              <a:t>FragTree</a:t>
-            </a:r>
-            <a:r>
-              <a:rPr lang="en-US" altLang="zh-CN" sz="1600">
-                <a:solidFill>
-                  <a:schemeClr val="tx1"/>
-                </a:solidFill>
-                <a:latin typeface="Times New Roman" panose="02020603050405020304" pitchFamily="18" charset="0"/>
-                <a:cs typeface="Times New Roman" panose="02020603050405020304" pitchFamily="18" charset="0"/>
-              </a:rPr>
-              <a:t> </a:t>
-            </a:r>
-            <a:r>
-              <a:rPr lang="zh-CN" altLang="en-US" sz="1600">
-                <a:solidFill>
-                  <a:schemeClr val="tx1"/>
-                </a:solidFill>
-                <a:latin typeface="Times New Roman" panose="02020603050405020304" pitchFamily="18" charset="0"/>
-                <a:cs typeface="Times New Roman" panose="02020603050405020304" pitchFamily="18" charset="0"/>
-              </a:rPr>
-              <a:t>管理</a:t>
-            </a:r>
-            <a:r>
-              <a:rPr lang="zh-CN" altLang="en-US" sz="1600" dirty="0">
-                <a:solidFill>
-                  <a:schemeClr val="tx1"/>
-                </a:solidFill>
-                <a:latin typeface="Times New Roman" panose="02020603050405020304" pitchFamily="18" charset="0"/>
-                <a:cs typeface="Times New Roman" panose="02020603050405020304" pitchFamily="18" charset="0"/>
-              </a:rPr>
-              <a:t>层</a:t>
-            </a:r>
-          </a:p>
-        </p:txBody>
-      </p:sp>
-      <p:cxnSp>
-        <p:nvCxnSpPr>
-          <p:cNvPr id="18" name="直接箭头连接符 17">
-            <a:extLst>
-              <a:ext uri="{FF2B5EF4-FFF2-40B4-BE49-F238E27FC236}">
-                <a16:creationId xmlns:a16="http://schemas.microsoft.com/office/drawing/2014/main" id="{F0D1F52E-9332-4BC3-B21E-6A30CBBF571A}"/>
-              </a:ext>
-            </a:extLst>
-          </p:cNvPr>
-          <p:cNvCxnSpPr>
-            <a:cxnSpLocks/>
-            <a:stCxn id="17" idx="0"/>
-            <a:endCxn id="6" idx="2"/>
-          </p:cNvCxnSpPr>
-          <p:nvPr/>
-        </p:nvCxnSpPr>
-        <p:spPr>
-          <a:xfrm flipH="1" flipV="1">
-            <a:off x="5938887" y="2700621"/>
-            <a:ext cx="2568402" cy="464460"/>
-          </a:xfrm>
-          <a:prstGeom prst="straightConnector1">
-            <a:avLst/>
-          </a:prstGeom>
-          <a:ln w="12700">
-            <a:headEnd type="triangle" w="med" len="med"/>
-            <a:tailEnd type="oval" w="med" len="med"/>
-          </a:ln>
-        </p:spPr>
-        <p:style>
-          <a:lnRef idx="1">
-            <a:schemeClr val="dk1"/>
-          </a:lnRef>
-          <a:fillRef idx="0">
-            <a:schemeClr val="dk1"/>
-          </a:fillRef>
-          <a:effectRef idx="0">
-            <a:schemeClr val="dk1"/>
-          </a:effectRef>
-          <a:fontRef idx="minor">
-            <a:schemeClr val="tx1"/>
-          </a:fontRef>
-        </p:style>
-      </p:cxnSp>
-      <p:cxnSp>
-        <p:nvCxnSpPr>
-          <p:cNvPr id="19" name="直接箭头连接符 18">
-            <a:extLst>
-              <a:ext uri="{FF2B5EF4-FFF2-40B4-BE49-F238E27FC236}">
-                <a16:creationId xmlns:a16="http://schemas.microsoft.com/office/drawing/2014/main" id="{42F97013-691A-4A48-8587-72A2DA4C6621}"/>
-              </a:ext>
-            </a:extLst>
-          </p:cNvPr>
-          <p:cNvCxnSpPr>
-            <a:cxnSpLocks/>
-            <a:stCxn id="15" idx="2"/>
-            <a:endCxn id="8" idx="0"/>
-          </p:cNvCxnSpPr>
-          <p:nvPr/>
-        </p:nvCxnSpPr>
-        <p:spPr>
-          <a:xfrm flipH="1">
-            <a:off x="5938885" y="4619876"/>
-            <a:ext cx="4061" cy="458100"/>
-          </a:xfrm>
-          <a:prstGeom prst="straightConnector1">
-            <a:avLst/>
-          </a:prstGeom>
-          <a:ln w="12700">
-            <a:headEnd type="triangle" w="med" len="med"/>
-            <a:tailEnd type="triangle" w="med" len="med"/>
-          </a:ln>
-        </p:spPr>
-        <p:style>
-          <a:lnRef idx="1">
-            <a:schemeClr val="dk1"/>
-          </a:lnRef>
-          <a:fillRef idx="0">
-            <a:schemeClr val="dk1"/>
-          </a:fillRef>
-          <a:effectRef idx="0">
-            <a:schemeClr val="dk1"/>
-          </a:effectRef>
-          <a:fontRef idx="minor">
-            <a:schemeClr val="tx1"/>
-          </a:fontRef>
-        </p:style>
-      </p:cxnSp>
     </p:spTree>
     <p:extLst>
       <p:ext uri="{BB962C8B-B14F-4D97-AF65-F5344CB8AC3E}">
-        <p14:creationId xmlns:p14="http://schemas.microsoft.com/office/powerpoint/2010/main" val="1845332767"/>
+        <p14:creationId xmlns:p14="http://schemas.microsoft.com/office/powerpoint/2010/main" val="433434169"/>
       </p:ext>
     </p:extLst>
   </p:cSld>
@@ -7688,10 +7795,10 @@
       </p:grpSpPr>
       <p:sp>
         <p:nvSpPr>
-          <p:cNvPr id="8" name="矩形 7">
-            <a:extLst>
-              <a:ext uri="{FF2B5EF4-FFF2-40B4-BE49-F238E27FC236}">
-                <a16:creationId xmlns:a16="http://schemas.microsoft.com/office/drawing/2014/main" id="{6FC5B14E-279B-4D77-B89E-5D13A08129C0}"/>
+          <p:cNvPr id="4" name="矩形 3">
+            <a:extLst>
+              <a:ext uri="{FF2B5EF4-FFF2-40B4-BE49-F238E27FC236}">
+                <a16:creationId xmlns:a16="http://schemas.microsoft.com/office/drawing/2014/main" id="{053C14C1-9AFD-4197-A6D3-AA8CC4C4A2CA}"/>
               </a:ext>
             </a:extLst>
           </p:cNvPr>
@@ -7700,14 +7807,14 @@
         </p:nvSpPr>
         <p:spPr>
           <a:xfrm>
-            <a:off x="1768308" y="2265968"/>
-            <a:ext cx="9270479" cy="1345676"/>
+            <a:off x="2747915" y="277931"/>
+            <a:ext cx="6381943" cy="499620"/>
           </a:xfrm>
           <a:prstGeom prst="rect">
             <a:avLst/>
           </a:prstGeom>
           <a:solidFill>
-            <a:srgbClr val="F5F5F5"/>
+            <a:srgbClr val="D00000"/>
           </a:solidFill>
           <a:ln>
             <a:solidFill>
@@ -7737,31 +7844,34 @@
           <a:p>
             <a:pPr algn="ctr"/>
             <a:r>
-              <a:rPr lang="en-US" altLang="zh-CN">
+              <a:rPr lang="en-US" altLang="zh-CN" sz="1600" dirty="0" err="1">
                 <a:solidFill>
-                  <a:schemeClr val="tx1"/>
+                  <a:schemeClr val="bg1"/>
                 </a:solidFill>
                 <a:latin typeface="Times New Roman" panose="02020603050405020304" pitchFamily="18" charset="0"/>
                 <a:cs typeface="Times New Roman" panose="02020603050405020304" pitchFamily="18" charset="0"/>
               </a:rPr>
-              <a:t>Flash</a:t>
-            </a:r>
-            <a:endParaRPr lang="zh-CN" altLang="en-US" dirty="0">
-              <a:solidFill>
-                <a:schemeClr val="tx1"/>
-              </a:solidFill>
-              <a:latin typeface="Times New Roman" panose="02020603050405020304" pitchFamily="18" charset="0"/>
-              <a:cs typeface="Times New Roman" panose="02020603050405020304" pitchFamily="18" charset="0"/>
-            </a:endParaRPr>
+              <a:t>SylixOS</a:t>
+            </a:r>
+            <a:r>
+              <a:rPr lang="zh-CN" altLang="en-US" sz="1600" dirty="0">
+                <a:solidFill>
+                  <a:schemeClr val="bg1"/>
+                </a:solidFill>
+                <a:latin typeface="Times New Roman" panose="02020603050405020304" pitchFamily="18" charset="0"/>
+                <a:cs typeface="Times New Roman" panose="02020603050405020304" pitchFamily="18" charset="0"/>
+              </a:rPr>
+              <a:t>层</a:t>
+            </a:r>
           </a:p>
         </p:txBody>
       </p:sp>
       <p:sp>
         <p:nvSpPr>
-          <p:cNvPr id="4" name="矩形 3">
-            <a:extLst>
-              <a:ext uri="{FF2B5EF4-FFF2-40B4-BE49-F238E27FC236}">
-                <a16:creationId xmlns:a16="http://schemas.microsoft.com/office/drawing/2014/main" id="{66A7893F-B2CE-49B2-8E0D-DF52035F905A}"/>
+          <p:cNvPr id="5" name="矩形 4">
+            <a:extLst>
+              <a:ext uri="{FF2B5EF4-FFF2-40B4-BE49-F238E27FC236}">
+                <a16:creationId xmlns:a16="http://schemas.microsoft.com/office/drawing/2014/main" id="{ECE86B15-6AF6-47C3-ABF8-2EFA58F05474}"/>
               </a:ext>
             </a:extLst>
           </p:cNvPr>
@@ -7770,8 +7880,8 @@
         </p:nvSpPr>
         <p:spPr>
           <a:xfrm>
-            <a:off x="1768309" y="2265968"/>
-            <a:ext cx="1082512" cy="1345676"/>
+            <a:off x="2747915" y="1239466"/>
+            <a:ext cx="6381943" cy="499620"/>
           </a:xfrm>
           <a:prstGeom prst="rect">
             <a:avLst/>
@@ -7807,22 +7917,25 @@
           <a:p>
             <a:pPr algn="ctr"/>
             <a:r>
-              <a:rPr lang="en-US" altLang="zh-CN" dirty="0">
+              <a:rPr lang="en-US" altLang="zh-CN" sz="1600" dirty="0" err="1">
                 <a:solidFill>
                   <a:schemeClr val="tx1"/>
                 </a:solidFill>
                 <a:latin typeface="Times New Roman" panose="02020603050405020304" pitchFamily="18" charset="0"/>
                 <a:cs typeface="Times New Roman" panose="02020603050405020304" pitchFamily="18" charset="0"/>
               </a:rPr>
-              <a:t>Static SB</a:t>
-            </a:r>
-            <a:endParaRPr lang="zh-CN" altLang="en-US" dirty="0">
-              <a:solidFill>
-                <a:schemeClr val="tx1"/>
-              </a:solidFill>
-              <a:latin typeface="Times New Roman" panose="02020603050405020304" pitchFamily="18" charset="0"/>
-              <a:cs typeface="Times New Roman" panose="02020603050405020304" pitchFamily="18" charset="0"/>
-            </a:endParaRPr>
+              <a:t>HoitFS</a:t>
+            </a:r>
+            <a:r>
+              <a:rPr lang="zh-CN" altLang="en-US" sz="1600" dirty="0">
+                <a:solidFill>
+                  <a:schemeClr val="tx1"/>
+                </a:solidFill>
+                <a:latin typeface="Times New Roman" panose="02020603050405020304" pitchFamily="18" charset="0"/>
+                <a:cs typeface="Times New Roman" panose="02020603050405020304" pitchFamily="18" charset="0"/>
+              </a:rPr>
+              <a:t>接口层</a:t>
+            </a:r>
           </a:p>
         </p:txBody>
       </p:sp>
@@ -7831,7 +7944,7 @@
           <p:cNvPr id="6" name="矩形 5">
             <a:extLst>
               <a:ext uri="{FF2B5EF4-FFF2-40B4-BE49-F238E27FC236}">
-                <a16:creationId xmlns:a16="http://schemas.microsoft.com/office/drawing/2014/main" id="{FE9AA6D5-C448-4B45-A120-969F84AAE7E3}"/>
+                <a16:creationId xmlns:a16="http://schemas.microsoft.com/office/drawing/2014/main" id="{0D39F9DF-7F9C-448D-9F40-7F48626870E3}"/>
               </a:ext>
             </a:extLst>
           </p:cNvPr>
@@ -7840,8 +7953,8 @@
         </p:nvSpPr>
         <p:spPr>
           <a:xfrm>
-            <a:off x="2850821" y="2265968"/>
-            <a:ext cx="1082512" cy="1345676"/>
+            <a:off x="2747915" y="2201001"/>
+            <a:ext cx="6381943" cy="499620"/>
           </a:xfrm>
           <a:prstGeom prst="rect">
             <a:avLst/>
@@ -7877,22 +7990,45 @@
           <a:p>
             <a:pPr algn="ctr"/>
             <a:r>
-              <a:rPr lang="en-US" altLang="zh-CN" dirty="0">
+              <a:rPr lang="en-US" altLang="zh-CN" sz="1600" dirty="0" err="1">
                 <a:solidFill>
                   <a:schemeClr val="tx1"/>
                 </a:solidFill>
                 <a:latin typeface="Times New Roman" panose="02020603050405020304" pitchFamily="18" charset="0"/>
                 <a:cs typeface="Times New Roman" panose="02020603050405020304" pitchFamily="18" charset="0"/>
               </a:rPr>
-              <a:t>Anchor Area</a:t>
-            </a:r>
-            <a:endParaRPr lang="zh-CN" altLang="en-US" dirty="0">
-              <a:solidFill>
-                <a:schemeClr val="tx1"/>
-              </a:solidFill>
-              <a:latin typeface="Times New Roman" panose="02020603050405020304" pitchFamily="18" charset="0"/>
-              <a:cs typeface="Times New Roman" panose="02020603050405020304" pitchFamily="18" charset="0"/>
-            </a:endParaRPr>
+              <a:t>HoitFS</a:t>
+            </a:r>
+            <a:r>
+              <a:rPr lang="zh-CN" altLang="en-US" sz="1600" dirty="0">
+                <a:solidFill>
+                  <a:schemeClr val="tx1"/>
+                </a:solidFill>
+                <a:latin typeface="Times New Roman" panose="02020603050405020304" pitchFamily="18" charset="0"/>
+                <a:cs typeface="Times New Roman" panose="02020603050405020304" pitchFamily="18" charset="0"/>
+              </a:rPr>
+              <a:t>逻辑层</a:t>
+            </a:r>
+            <a:r>
+              <a:rPr lang="en-US" altLang="zh-CN" sz="1600" dirty="0">
+                <a:solidFill>
+                  <a:schemeClr val="tx1"/>
+                </a:solidFill>
+                <a:latin typeface="Times New Roman" panose="02020603050405020304" pitchFamily="18" charset="0"/>
+                <a:cs typeface="Times New Roman" panose="02020603050405020304" pitchFamily="18" charset="0"/>
+              </a:rPr>
+              <a:t>/</a:t>
+            </a:r>
+            <a:r>
+              <a:rPr lang="zh-CN" altLang="en-US" sz="1600" dirty="0">
+                <a:solidFill>
+                  <a:schemeClr val="tx1"/>
+                </a:solidFill>
+                <a:latin typeface="Times New Roman" panose="02020603050405020304" pitchFamily="18" charset="0"/>
+                <a:cs typeface="Times New Roman" panose="02020603050405020304" pitchFamily="18" charset="0"/>
+              </a:rPr>
+              <a:t>实现层</a:t>
+            </a:r>
           </a:p>
         </p:txBody>
       </p:sp>
@@ -7901,7 +8037,7 @@
           <p:cNvPr id="7" name="矩形 6">
             <a:extLst>
               <a:ext uri="{FF2B5EF4-FFF2-40B4-BE49-F238E27FC236}">
-                <a16:creationId xmlns:a16="http://schemas.microsoft.com/office/drawing/2014/main" id="{0B1337CC-A24C-41C4-8D2F-DF46229A3425}"/>
+                <a16:creationId xmlns:a16="http://schemas.microsoft.com/office/drawing/2014/main" id="{22A00244-EF6F-49D2-BF86-0777C20C65B9}"/>
               </a:ext>
             </a:extLst>
           </p:cNvPr>
@@ -7910,8 +8046,8 @@
         </p:nvSpPr>
         <p:spPr>
           <a:xfrm>
-            <a:off x="3933333" y="2265968"/>
-            <a:ext cx="1082512" cy="1345676"/>
+            <a:off x="1569184" y="3165081"/>
+            <a:ext cx="3655694" cy="499620"/>
           </a:xfrm>
           <a:prstGeom prst="rect">
             <a:avLst/>
@@ -7947,6 +8083,2443 @@
           <a:p>
             <a:pPr algn="ctr"/>
             <a:r>
+              <a:rPr lang="en-US" altLang="zh-CN" sz="1600" dirty="0" err="1">
+                <a:solidFill>
+                  <a:schemeClr val="tx1"/>
+                </a:solidFill>
+                <a:latin typeface="Times New Roman" panose="02020603050405020304" pitchFamily="18" charset="0"/>
+                <a:cs typeface="Times New Roman" panose="02020603050405020304" pitchFamily="18" charset="0"/>
+              </a:rPr>
+              <a:t>HoitFS</a:t>
+            </a:r>
+            <a:r>
+              <a:rPr lang="en-US" altLang="zh-CN" sz="1600" dirty="0">
+                <a:solidFill>
+                  <a:schemeClr val="tx1"/>
+                </a:solidFill>
+                <a:latin typeface="Times New Roman" panose="02020603050405020304" pitchFamily="18" charset="0"/>
+                <a:cs typeface="Times New Roman" panose="02020603050405020304" pitchFamily="18" charset="0"/>
+              </a:rPr>
+              <a:t> Full </a:t>
+            </a:r>
+            <a:r>
+              <a:rPr lang="en-US" altLang="zh-CN" sz="1600" dirty="0" err="1">
+                <a:solidFill>
+                  <a:schemeClr val="tx1"/>
+                </a:solidFill>
+                <a:latin typeface="Times New Roman" panose="02020603050405020304" pitchFamily="18" charset="0"/>
+                <a:cs typeface="Times New Roman" panose="02020603050405020304" pitchFamily="18" charset="0"/>
+              </a:rPr>
+              <a:t>Dnode</a:t>
+            </a:r>
+            <a:r>
+              <a:rPr lang="en-US" altLang="zh-CN" sz="1600" dirty="0">
+                <a:solidFill>
+                  <a:schemeClr val="tx1"/>
+                </a:solidFill>
+                <a:latin typeface="Times New Roman" panose="02020603050405020304" pitchFamily="18" charset="0"/>
+                <a:cs typeface="Times New Roman" panose="02020603050405020304" pitchFamily="18" charset="0"/>
+              </a:rPr>
+              <a:t> </a:t>
+            </a:r>
+            <a:r>
+              <a:rPr lang="zh-CN" altLang="en-US" sz="1600" dirty="0">
+                <a:solidFill>
+                  <a:schemeClr val="tx1"/>
+                </a:solidFill>
+                <a:latin typeface="Times New Roman" panose="02020603050405020304" pitchFamily="18" charset="0"/>
+                <a:cs typeface="Times New Roman" panose="02020603050405020304" pitchFamily="18" charset="0"/>
+              </a:rPr>
+              <a:t>管理层</a:t>
+            </a:r>
+          </a:p>
+        </p:txBody>
+      </p:sp>
+      <p:sp>
+        <p:nvSpPr>
+          <p:cNvPr id="8" name="矩形 7">
+            <a:extLst>
+              <a:ext uri="{FF2B5EF4-FFF2-40B4-BE49-F238E27FC236}">
+                <a16:creationId xmlns:a16="http://schemas.microsoft.com/office/drawing/2014/main" id="{91E5D599-7BA9-4026-A3F3-08C23AED59DC}"/>
+              </a:ext>
+            </a:extLst>
+          </p:cNvPr>
+          <p:cNvSpPr/>
+          <p:nvPr/>
+        </p:nvSpPr>
+        <p:spPr>
+          <a:xfrm>
+            <a:off x="2747913" y="5077976"/>
+            <a:ext cx="6381943" cy="499620"/>
+          </a:xfrm>
+          <a:prstGeom prst="rect">
+            <a:avLst/>
+          </a:prstGeom>
+          <a:solidFill>
+            <a:srgbClr val="C4B7D7"/>
+          </a:solidFill>
+          <a:ln>
+            <a:solidFill>
+              <a:schemeClr val="tx1"/>
+            </a:solidFill>
+          </a:ln>
+        </p:spPr>
+        <p:style>
+          <a:lnRef idx="2">
+            <a:schemeClr val="accent1">
+              <a:shade val="50000"/>
+            </a:schemeClr>
+          </a:lnRef>
+          <a:fillRef idx="1">
+            <a:schemeClr val="accent1"/>
+          </a:fillRef>
+          <a:effectRef idx="0">
+            <a:schemeClr val="accent1"/>
+          </a:effectRef>
+          <a:fontRef idx="minor">
+            <a:schemeClr val="lt1"/>
+          </a:fontRef>
+        </p:style>
+        <p:txBody>
+          <a:bodyPr rtlCol="0" anchor="ctr"/>
+          <a:lstStyle/>
+          <a:p>
+            <a:pPr algn="ctr"/>
+            <a:r>
+              <a:rPr lang="en-US" altLang="zh-CN" sz="1600" dirty="0" err="1">
+                <a:solidFill>
+                  <a:schemeClr val="tx1"/>
+                </a:solidFill>
+                <a:latin typeface="Times New Roman" panose="02020603050405020304" pitchFamily="18" charset="0"/>
+                <a:cs typeface="Times New Roman" panose="02020603050405020304" pitchFamily="18" charset="0"/>
+              </a:rPr>
+              <a:t>HoitFS</a:t>
+            </a:r>
+            <a:r>
+              <a:rPr lang="en-US" altLang="zh-CN" sz="1600" dirty="0">
+                <a:solidFill>
+                  <a:schemeClr val="tx1"/>
+                </a:solidFill>
+                <a:latin typeface="Times New Roman" panose="02020603050405020304" pitchFamily="18" charset="0"/>
+                <a:cs typeface="Times New Roman" panose="02020603050405020304" pitchFamily="18" charset="0"/>
+              </a:rPr>
+              <a:t> </a:t>
+            </a:r>
+            <a:r>
+              <a:rPr lang="zh-CN" altLang="en-US" sz="1600" dirty="0">
+                <a:solidFill>
+                  <a:schemeClr val="tx1"/>
+                </a:solidFill>
+                <a:latin typeface="Times New Roman" panose="02020603050405020304" pitchFamily="18" charset="0"/>
+                <a:cs typeface="Times New Roman" panose="02020603050405020304" pitchFamily="18" charset="0"/>
+              </a:rPr>
+              <a:t>缓存层</a:t>
+            </a:r>
+          </a:p>
+        </p:txBody>
+      </p:sp>
+      <p:sp>
+        <p:nvSpPr>
+          <p:cNvPr id="9" name="矩形 8">
+            <a:extLst>
+              <a:ext uri="{FF2B5EF4-FFF2-40B4-BE49-F238E27FC236}">
+                <a16:creationId xmlns:a16="http://schemas.microsoft.com/office/drawing/2014/main" id="{E086177A-6046-4DE8-898E-101158B775F6}"/>
+              </a:ext>
+            </a:extLst>
+          </p:cNvPr>
+          <p:cNvSpPr/>
+          <p:nvPr/>
+        </p:nvSpPr>
+        <p:spPr>
+          <a:xfrm>
+            <a:off x="2747912" y="6035696"/>
+            <a:ext cx="6381943" cy="499620"/>
+          </a:xfrm>
+          <a:prstGeom prst="rect">
+            <a:avLst/>
+          </a:prstGeom>
+          <a:solidFill>
+            <a:srgbClr val="C4B7D7"/>
+          </a:solidFill>
+          <a:ln>
+            <a:solidFill>
+              <a:schemeClr val="tx1"/>
+            </a:solidFill>
+          </a:ln>
+        </p:spPr>
+        <p:style>
+          <a:lnRef idx="2">
+            <a:schemeClr val="accent1">
+              <a:shade val="50000"/>
+            </a:schemeClr>
+          </a:lnRef>
+          <a:fillRef idx="1">
+            <a:schemeClr val="accent1"/>
+          </a:fillRef>
+          <a:effectRef idx="0">
+            <a:schemeClr val="accent1"/>
+          </a:effectRef>
+          <a:fontRef idx="minor">
+            <a:schemeClr val="lt1"/>
+          </a:fontRef>
+        </p:style>
+        <p:txBody>
+          <a:bodyPr rtlCol="0" anchor="ctr"/>
+          <a:lstStyle/>
+          <a:p>
+            <a:pPr algn="ctr"/>
+            <a:r>
+              <a:rPr lang="en-US" altLang="zh-CN" sz="1600" dirty="0">
+                <a:solidFill>
+                  <a:schemeClr val="tx1"/>
+                </a:solidFill>
+                <a:latin typeface="Times New Roman" panose="02020603050405020304" pitchFamily="18" charset="0"/>
+                <a:cs typeface="Times New Roman" panose="02020603050405020304" pitchFamily="18" charset="0"/>
+              </a:rPr>
+              <a:t>Nor</a:t>
+            </a:r>
+            <a:r>
+              <a:rPr lang="zh-CN" altLang="en-US" sz="1600" dirty="0">
+                <a:solidFill>
+                  <a:schemeClr val="tx1"/>
+                </a:solidFill>
+                <a:latin typeface="Times New Roman" panose="02020603050405020304" pitchFamily="18" charset="0"/>
+                <a:cs typeface="Times New Roman" panose="02020603050405020304" pitchFamily="18" charset="0"/>
+              </a:rPr>
+              <a:t>驱动层</a:t>
+            </a:r>
+          </a:p>
+        </p:txBody>
+      </p:sp>
+      <p:cxnSp>
+        <p:nvCxnSpPr>
+          <p:cNvPr id="10" name="直接箭头连接符 9">
+            <a:extLst>
+              <a:ext uri="{FF2B5EF4-FFF2-40B4-BE49-F238E27FC236}">
+                <a16:creationId xmlns:a16="http://schemas.microsoft.com/office/drawing/2014/main" id="{CF950003-52CB-4813-82AD-536DB0844A46}"/>
+              </a:ext>
+            </a:extLst>
+          </p:cNvPr>
+          <p:cNvCxnSpPr>
+            <a:stCxn id="4" idx="2"/>
+            <a:endCxn id="5" idx="0"/>
+          </p:cNvCxnSpPr>
+          <p:nvPr/>
+        </p:nvCxnSpPr>
+        <p:spPr>
+          <a:xfrm>
+            <a:off x="5938887" y="777551"/>
+            <a:ext cx="0" cy="461915"/>
+          </a:xfrm>
+          <a:prstGeom prst="straightConnector1">
+            <a:avLst/>
+          </a:prstGeom>
+          <a:ln w="12700">
+            <a:headEnd type="triangle" w="med" len="med"/>
+            <a:tailEnd type="triangle" w="med" len="med"/>
+          </a:ln>
+        </p:spPr>
+        <p:style>
+          <a:lnRef idx="1">
+            <a:schemeClr val="dk1"/>
+          </a:lnRef>
+          <a:fillRef idx="0">
+            <a:schemeClr val="dk1"/>
+          </a:fillRef>
+          <a:effectRef idx="0">
+            <a:schemeClr val="dk1"/>
+          </a:effectRef>
+          <a:fontRef idx="minor">
+            <a:schemeClr val="tx1"/>
+          </a:fontRef>
+        </p:style>
+      </p:cxnSp>
+      <p:cxnSp>
+        <p:nvCxnSpPr>
+          <p:cNvPr id="11" name="直接箭头连接符 10">
+            <a:extLst>
+              <a:ext uri="{FF2B5EF4-FFF2-40B4-BE49-F238E27FC236}">
+                <a16:creationId xmlns:a16="http://schemas.microsoft.com/office/drawing/2014/main" id="{66ED633F-491A-40A2-91BA-F04FE34DE810}"/>
+              </a:ext>
+            </a:extLst>
+          </p:cNvPr>
+          <p:cNvCxnSpPr>
+            <a:cxnSpLocks/>
+            <a:stCxn id="5" idx="2"/>
+            <a:endCxn id="6" idx="0"/>
+          </p:cNvCxnSpPr>
+          <p:nvPr/>
+        </p:nvCxnSpPr>
+        <p:spPr>
+          <a:xfrm>
+            <a:off x="5938887" y="1739086"/>
+            <a:ext cx="0" cy="461915"/>
+          </a:xfrm>
+          <a:prstGeom prst="straightConnector1">
+            <a:avLst/>
+          </a:prstGeom>
+          <a:ln w="12700">
+            <a:headEnd type="triangle" w="med" len="med"/>
+            <a:tailEnd type="triangle" w="med" len="med"/>
+          </a:ln>
+        </p:spPr>
+        <p:style>
+          <a:lnRef idx="1">
+            <a:schemeClr val="dk1"/>
+          </a:lnRef>
+          <a:fillRef idx="0">
+            <a:schemeClr val="dk1"/>
+          </a:fillRef>
+          <a:effectRef idx="0">
+            <a:schemeClr val="dk1"/>
+          </a:effectRef>
+          <a:fontRef idx="minor">
+            <a:schemeClr val="tx1"/>
+          </a:fontRef>
+        </p:style>
+      </p:cxnSp>
+      <p:cxnSp>
+        <p:nvCxnSpPr>
+          <p:cNvPr id="12" name="直接箭头连接符 11">
+            <a:extLst>
+              <a:ext uri="{FF2B5EF4-FFF2-40B4-BE49-F238E27FC236}">
+                <a16:creationId xmlns:a16="http://schemas.microsoft.com/office/drawing/2014/main" id="{76A6C91D-67D4-4066-BB7C-9F884DEE08D6}"/>
+              </a:ext>
+            </a:extLst>
+          </p:cNvPr>
+          <p:cNvCxnSpPr>
+            <a:cxnSpLocks/>
+            <a:stCxn id="6" idx="2"/>
+            <a:endCxn id="7" idx="0"/>
+          </p:cNvCxnSpPr>
+          <p:nvPr/>
+        </p:nvCxnSpPr>
+        <p:spPr>
+          <a:xfrm flipH="1">
+            <a:off x="3397031" y="2700621"/>
+            <a:ext cx="2541856" cy="464460"/>
+          </a:xfrm>
+          <a:prstGeom prst="straightConnector1">
+            <a:avLst/>
+          </a:prstGeom>
+          <a:ln w="12700">
+            <a:headEnd type="oval" w="med" len="med"/>
+            <a:tailEnd type="triangle" w="med" len="med"/>
+          </a:ln>
+        </p:spPr>
+        <p:style>
+          <a:lnRef idx="1">
+            <a:schemeClr val="dk1"/>
+          </a:lnRef>
+          <a:fillRef idx="0">
+            <a:schemeClr val="dk1"/>
+          </a:fillRef>
+          <a:effectRef idx="0">
+            <a:schemeClr val="dk1"/>
+          </a:effectRef>
+          <a:fontRef idx="minor">
+            <a:schemeClr val="tx1"/>
+          </a:fontRef>
+        </p:style>
+      </p:cxnSp>
+      <p:cxnSp>
+        <p:nvCxnSpPr>
+          <p:cNvPr id="13" name="直接箭头连接符 12">
+            <a:extLst>
+              <a:ext uri="{FF2B5EF4-FFF2-40B4-BE49-F238E27FC236}">
+                <a16:creationId xmlns:a16="http://schemas.microsoft.com/office/drawing/2014/main" id="{18EEC8BB-C7B8-4FEB-9550-77AFEF121D66}"/>
+              </a:ext>
+            </a:extLst>
+          </p:cNvPr>
+          <p:cNvCxnSpPr>
+            <a:cxnSpLocks/>
+            <a:stCxn id="6" idx="2"/>
+            <a:endCxn id="15" idx="0"/>
+          </p:cNvCxnSpPr>
+          <p:nvPr/>
+        </p:nvCxnSpPr>
+        <p:spPr>
+          <a:xfrm>
+            <a:off x="5938887" y="2700621"/>
+            <a:ext cx="4059" cy="1419635"/>
+          </a:xfrm>
+          <a:prstGeom prst="straightConnector1">
+            <a:avLst/>
+          </a:prstGeom>
+          <a:ln w="12700">
+            <a:headEnd type="triangle" w="med" len="med"/>
+            <a:tailEnd type="triangle" w="med" len="med"/>
+          </a:ln>
+        </p:spPr>
+        <p:style>
+          <a:lnRef idx="1">
+            <a:schemeClr val="dk1"/>
+          </a:lnRef>
+          <a:fillRef idx="0">
+            <a:schemeClr val="dk1"/>
+          </a:fillRef>
+          <a:effectRef idx="0">
+            <a:schemeClr val="dk1"/>
+          </a:effectRef>
+          <a:fontRef idx="minor">
+            <a:schemeClr val="tx1"/>
+          </a:fontRef>
+        </p:style>
+      </p:cxnSp>
+      <p:cxnSp>
+        <p:nvCxnSpPr>
+          <p:cNvPr id="14" name="直接箭头连接符 13">
+            <a:extLst>
+              <a:ext uri="{FF2B5EF4-FFF2-40B4-BE49-F238E27FC236}">
+                <a16:creationId xmlns:a16="http://schemas.microsoft.com/office/drawing/2014/main" id="{34CFED8C-50F0-4648-B1A3-CD3AD1729374}"/>
+              </a:ext>
+            </a:extLst>
+          </p:cNvPr>
+          <p:cNvCxnSpPr>
+            <a:cxnSpLocks/>
+            <a:stCxn id="8" idx="2"/>
+            <a:endCxn id="9" idx="0"/>
+          </p:cNvCxnSpPr>
+          <p:nvPr/>
+        </p:nvCxnSpPr>
+        <p:spPr>
+          <a:xfrm flipH="1">
+            <a:off x="5938884" y="5577596"/>
+            <a:ext cx="1" cy="458100"/>
+          </a:xfrm>
+          <a:prstGeom prst="straightConnector1">
+            <a:avLst/>
+          </a:prstGeom>
+          <a:ln w="12700">
+            <a:headEnd type="triangle" w="med" len="med"/>
+            <a:tailEnd type="triangle" w="med" len="med"/>
+          </a:ln>
+        </p:spPr>
+        <p:style>
+          <a:lnRef idx="1">
+            <a:schemeClr val="dk1"/>
+          </a:lnRef>
+          <a:fillRef idx="0">
+            <a:schemeClr val="dk1"/>
+          </a:fillRef>
+          <a:effectRef idx="0">
+            <a:schemeClr val="dk1"/>
+          </a:effectRef>
+          <a:fontRef idx="minor">
+            <a:schemeClr val="tx1"/>
+          </a:fontRef>
+        </p:style>
+      </p:cxnSp>
+      <p:sp>
+        <p:nvSpPr>
+          <p:cNvPr id="15" name="矩形 14">
+            <a:extLst>
+              <a:ext uri="{FF2B5EF4-FFF2-40B4-BE49-F238E27FC236}">
+                <a16:creationId xmlns:a16="http://schemas.microsoft.com/office/drawing/2014/main" id="{D9DEA190-9F7D-4A5B-AF03-815FB8D417AB}"/>
+              </a:ext>
+            </a:extLst>
+          </p:cNvPr>
+          <p:cNvSpPr/>
+          <p:nvPr/>
+        </p:nvSpPr>
+        <p:spPr>
+          <a:xfrm>
+            <a:off x="2751974" y="4120256"/>
+            <a:ext cx="6381943" cy="499620"/>
+          </a:xfrm>
+          <a:prstGeom prst="rect">
+            <a:avLst/>
+          </a:prstGeom>
+          <a:noFill/>
+          <a:ln>
+            <a:solidFill>
+              <a:schemeClr val="tx1"/>
+            </a:solidFill>
+            <a:prstDash val="lgDash"/>
+          </a:ln>
+        </p:spPr>
+        <p:style>
+          <a:lnRef idx="2">
+            <a:schemeClr val="accent1">
+              <a:shade val="50000"/>
+            </a:schemeClr>
+          </a:lnRef>
+          <a:fillRef idx="1">
+            <a:schemeClr val="accent1"/>
+          </a:fillRef>
+          <a:effectRef idx="0">
+            <a:schemeClr val="accent1"/>
+          </a:effectRef>
+          <a:fontRef idx="minor">
+            <a:schemeClr val="lt1"/>
+          </a:fontRef>
+        </p:style>
+        <p:txBody>
+          <a:bodyPr rtlCol="0" anchor="ctr"/>
+          <a:lstStyle/>
+          <a:p>
+            <a:pPr algn="ctr"/>
+            <a:r>
+              <a:rPr lang="en-US" altLang="zh-CN" sz="1600" dirty="0" err="1">
+                <a:solidFill>
+                  <a:schemeClr val="tx1"/>
+                </a:solidFill>
+                <a:latin typeface="Times New Roman" panose="02020603050405020304" pitchFamily="18" charset="0"/>
+                <a:cs typeface="Times New Roman" panose="02020603050405020304" pitchFamily="18" charset="0"/>
+              </a:rPr>
+              <a:t>HoitFS</a:t>
+            </a:r>
+            <a:r>
+              <a:rPr lang="en-US" altLang="zh-CN" sz="1600" dirty="0">
+                <a:solidFill>
+                  <a:schemeClr val="tx1"/>
+                </a:solidFill>
+                <a:latin typeface="Times New Roman" panose="02020603050405020304" pitchFamily="18" charset="0"/>
+                <a:cs typeface="Times New Roman" panose="02020603050405020304" pitchFamily="18" charset="0"/>
+              </a:rPr>
+              <a:t> </a:t>
+            </a:r>
+            <a:r>
+              <a:rPr lang="zh-CN" altLang="en-US" sz="1600" dirty="0">
+                <a:solidFill>
+                  <a:schemeClr val="tx1"/>
+                </a:solidFill>
+                <a:latin typeface="Times New Roman" panose="02020603050405020304" pitchFamily="18" charset="0"/>
+                <a:cs typeface="Times New Roman" panose="02020603050405020304" pitchFamily="18" charset="0"/>
+              </a:rPr>
+              <a:t>日志</a:t>
+            </a:r>
+            <a:r>
+              <a:rPr lang="en-US" altLang="zh-CN" sz="1600" dirty="0">
+                <a:solidFill>
+                  <a:schemeClr val="tx1"/>
+                </a:solidFill>
+                <a:latin typeface="Times New Roman" panose="02020603050405020304" pitchFamily="18" charset="0"/>
+                <a:cs typeface="Times New Roman" panose="02020603050405020304" pitchFamily="18" charset="0"/>
+              </a:rPr>
+              <a:t>/</a:t>
+            </a:r>
+            <a:r>
+              <a:rPr lang="zh-CN" altLang="en-US" sz="1600" dirty="0">
+                <a:solidFill>
+                  <a:schemeClr val="tx1"/>
+                </a:solidFill>
+                <a:latin typeface="Times New Roman" panose="02020603050405020304" pitchFamily="18" charset="0"/>
+                <a:cs typeface="Times New Roman" panose="02020603050405020304" pitchFamily="18" charset="0"/>
+              </a:rPr>
+              <a:t>掉电保护层</a:t>
+            </a:r>
+            <a:r>
+              <a:rPr lang="en-US" altLang="zh-CN" sz="1600" dirty="0">
+                <a:solidFill>
+                  <a:schemeClr val="tx1"/>
+                </a:solidFill>
+                <a:latin typeface="Times New Roman" panose="02020603050405020304" pitchFamily="18" charset="0"/>
+                <a:cs typeface="Times New Roman" panose="02020603050405020304" pitchFamily="18" charset="0"/>
+              </a:rPr>
+              <a:t> </a:t>
+            </a:r>
+            <a:endParaRPr lang="zh-CN" altLang="en-US" sz="1600" dirty="0">
+              <a:solidFill>
+                <a:schemeClr val="tx1"/>
+              </a:solidFill>
+              <a:latin typeface="Times New Roman" panose="02020603050405020304" pitchFamily="18" charset="0"/>
+              <a:cs typeface="Times New Roman" panose="02020603050405020304" pitchFamily="18" charset="0"/>
+            </a:endParaRPr>
+          </a:p>
+        </p:txBody>
+      </p:sp>
+      <p:cxnSp>
+        <p:nvCxnSpPr>
+          <p:cNvPr id="16" name="直接箭头连接符 15">
+            <a:extLst>
+              <a:ext uri="{FF2B5EF4-FFF2-40B4-BE49-F238E27FC236}">
+                <a16:creationId xmlns:a16="http://schemas.microsoft.com/office/drawing/2014/main" id="{F8854BF8-892B-4B47-9725-5E63D9E4B101}"/>
+              </a:ext>
+            </a:extLst>
+          </p:cNvPr>
+          <p:cNvCxnSpPr>
+            <a:cxnSpLocks/>
+            <a:stCxn id="17" idx="1"/>
+            <a:endCxn id="7" idx="3"/>
+          </p:cNvCxnSpPr>
+          <p:nvPr/>
+        </p:nvCxnSpPr>
+        <p:spPr>
+          <a:xfrm flipH="1">
+            <a:off x="5224878" y="3414891"/>
+            <a:ext cx="1454564" cy="0"/>
+          </a:xfrm>
+          <a:prstGeom prst="straightConnector1">
+            <a:avLst/>
+          </a:prstGeom>
+          <a:ln w="12700">
+            <a:headEnd type="triangle" w="med" len="med"/>
+            <a:tailEnd type="none" w="med" len="med"/>
+          </a:ln>
+        </p:spPr>
+        <p:style>
+          <a:lnRef idx="1">
+            <a:schemeClr val="dk1"/>
+          </a:lnRef>
+          <a:fillRef idx="0">
+            <a:schemeClr val="dk1"/>
+          </a:fillRef>
+          <a:effectRef idx="0">
+            <a:schemeClr val="dk1"/>
+          </a:effectRef>
+          <a:fontRef idx="minor">
+            <a:schemeClr val="tx1"/>
+          </a:fontRef>
+        </p:style>
+      </p:cxnSp>
+      <p:sp>
+        <p:nvSpPr>
+          <p:cNvPr id="17" name="矩形 16">
+            <a:extLst>
+              <a:ext uri="{FF2B5EF4-FFF2-40B4-BE49-F238E27FC236}">
+                <a16:creationId xmlns:a16="http://schemas.microsoft.com/office/drawing/2014/main" id="{BF8F6FE6-488B-45FB-B575-BABBF7BB94E5}"/>
+              </a:ext>
+            </a:extLst>
+          </p:cNvPr>
+          <p:cNvSpPr/>
+          <p:nvPr/>
+        </p:nvSpPr>
+        <p:spPr>
+          <a:xfrm>
+            <a:off x="6679442" y="3165081"/>
+            <a:ext cx="3655694" cy="499620"/>
+          </a:xfrm>
+          <a:prstGeom prst="rect">
+            <a:avLst/>
+          </a:prstGeom>
+          <a:solidFill>
+            <a:srgbClr val="C4B7D7"/>
+          </a:solidFill>
+          <a:ln>
+            <a:solidFill>
+              <a:schemeClr val="tx1"/>
+            </a:solidFill>
+          </a:ln>
+        </p:spPr>
+        <p:style>
+          <a:lnRef idx="2">
+            <a:schemeClr val="accent1">
+              <a:shade val="50000"/>
+            </a:schemeClr>
+          </a:lnRef>
+          <a:fillRef idx="1">
+            <a:schemeClr val="accent1"/>
+          </a:fillRef>
+          <a:effectRef idx="0">
+            <a:schemeClr val="accent1"/>
+          </a:effectRef>
+          <a:fontRef idx="minor">
+            <a:schemeClr val="lt1"/>
+          </a:fontRef>
+        </p:style>
+        <p:txBody>
+          <a:bodyPr rtlCol="0" anchor="ctr"/>
+          <a:lstStyle/>
+          <a:p>
+            <a:pPr algn="ctr"/>
+            <a:r>
+              <a:rPr lang="en-US" altLang="zh-CN" sz="1600" dirty="0" err="1">
+                <a:solidFill>
+                  <a:schemeClr val="tx1"/>
+                </a:solidFill>
+                <a:latin typeface="Times New Roman" panose="02020603050405020304" pitchFamily="18" charset="0"/>
+                <a:cs typeface="Times New Roman" panose="02020603050405020304" pitchFamily="18" charset="0"/>
+              </a:rPr>
+              <a:t>HoitFS</a:t>
+            </a:r>
+            <a:r>
+              <a:rPr lang="en-US" altLang="zh-CN" sz="1600" dirty="0">
+                <a:solidFill>
+                  <a:schemeClr val="tx1"/>
+                </a:solidFill>
+                <a:latin typeface="Times New Roman" panose="02020603050405020304" pitchFamily="18" charset="0"/>
+                <a:cs typeface="Times New Roman" panose="02020603050405020304" pitchFamily="18" charset="0"/>
+              </a:rPr>
+              <a:t> </a:t>
+            </a:r>
+            <a:r>
+              <a:rPr lang="en-US" altLang="zh-CN" sz="1600" dirty="0" err="1">
+                <a:solidFill>
+                  <a:schemeClr val="tx1"/>
+                </a:solidFill>
+                <a:latin typeface="Times New Roman" panose="02020603050405020304" pitchFamily="18" charset="0"/>
+                <a:cs typeface="Times New Roman" panose="02020603050405020304" pitchFamily="18" charset="0"/>
+              </a:rPr>
+              <a:t>FragTree</a:t>
+            </a:r>
+            <a:r>
+              <a:rPr lang="en-US" altLang="zh-CN" sz="1600">
+                <a:solidFill>
+                  <a:schemeClr val="tx1"/>
+                </a:solidFill>
+                <a:latin typeface="Times New Roman" panose="02020603050405020304" pitchFamily="18" charset="0"/>
+                <a:cs typeface="Times New Roman" panose="02020603050405020304" pitchFamily="18" charset="0"/>
+              </a:rPr>
+              <a:t> </a:t>
+            </a:r>
+            <a:r>
+              <a:rPr lang="zh-CN" altLang="en-US" sz="1600">
+                <a:solidFill>
+                  <a:schemeClr val="tx1"/>
+                </a:solidFill>
+                <a:latin typeface="Times New Roman" panose="02020603050405020304" pitchFamily="18" charset="0"/>
+                <a:cs typeface="Times New Roman" panose="02020603050405020304" pitchFamily="18" charset="0"/>
+              </a:rPr>
+              <a:t>管理</a:t>
+            </a:r>
+            <a:r>
+              <a:rPr lang="zh-CN" altLang="en-US" sz="1600" dirty="0">
+                <a:solidFill>
+                  <a:schemeClr val="tx1"/>
+                </a:solidFill>
+                <a:latin typeface="Times New Roman" panose="02020603050405020304" pitchFamily="18" charset="0"/>
+                <a:cs typeface="Times New Roman" panose="02020603050405020304" pitchFamily="18" charset="0"/>
+              </a:rPr>
+              <a:t>层</a:t>
+            </a:r>
+          </a:p>
+        </p:txBody>
+      </p:sp>
+      <p:cxnSp>
+        <p:nvCxnSpPr>
+          <p:cNvPr id="18" name="直接箭头连接符 17">
+            <a:extLst>
+              <a:ext uri="{FF2B5EF4-FFF2-40B4-BE49-F238E27FC236}">
+                <a16:creationId xmlns:a16="http://schemas.microsoft.com/office/drawing/2014/main" id="{F0D1F52E-9332-4BC3-B21E-6A30CBBF571A}"/>
+              </a:ext>
+            </a:extLst>
+          </p:cNvPr>
+          <p:cNvCxnSpPr>
+            <a:cxnSpLocks/>
+            <a:stCxn id="17" idx="0"/>
+            <a:endCxn id="6" idx="2"/>
+          </p:cNvCxnSpPr>
+          <p:nvPr/>
+        </p:nvCxnSpPr>
+        <p:spPr>
+          <a:xfrm flipH="1" flipV="1">
+            <a:off x="5938887" y="2700621"/>
+            <a:ext cx="2568402" cy="464460"/>
+          </a:xfrm>
+          <a:prstGeom prst="straightConnector1">
+            <a:avLst/>
+          </a:prstGeom>
+          <a:ln w="12700">
+            <a:headEnd type="triangle" w="med" len="med"/>
+            <a:tailEnd type="oval" w="med" len="med"/>
+          </a:ln>
+        </p:spPr>
+        <p:style>
+          <a:lnRef idx="1">
+            <a:schemeClr val="dk1"/>
+          </a:lnRef>
+          <a:fillRef idx="0">
+            <a:schemeClr val="dk1"/>
+          </a:fillRef>
+          <a:effectRef idx="0">
+            <a:schemeClr val="dk1"/>
+          </a:effectRef>
+          <a:fontRef idx="minor">
+            <a:schemeClr val="tx1"/>
+          </a:fontRef>
+        </p:style>
+      </p:cxnSp>
+      <p:cxnSp>
+        <p:nvCxnSpPr>
+          <p:cNvPr id="19" name="直接箭头连接符 18">
+            <a:extLst>
+              <a:ext uri="{FF2B5EF4-FFF2-40B4-BE49-F238E27FC236}">
+                <a16:creationId xmlns:a16="http://schemas.microsoft.com/office/drawing/2014/main" id="{42F97013-691A-4A48-8587-72A2DA4C6621}"/>
+              </a:ext>
+            </a:extLst>
+          </p:cNvPr>
+          <p:cNvCxnSpPr>
+            <a:cxnSpLocks/>
+            <a:stCxn id="15" idx="2"/>
+            <a:endCxn id="8" idx="0"/>
+          </p:cNvCxnSpPr>
+          <p:nvPr/>
+        </p:nvCxnSpPr>
+        <p:spPr>
+          <a:xfrm flipH="1">
+            <a:off x="5938885" y="4619876"/>
+            <a:ext cx="4061" cy="458100"/>
+          </a:xfrm>
+          <a:prstGeom prst="straightConnector1">
+            <a:avLst/>
+          </a:prstGeom>
+          <a:ln w="12700">
+            <a:headEnd type="triangle" w="med" len="med"/>
+            <a:tailEnd type="triangle" w="med" len="med"/>
+          </a:ln>
+        </p:spPr>
+        <p:style>
+          <a:lnRef idx="1">
+            <a:schemeClr val="dk1"/>
+          </a:lnRef>
+          <a:fillRef idx="0">
+            <a:schemeClr val="dk1"/>
+          </a:fillRef>
+          <a:effectRef idx="0">
+            <a:schemeClr val="dk1"/>
+          </a:effectRef>
+          <a:fontRef idx="minor">
+            <a:schemeClr val="tx1"/>
+          </a:fontRef>
+        </p:style>
+      </p:cxnSp>
+    </p:spTree>
+    <p:extLst>
+      <p:ext uri="{BB962C8B-B14F-4D97-AF65-F5344CB8AC3E}">
+        <p14:creationId xmlns:p14="http://schemas.microsoft.com/office/powerpoint/2010/main" val="1845332767"/>
+      </p:ext>
+    </p:extLst>
+  </p:cSld>
+  <p:clrMapOvr>
+    <a:masterClrMapping/>
+  </p:clrMapOvr>
+</p:sld>
+</file>
+
+<file path=ppt/slides/slide13.xml><?xml version="1.0" encoding="utf-8"?>
+<p:sld xmlns:a="http://schemas.openxmlformats.org/drawingml/2006/main" xmlns:r="http://schemas.openxmlformats.org/officeDocument/2006/relationships" xmlns:p="http://schemas.openxmlformats.org/presentationml/2006/main">
+  <p:cSld>
+    <p:spTree>
+      <p:nvGrpSpPr>
+        <p:cNvPr id="1" name=""/>
+        <p:cNvGrpSpPr/>
+        <p:nvPr/>
+      </p:nvGrpSpPr>
+      <p:grpSpPr>
+        <a:xfrm>
+          <a:off x="0" y="0"/>
+          <a:ext cx="0" cy="0"/>
+          <a:chOff x="0" y="0"/>
+          <a:chExt cx="0" cy="0"/>
+        </a:xfrm>
+      </p:grpSpPr>
+      <p:grpSp>
+        <p:nvGrpSpPr>
+          <p:cNvPr id="4" name="组合 3">
+            <a:extLst>
+              <a:ext uri="{FF2B5EF4-FFF2-40B4-BE49-F238E27FC236}">
+                <a16:creationId xmlns:a16="http://schemas.microsoft.com/office/drawing/2014/main" id="{CF1CC5E8-58A0-48B4-9421-FFFC6D6C93B3}"/>
+              </a:ext>
+            </a:extLst>
+          </p:cNvPr>
+          <p:cNvGrpSpPr/>
+          <p:nvPr/>
+        </p:nvGrpSpPr>
+        <p:grpSpPr>
+          <a:xfrm>
+            <a:off x="373380" y="300307"/>
+            <a:ext cx="11445240" cy="6257385"/>
+            <a:chOff x="4075596" y="1106130"/>
+            <a:chExt cx="11445240" cy="6257385"/>
+          </a:xfrm>
+        </p:grpSpPr>
+        <p:cxnSp>
+          <p:nvCxnSpPr>
+            <p:cNvPr id="5" name="直接箭头连接符 4">
+              <a:extLst>
+                <a:ext uri="{FF2B5EF4-FFF2-40B4-BE49-F238E27FC236}">
+                  <a16:creationId xmlns:a16="http://schemas.microsoft.com/office/drawing/2014/main" id="{D75C3E9E-11BD-4B24-8BAA-378DFB5E624F}"/>
+                </a:ext>
+              </a:extLst>
+            </p:cNvPr>
+            <p:cNvCxnSpPr>
+              <a:cxnSpLocks/>
+              <a:endCxn id="11" idx="1"/>
+            </p:cNvCxnSpPr>
+            <p:nvPr/>
+          </p:nvCxnSpPr>
+          <p:spPr>
+            <a:xfrm>
+              <a:off x="4766122" y="6153439"/>
+              <a:ext cx="1827847" cy="2546"/>
+            </a:xfrm>
+            <a:prstGeom prst="straightConnector1">
+              <a:avLst/>
+            </a:prstGeom>
+            <a:ln w="12700">
+              <a:tailEnd type="triangle"/>
+            </a:ln>
+          </p:spPr>
+          <p:style>
+            <a:lnRef idx="1">
+              <a:schemeClr val="dk1"/>
+            </a:lnRef>
+            <a:fillRef idx="0">
+              <a:schemeClr val="dk1"/>
+            </a:fillRef>
+            <a:effectRef idx="0">
+              <a:schemeClr val="dk1"/>
+            </a:effectRef>
+            <a:fontRef idx="minor">
+              <a:schemeClr val="tx1"/>
+            </a:fontRef>
+          </p:style>
+        </p:cxnSp>
+        <p:sp>
+          <p:nvSpPr>
+            <p:cNvPr id="6" name="矩形 5">
+              <a:extLst>
+                <a:ext uri="{FF2B5EF4-FFF2-40B4-BE49-F238E27FC236}">
+                  <a16:creationId xmlns:a16="http://schemas.microsoft.com/office/drawing/2014/main" id="{44BEBED2-4163-44EC-8245-E7BE7788C080}"/>
+                </a:ext>
+              </a:extLst>
+            </p:cNvPr>
+            <p:cNvSpPr/>
+            <p:nvPr/>
+          </p:nvSpPr>
+          <p:spPr>
+            <a:xfrm>
+              <a:off x="4355412" y="2067666"/>
+              <a:ext cx="410710" cy="4338130"/>
+            </a:xfrm>
+            <a:prstGeom prst="rect">
+              <a:avLst/>
+            </a:prstGeom>
+            <a:solidFill>
+              <a:srgbClr val="222222"/>
+            </a:solidFill>
+          </p:spPr>
+          <p:style>
+            <a:lnRef idx="2">
+              <a:schemeClr val="accent1">
+                <a:shade val="50000"/>
+              </a:schemeClr>
+            </a:lnRef>
+            <a:fillRef idx="1">
+              <a:schemeClr val="accent1"/>
+            </a:fillRef>
+            <a:effectRef idx="0">
+              <a:schemeClr val="accent1"/>
+            </a:effectRef>
+            <a:fontRef idx="minor">
+              <a:schemeClr val="lt1"/>
+            </a:fontRef>
+          </p:style>
+          <p:txBody>
+            <a:bodyPr rtlCol="0" anchor="ctr"/>
+            <a:lstStyle/>
+            <a:p>
+              <a:pPr algn="ctr"/>
+              <a:r>
+                <a:rPr lang="zh-CN" altLang="en-US" b="1" dirty="0"/>
+                <a:t>垃圾回收</a:t>
+              </a:r>
+            </a:p>
+          </p:txBody>
+        </p:sp>
+        <p:sp>
+          <p:nvSpPr>
+            <p:cNvPr id="7" name="矩形 6">
+              <a:extLst>
+                <a:ext uri="{FF2B5EF4-FFF2-40B4-BE49-F238E27FC236}">
+                  <a16:creationId xmlns:a16="http://schemas.microsoft.com/office/drawing/2014/main" id="{8D153643-C7AC-41F6-ADF9-C413CD1F065C}"/>
+                </a:ext>
+              </a:extLst>
+            </p:cNvPr>
+            <p:cNvSpPr/>
+            <p:nvPr/>
+          </p:nvSpPr>
+          <p:spPr>
+            <a:xfrm>
+              <a:off x="6593971" y="1106130"/>
+              <a:ext cx="6381943" cy="499620"/>
+            </a:xfrm>
+            <a:prstGeom prst="rect">
+              <a:avLst/>
+            </a:prstGeom>
+            <a:solidFill>
+              <a:srgbClr val="222222"/>
+            </a:solidFill>
+            <a:ln>
+              <a:solidFill>
+                <a:srgbClr val="222222"/>
+              </a:solidFill>
+            </a:ln>
+          </p:spPr>
+          <p:style>
+            <a:lnRef idx="2">
+              <a:schemeClr val="accent1">
+                <a:shade val="50000"/>
+              </a:schemeClr>
+            </a:lnRef>
+            <a:fillRef idx="1">
+              <a:schemeClr val="accent1"/>
+            </a:fillRef>
+            <a:effectRef idx="0">
+              <a:schemeClr val="accent1"/>
+            </a:effectRef>
+            <a:fontRef idx="minor">
+              <a:schemeClr val="lt1"/>
+            </a:fontRef>
+          </p:style>
+          <p:txBody>
+            <a:bodyPr rtlCol="0" anchor="ctr"/>
+            <a:lstStyle/>
+            <a:p>
+              <a:pPr algn="ctr"/>
+              <a:r>
+                <a:rPr lang="en-US" altLang="zh-CN" sz="1600" dirty="0" err="1">
+                  <a:solidFill>
+                    <a:schemeClr val="bg1"/>
+                  </a:solidFill>
+                  <a:latin typeface="Times New Roman" panose="02020603050405020304" pitchFamily="18" charset="0"/>
+                  <a:cs typeface="Times New Roman" panose="02020603050405020304" pitchFamily="18" charset="0"/>
+                </a:rPr>
+                <a:t>SylixOS</a:t>
+              </a:r>
+              <a:r>
+                <a:rPr lang="zh-CN" altLang="en-US" sz="1600" dirty="0">
+                  <a:solidFill>
+                    <a:schemeClr val="bg1"/>
+                  </a:solidFill>
+                  <a:latin typeface="Times New Roman" panose="02020603050405020304" pitchFamily="18" charset="0"/>
+                  <a:cs typeface="Times New Roman" panose="02020603050405020304" pitchFamily="18" charset="0"/>
+                </a:rPr>
+                <a:t>层</a:t>
+              </a:r>
+            </a:p>
+          </p:txBody>
+        </p:sp>
+        <p:sp>
+          <p:nvSpPr>
+            <p:cNvPr id="8" name="矩形 7">
+              <a:extLst>
+                <a:ext uri="{FF2B5EF4-FFF2-40B4-BE49-F238E27FC236}">
+                  <a16:creationId xmlns:a16="http://schemas.microsoft.com/office/drawing/2014/main" id="{6731A6AB-55DE-41AA-BE20-63B0628C405D}"/>
+                </a:ext>
+              </a:extLst>
+            </p:cNvPr>
+            <p:cNvSpPr/>
+            <p:nvPr/>
+          </p:nvSpPr>
+          <p:spPr>
+            <a:xfrm>
+              <a:off x="6593971" y="2067665"/>
+              <a:ext cx="6381943" cy="499620"/>
+            </a:xfrm>
+            <a:prstGeom prst="rect">
+              <a:avLst/>
+            </a:prstGeom>
+            <a:solidFill>
+              <a:srgbClr val="215CC1"/>
+            </a:solidFill>
+            <a:ln>
+              <a:solidFill>
+                <a:schemeClr val="tx1"/>
+              </a:solidFill>
+            </a:ln>
+          </p:spPr>
+          <p:style>
+            <a:lnRef idx="2">
+              <a:schemeClr val="accent1">
+                <a:shade val="50000"/>
+              </a:schemeClr>
+            </a:lnRef>
+            <a:fillRef idx="1">
+              <a:schemeClr val="accent1"/>
+            </a:fillRef>
+            <a:effectRef idx="0">
+              <a:schemeClr val="accent1"/>
+            </a:effectRef>
+            <a:fontRef idx="minor">
+              <a:schemeClr val="lt1"/>
+            </a:fontRef>
+          </p:style>
+          <p:txBody>
+            <a:bodyPr rtlCol="0" anchor="ctr"/>
+            <a:lstStyle/>
+            <a:p>
+              <a:pPr algn="ctr"/>
+              <a:r>
+                <a:rPr lang="en-US" altLang="zh-CN" sz="1600" dirty="0" err="1">
+                  <a:solidFill>
+                    <a:schemeClr val="bg1"/>
+                  </a:solidFill>
+                  <a:latin typeface="Times New Roman" panose="02020603050405020304" pitchFamily="18" charset="0"/>
+                  <a:cs typeface="Times New Roman" panose="02020603050405020304" pitchFamily="18" charset="0"/>
+                </a:rPr>
+                <a:t>HoitFS</a:t>
+              </a:r>
+              <a:r>
+                <a:rPr lang="zh-CN" altLang="en-US" sz="1600" dirty="0">
+                  <a:solidFill>
+                    <a:schemeClr val="bg1"/>
+                  </a:solidFill>
+                  <a:latin typeface="Times New Roman" panose="02020603050405020304" pitchFamily="18" charset="0"/>
+                  <a:cs typeface="Times New Roman" panose="02020603050405020304" pitchFamily="18" charset="0"/>
+                </a:rPr>
+                <a:t>接口层</a:t>
+              </a:r>
+            </a:p>
+          </p:txBody>
+        </p:sp>
+        <p:sp>
+          <p:nvSpPr>
+            <p:cNvPr id="9" name="矩形 8">
+              <a:extLst>
+                <a:ext uri="{FF2B5EF4-FFF2-40B4-BE49-F238E27FC236}">
+                  <a16:creationId xmlns:a16="http://schemas.microsoft.com/office/drawing/2014/main" id="{806E7C60-4487-44B0-B8F0-6006AE6C19E8}"/>
+                </a:ext>
+              </a:extLst>
+            </p:cNvPr>
+            <p:cNvSpPr/>
+            <p:nvPr/>
+          </p:nvSpPr>
+          <p:spPr>
+            <a:xfrm>
+              <a:off x="6593971" y="3029200"/>
+              <a:ext cx="6381943" cy="499620"/>
+            </a:xfrm>
+            <a:prstGeom prst="rect">
+              <a:avLst/>
+            </a:prstGeom>
+            <a:solidFill>
+              <a:srgbClr val="215CC1"/>
+            </a:solidFill>
+            <a:ln>
+              <a:solidFill>
+                <a:schemeClr val="tx1"/>
+              </a:solidFill>
+            </a:ln>
+          </p:spPr>
+          <p:style>
+            <a:lnRef idx="2">
+              <a:schemeClr val="accent1">
+                <a:shade val="50000"/>
+              </a:schemeClr>
+            </a:lnRef>
+            <a:fillRef idx="1">
+              <a:schemeClr val="accent1"/>
+            </a:fillRef>
+            <a:effectRef idx="0">
+              <a:schemeClr val="accent1"/>
+            </a:effectRef>
+            <a:fontRef idx="minor">
+              <a:schemeClr val="lt1"/>
+            </a:fontRef>
+          </p:style>
+          <p:txBody>
+            <a:bodyPr rtlCol="0" anchor="ctr"/>
+            <a:lstStyle/>
+            <a:p>
+              <a:pPr algn="ctr"/>
+              <a:r>
+                <a:rPr lang="en-US" altLang="zh-CN" sz="1600" dirty="0" err="1">
+                  <a:solidFill>
+                    <a:schemeClr val="bg1"/>
+                  </a:solidFill>
+                  <a:latin typeface="Times New Roman" panose="02020603050405020304" pitchFamily="18" charset="0"/>
+                  <a:cs typeface="Times New Roman" panose="02020603050405020304" pitchFamily="18" charset="0"/>
+                </a:rPr>
+                <a:t>HoitFS</a:t>
+              </a:r>
+              <a:r>
+                <a:rPr lang="zh-CN" altLang="en-US" sz="1600" dirty="0">
+                  <a:solidFill>
+                    <a:schemeClr val="bg1"/>
+                  </a:solidFill>
+                  <a:latin typeface="Times New Roman" panose="02020603050405020304" pitchFamily="18" charset="0"/>
+                  <a:cs typeface="Times New Roman" panose="02020603050405020304" pitchFamily="18" charset="0"/>
+                </a:rPr>
+                <a:t>逻辑层</a:t>
+              </a:r>
+              <a:r>
+                <a:rPr lang="en-US" altLang="zh-CN" sz="1600" dirty="0">
+                  <a:solidFill>
+                    <a:schemeClr val="bg1"/>
+                  </a:solidFill>
+                  <a:latin typeface="Times New Roman" panose="02020603050405020304" pitchFamily="18" charset="0"/>
+                  <a:cs typeface="Times New Roman" panose="02020603050405020304" pitchFamily="18" charset="0"/>
+                </a:rPr>
+                <a:t>/</a:t>
+              </a:r>
+              <a:r>
+                <a:rPr lang="zh-CN" altLang="en-US" sz="1600" dirty="0">
+                  <a:solidFill>
+                    <a:schemeClr val="bg1"/>
+                  </a:solidFill>
+                  <a:latin typeface="Times New Roman" panose="02020603050405020304" pitchFamily="18" charset="0"/>
+                  <a:cs typeface="Times New Roman" panose="02020603050405020304" pitchFamily="18" charset="0"/>
+                </a:rPr>
+                <a:t>实现层</a:t>
+              </a:r>
+            </a:p>
+          </p:txBody>
+        </p:sp>
+        <p:sp>
+          <p:nvSpPr>
+            <p:cNvPr id="10" name="矩形 9">
+              <a:extLst>
+                <a:ext uri="{FF2B5EF4-FFF2-40B4-BE49-F238E27FC236}">
+                  <a16:creationId xmlns:a16="http://schemas.microsoft.com/office/drawing/2014/main" id="{B67303C0-4604-4CF6-9845-AC8D3212403A}"/>
+                </a:ext>
+              </a:extLst>
+            </p:cNvPr>
+            <p:cNvSpPr/>
+            <p:nvPr/>
+          </p:nvSpPr>
+          <p:spPr>
+            <a:xfrm>
+              <a:off x="5415240" y="3993280"/>
+              <a:ext cx="3655694" cy="499620"/>
+            </a:xfrm>
+            <a:prstGeom prst="rect">
+              <a:avLst/>
+            </a:prstGeom>
+            <a:solidFill>
+              <a:srgbClr val="215CC1"/>
+            </a:solidFill>
+            <a:ln>
+              <a:solidFill>
+                <a:schemeClr val="tx1"/>
+              </a:solidFill>
+            </a:ln>
+          </p:spPr>
+          <p:style>
+            <a:lnRef idx="2">
+              <a:schemeClr val="accent1">
+                <a:shade val="50000"/>
+              </a:schemeClr>
+            </a:lnRef>
+            <a:fillRef idx="1">
+              <a:schemeClr val="accent1"/>
+            </a:fillRef>
+            <a:effectRef idx="0">
+              <a:schemeClr val="accent1"/>
+            </a:effectRef>
+            <a:fontRef idx="minor">
+              <a:schemeClr val="lt1"/>
+            </a:fontRef>
+          </p:style>
+          <p:txBody>
+            <a:bodyPr rtlCol="0" anchor="ctr"/>
+            <a:lstStyle/>
+            <a:p>
+              <a:pPr algn="ctr"/>
+              <a:r>
+                <a:rPr lang="en-US" altLang="zh-CN" sz="1600" dirty="0" err="1">
+                  <a:solidFill>
+                    <a:schemeClr val="bg1"/>
+                  </a:solidFill>
+                  <a:latin typeface="Times New Roman" panose="02020603050405020304" pitchFamily="18" charset="0"/>
+                  <a:cs typeface="Times New Roman" panose="02020603050405020304" pitchFamily="18" charset="0"/>
+                </a:rPr>
+                <a:t>HoitFS</a:t>
+              </a:r>
+              <a:r>
+                <a:rPr lang="en-US" altLang="zh-CN" sz="1600" dirty="0">
+                  <a:solidFill>
+                    <a:schemeClr val="bg1"/>
+                  </a:solidFill>
+                  <a:latin typeface="Times New Roman" panose="02020603050405020304" pitchFamily="18" charset="0"/>
+                  <a:cs typeface="Times New Roman" panose="02020603050405020304" pitchFamily="18" charset="0"/>
+                </a:rPr>
+                <a:t> Full </a:t>
+              </a:r>
+              <a:r>
+                <a:rPr lang="en-US" altLang="zh-CN" sz="1600" dirty="0" err="1">
+                  <a:solidFill>
+                    <a:schemeClr val="bg1"/>
+                  </a:solidFill>
+                  <a:latin typeface="Times New Roman" panose="02020603050405020304" pitchFamily="18" charset="0"/>
+                  <a:cs typeface="Times New Roman" panose="02020603050405020304" pitchFamily="18" charset="0"/>
+                </a:rPr>
+                <a:t>Dnode</a:t>
+              </a:r>
+              <a:r>
+                <a:rPr lang="en-US" altLang="zh-CN" sz="1600" dirty="0">
+                  <a:solidFill>
+                    <a:schemeClr val="bg1"/>
+                  </a:solidFill>
+                  <a:latin typeface="Times New Roman" panose="02020603050405020304" pitchFamily="18" charset="0"/>
+                  <a:cs typeface="Times New Roman" panose="02020603050405020304" pitchFamily="18" charset="0"/>
+                </a:rPr>
+                <a:t> </a:t>
+              </a:r>
+              <a:r>
+                <a:rPr lang="zh-CN" altLang="en-US" sz="1600" dirty="0">
+                  <a:solidFill>
+                    <a:schemeClr val="bg1"/>
+                  </a:solidFill>
+                  <a:latin typeface="Times New Roman" panose="02020603050405020304" pitchFamily="18" charset="0"/>
+                  <a:cs typeface="Times New Roman" panose="02020603050405020304" pitchFamily="18" charset="0"/>
+                </a:rPr>
+                <a:t>管理层</a:t>
+              </a:r>
+            </a:p>
+          </p:txBody>
+        </p:sp>
+        <p:sp>
+          <p:nvSpPr>
+            <p:cNvPr id="11" name="矩形 10">
+              <a:extLst>
+                <a:ext uri="{FF2B5EF4-FFF2-40B4-BE49-F238E27FC236}">
+                  <a16:creationId xmlns:a16="http://schemas.microsoft.com/office/drawing/2014/main" id="{00992A46-DA92-4CB3-8857-E4E4E8EF8658}"/>
+                </a:ext>
+              </a:extLst>
+            </p:cNvPr>
+            <p:cNvSpPr/>
+            <p:nvPr/>
+          </p:nvSpPr>
+          <p:spPr>
+            <a:xfrm>
+              <a:off x="6593969" y="5906175"/>
+              <a:ext cx="6381943" cy="499620"/>
+            </a:xfrm>
+            <a:prstGeom prst="rect">
+              <a:avLst/>
+            </a:prstGeom>
+            <a:solidFill>
+              <a:srgbClr val="215CC1"/>
+            </a:solidFill>
+            <a:ln>
+              <a:solidFill>
+                <a:schemeClr val="tx1"/>
+              </a:solidFill>
+            </a:ln>
+          </p:spPr>
+          <p:style>
+            <a:lnRef idx="2">
+              <a:schemeClr val="accent1">
+                <a:shade val="50000"/>
+              </a:schemeClr>
+            </a:lnRef>
+            <a:fillRef idx="1">
+              <a:schemeClr val="accent1"/>
+            </a:fillRef>
+            <a:effectRef idx="0">
+              <a:schemeClr val="accent1"/>
+            </a:effectRef>
+            <a:fontRef idx="minor">
+              <a:schemeClr val="lt1"/>
+            </a:fontRef>
+          </p:style>
+          <p:txBody>
+            <a:bodyPr rtlCol="0" anchor="ctr"/>
+            <a:lstStyle/>
+            <a:p>
+              <a:pPr algn="ctr"/>
+              <a:r>
+                <a:rPr lang="en-US" altLang="zh-CN" sz="1600" dirty="0" err="1">
+                  <a:solidFill>
+                    <a:schemeClr val="bg1"/>
+                  </a:solidFill>
+                  <a:latin typeface="Times New Roman" panose="02020603050405020304" pitchFamily="18" charset="0"/>
+                  <a:cs typeface="Times New Roman" panose="02020603050405020304" pitchFamily="18" charset="0"/>
+                </a:rPr>
+                <a:t>HoitFS</a:t>
+              </a:r>
+              <a:r>
+                <a:rPr lang="en-US" altLang="zh-CN" sz="1600" dirty="0">
+                  <a:solidFill>
+                    <a:schemeClr val="bg1"/>
+                  </a:solidFill>
+                  <a:latin typeface="Times New Roman" panose="02020603050405020304" pitchFamily="18" charset="0"/>
+                  <a:cs typeface="Times New Roman" panose="02020603050405020304" pitchFamily="18" charset="0"/>
+                </a:rPr>
+                <a:t> </a:t>
+              </a:r>
+              <a:r>
+                <a:rPr lang="zh-CN" altLang="en-US" sz="1600" dirty="0">
+                  <a:solidFill>
+                    <a:schemeClr val="bg1"/>
+                  </a:solidFill>
+                  <a:latin typeface="Times New Roman" panose="02020603050405020304" pitchFamily="18" charset="0"/>
+                  <a:cs typeface="Times New Roman" panose="02020603050405020304" pitchFamily="18" charset="0"/>
+                </a:rPr>
+                <a:t>缓存层</a:t>
+              </a:r>
+            </a:p>
+          </p:txBody>
+        </p:sp>
+        <p:sp>
+          <p:nvSpPr>
+            <p:cNvPr id="12" name="矩形 11">
+              <a:extLst>
+                <a:ext uri="{FF2B5EF4-FFF2-40B4-BE49-F238E27FC236}">
+                  <a16:creationId xmlns:a16="http://schemas.microsoft.com/office/drawing/2014/main" id="{14184AEE-0564-464F-B098-8AE6FF334A1F}"/>
+                </a:ext>
+              </a:extLst>
+            </p:cNvPr>
+            <p:cNvSpPr/>
+            <p:nvPr/>
+          </p:nvSpPr>
+          <p:spPr>
+            <a:xfrm>
+              <a:off x="6593968" y="6863895"/>
+              <a:ext cx="6381943" cy="499620"/>
+            </a:xfrm>
+            <a:prstGeom prst="rect">
+              <a:avLst/>
+            </a:prstGeom>
+            <a:solidFill>
+              <a:srgbClr val="215CC1"/>
+            </a:solidFill>
+            <a:ln>
+              <a:solidFill>
+                <a:schemeClr val="tx1"/>
+              </a:solidFill>
+            </a:ln>
+          </p:spPr>
+          <p:style>
+            <a:lnRef idx="2">
+              <a:schemeClr val="accent1">
+                <a:shade val="50000"/>
+              </a:schemeClr>
+            </a:lnRef>
+            <a:fillRef idx="1">
+              <a:schemeClr val="accent1"/>
+            </a:fillRef>
+            <a:effectRef idx="0">
+              <a:schemeClr val="accent1"/>
+            </a:effectRef>
+            <a:fontRef idx="minor">
+              <a:schemeClr val="lt1"/>
+            </a:fontRef>
+          </p:style>
+          <p:txBody>
+            <a:bodyPr rtlCol="0" anchor="ctr"/>
+            <a:lstStyle/>
+            <a:p>
+              <a:pPr algn="ctr"/>
+              <a:r>
+                <a:rPr lang="en-US" altLang="zh-CN" sz="1600" dirty="0">
+                  <a:solidFill>
+                    <a:schemeClr val="bg1"/>
+                  </a:solidFill>
+                  <a:latin typeface="Times New Roman" panose="02020603050405020304" pitchFamily="18" charset="0"/>
+                  <a:cs typeface="Times New Roman" panose="02020603050405020304" pitchFamily="18" charset="0"/>
+                </a:rPr>
+                <a:t>Nor</a:t>
+              </a:r>
+              <a:r>
+                <a:rPr lang="zh-CN" altLang="en-US" sz="1600" dirty="0">
+                  <a:solidFill>
+                    <a:schemeClr val="bg1"/>
+                  </a:solidFill>
+                  <a:latin typeface="Times New Roman" panose="02020603050405020304" pitchFamily="18" charset="0"/>
+                  <a:cs typeface="Times New Roman" panose="02020603050405020304" pitchFamily="18" charset="0"/>
+                </a:rPr>
+                <a:t>驱动层</a:t>
+              </a:r>
+            </a:p>
+          </p:txBody>
+        </p:sp>
+        <p:cxnSp>
+          <p:nvCxnSpPr>
+            <p:cNvPr id="13" name="直接箭头连接符 12">
+              <a:extLst>
+                <a:ext uri="{FF2B5EF4-FFF2-40B4-BE49-F238E27FC236}">
+                  <a16:creationId xmlns:a16="http://schemas.microsoft.com/office/drawing/2014/main" id="{527EC899-905C-4971-B1EE-CC4B6F95BD77}"/>
+                </a:ext>
+              </a:extLst>
+            </p:cNvPr>
+            <p:cNvCxnSpPr>
+              <a:stCxn id="7" idx="2"/>
+              <a:endCxn id="8" idx="0"/>
+            </p:cNvCxnSpPr>
+            <p:nvPr/>
+          </p:nvCxnSpPr>
+          <p:spPr>
+            <a:xfrm>
+              <a:off x="9784943" y="1605750"/>
+              <a:ext cx="0" cy="461915"/>
+            </a:xfrm>
+            <a:prstGeom prst="straightConnector1">
+              <a:avLst/>
+            </a:prstGeom>
+            <a:ln w="12700">
+              <a:headEnd type="triangle" w="med" len="med"/>
+              <a:tailEnd type="triangle" w="med" len="med"/>
+            </a:ln>
+          </p:spPr>
+          <p:style>
+            <a:lnRef idx="1">
+              <a:schemeClr val="dk1"/>
+            </a:lnRef>
+            <a:fillRef idx="0">
+              <a:schemeClr val="dk1"/>
+            </a:fillRef>
+            <a:effectRef idx="0">
+              <a:schemeClr val="dk1"/>
+            </a:effectRef>
+            <a:fontRef idx="minor">
+              <a:schemeClr val="tx1"/>
+            </a:fontRef>
+          </p:style>
+        </p:cxnSp>
+        <p:cxnSp>
+          <p:nvCxnSpPr>
+            <p:cNvPr id="14" name="直接箭头连接符 13">
+              <a:extLst>
+                <a:ext uri="{FF2B5EF4-FFF2-40B4-BE49-F238E27FC236}">
+                  <a16:creationId xmlns:a16="http://schemas.microsoft.com/office/drawing/2014/main" id="{615CADC4-F38B-4E2B-B230-2BB05A5EE52E}"/>
+                </a:ext>
+              </a:extLst>
+            </p:cNvPr>
+            <p:cNvCxnSpPr>
+              <a:cxnSpLocks/>
+              <a:stCxn id="8" idx="2"/>
+              <a:endCxn id="9" idx="0"/>
+            </p:cNvCxnSpPr>
+            <p:nvPr/>
+          </p:nvCxnSpPr>
+          <p:spPr>
+            <a:xfrm>
+              <a:off x="9784943" y="2567285"/>
+              <a:ext cx="0" cy="461915"/>
+            </a:xfrm>
+            <a:prstGeom prst="straightConnector1">
+              <a:avLst/>
+            </a:prstGeom>
+            <a:ln w="12700">
+              <a:headEnd type="triangle" w="med" len="med"/>
+              <a:tailEnd type="triangle" w="med" len="med"/>
+            </a:ln>
+          </p:spPr>
+          <p:style>
+            <a:lnRef idx="1">
+              <a:schemeClr val="dk1"/>
+            </a:lnRef>
+            <a:fillRef idx="0">
+              <a:schemeClr val="dk1"/>
+            </a:fillRef>
+            <a:effectRef idx="0">
+              <a:schemeClr val="dk1"/>
+            </a:effectRef>
+            <a:fontRef idx="minor">
+              <a:schemeClr val="tx1"/>
+            </a:fontRef>
+          </p:style>
+        </p:cxnSp>
+        <p:cxnSp>
+          <p:nvCxnSpPr>
+            <p:cNvPr id="15" name="直接箭头连接符 14">
+              <a:extLst>
+                <a:ext uri="{FF2B5EF4-FFF2-40B4-BE49-F238E27FC236}">
+                  <a16:creationId xmlns:a16="http://schemas.microsoft.com/office/drawing/2014/main" id="{89919CE3-F35C-4F3F-8588-1A3E03871C7D}"/>
+                </a:ext>
+              </a:extLst>
+            </p:cNvPr>
+            <p:cNvCxnSpPr>
+              <a:cxnSpLocks/>
+              <a:stCxn id="9" idx="2"/>
+              <a:endCxn id="10" idx="0"/>
+            </p:cNvCxnSpPr>
+            <p:nvPr/>
+          </p:nvCxnSpPr>
+          <p:spPr>
+            <a:xfrm flipH="1">
+              <a:off x="7243087" y="3528820"/>
+              <a:ext cx="2541856" cy="464460"/>
+            </a:xfrm>
+            <a:prstGeom prst="straightConnector1">
+              <a:avLst/>
+            </a:prstGeom>
+            <a:ln w="12700">
+              <a:headEnd type="oval" w="med" len="med"/>
+              <a:tailEnd type="triangle" w="med" len="med"/>
+            </a:ln>
+          </p:spPr>
+          <p:style>
+            <a:lnRef idx="1">
+              <a:schemeClr val="dk1"/>
+            </a:lnRef>
+            <a:fillRef idx="0">
+              <a:schemeClr val="dk1"/>
+            </a:fillRef>
+            <a:effectRef idx="0">
+              <a:schemeClr val="dk1"/>
+            </a:effectRef>
+            <a:fontRef idx="minor">
+              <a:schemeClr val="tx1"/>
+            </a:fontRef>
+          </p:style>
+        </p:cxnSp>
+        <p:cxnSp>
+          <p:nvCxnSpPr>
+            <p:cNvPr id="16" name="直接箭头连接符 15">
+              <a:extLst>
+                <a:ext uri="{FF2B5EF4-FFF2-40B4-BE49-F238E27FC236}">
+                  <a16:creationId xmlns:a16="http://schemas.microsoft.com/office/drawing/2014/main" id="{ADCC5232-DE1D-4BC4-8A8F-2119A5BF74B4}"/>
+                </a:ext>
+              </a:extLst>
+            </p:cNvPr>
+            <p:cNvCxnSpPr>
+              <a:cxnSpLocks/>
+              <a:stCxn id="9" idx="2"/>
+              <a:endCxn id="18" idx="0"/>
+            </p:cNvCxnSpPr>
+            <p:nvPr/>
+          </p:nvCxnSpPr>
+          <p:spPr>
+            <a:xfrm>
+              <a:off x="9784943" y="3528820"/>
+              <a:ext cx="4059" cy="1419635"/>
+            </a:xfrm>
+            <a:prstGeom prst="straightConnector1">
+              <a:avLst/>
+            </a:prstGeom>
+            <a:ln w="12700">
+              <a:headEnd type="triangle" w="med" len="med"/>
+              <a:tailEnd type="triangle" w="med" len="med"/>
+            </a:ln>
+          </p:spPr>
+          <p:style>
+            <a:lnRef idx="1">
+              <a:schemeClr val="dk1"/>
+            </a:lnRef>
+            <a:fillRef idx="0">
+              <a:schemeClr val="dk1"/>
+            </a:fillRef>
+            <a:effectRef idx="0">
+              <a:schemeClr val="dk1"/>
+            </a:effectRef>
+            <a:fontRef idx="minor">
+              <a:schemeClr val="tx1"/>
+            </a:fontRef>
+          </p:style>
+        </p:cxnSp>
+        <p:cxnSp>
+          <p:nvCxnSpPr>
+            <p:cNvPr id="17" name="直接箭头连接符 16">
+              <a:extLst>
+                <a:ext uri="{FF2B5EF4-FFF2-40B4-BE49-F238E27FC236}">
+                  <a16:creationId xmlns:a16="http://schemas.microsoft.com/office/drawing/2014/main" id="{AB47D66E-D5D3-4327-837C-4ACF6502B692}"/>
+                </a:ext>
+              </a:extLst>
+            </p:cNvPr>
+            <p:cNvCxnSpPr>
+              <a:cxnSpLocks/>
+              <a:stCxn id="11" idx="2"/>
+              <a:endCxn id="12" idx="0"/>
+            </p:cNvCxnSpPr>
+            <p:nvPr/>
+          </p:nvCxnSpPr>
+          <p:spPr>
+            <a:xfrm flipH="1">
+              <a:off x="9784940" y="6405795"/>
+              <a:ext cx="1" cy="458100"/>
+            </a:xfrm>
+            <a:prstGeom prst="straightConnector1">
+              <a:avLst/>
+            </a:prstGeom>
+            <a:ln w="12700">
+              <a:headEnd type="triangle" w="med" len="med"/>
+              <a:tailEnd type="triangle" w="med" len="med"/>
+            </a:ln>
+          </p:spPr>
+          <p:style>
+            <a:lnRef idx="1">
+              <a:schemeClr val="dk1"/>
+            </a:lnRef>
+            <a:fillRef idx="0">
+              <a:schemeClr val="dk1"/>
+            </a:fillRef>
+            <a:effectRef idx="0">
+              <a:schemeClr val="dk1"/>
+            </a:effectRef>
+            <a:fontRef idx="minor">
+              <a:schemeClr val="tx1"/>
+            </a:fontRef>
+          </p:style>
+        </p:cxnSp>
+        <p:sp>
+          <p:nvSpPr>
+            <p:cNvPr id="18" name="矩形 17">
+              <a:extLst>
+                <a:ext uri="{FF2B5EF4-FFF2-40B4-BE49-F238E27FC236}">
+                  <a16:creationId xmlns:a16="http://schemas.microsoft.com/office/drawing/2014/main" id="{2F4A7ABD-260B-46C2-81A6-EB4B9199307B}"/>
+                </a:ext>
+              </a:extLst>
+            </p:cNvPr>
+            <p:cNvSpPr/>
+            <p:nvPr/>
+          </p:nvSpPr>
+          <p:spPr>
+            <a:xfrm>
+              <a:off x="6598030" y="4948455"/>
+              <a:ext cx="6381943" cy="499620"/>
+            </a:xfrm>
+            <a:prstGeom prst="rect">
+              <a:avLst/>
+            </a:prstGeom>
+            <a:solidFill>
+              <a:srgbClr val="6DB015"/>
+            </a:solidFill>
+            <a:ln>
+              <a:solidFill>
+                <a:schemeClr val="tx1"/>
+              </a:solidFill>
+              <a:prstDash val="lgDash"/>
+            </a:ln>
+          </p:spPr>
+          <p:style>
+            <a:lnRef idx="2">
+              <a:schemeClr val="accent1">
+                <a:shade val="50000"/>
+              </a:schemeClr>
+            </a:lnRef>
+            <a:fillRef idx="1">
+              <a:schemeClr val="accent1"/>
+            </a:fillRef>
+            <a:effectRef idx="0">
+              <a:schemeClr val="accent1"/>
+            </a:effectRef>
+            <a:fontRef idx="minor">
+              <a:schemeClr val="lt1"/>
+            </a:fontRef>
+          </p:style>
+          <p:txBody>
+            <a:bodyPr rtlCol="0" anchor="ctr"/>
+            <a:lstStyle/>
+            <a:p>
+              <a:pPr algn="ctr"/>
+              <a:r>
+                <a:rPr lang="en-US" altLang="zh-CN" sz="1600" dirty="0" err="1">
+                  <a:solidFill>
+                    <a:schemeClr val="bg1"/>
+                  </a:solidFill>
+                  <a:latin typeface="Times New Roman" panose="02020603050405020304" pitchFamily="18" charset="0"/>
+                  <a:cs typeface="Times New Roman" panose="02020603050405020304" pitchFamily="18" charset="0"/>
+                </a:rPr>
+                <a:t>HoitFS</a:t>
+              </a:r>
+              <a:r>
+                <a:rPr lang="en-US" altLang="zh-CN" sz="1600" dirty="0">
+                  <a:solidFill>
+                    <a:schemeClr val="bg1"/>
+                  </a:solidFill>
+                  <a:latin typeface="Times New Roman" panose="02020603050405020304" pitchFamily="18" charset="0"/>
+                  <a:cs typeface="Times New Roman" panose="02020603050405020304" pitchFamily="18" charset="0"/>
+                </a:rPr>
+                <a:t> </a:t>
+              </a:r>
+              <a:r>
+                <a:rPr lang="zh-CN" altLang="en-US" sz="1600" dirty="0">
+                  <a:solidFill>
+                    <a:schemeClr val="bg1"/>
+                  </a:solidFill>
+                  <a:latin typeface="Times New Roman" panose="02020603050405020304" pitchFamily="18" charset="0"/>
+                  <a:cs typeface="Times New Roman" panose="02020603050405020304" pitchFamily="18" charset="0"/>
+                </a:rPr>
+                <a:t>日志</a:t>
+              </a:r>
+              <a:r>
+                <a:rPr lang="en-US" altLang="zh-CN" sz="1600" dirty="0">
+                  <a:solidFill>
+                    <a:schemeClr val="bg1"/>
+                  </a:solidFill>
+                  <a:latin typeface="Times New Roman" panose="02020603050405020304" pitchFamily="18" charset="0"/>
+                  <a:cs typeface="Times New Roman" panose="02020603050405020304" pitchFamily="18" charset="0"/>
+                </a:rPr>
+                <a:t>/</a:t>
+              </a:r>
+              <a:r>
+                <a:rPr lang="zh-CN" altLang="en-US" sz="1600" dirty="0">
+                  <a:solidFill>
+                    <a:schemeClr val="bg1"/>
+                  </a:solidFill>
+                  <a:latin typeface="Times New Roman" panose="02020603050405020304" pitchFamily="18" charset="0"/>
+                  <a:cs typeface="Times New Roman" panose="02020603050405020304" pitchFamily="18" charset="0"/>
+                </a:rPr>
+                <a:t>掉电保护层</a:t>
+              </a:r>
+              <a:r>
+                <a:rPr lang="en-US" altLang="zh-CN" sz="1600" dirty="0">
+                  <a:solidFill>
+                    <a:schemeClr val="bg1"/>
+                  </a:solidFill>
+                  <a:latin typeface="Times New Roman" panose="02020603050405020304" pitchFamily="18" charset="0"/>
+                  <a:cs typeface="Times New Roman" panose="02020603050405020304" pitchFamily="18" charset="0"/>
+                </a:rPr>
+                <a:t> </a:t>
+              </a:r>
+              <a:endParaRPr lang="zh-CN" altLang="en-US" sz="1600" dirty="0">
+                <a:solidFill>
+                  <a:schemeClr val="bg1"/>
+                </a:solidFill>
+                <a:latin typeface="Times New Roman" panose="02020603050405020304" pitchFamily="18" charset="0"/>
+                <a:cs typeface="Times New Roman" panose="02020603050405020304" pitchFamily="18" charset="0"/>
+              </a:endParaRPr>
+            </a:p>
+          </p:txBody>
+        </p:sp>
+        <p:cxnSp>
+          <p:nvCxnSpPr>
+            <p:cNvPr id="19" name="直接箭头连接符 18">
+              <a:extLst>
+                <a:ext uri="{FF2B5EF4-FFF2-40B4-BE49-F238E27FC236}">
+                  <a16:creationId xmlns:a16="http://schemas.microsoft.com/office/drawing/2014/main" id="{AAD430E7-E02E-47A0-8A74-2E51AA2E5C73}"/>
+                </a:ext>
+              </a:extLst>
+            </p:cNvPr>
+            <p:cNvCxnSpPr>
+              <a:cxnSpLocks/>
+              <a:stCxn id="20" idx="1"/>
+              <a:endCxn id="10" idx="3"/>
+            </p:cNvCxnSpPr>
+            <p:nvPr/>
+          </p:nvCxnSpPr>
+          <p:spPr>
+            <a:xfrm flipH="1">
+              <a:off x="9070934" y="4243090"/>
+              <a:ext cx="1454564" cy="0"/>
+            </a:xfrm>
+            <a:prstGeom prst="straightConnector1">
+              <a:avLst/>
+            </a:prstGeom>
+            <a:ln w="12700">
+              <a:headEnd type="triangle" w="med" len="med"/>
+              <a:tailEnd type="none" w="med" len="med"/>
+            </a:ln>
+          </p:spPr>
+          <p:style>
+            <a:lnRef idx="1">
+              <a:schemeClr val="dk1"/>
+            </a:lnRef>
+            <a:fillRef idx="0">
+              <a:schemeClr val="dk1"/>
+            </a:fillRef>
+            <a:effectRef idx="0">
+              <a:schemeClr val="dk1"/>
+            </a:effectRef>
+            <a:fontRef idx="minor">
+              <a:schemeClr val="tx1"/>
+            </a:fontRef>
+          </p:style>
+        </p:cxnSp>
+        <p:sp>
+          <p:nvSpPr>
+            <p:cNvPr id="20" name="矩形 19">
+              <a:extLst>
+                <a:ext uri="{FF2B5EF4-FFF2-40B4-BE49-F238E27FC236}">
+                  <a16:creationId xmlns:a16="http://schemas.microsoft.com/office/drawing/2014/main" id="{0090D261-887F-4419-881E-6547990BC97C}"/>
+                </a:ext>
+              </a:extLst>
+            </p:cNvPr>
+            <p:cNvSpPr/>
+            <p:nvPr/>
+          </p:nvSpPr>
+          <p:spPr>
+            <a:xfrm>
+              <a:off x="10525498" y="3993280"/>
+              <a:ext cx="3655694" cy="499620"/>
+            </a:xfrm>
+            <a:prstGeom prst="rect">
+              <a:avLst/>
+            </a:prstGeom>
+            <a:solidFill>
+              <a:srgbClr val="215CC1"/>
+            </a:solidFill>
+            <a:ln>
+              <a:solidFill>
+                <a:schemeClr val="tx1"/>
+              </a:solidFill>
+            </a:ln>
+          </p:spPr>
+          <p:style>
+            <a:lnRef idx="2">
+              <a:schemeClr val="accent1">
+                <a:shade val="50000"/>
+              </a:schemeClr>
+            </a:lnRef>
+            <a:fillRef idx="1">
+              <a:schemeClr val="accent1"/>
+            </a:fillRef>
+            <a:effectRef idx="0">
+              <a:schemeClr val="accent1"/>
+            </a:effectRef>
+            <a:fontRef idx="minor">
+              <a:schemeClr val="lt1"/>
+            </a:fontRef>
+          </p:style>
+          <p:txBody>
+            <a:bodyPr rtlCol="0" anchor="ctr"/>
+            <a:lstStyle/>
+            <a:p>
+              <a:pPr algn="ctr"/>
+              <a:r>
+                <a:rPr lang="en-US" altLang="zh-CN" sz="1600" dirty="0" err="1">
+                  <a:solidFill>
+                    <a:schemeClr val="bg1"/>
+                  </a:solidFill>
+                  <a:latin typeface="Times New Roman" panose="02020603050405020304" pitchFamily="18" charset="0"/>
+                  <a:cs typeface="Times New Roman" panose="02020603050405020304" pitchFamily="18" charset="0"/>
+                </a:rPr>
+                <a:t>HoitFS</a:t>
+              </a:r>
+              <a:r>
+                <a:rPr lang="en-US" altLang="zh-CN" sz="1600" dirty="0">
+                  <a:solidFill>
+                    <a:schemeClr val="bg1"/>
+                  </a:solidFill>
+                  <a:latin typeface="Times New Roman" panose="02020603050405020304" pitchFamily="18" charset="0"/>
+                  <a:cs typeface="Times New Roman" panose="02020603050405020304" pitchFamily="18" charset="0"/>
+                </a:rPr>
+                <a:t> </a:t>
+              </a:r>
+              <a:r>
+                <a:rPr lang="en-US" altLang="zh-CN" sz="1600" dirty="0" err="1">
+                  <a:solidFill>
+                    <a:schemeClr val="bg1"/>
+                  </a:solidFill>
+                  <a:latin typeface="Times New Roman" panose="02020603050405020304" pitchFamily="18" charset="0"/>
+                  <a:cs typeface="Times New Roman" panose="02020603050405020304" pitchFamily="18" charset="0"/>
+                </a:rPr>
+                <a:t>FragTree</a:t>
+              </a:r>
+              <a:r>
+                <a:rPr lang="en-US" altLang="zh-CN" sz="1600">
+                  <a:solidFill>
+                    <a:schemeClr val="bg1"/>
+                  </a:solidFill>
+                  <a:latin typeface="Times New Roman" panose="02020603050405020304" pitchFamily="18" charset="0"/>
+                  <a:cs typeface="Times New Roman" panose="02020603050405020304" pitchFamily="18" charset="0"/>
+                </a:rPr>
+                <a:t> </a:t>
+              </a:r>
+              <a:r>
+                <a:rPr lang="zh-CN" altLang="en-US" sz="1600">
+                  <a:solidFill>
+                    <a:schemeClr val="bg1"/>
+                  </a:solidFill>
+                  <a:latin typeface="Times New Roman" panose="02020603050405020304" pitchFamily="18" charset="0"/>
+                  <a:cs typeface="Times New Roman" panose="02020603050405020304" pitchFamily="18" charset="0"/>
+                </a:rPr>
+                <a:t>管理</a:t>
+              </a:r>
+              <a:r>
+                <a:rPr lang="zh-CN" altLang="en-US" sz="1600" dirty="0">
+                  <a:solidFill>
+                    <a:schemeClr val="bg1"/>
+                  </a:solidFill>
+                  <a:latin typeface="Times New Roman" panose="02020603050405020304" pitchFamily="18" charset="0"/>
+                  <a:cs typeface="Times New Roman" panose="02020603050405020304" pitchFamily="18" charset="0"/>
+                </a:rPr>
+                <a:t>层</a:t>
+              </a:r>
+            </a:p>
+          </p:txBody>
+        </p:sp>
+        <p:cxnSp>
+          <p:nvCxnSpPr>
+            <p:cNvPr id="21" name="直接箭头连接符 20">
+              <a:extLst>
+                <a:ext uri="{FF2B5EF4-FFF2-40B4-BE49-F238E27FC236}">
+                  <a16:creationId xmlns:a16="http://schemas.microsoft.com/office/drawing/2014/main" id="{7314F5EC-D448-4B36-A4C5-93CFA46D38C5}"/>
+                </a:ext>
+              </a:extLst>
+            </p:cNvPr>
+            <p:cNvCxnSpPr>
+              <a:cxnSpLocks/>
+              <a:stCxn id="20" idx="0"/>
+              <a:endCxn id="9" idx="2"/>
+            </p:cNvCxnSpPr>
+            <p:nvPr/>
+          </p:nvCxnSpPr>
+          <p:spPr>
+            <a:xfrm flipH="1" flipV="1">
+              <a:off x="9784943" y="3528820"/>
+              <a:ext cx="2568402" cy="464460"/>
+            </a:xfrm>
+            <a:prstGeom prst="straightConnector1">
+              <a:avLst/>
+            </a:prstGeom>
+            <a:ln w="12700">
+              <a:headEnd type="triangle" w="med" len="med"/>
+              <a:tailEnd type="oval" w="med" len="med"/>
+            </a:ln>
+          </p:spPr>
+          <p:style>
+            <a:lnRef idx="1">
+              <a:schemeClr val="dk1"/>
+            </a:lnRef>
+            <a:fillRef idx="0">
+              <a:schemeClr val="dk1"/>
+            </a:fillRef>
+            <a:effectRef idx="0">
+              <a:schemeClr val="dk1"/>
+            </a:effectRef>
+            <a:fontRef idx="minor">
+              <a:schemeClr val="tx1"/>
+            </a:fontRef>
+          </p:style>
+        </p:cxnSp>
+        <p:cxnSp>
+          <p:nvCxnSpPr>
+            <p:cNvPr id="22" name="直接箭头连接符 21">
+              <a:extLst>
+                <a:ext uri="{FF2B5EF4-FFF2-40B4-BE49-F238E27FC236}">
+                  <a16:creationId xmlns:a16="http://schemas.microsoft.com/office/drawing/2014/main" id="{C563A5F9-FCEB-4B57-9429-1E40E66F14E1}"/>
+                </a:ext>
+              </a:extLst>
+            </p:cNvPr>
+            <p:cNvCxnSpPr>
+              <a:cxnSpLocks/>
+              <a:stCxn id="18" idx="2"/>
+              <a:endCxn id="11" idx="0"/>
+            </p:cNvCxnSpPr>
+            <p:nvPr/>
+          </p:nvCxnSpPr>
+          <p:spPr>
+            <a:xfrm flipH="1">
+              <a:off x="9784941" y="5448075"/>
+              <a:ext cx="4061" cy="458100"/>
+            </a:xfrm>
+            <a:prstGeom prst="straightConnector1">
+              <a:avLst/>
+            </a:prstGeom>
+            <a:ln w="12700">
+              <a:headEnd type="triangle" w="med" len="med"/>
+              <a:tailEnd type="triangle" w="med" len="med"/>
+            </a:ln>
+          </p:spPr>
+          <p:style>
+            <a:lnRef idx="1">
+              <a:schemeClr val="dk1"/>
+            </a:lnRef>
+            <a:fillRef idx="0">
+              <a:schemeClr val="dk1"/>
+            </a:fillRef>
+            <a:effectRef idx="0">
+              <a:schemeClr val="dk1"/>
+            </a:effectRef>
+            <a:fontRef idx="minor">
+              <a:schemeClr val="tx1"/>
+            </a:fontRef>
+          </p:style>
+        </p:cxnSp>
+        <p:cxnSp>
+          <p:nvCxnSpPr>
+            <p:cNvPr id="23" name="直接箭头连接符 22">
+              <a:extLst>
+                <a:ext uri="{FF2B5EF4-FFF2-40B4-BE49-F238E27FC236}">
+                  <a16:creationId xmlns:a16="http://schemas.microsoft.com/office/drawing/2014/main" id="{2F0757B5-273D-45BE-8733-E73A788DDCF9}"/>
+                </a:ext>
+              </a:extLst>
+            </p:cNvPr>
+            <p:cNvCxnSpPr>
+              <a:cxnSpLocks/>
+              <a:endCxn id="8" idx="1"/>
+            </p:cNvCxnSpPr>
+            <p:nvPr/>
+          </p:nvCxnSpPr>
+          <p:spPr>
+            <a:xfrm>
+              <a:off x="4766121" y="2317475"/>
+              <a:ext cx="1827850" cy="0"/>
+            </a:xfrm>
+            <a:prstGeom prst="straightConnector1">
+              <a:avLst/>
+            </a:prstGeom>
+            <a:ln w="12700">
+              <a:tailEnd type="triangle"/>
+            </a:ln>
+          </p:spPr>
+          <p:style>
+            <a:lnRef idx="1">
+              <a:schemeClr val="dk1"/>
+            </a:lnRef>
+            <a:fillRef idx="0">
+              <a:schemeClr val="dk1"/>
+            </a:fillRef>
+            <a:effectRef idx="0">
+              <a:schemeClr val="dk1"/>
+            </a:effectRef>
+            <a:fontRef idx="minor">
+              <a:schemeClr val="tx1"/>
+            </a:fontRef>
+          </p:style>
+        </p:cxnSp>
+        <p:sp>
+          <p:nvSpPr>
+            <p:cNvPr id="24" name="矩形 23">
+              <a:extLst>
+                <a:ext uri="{FF2B5EF4-FFF2-40B4-BE49-F238E27FC236}">
+                  <a16:creationId xmlns:a16="http://schemas.microsoft.com/office/drawing/2014/main" id="{2C54A247-D574-4886-B1A4-3C40A48D95F6}"/>
+                </a:ext>
+              </a:extLst>
+            </p:cNvPr>
+            <p:cNvSpPr/>
+            <p:nvPr/>
+          </p:nvSpPr>
+          <p:spPr>
+            <a:xfrm>
+              <a:off x="4075596" y="1814040"/>
+              <a:ext cx="11445240" cy="4792120"/>
+            </a:xfrm>
+            <a:prstGeom prst="rect">
+              <a:avLst/>
+            </a:prstGeom>
+            <a:noFill/>
+            <a:ln w="28575">
+              <a:prstDash val="lgDashDot"/>
+            </a:ln>
+          </p:spPr>
+          <p:style>
+            <a:lnRef idx="2">
+              <a:schemeClr val="accent1">
+                <a:shade val="50000"/>
+              </a:schemeClr>
+            </a:lnRef>
+            <a:fillRef idx="1">
+              <a:schemeClr val="accent1"/>
+            </a:fillRef>
+            <a:effectRef idx="0">
+              <a:schemeClr val="accent1"/>
+            </a:effectRef>
+            <a:fontRef idx="minor">
+              <a:schemeClr val="lt1"/>
+            </a:fontRef>
+          </p:style>
+          <p:txBody>
+            <a:bodyPr rtlCol="0" anchor="ctr"/>
+            <a:lstStyle/>
+            <a:p>
+              <a:pPr algn="ctr"/>
+              <a:endParaRPr lang="zh-CN" altLang="en-US"/>
+            </a:p>
+          </p:txBody>
+        </p:sp>
+        <p:sp>
+          <p:nvSpPr>
+            <p:cNvPr id="25" name="文本框 24">
+              <a:extLst>
+                <a:ext uri="{FF2B5EF4-FFF2-40B4-BE49-F238E27FC236}">
+                  <a16:creationId xmlns:a16="http://schemas.microsoft.com/office/drawing/2014/main" id="{D9863292-4C8D-4ECD-B2DF-4A8F3099F743}"/>
+                </a:ext>
+              </a:extLst>
+            </p:cNvPr>
+            <p:cNvSpPr txBox="1"/>
+            <p:nvPr/>
+          </p:nvSpPr>
+          <p:spPr>
+            <a:xfrm>
+              <a:off x="13769433" y="2052530"/>
+              <a:ext cx="1724856" cy="461665"/>
+            </a:xfrm>
+            <a:prstGeom prst="rect">
+              <a:avLst/>
+            </a:prstGeom>
+            <a:noFill/>
+          </p:spPr>
+          <p:txBody>
+            <a:bodyPr wrap="square" rtlCol="0">
+              <a:spAutoFit/>
+            </a:bodyPr>
+            <a:lstStyle/>
+            <a:p>
+              <a:r>
+                <a:rPr lang="zh-CN" altLang="en-US" sz="2400" b="1" dirty="0"/>
+                <a:t>文件系统层</a:t>
+              </a:r>
+            </a:p>
+          </p:txBody>
+        </p:sp>
+      </p:grpSp>
+    </p:spTree>
+    <p:extLst>
+      <p:ext uri="{BB962C8B-B14F-4D97-AF65-F5344CB8AC3E}">
+        <p14:creationId xmlns:p14="http://schemas.microsoft.com/office/powerpoint/2010/main" val="2546592309"/>
+      </p:ext>
+    </p:extLst>
+  </p:cSld>
+  <p:clrMapOvr>
+    <a:masterClrMapping/>
+  </p:clrMapOvr>
+</p:sld>
+</file>
+
+<file path=ppt/slides/slide14.xml><?xml version="1.0" encoding="utf-8"?>
+<p:sld xmlns:a="http://schemas.openxmlformats.org/drawingml/2006/main" xmlns:r="http://schemas.openxmlformats.org/officeDocument/2006/relationships" xmlns:p="http://schemas.openxmlformats.org/presentationml/2006/main">
+  <p:cSld>
+    <p:spTree>
+      <p:nvGrpSpPr>
+        <p:cNvPr id="1" name=""/>
+        <p:cNvGrpSpPr/>
+        <p:nvPr/>
+      </p:nvGrpSpPr>
+      <p:grpSpPr>
+        <a:xfrm>
+          <a:off x="0" y="0"/>
+          <a:ext cx="0" cy="0"/>
+          <a:chOff x="0" y="0"/>
+          <a:chExt cx="0" cy="0"/>
+        </a:xfrm>
+      </p:grpSpPr>
+      <p:sp>
+        <p:nvSpPr>
+          <p:cNvPr id="8" name="矩形 7">
+            <a:extLst>
+              <a:ext uri="{FF2B5EF4-FFF2-40B4-BE49-F238E27FC236}">
+                <a16:creationId xmlns:a16="http://schemas.microsoft.com/office/drawing/2014/main" id="{6FC5B14E-279B-4D77-B89E-5D13A08129C0}"/>
+              </a:ext>
+            </a:extLst>
+          </p:cNvPr>
+          <p:cNvSpPr/>
+          <p:nvPr/>
+        </p:nvSpPr>
+        <p:spPr>
+          <a:xfrm>
+            <a:off x="1768308" y="2265968"/>
+            <a:ext cx="9270479" cy="1345676"/>
+          </a:xfrm>
+          <a:prstGeom prst="rect">
+            <a:avLst/>
+          </a:prstGeom>
+          <a:solidFill>
+            <a:srgbClr val="F5F5F5"/>
+          </a:solidFill>
+          <a:ln>
+            <a:solidFill>
+              <a:schemeClr val="tx1"/>
+            </a:solidFill>
+          </a:ln>
+        </p:spPr>
+        <p:style>
+          <a:lnRef idx="2">
+            <a:schemeClr val="accent1">
+              <a:shade val="50000"/>
+            </a:schemeClr>
+          </a:lnRef>
+          <a:fillRef idx="1">
+            <a:schemeClr val="accent1"/>
+          </a:fillRef>
+          <a:effectRef idx="0">
+            <a:schemeClr val="accent1"/>
+          </a:effectRef>
+          <a:fontRef idx="minor">
+            <a:schemeClr val="lt1"/>
+          </a:fontRef>
+        </p:style>
+        <p:txBody>
+          <a:bodyPr rtlCol="0" anchor="ctr"/>
+          <a:lstStyle/>
+          <a:p>
+            <a:pPr algn="ctr"/>
+            <a:r>
+              <a:rPr lang="en-US" altLang="zh-CN">
+                <a:solidFill>
+                  <a:schemeClr val="tx1"/>
+                </a:solidFill>
+                <a:latin typeface="Times New Roman" panose="02020603050405020304" pitchFamily="18" charset="0"/>
+                <a:cs typeface="Times New Roman" panose="02020603050405020304" pitchFamily="18" charset="0"/>
+              </a:rPr>
+              <a:t>Flash</a:t>
+            </a:r>
+            <a:endParaRPr lang="zh-CN" altLang="en-US" dirty="0">
+              <a:solidFill>
+                <a:schemeClr val="tx1"/>
+              </a:solidFill>
+              <a:latin typeface="Times New Roman" panose="02020603050405020304" pitchFamily="18" charset="0"/>
+              <a:cs typeface="Times New Roman" panose="02020603050405020304" pitchFamily="18" charset="0"/>
+            </a:endParaRPr>
+          </a:p>
+        </p:txBody>
+      </p:sp>
+      <p:sp>
+        <p:nvSpPr>
+          <p:cNvPr id="4" name="矩形 3">
+            <a:extLst>
+              <a:ext uri="{FF2B5EF4-FFF2-40B4-BE49-F238E27FC236}">
+                <a16:creationId xmlns:a16="http://schemas.microsoft.com/office/drawing/2014/main" id="{66A7893F-B2CE-49B2-8E0D-DF52035F905A}"/>
+              </a:ext>
+            </a:extLst>
+          </p:cNvPr>
+          <p:cNvSpPr/>
+          <p:nvPr/>
+        </p:nvSpPr>
+        <p:spPr>
+          <a:xfrm>
+            <a:off x="1768309" y="2265968"/>
+            <a:ext cx="1082512" cy="1345676"/>
+          </a:xfrm>
+          <a:prstGeom prst="rect">
+            <a:avLst/>
+          </a:prstGeom>
+          <a:solidFill>
+            <a:srgbClr val="C4B7D7"/>
+          </a:solidFill>
+          <a:ln>
+            <a:solidFill>
+              <a:schemeClr val="tx1"/>
+            </a:solidFill>
+          </a:ln>
+        </p:spPr>
+        <p:style>
+          <a:lnRef idx="2">
+            <a:schemeClr val="accent1">
+              <a:shade val="50000"/>
+            </a:schemeClr>
+          </a:lnRef>
+          <a:fillRef idx="1">
+            <a:schemeClr val="accent1"/>
+          </a:fillRef>
+          <a:effectRef idx="0">
+            <a:schemeClr val="accent1"/>
+          </a:effectRef>
+          <a:fontRef idx="minor">
+            <a:schemeClr val="lt1"/>
+          </a:fontRef>
+        </p:style>
+        <p:txBody>
+          <a:bodyPr rtlCol="0" anchor="ctr"/>
+          <a:lstStyle/>
+          <a:p>
+            <a:pPr algn="ctr"/>
+            <a:r>
+              <a:rPr lang="en-US" altLang="zh-CN" dirty="0">
+                <a:solidFill>
+                  <a:schemeClr val="tx1"/>
+                </a:solidFill>
+                <a:latin typeface="Times New Roman" panose="02020603050405020304" pitchFamily="18" charset="0"/>
+                <a:cs typeface="Times New Roman" panose="02020603050405020304" pitchFamily="18" charset="0"/>
+              </a:rPr>
+              <a:t>Static SB</a:t>
+            </a:r>
+            <a:endParaRPr lang="zh-CN" altLang="en-US" dirty="0">
+              <a:solidFill>
+                <a:schemeClr val="tx1"/>
+              </a:solidFill>
+              <a:latin typeface="Times New Roman" panose="02020603050405020304" pitchFamily="18" charset="0"/>
+              <a:cs typeface="Times New Roman" panose="02020603050405020304" pitchFamily="18" charset="0"/>
+            </a:endParaRPr>
+          </a:p>
+        </p:txBody>
+      </p:sp>
+      <p:sp>
+        <p:nvSpPr>
+          <p:cNvPr id="6" name="矩形 5">
+            <a:extLst>
+              <a:ext uri="{FF2B5EF4-FFF2-40B4-BE49-F238E27FC236}">
+                <a16:creationId xmlns:a16="http://schemas.microsoft.com/office/drawing/2014/main" id="{FE9AA6D5-C448-4B45-A120-969F84AAE7E3}"/>
+              </a:ext>
+            </a:extLst>
+          </p:cNvPr>
+          <p:cNvSpPr/>
+          <p:nvPr/>
+        </p:nvSpPr>
+        <p:spPr>
+          <a:xfrm>
+            <a:off x="2850821" y="2265968"/>
+            <a:ext cx="1082512" cy="1345676"/>
+          </a:xfrm>
+          <a:prstGeom prst="rect">
+            <a:avLst/>
+          </a:prstGeom>
+          <a:solidFill>
+            <a:srgbClr val="C4B7D7"/>
+          </a:solidFill>
+          <a:ln>
+            <a:solidFill>
+              <a:schemeClr val="tx1"/>
+            </a:solidFill>
+          </a:ln>
+        </p:spPr>
+        <p:style>
+          <a:lnRef idx="2">
+            <a:schemeClr val="accent1">
+              <a:shade val="50000"/>
+            </a:schemeClr>
+          </a:lnRef>
+          <a:fillRef idx="1">
+            <a:schemeClr val="accent1"/>
+          </a:fillRef>
+          <a:effectRef idx="0">
+            <a:schemeClr val="accent1"/>
+          </a:effectRef>
+          <a:fontRef idx="minor">
+            <a:schemeClr val="lt1"/>
+          </a:fontRef>
+        </p:style>
+        <p:txBody>
+          <a:bodyPr rtlCol="0" anchor="ctr"/>
+          <a:lstStyle/>
+          <a:p>
+            <a:pPr algn="ctr"/>
+            <a:r>
+              <a:rPr lang="en-US" altLang="zh-CN" dirty="0">
+                <a:solidFill>
+                  <a:schemeClr val="tx1"/>
+                </a:solidFill>
+                <a:latin typeface="Times New Roman" panose="02020603050405020304" pitchFamily="18" charset="0"/>
+                <a:cs typeface="Times New Roman" panose="02020603050405020304" pitchFamily="18" charset="0"/>
+              </a:rPr>
+              <a:t>Anchor Area</a:t>
+            </a:r>
+            <a:endParaRPr lang="zh-CN" altLang="en-US" dirty="0">
+              <a:solidFill>
+                <a:schemeClr val="tx1"/>
+              </a:solidFill>
+              <a:latin typeface="Times New Roman" panose="02020603050405020304" pitchFamily="18" charset="0"/>
+              <a:cs typeface="Times New Roman" panose="02020603050405020304" pitchFamily="18" charset="0"/>
+            </a:endParaRPr>
+          </a:p>
+        </p:txBody>
+      </p:sp>
+      <p:sp>
+        <p:nvSpPr>
+          <p:cNvPr id="7" name="矩形 6">
+            <a:extLst>
+              <a:ext uri="{FF2B5EF4-FFF2-40B4-BE49-F238E27FC236}">
+                <a16:creationId xmlns:a16="http://schemas.microsoft.com/office/drawing/2014/main" id="{0B1337CC-A24C-41C4-8D2F-DF46229A3425}"/>
+              </a:ext>
+            </a:extLst>
+          </p:cNvPr>
+          <p:cNvSpPr/>
+          <p:nvPr/>
+        </p:nvSpPr>
+        <p:spPr>
+          <a:xfrm>
+            <a:off x="3933333" y="2265968"/>
+            <a:ext cx="1082512" cy="1345676"/>
+          </a:xfrm>
+          <a:prstGeom prst="rect">
+            <a:avLst/>
+          </a:prstGeom>
+          <a:solidFill>
+            <a:srgbClr val="C4B7D7"/>
+          </a:solidFill>
+          <a:ln>
+            <a:solidFill>
+              <a:schemeClr val="tx1"/>
+            </a:solidFill>
+          </a:ln>
+        </p:spPr>
+        <p:style>
+          <a:lnRef idx="2">
+            <a:schemeClr val="accent1">
+              <a:shade val="50000"/>
+            </a:schemeClr>
+          </a:lnRef>
+          <a:fillRef idx="1">
+            <a:schemeClr val="accent1"/>
+          </a:fillRef>
+          <a:effectRef idx="0">
+            <a:schemeClr val="accent1"/>
+          </a:effectRef>
+          <a:fontRef idx="minor">
+            <a:schemeClr val="lt1"/>
+          </a:fontRef>
+        </p:style>
+        <p:txBody>
+          <a:bodyPr rtlCol="0" anchor="ctr"/>
+          <a:lstStyle/>
+          <a:p>
+            <a:pPr algn="ctr"/>
+            <a:r>
               <a:rPr lang="en-US" altLang="zh-CN" dirty="0">
                 <a:solidFill>
                   <a:schemeClr val="tx1"/>
@@ -7992,7 +10565,7 @@
 </p:sld>
 </file>
 
-<file path=ppt/slides/slide13.xml><?xml version="1.0" encoding="utf-8"?>
+<file path=ppt/slides/slide15.xml><?xml version="1.0" encoding="utf-8"?>
 <p:sld xmlns:a="http://schemas.openxmlformats.org/drawingml/2006/main" xmlns:r="http://schemas.openxmlformats.org/officeDocument/2006/relationships" xmlns:p="http://schemas.openxmlformats.org/presentationml/2006/main">
   <p:cSld>
     <p:spTree>
@@ -9729,7 +12302,7 @@
 </p:sld>
 </file>
 
-<file path=ppt/slides/slide14.xml><?xml version="1.0" encoding="utf-8"?>
+<file path=ppt/slides/slide16.xml><?xml version="1.0" encoding="utf-8"?>
 <p:sld xmlns:a="http://schemas.openxmlformats.org/drawingml/2006/main" xmlns:r="http://schemas.openxmlformats.org/officeDocument/2006/relationships" xmlns:p="http://schemas.openxmlformats.org/presentationml/2006/main">
   <p:cSld>
     <p:spTree>
@@ -10174,7 +12747,7 @@
 </p:sld>
 </file>
 
-<file path=ppt/slides/slide15.xml><?xml version="1.0" encoding="utf-8"?>
+<file path=ppt/slides/slide17.xml><?xml version="1.0" encoding="utf-8"?>
 <p:sld xmlns:a="http://schemas.openxmlformats.org/drawingml/2006/main" xmlns:r="http://schemas.openxmlformats.org/officeDocument/2006/relationships" xmlns:p="http://schemas.openxmlformats.org/presentationml/2006/main">
   <p:cSld>
     <p:spTree>
@@ -19164,10 +21737,10 @@
       </p:grpSpPr>
       <p:sp>
         <p:nvSpPr>
-          <p:cNvPr id="50" name="矩形 49">
-            <a:extLst>
-              <a:ext uri="{FF2B5EF4-FFF2-40B4-BE49-F238E27FC236}">
-                <a16:creationId xmlns:a16="http://schemas.microsoft.com/office/drawing/2014/main" id="{66FF7094-2060-4A4E-A206-36E485D9EACB}"/>
+          <p:cNvPr id="49" name="流程图: 决策 48">
+            <a:extLst>
+              <a:ext uri="{FF2B5EF4-FFF2-40B4-BE49-F238E27FC236}">
+                <a16:creationId xmlns:a16="http://schemas.microsoft.com/office/drawing/2014/main" id="{3044E16E-3575-4972-B449-D026B3AAB3A0}"/>
               </a:ext>
             </a:extLst>
           </p:cNvPr>
@@ -19176,19 +21749,17 @@
         </p:nvSpPr>
         <p:spPr>
           <a:xfrm>
-            <a:off x="4345760" y="938861"/>
-            <a:ext cx="2403836" cy="499620"/>
-          </a:xfrm>
-          <a:prstGeom prst="rect">
+            <a:off x="4311036" y="2872042"/>
+            <a:ext cx="2802896" cy="857839"/>
+          </a:xfrm>
+          <a:prstGeom prst="flowChartDecision">
             <a:avLst/>
           </a:prstGeom>
           <a:solidFill>
-            <a:srgbClr val="D00000"/>
+            <a:srgbClr val="222222"/>
           </a:solidFill>
           <a:ln>
-            <a:solidFill>
-              <a:schemeClr val="tx1"/>
-            </a:solidFill>
+            <a:noFill/>
           </a:ln>
         </p:spPr>
         <p:style>
@@ -19213,68 +21784,21 @@
           <a:p>
             <a:pPr algn="ctr"/>
             <a:r>
-              <a:rPr lang="zh-CN" altLang="en-US" sz="1600" dirty="0">
-                <a:solidFill>
-                  <a:schemeClr val="bg1"/>
-                </a:solidFill>
-                <a:latin typeface="The Serif Hand Black" panose="03070902030502020204" pitchFamily="66" charset="0"/>
+              <a:rPr lang="zh-CN" altLang="en-US" sz="1600" b="1" dirty="0">
+                <a:latin typeface="Times New Roman" panose="02020603050405020304" pitchFamily="18" charset="0"/>
                 <a:cs typeface="Times New Roman" panose="02020603050405020304" pitchFamily="18" charset="0"/>
               </a:rPr>
-              <a:t>开始</a:t>
+              <a:t>是否写入全部内容？</a:t>
             </a:r>
           </a:p>
         </p:txBody>
       </p:sp>
-      <p:cxnSp>
-        <p:nvCxnSpPr>
-          <p:cNvPr id="51" name="直接箭头连接符 50">
-            <a:extLst>
-              <a:ext uri="{FF2B5EF4-FFF2-40B4-BE49-F238E27FC236}">
-                <a16:creationId xmlns:a16="http://schemas.microsoft.com/office/drawing/2014/main" id="{B741F469-E1DB-41E2-9EBB-23CE8249B128}"/>
-              </a:ext>
-            </a:extLst>
-          </p:cNvPr>
-          <p:cNvCxnSpPr>
-            <a:cxnSpLocks/>
-            <a:stCxn id="50" idx="2"/>
-            <a:endCxn id="52" idx="0"/>
-          </p:cNvCxnSpPr>
-          <p:nvPr/>
-        </p:nvCxnSpPr>
-        <p:spPr>
-          <a:xfrm>
-            <a:off x="5547678" y="1438481"/>
-            <a:ext cx="0" cy="336225"/>
-          </a:xfrm>
-          <a:prstGeom prst="straightConnector1">
-            <a:avLst/>
-          </a:prstGeom>
-          <a:ln w="12700">
-            <a:headEnd type="oval" w="med" len="med"/>
-            <a:tailEnd type="triangle" w="med" len="med"/>
-          </a:ln>
-        </p:spPr>
-        <p:style>
-          <a:lnRef idx="1">
-            <a:schemeClr val="dk1"/>
-          </a:lnRef>
-          <a:fillRef idx="0">
-            <a:schemeClr val="dk1"/>
-          </a:fillRef>
-          <a:effectRef idx="0">
-            <a:schemeClr val="dk1"/>
-          </a:effectRef>
-          <a:fontRef idx="minor">
-            <a:schemeClr val="tx1"/>
-          </a:fontRef>
-        </p:style>
-      </p:cxnSp>
       <p:sp>
         <p:nvSpPr>
-          <p:cNvPr id="52" name="流程图: 决策 51">
-            <a:extLst>
-              <a:ext uri="{FF2B5EF4-FFF2-40B4-BE49-F238E27FC236}">
-                <a16:creationId xmlns:a16="http://schemas.microsoft.com/office/drawing/2014/main" id="{FFF5C39E-5D1A-4441-B103-6D50EDDE43CF}"/>
+          <p:cNvPr id="50" name="矩形 49">
+            <a:extLst>
+              <a:ext uri="{FF2B5EF4-FFF2-40B4-BE49-F238E27FC236}">
+                <a16:creationId xmlns:a16="http://schemas.microsoft.com/office/drawing/2014/main" id="{7EC01C6E-77FC-4037-B567-D231CE2DFD47}"/>
               </a:ext>
             </a:extLst>
           </p:cNvPr>
@@ -19283,17 +21807,19 @@
         </p:nvSpPr>
         <p:spPr>
           <a:xfrm>
-            <a:off x="4146230" y="1774706"/>
-            <a:ext cx="2802896" cy="857839"/>
-          </a:xfrm>
-          <a:prstGeom prst="flowChartDecision">
+            <a:off x="4510566" y="4066107"/>
+            <a:ext cx="2403836" cy="499620"/>
+          </a:xfrm>
+          <a:prstGeom prst="rect">
             <a:avLst/>
           </a:prstGeom>
           <a:solidFill>
-            <a:srgbClr val="705697"/>
+            <a:srgbClr val="215CC1"/>
           </a:solidFill>
           <a:ln>
-            <a:noFill/>
+            <a:solidFill>
+              <a:schemeClr val="tx1"/>
+            </a:solidFill>
           </a:ln>
         </p:spPr>
         <p:style>
@@ -19318,35 +21844,82 @@
           <a:p>
             <a:pPr algn="ctr"/>
             <a:r>
-              <a:rPr lang="zh-CN" altLang="en-US" sz="1600" dirty="0">
-                <a:latin typeface="The Serif Hand Black" panose="03070902030502020204" pitchFamily="66" charset="0"/>
+              <a:rPr lang="zh-CN" altLang="en-US" sz="1600" b="1" dirty="0">
+                <a:solidFill>
+                  <a:schemeClr val="bg1"/>
+                </a:solidFill>
+                <a:latin typeface="Times New Roman" panose="02020603050405020304" pitchFamily="18" charset="0"/>
                 <a:cs typeface="Times New Roman" panose="02020603050405020304" pitchFamily="18" charset="0"/>
               </a:rPr>
-              <a:t>检查写入地址合法性？</a:t>
+              <a:t>计算本次写入内容、偏移以及大小</a:t>
             </a:r>
           </a:p>
         </p:txBody>
       </p:sp>
       <p:cxnSp>
         <p:nvCxnSpPr>
-          <p:cNvPr id="54" name="直接箭头连接符 53">
-            <a:extLst>
-              <a:ext uri="{FF2B5EF4-FFF2-40B4-BE49-F238E27FC236}">
-                <a16:creationId xmlns:a16="http://schemas.microsoft.com/office/drawing/2014/main" id="{61B3D651-AF4B-4852-AD3A-9CA685C4C56F}"/>
+          <p:cNvPr id="59" name="直接箭头连接符 58">
+            <a:extLst>
+              <a:ext uri="{FF2B5EF4-FFF2-40B4-BE49-F238E27FC236}">
+                <a16:creationId xmlns:a16="http://schemas.microsoft.com/office/drawing/2014/main" id="{90E1DFEC-BFC1-4AAE-B44F-1DAF1AF0700D}"/>
               </a:ext>
             </a:extLst>
           </p:cNvPr>
           <p:cNvCxnSpPr>
             <a:cxnSpLocks/>
-            <a:stCxn id="52" idx="2"/>
-            <a:endCxn id="61" idx="0"/>
+            <a:stCxn id="49" idx="2"/>
+            <a:endCxn id="50" idx="0"/>
           </p:cNvCxnSpPr>
           <p:nvPr/>
         </p:nvCxnSpPr>
         <p:spPr>
           <a:xfrm>
-            <a:off x="5547678" y="2632545"/>
-            <a:ext cx="0" cy="294007"/>
+            <a:off x="5712484" y="3729881"/>
+            <a:ext cx="0" cy="336226"/>
+          </a:xfrm>
+          <a:prstGeom prst="straightConnector1">
+            <a:avLst/>
+          </a:prstGeom>
+          <a:ln w="12700">
+            <a:headEnd type="oval" w="med" len="med"/>
+            <a:tailEnd type="triangle" w="med" len="med"/>
+          </a:ln>
+        </p:spPr>
+        <p:style>
+          <a:lnRef idx="1">
+            <a:schemeClr val="dk1"/>
+          </a:lnRef>
+          <a:fillRef idx="0">
+            <a:schemeClr val="dk1"/>
+          </a:fillRef>
+          <a:effectRef idx="0">
+            <a:schemeClr val="dk1"/>
+          </a:effectRef>
+          <a:fontRef idx="minor">
+            <a:schemeClr val="tx1"/>
+          </a:fontRef>
+        </p:style>
+      </p:cxnSp>
+      <p:cxnSp>
+        <p:nvCxnSpPr>
+          <p:cNvPr id="61" name="直接箭头连接符 60">
+            <a:extLst>
+              <a:ext uri="{FF2B5EF4-FFF2-40B4-BE49-F238E27FC236}">
+                <a16:creationId xmlns:a16="http://schemas.microsoft.com/office/drawing/2014/main" id="{45E9E31A-2C9F-4EAF-AEA8-49F131E9E96C}"/>
+              </a:ext>
+            </a:extLst>
+          </p:cNvPr>
+          <p:cNvCxnSpPr>
+            <a:cxnSpLocks/>
+            <a:stCxn id="50" idx="2"/>
+            <a:endCxn id="74" idx="0"/>
+          </p:cNvCxnSpPr>
+          <p:nvPr/>
+        </p:nvCxnSpPr>
+        <p:spPr>
+          <a:xfrm>
+            <a:off x="5712484" y="4565727"/>
+            <a:ext cx="0" cy="336225"/>
           </a:xfrm>
           <a:prstGeom prst="straightConnector1">
             <a:avLst/>
@@ -19373,69 +21946,29 @@
       </p:cxnSp>
       <p:sp>
         <p:nvSpPr>
-          <p:cNvPr id="55" name="文本框 54">
-            <a:extLst>
-              <a:ext uri="{FF2B5EF4-FFF2-40B4-BE49-F238E27FC236}">
-                <a16:creationId xmlns:a16="http://schemas.microsoft.com/office/drawing/2014/main" id="{16236E69-89D4-4F40-BD40-DCC59FB36A64}"/>
-              </a:ext>
-            </a:extLst>
-          </p:cNvPr>
-          <p:cNvSpPr txBox="1"/>
+          <p:cNvPr id="62" name="流程图: 决策 61">
+            <a:extLst>
+              <a:ext uri="{FF2B5EF4-FFF2-40B4-BE49-F238E27FC236}">
+                <a16:creationId xmlns:a16="http://schemas.microsoft.com/office/drawing/2014/main" id="{66491175-0A83-41CA-8E43-87F8DF45493C}"/>
+              </a:ext>
+            </a:extLst>
+          </p:cNvPr>
+          <p:cNvSpPr/>
           <p:nvPr/>
         </p:nvSpPr>
         <p:spPr>
           <a:xfrm>
-            <a:off x="5670243" y="2599438"/>
-            <a:ext cx="706993" cy="338554"/>
-          </a:xfrm>
-          <a:prstGeom prst="rect">
+            <a:off x="4311036" y="5737797"/>
+            <a:ext cx="2802896" cy="857839"/>
+          </a:xfrm>
+          <a:prstGeom prst="flowChartDecision">
             <a:avLst/>
           </a:prstGeom>
-          <a:noFill/>
-        </p:spPr>
-        <p:txBody>
-          <a:bodyPr wrap="square" rtlCol="0">
-            <a:spAutoFit/>
-          </a:bodyPr>
-          <a:lstStyle/>
-          <a:p>
-            <a:r>
-              <a:rPr lang="zh-CN" altLang="en-US" sz="1600" dirty="0">
-                <a:latin typeface="The Serif Hand Black" panose="03070902030502020204" pitchFamily="66" charset="0"/>
-                <a:cs typeface="Times New Roman" panose="02020603050405020304" pitchFamily="18" charset="0"/>
-              </a:rPr>
-              <a:t>合法</a:t>
-            </a:r>
-          </a:p>
-        </p:txBody>
-      </p:sp>
-      <p:sp>
-        <p:nvSpPr>
-          <p:cNvPr id="57" name="矩形 56">
-            <a:extLst>
-              <a:ext uri="{FF2B5EF4-FFF2-40B4-BE49-F238E27FC236}">
-                <a16:creationId xmlns:a16="http://schemas.microsoft.com/office/drawing/2014/main" id="{1E7594B7-CFF5-4E22-A7C8-E08F12F1B369}"/>
-              </a:ext>
-            </a:extLst>
-          </p:cNvPr>
-          <p:cNvSpPr/>
-          <p:nvPr/>
-        </p:nvSpPr>
-        <p:spPr>
-          <a:xfrm>
-            <a:off x="4345760" y="5794076"/>
-            <a:ext cx="2403836" cy="499620"/>
-          </a:xfrm>
-          <a:prstGeom prst="rect">
-            <a:avLst/>
-          </a:prstGeom>
           <a:solidFill>
-            <a:srgbClr val="D00000"/>
+            <a:srgbClr val="222222"/>
           </a:solidFill>
           <a:ln>
-            <a:solidFill>
-              <a:schemeClr val="tx1"/>
-            </a:solidFill>
+            <a:noFill/>
           </a:ln>
         </p:spPr>
         <p:style>
@@ -19460,43 +21993,82 @@
           <a:p>
             <a:pPr algn="ctr"/>
             <a:r>
-              <a:rPr lang="zh-CN" altLang="en-US" sz="1600" dirty="0">
-                <a:solidFill>
-                  <a:schemeClr val="bg1"/>
-                </a:solidFill>
-                <a:latin typeface="The Serif Hand Black" panose="03070902030502020204" pitchFamily="66" charset="0"/>
+              <a:rPr lang="zh-CN" altLang="en-US" sz="1600" b="1" dirty="0">
+                <a:latin typeface="Times New Roman" panose="02020603050405020304" pitchFamily="18" charset="0"/>
                 <a:cs typeface="Times New Roman" panose="02020603050405020304" pitchFamily="18" charset="0"/>
               </a:rPr>
-              <a:t>结束</a:t>
+              <a:t>写入选项？</a:t>
             </a:r>
           </a:p>
         </p:txBody>
       </p:sp>
       <p:cxnSp>
         <p:nvCxnSpPr>
-          <p:cNvPr id="60" name="连接符: 肘形 59">
-            <a:extLst>
-              <a:ext uri="{FF2B5EF4-FFF2-40B4-BE49-F238E27FC236}">
-                <a16:creationId xmlns:a16="http://schemas.microsoft.com/office/drawing/2014/main" id="{6B732A0F-385B-4D96-AE18-CC6196EE6A20}"/>
+          <p:cNvPr id="64" name="直接箭头连接符 63">
+            <a:extLst>
+              <a:ext uri="{FF2B5EF4-FFF2-40B4-BE49-F238E27FC236}">
+                <a16:creationId xmlns:a16="http://schemas.microsoft.com/office/drawing/2014/main" id="{D61DFA65-F9F3-4CE1-811A-DC7911AA6C4C}"/>
               </a:ext>
             </a:extLst>
           </p:cNvPr>
           <p:cNvCxnSpPr>
             <a:cxnSpLocks/>
-            <a:stCxn id="52" idx="3"/>
-            <a:endCxn id="57" idx="3"/>
+            <a:stCxn id="62" idx="1"/>
+            <a:endCxn id="93" idx="3"/>
           </p:cNvCxnSpPr>
           <p:nvPr/>
         </p:nvCxnSpPr>
         <p:spPr>
-          <a:xfrm flipH="1">
-            <a:off x="6749596" y="2203626"/>
-            <a:ext cx="199530" cy="3840260"/>
-          </a:xfrm>
-          <a:prstGeom prst="bentConnector3">
-            <a:avLst>
-              <a:gd name="adj1" fmla="val -114569"/>
-            </a:avLst>
+          <a:xfrm flipH="1" flipV="1">
+            <a:off x="3610312" y="6166716"/>
+            <a:ext cx="700724" cy="1"/>
+          </a:xfrm>
+          <a:prstGeom prst="straightConnector1">
+            <a:avLst/>
+          </a:prstGeom>
+          <a:ln w="12700">
+            <a:headEnd type="oval" w="med" len="med"/>
+            <a:tailEnd type="triangle" w="med" len="med"/>
+          </a:ln>
+        </p:spPr>
+        <p:style>
+          <a:lnRef idx="1">
+            <a:schemeClr val="dk1"/>
+          </a:lnRef>
+          <a:fillRef idx="0">
+            <a:schemeClr val="dk1"/>
+          </a:fillRef>
+          <a:effectRef idx="0">
+            <a:schemeClr val="dk1"/>
+          </a:effectRef>
+          <a:fontRef idx="minor">
+            <a:schemeClr val="tx1"/>
+          </a:fontRef>
+        </p:style>
+      </p:cxnSp>
+      <p:cxnSp>
+        <p:nvCxnSpPr>
+          <p:cNvPr id="67" name="直接箭头连接符 66">
+            <a:extLst>
+              <a:ext uri="{FF2B5EF4-FFF2-40B4-BE49-F238E27FC236}">
+                <a16:creationId xmlns:a16="http://schemas.microsoft.com/office/drawing/2014/main" id="{9909F049-F927-4B41-BBC1-407CA66AA7B6}"/>
+              </a:ext>
+            </a:extLst>
+          </p:cNvPr>
+          <p:cNvCxnSpPr>
+            <a:cxnSpLocks/>
+            <a:stCxn id="62" idx="3"/>
+            <a:endCxn id="96" idx="1"/>
+          </p:cNvCxnSpPr>
+          <p:nvPr/>
+        </p:nvCxnSpPr>
+        <p:spPr>
+          <a:xfrm flipV="1">
+            <a:off x="7113932" y="6166715"/>
+            <a:ext cx="751005" cy="2"/>
+          </a:xfrm>
+          <a:prstGeom prst="straightConnector1">
+            <a:avLst/>
           </a:prstGeom>
           <a:ln w="12700">
             <a:headEnd type="oval" w="med" len="med"/>
@@ -19520,26 +22092,65 @@
       </p:cxnSp>
       <p:sp>
         <p:nvSpPr>
-          <p:cNvPr id="61" name="矩形 60">
-            <a:extLst>
-              <a:ext uri="{FF2B5EF4-FFF2-40B4-BE49-F238E27FC236}">
-                <a16:creationId xmlns:a16="http://schemas.microsoft.com/office/drawing/2014/main" id="{9F63B14E-5AF1-4603-A5B9-D12D00CD06CB}"/>
-              </a:ext>
-            </a:extLst>
-          </p:cNvPr>
-          <p:cNvSpPr/>
+          <p:cNvPr id="72" name="文本框 71">
+            <a:extLst>
+              <a:ext uri="{FF2B5EF4-FFF2-40B4-BE49-F238E27FC236}">
+                <a16:creationId xmlns:a16="http://schemas.microsoft.com/office/drawing/2014/main" id="{B49E1AE5-9FE1-4088-A1EE-6C4B77F1481F}"/>
+              </a:ext>
+            </a:extLst>
+          </p:cNvPr>
+          <p:cNvSpPr txBox="1"/>
           <p:nvPr/>
         </p:nvSpPr>
         <p:spPr>
           <a:xfrm>
-            <a:off x="4345760" y="2926552"/>
-            <a:ext cx="2403836" cy="499620"/>
+            <a:off x="7157944" y="5828162"/>
+            <a:ext cx="706993" cy="338554"/>
           </a:xfrm>
           <a:prstGeom prst="rect">
             <a:avLst/>
           </a:prstGeom>
+          <a:noFill/>
+        </p:spPr>
+        <p:txBody>
+          <a:bodyPr wrap="square" rtlCol="0">
+            <a:spAutoFit/>
+          </a:bodyPr>
+          <a:lstStyle/>
+          <a:p>
+            <a:pPr algn="ctr"/>
+            <a:r>
+              <a:rPr lang="zh-CN" altLang="en-US" sz="1600" b="1" dirty="0">
+                <a:latin typeface="Times New Roman" panose="02020603050405020304" pitchFamily="18" charset="0"/>
+                <a:cs typeface="Times New Roman" panose="02020603050405020304" pitchFamily="18" charset="0"/>
+              </a:rPr>
+              <a:t>覆盖</a:t>
+            </a:r>
+          </a:p>
+        </p:txBody>
+      </p:sp>
+      <p:sp>
+        <p:nvSpPr>
+          <p:cNvPr id="74" name="矩形 73">
+            <a:extLst>
+              <a:ext uri="{FF2B5EF4-FFF2-40B4-BE49-F238E27FC236}">
+                <a16:creationId xmlns:a16="http://schemas.microsoft.com/office/drawing/2014/main" id="{37967C44-1E8D-4891-AAAD-AC5914A49064}"/>
+              </a:ext>
+            </a:extLst>
+          </p:cNvPr>
+          <p:cNvSpPr/>
+          <p:nvPr/>
+        </p:nvSpPr>
+        <p:spPr>
+          <a:xfrm>
+            <a:off x="4510566" y="4901952"/>
+            <a:ext cx="2403836" cy="499620"/>
+          </a:xfrm>
+          <a:prstGeom prst="rect">
+            <a:avLst/>
+          </a:prstGeom>
           <a:solidFill>
-            <a:srgbClr val="C4B7D7"/>
+            <a:srgbClr val="215CC1"/>
           </a:solidFill>
           <a:ln>
             <a:solidFill>
@@ -19569,24 +22180,107 @@
           <a:p>
             <a:pPr algn="ctr"/>
             <a:r>
-              <a:rPr lang="zh-CN" altLang="en-US" sz="1600" dirty="0">
+              <a:rPr lang="zh-CN" altLang="en-US" sz="1600" b="1" dirty="0">
                 <a:solidFill>
-                  <a:schemeClr val="tx1"/>
+                  <a:schemeClr val="bg1"/>
                 </a:solidFill>
-                <a:latin typeface="The Serif Hand Black" panose="03070902030502020204" pitchFamily="66" charset="0"/>
+                <a:latin typeface="Times New Roman" panose="02020603050405020304" pitchFamily="18" charset="0"/>
                 <a:cs typeface="Times New Roman" panose="02020603050405020304" pitchFamily="18" charset="0"/>
               </a:rPr>
               <a:t>检查是否需要擦除</a:t>
+            </a:r>
+          </a:p>
+        </p:txBody>
+      </p:sp>
+      <p:cxnSp>
+        <p:nvCxnSpPr>
+          <p:cNvPr id="76" name="直接箭头连接符 75">
+            <a:extLst>
+              <a:ext uri="{FF2B5EF4-FFF2-40B4-BE49-F238E27FC236}">
+                <a16:creationId xmlns:a16="http://schemas.microsoft.com/office/drawing/2014/main" id="{FF451173-75FC-46AF-B4A0-D7E384D97E7C}"/>
+              </a:ext>
+            </a:extLst>
+          </p:cNvPr>
+          <p:cNvCxnSpPr>
+            <a:cxnSpLocks/>
+            <a:stCxn id="74" idx="2"/>
+            <a:endCxn id="62" idx="0"/>
+          </p:cNvCxnSpPr>
+          <p:nvPr/>
+        </p:nvCxnSpPr>
+        <p:spPr>
+          <a:xfrm>
+            <a:off x="5712484" y="5401572"/>
+            <a:ext cx="0" cy="336225"/>
+          </a:xfrm>
+          <a:prstGeom prst="straightConnector1">
+            <a:avLst/>
+          </a:prstGeom>
+          <a:ln w="12700">
+            <a:headEnd type="oval" w="med" len="med"/>
+            <a:tailEnd type="triangle" w="med" len="med"/>
+          </a:ln>
+        </p:spPr>
+        <p:style>
+          <a:lnRef idx="1">
+            <a:schemeClr val="dk1"/>
+          </a:lnRef>
+          <a:fillRef idx="0">
+            <a:schemeClr val="dk1"/>
+          </a:fillRef>
+          <a:effectRef idx="0">
+            <a:schemeClr val="dk1"/>
+          </a:effectRef>
+          <a:fontRef idx="minor">
+            <a:schemeClr val="tx1"/>
+          </a:fontRef>
+        </p:style>
+      </p:cxnSp>
+      <p:sp>
+        <p:nvSpPr>
+          <p:cNvPr id="78" name="文本框 77">
+            <a:extLst>
+              <a:ext uri="{FF2B5EF4-FFF2-40B4-BE49-F238E27FC236}">
+                <a16:creationId xmlns:a16="http://schemas.microsoft.com/office/drawing/2014/main" id="{1FAF07EA-062C-4EFE-A8AD-9473ECDB1103}"/>
+              </a:ext>
+            </a:extLst>
+          </p:cNvPr>
+          <p:cNvSpPr txBox="1"/>
+          <p:nvPr/>
+        </p:nvSpPr>
+        <p:spPr>
+          <a:xfrm>
+            <a:off x="3638627" y="5828162"/>
+            <a:ext cx="706993" cy="338554"/>
+          </a:xfrm>
+          <a:prstGeom prst="rect">
+            <a:avLst/>
+          </a:prstGeom>
+          <a:noFill/>
+        </p:spPr>
+        <p:txBody>
+          <a:bodyPr wrap="square" rtlCol="0">
+            <a:spAutoFit/>
+          </a:bodyPr>
+          <a:lstStyle/>
+          <a:p>
+            <a:pPr algn="ctr"/>
+            <a:r>
+              <a:rPr lang="zh-CN" altLang="en-US" sz="1600" b="1" dirty="0">
+                <a:latin typeface="Times New Roman" panose="02020603050405020304" pitchFamily="18" charset="0"/>
+                <a:cs typeface="Times New Roman" panose="02020603050405020304" pitchFamily="18" charset="0"/>
+              </a:rPr>
+              <a:t>保留</a:t>
             </a:r>
           </a:p>
         </p:txBody>
       </p:sp>
       <p:sp>
         <p:nvSpPr>
-          <p:cNvPr id="66" name="流程图: 决策 65">
-            <a:extLst>
-              <a:ext uri="{FF2B5EF4-FFF2-40B4-BE49-F238E27FC236}">
-                <a16:creationId xmlns:a16="http://schemas.microsoft.com/office/drawing/2014/main" id="{6CFE83CD-A300-4B92-BF5B-5709E59E94A1}"/>
+          <p:cNvPr id="80" name="矩形 79">
+            <a:extLst>
+              <a:ext uri="{FF2B5EF4-FFF2-40B4-BE49-F238E27FC236}">
+                <a16:creationId xmlns:a16="http://schemas.microsoft.com/office/drawing/2014/main" id="{DAF42D60-3723-4FA4-997C-E1D9082E3B15}"/>
               </a:ext>
             </a:extLst>
           </p:cNvPr>
@@ -19595,17 +22289,19 @@
         </p:nvSpPr>
         <p:spPr>
           <a:xfrm>
-            <a:off x="4146230" y="3784391"/>
-            <a:ext cx="2802896" cy="857839"/>
-          </a:xfrm>
-          <a:prstGeom prst="flowChartDecision">
+            <a:off x="4510566" y="0"/>
+            <a:ext cx="2403836" cy="499620"/>
+          </a:xfrm>
+          <a:prstGeom prst="rect">
             <a:avLst/>
           </a:prstGeom>
           <a:solidFill>
-            <a:srgbClr val="705697"/>
+            <a:srgbClr val="6DB015"/>
           </a:solidFill>
           <a:ln>
-            <a:noFill/>
+            <a:solidFill>
+              <a:schemeClr val="tx1"/>
+            </a:solidFill>
           </a:ln>
         </p:spPr>
         <p:style>
@@ -19630,21 +22326,68 @@
           <a:p>
             <a:pPr algn="ctr"/>
             <a:r>
-              <a:rPr lang="zh-CN" altLang="en-US" sz="1600" dirty="0">
-                <a:latin typeface="The Serif Hand Black" panose="03070902030502020204" pitchFamily="66" charset="0"/>
+              <a:rPr lang="zh-CN" altLang="en-US" sz="1600" b="1" dirty="0">
+                <a:solidFill>
+                  <a:schemeClr val="bg1"/>
+                </a:solidFill>
+                <a:latin typeface="Times New Roman" panose="02020603050405020304" pitchFamily="18" charset="0"/>
                 <a:cs typeface="Times New Roman" panose="02020603050405020304" pitchFamily="18" charset="0"/>
               </a:rPr>
-              <a:t>是否需要擦除？</a:t>
+              <a:t>开始</a:t>
             </a:r>
           </a:p>
         </p:txBody>
       </p:sp>
+      <p:cxnSp>
+        <p:nvCxnSpPr>
+          <p:cNvPr id="82" name="直接箭头连接符 81">
+            <a:extLst>
+              <a:ext uri="{FF2B5EF4-FFF2-40B4-BE49-F238E27FC236}">
+                <a16:creationId xmlns:a16="http://schemas.microsoft.com/office/drawing/2014/main" id="{96A0C104-9050-49B1-849C-86BB3E807AA8}"/>
+              </a:ext>
+            </a:extLst>
+          </p:cNvPr>
+          <p:cNvCxnSpPr>
+            <a:cxnSpLocks/>
+            <a:stCxn id="80" idx="2"/>
+            <a:endCxn id="86" idx="0"/>
+          </p:cNvCxnSpPr>
+          <p:nvPr/>
+        </p:nvCxnSpPr>
+        <p:spPr>
+          <a:xfrm>
+            <a:off x="5712484" y="499620"/>
+            <a:ext cx="0" cy="336225"/>
+          </a:xfrm>
+          <a:prstGeom prst="straightConnector1">
+            <a:avLst/>
+          </a:prstGeom>
+          <a:ln w="12700">
+            <a:headEnd type="oval" w="med" len="med"/>
+            <a:tailEnd type="triangle" w="med" len="med"/>
+          </a:ln>
+        </p:spPr>
+        <p:style>
+          <a:lnRef idx="1">
+            <a:schemeClr val="dk1"/>
+          </a:lnRef>
+          <a:fillRef idx="0">
+            <a:schemeClr val="dk1"/>
+          </a:fillRef>
+          <a:effectRef idx="0">
+            <a:schemeClr val="dk1"/>
+          </a:effectRef>
+          <a:fontRef idx="minor">
+            <a:schemeClr val="tx1"/>
+          </a:fontRef>
+        </p:style>
+      </p:cxnSp>
       <p:sp>
         <p:nvSpPr>
-          <p:cNvPr id="68" name="矩形 67">
-            <a:extLst>
-              <a:ext uri="{FF2B5EF4-FFF2-40B4-BE49-F238E27FC236}">
-                <a16:creationId xmlns:a16="http://schemas.microsoft.com/office/drawing/2014/main" id="{E94863D9-ACCD-4AE3-A401-F9571CA43046}"/>
+          <p:cNvPr id="86" name="流程图: 决策 85">
+            <a:extLst>
+              <a:ext uri="{FF2B5EF4-FFF2-40B4-BE49-F238E27FC236}">
+                <a16:creationId xmlns:a16="http://schemas.microsoft.com/office/drawing/2014/main" id="{22886C1A-A3D3-42AC-BD69-CC67D27CA71A}"/>
               </a:ext>
             </a:extLst>
           </p:cNvPr>
@@ -19653,19 +22396,17 @@
         </p:nvSpPr>
         <p:spPr>
           <a:xfrm>
-            <a:off x="4345760" y="4936237"/>
-            <a:ext cx="2403836" cy="499620"/>
-          </a:xfrm>
-          <a:prstGeom prst="rect">
+            <a:off x="4311036" y="835845"/>
+            <a:ext cx="2802896" cy="857839"/>
+          </a:xfrm>
+          <a:prstGeom prst="flowChartDecision">
             <a:avLst/>
           </a:prstGeom>
           <a:solidFill>
-            <a:srgbClr val="C4B7D7"/>
+            <a:srgbClr val="222222"/>
           </a:solidFill>
           <a:ln>
-            <a:solidFill>
-              <a:schemeClr val="tx1"/>
-            </a:solidFill>
+            <a:noFill/>
           </a:ln>
         </p:spPr>
         <p:style>
@@ -19690,38 +22431,98 @@
           <a:p>
             <a:pPr algn="ctr"/>
             <a:r>
-              <a:rPr lang="zh-CN" altLang="en-US" sz="1600" dirty="0">
-                <a:solidFill>
-                  <a:schemeClr val="tx1"/>
-                </a:solidFill>
-                <a:latin typeface="The Serif Hand Black" panose="03070902030502020204" pitchFamily="66" charset="0"/>
+              <a:rPr lang="zh-CN" altLang="en-US" sz="1600" b="1" dirty="0">
+                <a:latin typeface="Times New Roman" panose="02020603050405020304" pitchFamily="18" charset="0"/>
                 <a:cs typeface="Times New Roman" panose="02020603050405020304" pitchFamily="18" charset="0"/>
               </a:rPr>
-              <a:t>擦除相应块</a:t>
+              <a:t>检查写入地址合法性？</a:t>
+            </a:r>
+          </a:p>
+        </p:txBody>
+      </p:sp>
+      <p:sp>
+        <p:nvSpPr>
+          <p:cNvPr id="87" name="矩形 86">
+            <a:extLst>
+              <a:ext uri="{FF2B5EF4-FFF2-40B4-BE49-F238E27FC236}">
+                <a16:creationId xmlns:a16="http://schemas.microsoft.com/office/drawing/2014/main" id="{BBE6BE51-0E2E-4828-9445-B3126E1DD559}"/>
+              </a:ext>
+            </a:extLst>
+          </p:cNvPr>
+          <p:cNvSpPr/>
+          <p:nvPr/>
+        </p:nvSpPr>
+        <p:spPr>
+          <a:xfrm>
+            <a:off x="4510566" y="2029909"/>
+            <a:ext cx="2403836" cy="499620"/>
+          </a:xfrm>
+          <a:prstGeom prst="rect">
+            <a:avLst/>
+          </a:prstGeom>
+          <a:solidFill>
+            <a:srgbClr val="215CC1"/>
+          </a:solidFill>
+          <a:ln>
+            <a:solidFill>
+              <a:schemeClr val="tx1"/>
+            </a:solidFill>
+          </a:ln>
+        </p:spPr>
+        <p:style>
+          <a:lnRef idx="2">
+            <a:schemeClr val="accent1">
+              <a:shade val="50000"/>
+            </a:schemeClr>
+          </a:lnRef>
+          <a:fillRef idx="1">
+            <a:schemeClr val="accent1"/>
+          </a:fillRef>
+          <a:effectRef idx="0">
+            <a:schemeClr val="accent1"/>
+          </a:effectRef>
+          <a:fontRef idx="minor">
+            <a:schemeClr val="lt1"/>
+          </a:fontRef>
+        </p:style>
+        <p:txBody>
+          <a:bodyPr rtlCol="0" anchor="ctr"/>
+          <a:lstStyle/>
+          <a:p>
+            <a:pPr algn="ctr"/>
+            <a:r>
+              <a:rPr lang="zh-CN" altLang="en-US" sz="1600" b="1" dirty="0">
+                <a:solidFill>
+                  <a:schemeClr val="bg1"/>
+                </a:solidFill>
+                <a:latin typeface="Times New Roman" panose="02020603050405020304" pitchFamily="18" charset="0"/>
+                <a:cs typeface="Times New Roman" panose="02020603050405020304" pitchFamily="18" charset="0"/>
+              </a:rPr>
+              <a:t>将欲写入的内容分段</a:t>
             </a:r>
           </a:p>
         </p:txBody>
       </p:sp>
       <p:cxnSp>
         <p:nvCxnSpPr>
-          <p:cNvPr id="70" name="直接箭头连接符 69">
-            <a:extLst>
-              <a:ext uri="{FF2B5EF4-FFF2-40B4-BE49-F238E27FC236}">
-                <a16:creationId xmlns:a16="http://schemas.microsoft.com/office/drawing/2014/main" id="{722FE355-0F92-4660-B839-DEFFEB8999E7}"/>
+          <p:cNvPr id="89" name="直接箭头连接符 88">
+            <a:extLst>
+              <a:ext uri="{FF2B5EF4-FFF2-40B4-BE49-F238E27FC236}">
+                <a16:creationId xmlns:a16="http://schemas.microsoft.com/office/drawing/2014/main" id="{1A147714-076F-4133-BEFE-97CFF341774B}"/>
               </a:ext>
             </a:extLst>
           </p:cNvPr>
           <p:cNvCxnSpPr>
             <a:cxnSpLocks/>
-            <a:stCxn id="66" idx="2"/>
-            <a:endCxn id="68" idx="0"/>
+            <a:stCxn id="86" idx="2"/>
+            <a:endCxn id="87" idx="0"/>
           </p:cNvCxnSpPr>
           <p:nvPr/>
         </p:nvCxnSpPr>
         <p:spPr>
           <a:xfrm>
-            <a:off x="5547678" y="4642230"/>
-            <a:ext cx="0" cy="294007"/>
+            <a:off x="5712484" y="1693684"/>
+            <a:ext cx="0" cy="336225"/>
           </a:xfrm>
           <a:prstGeom prst="straightConnector1">
             <a:avLst/>
@@ -19748,10 +22549,10 @@
       </p:cxnSp>
       <p:sp>
         <p:nvSpPr>
-          <p:cNvPr id="73" name="文本框 72">
-            <a:extLst>
-              <a:ext uri="{FF2B5EF4-FFF2-40B4-BE49-F238E27FC236}">
-                <a16:creationId xmlns:a16="http://schemas.microsoft.com/office/drawing/2014/main" id="{31D6035A-D435-44A9-98CF-BB8278E06059}"/>
+          <p:cNvPr id="90" name="文本框 89">
+            <a:extLst>
+              <a:ext uri="{FF2B5EF4-FFF2-40B4-BE49-F238E27FC236}">
+                <a16:creationId xmlns:a16="http://schemas.microsoft.com/office/drawing/2014/main" id="{8AB125EC-C9BE-48DA-A1F4-938629E66E17}"/>
               </a:ext>
             </a:extLst>
           </p:cNvPr>
@@ -19760,8 +22561,8 @@
         </p:nvSpPr>
         <p:spPr>
           <a:xfrm>
-            <a:off x="6749596" y="1833426"/>
-            <a:ext cx="893264" cy="338554"/>
+            <a:off x="5835049" y="1660577"/>
+            <a:ext cx="706993" cy="338554"/>
           </a:xfrm>
           <a:prstGeom prst="rect">
             <a:avLst/>
@@ -19775,76 +22576,663 @@
           <a:lstStyle/>
           <a:p>
             <a:r>
-              <a:rPr lang="zh-CN" altLang="en-US" sz="1600" dirty="0">
-                <a:latin typeface="The Serif Hand Black" panose="03070902030502020204" pitchFamily="66" charset="0"/>
+              <a:rPr lang="zh-CN" altLang="en-US" sz="1600" b="1" dirty="0">
+                <a:latin typeface="Times New Roman" panose="02020603050405020304" pitchFamily="18" charset="0"/>
                 <a:cs typeface="Times New Roman" panose="02020603050405020304" pitchFamily="18" charset="0"/>
               </a:rPr>
-              <a:t>不合法</a:t>
+              <a:t>合法</a:t>
+            </a:r>
+          </a:p>
+        </p:txBody>
+      </p:sp>
+      <p:cxnSp>
+        <p:nvCxnSpPr>
+          <p:cNvPr id="92" name="直接箭头连接符 91">
+            <a:extLst>
+              <a:ext uri="{FF2B5EF4-FFF2-40B4-BE49-F238E27FC236}">
+                <a16:creationId xmlns:a16="http://schemas.microsoft.com/office/drawing/2014/main" id="{819562D3-87FD-45E9-AE7A-B864DF419A07}"/>
+              </a:ext>
+            </a:extLst>
+          </p:cNvPr>
+          <p:cNvCxnSpPr>
+            <a:cxnSpLocks/>
+            <a:stCxn id="87" idx="2"/>
+            <a:endCxn id="49" idx="0"/>
+          </p:cNvCxnSpPr>
+          <p:nvPr/>
+        </p:nvCxnSpPr>
+        <p:spPr>
+          <a:xfrm>
+            <a:off x="5712484" y="2529529"/>
+            <a:ext cx="0" cy="342513"/>
+          </a:xfrm>
+          <a:prstGeom prst="straightConnector1">
+            <a:avLst/>
+          </a:prstGeom>
+          <a:ln w="12700">
+            <a:headEnd type="oval" w="med" len="med"/>
+            <a:tailEnd type="triangle" w="med" len="med"/>
+          </a:ln>
+        </p:spPr>
+        <p:style>
+          <a:lnRef idx="1">
+            <a:schemeClr val="dk1"/>
+          </a:lnRef>
+          <a:fillRef idx="0">
+            <a:schemeClr val="dk1"/>
+          </a:fillRef>
+          <a:effectRef idx="0">
+            <a:schemeClr val="dk1"/>
+          </a:effectRef>
+          <a:fontRef idx="minor">
+            <a:schemeClr val="tx1"/>
+          </a:fontRef>
+        </p:style>
+      </p:cxnSp>
+      <p:sp>
+        <p:nvSpPr>
+          <p:cNvPr id="93" name="流程图: 决策 92">
+            <a:extLst>
+              <a:ext uri="{FF2B5EF4-FFF2-40B4-BE49-F238E27FC236}">
+                <a16:creationId xmlns:a16="http://schemas.microsoft.com/office/drawing/2014/main" id="{170B750A-ED2B-4002-8709-612DCA73DEC8}"/>
+              </a:ext>
+            </a:extLst>
+          </p:cNvPr>
+          <p:cNvSpPr/>
+          <p:nvPr/>
+        </p:nvSpPr>
+        <p:spPr>
+          <a:xfrm>
+            <a:off x="807416" y="5737796"/>
+            <a:ext cx="2802896" cy="857839"/>
+          </a:xfrm>
+          <a:prstGeom prst="flowChartDecision">
+            <a:avLst/>
+          </a:prstGeom>
+          <a:solidFill>
+            <a:srgbClr val="222222"/>
+          </a:solidFill>
+          <a:ln>
+            <a:noFill/>
+          </a:ln>
+        </p:spPr>
+        <p:style>
+          <a:lnRef idx="2">
+            <a:schemeClr val="accent1">
+              <a:shade val="50000"/>
+            </a:schemeClr>
+          </a:lnRef>
+          <a:fillRef idx="1">
+            <a:schemeClr val="accent1"/>
+          </a:fillRef>
+          <a:effectRef idx="0">
+            <a:schemeClr val="accent1"/>
+          </a:effectRef>
+          <a:fontRef idx="minor">
+            <a:schemeClr val="lt1"/>
+          </a:fontRef>
+        </p:style>
+        <p:txBody>
+          <a:bodyPr rtlCol="0" anchor="ctr"/>
+          <a:lstStyle/>
+          <a:p>
+            <a:pPr algn="ctr"/>
+            <a:r>
+              <a:rPr lang="zh-CN" altLang="en-US" sz="1600" b="1" dirty="0">
+                <a:latin typeface="Times New Roman" panose="02020603050405020304" pitchFamily="18" charset="0"/>
+                <a:cs typeface="Times New Roman" panose="02020603050405020304" pitchFamily="18" charset="0"/>
+              </a:rPr>
+              <a:t>是否需要擦除？</a:t>
             </a:r>
           </a:p>
         </p:txBody>
       </p:sp>
       <p:sp>
         <p:nvSpPr>
-          <p:cNvPr id="74" name="文本框 73">
-            <a:extLst>
-              <a:ext uri="{FF2B5EF4-FFF2-40B4-BE49-F238E27FC236}">
-                <a16:creationId xmlns:a16="http://schemas.microsoft.com/office/drawing/2014/main" id="{DBDBBE92-BD11-4101-9F72-A0279AABDBFD}"/>
-              </a:ext>
-            </a:extLst>
-          </p:cNvPr>
-          <p:cNvSpPr txBox="1"/>
+          <p:cNvPr id="95" name="矩形 94">
+            <a:extLst>
+              <a:ext uri="{FF2B5EF4-FFF2-40B4-BE49-F238E27FC236}">
+                <a16:creationId xmlns:a16="http://schemas.microsoft.com/office/drawing/2014/main" id="{3C01B595-8913-444A-8AC5-6D832C2E7B23}"/>
+              </a:ext>
+            </a:extLst>
+          </p:cNvPr>
+          <p:cNvSpPr/>
           <p:nvPr/>
         </p:nvSpPr>
         <p:spPr>
           <a:xfrm>
-            <a:off x="5647383" y="4551987"/>
-            <a:ext cx="893264" cy="338554"/>
+            <a:off x="1006946" y="4901952"/>
+            <a:ext cx="2403836" cy="499620"/>
           </a:xfrm>
           <a:prstGeom prst="rect">
             <a:avLst/>
           </a:prstGeom>
-          <a:noFill/>
-        </p:spPr>
+          <a:solidFill>
+            <a:srgbClr val="215CC1"/>
+          </a:solidFill>
+          <a:ln>
+            <a:solidFill>
+              <a:schemeClr val="tx1"/>
+            </a:solidFill>
+          </a:ln>
+        </p:spPr>
+        <p:style>
+          <a:lnRef idx="2">
+            <a:schemeClr val="accent1">
+              <a:shade val="50000"/>
+            </a:schemeClr>
+          </a:lnRef>
+          <a:fillRef idx="1">
+            <a:schemeClr val="accent1"/>
+          </a:fillRef>
+          <a:effectRef idx="0">
+            <a:schemeClr val="accent1"/>
+          </a:effectRef>
+          <a:fontRef idx="minor">
+            <a:schemeClr val="lt1"/>
+          </a:fontRef>
+        </p:style>
         <p:txBody>
-          <a:bodyPr wrap="square" rtlCol="0">
-            <a:spAutoFit/>
-          </a:bodyPr>
+          <a:bodyPr rtlCol="0" anchor="ctr"/>
           <a:lstStyle/>
           <a:p>
-            <a:r>
-              <a:rPr lang="zh-CN" altLang="en-US" sz="1600" dirty="0">
-                <a:latin typeface="The Serif Hand Black" panose="03070902030502020204" pitchFamily="66" charset="0"/>
+            <a:pPr algn="ctr"/>
+            <a:r>
+              <a:rPr lang="zh-CN" altLang="en-US" sz="1600" b="1" dirty="0">
+                <a:solidFill>
+                  <a:schemeClr val="bg1"/>
+                </a:solidFill>
+                <a:latin typeface="Times New Roman" panose="02020603050405020304" pitchFamily="18" charset="0"/>
                 <a:cs typeface="Times New Roman" panose="02020603050405020304" pitchFamily="18" charset="0"/>
               </a:rPr>
-              <a:t>是</a:t>
-            </a:r>
+              <a:t>读取相应</a:t>
+            </a:r>
+            <a:r>
+              <a:rPr lang="en-US" altLang="zh-CN" sz="1600" b="1" dirty="0">
+                <a:solidFill>
+                  <a:schemeClr val="bg1"/>
+                </a:solidFill>
+                <a:latin typeface="Times New Roman" panose="02020603050405020304" pitchFamily="18" charset="0"/>
+                <a:cs typeface="Times New Roman" panose="02020603050405020304" pitchFamily="18" charset="0"/>
+              </a:rPr>
+              <a:t>sector</a:t>
+            </a:r>
+            <a:r>
+              <a:rPr lang="zh-CN" altLang="en-US" sz="1600" b="1" dirty="0">
+                <a:solidFill>
+                  <a:schemeClr val="bg1"/>
+                </a:solidFill>
+                <a:latin typeface="Times New Roman" panose="02020603050405020304" pitchFamily="18" charset="0"/>
+                <a:cs typeface="Times New Roman" panose="02020603050405020304" pitchFamily="18" charset="0"/>
+              </a:rPr>
+              <a:t>至</a:t>
+            </a:r>
+            <a:r>
+              <a:rPr lang="en-US" altLang="zh-CN" sz="1600" b="1" dirty="0">
+                <a:solidFill>
+                  <a:schemeClr val="bg1"/>
+                </a:solidFill>
+                <a:latin typeface="Times New Roman" panose="02020603050405020304" pitchFamily="18" charset="0"/>
+                <a:cs typeface="Times New Roman" panose="02020603050405020304" pitchFamily="18" charset="0"/>
+              </a:rPr>
+              <a:t>buffer</a:t>
+            </a:r>
+            <a:endParaRPr lang="zh-CN" altLang="en-US" sz="1600" b="1" dirty="0">
+              <a:solidFill>
+                <a:schemeClr val="bg1"/>
+              </a:solidFill>
+              <a:latin typeface="Times New Roman" panose="02020603050405020304" pitchFamily="18" charset="0"/>
+              <a:cs typeface="Times New Roman" panose="02020603050405020304" pitchFamily="18" charset="0"/>
+            </a:endParaRPr>
+          </a:p>
+        </p:txBody>
+      </p:sp>
+      <p:sp>
+        <p:nvSpPr>
+          <p:cNvPr id="96" name="流程图: 决策 95">
+            <a:extLst>
+              <a:ext uri="{FF2B5EF4-FFF2-40B4-BE49-F238E27FC236}">
+                <a16:creationId xmlns:a16="http://schemas.microsoft.com/office/drawing/2014/main" id="{2174F6B1-B4C1-466A-BC07-D1D8099FB70E}"/>
+              </a:ext>
+            </a:extLst>
+          </p:cNvPr>
+          <p:cNvSpPr/>
+          <p:nvPr/>
+        </p:nvSpPr>
+        <p:spPr>
+          <a:xfrm>
+            <a:off x="7864937" y="5737795"/>
+            <a:ext cx="2802896" cy="857839"/>
+          </a:xfrm>
+          <a:prstGeom prst="flowChartDecision">
+            <a:avLst/>
+          </a:prstGeom>
+          <a:solidFill>
+            <a:srgbClr val="222222"/>
+          </a:solidFill>
+          <a:ln>
+            <a:noFill/>
+          </a:ln>
+        </p:spPr>
+        <p:style>
+          <a:lnRef idx="2">
+            <a:schemeClr val="accent1">
+              <a:shade val="50000"/>
+            </a:schemeClr>
+          </a:lnRef>
+          <a:fillRef idx="1">
+            <a:schemeClr val="accent1"/>
+          </a:fillRef>
+          <a:effectRef idx="0">
+            <a:schemeClr val="accent1"/>
+          </a:effectRef>
+          <a:fontRef idx="minor">
+            <a:schemeClr val="lt1"/>
+          </a:fontRef>
+        </p:style>
+        <p:txBody>
+          <a:bodyPr rtlCol="0" anchor="ctr"/>
+          <a:lstStyle/>
+          <a:p>
+            <a:pPr algn="ctr"/>
+            <a:r>
+              <a:rPr lang="zh-CN" altLang="en-US" sz="1600" b="1" dirty="0">
+                <a:latin typeface="Times New Roman" panose="02020603050405020304" pitchFamily="18" charset="0"/>
+                <a:cs typeface="Times New Roman" panose="02020603050405020304" pitchFamily="18" charset="0"/>
+              </a:rPr>
+              <a:t>是否需要擦除？</a:t>
+            </a:r>
+          </a:p>
+        </p:txBody>
+      </p:sp>
+      <p:sp>
+        <p:nvSpPr>
+          <p:cNvPr id="98" name="矩形 97">
+            <a:extLst>
+              <a:ext uri="{FF2B5EF4-FFF2-40B4-BE49-F238E27FC236}">
+                <a16:creationId xmlns:a16="http://schemas.microsoft.com/office/drawing/2014/main" id="{AD2EDA36-F134-42B1-B501-54FB7BFEEDE6}"/>
+              </a:ext>
+            </a:extLst>
+          </p:cNvPr>
+          <p:cNvSpPr/>
+          <p:nvPr/>
+        </p:nvSpPr>
+        <p:spPr>
+          <a:xfrm>
+            <a:off x="8064467" y="4901952"/>
+            <a:ext cx="2403836" cy="499620"/>
+          </a:xfrm>
+          <a:prstGeom prst="rect">
+            <a:avLst/>
+          </a:prstGeom>
+          <a:solidFill>
+            <a:srgbClr val="215CC1"/>
+          </a:solidFill>
+          <a:ln>
+            <a:solidFill>
+              <a:schemeClr val="tx1"/>
+            </a:solidFill>
+          </a:ln>
+        </p:spPr>
+        <p:style>
+          <a:lnRef idx="2">
+            <a:schemeClr val="accent1">
+              <a:shade val="50000"/>
+            </a:schemeClr>
+          </a:lnRef>
+          <a:fillRef idx="1">
+            <a:schemeClr val="accent1"/>
+          </a:fillRef>
+          <a:effectRef idx="0">
+            <a:schemeClr val="accent1"/>
+          </a:effectRef>
+          <a:fontRef idx="minor">
+            <a:schemeClr val="lt1"/>
+          </a:fontRef>
+        </p:style>
+        <p:txBody>
+          <a:bodyPr rtlCol="0" anchor="ctr"/>
+          <a:lstStyle/>
+          <a:p>
+            <a:pPr algn="ctr"/>
+            <a:r>
+              <a:rPr lang="zh-CN" altLang="en-US" sz="1600" b="1" dirty="0">
+                <a:solidFill>
+                  <a:schemeClr val="bg1"/>
+                </a:solidFill>
+                <a:latin typeface="Times New Roman" panose="02020603050405020304" pitchFamily="18" charset="0"/>
+                <a:cs typeface="Times New Roman" panose="02020603050405020304" pitchFamily="18" charset="0"/>
+              </a:rPr>
+              <a:t>擦除相应</a:t>
+            </a:r>
+            <a:r>
+              <a:rPr lang="en-US" altLang="zh-CN" sz="1600" b="1" dirty="0">
+                <a:solidFill>
+                  <a:schemeClr val="bg1"/>
+                </a:solidFill>
+                <a:latin typeface="Times New Roman" panose="02020603050405020304" pitchFamily="18" charset="0"/>
+                <a:cs typeface="Times New Roman" panose="02020603050405020304" pitchFamily="18" charset="0"/>
+              </a:rPr>
+              <a:t>sector</a:t>
+            </a:r>
+            <a:endParaRPr lang="zh-CN" altLang="en-US" sz="1600" b="1" dirty="0">
+              <a:solidFill>
+                <a:schemeClr val="bg1"/>
+              </a:solidFill>
+              <a:latin typeface="Times New Roman" panose="02020603050405020304" pitchFamily="18" charset="0"/>
+              <a:cs typeface="Times New Roman" panose="02020603050405020304" pitchFamily="18" charset="0"/>
+            </a:endParaRPr>
+          </a:p>
+        </p:txBody>
+      </p:sp>
+      <p:sp>
+        <p:nvSpPr>
+          <p:cNvPr id="99" name="矩形 98">
+            <a:extLst>
+              <a:ext uri="{FF2B5EF4-FFF2-40B4-BE49-F238E27FC236}">
+                <a16:creationId xmlns:a16="http://schemas.microsoft.com/office/drawing/2014/main" id="{2D1643EC-5C4F-40B0-B7FF-CB588F5987A1}"/>
+              </a:ext>
+            </a:extLst>
+          </p:cNvPr>
+          <p:cNvSpPr/>
+          <p:nvPr/>
+        </p:nvSpPr>
+        <p:spPr>
+          <a:xfrm>
+            <a:off x="1006946" y="4066107"/>
+            <a:ext cx="2403836" cy="499620"/>
+          </a:xfrm>
+          <a:prstGeom prst="rect">
+            <a:avLst/>
+          </a:prstGeom>
+          <a:solidFill>
+            <a:srgbClr val="215CC1"/>
+          </a:solidFill>
+          <a:ln>
+            <a:solidFill>
+              <a:schemeClr val="tx1"/>
+            </a:solidFill>
+          </a:ln>
+        </p:spPr>
+        <p:style>
+          <a:lnRef idx="2">
+            <a:schemeClr val="accent1">
+              <a:shade val="50000"/>
+            </a:schemeClr>
+          </a:lnRef>
+          <a:fillRef idx="1">
+            <a:schemeClr val="accent1"/>
+          </a:fillRef>
+          <a:effectRef idx="0">
+            <a:schemeClr val="accent1"/>
+          </a:effectRef>
+          <a:fontRef idx="minor">
+            <a:schemeClr val="lt1"/>
+          </a:fontRef>
+        </p:style>
+        <p:txBody>
+          <a:bodyPr rtlCol="0" anchor="ctr"/>
+          <a:lstStyle/>
+          <a:p>
+            <a:pPr algn="ctr"/>
+            <a:r>
+              <a:rPr lang="zh-CN" altLang="en-US" sz="1600" b="1" dirty="0">
+                <a:solidFill>
+                  <a:schemeClr val="bg1"/>
+                </a:solidFill>
+                <a:latin typeface="Times New Roman" panose="02020603050405020304" pitchFamily="18" charset="0"/>
+                <a:cs typeface="Times New Roman" panose="02020603050405020304" pitchFamily="18" charset="0"/>
+              </a:rPr>
+              <a:t>计算本次写入内容相对该</a:t>
+            </a:r>
+            <a:r>
+              <a:rPr lang="en-US" altLang="zh-CN" sz="1600" b="1" dirty="0">
+                <a:solidFill>
+                  <a:schemeClr val="bg1"/>
+                </a:solidFill>
+                <a:latin typeface="Times New Roman" panose="02020603050405020304" pitchFamily="18" charset="0"/>
+                <a:cs typeface="Times New Roman" panose="02020603050405020304" pitchFamily="18" charset="0"/>
+              </a:rPr>
+              <a:t>sector</a:t>
+            </a:r>
+            <a:r>
+              <a:rPr lang="zh-CN" altLang="en-US" sz="1600" b="1" dirty="0">
+                <a:solidFill>
+                  <a:schemeClr val="bg1"/>
+                </a:solidFill>
+                <a:latin typeface="Times New Roman" panose="02020603050405020304" pitchFamily="18" charset="0"/>
+                <a:cs typeface="Times New Roman" panose="02020603050405020304" pitchFamily="18" charset="0"/>
+              </a:rPr>
+              <a:t>的偏移</a:t>
+            </a:r>
+          </a:p>
+        </p:txBody>
+      </p:sp>
+      <p:sp>
+        <p:nvSpPr>
+          <p:cNvPr id="100" name="矩形 99">
+            <a:extLst>
+              <a:ext uri="{FF2B5EF4-FFF2-40B4-BE49-F238E27FC236}">
+                <a16:creationId xmlns:a16="http://schemas.microsoft.com/office/drawing/2014/main" id="{D491207D-D002-43A2-A272-D5C2EB4284E6}"/>
+              </a:ext>
+            </a:extLst>
+          </p:cNvPr>
+          <p:cNvSpPr/>
+          <p:nvPr/>
+        </p:nvSpPr>
+        <p:spPr>
+          <a:xfrm>
+            <a:off x="1006946" y="3051151"/>
+            <a:ext cx="2403836" cy="499620"/>
+          </a:xfrm>
+          <a:prstGeom prst="rect">
+            <a:avLst/>
+          </a:prstGeom>
+          <a:solidFill>
+            <a:srgbClr val="215CC1"/>
+          </a:solidFill>
+          <a:ln>
+            <a:solidFill>
+              <a:schemeClr val="tx1"/>
+            </a:solidFill>
+          </a:ln>
+        </p:spPr>
+        <p:style>
+          <a:lnRef idx="2">
+            <a:schemeClr val="accent1">
+              <a:shade val="50000"/>
+            </a:schemeClr>
+          </a:lnRef>
+          <a:fillRef idx="1">
+            <a:schemeClr val="accent1"/>
+          </a:fillRef>
+          <a:effectRef idx="0">
+            <a:schemeClr val="accent1"/>
+          </a:effectRef>
+          <a:fontRef idx="minor">
+            <a:schemeClr val="lt1"/>
+          </a:fontRef>
+        </p:style>
+        <p:txBody>
+          <a:bodyPr rtlCol="0" anchor="ctr"/>
+          <a:lstStyle/>
+          <a:p>
+            <a:pPr algn="ctr"/>
+            <a:r>
+              <a:rPr lang="zh-CN" altLang="en-US" sz="1600" b="1" dirty="0">
+                <a:solidFill>
+                  <a:schemeClr val="bg1"/>
+                </a:solidFill>
+                <a:latin typeface="Times New Roman" panose="02020603050405020304" pitchFamily="18" charset="0"/>
+                <a:cs typeface="Times New Roman" panose="02020603050405020304" pitchFamily="18" charset="0"/>
+              </a:rPr>
+              <a:t>将内容写入</a:t>
+            </a:r>
+            <a:r>
+              <a:rPr lang="en-US" altLang="zh-CN" sz="1600" b="1" dirty="0">
+                <a:solidFill>
+                  <a:schemeClr val="bg1"/>
+                </a:solidFill>
+                <a:latin typeface="Times New Roman" panose="02020603050405020304" pitchFamily="18" charset="0"/>
+                <a:cs typeface="Times New Roman" panose="02020603050405020304" pitchFamily="18" charset="0"/>
+              </a:rPr>
+              <a:t>buffer</a:t>
+            </a:r>
+            <a:r>
+              <a:rPr lang="zh-CN" altLang="en-US" sz="1600" b="1" dirty="0">
+                <a:solidFill>
+                  <a:schemeClr val="bg1"/>
+                </a:solidFill>
+                <a:latin typeface="Times New Roman" panose="02020603050405020304" pitchFamily="18" charset="0"/>
+                <a:cs typeface="Times New Roman" panose="02020603050405020304" pitchFamily="18" charset="0"/>
+              </a:rPr>
+              <a:t>，并擦除相应</a:t>
+            </a:r>
+            <a:r>
+              <a:rPr lang="en-US" altLang="zh-CN" sz="1600" b="1" dirty="0">
+                <a:solidFill>
+                  <a:schemeClr val="bg1"/>
+                </a:solidFill>
+                <a:latin typeface="Times New Roman" panose="02020603050405020304" pitchFamily="18" charset="0"/>
+                <a:cs typeface="Times New Roman" panose="02020603050405020304" pitchFamily="18" charset="0"/>
+              </a:rPr>
+              <a:t>sector</a:t>
+            </a:r>
+            <a:endParaRPr lang="zh-CN" altLang="en-US" sz="1600" b="1" dirty="0">
+              <a:solidFill>
+                <a:schemeClr val="bg1"/>
+              </a:solidFill>
+              <a:latin typeface="Times New Roman" panose="02020603050405020304" pitchFamily="18" charset="0"/>
+              <a:cs typeface="Times New Roman" panose="02020603050405020304" pitchFamily="18" charset="0"/>
+            </a:endParaRPr>
+          </a:p>
+        </p:txBody>
+      </p:sp>
+      <p:sp>
+        <p:nvSpPr>
+          <p:cNvPr id="101" name="矩形 100">
+            <a:extLst>
+              <a:ext uri="{FF2B5EF4-FFF2-40B4-BE49-F238E27FC236}">
+                <a16:creationId xmlns:a16="http://schemas.microsoft.com/office/drawing/2014/main" id="{62F21CD1-5CF8-494C-ADF2-9EA80F409E33}"/>
+              </a:ext>
+            </a:extLst>
+          </p:cNvPr>
+          <p:cNvSpPr/>
+          <p:nvPr/>
+        </p:nvSpPr>
+        <p:spPr>
+          <a:xfrm>
+            <a:off x="1006946" y="2024692"/>
+            <a:ext cx="2403836" cy="499620"/>
+          </a:xfrm>
+          <a:prstGeom prst="rect">
+            <a:avLst/>
+          </a:prstGeom>
+          <a:solidFill>
+            <a:srgbClr val="215CC1"/>
+          </a:solidFill>
+          <a:ln>
+            <a:solidFill>
+              <a:schemeClr val="tx1"/>
+            </a:solidFill>
+          </a:ln>
+        </p:spPr>
+        <p:style>
+          <a:lnRef idx="2">
+            <a:schemeClr val="accent1">
+              <a:shade val="50000"/>
+            </a:schemeClr>
+          </a:lnRef>
+          <a:fillRef idx="1">
+            <a:schemeClr val="accent1"/>
+          </a:fillRef>
+          <a:effectRef idx="0">
+            <a:schemeClr val="accent1"/>
+          </a:effectRef>
+          <a:fontRef idx="minor">
+            <a:schemeClr val="lt1"/>
+          </a:fontRef>
+        </p:style>
+        <p:txBody>
+          <a:bodyPr rtlCol="0" anchor="ctr"/>
+          <a:lstStyle/>
+          <a:p>
+            <a:pPr algn="ctr"/>
+            <a:r>
+              <a:rPr lang="zh-CN" altLang="en-US" sz="1600" b="1" dirty="0">
+                <a:solidFill>
+                  <a:schemeClr val="bg1"/>
+                </a:solidFill>
+                <a:latin typeface="Times New Roman" panose="02020603050405020304" pitchFamily="18" charset="0"/>
+                <a:cs typeface="Times New Roman" panose="02020603050405020304" pitchFamily="18" charset="0"/>
+              </a:rPr>
+              <a:t>将</a:t>
+            </a:r>
+            <a:r>
+              <a:rPr lang="en-US" altLang="zh-CN" sz="1600" b="1" dirty="0">
+                <a:solidFill>
+                  <a:schemeClr val="bg1"/>
+                </a:solidFill>
+                <a:latin typeface="Times New Roman" panose="02020603050405020304" pitchFamily="18" charset="0"/>
+                <a:cs typeface="Times New Roman" panose="02020603050405020304" pitchFamily="18" charset="0"/>
+              </a:rPr>
+              <a:t>buffer</a:t>
+            </a:r>
+            <a:r>
+              <a:rPr lang="zh-CN" altLang="en-US" sz="1600" b="1" dirty="0">
+                <a:solidFill>
+                  <a:schemeClr val="bg1"/>
+                </a:solidFill>
+                <a:latin typeface="Times New Roman" panose="02020603050405020304" pitchFamily="18" charset="0"/>
+                <a:cs typeface="Times New Roman" panose="02020603050405020304" pitchFamily="18" charset="0"/>
+              </a:rPr>
+              <a:t>写入</a:t>
+            </a:r>
+            <a:r>
+              <a:rPr lang="en-US" altLang="zh-CN" sz="1600" b="1" dirty="0">
+                <a:solidFill>
+                  <a:schemeClr val="bg1"/>
+                </a:solidFill>
+                <a:latin typeface="Times New Roman" panose="02020603050405020304" pitchFamily="18" charset="0"/>
+                <a:cs typeface="Times New Roman" panose="02020603050405020304" pitchFamily="18" charset="0"/>
+              </a:rPr>
+              <a:t>Flash</a:t>
+            </a:r>
+            <a:endParaRPr lang="zh-CN" altLang="en-US" sz="1600" b="1" dirty="0">
+              <a:solidFill>
+                <a:schemeClr val="bg1"/>
+              </a:solidFill>
+              <a:latin typeface="Times New Roman" panose="02020603050405020304" pitchFamily="18" charset="0"/>
+              <a:cs typeface="Times New Roman" panose="02020603050405020304" pitchFamily="18" charset="0"/>
+            </a:endParaRPr>
           </a:p>
         </p:txBody>
       </p:sp>
       <p:cxnSp>
         <p:nvCxnSpPr>
-          <p:cNvPr id="75" name="直接箭头连接符 74">
-            <a:extLst>
-              <a:ext uri="{FF2B5EF4-FFF2-40B4-BE49-F238E27FC236}">
-                <a16:creationId xmlns:a16="http://schemas.microsoft.com/office/drawing/2014/main" id="{C7FA0FBE-524D-4B67-901D-6C964FB42E64}"/>
+          <p:cNvPr id="103" name="连接符: 肘形 102">
+            <a:extLst>
+              <a:ext uri="{FF2B5EF4-FFF2-40B4-BE49-F238E27FC236}">
+                <a16:creationId xmlns:a16="http://schemas.microsoft.com/office/drawing/2014/main" id="{E4B16F73-BB87-4B67-B22B-DC32F66C524F}"/>
               </a:ext>
             </a:extLst>
           </p:cNvPr>
           <p:cNvCxnSpPr>
             <a:cxnSpLocks/>
-            <a:stCxn id="68" idx="2"/>
-            <a:endCxn id="57" idx="0"/>
+            <a:stCxn id="93" idx="1"/>
+            <a:endCxn id="101" idx="1"/>
           </p:cNvCxnSpPr>
           <p:nvPr/>
         </p:nvCxnSpPr>
         <p:spPr>
-          <a:xfrm>
-            <a:off x="5547678" y="5435857"/>
-            <a:ext cx="0" cy="358219"/>
-          </a:xfrm>
-          <a:prstGeom prst="straightConnector1">
-            <a:avLst/>
+          <a:xfrm rot="10800000" flipH="1">
+            <a:off x="807416" y="2274502"/>
+            <a:ext cx="199530" cy="3892214"/>
+          </a:xfrm>
+          <a:prstGeom prst="bentConnector3">
+            <a:avLst>
+              <a:gd name="adj1" fmla="val -114569"/>
+            </a:avLst>
           </a:prstGeom>
           <a:ln w="12700">
             <a:headEnd type="oval" w="med" len="med"/>
@@ -19868,24 +23256,24 @@
       </p:cxnSp>
       <p:cxnSp>
         <p:nvCxnSpPr>
-          <p:cNvPr id="56" name="直接箭头连接符 55">
-            <a:extLst>
-              <a:ext uri="{FF2B5EF4-FFF2-40B4-BE49-F238E27FC236}">
-                <a16:creationId xmlns:a16="http://schemas.microsoft.com/office/drawing/2014/main" id="{E812F748-2545-44A4-92A7-D3C5F9EE041C}"/>
+          <p:cNvPr id="104" name="直接箭头连接符 103">
+            <a:extLst>
+              <a:ext uri="{FF2B5EF4-FFF2-40B4-BE49-F238E27FC236}">
+                <a16:creationId xmlns:a16="http://schemas.microsoft.com/office/drawing/2014/main" id="{15300FCD-B0C0-4113-8EBF-3A1A465A75E6}"/>
               </a:ext>
             </a:extLst>
           </p:cNvPr>
           <p:cNvCxnSpPr>
             <a:cxnSpLocks/>
-            <a:stCxn id="61" idx="2"/>
-            <a:endCxn id="66" idx="0"/>
+            <a:stCxn id="93" idx="0"/>
+            <a:endCxn id="95" idx="2"/>
           </p:cNvCxnSpPr>
           <p:nvPr/>
         </p:nvCxnSpPr>
         <p:spPr>
-          <a:xfrm>
-            <a:off x="5547678" y="3426172"/>
-            <a:ext cx="0" cy="358219"/>
+          <a:xfrm flipV="1">
+            <a:off x="2208864" y="5401572"/>
+            <a:ext cx="0" cy="336224"/>
           </a:xfrm>
           <a:prstGeom prst="straightConnector1">
             <a:avLst/>
@@ -19912,29 +23300,159 @@
       </p:cxnSp>
       <p:cxnSp>
         <p:nvCxnSpPr>
-          <p:cNvPr id="80" name="连接符: 肘形 79">
-            <a:extLst>
-              <a:ext uri="{FF2B5EF4-FFF2-40B4-BE49-F238E27FC236}">
-                <a16:creationId xmlns:a16="http://schemas.microsoft.com/office/drawing/2014/main" id="{0BE5B73C-B879-40AF-A28C-0A38D7D65D79}"/>
+          <p:cNvPr id="105" name="直接箭头连接符 104">
+            <a:extLst>
+              <a:ext uri="{FF2B5EF4-FFF2-40B4-BE49-F238E27FC236}">
+                <a16:creationId xmlns:a16="http://schemas.microsoft.com/office/drawing/2014/main" id="{149CED70-A9A7-469C-ADCE-E496726DFD09}"/>
               </a:ext>
             </a:extLst>
           </p:cNvPr>
           <p:cNvCxnSpPr>
             <a:cxnSpLocks/>
-            <a:stCxn id="66" idx="1"/>
-            <a:endCxn id="57" idx="1"/>
+            <a:stCxn id="95" idx="0"/>
+            <a:endCxn id="99" idx="2"/>
           </p:cNvCxnSpPr>
           <p:nvPr/>
         </p:nvCxnSpPr>
         <p:spPr>
-          <a:xfrm rot="10800000" flipH="1" flipV="1">
-            <a:off x="4146230" y="4213310"/>
-            <a:ext cx="199530" cy="1830575"/>
+          <a:xfrm flipV="1">
+            <a:off x="2208864" y="4565727"/>
+            <a:ext cx="0" cy="336225"/>
+          </a:xfrm>
+          <a:prstGeom prst="straightConnector1">
+            <a:avLst/>
+          </a:prstGeom>
+          <a:ln w="12700">
+            <a:headEnd type="oval" w="med" len="med"/>
+            <a:tailEnd type="triangle" w="med" len="med"/>
+          </a:ln>
+        </p:spPr>
+        <p:style>
+          <a:lnRef idx="1">
+            <a:schemeClr val="dk1"/>
+          </a:lnRef>
+          <a:fillRef idx="0">
+            <a:schemeClr val="dk1"/>
+          </a:fillRef>
+          <a:effectRef idx="0">
+            <a:schemeClr val="dk1"/>
+          </a:effectRef>
+          <a:fontRef idx="minor">
+            <a:schemeClr val="tx1"/>
+          </a:fontRef>
+        </p:style>
+      </p:cxnSp>
+      <p:cxnSp>
+        <p:nvCxnSpPr>
+          <p:cNvPr id="106" name="直接箭头连接符 105">
+            <a:extLst>
+              <a:ext uri="{FF2B5EF4-FFF2-40B4-BE49-F238E27FC236}">
+                <a16:creationId xmlns:a16="http://schemas.microsoft.com/office/drawing/2014/main" id="{A8AB4ED5-D358-4B11-AE91-D91A9E68162F}"/>
+              </a:ext>
+            </a:extLst>
+          </p:cNvPr>
+          <p:cNvCxnSpPr>
+            <a:cxnSpLocks/>
+            <a:stCxn id="99" idx="0"/>
+            <a:endCxn id="100" idx="2"/>
+          </p:cNvCxnSpPr>
+          <p:nvPr/>
+        </p:nvCxnSpPr>
+        <p:spPr>
+          <a:xfrm flipV="1">
+            <a:off x="2208864" y="3550771"/>
+            <a:ext cx="0" cy="515336"/>
+          </a:xfrm>
+          <a:prstGeom prst="straightConnector1">
+            <a:avLst/>
+          </a:prstGeom>
+          <a:ln w="12700">
+            <a:headEnd type="oval" w="med" len="med"/>
+            <a:tailEnd type="triangle" w="med" len="med"/>
+          </a:ln>
+        </p:spPr>
+        <p:style>
+          <a:lnRef idx="1">
+            <a:schemeClr val="dk1"/>
+          </a:lnRef>
+          <a:fillRef idx="0">
+            <a:schemeClr val="dk1"/>
+          </a:fillRef>
+          <a:effectRef idx="0">
+            <a:schemeClr val="dk1"/>
+          </a:effectRef>
+          <a:fontRef idx="minor">
+            <a:schemeClr val="tx1"/>
+          </a:fontRef>
+        </p:style>
+      </p:cxnSp>
+      <p:cxnSp>
+        <p:nvCxnSpPr>
+          <p:cNvPr id="108" name="直接箭头连接符 107">
+            <a:extLst>
+              <a:ext uri="{FF2B5EF4-FFF2-40B4-BE49-F238E27FC236}">
+                <a16:creationId xmlns:a16="http://schemas.microsoft.com/office/drawing/2014/main" id="{A1575B5B-1835-44DB-8DAD-01F5562DC64F}"/>
+              </a:ext>
+            </a:extLst>
+          </p:cNvPr>
+          <p:cNvCxnSpPr>
+            <a:cxnSpLocks/>
+            <a:stCxn id="100" idx="0"/>
+            <a:endCxn id="101" idx="2"/>
+          </p:cNvCxnSpPr>
+          <p:nvPr/>
+        </p:nvCxnSpPr>
+        <p:spPr>
+          <a:xfrm flipV="1">
+            <a:off x="2208864" y="2524312"/>
+            <a:ext cx="0" cy="526839"/>
+          </a:xfrm>
+          <a:prstGeom prst="straightConnector1">
+            <a:avLst/>
+          </a:prstGeom>
+          <a:ln w="12700">
+            <a:headEnd type="oval" w="med" len="med"/>
+            <a:tailEnd type="triangle" w="med" len="med"/>
+          </a:ln>
+        </p:spPr>
+        <p:style>
+          <a:lnRef idx="1">
+            <a:schemeClr val="dk1"/>
+          </a:lnRef>
+          <a:fillRef idx="0">
+            <a:schemeClr val="dk1"/>
+          </a:fillRef>
+          <a:effectRef idx="0">
+            <a:schemeClr val="dk1"/>
+          </a:effectRef>
+          <a:fontRef idx="minor">
+            <a:schemeClr val="tx1"/>
+          </a:fontRef>
+        </p:style>
+      </p:cxnSp>
+      <p:cxnSp>
+        <p:nvCxnSpPr>
+          <p:cNvPr id="109" name="连接符: 肘形 108">
+            <a:extLst>
+              <a:ext uri="{FF2B5EF4-FFF2-40B4-BE49-F238E27FC236}">
+                <a16:creationId xmlns:a16="http://schemas.microsoft.com/office/drawing/2014/main" id="{DC3D3D92-03C9-4D1A-8438-D0063EB223F3}"/>
+              </a:ext>
+            </a:extLst>
+          </p:cNvPr>
+          <p:cNvCxnSpPr>
+            <a:cxnSpLocks/>
+            <a:stCxn id="101" idx="3"/>
+            <a:endCxn id="49" idx="1"/>
+          </p:cNvCxnSpPr>
+          <p:nvPr/>
+        </p:nvCxnSpPr>
+        <p:spPr>
+          <a:xfrm>
+            <a:off x="3410782" y="2274502"/>
+            <a:ext cx="900254" cy="1026460"/>
           </a:xfrm>
           <a:prstGeom prst="bentConnector3">
-            <a:avLst>
-              <a:gd name="adj1" fmla="val -114569"/>
-            </a:avLst>
+            <a:avLst/>
           </a:prstGeom>
           <a:ln w="12700">
             <a:headEnd type="oval" w="med" len="med"/>
@@ -19958,10 +23476,443 @@
       </p:cxnSp>
       <p:sp>
         <p:nvSpPr>
-          <p:cNvPr id="84" name="文本框 83">
-            <a:extLst>
-              <a:ext uri="{FF2B5EF4-FFF2-40B4-BE49-F238E27FC236}">
-                <a16:creationId xmlns:a16="http://schemas.microsoft.com/office/drawing/2014/main" id="{A6590FBD-4448-4D60-9911-1A03C3D49E47}"/>
+          <p:cNvPr id="110" name="矩形 109">
+            <a:extLst>
+              <a:ext uri="{FF2B5EF4-FFF2-40B4-BE49-F238E27FC236}">
+                <a16:creationId xmlns:a16="http://schemas.microsoft.com/office/drawing/2014/main" id="{B90D592D-8EC6-48C8-8B26-638DFAA10BEC}"/>
+              </a:ext>
+            </a:extLst>
+          </p:cNvPr>
+          <p:cNvSpPr/>
+          <p:nvPr/>
+        </p:nvSpPr>
+        <p:spPr>
+          <a:xfrm>
+            <a:off x="8064467" y="4061740"/>
+            <a:ext cx="2403836" cy="499620"/>
+          </a:xfrm>
+          <a:prstGeom prst="rect">
+            <a:avLst/>
+          </a:prstGeom>
+          <a:solidFill>
+            <a:srgbClr val="215CC1"/>
+          </a:solidFill>
+          <a:ln>
+            <a:solidFill>
+              <a:schemeClr val="tx1"/>
+            </a:solidFill>
+          </a:ln>
+        </p:spPr>
+        <p:style>
+          <a:lnRef idx="2">
+            <a:schemeClr val="accent1">
+              <a:shade val="50000"/>
+            </a:schemeClr>
+          </a:lnRef>
+          <a:fillRef idx="1">
+            <a:schemeClr val="accent1"/>
+          </a:fillRef>
+          <a:effectRef idx="0">
+            <a:schemeClr val="accent1"/>
+          </a:effectRef>
+          <a:fontRef idx="minor">
+            <a:schemeClr val="lt1"/>
+          </a:fontRef>
+        </p:style>
+        <p:txBody>
+          <a:bodyPr rtlCol="0" anchor="ctr"/>
+          <a:lstStyle/>
+          <a:p>
+            <a:pPr algn="ctr"/>
+            <a:r>
+              <a:rPr lang="zh-CN" altLang="en-US" sz="1600" b="1" dirty="0">
+                <a:solidFill>
+                  <a:schemeClr val="bg1"/>
+                </a:solidFill>
+                <a:latin typeface="Times New Roman" panose="02020603050405020304" pitchFamily="18" charset="0"/>
+                <a:cs typeface="Times New Roman" panose="02020603050405020304" pitchFamily="18" charset="0"/>
+              </a:rPr>
+              <a:t>将</a:t>
+            </a:r>
+            <a:r>
+              <a:rPr lang="en-US" altLang="zh-CN" sz="1600" b="1" dirty="0">
+                <a:solidFill>
+                  <a:schemeClr val="bg1"/>
+                </a:solidFill>
+                <a:latin typeface="Times New Roman" panose="02020603050405020304" pitchFamily="18" charset="0"/>
+                <a:cs typeface="Times New Roman" panose="02020603050405020304" pitchFamily="18" charset="0"/>
+              </a:rPr>
+              <a:t>buffer</a:t>
+            </a:r>
+            <a:r>
+              <a:rPr lang="zh-CN" altLang="en-US" sz="1600" b="1" dirty="0">
+                <a:solidFill>
+                  <a:schemeClr val="bg1"/>
+                </a:solidFill>
+                <a:latin typeface="Times New Roman" panose="02020603050405020304" pitchFamily="18" charset="0"/>
+                <a:cs typeface="Times New Roman" panose="02020603050405020304" pitchFamily="18" charset="0"/>
+              </a:rPr>
+              <a:t>写入</a:t>
+            </a:r>
+            <a:r>
+              <a:rPr lang="en-US" altLang="zh-CN" sz="1600" b="1" dirty="0">
+                <a:solidFill>
+                  <a:schemeClr val="bg1"/>
+                </a:solidFill>
+                <a:latin typeface="Times New Roman" panose="02020603050405020304" pitchFamily="18" charset="0"/>
+                <a:cs typeface="Times New Roman" panose="02020603050405020304" pitchFamily="18" charset="0"/>
+              </a:rPr>
+              <a:t>Flash</a:t>
+            </a:r>
+            <a:endParaRPr lang="zh-CN" altLang="en-US" sz="1600" b="1" dirty="0">
+              <a:solidFill>
+                <a:schemeClr val="bg1"/>
+              </a:solidFill>
+              <a:latin typeface="Times New Roman" panose="02020603050405020304" pitchFamily="18" charset="0"/>
+              <a:cs typeface="Times New Roman" panose="02020603050405020304" pitchFamily="18" charset="0"/>
+            </a:endParaRPr>
+          </a:p>
+        </p:txBody>
+      </p:sp>
+      <p:cxnSp>
+        <p:nvCxnSpPr>
+          <p:cNvPr id="111" name="连接符: 肘形 110">
+            <a:extLst>
+              <a:ext uri="{FF2B5EF4-FFF2-40B4-BE49-F238E27FC236}">
+                <a16:creationId xmlns:a16="http://schemas.microsoft.com/office/drawing/2014/main" id="{3FAF30E1-D763-43B6-8C90-9A96FF98DA99}"/>
+              </a:ext>
+            </a:extLst>
+          </p:cNvPr>
+          <p:cNvCxnSpPr>
+            <a:cxnSpLocks/>
+            <a:stCxn id="110" idx="1"/>
+            <a:endCxn id="49" idx="3"/>
+          </p:cNvCxnSpPr>
+          <p:nvPr/>
+        </p:nvCxnSpPr>
+        <p:spPr>
+          <a:xfrm rot="10800000">
+            <a:off x="7113933" y="3300962"/>
+            <a:ext cx="950535" cy="1010588"/>
+          </a:xfrm>
+          <a:prstGeom prst="bentConnector3">
+            <a:avLst/>
+          </a:prstGeom>
+          <a:ln w="12700">
+            <a:headEnd type="oval" w="med" len="med"/>
+            <a:tailEnd type="triangle" w="med" len="med"/>
+          </a:ln>
+        </p:spPr>
+        <p:style>
+          <a:lnRef idx="1">
+            <a:schemeClr val="dk1"/>
+          </a:lnRef>
+          <a:fillRef idx="0">
+            <a:schemeClr val="dk1"/>
+          </a:fillRef>
+          <a:effectRef idx="0">
+            <a:schemeClr val="dk1"/>
+          </a:effectRef>
+          <a:fontRef idx="minor">
+            <a:schemeClr val="tx1"/>
+          </a:fontRef>
+        </p:style>
+      </p:cxnSp>
+      <p:cxnSp>
+        <p:nvCxnSpPr>
+          <p:cNvPr id="119" name="直接箭头连接符 118">
+            <a:extLst>
+              <a:ext uri="{FF2B5EF4-FFF2-40B4-BE49-F238E27FC236}">
+                <a16:creationId xmlns:a16="http://schemas.microsoft.com/office/drawing/2014/main" id="{194602BA-8050-44F7-B9AB-A18751C850C6}"/>
+              </a:ext>
+            </a:extLst>
+          </p:cNvPr>
+          <p:cNvCxnSpPr>
+            <a:cxnSpLocks/>
+            <a:stCxn id="96" idx="0"/>
+            <a:endCxn id="98" idx="2"/>
+          </p:cNvCxnSpPr>
+          <p:nvPr/>
+        </p:nvCxnSpPr>
+        <p:spPr>
+          <a:xfrm flipV="1">
+            <a:off x="9266385" y="5401572"/>
+            <a:ext cx="0" cy="336223"/>
+          </a:xfrm>
+          <a:prstGeom prst="straightConnector1">
+            <a:avLst/>
+          </a:prstGeom>
+          <a:ln w="12700">
+            <a:headEnd type="oval" w="med" len="med"/>
+            <a:tailEnd type="triangle" w="med" len="med"/>
+          </a:ln>
+        </p:spPr>
+        <p:style>
+          <a:lnRef idx="1">
+            <a:schemeClr val="dk1"/>
+          </a:lnRef>
+          <a:fillRef idx="0">
+            <a:schemeClr val="dk1"/>
+          </a:fillRef>
+          <a:effectRef idx="0">
+            <a:schemeClr val="dk1"/>
+          </a:effectRef>
+          <a:fontRef idx="minor">
+            <a:schemeClr val="tx1"/>
+          </a:fontRef>
+        </p:style>
+      </p:cxnSp>
+      <p:cxnSp>
+        <p:nvCxnSpPr>
+          <p:cNvPr id="120" name="直接箭头连接符 119">
+            <a:extLst>
+              <a:ext uri="{FF2B5EF4-FFF2-40B4-BE49-F238E27FC236}">
+                <a16:creationId xmlns:a16="http://schemas.microsoft.com/office/drawing/2014/main" id="{89FAD586-165B-43B1-AEA2-7B7823C42EA0}"/>
+              </a:ext>
+            </a:extLst>
+          </p:cNvPr>
+          <p:cNvCxnSpPr>
+            <a:cxnSpLocks/>
+            <a:stCxn id="98" idx="0"/>
+            <a:endCxn id="110" idx="2"/>
+          </p:cNvCxnSpPr>
+          <p:nvPr/>
+        </p:nvCxnSpPr>
+        <p:spPr>
+          <a:xfrm flipV="1">
+            <a:off x="9266385" y="4561360"/>
+            <a:ext cx="0" cy="340592"/>
+          </a:xfrm>
+          <a:prstGeom prst="straightConnector1">
+            <a:avLst/>
+          </a:prstGeom>
+          <a:ln w="12700">
+            <a:headEnd type="oval" w="med" len="med"/>
+            <a:tailEnd type="triangle" w="med" len="med"/>
+          </a:ln>
+        </p:spPr>
+        <p:style>
+          <a:lnRef idx="1">
+            <a:schemeClr val="dk1"/>
+          </a:lnRef>
+          <a:fillRef idx="0">
+            <a:schemeClr val="dk1"/>
+          </a:fillRef>
+          <a:effectRef idx="0">
+            <a:schemeClr val="dk1"/>
+          </a:effectRef>
+          <a:fontRef idx="minor">
+            <a:schemeClr val="tx1"/>
+          </a:fontRef>
+        </p:style>
+      </p:cxnSp>
+      <p:cxnSp>
+        <p:nvCxnSpPr>
+          <p:cNvPr id="121" name="连接符: 肘形 120">
+            <a:extLst>
+              <a:ext uri="{FF2B5EF4-FFF2-40B4-BE49-F238E27FC236}">
+                <a16:creationId xmlns:a16="http://schemas.microsoft.com/office/drawing/2014/main" id="{FD0C9F45-794F-4431-9CA5-668C2E501D4E}"/>
+              </a:ext>
+            </a:extLst>
+          </p:cNvPr>
+          <p:cNvCxnSpPr>
+            <a:cxnSpLocks/>
+            <a:stCxn id="96" idx="3"/>
+            <a:endCxn id="110" idx="3"/>
+          </p:cNvCxnSpPr>
+          <p:nvPr/>
+        </p:nvCxnSpPr>
+        <p:spPr>
+          <a:xfrm flipH="1" flipV="1">
+            <a:off x="10468303" y="4311550"/>
+            <a:ext cx="199530" cy="1855165"/>
+          </a:xfrm>
+          <a:prstGeom prst="bentConnector3">
+            <a:avLst>
+              <a:gd name="adj1" fmla="val -114569"/>
+            </a:avLst>
+          </a:prstGeom>
+          <a:ln w="12700">
+            <a:headEnd type="oval" w="med" len="med"/>
+            <a:tailEnd type="triangle" w="med" len="med"/>
+          </a:ln>
+        </p:spPr>
+        <p:style>
+          <a:lnRef idx="1">
+            <a:schemeClr val="dk1"/>
+          </a:lnRef>
+          <a:fillRef idx="0">
+            <a:schemeClr val="dk1"/>
+          </a:fillRef>
+          <a:effectRef idx="0">
+            <a:schemeClr val="dk1"/>
+          </a:effectRef>
+          <a:fontRef idx="minor">
+            <a:schemeClr val="tx1"/>
+          </a:fontRef>
+        </p:style>
+      </p:cxnSp>
+      <p:sp>
+        <p:nvSpPr>
+          <p:cNvPr id="122" name="矩形 121">
+            <a:extLst>
+              <a:ext uri="{FF2B5EF4-FFF2-40B4-BE49-F238E27FC236}">
+                <a16:creationId xmlns:a16="http://schemas.microsoft.com/office/drawing/2014/main" id="{BAFCB83E-BF96-4AFF-A8A1-57437C99BD87}"/>
+              </a:ext>
+            </a:extLst>
+          </p:cNvPr>
+          <p:cNvSpPr/>
+          <p:nvPr/>
+        </p:nvSpPr>
+        <p:spPr>
+          <a:xfrm>
+            <a:off x="4510566" y="6909867"/>
+            <a:ext cx="2403836" cy="499620"/>
+          </a:xfrm>
+          <a:prstGeom prst="rect">
+            <a:avLst/>
+          </a:prstGeom>
+          <a:solidFill>
+            <a:srgbClr val="6DB015"/>
+          </a:solidFill>
+          <a:ln>
+            <a:solidFill>
+              <a:schemeClr val="tx1"/>
+            </a:solidFill>
+          </a:ln>
+        </p:spPr>
+        <p:style>
+          <a:lnRef idx="2">
+            <a:schemeClr val="accent1">
+              <a:shade val="50000"/>
+            </a:schemeClr>
+          </a:lnRef>
+          <a:fillRef idx="1">
+            <a:schemeClr val="accent1"/>
+          </a:fillRef>
+          <a:effectRef idx="0">
+            <a:schemeClr val="accent1"/>
+          </a:effectRef>
+          <a:fontRef idx="minor">
+            <a:schemeClr val="lt1"/>
+          </a:fontRef>
+        </p:style>
+        <p:txBody>
+          <a:bodyPr rtlCol="0" anchor="ctr"/>
+          <a:lstStyle/>
+          <a:p>
+            <a:pPr algn="ctr"/>
+            <a:r>
+              <a:rPr lang="zh-CN" altLang="en-US" sz="1600" b="1" dirty="0">
+                <a:solidFill>
+                  <a:schemeClr val="bg1"/>
+                </a:solidFill>
+                <a:latin typeface="Times New Roman" panose="02020603050405020304" pitchFamily="18" charset="0"/>
+                <a:cs typeface="Times New Roman" panose="02020603050405020304" pitchFamily="18" charset="0"/>
+              </a:rPr>
+              <a:t>结束</a:t>
+            </a:r>
+          </a:p>
+        </p:txBody>
+      </p:sp>
+      <p:cxnSp>
+        <p:nvCxnSpPr>
+          <p:cNvPr id="123" name="连接符: 肘形 122">
+            <a:extLst>
+              <a:ext uri="{FF2B5EF4-FFF2-40B4-BE49-F238E27FC236}">
+                <a16:creationId xmlns:a16="http://schemas.microsoft.com/office/drawing/2014/main" id="{0146770D-03F8-4F25-AE63-BF6DCE0B63E5}"/>
+              </a:ext>
+            </a:extLst>
+          </p:cNvPr>
+          <p:cNvCxnSpPr>
+            <a:cxnSpLocks/>
+            <a:stCxn id="49" idx="3"/>
+            <a:endCxn id="122" idx="3"/>
+          </p:cNvCxnSpPr>
+          <p:nvPr/>
+        </p:nvCxnSpPr>
+        <p:spPr>
+          <a:xfrm flipH="1">
+            <a:off x="6914402" y="3300962"/>
+            <a:ext cx="199530" cy="3858715"/>
+          </a:xfrm>
+          <a:prstGeom prst="bentConnector3">
+            <a:avLst>
+              <a:gd name="adj1" fmla="val -102968"/>
+            </a:avLst>
+          </a:prstGeom>
+          <a:ln w="12700">
+            <a:headEnd type="oval" w="med" len="med"/>
+            <a:tailEnd type="triangle" w="med" len="med"/>
+          </a:ln>
+        </p:spPr>
+        <p:style>
+          <a:lnRef idx="1">
+            <a:schemeClr val="dk1"/>
+          </a:lnRef>
+          <a:fillRef idx="0">
+            <a:schemeClr val="dk1"/>
+          </a:fillRef>
+          <a:effectRef idx="0">
+            <a:schemeClr val="dk1"/>
+          </a:effectRef>
+          <a:fontRef idx="minor">
+            <a:schemeClr val="tx1"/>
+          </a:fontRef>
+        </p:style>
+      </p:cxnSp>
+      <p:cxnSp>
+        <p:nvCxnSpPr>
+          <p:cNvPr id="124" name="连接符: 肘形 123">
+            <a:extLst>
+              <a:ext uri="{FF2B5EF4-FFF2-40B4-BE49-F238E27FC236}">
+                <a16:creationId xmlns:a16="http://schemas.microsoft.com/office/drawing/2014/main" id="{A531DE62-2906-4ABF-A627-3EAC2DB005A2}"/>
+              </a:ext>
+            </a:extLst>
+          </p:cNvPr>
+          <p:cNvCxnSpPr>
+            <a:cxnSpLocks/>
+            <a:stCxn id="86" idx="3"/>
+            <a:endCxn id="122" idx="3"/>
+          </p:cNvCxnSpPr>
+          <p:nvPr/>
+        </p:nvCxnSpPr>
+        <p:spPr>
+          <a:xfrm flipH="1">
+            <a:off x="6914402" y="1264765"/>
+            <a:ext cx="199530" cy="5894912"/>
+          </a:xfrm>
+          <a:prstGeom prst="bentConnector3">
+            <a:avLst>
+              <a:gd name="adj1" fmla="val -2150711"/>
+            </a:avLst>
+          </a:prstGeom>
+          <a:ln w="12700">
+            <a:headEnd type="oval" w="med" len="med"/>
+            <a:tailEnd type="triangle" w="med" len="med"/>
+          </a:ln>
+        </p:spPr>
+        <p:style>
+          <a:lnRef idx="1">
+            <a:schemeClr val="dk1"/>
+          </a:lnRef>
+          <a:fillRef idx="0">
+            <a:schemeClr val="dk1"/>
+          </a:fillRef>
+          <a:effectRef idx="0">
+            <a:schemeClr val="dk1"/>
+          </a:effectRef>
+          <a:fontRef idx="minor">
+            <a:schemeClr val="tx1"/>
+          </a:fontRef>
+        </p:style>
+      </p:cxnSp>
+      <p:sp>
+        <p:nvSpPr>
+          <p:cNvPr id="125" name="文本框 124">
+            <a:extLst>
+              <a:ext uri="{FF2B5EF4-FFF2-40B4-BE49-F238E27FC236}">
+                <a16:creationId xmlns:a16="http://schemas.microsoft.com/office/drawing/2014/main" id="{1506B0B8-A514-4EB1-870C-22E062C3158B}"/>
               </a:ext>
             </a:extLst>
           </p:cNvPr>
@@ -19970,8 +23921,8 @@
         </p:nvSpPr>
         <p:spPr>
           <a:xfrm>
-            <a:off x="3899128" y="3888528"/>
-            <a:ext cx="893264" cy="338554"/>
+            <a:off x="7111992" y="945413"/>
+            <a:ext cx="950535" cy="338554"/>
           </a:xfrm>
           <a:prstGeom prst="rect">
             <a:avLst/>
@@ -19985,8 +23936,236 @@
           <a:lstStyle/>
           <a:p>
             <a:r>
-              <a:rPr lang="zh-CN" altLang="en-US" sz="1600" dirty="0">
-                <a:latin typeface="The Serif Hand Black" panose="03070902030502020204" pitchFamily="66" charset="0"/>
+              <a:rPr lang="zh-CN" altLang="en-US" sz="1600" b="1" dirty="0">
+                <a:latin typeface="Times New Roman" panose="02020603050405020304" pitchFamily="18" charset="0"/>
+                <a:cs typeface="Times New Roman" panose="02020603050405020304" pitchFamily="18" charset="0"/>
+              </a:rPr>
+              <a:t>不合法</a:t>
+            </a:r>
+          </a:p>
+        </p:txBody>
+      </p:sp>
+      <p:sp>
+        <p:nvSpPr>
+          <p:cNvPr id="126" name="文本框 125">
+            <a:extLst>
+              <a:ext uri="{FF2B5EF4-FFF2-40B4-BE49-F238E27FC236}">
+                <a16:creationId xmlns:a16="http://schemas.microsoft.com/office/drawing/2014/main" id="{208548C4-A03A-4EB9-9708-E87C9989D650}"/>
+              </a:ext>
+            </a:extLst>
+          </p:cNvPr>
+          <p:cNvSpPr txBox="1"/>
+          <p:nvPr/>
+        </p:nvSpPr>
+        <p:spPr>
+          <a:xfrm>
+            <a:off x="9283676" y="5427460"/>
+            <a:ext cx="950535" cy="338554"/>
+          </a:xfrm>
+          <a:prstGeom prst="rect">
+            <a:avLst/>
+          </a:prstGeom>
+          <a:noFill/>
+        </p:spPr>
+        <p:txBody>
+          <a:bodyPr wrap="square" rtlCol="0">
+            <a:spAutoFit/>
+          </a:bodyPr>
+          <a:lstStyle/>
+          <a:p>
+            <a:r>
+              <a:rPr lang="zh-CN" altLang="en-US" sz="1600" b="1" dirty="0">
+                <a:latin typeface="Times New Roman" panose="02020603050405020304" pitchFamily="18" charset="0"/>
+                <a:cs typeface="Times New Roman" panose="02020603050405020304" pitchFamily="18" charset="0"/>
+              </a:rPr>
+              <a:t>是</a:t>
+            </a:r>
+          </a:p>
+        </p:txBody>
+      </p:sp>
+      <p:sp>
+        <p:nvSpPr>
+          <p:cNvPr id="127" name="文本框 126">
+            <a:extLst>
+              <a:ext uri="{FF2B5EF4-FFF2-40B4-BE49-F238E27FC236}">
+                <a16:creationId xmlns:a16="http://schemas.microsoft.com/office/drawing/2014/main" id="{BE6FEACB-D332-4C46-851F-6E903890A25F}"/>
+              </a:ext>
+            </a:extLst>
+          </p:cNvPr>
+          <p:cNvSpPr txBox="1"/>
+          <p:nvPr/>
+        </p:nvSpPr>
+        <p:spPr>
+          <a:xfrm>
+            <a:off x="10468303" y="5774687"/>
+            <a:ext cx="950535" cy="338554"/>
+          </a:xfrm>
+          <a:prstGeom prst="rect">
+            <a:avLst/>
+          </a:prstGeom>
+          <a:noFill/>
+        </p:spPr>
+        <p:txBody>
+          <a:bodyPr wrap="square" rtlCol="0">
+            <a:spAutoFit/>
+          </a:bodyPr>
+          <a:lstStyle/>
+          <a:p>
+            <a:r>
+              <a:rPr lang="zh-CN" altLang="en-US" sz="1600" b="1" dirty="0">
+                <a:latin typeface="Times New Roman" panose="02020603050405020304" pitchFamily="18" charset="0"/>
+                <a:cs typeface="Times New Roman" panose="02020603050405020304" pitchFamily="18" charset="0"/>
+              </a:rPr>
+              <a:t>否</a:t>
+            </a:r>
+          </a:p>
+        </p:txBody>
+      </p:sp>
+      <p:sp>
+        <p:nvSpPr>
+          <p:cNvPr id="128" name="文本框 127">
+            <a:extLst>
+              <a:ext uri="{FF2B5EF4-FFF2-40B4-BE49-F238E27FC236}">
+                <a16:creationId xmlns:a16="http://schemas.microsoft.com/office/drawing/2014/main" id="{F3283657-7E13-4D5A-92DF-FEF644718368}"/>
+              </a:ext>
+            </a:extLst>
+          </p:cNvPr>
+          <p:cNvSpPr txBox="1"/>
+          <p:nvPr/>
+        </p:nvSpPr>
+        <p:spPr>
+          <a:xfrm>
+            <a:off x="594577" y="5766014"/>
+            <a:ext cx="950535" cy="338554"/>
+          </a:xfrm>
+          <a:prstGeom prst="rect">
+            <a:avLst/>
+          </a:prstGeom>
+          <a:noFill/>
+        </p:spPr>
+        <p:txBody>
+          <a:bodyPr wrap="square" rtlCol="0">
+            <a:spAutoFit/>
+          </a:bodyPr>
+          <a:lstStyle/>
+          <a:p>
+            <a:r>
+              <a:rPr lang="zh-CN" altLang="en-US" sz="1600" b="1" dirty="0">
+                <a:latin typeface="Times New Roman" panose="02020603050405020304" pitchFamily="18" charset="0"/>
+                <a:cs typeface="Times New Roman" panose="02020603050405020304" pitchFamily="18" charset="0"/>
+              </a:rPr>
+              <a:t>否</a:t>
+            </a:r>
+          </a:p>
+        </p:txBody>
+      </p:sp>
+      <p:sp>
+        <p:nvSpPr>
+          <p:cNvPr id="129" name="文本框 128">
+            <a:extLst>
+              <a:ext uri="{FF2B5EF4-FFF2-40B4-BE49-F238E27FC236}">
+                <a16:creationId xmlns:a16="http://schemas.microsoft.com/office/drawing/2014/main" id="{02A0A742-5C3C-4C98-8670-C3D51779529F}"/>
+              </a:ext>
+            </a:extLst>
+          </p:cNvPr>
+          <p:cNvSpPr txBox="1"/>
+          <p:nvPr/>
+        </p:nvSpPr>
+        <p:spPr>
+          <a:xfrm>
+            <a:off x="2296117" y="5427460"/>
+            <a:ext cx="950535" cy="338554"/>
+          </a:xfrm>
+          <a:prstGeom prst="rect">
+            <a:avLst/>
+          </a:prstGeom>
+          <a:noFill/>
+        </p:spPr>
+        <p:txBody>
+          <a:bodyPr wrap="square" rtlCol="0">
+            <a:spAutoFit/>
+          </a:bodyPr>
+          <a:lstStyle/>
+          <a:p>
+            <a:r>
+              <a:rPr lang="zh-CN" altLang="en-US" sz="1600" b="1" dirty="0">
+                <a:latin typeface="Times New Roman" panose="02020603050405020304" pitchFamily="18" charset="0"/>
+                <a:cs typeface="Times New Roman" panose="02020603050405020304" pitchFamily="18" charset="0"/>
+              </a:rPr>
+              <a:t>是</a:t>
+            </a:r>
+          </a:p>
+        </p:txBody>
+      </p:sp>
+      <p:sp>
+        <p:nvSpPr>
+          <p:cNvPr id="130" name="文本框 129">
+            <a:extLst>
+              <a:ext uri="{FF2B5EF4-FFF2-40B4-BE49-F238E27FC236}">
+                <a16:creationId xmlns:a16="http://schemas.microsoft.com/office/drawing/2014/main" id="{77B4D386-0F33-4F6E-9BFA-5AF9841C4DE3}"/>
+              </a:ext>
+            </a:extLst>
+          </p:cNvPr>
+          <p:cNvSpPr txBox="1"/>
+          <p:nvPr/>
+        </p:nvSpPr>
+        <p:spPr>
+          <a:xfrm>
+            <a:off x="7009190" y="2923506"/>
+            <a:ext cx="950535" cy="338554"/>
+          </a:xfrm>
+          <a:prstGeom prst="rect">
+            <a:avLst/>
+          </a:prstGeom>
+          <a:noFill/>
+        </p:spPr>
+        <p:txBody>
+          <a:bodyPr wrap="square" rtlCol="0">
+            <a:spAutoFit/>
+          </a:bodyPr>
+          <a:lstStyle/>
+          <a:p>
+            <a:r>
+              <a:rPr lang="zh-CN" altLang="en-US" sz="1600" b="1" dirty="0">
+                <a:latin typeface="Times New Roman" panose="02020603050405020304" pitchFamily="18" charset="0"/>
+                <a:cs typeface="Times New Roman" panose="02020603050405020304" pitchFamily="18" charset="0"/>
+              </a:rPr>
+              <a:t>是</a:t>
+            </a:r>
+          </a:p>
+        </p:txBody>
+      </p:sp>
+      <p:sp>
+        <p:nvSpPr>
+          <p:cNvPr id="131" name="文本框 130">
+            <a:extLst>
+              <a:ext uri="{FF2B5EF4-FFF2-40B4-BE49-F238E27FC236}">
+                <a16:creationId xmlns:a16="http://schemas.microsoft.com/office/drawing/2014/main" id="{3BE24FE4-F3AA-4A3E-8BBA-AC7391F2DA4C}"/>
+              </a:ext>
+            </a:extLst>
+          </p:cNvPr>
+          <p:cNvSpPr txBox="1"/>
+          <p:nvPr/>
+        </p:nvSpPr>
+        <p:spPr>
+          <a:xfrm>
+            <a:off x="5719432" y="3694859"/>
+            <a:ext cx="950535" cy="338554"/>
+          </a:xfrm>
+          <a:prstGeom prst="rect">
+            <a:avLst/>
+          </a:prstGeom>
+          <a:noFill/>
+        </p:spPr>
+        <p:txBody>
+          <a:bodyPr wrap="square" rtlCol="0">
+            <a:spAutoFit/>
+          </a:bodyPr>
+          <a:lstStyle/>
+          <a:p>
+            <a:r>
+              <a:rPr lang="zh-CN" altLang="en-US" sz="1600" b="1" dirty="0">
+                <a:latin typeface="Times New Roman" panose="02020603050405020304" pitchFamily="18" charset="0"/>
                 <a:cs typeface="Times New Roman" panose="02020603050405020304" pitchFamily="18" charset="0"/>
               </a:rPr>
               <a:t>否</a:t>
@@ -19997,7 +24176,7 @@
     </p:spTree>
     <p:extLst>
       <p:ext uri="{BB962C8B-B14F-4D97-AF65-F5344CB8AC3E}">
-        <p14:creationId xmlns:p14="http://schemas.microsoft.com/office/powerpoint/2010/main" val="1689721725"/>
+        <p14:creationId xmlns:p14="http://schemas.microsoft.com/office/powerpoint/2010/main" val="4261373628"/>
       </p:ext>
     </p:extLst>
   </p:cSld>
@@ -20300,4 +24479,299 @@
     </a:ext>
   </a:extLst>
 </a:theme>
+</file>
+
+<file path=ppt/theme/theme2.xml><?xml version="1.0" encoding="utf-8"?>
+<a:theme xmlns:a="http://schemas.openxmlformats.org/drawingml/2006/main" name="Office 主题​​">
+  <a:themeElements>
+    <a:clrScheme name="Office">
+      <a:dk1>
+        <a:sysClr val="windowText" lastClr="000000"/>
+      </a:dk1>
+      <a:lt1>
+        <a:sysClr val="window" lastClr="FFFFFF"/>
+      </a:lt1>
+      <a:dk2>
+        <a:srgbClr val="44546A"/>
+      </a:dk2>
+      <a:lt2>
+        <a:srgbClr val="E7E6E6"/>
+      </a:lt2>
+      <a:accent1>
+        <a:srgbClr val="4472C4"/>
+      </a:accent1>
+      <a:accent2>
+        <a:srgbClr val="ED7D31"/>
+      </a:accent2>
+      <a:accent3>
+        <a:srgbClr val="A5A5A5"/>
+      </a:accent3>
+      <a:accent4>
+        <a:srgbClr val="FFC000"/>
+      </a:accent4>
+      <a:accent5>
+        <a:srgbClr val="5B9BD5"/>
+      </a:accent5>
+      <a:accent6>
+        <a:srgbClr val="70AD47"/>
+      </a:accent6>
+      <a:hlink>
+        <a:srgbClr val="0563C1"/>
+      </a:hlink>
+      <a:folHlink>
+        <a:srgbClr val="954F72"/>
+      </a:folHlink>
+    </a:clrScheme>
+    <a:fontScheme name="Office">
+      <a:majorFont>
+        <a:latin typeface="等线 Light" panose="020F0302020204030204"/>
+        <a:ea typeface=""/>
+        <a:cs typeface=""/>
+        <a:font script="Jpan" typeface="游ゴシック Light"/>
+        <a:font script="Hang" typeface="맑은 고딕"/>
+        <a:font script="Hans" typeface="等线 Light"/>
+        <a:font script="Hant" typeface="新細明體"/>
+        <a:font script="Arab" typeface="Times New Roman"/>
+        <a:font script="Hebr" typeface="Times New Roman"/>
+        <a:font script="Thai" typeface="Angsana New"/>
+        <a:font script="Ethi" typeface="Nyala"/>
+        <a:font script="Beng" typeface="Vrinda"/>
+        <a:font script="Gujr" typeface="Shruti"/>
+        <a:font script="Khmr" typeface="MoolBoran"/>
+        <a:font script="Knda" typeface="Tunga"/>
+        <a:font script="Guru" typeface="Raavi"/>
+        <a:font script="Cans" typeface="Euphemia"/>
+        <a:font script="Cher" typeface="Plantagenet Cherokee"/>
+        <a:font script="Yiii" typeface="Microsoft Yi Baiti"/>
+        <a:font script="Tibt" typeface="Microsoft Himalaya"/>
+        <a:font script="Thaa" typeface="MV Boli"/>
+        <a:font script="Deva" typeface="Mangal"/>
+        <a:font script="Telu" typeface="Gautami"/>
+        <a:font script="Taml" typeface="Latha"/>
+        <a:font script="Syrc" typeface="Estrangelo Edessa"/>
+        <a:font script="Orya" typeface="Kalinga"/>
+        <a:font script="Mlym" typeface="Kartika"/>
+        <a:font script="Laoo" typeface="DokChampa"/>
+        <a:font script="Sinh" typeface="Iskoola Pota"/>
+        <a:font script="Mong" typeface="Mongolian Baiti"/>
+        <a:font script="Viet" typeface="Times New Roman"/>
+        <a:font script="Uigh" typeface="Microsoft Uighur"/>
+        <a:font script="Geor" typeface="Sylfaen"/>
+        <a:font script="Armn" typeface="Arial"/>
+        <a:font script="Bugi" typeface="Leelawadee UI"/>
+        <a:font script="Bopo" typeface="Microsoft JhengHei"/>
+        <a:font script="Java" typeface="Javanese Text"/>
+        <a:font script="Lisu" typeface="Segoe UI"/>
+        <a:font script="Mymr" typeface="Myanmar Text"/>
+        <a:font script="Nkoo" typeface="Ebrima"/>
+        <a:font script="Olck" typeface="Nirmala UI"/>
+        <a:font script="Osma" typeface="Ebrima"/>
+        <a:font script="Phag" typeface="Phagspa"/>
+        <a:font script="Syrn" typeface="Estrangelo Edessa"/>
+        <a:font script="Syrj" typeface="Estrangelo Edessa"/>
+        <a:font script="Syre" typeface="Estrangelo Edessa"/>
+        <a:font script="Sora" typeface="Nirmala UI"/>
+        <a:font script="Tale" typeface="Microsoft Tai Le"/>
+        <a:font script="Talu" typeface="Microsoft New Tai Lue"/>
+        <a:font script="Tfng" typeface="Ebrima"/>
+      </a:majorFont>
+      <a:minorFont>
+        <a:latin typeface="等线" panose="020F0502020204030204"/>
+        <a:ea typeface=""/>
+        <a:cs typeface=""/>
+        <a:font script="Jpan" typeface="游ゴシック"/>
+        <a:font script="Hang" typeface="맑은 고딕"/>
+        <a:font script="Hans" typeface="等线"/>
+        <a:font script="Hant" typeface="新細明體"/>
+        <a:font script="Arab" typeface="Arial"/>
+        <a:font script="Hebr" typeface="Arial"/>
+        <a:font script="Thai" typeface="Cordia New"/>
+        <a:font script="Ethi" typeface="Nyala"/>
+        <a:font script="Beng" typeface="Vrinda"/>
+        <a:font script="Gujr" typeface="Shruti"/>
+        <a:font script="Khmr" typeface="DaunPenh"/>
+        <a:font script="Knda" typeface="Tunga"/>
+        <a:font script="Guru" typeface="Raavi"/>
+        <a:font script="Cans" typeface="Euphemia"/>
+        <a:font script="Cher" typeface="Plantagenet Cherokee"/>
+        <a:font script="Yiii" typeface="Microsoft Yi Baiti"/>
+        <a:font script="Tibt" typeface="Microsoft Himalaya"/>
+        <a:font script="Thaa" typeface="MV Boli"/>
+        <a:font script="Deva" typeface="Mangal"/>
+        <a:font script="Telu" typeface="Gautami"/>
+        <a:font script="Taml" typeface="Latha"/>
+        <a:font script="Syrc" typeface="Estrangelo Edessa"/>
+        <a:font script="Orya" typeface="Kalinga"/>
+        <a:font script="Mlym" typeface="Kartika"/>
+        <a:font script="Laoo" typeface="DokChampa"/>
+        <a:font script="Sinh" typeface="Iskoola Pota"/>
+        <a:font script="Mong" typeface="Mongolian Baiti"/>
+        <a:font script="Viet" typeface="Arial"/>
+        <a:font script="Uigh" typeface="Microsoft Uighur"/>
+        <a:font script="Geor" typeface="Sylfaen"/>
+        <a:font script="Armn" typeface="Arial"/>
+        <a:font script="Bugi" typeface="Leelawadee UI"/>
+        <a:font script="Bopo" typeface="Microsoft JhengHei"/>
+        <a:font script="Java" typeface="Javanese Text"/>
+        <a:font script="Lisu" typeface="Segoe UI"/>
+        <a:font script="Mymr" typeface="Myanmar Text"/>
+        <a:font script="Nkoo" typeface="Ebrima"/>
+        <a:font script="Olck" typeface="Nirmala UI"/>
+        <a:font script="Osma" typeface="Ebrima"/>
+        <a:font script="Phag" typeface="Phagspa"/>
+        <a:font script="Syrn" typeface="Estrangelo Edessa"/>
+        <a:font script="Syrj" typeface="Estrangelo Edessa"/>
+        <a:font script="Syre" typeface="Estrangelo Edessa"/>
+        <a:font script="Sora" typeface="Nirmala UI"/>
+        <a:font script="Tale" typeface="Microsoft Tai Le"/>
+        <a:font script="Talu" typeface="Microsoft New Tai Lue"/>
+        <a:font script="Tfng" typeface="Ebrima"/>
+      </a:minorFont>
+    </a:fontScheme>
+    <a:fmtScheme name="Office">
+      <a:fillStyleLst>
+        <a:solidFill>
+          <a:schemeClr val="phClr"/>
+        </a:solidFill>
+        <a:gradFill rotWithShape="1">
+          <a:gsLst>
+            <a:gs pos="0">
+              <a:schemeClr val="phClr">
+                <a:lumMod val="110000"/>
+                <a:satMod val="105000"/>
+                <a:tint val="67000"/>
+              </a:schemeClr>
+            </a:gs>
+            <a:gs pos="50000">
+              <a:schemeClr val="phClr">
+                <a:lumMod val="105000"/>
+                <a:satMod val="103000"/>
+                <a:tint val="73000"/>
+              </a:schemeClr>
+            </a:gs>
+            <a:gs pos="100000">
+              <a:schemeClr val="phClr">
+                <a:lumMod val="105000"/>
+                <a:satMod val="109000"/>
+                <a:tint val="81000"/>
+              </a:schemeClr>
+            </a:gs>
+          </a:gsLst>
+          <a:lin ang="5400000" scaled="0"/>
+        </a:gradFill>
+        <a:gradFill rotWithShape="1">
+          <a:gsLst>
+            <a:gs pos="0">
+              <a:schemeClr val="phClr">
+                <a:satMod val="103000"/>
+                <a:lumMod val="102000"/>
+                <a:tint val="94000"/>
+              </a:schemeClr>
+            </a:gs>
+            <a:gs pos="50000">
+              <a:schemeClr val="phClr">
+                <a:satMod val="110000"/>
+                <a:lumMod val="100000"/>
+                <a:shade val="100000"/>
+              </a:schemeClr>
+            </a:gs>
+            <a:gs pos="100000">
+              <a:schemeClr val="phClr">
+                <a:lumMod val="99000"/>
+                <a:satMod val="120000"/>
+                <a:shade val="78000"/>
+              </a:schemeClr>
+            </a:gs>
+          </a:gsLst>
+          <a:lin ang="5400000" scaled="0"/>
+        </a:gradFill>
+      </a:fillStyleLst>
+      <a:lnStyleLst>
+        <a:ln w="6350" cap="flat" cmpd="sng" algn="ctr">
+          <a:solidFill>
+            <a:schemeClr val="phClr"/>
+          </a:solidFill>
+          <a:prstDash val="solid"/>
+          <a:miter lim="800000"/>
+        </a:ln>
+        <a:ln w="12700" cap="flat" cmpd="sng" algn="ctr">
+          <a:solidFill>
+            <a:schemeClr val="phClr"/>
+          </a:solidFill>
+          <a:prstDash val="solid"/>
+          <a:miter lim="800000"/>
+        </a:ln>
+        <a:ln w="19050" cap="flat" cmpd="sng" algn="ctr">
+          <a:solidFill>
+            <a:schemeClr val="phClr"/>
+          </a:solidFill>
+          <a:prstDash val="solid"/>
+          <a:miter lim="800000"/>
+        </a:ln>
+      </a:lnStyleLst>
+      <a:effectStyleLst>
+        <a:effectStyle>
+          <a:effectLst/>
+        </a:effectStyle>
+        <a:effectStyle>
+          <a:effectLst/>
+        </a:effectStyle>
+        <a:effectStyle>
+          <a:effectLst>
+            <a:outerShdw blurRad="57150" dist="19050" dir="5400000" algn="ctr" rotWithShape="0">
+              <a:srgbClr val="000000">
+                <a:alpha val="63000"/>
+              </a:srgbClr>
+            </a:outerShdw>
+          </a:effectLst>
+        </a:effectStyle>
+      </a:effectStyleLst>
+      <a:bgFillStyleLst>
+        <a:solidFill>
+          <a:schemeClr val="phClr"/>
+        </a:solidFill>
+        <a:solidFill>
+          <a:schemeClr val="phClr">
+            <a:tint val="95000"/>
+            <a:satMod val="170000"/>
+          </a:schemeClr>
+        </a:solidFill>
+        <a:gradFill rotWithShape="1">
+          <a:gsLst>
+            <a:gs pos="0">
+              <a:schemeClr val="phClr">
+                <a:tint val="93000"/>
+                <a:satMod val="150000"/>
+                <a:shade val="98000"/>
+                <a:lumMod val="102000"/>
+              </a:schemeClr>
+            </a:gs>
+            <a:gs pos="50000">
+              <a:schemeClr val="phClr">
+                <a:tint val="98000"/>
+                <a:satMod val="130000"/>
+                <a:shade val="90000"/>
+                <a:lumMod val="103000"/>
+              </a:schemeClr>
+            </a:gs>
+            <a:gs pos="100000">
+              <a:schemeClr val="phClr">
+                <a:shade val="63000"/>
+                <a:satMod val="120000"/>
+              </a:schemeClr>
+            </a:gs>
+          </a:gsLst>
+          <a:lin ang="5400000" scaled="0"/>
+        </a:gradFill>
+      </a:bgFillStyleLst>
+    </a:fmtScheme>
+  </a:themeElements>
+  <a:objectDefaults/>
+  <a:extraClrSchemeLst/>
+  <a:extLst>
+    <a:ext uri="{05A4C25C-085E-4340-85A3-A5531E510DB2}">
+      <thm15:themeFamily xmlns:thm15="http://schemas.microsoft.com/office/thememl/2012/main" name="Office Theme" id="{62F939B6-93AF-4DB8-9C6B-D6C7DFDC589F}" vid="{4A3C46E8-61CC-4603-A589-7422A47A8E4A}"/>
+    </a:ext>
+  </a:extLst>
+</a:theme>
 </file>